--- a/プレゼン/中間報告_danbara.pptx
+++ b/プレゼン/中間報告_danbara.pptx
@@ -5,17 +5,21 @@
     <p:sldMasterId id="2147483780" r:id="rId1"/>
   </p:sldMasterIdLst>
   <p:notesMasterIdLst>
-    <p:notesMasterId r:id="rId10"/>
+    <p:notesMasterId r:id="rId14"/>
   </p:notesMasterIdLst>
   <p:sldIdLst>
     <p:sldId id="256" r:id="rId2"/>
     <p:sldId id="257" r:id="rId3"/>
-    <p:sldId id="276" r:id="rId4"/>
-    <p:sldId id="282" r:id="rId5"/>
-    <p:sldId id="281" r:id="rId6"/>
-    <p:sldId id="278" r:id="rId7"/>
-    <p:sldId id="279" r:id="rId8"/>
-    <p:sldId id="262" r:id="rId9"/>
+    <p:sldId id="286" r:id="rId4"/>
+    <p:sldId id="285" r:id="rId5"/>
+    <p:sldId id="282" r:id="rId6"/>
+    <p:sldId id="290" r:id="rId7"/>
+    <p:sldId id="291" r:id="rId8"/>
+    <p:sldId id="276" r:id="rId9"/>
+    <p:sldId id="287" r:id="rId10"/>
+    <p:sldId id="288" r:id="rId11"/>
+    <p:sldId id="289" r:id="rId12"/>
+    <p:sldId id="281" r:id="rId13"/>
   </p:sldIdLst>
   <p:sldSz cx="12192000" cy="6858000"/>
   <p:notesSz cx="6858000" cy="9144000"/>
@@ -204,7 +208,7 @@
           <a:p>
             <a:fld id="{0649F128-D4FC-489C-860B-9DD0AB1578C1}" type="datetimeFigureOut">
               <a:rPr kumimoji="1" lang="ja-JP" altLang="en-US" smtClean="0"/>
-              <a:t>2019/12/5</a:t>
+              <a:t>2019/12/9</a:t>
             </a:fld>
             <a:endParaRPr kumimoji="1" lang="ja-JP" altLang="en-US"/>
           </a:p>
@@ -832,7 +836,7 @@
           <a:p>
             <a:fld id="{E50F9C81-DB02-44DB-A10A-141CA506DBCE}" type="datetimeFigureOut">
               <a:rPr kumimoji="1" lang="ja-JP" altLang="en-US" smtClean="0"/>
-              <a:t>2019/12/5</a:t>
+              <a:t>2019/12/9</a:t>
             </a:fld>
             <a:endParaRPr kumimoji="1" lang="ja-JP" altLang="en-US"/>
           </a:p>
@@ -1079,7 +1083,7 @@
           <a:p>
             <a:fld id="{E50F9C81-DB02-44DB-A10A-141CA506DBCE}" type="datetimeFigureOut">
               <a:rPr kumimoji="1" lang="ja-JP" altLang="en-US" smtClean="0"/>
-              <a:t>2019/12/5</a:t>
+              <a:t>2019/12/9</a:t>
             </a:fld>
             <a:endParaRPr kumimoji="1" lang="ja-JP" altLang="en-US"/>
           </a:p>
@@ -1374,7 +1378,7 @@
           <a:p>
             <a:fld id="{E50F9C81-DB02-44DB-A10A-141CA506DBCE}" type="datetimeFigureOut">
               <a:rPr kumimoji="1" lang="ja-JP" altLang="en-US" smtClean="0"/>
-              <a:t>2019/12/5</a:t>
+              <a:t>2019/12/9</a:t>
             </a:fld>
             <a:endParaRPr kumimoji="1" lang="ja-JP" altLang="en-US"/>
           </a:p>
@@ -1603,7 +1607,7 @@
           <a:p>
             <a:fld id="{E50F9C81-DB02-44DB-A10A-141CA506DBCE}" type="datetimeFigureOut">
               <a:rPr kumimoji="1" lang="ja-JP" altLang="en-US" smtClean="0"/>
-              <a:t>2019/12/5</a:t>
+              <a:t>2019/12/9</a:t>
             </a:fld>
             <a:endParaRPr kumimoji="1" lang="ja-JP" altLang="en-US"/>
           </a:p>
@@ -1953,7 +1957,7 @@
           <a:p>
             <a:fld id="{E50F9C81-DB02-44DB-A10A-141CA506DBCE}" type="datetimeFigureOut">
               <a:rPr kumimoji="1" lang="ja-JP" altLang="en-US" smtClean="0"/>
-              <a:t>2019/12/5</a:t>
+              <a:t>2019/12/9</a:t>
             </a:fld>
             <a:endParaRPr kumimoji="1" lang="ja-JP" altLang="en-US"/>
           </a:p>
@@ -2340,7 +2344,7 @@
             <a:fld id="{E50F9C81-DB02-44DB-A10A-141CA506DBCE}" type="datetimeFigureOut">
               <a:rPr lang="ja-JP" altLang="en-US" smtClean="0"/>
               <a:pPr/>
-              <a:t>2019/12/5</a:t>
+              <a:t>2019/12/9</a:t>
             </a:fld>
             <a:endParaRPr lang="ja-JP" altLang="en-US"/>
           </a:p>
@@ -2831,7 +2835,7 @@
           <a:p>
             <a:fld id="{E50F9C81-DB02-44DB-A10A-141CA506DBCE}" type="datetimeFigureOut">
               <a:rPr kumimoji="1" lang="ja-JP" altLang="en-US" smtClean="0"/>
-              <a:t>2019/12/5</a:t>
+              <a:t>2019/12/9</a:t>
             </a:fld>
             <a:endParaRPr kumimoji="1" lang="ja-JP" altLang="en-US"/>
           </a:p>
@@ -2956,7 +2960,7 @@
           <a:p>
             <a:fld id="{E50F9C81-DB02-44DB-A10A-141CA506DBCE}" type="datetimeFigureOut">
               <a:rPr kumimoji="1" lang="ja-JP" altLang="en-US" smtClean="0"/>
-              <a:t>2019/12/5</a:t>
+              <a:t>2019/12/9</a:t>
             </a:fld>
             <a:endParaRPr kumimoji="1" lang="ja-JP" altLang="en-US"/>
           </a:p>
@@ -3134,7 +3138,7 @@
           <a:p>
             <a:fld id="{E50F9C81-DB02-44DB-A10A-141CA506DBCE}" type="datetimeFigureOut">
               <a:rPr kumimoji="1" lang="ja-JP" altLang="en-US" smtClean="0"/>
-              <a:t>2019/12/5</a:t>
+              <a:t>2019/12/9</a:t>
             </a:fld>
             <a:endParaRPr kumimoji="1" lang="ja-JP" altLang="en-US"/>
           </a:p>
@@ -3527,7 +3531,7 @@
           <a:p>
             <a:fld id="{E50F9C81-DB02-44DB-A10A-141CA506DBCE}" type="datetimeFigureOut">
               <a:rPr kumimoji="1" lang="ja-JP" altLang="en-US" smtClean="0"/>
-              <a:t>2019/12/5</a:t>
+              <a:t>2019/12/9</a:t>
             </a:fld>
             <a:endParaRPr kumimoji="1" lang="ja-JP" altLang="en-US"/>
           </a:p>
@@ -3904,7 +3908,7 @@
           <a:p>
             <a:fld id="{E50F9C81-DB02-44DB-A10A-141CA506DBCE}" type="datetimeFigureOut">
               <a:rPr kumimoji="1" lang="ja-JP" altLang="en-US" smtClean="0"/>
-              <a:t>2019/12/5</a:t>
+              <a:t>2019/12/9</a:t>
             </a:fld>
             <a:endParaRPr kumimoji="1" lang="ja-JP" altLang="en-US"/>
           </a:p>
@@ -4223,7 +4227,7 @@
           <a:p>
             <a:fld id="{E50F9C81-DB02-44DB-A10A-141CA506DBCE}" type="datetimeFigureOut">
               <a:rPr kumimoji="1" lang="ja-JP" altLang="en-US" smtClean="0"/>
-              <a:t>2019/12/5</a:t>
+              <a:t>2019/12/9</a:t>
             </a:fld>
             <a:endParaRPr kumimoji="1" lang="ja-JP" altLang="en-US"/>
           </a:p>
@@ -4757,23 +4761,34 @@
             <p:ph type="ctrTitle"/>
           </p:nvPr>
         </p:nvSpPr>
-        <p:spPr/>
+        <p:spPr>
+          <a:xfrm>
+            <a:off x="1124544" y="2865665"/>
+            <a:ext cx="10058400" cy="1239012"/>
+          </a:xfrm>
+        </p:spPr>
         <p:txBody>
           <a:bodyPr/>
           <a:lstStyle/>
           <a:p>
-            <a:pPr algn="ctr"/>
-            <a:r>
-              <a:rPr kumimoji="1" lang="en-US" altLang="ja-JP" sz="5400" smtClean="0"/>
-              <a:t>(</a:t>
-            </a:r>
-            <a:r>
-              <a:rPr kumimoji="1" lang="ja-JP" altLang="en-US" sz="5400" smtClean="0"/>
-              <a:t>自動精算システム</a:t>
-            </a:r>
-            <a:r>
-              <a:rPr kumimoji="1" lang="en-US" altLang="ja-JP" sz="5400" smtClean="0"/>
-              <a:t>)</a:t>
+            <a:r>
+              <a:rPr kumimoji="1" lang="en-US" altLang="ja-JP" sz="3600" dirty="0" smtClean="0"/>
+              <a:t>Web</a:t>
+            </a:r>
+            <a:r>
+              <a:rPr kumimoji="1" lang="ja-JP" altLang="en-US" sz="3600" dirty="0" smtClean="0"/>
+              <a:t>カメラとセンシング技術を組み合わせた</a:t>
+            </a:r>
+            <a:r>
+              <a:rPr kumimoji="1" lang="en-US" altLang="ja-JP" sz="3600" dirty="0" smtClean="0"/>
+              <a:t/>
+            </a:r>
+            <a:br>
+              <a:rPr kumimoji="1" lang="en-US" altLang="ja-JP" sz="3600" dirty="0" smtClean="0"/>
+            </a:br>
+            <a:r>
+              <a:rPr kumimoji="1" lang="ja-JP" altLang="en-US" sz="3600" dirty="0" smtClean="0"/>
+              <a:t>バーコード識別システムの開発</a:t>
             </a:r>
             <a:endParaRPr kumimoji="1" lang="ja-JP" altLang="en-US" dirty="0"/>
           </a:p>
@@ -4789,7 +4804,12 @@
             <p:ph type="subTitle" idx="1"/>
           </p:nvPr>
         </p:nvSpPr>
-        <p:spPr/>
+        <p:spPr>
+          <a:xfrm>
+            <a:off x="1124544" y="4610743"/>
+            <a:ext cx="10058400" cy="1143000"/>
+          </a:xfrm>
+        </p:spPr>
         <p:txBody>
           <a:bodyPr>
             <a:normAutofit/>
@@ -4797,12 +4817,16 @@
           <a:lstStyle/>
           <a:p>
             <a:r>
-              <a:rPr kumimoji="1" lang="en-US" altLang="ja-JP" sz="2800" smtClean="0"/>
+              <a:rPr kumimoji="1" lang="en-US" altLang="ja-JP" sz="2800" dirty="0" smtClean="0"/>
               <a:t>2019/12/10</a:t>
             </a:r>
             <a:r>
-              <a:rPr kumimoji="1" lang="ja-JP" altLang="en-US" sz="2800" smtClean="0"/>
-              <a:t>　段原、真鍋</a:t>
+              <a:rPr kumimoji="1" lang="ja-JP" altLang="en-US" sz="2800" dirty="0" smtClean="0"/>
+              <a:t>　段</a:t>
+            </a:r>
+            <a:r>
+              <a:rPr kumimoji="1" lang="ja-JP" altLang="en-US" sz="2800" dirty="0" smtClean="0"/>
+              <a:t>原</a:t>
             </a:r>
             <a:endParaRPr kumimoji="1" lang="en-US" altLang="ja-JP" sz="2800" dirty="0" smtClean="0"/>
           </a:p>
@@ -4817,7 +4841,7 @@
           <p:nvPr/>
         </p:nvPicPr>
         <p:blipFill>
-          <a:blip r:embed="rId2">
+          <a:blip r:embed="rId2" cstate="print">
             <a:extLst>
               <a:ext uri="{28A0092B-C50C-407E-A947-70E740481C1C}">
                 <a14:useLocalDpi xmlns:a14="http://schemas.microsoft.com/office/drawing/2010/main" val="0"/>
@@ -4830,8 +4854,8 @@
         </p:blipFill>
         <p:spPr>
           <a:xfrm>
-            <a:off x="1786888" y="1027858"/>
-            <a:ext cx="8679183" cy="3028348"/>
+            <a:off x="10376262" y="84533"/>
+            <a:ext cx="1558835" cy="543910"/>
           </a:xfrm>
           <a:prstGeom prst="rect">
             <a:avLst/>
@@ -4858,6 +4882,1096 @@
 </p:sld>
 </file>
 
+<file path=ppt/slides/slide10.xml><?xml version="1.0" encoding="utf-8"?>
+<p:sld xmlns:a="http://schemas.openxmlformats.org/drawingml/2006/main" xmlns:r="http://schemas.openxmlformats.org/officeDocument/2006/relationships" xmlns:p="http://schemas.openxmlformats.org/presentationml/2006/main">
+  <p:cSld>
+    <p:spTree>
+      <p:nvGrpSpPr>
+        <p:cNvPr id="1" name=""/>
+        <p:cNvGrpSpPr/>
+        <p:nvPr/>
+      </p:nvGrpSpPr>
+      <p:grpSpPr>
+        <a:xfrm>
+          <a:off x="0" y="0"/>
+          <a:ext cx="0" cy="0"/>
+          <a:chOff x="0" y="0"/>
+          <a:chExt cx="0" cy="0"/>
+        </a:xfrm>
+      </p:grpSpPr>
+      <p:pic>
+        <p:nvPicPr>
+          <p:cNvPr id="2" name="図 1"/>
+          <p:cNvPicPr>
+            <a:picLocks noChangeAspect="1"/>
+          </p:cNvPicPr>
+          <p:nvPr/>
+        </p:nvPicPr>
+        <p:blipFill>
+          <a:blip r:embed="rId2">
+            <a:extLst>
+              <a:ext uri="{28A0092B-C50C-407E-A947-70E740481C1C}">
+                <a14:useLocalDpi xmlns:a14="http://schemas.microsoft.com/office/drawing/2010/main" val="0"/>
+              </a:ext>
+            </a:extLst>
+          </a:blip>
+          <a:stretch>
+            <a:fillRect/>
+          </a:stretch>
+        </p:blipFill>
+        <p:spPr>
+          <a:xfrm>
+            <a:off x="1641701" y="254452"/>
+            <a:ext cx="8998136" cy="6032047"/>
+          </a:xfrm>
+          <a:prstGeom prst="rect">
+            <a:avLst/>
+          </a:prstGeom>
+        </p:spPr>
+      </p:pic>
+      <p:sp>
+        <p:nvSpPr>
+          <p:cNvPr id="5" name="正方形/長方形 4"/>
+          <p:cNvSpPr/>
+          <p:nvPr/>
+        </p:nvSpPr>
+        <p:spPr>
+          <a:xfrm>
+            <a:off x="1420584" y="2302329"/>
+            <a:ext cx="7200901" cy="2416628"/>
+          </a:xfrm>
+          <a:prstGeom prst="rect">
+            <a:avLst/>
+          </a:prstGeom>
+          <a:noFill/>
+          <a:ln w="28575">
+            <a:solidFill>
+              <a:srgbClr val="C00000"/>
+            </a:solidFill>
+          </a:ln>
+        </p:spPr>
+        <p:style>
+          <a:lnRef idx="2">
+            <a:schemeClr val="accent1">
+              <a:shade val="50000"/>
+            </a:schemeClr>
+          </a:lnRef>
+          <a:fillRef idx="1">
+            <a:schemeClr val="accent1"/>
+          </a:fillRef>
+          <a:effectRef idx="0">
+            <a:schemeClr val="accent1"/>
+          </a:effectRef>
+          <a:fontRef idx="minor">
+            <a:schemeClr val="lt1"/>
+          </a:fontRef>
+        </p:style>
+        <p:txBody>
+          <a:bodyPr rtlCol="0" anchor="ctr"/>
+          <a:lstStyle/>
+          <a:p>
+            <a:pPr algn="ctr"/>
+            <a:endParaRPr kumimoji="1" lang="ja-JP" altLang="en-US"/>
+          </a:p>
+        </p:txBody>
+      </p:sp>
+      <p:sp>
+        <p:nvSpPr>
+          <p:cNvPr id="6" name="角丸四角形 5"/>
+          <p:cNvSpPr/>
+          <p:nvPr/>
+        </p:nvSpPr>
+        <p:spPr>
+          <a:xfrm>
+            <a:off x="1477736" y="2432958"/>
+            <a:ext cx="2457450" cy="2171702"/>
+          </a:xfrm>
+          <a:prstGeom prst="roundRect">
+            <a:avLst/>
+          </a:prstGeom>
+          <a:noFill/>
+          <a:ln w="28575"/>
+        </p:spPr>
+        <p:style>
+          <a:lnRef idx="2">
+            <a:schemeClr val="accent1">
+              <a:shade val="50000"/>
+            </a:schemeClr>
+          </a:lnRef>
+          <a:fillRef idx="1">
+            <a:schemeClr val="accent1"/>
+          </a:fillRef>
+          <a:effectRef idx="0">
+            <a:schemeClr val="accent1"/>
+          </a:effectRef>
+          <a:fontRef idx="minor">
+            <a:schemeClr val="lt1"/>
+          </a:fontRef>
+        </p:style>
+        <p:txBody>
+          <a:bodyPr rtlCol="0" anchor="ctr"/>
+          <a:lstStyle/>
+          <a:p>
+            <a:pPr algn="ctr"/>
+            <a:endParaRPr kumimoji="1" lang="ja-JP" altLang="en-US"/>
+          </a:p>
+        </p:txBody>
+      </p:sp>
+      <p:sp>
+        <p:nvSpPr>
+          <p:cNvPr id="7" name="テキスト ボックス 6"/>
+          <p:cNvSpPr txBox="1"/>
+          <p:nvPr/>
+        </p:nvSpPr>
+        <p:spPr>
+          <a:xfrm>
+            <a:off x="3473521" y="2653472"/>
+            <a:ext cx="461665" cy="2040993"/>
+          </a:xfrm>
+          <a:prstGeom prst="rect">
+            <a:avLst/>
+          </a:prstGeom>
+          <a:noFill/>
+        </p:spPr>
+        <p:txBody>
+          <a:bodyPr vert="eaVert" wrap="square" rtlCol="0">
+            <a:spAutoFit/>
+          </a:bodyPr>
+          <a:lstStyle/>
+          <a:p>
+            <a:r>
+              <a:rPr kumimoji="1" lang="ja-JP" altLang="en-US" smtClean="0"/>
+              <a:t>真鍋</a:t>
+            </a:r>
+            <a:endParaRPr kumimoji="1" lang="ja-JP" altLang="en-US"/>
+          </a:p>
+        </p:txBody>
+      </p:sp>
+      <p:sp>
+        <p:nvSpPr>
+          <p:cNvPr id="8" name="角丸四角形 7"/>
+          <p:cNvSpPr/>
+          <p:nvPr/>
+        </p:nvSpPr>
+        <p:spPr>
+          <a:xfrm>
+            <a:off x="4465864" y="2432958"/>
+            <a:ext cx="2147886" cy="2171702"/>
+          </a:xfrm>
+          <a:prstGeom prst="roundRect">
+            <a:avLst/>
+          </a:prstGeom>
+          <a:noFill/>
+          <a:ln w="28575"/>
+        </p:spPr>
+        <p:style>
+          <a:lnRef idx="2">
+            <a:schemeClr val="accent1">
+              <a:shade val="50000"/>
+            </a:schemeClr>
+          </a:lnRef>
+          <a:fillRef idx="1">
+            <a:schemeClr val="accent1"/>
+          </a:fillRef>
+          <a:effectRef idx="0">
+            <a:schemeClr val="accent1"/>
+          </a:effectRef>
+          <a:fontRef idx="minor">
+            <a:schemeClr val="lt1"/>
+          </a:fontRef>
+        </p:style>
+        <p:txBody>
+          <a:bodyPr rtlCol="0" anchor="ctr"/>
+          <a:lstStyle/>
+          <a:p>
+            <a:pPr algn="ctr"/>
+            <a:endParaRPr kumimoji="1" lang="ja-JP" altLang="en-US"/>
+          </a:p>
+        </p:txBody>
+      </p:sp>
+      <p:sp>
+        <p:nvSpPr>
+          <p:cNvPr id="9" name="テキスト ボックス 8"/>
+          <p:cNvSpPr txBox="1"/>
+          <p:nvPr/>
+        </p:nvSpPr>
+        <p:spPr>
+          <a:xfrm>
+            <a:off x="6152085" y="2519934"/>
+            <a:ext cx="461665" cy="2084726"/>
+          </a:xfrm>
+          <a:prstGeom prst="rect">
+            <a:avLst/>
+          </a:prstGeom>
+          <a:noFill/>
+        </p:spPr>
+        <p:txBody>
+          <a:bodyPr vert="eaVert" wrap="square" rtlCol="0">
+            <a:spAutoFit/>
+          </a:bodyPr>
+          <a:lstStyle/>
+          <a:p>
+            <a:r>
+              <a:rPr kumimoji="1" lang="ja-JP" altLang="en-US" smtClean="0"/>
+              <a:t>段原</a:t>
+            </a:r>
+            <a:endParaRPr kumimoji="1" lang="ja-JP" altLang="en-US"/>
+          </a:p>
+        </p:txBody>
+      </p:sp>
+      <p:sp>
+        <p:nvSpPr>
+          <p:cNvPr id="10" name="正方形/長方形 9"/>
+          <p:cNvSpPr/>
+          <p:nvPr/>
+        </p:nvSpPr>
+        <p:spPr>
+          <a:xfrm>
+            <a:off x="8621485" y="4718957"/>
+            <a:ext cx="2283691" cy="1428828"/>
+          </a:xfrm>
+          <a:prstGeom prst="rect">
+            <a:avLst/>
+          </a:prstGeom>
+          <a:noFill/>
+          <a:ln w="28575">
+            <a:solidFill>
+              <a:srgbClr val="C00000"/>
+            </a:solidFill>
+          </a:ln>
+        </p:spPr>
+        <p:style>
+          <a:lnRef idx="2">
+            <a:schemeClr val="accent1">
+              <a:shade val="50000"/>
+            </a:schemeClr>
+          </a:lnRef>
+          <a:fillRef idx="1">
+            <a:schemeClr val="accent1"/>
+          </a:fillRef>
+          <a:effectRef idx="0">
+            <a:schemeClr val="accent1"/>
+          </a:effectRef>
+          <a:fontRef idx="minor">
+            <a:schemeClr val="lt1"/>
+          </a:fontRef>
+        </p:style>
+        <p:txBody>
+          <a:bodyPr rtlCol="0" anchor="ctr"/>
+          <a:lstStyle/>
+          <a:p>
+            <a:pPr algn="ctr"/>
+            <a:endParaRPr kumimoji="1" lang="ja-JP" altLang="en-US"/>
+          </a:p>
+        </p:txBody>
+      </p:sp>
+    </p:spTree>
+    <p:extLst>
+      <p:ext uri="{BB962C8B-B14F-4D97-AF65-F5344CB8AC3E}">
+        <p14:creationId xmlns:p14="http://schemas.microsoft.com/office/powerpoint/2010/main" val="495713416"/>
+      </p:ext>
+    </p:extLst>
+  </p:cSld>
+  <p:clrMapOvr>
+    <a:masterClrMapping/>
+  </p:clrMapOvr>
+  <p:timing>
+    <p:tnLst>
+      <p:par>
+        <p:cTn id="1" dur="indefinite" restart="never" nodeType="tmRoot"/>
+      </p:par>
+    </p:tnLst>
+  </p:timing>
+</p:sld>
+</file>
+
+<file path=ppt/slides/slide11.xml><?xml version="1.0" encoding="utf-8"?>
+<p:sld xmlns:a="http://schemas.openxmlformats.org/drawingml/2006/main" xmlns:r="http://schemas.openxmlformats.org/officeDocument/2006/relationships" xmlns:p="http://schemas.openxmlformats.org/presentationml/2006/main">
+  <p:cSld>
+    <p:spTree>
+      <p:nvGrpSpPr>
+        <p:cNvPr id="1" name=""/>
+        <p:cNvGrpSpPr/>
+        <p:nvPr/>
+      </p:nvGrpSpPr>
+      <p:grpSpPr>
+        <a:xfrm>
+          <a:off x="0" y="0"/>
+          <a:ext cx="0" cy="0"/>
+          <a:chOff x="0" y="0"/>
+          <a:chExt cx="0" cy="0"/>
+        </a:xfrm>
+      </p:grpSpPr>
+      <p:pic>
+        <p:nvPicPr>
+          <p:cNvPr id="3" name="図 2"/>
+          <p:cNvPicPr>
+            <a:picLocks noChangeAspect="1"/>
+          </p:cNvPicPr>
+          <p:nvPr/>
+        </p:nvPicPr>
+        <p:blipFill>
+          <a:blip r:embed="rId2">
+            <a:extLst>
+              <a:ext uri="{28A0092B-C50C-407E-A947-70E740481C1C}">
+                <a14:useLocalDpi xmlns:a14="http://schemas.microsoft.com/office/drawing/2010/main" val="0"/>
+              </a:ext>
+            </a:extLst>
+          </a:blip>
+          <a:stretch>
+            <a:fillRect/>
+          </a:stretch>
+        </p:blipFill>
+        <p:spPr>
+          <a:xfrm>
+            <a:off x="1506644" y="0"/>
+            <a:ext cx="9178711" cy="6858000"/>
+          </a:xfrm>
+          <a:prstGeom prst="rect">
+            <a:avLst/>
+          </a:prstGeom>
+        </p:spPr>
+      </p:pic>
+      <p:sp>
+        <p:nvSpPr>
+          <p:cNvPr id="5" name="正方形/長方形 4"/>
+          <p:cNvSpPr/>
+          <p:nvPr/>
+        </p:nvSpPr>
+        <p:spPr>
+          <a:xfrm>
+            <a:off x="1420585" y="1371600"/>
+            <a:ext cx="4474029" cy="2563586"/>
+          </a:xfrm>
+          <a:prstGeom prst="rect">
+            <a:avLst/>
+          </a:prstGeom>
+          <a:noFill/>
+          <a:ln w="28575">
+            <a:solidFill>
+              <a:srgbClr val="C00000"/>
+            </a:solidFill>
+          </a:ln>
+        </p:spPr>
+        <p:style>
+          <a:lnRef idx="2">
+            <a:schemeClr val="accent1">
+              <a:shade val="50000"/>
+            </a:schemeClr>
+          </a:lnRef>
+          <a:fillRef idx="1">
+            <a:schemeClr val="accent1"/>
+          </a:fillRef>
+          <a:effectRef idx="0">
+            <a:schemeClr val="accent1"/>
+          </a:effectRef>
+          <a:fontRef idx="minor">
+            <a:schemeClr val="lt1"/>
+          </a:fontRef>
+        </p:style>
+        <p:txBody>
+          <a:bodyPr rtlCol="0" anchor="ctr"/>
+          <a:lstStyle/>
+          <a:p>
+            <a:pPr algn="ctr"/>
+            <a:endParaRPr kumimoji="1" lang="ja-JP" altLang="en-US"/>
+          </a:p>
+        </p:txBody>
+      </p:sp>
+      <p:sp>
+        <p:nvSpPr>
+          <p:cNvPr id="7" name="角丸四角形 6"/>
+          <p:cNvSpPr/>
+          <p:nvPr/>
+        </p:nvSpPr>
+        <p:spPr>
+          <a:xfrm>
+            <a:off x="1506644" y="1298123"/>
+            <a:ext cx="3163327" cy="1812470"/>
+          </a:xfrm>
+          <a:prstGeom prst="roundRect">
+            <a:avLst/>
+          </a:prstGeom>
+          <a:noFill/>
+          <a:ln w="28575"/>
+        </p:spPr>
+        <p:style>
+          <a:lnRef idx="2">
+            <a:schemeClr val="accent1">
+              <a:shade val="50000"/>
+            </a:schemeClr>
+          </a:lnRef>
+          <a:fillRef idx="1">
+            <a:schemeClr val="accent1"/>
+          </a:fillRef>
+          <a:effectRef idx="0">
+            <a:schemeClr val="accent1"/>
+          </a:effectRef>
+          <a:fontRef idx="minor">
+            <a:schemeClr val="lt1"/>
+          </a:fontRef>
+        </p:style>
+        <p:txBody>
+          <a:bodyPr rtlCol="0" anchor="ctr"/>
+          <a:lstStyle/>
+          <a:p>
+            <a:pPr algn="ctr"/>
+            <a:endParaRPr kumimoji="1" lang="ja-JP" altLang="en-US"/>
+          </a:p>
+        </p:txBody>
+      </p:sp>
+      <p:sp>
+        <p:nvSpPr>
+          <p:cNvPr id="8" name="テキスト ボックス 7"/>
+          <p:cNvSpPr txBox="1"/>
+          <p:nvPr/>
+        </p:nvSpPr>
+        <p:spPr>
+          <a:xfrm>
+            <a:off x="4073929" y="1388007"/>
+            <a:ext cx="461665" cy="2040993"/>
+          </a:xfrm>
+          <a:prstGeom prst="rect">
+            <a:avLst/>
+          </a:prstGeom>
+          <a:noFill/>
+        </p:spPr>
+        <p:txBody>
+          <a:bodyPr vert="eaVert" wrap="square" rtlCol="0">
+            <a:spAutoFit/>
+          </a:bodyPr>
+          <a:lstStyle/>
+          <a:p>
+            <a:r>
+              <a:rPr kumimoji="1" lang="ja-JP" altLang="en-US" smtClean="0"/>
+              <a:t>真鍋</a:t>
+            </a:r>
+            <a:endParaRPr kumimoji="1" lang="ja-JP" altLang="en-US"/>
+          </a:p>
+        </p:txBody>
+      </p:sp>
+      <p:sp>
+        <p:nvSpPr>
+          <p:cNvPr id="9" name="角丸四角形 8"/>
+          <p:cNvSpPr/>
+          <p:nvPr/>
+        </p:nvSpPr>
+        <p:spPr>
+          <a:xfrm>
+            <a:off x="4275538" y="3020786"/>
+            <a:ext cx="2147886" cy="987878"/>
+          </a:xfrm>
+          <a:prstGeom prst="roundRect">
+            <a:avLst/>
+          </a:prstGeom>
+          <a:noFill/>
+          <a:ln w="28575"/>
+        </p:spPr>
+        <p:style>
+          <a:lnRef idx="2">
+            <a:schemeClr val="accent1">
+              <a:shade val="50000"/>
+            </a:schemeClr>
+          </a:lnRef>
+          <a:fillRef idx="1">
+            <a:schemeClr val="accent1"/>
+          </a:fillRef>
+          <a:effectRef idx="0">
+            <a:schemeClr val="accent1"/>
+          </a:effectRef>
+          <a:fontRef idx="minor">
+            <a:schemeClr val="lt1"/>
+          </a:fontRef>
+        </p:style>
+        <p:txBody>
+          <a:bodyPr rtlCol="0" anchor="ctr"/>
+          <a:lstStyle/>
+          <a:p>
+            <a:pPr algn="ctr"/>
+            <a:endParaRPr kumimoji="1" lang="ja-JP" altLang="en-US"/>
+          </a:p>
+        </p:txBody>
+      </p:sp>
+      <p:sp>
+        <p:nvSpPr>
+          <p:cNvPr id="10" name="テキスト ボックス 9"/>
+          <p:cNvSpPr txBox="1"/>
+          <p:nvPr/>
+        </p:nvSpPr>
+        <p:spPr>
+          <a:xfrm>
+            <a:off x="5961759" y="3083402"/>
+            <a:ext cx="461665" cy="948314"/>
+          </a:xfrm>
+          <a:prstGeom prst="rect">
+            <a:avLst/>
+          </a:prstGeom>
+          <a:noFill/>
+        </p:spPr>
+        <p:txBody>
+          <a:bodyPr vert="eaVert" wrap="square" rtlCol="0">
+            <a:spAutoFit/>
+          </a:bodyPr>
+          <a:lstStyle/>
+          <a:p>
+            <a:r>
+              <a:rPr kumimoji="1" lang="ja-JP" altLang="en-US" smtClean="0"/>
+              <a:t>段原</a:t>
+            </a:r>
+            <a:endParaRPr kumimoji="1" lang="ja-JP" altLang="en-US"/>
+          </a:p>
+        </p:txBody>
+      </p:sp>
+    </p:spTree>
+    <p:extLst>
+      <p:ext uri="{BB962C8B-B14F-4D97-AF65-F5344CB8AC3E}">
+        <p14:creationId xmlns:p14="http://schemas.microsoft.com/office/powerpoint/2010/main" val="1420028005"/>
+      </p:ext>
+    </p:extLst>
+  </p:cSld>
+  <p:clrMapOvr>
+    <a:masterClrMapping/>
+  </p:clrMapOvr>
+  <p:timing>
+    <p:tnLst>
+      <p:par>
+        <p:cTn id="1" dur="indefinite" restart="never" nodeType="tmRoot"/>
+      </p:par>
+    </p:tnLst>
+  </p:timing>
+</p:sld>
+</file>
+
+<file path=ppt/slides/slide12.xml><?xml version="1.0" encoding="utf-8"?>
+<p:sld xmlns:a="http://schemas.openxmlformats.org/drawingml/2006/main" xmlns:r="http://schemas.openxmlformats.org/officeDocument/2006/relationships" xmlns:p="http://schemas.openxmlformats.org/presentationml/2006/main">
+  <p:cSld>
+    <p:spTree>
+      <p:nvGrpSpPr>
+        <p:cNvPr id="1" name=""/>
+        <p:cNvGrpSpPr/>
+        <p:nvPr/>
+      </p:nvGrpSpPr>
+      <p:grpSpPr>
+        <a:xfrm>
+          <a:off x="0" y="0"/>
+          <a:ext cx="0" cy="0"/>
+          <a:chOff x="0" y="0"/>
+          <a:chExt cx="0" cy="0"/>
+        </a:xfrm>
+      </p:grpSpPr>
+      <p:sp>
+        <p:nvSpPr>
+          <p:cNvPr id="2" name="タイトル 1"/>
+          <p:cNvSpPr>
+            <a:spLocks noGrp="1"/>
+          </p:cNvSpPr>
+          <p:nvPr>
+            <p:ph type="title"/>
+          </p:nvPr>
+        </p:nvSpPr>
+        <p:spPr/>
+        <p:txBody>
+          <a:bodyPr/>
+          <a:lstStyle/>
+          <a:p>
+            <a:r>
+              <a:rPr lang="ja-JP" altLang="en-US" dirty="0"/>
+              <a:t>現在</a:t>
+            </a:r>
+            <a:r>
+              <a:rPr lang="ja-JP" altLang="en-US" dirty="0" smtClean="0"/>
+              <a:t>の段階・状況</a:t>
+            </a:r>
+            <a:endParaRPr kumimoji="1" lang="ja-JP" altLang="en-US" dirty="0"/>
+          </a:p>
+        </p:txBody>
+      </p:sp>
+      <p:pic>
+        <p:nvPicPr>
+          <p:cNvPr id="4" name="コンテンツ プレースホルダー 3"/>
+          <p:cNvPicPr>
+            <a:picLocks noGrp="1" noChangeAspect="1"/>
+          </p:cNvPicPr>
+          <p:nvPr>
+            <p:ph idx="1"/>
+          </p:nvPr>
+        </p:nvPicPr>
+        <p:blipFill>
+          <a:blip r:embed="rId2">
+            <a:extLst>
+              <a:ext uri="{28A0092B-C50C-407E-A947-70E740481C1C}">
+                <a14:useLocalDpi xmlns:a14="http://schemas.microsoft.com/office/drawing/2010/main" val="0"/>
+              </a:ext>
+            </a:extLst>
+          </a:blip>
+          <a:stretch>
+            <a:fillRect/>
+          </a:stretch>
+        </p:blipFill>
+        <p:spPr>
+          <a:xfrm>
+            <a:off x="586521" y="2318993"/>
+            <a:ext cx="11079918" cy="3157979"/>
+          </a:xfrm>
+        </p:spPr>
+      </p:pic>
+      <p:sp>
+        <p:nvSpPr>
+          <p:cNvPr id="5" name="正方形/長方形 4"/>
+          <p:cNvSpPr/>
+          <p:nvPr/>
+        </p:nvSpPr>
+        <p:spPr>
+          <a:xfrm>
+            <a:off x="653898" y="2748271"/>
+            <a:ext cx="866894" cy="197060"/>
+          </a:xfrm>
+          <a:prstGeom prst="rect">
+            <a:avLst/>
+          </a:prstGeom>
+          <a:solidFill>
+            <a:srgbClr val="C00000">
+              <a:alpha val="25000"/>
+            </a:srgbClr>
+          </a:solidFill>
+          <a:ln>
+            <a:noFill/>
+          </a:ln>
+        </p:spPr>
+        <p:style>
+          <a:lnRef idx="2">
+            <a:schemeClr val="accent1">
+              <a:shade val="50000"/>
+            </a:schemeClr>
+          </a:lnRef>
+          <a:fillRef idx="1">
+            <a:schemeClr val="accent1"/>
+          </a:fillRef>
+          <a:effectRef idx="0">
+            <a:schemeClr val="accent1"/>
+          </a:effectRef>
+          <a:fontRef idx="minor">
+            <a:schemeClr val="lt1"/>
+          </a:fontRef>
+        </p:style>
+        <p:txBody>
+          <a:bodyPr rtlCol="0" anchor="ctr"/>
+          <a:lstStyle/>
+          <a:p>
+            <a:pPr algn="ctr"/>
+            <a:endParaRPr kumimoji="1" lang="ja-JP" altLang="en-US"/>
+          </a:p>
+        </p:txBody>
+      </p:sp>
+      <p:sp>
+        <p:nvSpPr>
+          <p:cNvPr id="6" name="正方形/長方形 5"/>
+          <p:cNvSpPr/>
+          <p:nvPr/>
+        </p:nvSpPr>
+        <p:spPr>
+          <a:xfrm>
+            <a:off x="653898" y="3139048"/>
+            <a:ext cx="1328906" cy="387916"/>
+          </a:xfrm>
+          <a:prstGeom prst="rect">
+            <a:avLst/>
+          </a:prstGeom>
+          <a:solidFill>
+            <a:srgbClr val="FFFF00">
+              <a:alpha val="25000"/>
+            </a:srgbClr>
+          </a:solidFill>
+          <a:ln>
+            <a:noFill/>
+          </a:ln>
+        </p:spPr>
+        <p:style>
+          <a:lnRef idx="2">
+            <a:schemeClr val="accent1">
+              <a:shade val="50000"/>
+            </a:schemeClr>
+          </a:lnRef>
+          <a:fillRef idx="1">
+            <a:schemeClr val="accent1"/>
+          </a:fillRef>
+          <a:effectRef idx="0">
+            <a:schemeClr val="accent1"/>
+          </a:effectRef>
+          <a:fontRef idx="minor">
+            <a:schemeClr val="lt1"/>
+          </a:fontRef>
+        </p:style>
+        <p:txBody>
+          <a:bodyPr rtlCol="0" anchor="ctr"/>
+          <a:lstStyle/>
+          <a:p>
+            <a:pPr algn="ctr"/>
+            <a:endParaRPr kumimoji="1" lang="ja-JP" altLang="en-US"/>
+          </a:p>
+        </p:txBody>
+      </p:sp>
+      <p:sp>
+        <p:nvSpPr>
+          <p:cNvPr id="7" name="正方形/長方形 6"/>
+          <p:cNvSpPr/>
+          <p:nvPr/>
+        </p:nvSpPr>
+        <p:spPr>
+          <a:xfrm>
+            <a:off x="676694" y="3859732"/>
+            <a:ext cx="1941378" cy="576818"/>
+          </a:xfrm>
+          <a:prstGeom prst="rect">
+            <a:avLst/>
+          </a:prstGeom>
+          <a:solidFill>
+            <a:srgbClr val="FFFF00">
+              <a:alpha val="25000"/>
+            </a:srgbClr>
+          </a:solidFill>
+          <a:ln>
+            <a:noFill/>
+          </a:ln>
+        </p:spPr>
+        <p:style>
+          <a:lnRef idx="2">
+            <a:schemeClr val="accent1">
+              <a:shade val="50000"/>
+            </a:schemeClr>
+          </a:lnRef>
+          <a:fillRef idx="1">
+            <a:schemeClr val="accent1"/>
+          </a:fillRef>
+          <a:effectRef idx="0">
+            <a:schemeClr val="accent1"/>
+          </a:effectRef>
+          <a:fontRef idx="minor">
+            <a:schemeClr val="lt1"/>
+          </a:fontRef>
+        </p:style>
+        <p:txBody>
+          <a:bodyPr rtlCol="0" anchor="ctr"/>
+          <a:lstStyle/>
+          <a:p>
+            <a:pPr algn="ctr"/>
+            <a:endParaRPr kumimoji="1" lang="ja-JP" altLang="en-US"/>
+          </a:p>
+        </p:txBody>
+      </p:sp>
+      <p:sp>
+        <p:nvSpPr>
+          <p:cNvPr id="8" name="正方形/長方形 7"/>
+          <p:cNvSpPr/>
+          <p:nvPr/>
+        </p:nvSpPr>
+        <p:spPr>
+          <a:xfrm>
+            <a:off x="663833" y="4636660"/>
+            <a:ext cx="1809860" cy="362967"/>
+          </a:xfrm>
+          <a:prstGeom prst="rect">
+            <a:avLst/>
+          </a:prstGeom>
+          <a:solidFill>
+            <a:srgbClr val="C00000">
+              <a:alpha val="25000"/>
+            </a:srgbClr>
+          </a:solidFill>
+          <a:ln>
+            <a:noFill/>
+          </a:ln>
+        </p:spPr>
+        <p:style>
+          <a:lnRef idx="2">
+            <a:schemeClr val="accent1">
+              <a:shade val="50000"/>
+            </a:schemeClr>
+          </a:lnRef>
+          <a:fillRef idx="1">
+            <a:schemeClr val="accent1"/>
+          </a:fillRef>
+          <a:effectRef idx="0">
+            <a:schemeClr val="accent1"/>
+          </a:effectRef>
+          <a:fontRef idx="minor">
+            <a:schemeClr val="lt1"/>
+          </a:fontRef>
+        </p:style>
+        <p:txBody>
+          <a:bodyPr rtlCol="0" anchor="ctr"/>
+          <a:lstStyle/>
+          <a:p>
+            <a:pPr algn="ctr"/>
+            <a:endParaRPr kumimoji="1" lang="ja-JP" altLang="en-US"/>
+          </a:p>
+        </p:txBody>
+      </p:sp>
+      <p:sp>
+        <p:nvSpPr>
+          <p:cNvPr id="9" name="正方形/長方形 8"/>
+          <p:cNvSpPr/>
+          <p:nvPr/>
+        </p:nvSpPr>
+        <p:spPr>
+          <a:xfrm>
+            <a:off x="3626500" y="2891507"/>
+            <a:ext cx="1186132" cy="178952"/>
+          </a:xfrm>
+          <a:prstGeom prst="rect">
+            <a:avLst/>
+          </a:prstGeom>
+          <a:solidFill>
+            <a:srgbClr val="FF0000">
+              <a:alpha val="25000"/>
+            </a:srgbClr>
+          </a:solidFill>
+          <a:ln>
+            <a:noFill/>
+          </a:ln>
+        </p:spPr>
+        <p:style>
+          <a:lnRef idx="2">
+            <a:schemeClr val="accent1">
+              <a:shade val="50000"/>
+            </a:schemeClr>
+          </a:lnRef>
+          <a:fillRef idx="1">
+            <a:schemeClr val="accent1"/>
+          </a:fillRef>
+          <a:effectRef idx="0">
+            <a:schemeClr val="accent1"/>
+          </a:effectRef>
+          <a:fontRef idx="minor">
+            <a:schemeClr val="lt1"/>
+          </a:fontRef>
+        </p:style>
+        <p:txBody>
+          <a:bodyPr rtlCol="0" anchor="ctr"/>
+          <a:lstStyle/>
+          <a:p>
+            <a:pPr algn="ctr"/>
+            <a:endParaRPr kumimoji="1" lang="ja-JP" altLang="en-US"/>
+          </a:p>
+        </p:txBody>
+      </p:sp>
+      <p:sp>
+        <p:nvSpPr>
+          <p:cNvPr id="10" name="正方形/長方形 9"/>
+          <p:cNvSpPr/>
+          <p:nvPr/>
+        </p:nvSpPr>
+        <p:spPr>
+          <a:xfrm>
+            <a:off x="3626500" y="3700921"/>
+            <a:ext cx="1754022" cy="601571"/>
+          </a:xfrm>
+          <a:prstGeom prst="rect">
+            <a:avLst/>
+          </a:prstGeom>
+          <a:solidFill>
+            <a:srgbClr val="C00000">
+              <a:alpha val="25000"/>
+            </a:srgbClr>
+          </a:solidFill>
+          <a:ln>
+            <a:noFill/>
+          </a:ln>
+        </p:spPr>
+        <p:style>
+          <a:lnRef idx="2">
+            <a:schemeClr val="accent1">
+              <a:shade val="50000"/>
+            </a:schemeClr>
+          </a:lnRef>
+          <a:fillRef idx="1">
+            <a:schemeClr val="accent1"/>
+          </a:fillRef>
+          <a:effectRef idx="0">
+            <a:schemeClr val="accent1"/>
+          </a:effectRef>
+          <a:fontRef idx="minor">
+            <a:schemeClr val="lt1"/>
+          </a:fontRef>
+        </p:style>
+        <p:txBody>
+          <a:bodyPr rtlCol="0" anchor="ctr"/>
+          <a:lstStyle/>
+          <a:p>
+            <a:pPr algn="ctr"/>
+            <a:endParaRPr kumimoji="1" lang="ja-JP" altLang="en-US"/>
+          </a:p>
+        </p:txBody>
+      </p:sp>
+      <p:sp>
+        <p:nvSpPr>
+          <p:cNvPr id="11" name="正方形/長方形 10"/>
+          <p:cNvSpPr/>
+          <p:nvPr/>
+        </p:nvSpPr>
+        <p:spPr>
+          <a:xfrm>
+            <a:off x="6419757" y="5784356"/>
+            <a:ext cx="866894" cy="197060"/>
+          </a:xfrm>
+          <a:prstGeom prst="rect">
+            <a:avLst/>
+          </a:prstGeom>
+          <a:solidFill>
+            <a:srgbClr val="C00000">
+              <a:alpha val="25000"/>
+            </a:srgbClr>
+          </a:solidFill>
+          <a:ln>
+            <a:noFill/>
+          </a:ln>
+        </p:spPr>
+        <p:style>
+          <a:lnRef idx="2">
+            <a:schemeClr val="accent1">
+              <a:shade val="50000"/>
+            </a:schemeClr>
+          </a:lnRef>
+          <a:fillRef idx="1">
+            <a:schemeClr val="accent1"/>
+          </a:fillRef>
+          <a:effectRef idx="0">
+            <a:schemeClr val="accent1"/>
+          </a:effectRef>
+          <a:fontRef idx="minor">
+            <a:schemeClr val="lt1"/>
+          </a:fontRef>
+        </p:style>
+        <p:txBody>
+          <a:bodyPr rtlCol="0" anchor="ctr"/>
+          <a:lstStyle/>
+          <a:p>
+            <a:pPr algn="ctr"/>
+            <a:endParaRPr kumimoji="1" lang="ja-JP" altLang="en-US"/>
+          </a:p>
+        </p:txBody>
+      </p:sp>
+      <p:sp>
+        <p:nvSpPr>
+          <p:cNvPr id="12" name="テキスト ボックス 11"/>
+          <p:cNvSpPr txBox="1"/>
+          <p:nvPr/>
+        </p:nvSpPr>
+        <p:spPr>
+          <a:xfrm>
+            <a:off x="7382593" y="5678905"/>
+            <a:ext cx="3965609" cy="369332"/>
+          </a:xfrm>
+          <a:prstGeom prst="rect">
+            <a:avLst/>
+          </a:prstGeom>
+          <a:noFill/>
+        </p:spPr>
+        <p:txBody>
+          <a:bodyPr wrap="square" rtlCol="0">
+            <a:spAutoFit/>
+          </a:bodyPr>
+          <a:lstStyle/>
+          <a:p>
+            <a:r>
+              <a:rPr lang="ja-JP" altLang="en-US" smtClean="0"/>
+              <a:t>・・・結合テストまで動作確認済み</a:t>
+            </a:r>
+            <a:endParaRPr kumimoji="1" lang="ja-JP" altLang="en-US"/>
+          </a:p>
+        </p:txBody>
+      </p:sp>
+      <p:sp>
+        <p:nvSpPr>
+          <p:cNvPr id="13" name="正方形/長方形 12"/>
+          <p:cNvSpPr/>
+          <p:nvPr/>
+        </p:nvSpPr>
+        <p:spPr>
+          <a:xfrm>
+            <a:off x="586521" y="5737357"/>
+            <a:ext cx="953211" cy="214547"/>
+          </a:xfrm>
+          <a:prstGeom prst="rect">
+            <a:avLst/>
+          </a:prstGeom>
+          <a:solidFill>
+            <a:srgbClr val="FFFF00">
+              <a:alpha val="25000"/>
+            </a:srgbClr>
+          </a:solidFill>
+          <a:ln>
+            <a:noFill/>
+          </a:ln>
+        </p:spPr>
+        <p:style>
+          <a:lnRef idx="2">
+            <a:schemeClr val="accent1">
+              <a:shade val="50000"/>
+            </a:schemeClr>
+          </a:lnRef>
+          <a:fillRef idx="1">
+            <a:schemeClr val="accent1"/>
+          </a:fillRef>
+          <a:effectRef idx="0">
+            <a:schemeClr val="accent1"/>
+          </a:effectRef>
+          <a:fontRef idx="minor">
+            <a:schemeClr val="lt1"/>
+          </a:fontRef>
+        </p:style>
+        <p:txBody>
+          <a:bodyPr rtlCol="0" anchor="ctr"/>
+          <a:lstStyle/>
+          <a:p>
+            <a:pPr algn="ctr"/>
+            <a:endParaRPr kumimoji="1" lang="ja-JP" altLang="en-US"/>
+          </a:p>
+        </p:txBody>
+      </p:sp>
+      <p:sp>
+        <p:nvSpPr>
+          <p:cNvPr id="14" name="テキスト ボックス 13"/>
+          <p:cNvSpPr txBox="1"/>
+          <p:nvPr/>
+        </p:nvSpPr>
+        <p:spPr>
+          <a:xfrm>
+            <a:off x="1629905" y="5694880"/>
+            <a:ext cx="3965609" cy="369332"/>
+          </a:xfrm>
+          <a:prstGeom prst="rect">
+            <a:avLst/>
+          </a:prstGeom>
+          <a:noFill/>
+        </p:spPr>
+        <p:txBody>
+          <a:bodyPr wrap="square" rtlCol="0">
+            <a:spAutoFit/>
+          </a:bodyPr>
+          <a:lstStyle/>
+          <a:p>
+            <a:r>
+              <a:rPr lang="ja-JP" altLang="en-US" smtClean="0"/>
+              <a:t>・・・単体テストまで動作確認済み</a:t>
+            </a:r>
+            <a:endParaRPr kumimoji="1" lang="ja-JP" altLang="en-US"/>
+          </a:p>
+        </p:txBody>
+      </p:sp>
+    </p:spTree>
+    <p:extLst>
+      <p:ext uri="{BB962C8B-B14F-4D97-AF65-F5344CB8AC3E}">
+        <p14:creationId xmlns:p14="http://schemas.microsoft.com/office/powerpoint/2010/main" val="3323897878"/>
+      </p:ext>
+    </p:extLst>
+  </p:cSld>
+  <p:clrMapOvr>
+    <a:masterClrMapping/>
+  </p:clrMapOvr>
+</p:sld>
+</file>
+
 <file path=ppt/slides/slide2.xml><?xml version="1.0" encoding="utf-8"?>
 <p:sld xmlns:a="http://schemas.openxmlformats.org/drawingml/2006/main" xmlns:r="http://schemas.openxmlformats.org/officeDocument/2006/relationships" xmlns:p="http://schemas.openxmlformats.org/presentationml/2006/main">
   <p:cSld>
@@ -4920,10 +6034,22 @@
               <a:buChar char="l"/>
             </a:pPr>
             <a:r>
-              <a:rPr kumimoji="1" lang="ja-JP" altLang="en-US" sz="3600" smtClean="0"/>
-              <a:t>　現在の段階・状況　</a:t>
-            </a:r>
-            <a:endParaRPr kumimoji="1" lang="en-US" altLang="ja-JP" sz="3600" smtClean="0"/>
+              <a:rPr kumimoji="1" lang="ja-JP" altLang="en-US" sz="3600" dirty="0" smtClean="0"/>
+              <a:t>　</a:t>
+            </a:r>
+            <a:r>
+              <a:rPr lang="ja-JP" altLang="en-US" sz="3600" dirty="0" smtClean="0"/>
+              <a:t>研究</a:t>
+            </a:r>
+            <a:r>
+              <a:rPr lang="ja-JP" altLang="en-US" sz="3600" dirty="0"/>
+              <a:t>背景</a:t>
+            </a:r>
+            <a:r>
+              <a:rPr kumimoji="1" lang="ja-JP" altLang="en-US" sz="3600" dirty="0" smtClean="0"/>
+              <a:t>　</a:t>
+            </a:r>
+            <a:endParaRPr kumimoji="1" lang="en-US" altLang="ja-JP" sz="3600" dirty="0" smtClean="0"/>
           </a:p>
           <a:p>
             <a:pPr>
@@ -4931,14 +6057,18 @@
               <a:buChar char="l"/>
             </a:pPr>
             <a:r>
-              <a:rPr kumimoji="1" lang="ja-JP" altLang="en-US" sz="3600" smtClean="0"/>
+              <a:rPr kumimoji="1" lang="ja-JP" altLang="en-US" sz="3600" dirty="0" smtClean="0"/>
               <a:t>　</a:t>
             </a:r>
             <a:r>
-              <a:rPr lang="ja-JP" altLang="en-US" sz="3600" smtClean="0"/>
-              <a:t>今週の進捗</a:t>
-            </a:r>
-            <a:endParaRPr kumimoji="1" lang="en-US" altLang="ja-JP" sz="3400" smtClean="0"/>
+              <a:rPr lang="ja-JP" altLang="en-US" sz="3600" dirty="0"/>
+              <a:t>既存</a:t>
+            </a:r>
+            <a:r>
+              <a:rPr lang="ja-JP" altLang="en-US" sz="3600" dirty="0" smtClean="0"/>
+              <a:t>の手法</a:t>
+            </a:r>
+            <a:endParaRPr kumimoji="1" lang="en-US" altLang="ja-JP" sz="3400" dirty="0" smtClean="0"/>
           </a:p>
           <a:p>
             <a:pPr>
@@ -4946,10 +6076,18 @@
               <a:buChar char="l"/>
             </a:pPr>
             <a:r>
-              <a:rPr kumimoji="1" lang="ja-JP" altLang="en-US" sz="3600" smtClean="0"/>
-              <a:t>　現在の問題</a:t>
-            </a:r>
-            <a:endParaRPr kumimoji="1" lang="en-US" altLang="ja-JP" sz="3600" smtClean="0"/>
+              <a:rPr kumimoji="1" lang="ja-JP" altLang="en-US" sz="3600" dirty="0" smtClean="0"/>
+              <a:t>　</a:t>
+            </a:r>
+            <a:r>
+              <a:rPr lang="ja-JP" altLang="en-US" sz="3600" dirty="0" smtClean="0"/>
+              <a:t>提案</a:t>
+            </a:r>
+            <a:r>
+              <a:rPr lang="ja-JP" altLang="en-US" sz="3600" dirty="0"/>
+              <a:t>手法</a:t>
+            </a:r>
+            <a:endParaRPr kumimoji="1" lang="en-US" altLang="ja-JP" sz="3600" dirty="0" smtClean="0"/>
           </a:p>
           <a:p>
             <a:pPr>
@@ -4957,12 +6095,20 @@
               <a:buChar char="l"/>
             </a:pPr>
             <a:r>
-              <a:rPr kumimoji="1" lang="ja-JP" altLang="en-US" sz="3600"/>
+              <a:rPr kumimoji="1" lang="ja-JP" altLang="en-US" sz="3600" dirty="0"/>
               <a:t>　</a:t>
             </a:r>
             <a:r>
-              <a:rPr kumimoji="1" lang="ja-JP" altLang="en-US" sz="3600" smtClean="0"/>
-              <a:t>次週の計画</a:t>
+              <a:rPr lang="ja-JP" altLang="en-US" sz="3600" dirty="0"/>
+              <a:t>現在</a:t>
+            </a:r>
+            <a:r>
+              <a:rPr lang="ja-JP" altLang="en-US" sz="3600" dirty="0" smtClean="0"/>
+              <a:t>の</a:t>
+            </a:r>
+            <a:r>
+              <a:rPr lang="ja-JP" altLang="en-US" sz="3600" dirty="0"/>
+              <a:t>進捗</a:t>
             </a:r>
             <a:endParaRPr kumimoji="1" lang="ja-JP" altLang="en-US" sz="3600" dirty="0"/>
           </a:p>
@@ -5007,754 +6153,108 @@
       </p:grpSpPr>
       <p:sp>
         <p:nvSpPr>
-          <p:cNvPr id="22" name="角丸四角形 21"/>
-          <p:cNvSpPr/>
-          <p:nvPr/>
-        </p:nvSpPr>
-        <p:spPr>
-          <a:xfrm>
-            <a:off x="4756125" y="1787980"/>
-            <a:ext cx="5574417" cy="4445916"/>
-          </a:xfrm>
-          <a:prstGeom prst="roundRect">
-            <a:avLst/>
-          </a:prstGeom>
-          <a:solidFill>
-            <a:schemeClr val="bg1">
-              <a:lumMod val="95000"/>
-            </a:schemeClr>
-          </a:solidFill>
-          <a:ln>
-            <a:solidFill>
-              <a:schemeClr val="accent2">
-                <a:lumMod val="75000"/>
-              </a:schemeClr>
-            </a:solidFill>
-          </a:ln>
-        </p:spPr>
-        <p:style>
-          <a:lnRef idx="2">
-            <a:schemeClr val="accent1">
-              <a:shade val="50000"/>
-            </a:schemeClr>
-          </a:lnRef>
-          <a:fillRef idx="1">
-            <a:schemeClr val="accent1"/>
-          </a:fillRef>
-          <a:effectRef idx="0">
-            <a:schemeClr val="accent1"/>
-          </a:effectRef>
-          <a:fontRef idx="minor">
-            <a:schemeClr val="lt1"/>
-          </a:fontRef>
-        </p:style>
-        <p:txBody>
-          <a:bodyPr rtlCol="0" anchor="ctr"/>
-          <a:lstStyle/>
-          <a:p>
-            <a:pPr algn="ctr"/>
-            <a:endParaRPr kumimoji="1" lang="ja-JP" altLang="en-US"/>
-          </a:p>
-        </p:txBody>
-      </p:sp>
-      <p:cxnSp>
-        <p:nvCxnSpPr>
-          <p:cNvPr id="13" name="直線コネクタ 12"/>
-          <p:cNvCxnSpPr/>
-          <p:nvPr/>
-        </p:nvCxnSpPr>
-        <p:spPr>
-          <a:xfrm rot="16200000">
-            <a:off x="6224412" y="998085"/>
-            <a:ext cx="4180114" cy="4377067"/>
-          </a:xfrm>
-          <a:prstGeom prst="line">
-            <a:avLst/>
-          </a:prstGeom>
-          <a:ln w="50800">
-            <a:solidFill>
-              <a:schemeClr val="tx1">
-                <a:lumMod val="75000"/>
-                <a:lumOff val="25000"/>
-              </a:schemeClr>
-            </a:solidFill>
-          </a:ln>
-        </p:spPr>
-        <p:style>
-          <a:lnRef idx="2">
-            <a:schemeClr val="dk1"/>
-          </a:lnRef>
-          <a:fillRef idx="0">
-            <a:schemeClr val="dk1"/>
-          </a:fillRef>
-          <a:effectRef idx="1">
-            <a:schemeClr val="dk1"/>
-          </a:effectRef>
-          <a:fontRef idx="minor">
-            <a:schemeClr val="tx1"/>
-          </a:fontRef>
-        </p:style>
-      </p:cxnSp>
-      <p:cxnSp>
-        <p:nvCxnSpPr>
-          <p:cNvPr id="12" name="直線コネクタ 11"/>
-          <p:cNvCxnSpPr/>
-          <p:nvPr/>
-        </p:nvCxnSpPr>
-        <p:spPr>
-          <a:xfrm>
-            <a:off x="1251177" y="1249136"/>
-            <a:ext cx="4180114" cy="4377067"/>
-          </a:xfrm>
-          <a:prstGeom prst="line">
-            <a:avLst/>
-          </a:prstGeom>
-          <a:ln w="50800">
-            <a:solidFill>
-              <a:schemeClr val="tx1">
-                <a:lumMod val="75000"/>
-                <a:lumOff val="25000"/>
-              </a:schemeClr>
-            </a:solidFill>
-          </a:ln>
-        </p:spPr>
-        <p:style>
-          <a:lnRef idx="2">
-            <a:schemeClr val="dk1"/>
-          </a:lnRef>
-          <a:fillRef idx="0">
-            <a:schemeClr val="dk1"/>
-          </a:fillRef>
-          <a:effectRef idx="1">
-            <a:schemeClr val="dk1"/>
-          </a:effectRef>
-          <a:fontRef idx="minor">
-            <a:schemeClr val="tx1"/>
-          </a:fontRef>
-        </p:style>
-      </p:cxnSp>
-      <p:sp>
-        <p:nvSpPr>
-          <p:cNvPr id="2" name="正方形/長方形 1"/>
-          <p:cNvSpPr/>
-          <p:nvPr/>
-        </p:nvSpPr>
-        <p:spPr>
-          <a:xfrm>
-            <a:off x="532038" y="461281"/>
-            <a:ext cx="2016579" cy="1004207"/>
-          </a:xfrm>
-          <a:prstGeom prst="rect">
-            <a:avLst/>
-          </a:prstGeom>
-          <a:ln>
-            <a:noFill/>
-          </a:ln>
-        </p:spPr>
-        <p:style>
-          <a:lnRef idx="2">
-            <a:schemeClr val="accent1">
-              <a:shade val="50000"/>
-            </a:schemeClr>
-          </a:lnRef>
-          <a:fillRef idx="1">
-            <a:schemeClr val="accent1"/>
-          </a:fillRef>
-          <a:effectRef idx="0">
-            <a:schemeClr val="accent1"/>
-          </a:effectRef>
-          <a:fontRef idx="minor">
-            <a:schemeClr val="lt1"/>
-          </a:fontRef>
-        </p:style>
-        <p:txBody>
-          <a:bodyPr rtlCol="0" anchor="ctr"/>
-          <a:lstStyle/>
-          <a:p>
-            <a:pPr algn="ctr"/>
-            <a:r>
-              <a:rPr lang="ja-JP" altLang="en-US" smtClean="0"/>
-              <a:t>要求</a:t>
-            </a:r>
-            <a:r>
-              <a:rPr lang="ja-JP" altLang="en-US"/>
-              <a:t>分析</a:t>
-            </a:r>
-            <a:endParaRPr kumimoji="1" lang="ja-JP" altLang="en-US"/>
-          </a:p>
-        </p:txBody>
-      </p:sp>
-      <p:sp>
-        <p:nvSpPr>
-          <p:cNvPr id="3" name="正方形/長方形 2"/>
-          <p:cNvSpPr/>
-          <p:nvPr/>
-        </p:nvSpPr>
-        <p:spPr>
-          <a:xfrm>
-            <a:off x="1540327" y="2015554"/>
-            <a:ext cx="2016579" cy="1004207"/>
-          </a:xfrm>
-          <a:prstGeom prst="rect">
-            <a:avLst/>
-          </a:prstGeom>
-          <a:ln>
-            <a:noFill/>
-          </a:ln>
-        </p:spPr>
-        <p:style>
-          <a:lnRef idx="2">
-            <a:schemeClr val="accent1">
-              <a:shade val="50000"/>
-            </a:schemeClr>
-          </a:lnRef>
-          <a:fillRef idx="1">
-            <a:schemeClr val="accent1"/>
-          </a:fillRef>
-          <a:effectRef idx="0">
-            <a:schemeClr val="accent1"/>
-          </a:effectRef>
-          <a:fontRef idx="minor">
-            <a:schemeClr val="lt1"/>
-          </a:fontRef>
-        </p:style>
-        <p:txBody>
-          <a:bodyPr rtlCol="0" anchor="ctr"/>
-          <a:lstStyle/>
-          <a:p>
-            <a:pPr algn="ctr"/>
-            <a:r>
-              <a:rPr kumimoji="1" lang="ja-JP" altLang="en-US" smtClean="0"/>
-              <a:t>基本設計</a:t>
-            </a:r>
-            <a:endParaRPr kumimoji="1" lang="ja-JP" altLang="en-US"/>
-          </a:p>
-        </p:txBody>
-      </p:sp>
-      <p:sp>
-        <p:nvSpPr>
-          <p:cNvPr id="5" name="正方形/長方形 4"/>
-          <p:cNvSpPr/>
-          <p:nvPr/>
-        </p:nvSpPr>
-        <p:spPr>
-          <a:xfrm>
-            <a:off x="4736646" y="5124100"/>
-            <a:ext cx="2016579" cy="1004207"/>
-          </a:xfrm>
-          <a:prstGeom prst="rect">
-            <a:avLst/>
-          </a:prstGeom>
-          <a:ln>
-            <a:noFill/>
-          </a:ln>
-        </p:spPr>
-        <p:style>
-          <a:lnRef idx="2">
-            <a:schemeClr val="accent1">
-              <a:shade val="50000"/>
-            </a:schemeClr>
-          </a:lnRef>
-          <a:fillRef idx="1">
-            <a:schemeClr val="accent1"/>
-          </a:fillRef>
-          <a:effectRef idx="0">
-            <a:schemeClr val="accent1"/>
-          </a:effectRef>
-          <a:fontRef idx="minor">
-            <a:schemeClr val="lt1"/>
-          </a:fontRef>
-        </p:style>
-        <p:txBody>
-          <a:bodyPr rtlCol="0" anchor="ctr"/>
-          <a:lstStyle/>
-          <a:p>
-            <a:pPr algn="ctr"/>
-            <a:r>
-              <a:rPr kumimoji="1" lang="ja-JP" altLang="en-US" smtClean="0"/>
-              <a:t>実装</a:t>
-            </a:r>
-            <a:endParaRPr kumimoji="1" lang="ja-JP" altLang="en-US"/>
-          </a:p>
-        </p:txBody>
-      </p:sp>
-      <p:sp>
-        <p:nvSpPr>
-          <p:cNvPr id="7" name="正方形/長方形 6"/>
-          <p:cNvSpPr/>
-          <p:nvPr/>
-        </p:nvSpPr>
-        <p:spPr>
-          <a:xfrm>
-            <a:off x="6532790" y="3569826"/>
-            <a:ext cx="2016579" cy="1004207"/>
-          </a:xfrm>
-          <a:prstGeom prst="rect">
-            <a:avLst/>
-          </a:prstGeom>
-          <a:ln>
-            <a:noFill/>
-          </a:ln>
-        </p:spPr>
-        <p:style>
-          <a:lnRef idx="2">
-            <a:schemeClr val="accent1">
-              <a:shade val="50000"/>
-            </a:schemeClr>
-          </a:lnRef>
-          <a:fillRef idx="1">
-            <a:schemeClr val="accent1"/>
-          </a:fillRef>
-          <a:effectRef idx="0">
-            <a:schemeClr val="accent1"/>
-          </a:effectRef>
-          <a:fontRef idx="minor">
-            <a:schemeClr val="lt1"/>
-          </a:fontRef>
-        </p:style>
-        <p:txBody>
-          <a:bodyPr rtlCol="0" anchor="ctr"/>
-          <a:lstStyle/>
-          <a:p>
-            <a:pPr algn="ctr"/>
-            <a:r>
-              <a:rPr kumimoji="1" lang="ja-JP" altLang="en-US" smtClean="0"/>
-              <a:t>単体テスト</a:t>
-            </a:r>
-            <a:endParaRPr kumimoji="1" lang="ja-JP" altLang="en-US"/>
-          </a:p>
-        </p:txBody>
-      </p:sp>
-      <p:sp>
-        <p:nvSpPr>
-          <p:cNvPr id="8" name="正方形/長方形 7"/>
-          <p:cNvSpPr/>
-          <p:nvPr/>
-        </p:nvSpPr>
-        <p:spPr>
-          <a:xfrm>
-            <a:off x="2720067" y="3569827"/>
-            <a:ext cx="2016579" cy="1004207"/>
-          </a:xfrm>
-          <a:prstGeom prst="rect">
-            <a:avLst/>
-          </a:prstGeom>
-          <a:ln>
-            <a:noFill/>
-          </a:ln>
-        </p:spPr>
-        <p:style>
-          <a:lnRef idx="2">
-            <a:schemeClr val="accent1">
-              <a:shade val="50000"/>
-            </a:schemeClr>
-          </a:lnRef>
-          <a:fillRef idx="1">
-            <a:schemeClr val="accent1"/>
-          </a:fillRef>
-          <a:effectRef idx="0">
-            <a:schemeClr val="accent1"/>
-          </a:effectRef>
-          <a:fontRef idx="minor">
-            <a:schemeClr val="lt1"/>
-          </a:fontRef>
-        </p:style>
-        <p:txBody>
-          <a:bodyPr rtlCol="0" anchor="ctr"/>
-          <a:lstStyle/>
-          <a:p>
-            <a:pPr algn="ctr"/>
-            <a:r>
-              <a:rPr kumimoji="1" lang="ja-JP" altLang="en-US" smtClean="0"/>
-              <a:t>詳細設計</a:t>
-            </a:r>
-            <a:endParaRPr kumimoji="1" lang="ja-JP" altLang="en-US"/>
-          </a:p>
-        </p:txBody>
-      </p:sp>
-      <p:sp>
-        <p:nvSpPr>
-          <p:cNvPr id="9" name="正方形/長方形 8"/>
-          <p:cNvSpPr/>
-          <p:nvPr/>
-        </p:nvSpPr>
-        <p:spPr>
-          <a:xfrm>
-            <a:off x="8000319" y="2015554"/>
-            <a:ext cx="2016579" cy="1004207"/>
-          </a:xfrm>
-          <a:prstGeom prst="rect">
-            <a:avLst/>
-          </a:prstGeom>
-          <a:ln>
-            <a:noFill/>
-          </a:ln>
-        </p:spPr>
-        <p:style>
-          <a:lnRef idx="2">
-            <a:schemeClr val="accent1">
-              <a:shade val="50000"/>
-            </a:schemeClr>
-          </a:lnRef>
-          <a:fillRef idx="1">
-            <a:schemeClr val="accent1"/>
-          </a:fillRef>
-          <a:effectRef idx="0">
-            <a:schemeClr val="accent1"/>
-          </a:effectRef>
-          <a:fontRef idx="minor">
-            <a:schemeClr val="lt1"/>
-          </a:fontRef>
-        </p:style>
-        <p:txBody>
-          <a:bodyPr rtlCol="0" anchor="ctr"/>
-          <a:lstStyle/>
-          <a:p>
-            <a:pPr algn="ctr"/>
-            <a:r>
-              <a:rPr kumimoji="1" lang="ja-JP" altLang="en-US" smtClean="0"/>
-              <a:t>結合テスト</a:t>
-            </a:r>
-            <a:endParaRPr kumimoji="1" lang="ja-JP" altLang="en-US"/>
-          </a:p>
-        </p:txBody>
-      </p:sp>
-      <p:sp>
-        <p:nvSpPr>
-          <p:cNvPr id="10" name="正方形/長方形 9"/>
-          <p:cNvSpPr/>
-          <p:nvPr/>
-        </p:nvSpPr>
-        <p:spPr>
-          <a:xfrm>
-            <a:off x="9181068" y="461280"/>
-            <a:ext cx="2016579" cy="1004207"/>
-          </a:xfrm>
-          <a:prstGeom prst="rect">
-            <a:avLst/>
-          </a:prstGeom>
-          <a:ln>
-            <a:noFill/>
-          </a:ln>
-        </p:spPr>
-        <p:style>
-          <a:lnRef idx="2">
-            <a:schemeClr val="accent1">
-              <a:shade val="50000"/>
-            </a:schemeClr>
-          </a:lnRef>
-          <a:fillRef idx="1">
-            <a:schemeClr val="accent1"/>
-          </a:fillRef>
-          <a:effectRef idx="0">
-            <a:schemeClr val="accent1"/>
-          </a:effectRef>
-          <a:fontRef idx="minor">
-            <a:schemeClr val="lt1"/>
-          </a:fontRef>
-        </p:style>
-        <p:txBody>
-          <a:bodyPr rtlCol="0" anchor="ctr"/>
-          <a:lstStyle/>
-          <a:p>
-            <a:pPr algn="ctr"/>
-            <a:r>
-              <a:rPr kumimoji="1" lang="ja-JP" altLang="en-US" smtClean="0"/>
-              <a:t>総合テスト</a:t>
-            </a:r>
-            <a:endParaRPr kumimoji="1" lang="ja-JP" altLang="en-US"/>
-          </a:p>
-        </p:txBody>
-      </p:sp>
-      <p:sp>
-        <p:nvSpPr>
-          <p:cNvPr id="14" name="右矢印 13"/>
-          <p:cNvSpPr/>
-          <p:nvPr/>
-        </p:nvSpPr>
-        <p:spPr>
-          <a:xfrm>
-            <a:off x="2548617" y="710293"/>
-            <a:ext cx="6632451" cy="538843"/>
-          </a:xfrm>
-          <a:prstGeom prst="rightArrow">
-            <a:avLst/>
-          </a:prstGeom>
-          <a:solidFill>
-            <a:schemeClr val="tx1">
-              <a:lumMod val="65000"/>
-              <a:lumOff val="35000"/>
-            </a:schemeClr>
-          </a:solidFill>
-          <a:ln>
-            <a:noFill/>
-          </a:ln>
-        </p:spPr>
-        <p:style>
-          <a:lnRef idx="2">
-            <a:schemeClr val="accent1">
-              <a:shade val="50000"/>
-            </a:schemeClr>
-          </a:lnRef>
-          <a:fillRef idx="1">
-            <a:schemeClr val="accent1"/>
-          </a:fillRef>
-          <a:effectRef idx="0">
-            <a:schemeClr val="accent1"/>
-          </a:effectRef>
-          <a:fontRef idx="minor">
-            <a:schemeClr val="lt1"/>
-          </a:fontRef>
-        </p:style>
-        <p:txBody>
-          <a:bodyPr rtlCol="0" anchor="ctr"/>
-          <a:lstStyle/>
-          <a:p>
-            <a:pPr algn="ctr"/>
-            <a:r>
-              <a:rPr kumimoji="1" lang="ja-JP" altLang="en-US" smtClean="0"/>
-              <a:t>検証</a:t>
-            </a:r>
-            <a:endParaRPr kumimoji="1" lang="ja-JP" altLang="en-US"/>
-          </a:p>
-        </p:txBody>
-      </p:sp>
-      <p:sp>
-        <p:nvSpPr>
-          <p:cNvPr id="15" name="右矢印 14"/>
-          <p:cNvSpPr/>
-          <p:nvPr/>
-        </p:nvSpPr>
-        <p:spPr>
-          <a:xfrm>
-            <a:off x="3556906" y="2231943"/>
-            <a:ext cx="4443413" cy="538843"/>
-          </a:xfrm>
-          <a:prstGeom prst="rightArrow">
-            <a:avLst/>
-          </a:prstGeom>
-          <a:solidFill>
-            <a:schemeClr val="tx1">
-              <a:lumMod val="65000"/>
-              <a:lumOff val="35000"/>
-            </a:schemeClr>
-          </a:solidFill>
-          <a:ln>
-            <a:noFill/>
-          </a:ln>
-        </p:spPr>
-        <p:style>
-          <a:lnRef idx="2">
-            <a:schemeClr val="accent1">
-              <a:shade val="50000"/>
-            </a:schemeClr>
-          </a:lnRef>
-          <a:fillRef idx="1">
-            <a:schemeClr val="accent1"/>
-          </a:fillRef>
-          <a:effectRef idx="0">
-            <a:schemeClr val="accent1"/>
-          </a:effectRef>
-          <a:fontRef idx="minor">
-            <a:schemeClr val="lt1"/>
-          </a:fontRef>
-        </p:style>
-        <p:txBody>
-          <a:bodyPr rtlCol="0" anchor="ctr"/>
-          <a:lstStyle/>
-          <a:p>
-            <a:pPr algn="ctr"/>
-            <a:r>
-              <a:rPr kumimoji="1" lang="ja-JP" altLang="en-US" smtClean="0"/>
-              <a:t>検証</a:t>
-            </a:r>
-            <a:endParaRPr kumimoji="1" lang="ja-JP" altLang="en-US"/>
-          </a:p>
-        </p:txBody>
-      </p:sp>
-      <p:sp>
-        <p:nvSpPr>
-          <p:cNvPr id="20" name="左カーブ矢印 19"/>
-          <p:cNvSpPr/>
-          <p:nvPr/>
-        </p:nvSpPr>
-        <p:spPr>
-          <a:xfrm>
-            <a:off x="5698330" y="3519633"/>
-            <a:ext cx="787855" cy="1329433"/>
-          </a:xfrm>
-          <a:prstGeom prst="curvedLeftArrow">
-            <a:avLst/>
-          </a:prstGeom>
-          <a:solidFill>
-            <a:schemeClr val="tx1">
-              <a:lumMod val="65000"/>
-              <a:lumOff val="35000"/>
-            </a:schemeClr>
-          </a:solidFill>
-          <a:ln>
-            <a:noFill/>
-          </a:ln>
-        </p:spPr>
-        <p:style>
-          <a:lnRef idx="2">
-            <a:schemeClr val="accent1">
-              <a:shade val="50000"/>
-            </a:schemeClr>
-          </a:lnRef>
-          <a:fillRef idx="1">
-            <a:schemeClr val="accent1"/>
-          </a:fillRef>
-          <a:effectRef idx="0">
-            <a:schemeClr val="accent1"/>
-          </a:effectRef>
-          <a:fontRef idx="minor">
-            <a:schemeClr val="lt1"/>
-          </a:fontRef>
-        </p:style>
-        <p:txBody>
-          <a:bodyPr rtlCol="0" anchor="ctr"/>
-          <a:lstStyle/>
-          <a:p>
-            <a:pPr algn="ctr"/>
-            <a:endParaRPr kumimoji="1" lang="ja-JP" altLang="en-US">
-              <a:solidFill>
-                <a:schemeClr val="tx1"/>
-              </a:solidFill>
-            </a:endParaRPr>
-          </a:p>
-        </p:txBody>
-      </p:sp>
-      <p:sp>
-        <p:nvSpPr>
-          <p:cNvPr id="21" name="左カーブ矢印 20"/>
-          <p:cNvSpPr/>
-          <p:nvPr/>
-        </p:nvSpPr>
-        <p:spPr>
-          <a:xfrm rot="10800000">
-            <a:off x="4800258" y="3439702"/>
-            <a:ext cx="787855" cy="1329433"/>
-          </a:xfrm>
-          <a:prstGeom prst="curvedLeftArrow">
-            <a:avLst/>
-          </a:prstGeom>
-          <a:solidFill>
-            <a:schemeClr val="tx1">
-              <a:lumMod val="65000"/>
-              <a:lumOff val="35000"/>
-            </a:schemeClr>
-          </a:solidFill>
-          <a:ln>
-            <a:noFill/>
-          </a:ln>
-        </p:spPr>
-        <p:style>
-          <a:lnRef idx="2">
-            <a:schemeClr val="accent1">
-              <a:shade val="50000"/>
-            </a:schemeClr>
-          </a:lnRef>
-          <a:fillRef idx="1">
-            <a:schemeClr val="accent1"/>
-          </a:fillRef>
-          <a:effectRef idx="0">
-            <a:schemeClr val="accent1"/>
-          </a:effectRef>
-          <a:fontRef idx="minor">
-            <a:schemeClr val="lt1"/>
-          </a:fontRef>
-        </p:style>
-        <p:txBody>
-          <a:bodyPr rtlCol="0" anchor="ctr"/>
-          <a:lstStyle/>
-          <a:p>
-            <a:pPr algn="ctr"/>
-            <a:endParaRPr kumimoji="1" lang="ja-JP" altLang="en-US">
-              <a:solidFill>
-                <a:schemeClr val="tx1"/>
-              </a:solidFill>
-            </a:endParaRPr>
-          </a:p>
-        </p:txBody>
-      </p:sp>
-      <p:sp>
-        <p:nvSpPr>
-          <p:cNvPr id="23" name="右矢印 22"/>
-          <p:cNvSpPr/>
-          <p:nvPr/>
-        </p:nvSpPr>
-        <p:spPr>
-          <a:xfrm>
-            <a:off x="2720345" y="5229851"/>
-            <a:ext cx="1931325" cy="831785"/>
-          </a:xfrm>
-          <a:prstGeom prst="rightArrow">
-            <a:avLst/>
-          </a:prstGeom>
-          <a:ln>
-            <a:noFill/>
-          </a:ln>
-        </p:spPr>
-        <p:style>
-          <a:lnRef idx="2">
-            <a:schemeClr val="accent1">
-              <a:shade val="50000"/>
-            </a:schemeClr>
-          </a:lnRef>
-          <a:fillRef idx="1">
-            <a:schemeClr val="accent1"/>
-          </a:fillRef>
-          <a:effectRef idx="0">
-            <a:schemeClr val="accent1"/>
-          </a:effectRef>
-          <a:fontRef idx="minor">
-            <a:schemeClr val="lt1"/>
-          </a:fontRef>
-        </p:style>
-        <p:txBody>
-          <a:bodyPr rtlCol="0" anchor="ctr"/>
-          <a:lstStyle/>
-          <a:p>
-            <a:pPr algn="ctr"/>
-            <a:endParaRPr kumimoji="1" lang="ja-JP" altLang="en-US"/>
-          </a:p>
-        </p:txBody>
-      </p:sp>
-      <p:sp>
-        <p:nvSpPr>
-          <p:cNvPr id="25" name="テキスト ボックス 24"/>
-          <p:cNvSpPr txBox="1"/>
-          <p:nvPr/>
-        </p:nvSpPr>
-        <p:spPr>
-          <a:xfrm>
-            <a:off x="2629609" y="4813247"/>
-            <a:ext cx="2002582" cy="523220"/>
-          </a:xfrm>
-          <a:prstGeom prst="rect">
-            <a:avLst/>
-          </a:prstGeom>
-          <a:noFill/>
-        </p:spPr>
-        <p:txBody>
-          <a:bodyPr wrap="square" rtlCol="0">
-            <a:spAutoFit/>
-          </a:bodyPr>
-          <a:lstStyle/>
-          <a:p>
-            <a:r>
-              <a:rPr kumimoji="1" lang="ja-JP" altLang="en-US" sz="2800" smtClean="0"/>
-              <a:t>現在の段階</a:t>
-            </a:r>
-            <a:endParaRPr kumimoji="1" lang="ja-JP" altLang="en-US" sz="2800"/>
+          <p:cNvPr id="2" name="タイトル 1"/>
+          <p:cNvSpPr>
+            <a:spLocks noGrp="1"/>
+          </p:cNvSpPr>
+          <p:nvPr>
+            <p:ph type="title"/>
+          </p:nvPr>
+        </p:nvSpPr>
+        <p:spPr/>
+        <p:txBody>
+          <a:bodyPr/>
+          <a:lstStyle/>
+          <a:p>
+            <a:r>
+              <a:rPr kumimoji="1" lang="ja-JP" altLang="en-US" dirty="0" smtClean="0"/>
+              <a:t>研究背景</a:t>
+            </a:r>
+            <a:endParaRPr kumimoji="1" lang="ja-JP" altLang="en-US" dirty="0"/>
+          </a:p>
+        </p:txBody>
+      </p:sp>
+      <p:sp>
+        <p:nvSpPr>
+          <p:cNvPr id="3" name="コンテンツ プレースホルダー 2"/>
+          <p:cNvSpPr>
+            <a:spLocks noGrp="1"/>
+          </p:cNvSpPr>
+          <p:nvPr>
+            <p:ph idx="1"/>
+          </p:nvPr>
+        </p:nvSpPr>
+        <p:spPr/>
+        <p:txBody>
+          <a:bodyPr/>
+          <a:lstStyle/>
+          <a:p>
+            <a:pPr>
+              <a:buFont typeface="Wingdings" panose="05000000000000000000" pitchFamily="2" charset="2"/>
+              <a:buChar char="l"/>
+            </a:pPr>
+            <a:r>
+              <a:rPr lang="ja-JP" altLang="en-US" sz="3600" dirty="0" smtClean="0"/>
+              <a:t>セルフレジ</a:t>
+            </a:r>
+            <a:r>
+              <a:rPr lang="ja-JP" altLang="en-US" sz="3600" dirty="0"/>
+              <a:t>にできる行列</a:t>
+            </a:r>
+            <a:endParaRPr lang="en-US" altLang="ja-JP" sz="3600" dirty="0"/>
+          </a:p>
+          <a:p>
+            <a:pPr>
+              <a:buFont typeface="Wingdings" panose="05000000000000000000" pitchFamily="2" charset="2"/>
+              <a:buChar char="l"/>
+            </a:pPr>
+            <a:r>
+              <a:rPr lang="ja-JP" altLang="en-US" sz="3600" dirty="0"/>
+              <a:t>レジにかかる人件費</a:t>
+            </a:r>
+            <a:endParaRPr lang="en-US" altLang="ja-JP" sz="3600" dirty="0"/>
+          </a:p>
+          <a:p>
+            <a:pPr>
+              <a:buFont typeface="Wingdings" panose="05000000000000000000" pitchFamily="2" charset="2"/>
+              <a:buChar char="l"/>
+            </a:pPr>
+            <a:r>
+              <a:rPr lang="ja-JP" altLang="en-US" sz="3600" dirty="0"/>
+              <a:t>レジ代</a:t>
+            </a:r>
+            <a:endParaRPr lang="en-US" altLang="ja-JP" sz="3600" dirty="0"/>
+          </a:p>
+          <a:p>
+            <a:pPr>
+              <a:buFont typeface="Wingdings" panose="05000000000000000000" pitchFamily="2" charset="2"/>
+              <a:buChar char="l"/>
+            </a:pPr>
+            <a:r>
+              <a:rPr lang="ja-JP" altLang="en-US" sz="3600" dirty="0"/>
+              <a:t>会計の手間が</a:t>
+            </a:r>
+            <a:r>
+              <a:rPr lang="ja-JP" altLang="en-US" sz="3600" dirty="0" smtClean="0"/>
+              <a:t>かかる</a:t>
+            </a:r>
+            <a:endParaRPr lang="en-US" altLang="ja-JP" sz="3600" dirty="0" smtClean="0"/>
+          </a:p>
+          <a:p>
+            <a:pPr marL="0" indent="0">
+              <a:buNone/>
+            </a:pPr>
+            <a:endParaRPr lang="en-US" altLang="ja-JP" dirty="0"/>
+          </a:p>
+          <a:p>
+            <a:endParaRPr kumimoji="1" lang="ja-JP" altLang="en-US" dirty="0"/>
           </a:p>
         </p:txBody>
       </p:sp>
     </p:spTree>
     <p:extLst>
       <p:ext uri="{BB962C8B-B14F-4D97-AF65-F5344CB8AC3E}">
-        <p14:creationId xmlns:p14="http://schemas.microsoft.com/office/powerpoint/2010/main" val="977294317"/>
+        <p14:creationId xmlns:p14="http://schemas.microsoft.com/office/powerpoint/2010/main" val="53264027"/>
       </p:ext>
     </p:extLst>
   </p:cSld>
@@ -5783,6 +6283,171 @@
       </p:grpSpPr>
       <p:sp>
         <p:nvSpPr>
+          <p:cNvPr id="2" name="タイトル 1"/>
+          <p:cNvSpPr>
+            <a:spLocks noGrp="1"/>
+          </p:cNvSpPr>
+          <p:nvPr>
+            <p:ph type="title"/>
+          </p:nvPr>
+        </p:nvSpPr>
+        <p:spPr>
+          <a:xfrm>
+            <a:off x="1097280" y="286603"/>
+            <a:ext cx="10058400" cy="807411"/>
+          </a:xfrm>
+        </p:spPr>
+        <p:txBody>
+          <a:bodyPr/>
+          <a:lstStyle/>
+          <a:p>
+            <a:r>
+              <a:rPr kumimoji="1" lang="ja-JP" altLang="en-US" dirty="0" smtClean="0"/>
+              <a:t>研究目的</a:t>
+            </a:r>
+            <a:r>
+              <a:rPr lang="ja-JP" altLang="en-US" dirty="0" smtClean="0"/>
+              <a:t>・目標</a:t>
+            </a:r>
+            <a:endParaRPr kumimoji="1" lang="ja-JP" altLang="en-US" dirty="0"/>
+          </a:p>
+        </p:txBody>
+      </p:sp>
+      <p:sp>
+        <p:nvSpPr>
+          <p:cNvPr id="3" name="コンテンツ プレースホルダー 2"/>
+          <p:cNvSpPr>
+            <a:spLocks noGrp="1"/>
+          </p:cNvSpPr>
+          <p:nvPr>
+            <p:ph idx="1"/>
+          </p:nvPr>
+        </p:nvSpPr>
+        <p:spPr>
+          <a:xfrm>
+            <a:off x="145083" y="1892482"/>
+            <a:ext cx="11704320" cy="4023360"/>
+          </a:xfrm>
+        </p:spPr>
+        <p:txBody>
+          <a:bodyPr>
+            <a:normAutofit/>
+          </a:bodyPr>
+          <a:lstStyle/>
+          <a:p>
+            <a:r>
+              <a:rPr lang="en-US" altLang="ja-JP" dirty="0" smtClean="0"/>
+              <a:t>&lt;</a:t>
+            </a:r>
+            <a:r>
+              <a:rPr lang="ja-JP" altLang="en-US" dirty="0" smtClean="0"/>
+              <a:t>目的</a:t>
+            </a:r>
+            <a:r>
+              <a:rPr lang="en-US" altLang="ja-JP" dirty="0" smtClean="0"/>
+              <a:t>&gt;</a:t>
+            </a:r>
+          </a:p>
+          <a:p>
+            <a:r>
+              <a:rPr lang="ja-JP" altLang="en-US" dirty="0" smtClean="0"/>
+              <a:t>レジ</a:t>
+            </a:r>
+            <a:r>
+              <a:rPr lang="ja-JP" altLang="en-US" dirty="0"/>
+              <a:t>ではなく、カートの時点で商品を</a:t>
+            </a:r>
+            <a:r>
+              <a:rPr lang="ja-JP" altLang="en-US" dirty="0" smtClean="0"/>
+              <a:t>読み込む</a:t>
+            </a:r>
+            <a:endParaRPr lang="en-US" altLang="ja-JP" dirty="0" smtClean="0"/>
+          </a:p>
+          <a:p>
+            <a:r>
+              <a:rPr lang="ja-JP" altLang="en-US" dirty="0" smtClean="0"/>
+              <a:t>安価な価格でレジを作成し、回転率を上げる</a:t>
+            </a:r>
+            <a:endParaRPr lang="en-US" altLang="ja-JP" dirty="0" smtClean="0"/>
+          </a:p>
+          <a:p>
+            <a:r>
+              <a:rPr lang="en-US" altLang="ja-JP" dirty="0" smtClean="0"/>
+              <a:t>Web</a:t>
+            </a:r>
+            <a:r>
+              <a:rPr lang="ja-JP" altLang="en-US" dirty="0" smtClean="0"/>
+              <a:t>カメラを使用することによって、従来のレジではできなかった複数商品同時読み取りや、商品の劣化具合を識別するなど商品に対してこれまで以上の柔軟なサービスを提供する</a:t>
+            </a:r>
+            <a:endParaRPr lang="en-US" altLang="ja-JP" dirty="0"/>
+          </a:p>
+          <a:p>
+            <a:r>
+              <a:rPr lang="en-US" altLang="ja-JP" dirty="0" smtClean="0"/>
+              <a:t>&lt;</a:t>
+            </a:r>
+            <a:r>
+              <a:rPr lang="ja-JP" altLang="en-US" dirty="0" smtClean="0"/>
+              <a:t>目標</a:t>
+            </a:r>
+            <a:r>
+              <a:rPr lang="en-US" altLang="ja-JP" dirty="0" smtClean="0"/>
+              <a:t>&gt;</a:t>
+            </a:r>
+          </a:p>
+          <a:p>
+            <a:r>
+              <a:rPr lang="ja-JP" altLang="en-US" dirty="0" smtClean="0"/>
+              <a:t>画像から複数のバーコードの画像のみを抽出し、番号を割り出す</a:t>
+            </a:r>
+            <a:endParaRPr lang="en-US" altLang="ja-JP" dirty="0" smtClean="0"/>
+          </a:p>
+          <a:p>
+            <a:endParaRPr lang="en-US" altLang="ja-JP" dirty="0" smtClean="0"/>
+          </a:p>
+          <a:p>
+            <a:pPr marL="0" indent="0">
+              <a:buNone/>
+            </a:pPr>
+            <a:endParaRPr lang="ja-JP" altLang="en-US" sz="3200" dirty="0"/>
+          </a:p>
+          <a:p>
+            <a:endParaRPr kumimoji="1" lang="ja-JP" altLang="en-US" dirty="0"/>
+          </a:p>
+        </p:txBody>
+      </p:sp>
+    </p:spTree>
+    <p:extLst>
+      <p:ext uri="{BB962C8B-B14F-4D97-AF65-F5344CB8AC3E}">
+        <p14:creationId xmlns:p14="http://schemas.microsoft.com/office/powerpoint/2010/main" val="3527153553"/>
+      </p:ext>
+    </p:extLst>
+  </p:cSld>
+  <p:clrMapOvr>
+    <a:masterClrMapping/>
+  </p:clrMapOvr>
+</p:sld>
+</file>
+
+<file path=ppt/slides/slide5.xml><?xml version="1.0" encoding="utf-8"?>
+<p:sld xmlns:a="http://schemas.openxmlformats.org/drawingml/2006/main" xmlns:r="http://schemas.openxmlformats.org/officeDocument/2006/relationships" xmlns:p="http://schemas.openxmlformats.org/presentationml/2006/main">
+  <p:cSld>
+    <p:spTree>
+      <p:nvGrpSpPr>
+        <p:cNvPr id="1" name=""/>
+        <p:cNvGrpSpPr/>
+        <p:nvPr/>
+      </p:nvGrpSpPr>
+      <p:grpSpPr>
+        <a:xfrm>
+          <a:off x="0" y="0"/>
+          <a:ext cx="0" cy="0"/>
+          <a:chOff x="0" y="0"/>
+          <a:chExt cx="0" cy="0"/>
+        </a:xfrm>
+      </p:grpSpPr>
+      <p:sp>
+        <p:nvSpPr>
           <p:cNvPr id="29" name="角丸四角形 28"/>
           <p:cNvSpPr/>
           <p:nvPr/>
@@ -7256,536 +7921,6 @@
 </p:sld>
 </file>
 
-<file path=ppt/slides/slide5.xml><?xml version="1.0" encoding="utf-8"?>
-<p:sld xmlns:a="http://schemas.openxmlformats.org/drawingml/2006/main" xmlns:r="http://schemas.openxmlformats.org/officeDocument/2006/relationships" xmlns:p="http://schemas.openxmlformats.org/presentationml/2006/main">
-  <p:cSld>
-    <p:spTree>
-      <p:nvGrpSpPr>
-        <p:cNvPr id="1" name=""/>
-        <p:cNvGrpSpPr/>
-        <p:nvPr/>
-      </p:nvGrpSpPr>
-      <p:grpSpPr>
-        <a:xfrm>
-          <a:off x="0" y="0"/>
-          <a:ext cx="0" cy="0"/>
-          <a:chOff x="0" y="0"/>
-          <a:chExt cx="0" cy="0"/>
-        </a:xfrm>
-      </p:grpSpPr>
-      <p:sp>
-        <p:nvSpPr>
-          <p:cNvPr id="2" name="タイトル 1"/>
-          <p:cNvSpPr>
-            <a:spLocks noGrp="1"/>
-          </p:cNvSpPr>
-          <p:nvPr>
-            <p:ph type="title"/>
-          </p:nvPr>
-        </p:nvSpPr>
-        <p:spPr/>
-        <p:txBody>
-          <a:bodyPr/>
-          <a:lstStyle/>
-          <a:p>
-            <a:r>
-              <a:rPr lang="ja-JP" altLang="en-US"/>
-              <a:t>現在</a:t>
-            </a:r>
-            <a:r>
-              <a:rPr lang="ja-JP" altLang="en-US" smtClean="0"/>
-              <a:t>の段階・状況</a:t>
-            </a:r>
-            <a:endParaRPr kumimoji="1" lang="ja-JP" altLang="en-US"/>
-          </a:p>
-        </p:txBody>
-      </p:sp>
-      <p:pic>
-        <p:nvPicPr>
-          <p:cNvPr id="4" name="コンテンツ プレースホルダー 3"/>
-          <p:cNvPicPr>
-            <a:picLocks noGrp="1" noChangeAspect="1"/>
-          </p:cNvPicPr>
-          <p:nvPr>
-            <p:ph idx="1"/>
-          </p:nvPr>
-        </p:nvPicPr>
-        <p:blipFill>
-          <a:blip r:embed="rId2">
-            <a:extLst>
-              <a:ext uri="{28A0092B-C50C-407E-A947-70E740481C1C}">
-                <a14:useLocalDpi xmlns:a14="http://schemas.microsoft.com/office/drawing/2010/main" val="0"/>
-              </a:ext>
-            </a:extLst>
-          </a:blip>
-          <a:stretch>
-            <a:fillRect/>
-          </a:stretch>
-        </p:blipFill>
-        <p:spPr>
-          <a:xfrm>
-            <a:off x="586521" y="2318993"/>
-            <a:ext cx="11079918" cy="3157979"/>
-          </a:xfrm>
-        </p:spPr>
-      </p:pic>
-      <p:sp>
-        <p:nvSpPr>
-          <p:cNvPr id="5" name="正方形/長方形 4"/>
-          <p:cNvSpPr/>
-          <p:nvPr/>
-        </p:nvSpPr>
-        <p:spPr>
-          <a:xfrm>
-            <a:off x="653898" y="2748271"/>
-            <a:ext cx="866894" cy="197060"/>
-          </a:xfrm>
-          <a:prstGeom prst="rect">
-            <a:avLst/>
-          </a:prstGeom>
-          <a:solidFill>
-            <a:srgbClr val="C00000">
-              <a:alpha val="25000"/>
-            </a:srgbClr>
-          </a:solidFill>
-          <a:ln>
-            <a:noFill/>
-          </a:ln>
-        </p:spPr>
-        <p:style>
-          <a:lnRef idx="2">
-            <a:schemeClr val="accent1">
-              <a:shade val="50000"/>
-            </a:schemeClr>
-          </a:lnRef>
-          <a:fillRef idx="1">
-            <a:schemeClr val="accent1"/>
-          </a:fillRef>
-          <a:effectRef idx="0">
-            <a:schemeClr val="accent1"/>
-          </a:effectRef>
-          <a:fontRef idx="minor">
-            <a:schemeClr val="lt1"/>
-          </a:fontRef>
-        </p:style>
-        <p:txBody>
-          <a:bodyPr rtlCol="0" anchor="ctr"/>
-          <a:lstStyle/>
-          <a:p>
-            <a:pPr algn="ctr"/>
-            <a:endParaRPr kumimoji="1" lang="ja-JP" altLang="en-US"/>
-          </a:p>
-        </p:txBody>
-      </p:sp>
-      <p:sp>
-        <p:nvSpPr>
-          <p:cNvPr id="6" name="正方形/長方形 5"/>
-          <p:cNvSpPr/>
-          <p:nvPr/>
-        </p:nvSpPr>
-        <p:spPr>
-          <a:xfrm>
-            <a:off x="653898" y="3139048"/>
-            <a:ext cx="1328906" cy="387916"/>
-          </a:xfrm>
-          <a:prstGeom prst="rect">
-            <a:avLst/>
-          </a:prstGeom>
-          <a:solidFill>
-            <a:srgbClr val="FFFF00">
-              <a:alpha val="25000"/>
-            </a:srgbClr>
-          </a:solidFill>
-          <a:ln>
-            <a:noFill/>
-          </a:ln>
-        </p:spPr>
-        <p:style>
-          <a:lnRef idx="2">
-            <a:schemeClr val="accent1">
-              <a:shade val="50000"/>
-            </a:schemeClr>
-          </a:lnRef>
-          <a:fillRef idx="1">
-            <a:schemeClr val="accent1"/>
-          </a:fillRef>
-          <a:effectRef idx="0">
-            <a:schemeClr val="accent1"/>
-          </a:effectRef>
-          <a:fontRef idx="minor">
-            <a:schemeClr val="lt1"/>
-          </a:fontRef>
-        </p:style>
-        <p:txBody>
-          <a:bodyPr rtlCol="0" anchor="ctr"/>
-          <a:lstStyle/>
-          <a:p>
-            <a:pPr algn="ctr"/>
-            <a:endParaRPr kumimoji="1" lang="ja-JP" altLang="en-US"/>
-          </a:p>
-        </p:txBody>
-      </p:sp>
-      <p:sp>
-        <p:nvSpPr>
-          <p:cNvPr id="7" name="正方形/長方形 6"/>
-          <p:cNvSpPr/>
-          <p:nvPr/>
-        </p:nvSpPr>
-        <p:spPr>
-          <a:xfrm>
-            <a:off x="676694" y="3859732"/>
-            <a:ext cx="1941378" cy="576818"/>
-          </a:xfrm>
-          <a:prstGeom prst="rect">
-            <a:avLst/>
-          </a:prstGeom>
-          <a:solidFill>
-            <a:srgbClr val="FFFF00">
-              <a:alpha val="25000"/>
-            </a:srgbClr>
-          </a:solidFill>
-          <a:ln>
-            <a:noFill/>
-          </a:ln>
-        </p:spPr>
-        <p:style>
-          <a:lnRef idx="2">
-            <a:schemeClr val="accent1">
-              <a:shade val="50000"/>
-            </a:schemeClr>
-          </a:lnRef>
-          <a:fillRef idx="1">
-            <a:schemeClr val="accent1"/>
-          </a:fillRef>
-          <a:effectRef idx="0">
-            <a:schemeClr val="accent1"/>
-          </a:effectRef>
-          <a:fontRef idx="minor">
-            <a:schemeClr val="lt1"/>
-          </a:fontRef>
-        </p:style>
-        <p:txBody>
-          <a:bodyPr rtlCol="0" anchor="ctr"/>
-          <a:lstStyle/>
-          <a:p>
-            <a:pPr algn="ctr"/>
-            <a:endParaRPr kumimoji="1" lang="ja-JP" altLang="en-US"/>
-          </a:p>
-        </p:txBody>
-      </p:sp>
-      <p:sp>
-        <p:nvSpPr>
-          <p:cNvPr id="8" name="正方形/長方形 7"/>
-          <p:cNvSpPr/>
-          <p:nvPr/>
-        </p:nvSpPr>
-        <p:spPr>
-          <a:xfrm>
-            <a:off x="663833" y="4636660"/>
-            <a:ext cx="1809860" cy="362967"/>
-          </a:xfrm>
-          <a:prstGeom prst="rect">
-            <a:avLst/>
-          </a:prstGeom>
-          <a:solidFill>
-            <a:srgbClr val="C00000">
-              <a:alpha val="25000"/>
-            </a:srgbClr>
-          </a:solidFill>
-          <a:ln>
-            <a:noFill/>
-          </a:ln>
-        </p:spPr>
-        <p:style>
-          <a:lnRef idx="2">
-            <a:schemeClr val="accent1">
-              <a:shade val="50000"/>
-            </a:schemeClr>
-          </a:lnRef>
-          <a:fillRef idx="1">
-            <a:schemeClr val="accent1"/>
-          </a:fillRef>
-          <a:effectRef idx="0">
-            <a:schemeClr val="accent1"/>
-          </a:effectRef>
-          <a:fontRef idx="minor">
-            <a:schemeClr val="lt1"/>
-          </a:fontRef>
-        </p:style>
-        <p:txBody>
-          <a:bodyPr rtlCol="0" anchor="ctr"/>
-          <a:lstStyle/>
-          <a:p>
-            <a:pPr algn="ctr"/>
-            <a:endParaRPr kumimoji="1" lang="ja-JP" altLang="en-US"/>
-          </a:p>
-        </p:txBody>
-      </p:sp>
-      <p:sp>
-        <p:nvSpPr>
-          <p:cNvPr id="9" name="正方形/長方形 8"/>
-          <p:cNvSpPr/>
-          <p:nvPr/>
-        </p:nvSpPr>
-        <p:spPr>
-          <a:xfrm>
-            <a:off x="3626500" y="2891507"/>
-            <a:ext cx="1186132" cy="178952"/>
-          </a:xfrm>
-          <a:prstGeom prst="rect">
-            <a:avLst/>
-          </a:prstGeom>
-          <a:solidFill>
-            <a:srgbClr val="FF0000">
-              <a:alpha val="25000"/>
-            </a:srgbClr>
-          </a:solidFill>
-          <a:ln>
-            <a:noFill/>
-          </a:ln>
-        </p:spPr>
-        <p:style>
-          <a:lnRef idx="2">
-            <a:schemeClr val="accent1">
-              <a:shade val="50000"/>
-            </a:schemeClr>
-          </a:lnRef>
-          <a:fillRef idx="1">
-            <a:schemeClr val="accent1"/>
-          </a:fillRef>
-          <a:effectRef idx="0">
-            <a:schemeClr val="accent1"/>
-          </a:effectRef>
-          <a:fontRef idx="minor">
-            <a:schemeClr val="lt1"/>
-          </a:fontRef>
-        </p:style>
-        <p:txBody>
-          <a:bodyPr rtlCol="0" anchor="ctr"/>
-          <a:lstStyle/>
-          <a:p>
-            <a:pPr algn="ctr"/>
-            <a:endParaRPr kumimoji="1" lang="ja-JP" altLang="en-US"/>
-          </a:p>
-        </p:txBody>
-      </p:sp>
-      <p:sp>
-        <p:nvSpPr>
-          <p:cNvPr id="10" name="正方形/長方形 9"/>
-          <p:cNvSpPr/>
-          <p:nvPr/>
-        </p:nvSpPr>
-        <p:spPr>
-          <a:xfrm>
-            <a:off x="3626500" y="3700921"/>
-            <a:ext cx="1754022" cy="601571"/>
-          </a:xfrm>
-          <a:prstGeom prst="rect">
-            <a:avLst/>
-          </a:prstGeom>
-          <a:solidFill>
-            <a:srgbClr val="C00000">
-              <a:alpha val="25000"/>
-            </a:srgbClr>
-          </a:solidFill>
-          <a:ln>
-            <a:noFill/>
-          </a:ln>
-        </p:spPr>
-        <p:style>
-          <a:lnRef idx="2">
-            <a:schemeClr val="accent1">
-              <a:shade val="50000"/>
-            </a:schemeClr>
-          </a:lnRef>
-          <a:fillRef idx="1">
-            <a:schemeClr val="accent1"/>
-          </a:fillRef>
-          <a:effectRef idx="0">
-            <a:schemeClr val="accent1"/>
-          </a:effectRef>
-          <a:fontRef idx="minor">
-            <a:schemeClr val="lt1"/>
-          </a:fontRef>
-        </p:style>
-        <p:txBody>
-          <a:bodyPr rtlCol="0" anchor="ctr"/>
-          <a:lstStyle/>
-          <a:p>
-            <a:pPr algn="ctr"/>
-            <a:endParaRPr kumimoji="1" lang="ja-JP" altLang="en-US"/>
-          </a:p>
-        </p:txBody>
-      </p:sp>
-      <p:sp>
-        <p:nvSpPr>
-          <p:cNvPr id="11" name="正方形/長方形 10"/>
-          <p:cNvSpPr/>
-          <p:nvPr/>
-        </p:nvSpPr>
-        <p:spPr>
-          <a:xfrm>
-            <a:off x="6419757" y="5784356"/>
-            <a:ext cx="866894" cy="197060"/>
-          </a:xfrm>
-          <a:prstGeom prst="rect">
-            <a:avLst/>
-          </a:prstGeom>
-          <a:solidFill>
-            <a:srgbClr val="C00000">
-              <a:alpha val="25000"/>
-            </a:srgbClr>
-          </a:solidFill>
-          <a:ln>
-            <a:noFill/>
-          </a:ln>
-        </p:spPr>
-        <p:style>
-          <a:lnRef idx="2">
-            <a:schemeClr val="accent1">
-              <a:shade val="50000"/>
-            </a:schemeClr>
-          </a:lnRef>
-          <a:fillRef idx="1">
-            <a:schemeClr val="accent1"/>
-          </a:fillRef>
-          <a:effectRef idx="0">
-            <a:schemeClr val="accent1"/>
-          </a:effectRef>
-          <a:fontRef idx="minor">
-            <a:schemeClr val="lt1"/>
-          </a:fontRef>
-        </p:style>
-        <p:txBody>
-          <a:bodyPr rtlCol="0" anchor="ctr"/>
-          <a:lstStyle/>
-          <a:p>
-            <a:pPr algn="ctr"/>
-            <a:endParaRPr kumimoji="1" lang="ja-JP" altLang="en-US"/>
-          </a:p>
-        </p:txBody>
-      </p:sp>
-      <p:sp>
-        <p:nvSpPr>
-          <p:cNvPr id="12" name="テキスト ボックス 11"/>
-          <p:cNvSpPr txBox="1"/>
-          <p:nvPr/>
-        </p:nvSpPr>
-        <p:spPr>
-          <a:xfrm>
-            <a:off x="7382593" y="5678905"/>
-            <a:ext cx="3965609" cy="369332"/>
-          </a:xfrm>
-          <a:prstGeom prst="rect">
-            <a:avLst/>
-          </a:prstGeom>
-          <a:noFill/>
-        </p:spPr>
-        <p:txBody>
-          <a:bodyPr wrap="square" rtlCol="0">
-            <a:spAutoFit/>
-          </a:bodyPr>
-          <a:lstStyle/>
-          <a:p>
-            <a:r>
-              <a:rPr lang="ja-JP" altLang="en-US" smtClean="0"/>
-              <a:t>・・・結合テストまで動作確認済み</a:t>
-            </a:r>
-            <a:endParaRPr kumimoji="1" lang="ja-JP" altLang="en-US"/>
-          </a:p>
-        </p:txBody>
-      </p:sp>
-      <p:sp>
-        <p:nvSpPr>
-          <p:cNvPr id="13" name="正方形/長方形 12"/>
-          <p:cNvSpPr/>
-          <p:nvPr/>
-        </p:nvSpPr>
-        <p:spPr>
-          <a:xfrm>
-            <a:off x="586521" y="5737357"/>
-            <a:ext cx="953211" cy="214547"/>
-          </a:xfrm>
-          <a:prstGeom prst="rect">
-            <a:avLst/>
-          </a:prstGeom>
-          <a:solidFill>
-            <a:srgbClr val="FFFF00">
-              <a:alpha val="25000"/>
-            </a:srgbClr>
-          </a:solidFill>
-          <a:ln>
-            <a:noFill/>
-          </a:ln>
-        </p:spPr>
-        <p:style>
-          <a:lnRef idx="2">
-            <a:schemeClr val="accent1">
-              <a:shade val="50000"/>
-            </a:schemeClr>
-          </a:lnRef>
-          <a:fillRef idx="1">
-            <a:schemeClr val="accent1"/>
-          </a:fillRef>
-          <a:effectRef idx="0">
-            <a:schemeClr val="accent1"/>
-          </a:effectRef>
-          <a:fontRef idx="minor">
-            <a:schemeClr val="lt1"/>
-          </a:fontRef>
-        </p:style>
-        <p:txBody>
-          <a:bodyPr rtlCol="0" anchor="ctr"/>
-          <a:lstStyle/>
-          <a:p>
-            <a:pPr algn="ctr"/>
-            <a:endParaRPr kumimoji="1" lang="ja-JP" altLang="en-US"/>
-          </a:p>
-        </p:txBody>
-      </p:sp>
-      <p:sp>
-        <p:nvSpPr>
-          <p:cNvPr id="14" name="テキスト ボックス 13"/>
-          <p:cNvSpPr txBox="1"/>
-          <p:nvPr/>
-        </p:nvSpPr>
-        <p:spPr>
-          <a:xfrm>
-            <a:off x="1629905" y="5694880"/>
-            <a:ext cx="3965609" cy="369332"/>
-          </a:xfrm>
-          <a:prstGeom prst="rect">
-            <a:avLst/>
-          </a:prstGeom>
-          <a:noFill/>
-        </p:spPr>
-        <p:txBody>
-          <a:bodyPr wrap="square" rtlCol="0">
-            <a:spAutoFit/>
-          </a:bodyPr>
-          <a:lstStyle/>
-          <a:p>
-            <a:r>
-              <a:rPr lang="ja-JP" altLang="en-US" smtClean="0"/>
-              <a:t>・・・単体テストまで動作確認済み</a:t>
-            </a:r>
-            <a:endParaRPr kumimoji="1" lang="ja-JP" altLang="en-US"/>
-          </a:p>
-        </p:txBody>
-      </p:sp>
-    </p:spTree>
-    <p:extLst>
-      <p:ext uri="{BB962C8B-B14F-4D97-AF65-F5344CB8AC3E}">
-        <p14:creationId xmlns:p14="http://schemas.microsoft.com/office/powerpoint/2010/main" val="3323897878"/>
-      </p:ext>
-    </p:extLst>
-  </p:cSld>
-  <p:clrMapOvr>
-    <a:masterClrMapping/>
-  </p:clrMapOvr>
-</p:sld>
-</file>
-
 <file path=ppt/slides/slide6.xml><?xml version="1.0" encoding="utf-8"?>
 <p:sld xmlns:a="http://schemas.openxmlformats.org/drawingml/2006/main" xmlns:r="http://schemas.openxmlformats.org/officeDocument/2006/relationships" xmlns:p="http://schemas.openxmlformats.org/presentationml/2006/main">
   <p:cSld>
@@ -7819,37 +7954,57 @@
           <a:lstStyle/>
           <a:p>
             <a:r>
-              <a:rPr kumimoji="1" lang="ja-JP" altLang="en-US" smtClean="0"/>
-              <a:t>今週の</a:t>
-            </a:r>
-            <a:r>
-              <a:rPr lang="ja-JP" altLang="en-US" smtClean="0"/>
-              <a:t>進捗</a:t>
-            </a:r>
-            <a:endParaRPr kumimoji="1" lang="ja-JP" altLang="en-US"/>
-          </a:p>
-        </p:txBody>
-      </p:sp>
-      <p:sp>
-        <p:nvSpPr>
-          <p:cNvPr id="3" name="コンテンツ プレースホルダー 2"/>
+              <a:rPr lang="ja-JP" altLang="en-US" dirty="0" smtClean="0"/>
+              <a:t>メリット</a:t>
+            </a:r>
+            <a:r>
+              <a:rPr lang="ja-JP" altLang="en-US" dirty="0"/>
+              <a:t>・</a:t>
+            </a:r>
+            <a:r>
+              <a:rPr lang="ja-JP" altLang="en-US" dirty="0" smtClean="0"/>
+              <a:t>効果</a:t>
+            </a:r>
+            <a:endParaRPr kumimoji="1" lang="ja-JP" altLang="en-US" dirty="0"/>
+          </a:p>
+        </p:txBody>
+      </p:sp>
+      <p:sp>
+        <p:nvSpPr>
+          <p:cNvPr id="4" name="テキスト プレースホルダー 3"/>
           <p:cNvSpPr>
             <a:spLocks noGrp="1"/>
           </p:cNvSpPr>
           <p:nvPr>
-            <p:ph idx="1"/>
+            <p:ph type="body" idx="1"/>
           </p:nvPr>
         </p:nvSpPr>
-        <p:spPr>
-          <a:xfrm>
-            <a:off x="4437246" y="1845734"/>
-            <a:ext cx="6718433" cy="4023360"/>
-          </a:xfrm>
-        </p:spPr>
-        <p:txBody>
-          <a:bodyPr>
-            <a:normAutofit/>
-          </a:bodyPr>
+        <p:spPr/>
+        <p:txBody>
+          <a:bodyPr/>
+          <a:lstStyle/>
+          <a:p>
+            <a:r>
+              <a:rPr kumimoji="1" lang="ja-JP" altLang="en-US" sz="2800" dirty="0" smtClean="0"/>
+              <a:t>お客様</a:t>
+            </a:r>
+            <a:endParaRPr kumimoji="1" lang="ja-JP" altLang="en-US" sz="2800" dirty="0"/>
+          </a:p>
+        </p:txBody>
+      </p:sp>
+      <p:sp>
+        <p:nvSpPr>
+          <p:cNvPr id="5" name="コンテンツ プレースホルダー 4"/>
+          <p:cNvSpPr>
+            <a:spLocks noGrp="1"/>
+          </p:cNvSpPr>
+          <p:nvPr>
+            <p:ph sz="half" idx="2"/>
+          </p:nvPr>
+        </p:nvSpPr>
+        <p:spPr/>
+        <p:txBody>
+          <a:bodyPr/>
           <a:lstStyle/>
           <a:p>
             <a:pPr>
@@ -7857,18 +8012,10 @@
               <a:buChar char="l"/>
             </a:pPr>
             <a:r>
-              <a:rPr kumimoji="1" lang="ja-JP" altLang="en-US" sz="4400" smtClean="0"/>
-              <a:t>ひずみゲージ用アクリル板の組み立て</a:t>
-            </a:r>
-            <a:r>
-              <a:rPr lang="ja-JP" altLang="en-US" sz="4400"/>
-              <a:t>、</a:t>
-            </a:r>
-            <a:r>
-              <a:rPr kumimoji="1" lang="ja-JP" altLang="en-US" sz="4400" smtClean="0"/>
-              <a:t>実装</a:t>
-            </a:r>
-            <a:endParaRPr kumimoji="1" lang="en-US" altLang="ja-JP" sz="4400" smtClean="0"/>
+              <a:rPr kumimoji="1" lang="ja-JP" altLang="en-US" sz="2800" dirty="0" smtClean="0"/>
+              <a:t>決済にかかる時間の短縮</a:t>
+            </a:r>
+            <a:endParaRPr kumimoji="1" lang="en-US" altLang="ja-JP" sz="2800" dirty="0" smtClean="0"/>
           </a:p>
           <a:p>
             <a:pPr>
@@ -7876,64 +8023,177 @@
               <a:buChar char="l"/>
             </a:pPr>
             <a:r>
-              <a:rPr kumimoji="1" lang="ja-JP" altLang="en-US" sz="4400" smtClean="0"/>
-              <a:t>ラズパイ・サーバ間での画像データ連携、</a:t>
-            </a:r>
-            <a:r>
-              <a:rPr lang="ja-JP" altLang="en-US" sz="4400" smtClean="0"/>
-              <a:t>バーコード番号割り出し</a:t>
-            </a:r>
-            <a:endParaRPr kumimoji="1" lang="en-US" altLang="ja-JP" sz="4400" smtClean="0"/>
+              <a:rPr lang="ja-JP" altLang="en-US" sz="2800" dirty="0" smtClean="0"/>
+              <a:t>袋詰めの手間の削減</a:t>
+            </a:r>
+            <a:endParaRPr kumimoji="1" lang="en-US" altLang="ja-JP" sz="2800" dirty="0" smtClean="0"/>
           </a:p>
           <a:p>
             <a:pPr>
               <a:buFont typeface="Wingdings" panose="05000000000000000000" pitchFamily="2" charset="2"/>
               <a:buChar char="l"/>
             </a:pPr>
-            <a:endParaRPr kumimoji="1" lang="ja-JP" altLang="en-US" sz="4400"/>
-          </a:p>
-        </p:txBody>
-      </p:sp>
-      <p:pic>
-        <p:nvPicPr>
-          <p:cNvPr id="5" name="図 4"/>
-          <p:cNvPicPr>
-            <a:picLocks noChangeAspect="1"/>
-          </p:cNvPicPr>
-          <p:nvPr/>
-        </p:nvPicPr>
-        <p:blipFill>
-          <a:blip r:embed="rId2" cstate="print">
-            <a:extLst>
-              <a:ext uri="{28A0092B-C50C-407E-A947-70E740481C1C}">
-                <a14:useLocalDpi xmlns:a14="http://schemas.microsoft.com/office/drawing/2010/main" val="0"/>
-              </a:ext>
-            </a:extLst>
-          </a:blip>
-          <a:stretch>
-            <a:fillRect/>
-          </a:stretch>
-        </p:blipFill>
-        <p:spPr>
-          <a:xfrm rot="5400000">
-            <a:off x="594361" y="2348656"/>
-            <a:ext cx="4023360" cy="3017520"/>
-          </a:xfrm>
-          <a:prstGeom prst="rect">
-            <a:avLst/>
-          </a:prstGeom>
-        </p:spPr>
-      </p:pic>
+            <a:endParaRPr kumimoji="1" lang="ja-JP" altLang="en-US" sz="2800" dirty="0"/>
+          </a:p>
+        </p:txBody>
+      </p:sp>
+      <p:sp>
+        <p:nvSpPr>
+          <p:cNvPr id="6" name="テキスト プレースホルダー 5"/>
+          <p:cNvSpPr>
+            <a:spLocks noGrp="1"/>
+          </p:cNvSpPr>
+          <p:nvPr>
+            <p:ph type="body" sz="quarter" idx="3"/>
+          </p:nvPr>
+        </p:nvSpPr>
+        <p:spPr/>
+        <p:txBody>
+          <a:bodyPr/>
+          <a:lstStyle/>
+          <a:p>
+            <a:r>
+              <a:rPr kumimoji="1" lang="ja-JP" altLang="en-US" sz="2800" dirty="0" smtClean="0"/>
+              <a:t>お店</a:t>
+            </a:r>
+            <a:endParaRPr kumimoji="1" lang="ja-JP" altLang="en-US" sz="2800" dirty="0"/>
+          </a:p>
+        </p:txBody>
+      </p:sp>
+      <p:sp>
+        <p:nvSpPr>
+          <p:cNvPr id="7" name="コンテンツ プレースホルダー 6"/>
+          <p:cNvSpPr>
+            <a:spLocks noGrp="1"/>
+          </p:cNvSpPr>
+          <p:nvPr>
+            <p:ph sz="quarter" idx="4"/>
+          </p:nvPr>
+        </p:nvSpPr>
+        <p:spPr>
+          <a:xfrm>
+            <a:off x="6217920" y="2582334"/>
+            <a:ext cx="5226518" cy="3286760"/>
+          </a:xfrm>
+        </p:spPr>
+        <p:txBody>
+          <a:bodyPr>
+            <a:normAutofit fontScale="92500"/>
+          </a:bodyPr>
+          <a:lstStyle/>
+          <a:p>
+            <a:pPr>
+              <a:buFont typeface="Wingdings" panose="05000000000000000000" pitchFamily="2" charset="2"/>
+              <a:buChar char="l"/>
+            </a:pPr>
+            <a:r>
+              <a:rPr kumimoji="1" lang="ja-JP" altLang="en-US" sz="2800" dirty="0" smtClean="0"/>
+              <a:t>人件費の節約</a:t>
+            </a:r>
+            <a:endParaRPr kumimoji="1" lang="en-US" altLang="ja-JP" sz="2800" dirty="0" smtClean="0"/>
+          </a:p>
+          <a:p>
+            <a:pPr>
+              <a:buFont typeface="Wingdings" panose="05000000000000000000" pitchFamily="2" charset="2"/>
+              <a:buChar char="l"/>
+            </a:pPr>
+            <a:r>
+              <a:rPr lang="ja-JP" altLang="en-US" sz="2800" dirty="0" smtClean="0"/>
+              <a:t>レジ代の節約</a:t>
+            </a:r>
+            <a:endParaRPr lang="en-US" altLang="ja-JP" sz="2800" dirty="0" smtClean="0"/>
+          </a:p>
+          <a:p>
+            <a:pPr>
+              <a:buFont typeface="Wingdings" panose="05000000000000000000" pitchFamily="2" charset="2"/>
+              <a:buChar char="l"/>
+            </a:pPr>
+            <a:r>
+              <a:rPr kumimoji="1" lang="ja-JP" altLang="en-US" sz="2800" spc="-150" dirty="0" smtClean="0"/>
+              <a:t>客層</a:t>
+            </a:r>
+            <a:r>
+              <a:rPr kumimoji="1" lang="ja-JP" altLang="en-US" sz="2800" dirty="0" smtClean="0"/>
+              <a:t>や買った</a:t>
+            </a:r>
+            <a:r>
+              <a:rPr kumimoji="1" lang="ja-JP" altLang="en-US" sz="2800" spc="-150" dirty="0" smtClean="0"/>
+              <a:t>商品</a:t>
+            </a:r>
+            <a:r>
+              <a:rPr kumimoji="1" lang="ja-JP" altLang="en-US" sz="2800" dirty="0" smtClean="0"/>
+              <a:t>などの</a:t>
+            </a:r>
+            <a:r>
+              <a:rPr kumimoji="1" lang="ja-JP" altLang="en-US" sz="2800" spc="-150" dirty="0" smtClean="0"/>
+              <a:t>情報収集</a:t>
+            </a:r>
+            <a:endParaRPr kumimoji="1" lang="en-US" altLang="ja-JP" sz="2800" spc="-150" dirty="0" smtClean="0"/>
+          </a:p>
+          <a:p>
+            <a:pPr>
+              <a:buFont typeface="Wingdings" panose="05000000000000000000" pitchFamily="2" charset="2"/>
+              <a:buChar char="l"/>
+            </a:pPr>
+            <a:r>
+              <a:rPr lang="ja-JP" altLang="en-US" sz="2800" dirty="0" smtClean="0"/>
+              <a:t>回転率が上がる</a:t>
+            </a:r>
+            <a:endParaRPr lang="en-US" altLang="ja-JP" sz="2800" dirty="0" smtClean="0"/>
+          </a:p>
+          <a:p>
+            <a:pPr>
+              <a:buFont typeface="Wingdings" panose="05000000000000000000" pitchFamily="2" charset="2"/>
+              <a:buChar char="l"/>
+            </a:pPr>
+            <a:r>
+              <a:rPr kumimoji="1" lang="ja-JP" altLang="en-US" sz="2800" dirty="0"/>
+              <a:t>店</a:t>
+            </a:r>
+            <a:r>
+              <a:rPr kumimoji="1" lang="ja-JP" altLang="en-US" sz="2800" dirty="0" smtClean="0"/>
+              <a:t>の</a:t>
+            </a:r>
+            <a:r>
+              <a:rPr kumimoji="1" lang="ja-JP" altLang="en-US" sz="2800" dirty="0"/>
+              <a:t>スペース</a:t>
+            </a:r>
+            <a:r>
+              <a:rPr kumimoji="1" lang="ja-JP" altLang="en-US" sz="2800" dirty="0" smtClean="0"/>
+              <a:t>を有効活用できる</a:t>
+            </a:r>
+            <a:endParaRPr kumimoji="1" lang="en-US" altLang="ja-JP" sz="2800" dirty="0" smtClean="0"/>
+          </a:p>
+          <a:p>
+            <a:pPr>
+              <a:buFont typeface="Wingdings" panose="05000000000000000000" pitchFamily="2" charset="2"/>
+              <a:buChar char="l"/>
+            </a:pPr>
+            <a:r>
+              <a:rPr lang="ja-JP" altLang="en-US" sz="2800" dirty="0" smtClean="0"/>
+              <a:t>初期投資が少なく済む</a:t>
+            </a:r>
+            <a:endParaRPr kumimoji="1" lang="ja-JP" altLang="en-US" sz="2800" dirty="0"/>
+          </a:p>
+        </p:txBody>
+      </p:sp>
     </p:spTree>
     <p:extLst>
       <p:ext uri="{BB962C8B-B14F-4D97-AF65-F5344CB8AC3E}">
-        <p14:creationId xmlns:p14="http://schemas.microsoft.com/office/powerpoint/2010/main" val="97732334"/>
+        <p14:creationId xmlns:p14="http://schemas.microsoft.com/office/powerpoint/2010/main" val="1330612530"/>
       </p:ext>
     </p:extLst>
   </p:cSld>
   <p:clrMapOvr>
     <a:masterClrMapping/>
   </p:clrMapOvr>
+  <p:timing>
+    <p:tnLst>
+      <p:par>
+        <p:cTn id="1" dur="indefinite" restart="never" nodeType="tmRoot"/>
+      </p:par>
+    </p:tnLst>
+  </p:timing>
 </p:sld>
 </file>
 
@@ -7970,24 +8230,64 @@
           <a:lstStyle/>
           <a:p>
             <a:r>
-              <a:rPr kumimoji="1" lang="ja-JP" altLang="en-US" smtClean="0"/>
-              <a:t>現在の問題</a:t>
-            </a:r>
-            <a:endParaRPr kumimoji="1" lang="ja-JP" altLang="en-US"/>
-          </a:p>
-        </p:txBody>
-      </p:sp>
-      <p:sp>
-        <p:nvSpPr>
-          <p:cNvPr id="3" name="コンテンツ プレースホルダー 2"/>
+              <a:rPr lang="ja-JP" altLang="en-US" dirty="0" smtClean="0"/>
+              <a:t>メリット</a:t>
+            </a:r>
+            <a:r>
+              <a:rPr lang="ja-JP" altLang="en-US" dirty="0"/>
+              <a:t>・</a:t>
+            </a:r>
+            <a:r>
+              <a:rPr lang="ja-JP" altLang="en-US" dirty="0" smtClean="0"/>
+              <a:t>効果</a:t>
+            </a:r>
+            <a:endParaRPr kumimoji="1" lang="ja-JP" altLang="en-US" dirty="0"/>
+          </a:p>
+        </p:txBody>
+      </p:sp>
+      <p:sp>
+        <p:nvSpPr>
+          <p:cNvPr id="4" name="テキスト プレースホルダー 3"/>
           <p:cNvSpPr>
             <a:spLocks noGrp="1"/>
           </p:cNvSpPr>
           <p:nvPr>
-            <p:ph idx="1"/>
+            <p:ph type="body" idx="1"/>
           </p:nvPr>
         </p:nvSpPr>
         <p:spPr/>
+        <p:txBody>
+          <a:bodyPr/>
+          <a:lstStyle/>
+          <a:p>
+            <a:r>
+              <a:rPr lang="ja-JP" altLang="en-US" sz="2800" dirty="0" smtClean="0"/>
+              <a:t>制作</a:t>
+            </a:r>
+            <a:r>
+              <a:rPr lang="ja-JP" altLang="en-US" sz="2800" dirty="0"/>
+              <a:t>側</a:t>
+            </a:r>
+            <a:endParaRPr kumimoji="1" lang="ja-JP" altLang="en-US" sz="2800" dirty="0"/>
+          </a:p>
+        </p:txBody>
+      </p:sp>
+      <p:sp>
+        <p:nvSpPr>
+          <p:cNvPr id="5" name="コンテンツ プレースホルダー 4"/>
+          <p:cNvSpPr>
+            <a:spLocks noGrp="1"/>
+          </p:cNvSpPr>
+          <p:nvPr>
+            <p:ph sz="half" idx="2"/>
+          </p:nvPr>
+        </p:nvSpPr>
+        <p:spPr>
+          <a:xfrm>
+            <a:off x="1097279" y="2582334"/>
+            <a:ext cx="9948999" cy="3378200"/>
+          </a:xfrm>
+        </p:spPr>
         <p:txBody>
           <a:bodyPr>
             <a:normAutofit/>
@@ -7999,10 +8299,10 @@
               <a:buChar char="l"/>
             </a:pPr>
             <a:r>
-              <a:rPr lang="ja-JP" altLang="en-US" sz="4000" smtClean="0"/>
-              <a:t>各種センサのテストの際段ボール使用しているが、外観がよくない</a:t>
-            </a:r>
-            <a:endParaRPr lang="en-US" altLang="ja-JP" sz="4000" smtClean="0"/>
+              <a:rPr lang="ja-JP" altLang="en-US" sz="3200" dirty="0" smtClean="0"/>
+              <a:t>カメラを使用するため、運用していく上での改良が安易</a:t>
+            </a:r>
+            <a:endParaRPr lang="en-US" altLang="ja-JP" sz="3200" dirty="0" smtClean="0"/>
           </a:p>
           <a:p>
             <a:pPr lvl="1">
@@ -8010,30 +8310,60 @@
               <a:buChar char="l"/>
             </a:pPr>
             <a:r>
-              <a:rPr lang="ja-JP" altLang="en-US" sz="4000" smtClean="0"/>
-              <a:t>カゴ購入検討</a:t>
-            </a:r>
-            <a:endParaRPr lang="en-US" altLang="ja-JP" sz="4000" smtClean="0"/>
+              <a:rPr lang="ja-JP" altLang="en-US" sz="2800" dirty="0" smtClean="0"/>
+              <a:t>バー</a:t>
+            </a:r>
+            <a:r>
+              <a:rPr lang="ja-JP" altLang="en-US" sz="2800" dirty="0"/>
+              <a:t>コード</a:t>
+            </a:r>
+            <a:r>
+              <a:rPr lang="ja-JP" altLang="en-US" sz="2800" dirty="0" smtClean="0"/>
+              <a:t>だけでなく画像認識に対応等</a:t>
+            </a:r>
+            <a:endParaRPr lang="en-US" altLang="ja-JP" sz="3200" dirty="0"/>
+          </a:p>
+          <a:p>
+            <a:pPr lvl="1">
+              <a:buFont typeface="Wingdings" panose="05000000000000000000" pitchFamily="2" charset="2"/>
+              <a:buChar char="l"/>
+            </a:pPr>
+            <a:r>
+              <a:rPr lang="ja-JP" altLang="en-US" sz="3200" dirty="0" smtClean="0"/>
+              <a:t>画像ＤＢが改良され続け、精度が上がっていく</a:t>
+            </a:r>
+            <a:endParaRPr lang="en-US" altLang="ja-JP" sz="3200" dirty="0" smtClean="0"/>
           </a:p>
           <a:p>
             <a:pPr>
               <a:buFont typeface="Wingdings" panose="05000000000000000000" pitchFamily="2" charset="2"/>
               <a:buChar char="l"/>
             </a:pPr>
-            <a:endParaRPr lang="en-US" altLang="ja-JP" sz="4000" smtClean="0"/>
+            <a:r>
+              <a:rPr lang="ja-JP" altLang="en-US" sz="3200" dirty="0" smtClean="0"/>
+              <a:t>キャッシュレス決済と組み合わせることにより運用・保守が簡単</a:t>
+            </a:r>
+            <a:endParaRPr lang="en-US" altLang="ja-JP" sz="3200" dirty="0" smtClean="0"/>
           </a:p>
         </p:txBody>
       </p:sp>
     </p:spTree>
     <p:extLst>
       <p:ext uri="{BB962C8B-B14F-4D97-AF65-F5344CB8AC3E}">
-        <p14:creationId xmlns:p14="http://schemas.microsoft.com/office/powerpoint/2010/main" val="3469045584"/>
+        <p14:creationId xmlns:p14="http://schemas.microsoft.com/office/powerpoint/2010/main" val="1920765289"/>
       </p:ext>
     </p:extLst>
   </p:cSld>
   <p:clrMapOvr>
     <a:masterClrMapping/>
   </p:clrMapOvr>
+  <p:timing>
+    <p:tnLst>
+      <p:par>
+        <p:cTn id="1" dur="indefinite" restart="never" nodeType="tmRoot"/>
+      </p:par>
+    </p:tnLst>
+  </p:timing>
 </p:sld>
 </file>
 
@@ -8054,155 +8384,880 @@
           <a:chExt cx="0" cy="0"/>
         </a:xfrm>
       </p:grpSpPr>
-      <p:sp>
-        <p:nvSpPr>
-          <p:cNvPr id="2" name="タイトル 1"/>
-          <p:cNvSpPr>
-            <a:spLocks noGrp="1"/>
-          </p:cNvSpPr>
-          <p:nvPr>
-            <p:ph type="title"/>
-          </p:nvPr>
-        </p:nvSpPr>
-        <p:spPr/>
-        <p:txBody>
-          <a:bodyPr/>
-          <a:lstStyle/>
-          <a:p>
+      <p:cxnSp>
+        <p:nvCxnSpPr>
+          <p:cNvPr id="13" name="直線コネクタ 12"/>
+          <p:cNvCxnSpPr/>
+          <p:nvPr/>
+        </p:nvCxnSpPr>
+        <p:spPr>
+          <a:xfrm rot="16200000">
+            <a:off x="6224412" y="998085"/>
+            <a:ext cx="4180114" cy="4377067"/>
+          </a:xfrm>
+          <a:prstGeom prst="line">
+            <a:avLst/>
+          </a:prstGeom>
+          <a:ln w="50800">
+            <a:solidFill>
+              <a:schemeClr val="tx1">
+                <a:lumMod val="75000"/>
+                <a:lumOff val="25000"/>
+              </a:schemeClr>
+            </a:solidFill>
+          </a:ln>
+        </p:spPr>
+        <p:style>
+          <a:lnRef idx="2">
+            <a:schemeClr val="dk1"/>
+          </a:lnRef>
+          <a:fillRef idx="0">
+            <a:schemeClr val="dk1"/>
+          </a:fillRef>
+          <a:effectRef idx="1">
+            <a:schemeClr val="dk1"/>
+          </a:effectRef>
+          <a:fontRef idx="minor">
+            <a:schemeClr val="tx1"/>
+          </a:fontRef>
+        </p:style>
+      </p:cxnSp>
+      <p:cxnSp>
+        <p:nvCxnSpPr>
+          <p:cNvPr id="12" name="直線コネクタ 11"/>
+          <p:cNvCxnSpPr/>
+          <p:nvPr/>
+        </p:nvCxnSpPr>
+        <p:spPr>
+          <a:xfrm>
+            <a:off x="1251177" y="1249136"/>
+            <a:ext cx="4180114" cy="4377067"/>
+          </a:xfrm>
+          <a:prstGeom prst="line">
+            <a:avLst/>
+          </a:prstGeom>
+          <a:ln w="50800">
+            <a:solidFill>
+              <a:schemeClr val="tx1">
+                <a:lumMod val="75000"/>
+                <a:lumOff val="25000"/>
+              </a:schemeClr>
+            </a:solidFill>
+          </a:ln>
+        </p:spPr>
+        <p:style>
+          <a:lnRef idx="2">
+            <a:schemeClr val="dk1"/>
+          </a:lnRef>
+          <a:fillRef idx="0">
+            <a:schemeClr val="dk1"/>
+          </a:fillRef>
+          <a:effectRef idx="1">
+            <a:schemeClr val="dk1"/>
+          </a:effectRef>
+          <a:fontRef idx="minor">
+            <a:schemeClr val="tx1"/>
+          </a:fontRef>
+        </p:style>
+      </p:cxnSp>
+      <p:sp>
+        <p:nvSpPr>
+          <p:cNvPr id="2" name="正方形/長方形 1"/>
+          <p:cNvSpPr/>
+          <p:nvPr/>
+        </p:nvSpPr>
+        <p:spPr>
+          <a:xfrm>
+            <a:off x="532038" y="461281"/>
+            <a:ext cx="2016579" cy="1004207"/>
+          </a:xfrm>
+          <a:prstGeom prst="rect">
+            <a:avLst/>
+          </a:prstGeom>
+          <a:ln>
+            <a:noFill/>
+          </a:ln>
+        </p:spPr>
+        <p:style>
+          <a:lnRef idx="2">
+            <a:schemeClr val="accent1">
+              <a:shade val="50000"/>
+            </a:schemeClr>
+          </a:lnRef>
+          <a:fillRef idx="1">
+            <a:schemeClr val="accent1"/>
+          </a:fillRef>
+          <a:effectRef idx="0">
+            <a:schemeClr val="accent1"/>
+          </a:effectRef>
+          <a:fontRef idx="minor">
+            <a:schemeClr val="lt1"/>
+          </a:fontRef>
+        </p:style>
+        <p:txBody>
+          <a:bodyPr rtlCol="0" anchor="ctr"/>
+          <a:lstStyle/>
+          <a:p>
+            <a:pPr algn="ctr"/>
+            <a:r>
+              <a:rPr lang="ja-JP" altLang="en-US" smtClean="0"/>
+              <a:t>要求</a:t>
+            </a:r>
+            <a:r>
+              <a:rPr lang="ja-JP" altLang="en-US"/>
+              <a:t>分析</a:t>
+            </a:r>
+            <a:endParaRPr kumimoji="1" lang="ja-JP" altLang="en-US"/>
+          </a:p>
+        </p:txBody>
+      </p:sp>
+      <p:sp>
+        <p:nvSpPr>
+          <p:cNvPr id="3" name="正方形/長方形 2"/>
+          <p:cNvSpPr/>
+          <p:nvPr/>
+        </p:nvSpPr>
+        <p:spPr>
+          <a:xfrm>
+            <a:off x="1540327" y="2015554"/>
+            <a:ext cx="2016579" cy="1004207"/>
+          </a:xfrm>
+          <a:prstGeom prst="rect">
+            <a:avLst/>
+          </a:prstGeom>
+          <a:ln>
+            <a:noFill/>
+          </a:ln>
+        </p:spPr>
+        <p:style>
+          <a:lnRef idx="2">
+            <a:schemeClr val="accent1">
+              <a:shade val="50000"/>
+            </a:schemeClr>
+          </a:lnRef>
+          <a:fillRef idx="1">
+            <a:schemeClr val="accent1"/>
+          </a:fillRef>
+          <a:effectRef idx="0">
+            <a:schemeClr val="accent1"/>
+          </a:effectRef>
+          <a:fontRef idx="minor">
+            <a:schemeClr val="lt1"/>
+          </a:fontRef>
+        </p:style>
+        <p:txBody>
+          <a:bodyPr rtlCol="0" anchor="ctr"/>
+          <a:lstStyle/>
+          <a:p>
+            <a:pPr algn="ctr"/>
             <a:r>
               <a:rPr kumimoji="1" lang="ja-JP" altLang="en-US" smtClean="0"/>
-              <a:t>次週の計画</a:t>
-            </a:r>
-            <a:endParaRPr kumimoji="1" lang="ja-JP" altLang="en-US" dirty="0"/>
-          </a:p>
-        </p:txBody>
-      </p:sp>
-      <p:sp>
-        <p:nvSpPr>
-          <p:cNvPr id="3" name="コンテンツ プレースホルダー 2"/>
-          <p:cNvSpPr>
-            <a:spLocks noGrp="1"/>
-          </p:cNvSpPr>
-          <p:nvPr>
-            <p:ph idx="1"/>
-          </p:nvPr>
-        </p:nvSpPr>
-        <p:spPr/>
-        <p:txBody>
-          <a:bodyPr>
-            <a:normAutofit fontScale="85000" lnSpcReduction="20000"/>
-          </a:bodyPr>
-          <a:lstStyle/>
-          <a:p>
-            <a:pPr>
-              <a:buFont typeface="Wingdings" panose="05000000000000000000" pitchFamily="2" charset="2"/>
-              <a:buChar char="l"/>
-            </a:pPr>
-            <a:r>
-              <a:rPr lang="ja-JP" altLang="en-US" sz="4000"/>
-              <a:t>モジュール</a:t>
-            </a:r>
-            <a:r>
-              <a:rPr kumimoji="1" lang="ja-JP" altLang="en-US" sz="4000" smtClean="0"/>
-              <a:t>側とサーバ側の統合</a:t>
-            </a:r>
-            <a:endParaRPr kumimoji="1" lang="en-US" altLang="ja-JP" sz="4000" smtClean="0"/>
-          </a:p>
-          <a:p>
-            <a:pPr lvl="1">
-              <a:buFont typeface="Wingdings" panose="05000000000000000000" pitchFamily="2" charset="2"/>
-              <a:buChar char="l"/>
-            </a:pPr>
-            <a:r>
-              <a:rPr lang="ja-JP" altLang="en-US" sz="3800" smtClean="0"/>
-              <a:t>実装・単体テスト</a:t>
-            </a:r>
-            <a:endParaRPr lang="en-US" altLang="ja-JP" sz="3800" smtClean="0"/>
-          </a:p>
-          <a:p>
-            <a:pPr lvl="1">
-              <a:buFont typeface="Wingdings" panose="05000000000000000000" pitchFamily="2" charset="2"/>
-              <a:buChar char="l"/>
-            </a:pPr>
-            <a:r>
-              <a:rPr kumimoji="1" lang="ja-JP" altLang="en-US" sz="3800" smtClean="0"/>
+              <a:t>基本設計</a:t>
+            </a:r>
+            <a:endParaRPr kumimoji="1" lang="ja-JP" altLang="en-US"/>
+          </a:p>
+        </p:txBody>
+      </p:sp>
+      <p:sp>
+        <p:nvSpPr>
+          <p:cNvPr id="5" name="正方形/長方形 4"/>
+          <p:cNvSpPr/>
+          <p:nvPr/>
+        </p:nvSpPr>
+        <p:spPr>
+          <a:xfrm>
+            <a:off x="4736646" y="5124100"/>
+            <a:ext cx="2016579" cy="1004207"/>
+          </a:xfrm>
+          <a:prstGeom prst="rect">
+            <a:avLst/>
+          </a:prstGeom>
+          <a:ln>
+            <a:noFill/>
+          </a:ln>
+        </p:spPr>
+        <p:style>
+          <a:lnRef idx="2">
+            <a:schemeClr val="accent1">
+              <a:shade val="50000"/>
+            </a:schemeClr>
+          </a:lnRef>
+          <a:fillRef idx="1">
+            <a:schemeClr val="accent1"/>
+          </a:fillRef>
+          <a:effectRef idx="0">
+            <a:schemeClr val="accent1"/>
+          </a:effectRef>
+          <a:fontRef idx="minor">
+            <a:schemeClr val="lt1"/>
+          </a:fontRef>
+        </p:style>
+        <p:txBody>
+          <a:bodyPr rtlCol="0" anchor="ctr"/>
+          <a:lstStyle/>
+          <a:p>
+            <a:pPr algn="ctr"/>
+            <a:r>
+              <a:rPr kumimoji="1" lang="ja-JP" altLang="en-US" smtClean="0"/>
+              <a:t>実装</a:t>
+            </a:r>
+            <a:endParaRPr kumimoji="1" lang="ja-JP" altLang="en-US"/>
+          </a:p>
+        </p:txBody>
+      </p:sp>
+      <p:sp>
+        <p:nvSpPr>
+          <p:cNvPr id="7" name="正方形/長方形 6"/>
+          <p:cNvSpPr/>
+          <p:nvPr/>
+        </p:nvSpPr>
+        <p:spPr>
+          <a:xfrm>
+            <a:off x="6532790" y="3569826"/>
+            <a:ext cx="2016579" cy="1004207"/>
+          </a:xfrm>
+          <a:prstGeom prst="rect">
+            <a:avLst/>
+          </a:prstGeom>
+          <a:ln>
+            <a:noFill/>
+          </a:ln>
+        </p:spPr>
+        <p:style>
+          <a:lnRef idx="2">
+            <a:schemeClr val="accent1">
+              <a:shade val="50000"/>
+            </a:schemeClr>
+          </a:lnRef>
+          <a:fillRef idx="1">
+            <a:schemeClr val="accent1"/>
+          </a:fillRef>
+          <a:effectRef idx="0">
+            <a:schemeClr val="accent1"/>
+          </a:effectRef>
+          <a:fontRef idx="minor">
+            <a:schemeClr val="lt1"/>
+          </a:fontRef>
+        </p:style>
+        <p:txBody>
+          <a:bodyPr rtlCol="0" anchor="ctr"/>
+          <a:lstStyle/>
+          <a:p>
+            <a:pPr algn="ctr"/>
+            <a:r>
+              <a:rPr kumimoji="1" lang="ja-JP" altLang="en-US" smtClean="0"/>
+              <a:t>単体テスト</a:t>
+            </a:r>
+            <a:endParaRPr kumimoji="1" lang="ja-JP" altLang="en-US"/>
+          </a:p>
+        </p:txBody>
+      </p:sp>
+      <p:sp>
+        <p:nvSpPr>
+          <p:cNvPr id="8" name="正方形/長方形 7"/>
+          <p:cNvSpPr/>
+          <p:nvPr/>
+        </p:nvSpPr>
+        <p:spPr>
+          <a:xfrm>
+            <a:off x="2720067" y="3569827"/>
+            <a:ext cx="2016579" cy="1004207"/>
+          </a:xfrm>
+          <a:prstGeom prst="rect">
+            <a:avLst/>
+          </a:prstGeom>
+          <a:ln>
+            <a:noFill/>
+          </a:ln>
+        </p:spPr>
+        <p:style>
+          <a:lnRef idx="2">
+            <a:schemeClr val="accent1">
+              <a:shade val="50000"/>
+            </a:schemeClr>
+          </a:lnRef>
+          <a:fillRef idx="1">
+            <a:schemeClr val="accent1"/>
+          </a:fillRef>
+          <a:effectRef idx="0">
+            <a:schemeClr val="accent1"/>
+          </a:effectRef>
+          <a:fontRef idx="minor">
+            <a:schemeClr val="lt1"/>
+          </a:fontRef>
+        </p:style>
+        <p:txBody>
+          <a:bodyPr rtlCol="0" anchor="ctr"/>
+          <a:lstStyle/>
+          <a:p>
+            <a:pPr algn="ctr"/>
+            <a:r>
+              <a:rPr kumimoji="1" lang="ja-JP" altLang="en-US" smtClean="0"/>
+              <a:t>詳細設計</a:t>
+            </a:r>
+            <a:endParaRPr kumimoji="1" lang="ja-JP" altLang="en-US"/>
+          </a:p>
+        </p:txBody>
+      </p:sp>
+      <p:sp>
+        <p:nvSpPr>
+          <p:cNvPr id="9" name="正方形/長方形 8"/>
+          <p:cNvSpPr/>
+          <p:nvPr/>
+        </p:nvSpPr>
+        <p:spPr>
+          <a:xfrm>
+            <a:off x="8000319" y="2015554"/>
+            <a:ext cx="2016579" cy="1004207"/>
+          </a:xfrm>
+          <a:prstGeom prst="rect">
+            <a:avLst/>
+          </a:prstGeom>
+          <a:ln>
+            <a:noFill/>
+          </a:ln>
+        </p:spPr>
+        <p:style>
+          <a:lnRef idx="2">
+            <a:schemeClr val="accent1">
+              <a:shade val="50000"/>
+            </a:schemeClr>
+          </a:lnRef>
+          <a:fillRef idx="1">
+            <a:schemeClr val="accent1"/>
+          </a:fillRef>
+          <a:effectRef idx="0">
+            <a:schemeClr val="accent1"/>
+          </a:effectRef>
+          <a:fontRef idx="minor">
+            <a:schemeClr val="lt1"/>
+          </a:fontRef>
+        </p:style>
+        <p:txBody>
+          <a:bodyPr rtlCol="0" anchor="ctr"/>
+          <a:lstStyle/>
+          <a:p>
+            <a:pPr algn="ctr"/>
+            <a:r>
+              <a:rPr kumimoji="1" lang="ja-JP" altLang="en-US" smtClean="0"/>
               <a:t>結合テスト</a:t>
             </a:r>
-            <a:endParaRPr kumimoji="1" lang="en-US" altLang="ja-JP" sz="3800" smtClean="0"/>
-          </a:p>
-          <a:p>
-            <a:pPr>
-              <a:buFont typeface="Wingdings" panose="05000000000000000000" pitchFamily="2" charset="2"/>
-              <a:buChar char="l"/>
-            </a:pPr>
-            <a:r>
-              <a:rPr lang="ja-JP" altLang="en-US" sz="4000"/>
-              <a:t>モジュール</a:t>
-            </a:r>
-            <a:r>
-              <a:rPr lang="ja-JP" altLang="en-US" sz="4000" smtClean="0"/>
-              <a:t>側</a:t>
-            </a:r>
-            <a:endParaRPr lang="en-US" altLang="ja-JP" sz="4000" smtClean="0"/>
-          </a:p>
-          <a:p>
-            <a:pPr lvl="1">
-              <a:buFont typeface="Wingdings" panose="05000000000000000000" pitchFamily="2" charset="2"/>
-              <a:buChar char="l"/>
-            </a:pPr>
-            <a:r>
-              <a:rPr lang="ja-JP" altLang="en-US" sz="3800" smtClean="0"/>
-              <a:t>各モジュールの統合作業</a:t>
-            </a:r>
-            <a:endParaRPr kumimoji="1" lang="en-US" altLang="ja-JP" sz="3800" smtClean="0"/>
-          </a:p>
-          <a:p>
-            <a:pPr>
-              <a:buFont typeface="Wingdings" panose="05000000000000000000" pitchFamily="2" charset="2"/>
-              <a:buChar char="l"/>
-            </a:pPr>
-            <a:r>
-              <a:rPr kumimoji="1" lang="ja-JP" altLang="en-US" sz="4000" smtClean="0"/>
-              <a:t>サーバ側</a:t>
-            </a:r>
-            <a:endParaRPr kumimoji="1" lang="en-US" altLang="ja-JP" sz="4000" smtClean="0"/>
-          </a:p>
-          <a:p>
-            <a:pPr lvl="1">
-              <a:buFont typeface="Wingdings" panose="05000000000000000000" pitchFamily="2" charset="2"/>
-              <a:buChar char="l"/>
-            </a:pPr>
-            <a:r>
-              <a:rPr kumimoji="1" lang="ja-JP" altLang="en-US" sz="3800" smtClean="0"/>
-              <a:t>バーコード番号の割り出しの時間を早くする</a:t>
-            </a:r>
-            <a:endParaRPr kumimoji="1" lang="en-US" altLang="ja-JP" sz="3800" smtClean="0"/>
-          </a:p>
-          <a:p>
-            <a:pPr lvl="1">
-              <a:buFont typeface="Wingdings" panose="05000000000000000000" pitchFamily="2" charset="2"/>
-              <a:buChar char="l"/>
-            </a:pPr>
-            <a:r>
-              <a:rPr kumimoji="1" lang="ja-JP" altLang="en-US" sz="3800" smtClean="0"/>
-              <a:t>受信した画像の整形や</a:t>
-            </a:r>
-            <a:r>
-              <a:rPr kumimoji="1" lang="en-US" altLang="ja-JP" sz="3800" smtClean="0"/>
-              <a:t>2</a:t>
-            </a:r>
-            <a:r>
-              <a:rPr kumimoji="1" lang="ja-JP" altLang="en-US" sz="3800" smtClean="0"/>
-              <a:t>値化処理等により精度の向上</a:t>
-            </a:r>
-            <a:endParaRPr kumimoji="1" lang="en-US" altLang="ja-JP" sz="3800" smtClean="0"/>
+            <a:endParaRPr kumimoji="1" lang="ja-JP" altLang="en-US"/>
+          </a:p>
+        </p:txBody>
+      </p:sp>
+      <p:sp>
+        <p:nvSpPr>
+          <p:cNvPr id="10" name="正方形/長方形 9"/>
+          <p:cNvSpPr/>
+          <p:nvPr/>
+        </p:nvSpPr>
+        <p:spPr>
+          <a:xfrm>
+            <a:off x="9181068" y="461280"/>
+            <a:ext cx="2016579" cy="1004207"/>
+          </a:xfrm>
+          <a:prstGeom prst="rect">
+            <a:avLst/>
+          </a:prstGeom>
+          <a:ln>
+            <a:noFill/>
+          </a:ln>
+        </p:spPr>
+        <p:style>
+          <a:lnRef idx="2">
+            <a:schemeClr val="accent1">
+              <a:shade val="50000"/>
+            </a:schemeClr>
+          </a:lnRef>
+          <a:fillRef idx="1">
+            <a:schemeClr val="accent1"/>
+          </a:fillRef>
+          <a:effectRef idx="0">
+            <a:schemeClr val="accent1"/>
+          </a:effectRef>
+          <a:fontRef idx="minor">
+            <a:schemeClr val="lt1"/>
+          </a:fontRef>
+        </p:style>
+        <p:txBody>
+          <a:bodyPr rtlCol="0" anchor="ctr"/>
+          <a:lstStyle/>
+          <a:p>
+            <a:pPr algn="ctr"/>
+            <a:r>
+              <a:rPr kumimoji="1" lang="ja-JP" altLang="en-US" smtClean="0"/>
+              <a:t>総合テスト</a:t>
+            </a:r>
+            <a:endParaRPr kumimoji="1" lang="ja-JP" altLang="en-US"/>
+          </a:p>
+        </p:txBody>
+      </p:sp>
+      <p:sp>
+        <p:nvSpPr>
+          <p:cNvPr id="14" name="右矢印 13"/>
+          <p:cNvSpPr/>
+          <p:nvPr/>
+        </p:nvSpPr>
+        <p:spPr>
+          <a:xfrm>
+            <a:off x="2548617" y="710293"/>
+            <a:ext cx="6632451" cy="538843"/>
+          </a:xfrm>
+          <a:prstGeom prst="rightArrow">
+            <a:avLst/>
+          </a:prstGeom>
+          <a:solidFill>
+            <a:schemeClr val="tx1">
+              <a:lumMod val="65000"/>
+              <a:lumOff val="35000"/>
+            </a:schemeClr>
+          </a:solidFill>
+          <a:ln>
+            <a:noFill/>
+          </a:ln>
+        </p:spPr>
+        <p:style>
+          <a:lnRef idx="2">
+            <a:schemeClr val="accent1">
+              <a:shade val="50000"/>
+            </a:schemeClr>
+          </a:lnRef>
+          <a:fillRef idx="1">
+            <a:schemeClr val="accent1"/>
+          </a:fillRef>
+          <a:effectRef idx="0">
+            <a:schemeClr val="accent1"/>
+          </a:effectRef>
+          <a:fontRef idx="minor">
+            <a:schemeClr val="lt1"/>
+          </a:fontRef>
+        </p:style>
+        <p:txBody>
+          <a:bodyPr rtlCol="0" anchor="ctr"/>
+          <a:lstStyle/>
+          <a:p>
+            <a:pPr algn="ctr"/>
+            <a:r>
+              <a:rPr kumimoji="1" lang="ja-JP" altLang="en-US" smtClean="0"/>
+              <a:t>検証</a:t>
+            </a:r>
+            <a:endParaRPr kumimoji="1" lang="ja-JP" altLang="en-US"/>
+          </a:p>
+        </p:txBody>
+      </p:sp>
+      <p:sp>
+        <p:nvSpPr>
+          <p:cNvPr id="15" name="右矢印 14"/>
+          <p:cNvSpPr/>
+          <p:nvPr/>
+        </p:nvSpPr>
+        <p:spPr>
+          <a:xfrm>
+            <a:off x="3556906" y="2231943"/>
+            <a:ext cx="4443413" cy="538843"/>
+          </a:xfrm>
+          <a:prstGeom prst="rightArrow">
+            <a:avLst/>
+          </a:prstGeom>
+          <a:solidFill>
+            <a:schemeClr val="tx1">
+              <a:lumMod val="65000"/>
+              <a:lumOff val="35000"/>
+            </a:schemeClr>
+          </a:solidFill>
+          <a:ln>
+            <a:noFill/>
+          </a:ln>
+        </p:spPr>
+        <p:style>
+          <a:lnRef idx="2">
+            <a:schemeClr val="accent1">
+              <a:shade val="50000"/>
+            </a:schemeClr>
+          </a:lnRef>
+          <a:fillRef idx="1">
+            <a:schemeClr val="accent1"/>
+          </a:fillRef>
+          <a:effectRef idx="0">
+            <a:schemeClr val="accent1"/>
+          </a:effectRef>
+          <a:fontRef idx="minor">
+            <a:schemeClr val="lt1"/>
+          </a:fontRef>
+        </p:style>
+        <p:txBody>
+          <a:bodyPr rtlCol="0" anchor="ctr"/>
+          <a:lstStyle/>
+          <a:p>
+            <a:pPr algn="ctr"/>
+            <a:r>
+              <a:rPr kumimoji="1" lang="ja-JP" altLang="en-US" smtClean="0"/>
+              <a:t>検証</a:t>
+            </a:r>
+            <a:endParaRPr kumimoji="1" lang="ja-JP" altLang="en-US"/>
+          </a:p>
+        </p:txBody>
+      </p:sp>
+      <p:sp>
+        <p:nvSpPr>
+          <p:cNvPr id="20" name="左カーブ矢印 19"/>
+          <p:cNvSpPr/>
+          <p:nvPr/>
+        </p:nvSpPr>
+        <p:spPr>
+          <a:xfrm>
+            <a:off x="5698330" y="3519633"/>
+            <a:ext cx="787855" cy="1329433"/>
+          </a:xfrm>
+          <a:prstGeom prst="curvedLeftArrow">
+            <a:avLst/>
+          </a:prstGeom>
+          <a:solidFill>
+            <a:schemeClr val="tx1">
+              <a:lumMod val="65000"/>
+              <a:lumOff val="35000"/>
+            </a:schemeClr>
+          </a:solidFill>
+          <a:ln>
+            <a:noFill/>
+          </a:ln>
+        </p:spPr>
+        <p:style>
+          <a:lnRef idx="2">
+            <a:schemeClr val="accent1">
+              <a:shade val="50000"/>
+            </a:schemeClr>
+          </a:lnRef>
+          <a:fillRef idx="1">
+            <a:schemeClr val="accent1"/>
+          </a:fillRef>
+          <a:effectRef idx="0">
+            <a:schemeClr val="accent1"/>
+          </a:effectRef>
+          <a:fontRef idx="minor">
+            <a:schemeClr val="lt1"/>
+          </a:fontRef>
+        </p:style>
+        <p:txBody>
+          <a:bodyPr rtlCol="0" anchor="ctr"/>
+          <a:lstStyle/>
+          <a:p>
+            <a:pPr algn="ctr"/>
+            <a:endParaRPr kumimoji="1" lang="ja-JP" altLang="en-US">
+              <a:solidFill>
+                <a:schemeClr val="tx1"/>
+              </a:solidFill>
+            </a:endParaRPr>
+          </a:p>
+        </p:txBody>
+      </p:sp>
+      <p:sp>
+        <p:nvSpPr>
+          <p:cNvPr id="21" name="左カーブ矢印 20"/>
+          <p:cNvSpPr/>
+          <p:nvPr/>
+        </p:nvSpPr>
+        <p:spPr>
+          <a:xfrm rot="10800000">
+            <a:off x="4800258" y="3439702"/>
+            <a:ext cx="787855" cy="1329433"/>
+          </a:xfrm>
+          <a:prstGeom prst="curvedLeftArrow">
+            <a:avLst/>
+          </a:prstGeom>
+          <a:solidFill>
+            <a:schemeClr val="tx1">
+              <a:lumMod val="65000"/>
+              <a:lumOff val="35000"/>
+            </a:schemeClr>
+          </a:solidFill>
+          <a:ln>
+            <a:noFill/>
+          </a:ln>
+        </p:spPr>
+        <p:style>
+          <a:lnRef idx="2">
+            <a:schemeClr val="accent1">
+              <a:shade val="50000"/>
+            </a:schemeClr>
+          </a:lnRef>
+          <a:fillRef idx="1">
+            <a:schemeClr val="accent1"/>
+          </a:fillRef>
+          <a:effectRef idx="0">
+            <a:schemeClr val="accent1"/>
+          </a:effectRef>
+          <a:fontRef idx="minor">
+            <a:schemeClr val="lt1"/>
+          </a:fontRef>
+        </p:style>
+        <p:txBody>
+          <a:bodyPr rtlCol="0" anchor="ctr"/>
+          <a:lstStyle/>
+          <a:p>
+            <a:pPr algn="ctr"/>
+            <a:endParaRPr kumimoji="1" lang="ja-JP" altLang="en-US">
+              <a:solidFill>
+                <a:schemeClr val="tx1"/>
+              </a:solidFill>
+            </a:endParaRPr>
           </a:p>
         </p:txBody>
       </p:sp>
     </p:spTree>
     <p:extLst>
       <p:ext uri="{BB962C8B-B14F-4D97-AF65-F5344CB8AC3E}">
-        <p14:creationId xmlns:p14="http://schemas.microsoft.com/office/powerpoint/2010/main" val="801522626"/>
+        <p14:creationId xmlns:p14="http://schemas.microsoft.com/office/powerpoint/2010/main" val="977294317"/>
+      </p:ext>
+    </p:extLst>
+  </p:cSld>
+  <p:clrMapOvr>
+    <a:masterClrMapping/>
+  </p:clrMapOvr>
+</p:sld>
+</file>
+
+<file path=ppt/slides/slide9.xml><?xml version="1.0" encoding="utf-8"?>
+<p:sld xmlns:a="http://schemas.openxmlformats.org/drawingml/2006/main" xmlns:r="http://schemas.openxmlformats.org/officeDocument/2006/relationships" xmlns:p="http://schemas.openxmlformats.org/presentationml/2006/main">
+  <p:cSld>
+    <p:spTree>
+      <p:nvGrpSpPr>
+        <p:cNvPr id="1" name=""/>
+        <p:cNvGrpSpPr/>
+        <p:nvPr/>
+      </p:nvGrpSpPr>
+      <p:grpSpPr>
+        <a:xfrm>
+          <a:off x="0" y="0"/>
+          <a:ext cx="0" cy="0"/>
+          <a:chOff x="0" y="0"/>
+          <a:chExt cx="0" cy="0"/>
+        </a:xfrm>
+      </p:grpSpPr>
+      <p:pic>
+        <p:nvPicPr>
+          <p:cNvPr id="4" name="コンテンツ プレースホルダー 3"/>
+          <p:cNvPicPr>
+            <a:picLocks noGrp="1" noChangeAspect="1"/>
+          </p:cNvPicPr>
+          <p:nvPr>
+            <p:ph idx="4294967295"/>
+          </p:nvPr>
+        </p:nvPicPr>
+        <p:blipFill>
+          <a:blip r:embed="rId2">
+            <a:extLst>
+              <a:ext uri="{28A0092B-C50C-407E-A947-70E740481C1C}">
+                <a14:useLocalDpi xmlns:a14="http://schemas.microsoft.com/office/drawing/2010/main" val="0"/>
+              </a:ext>
+            </a:extLst>
+          </a:blip>
+          <a:stretch>
+            <a:fillRect/>
+          </a:stretch>
+        </p:blipFill>
+        <p:spPr>
+          <a:xfrm>
+            <a:off x="3212645" y="430582"/>
+            <a:ext cx="5057775" cy="5577199"/>
+          </a:xfrm>
+        </p:spPr>
+      </p:pic>
+      <p:sp>
+        <p:nvSpPr>
+          <p:cNvPr id="5" name="正方形/長方形 4"/>
+          <p:cNvSpPr/>
+          <p:nvPr/>
+        </p:nvSpPr>
+        <p:spPr>
+          <a:xfrm>
+            <a:off x="4204607" y="2253343"/>
+            <a:ext cx="4278086" cy="1804307"/>
+          </a:xfrm>
+          <a:prstGeom prst="rect">
+            <a:avLst/>
+          </a:prstGeom>
+          <a:noFill/>
+          <a:ln w="28575">
+            <a:solidFill>
+              <a:srgbClr val="C00000"/>
+            </a:solidFill>
+          </a:ln>
+        </p:spPr>
+        <p:style>
+          <a:lnRef idx="2">
+            <a:schemeClr val="accent1">
+              <a:shade val="50000"/>
+            </a:schemeClr>
+          </a:lnRef>
+          <a:fillRef idx="1">
+            <a:schemeClr val="accent1"/>
+          </a:fillRef>
+          <a:effectRef idx="0">
+            <a:schemeClr val="accent1"/>
+          </a:effectRef>
+          <a:fontRef idx="minor">
+            <a:schemeClr val="lt1"/>
+          </a:fontRef>
+        </p:style>
+        <p:txBody>
+          <a:bodyPr rtlCol="0" anchor="ctr"/>
+          <a:lstStyle/>
+          <a:p>
+            <a:pPr algn="ctr"/>
+            <a:endParaRPr kumimoji="1" lang="ja-JP" altLang="en-US"/>
+          </a:p>
+        </p:txBody>
+      </p:sp>
+      <p:sp>
+        <p:nvSpPr>
+          <p:cNvPr id="3" name="角丸四角形 2"/>
+          <p:cNvSpPr/>
+          <p:nvPr/>
+        </p:nvSpPr>
+        <p:spPr>
+          <a:xfrm>
+            <a:off x="6735536" y="2325192"/>
+            <a:ext cx="2457450" cy="773155"/>
+          </a:xfrm>
+          <a:prstGeom prst="roundRect">
+            <a:avLst/>
+          </a:prstGeom>
+          <a:noFill/>
+          <a:ln w="28575"/>
+        </p:spPr>
+        <p:style>
+          <a:lnRef idx="2">
+            <a:schemeClr val="accent1">
+              <a:shade val="50000"/>
+            </a:schemeClr>
+          </a:lnRef>
+          <a:fillRef idx="1">
+            <a:schemeClr val="accent1"/>
+          </a:fillRef>
+          <a:effectRef idx="0">
+            <a:schemeClr val="accent1"/>
+          </a:effectRef>
+          <a:fontRef idx="minor">
+            <a:schemeClr val="lt1"/>
+          </a:fontRef>
+        </p:style>
+        <p:txBody>
+          <a:bodyPr rtlCol="0" anchor="ctr"/>
+          <a:lstStyle/>
+          <a:p>
+            <a:pPr algn="ctr"/>
+            <a:endParaRPr kumimoji="1" lang="ja-JP" altLang="en-US"/>
+          </a:p>
+        </p:txBody>
+      </p:sp>
+      <p:sp>
+        <p:nvSpPr>
+          <p:cNvPr id="6" name="角丸四角形 5"/>
+          <p:cNvSpPr/>
+          <p:nvPr/>
+        </p:nvSpPr>
+        <p:spPr>
+          <a:xfrm>
+            <a:off x="6735536" y="3155496"/>
+            <a:ext cx="2457450" cy="773155"/>
+          </a:xfrm>
+          <a:prstGeom prst="roundRect">
+            <a:avLst/>
+          </a:prstGeom>
+          <a:noFill/>
+          <a:ln w="28575"/>
+        </p:spPr>
+        <p:style>
+          <a:lnRef idx="2">
+            <a:schemeClr val="accent1">
+              <a:shade val="50000"/>
+            </a:schemeClr>
+          </a:lnRef>
+          <a:fillRef idx="1">
+            <a:schemeClr val="accent1"/>
+          </a:fillRef>
+          <a:effectRef idx="0">
+            <a:schemeClr val="accent1"/>
+          </a:effectRef>
+          <a:fontRef idx="minor">
+            <a:schemeClr val="lt1"/>
+          </a:fontRef>
+        </p:style>
+        <p:txBody>
+          <a:bodyPr rtlCol="0" anchor="ctr"/>
+          <a:lstStyle/>
+          <a:p>
+            <a:pPr algn="ctr"/>
+            <a:endParaRPr kumimoji="1" lang="ja-JP" altLang="en-US"/>
+          </a:p>
+        </p:txBody>
+      </p:sp>
+      <p:sp>
+        <p:nvSpPr>
+          <p:cNvPr id="7" name="テキスト ボックス 6"/>
+          <p:cNvSpPr txBox="1"/>
+          <p:nvPr/>
+        </p:nvSpPr>
+        <p:spPr>
+          <a:xfrm>
+            <a:off x="8718690" y="3266529"/>
+            <a:ext cx="461665" cy="726621"/>
+          </a:xfrm>
+          <a:prstGeom prst="rect">
+            <a:avLst/>
+          </a:prstGeom>
+          <a:noFill/>
+        </p:spPr>
+        <p:txBody>
+          <a:bodyPr vert="eaVert" wrap="square" rtlCol="0">
+            <a:spAutoFit/>
+          </a:bodyPr>
+          <a:lstStyle/>
+          <a:p>
+            <a:r>
+              <a:rPr kumimoji="1" lang="ja-JP" altLang="en-US" smtClean="0"/>
+              <a:t>真鍋</a:t>
+            </a:r>
+            <a:endParaRPr kumimoji="1" lang="ja-JP" altLang="en-US"/>
+          </a:p>
+        </p:txBody>
+      </p:sp>
+      <p:sp>
+        <p:nvSpPr>
+          <p:cNvPr id="8" name="テキスト ボックス 7"/>
+          <p:cNvSpPr txBox="1"/>
+          <p:nvPr/>
+        </p:nvSpPr>
+        <p:spPr>
+          <a:xfrm>
+            <a:off x="8718691" y="2428875"/>
+            <a:ext cx="461665" cy="726621"/>
+          </a:xfrm>
+          <a:prstGeom prst="rect">
+            <a:avLst/>
+          </a:prstGeom>
+          <a:noFill/>
+        </p:spPr>
+        <p:txBody>
+          <a:bodyPr vert="eaVert" wrap="square" rtlCol="0">
+            <a:spAutoFit/>
+          </a:bodyPr>
+          <a:lstStyle/>
+          <a:p>
+            <a:r>
+              <a:rPr kumimoji="1" lang="ja-JP" altLang="en-US" smtClean="0"/>
+              <a:t>段原</a:t>
+            </a:r>
+            <a:endParaRPr kumimoji="1" lang="ja-JP" altLang="en-US"/>
+          </a:p>
+        </p:txBody>
+      </p:sp>
+    </p:spTree>
+    <p:extLst>
+      <p:ext uri="{BB962C8B-B14F-4D97-AF65-F5344CB8AC3E}">
+        <p14:creationId xmlns:p14="http://schemas.microsoft.com/office/powerpoint/2010/main" val="4184936366"/>
       </p:ext>
     </p:extLst>
   </p:cSld>

--- a/プレゼン/中間報告_danbara.pptx
+++ b/プレゼン/中間報告_danbara.pptx
@@ -5,7 +5,7 @@
     <p:sldMasterId id="2147483780" r:id="rId1"/>
   </p:sldMasterIdLst>
   <p:notesMasterIdLst>
-    <p:notesMasterId r:id="rId14"/>
+    <p:notesMasterId r:id="rId15"/>
   </p:notesMasterIdLst>
   <p:sldIdLst>
     <p:sldId id="256" r:id="rId2"/>
@@ -19,7 +19,8 @@
     <p:sldId id="287" r:id="rId10"/>
     <p:sldId id="288" r:id="rId11"/>
     <p:sldId id="289" r:id="rId12"/>
-    <p:sldId id="281" r:id="rId13"/>
+    <p:sldId id="292" r:id="rId13"/>
+    <p:sldId id="281" r:id="rId14"/>
   </p:sldIdLst>
   <p:sldSz cx="12192000" cy="6858000"/>
   <p:notesSz cx="6858000" cy="9144000"/>
@@ -119,6 +120,31 @@
     </a:lvl9pPr>
   </p:defaultTextStyle>
   <p:extLst>
+    <p:ext uri="{521415D9-36F7-43E2-AB2F-B90AF26B5E84}">
+      <p14:sectionLst xmlns:p14="http://schemas.microsoft.com/office/powerpoint/2010/main">
+        <p14:section name="既定のセクション" id="{9EDE6FEE-ACEB-4DF3-8363-DEEB0A1BF61B}">
+          <p14:sldIdLst>
+            <p14:sldId id="256"/>
+            <p14:sldId id="257"/>
+            <p14:sldId id="286"/>
+          </p14:sldIdLst>
+        </p14:section>
+        <p14:section name="タイトルなしのセクション" id="{B3BF958F-4CFE-4A4E-8845-23D78ECC2404}">
+          <p14:sldIdLst>
+            <p14:sldId id="285"/>
+            <p14:sldId id="282"/>
+            <p14:sldId id="290"/>
+            <p14:sldId id="291"/>
+            <p14:sldId id="276"/>
+            <p14:sldId id="287"/>
+            <p14:sldId id="288"/>
+            <p14:sldId id="289"/>
+            <p14:sldId id="292"/>
+            <p14:sldId id="281"/>
+          </p14:sldIdLst>
+        </p14:section>
+      </p14:sectionLst>
+    </p:ext>
     <p:ext uri="{EFAFB233-063F-42B5-8137-9DF3F51BA10A}">
       <p15:sldGuideLst xmlns:p15="http://schemas.microsoft.com/office/powerpoint/2012/main"/>
     </p:ext>
@@ -553,24 +579,18 @@
           <a:lstStyle/>
           <a:p>
             <a:r>
-              <a:rPr kumimoji="1" lang="ja-JP" altLang="en-US" smtClean="0"/>
-              <a:t>１）今週、何がどこまでできたか？</a:t>
-            </a:r>
-            <a:endParaRPr kumimoji="1" lang="en-US" altLang="ja-JP" smtClean="0"/>
-          </a:p>
-          <a:p>
-            <a:r>
-              <a:rPr kumimoji="1" lang="ja-JP" altLang="en-US" smtClean="0"/>
-              <a:t>２）なにか研究が進まない問題があるか？</a:t>
-            </a:r>
-            <a:endParaRPr kumimoji="1" lang="en-US" altLang="ja-JP" smtClean="0"/>
-          </a:p>
-          <a:p>
-            <a:r>
-              <a:rPr kumimoji="1" lang="ja-JP" altLang="en-US" smtClean="0"/>
-              <a:t>３）次の週は何をどこまで進める計画か？</a:t>
-            </a:r>
-            <a:endParaRPr kumimoji="1" lang="ja-JP" altLang="en-US"/>
+              <a:rPr kumimoji="1" lang="ja-JP" altLang="en-US" dirty="0" smtClean="0"/>
+              <a:t>これから</a:t>
+            </a:r>
+            <a:r>
+              <a:rPr kumimoji="1" lang="en-US" altLang="ja-JP" dirty="0" smtClean="0"/>
+              <a:t>Web</a:t>
+            </a:r>
+            <a:r>
+              <a:rPr kumimoji="1" lang="ja-JP" altLang="en-US" dirty="0" smtClean="0"/>
+              <a:t>カメラとセンシング技術を組み合わせたバーコード識別システムの開発について発表します。</a:t>
+            </a:r>
+            <a:endParaRPr kumimoji="1" lang="ja-JP" altLang="en-US" dirty="0"/>
           </a:p>
         </p:txBody>
       </p:sp>
@@ -591,6 +611,94 @@
           <a:p>
             <a:fld id="{1705D8A9-7A56-411A-9EF9-F7869DF78C8C}" type="slidenum">
               <a:rPr kumimoji="1" lang="ja-JP" altLang="en-US" smtClean="0"/>
+              <a:t>1</a:t>
+            </a:fld>
+            <a:endParaRPr kumimoji="1" lang="ja-JP" altLang="en-US"/>
+          </a:p>
+        </p:txBody>
+      </p:sp>
+    </p:spTree>
+    <p:extLst>
+      <p:ext uri="{BB962C8B-B14F-4D97-AF65-F5344CB8AC3E}">
+        <p14:creationId xmlns:p14="http://schemas.microsoft.com/office/powerpoint/2010/main" val="2550548997"/>
+      </p:ext>
+    </p:extLst>
+  </p:cSld>
+  <p:clrMapOvr>
+    <a:masterClrMapping/>
+  </p:clrMapOvr>
+</p:notes>
+</file>
+
+<file path=ppt/notesSlides/notesSlide2.xml><?xml version="1.0" encoding="utf-8"?>
+<p:notes xmlns:a="http://schemas.openxmlformats.org/drawingml/2006/main" xmlns:r="http://schemas.openxmlformats.org/officeDocument/2006/relationships" xmlns:p="http://schemas.openxmlformats.org/presentationml/2006/main">
+  <p:cSld>
+    <p:spTree>
+      <p:nvGrpSpPr>
+        <p:cNvPr id="1" name=""/>
+        <p:cNvGrpSpPr/>
+        <p:nvPr/>
+      </p:nvGrpSpPr>
+      <p:grpSpPr>
+        <a:xfrm>
+          <a:off x="0" y="0"/>
+          <a:ext cx="0" cy="0"/>
+          <a:chOff x="0" y="0"/>
+          <a:chExt cx="0" cy="0"/>
+        </a:xfrm>
+      </p:grpSpPr>
+      <p:sp>
+        <p:nvSpPr>
+          <p:cNvPr id="2" name="スライド イメージ プレースホルダー 1"/>
+          <p:cNvSpPr>
+            <a:spLocks noGrp="1" noRot="1" noChangeAspect="1"/>
+          </p:cNvSpPr>
+          <p:nvPr>
+            <p:ph type="sldImg"/>
+          </p:nvPr>
+        </p:nvSpPr>
+        <p:spPr/>
+      </p:sp>
+      <p:sp>
+        <p:nvSpPr>
+          <p:cNvPr id="3" name="ノート プレースホルダー 2"/>
+          <p:cNvSpPr>
+            <a:spLocks noGrp="1"/>
+          </p:cNvSpPr>
+          <p:nvPr>
+            <p:ph type="body" idx="1"/>
+          </p:nvPr>
+        </p:nvSpPr>
+        <p:spPr/>
+        <p:txBody>
+          <a:bodyPr/>
+          <a:lstStyle/>
+          <a:p>
+            <a:r>
+              <a:rPr kumimoji="1" lang="ja-JP" altLang="en-US" dirty="0" smtClean="0"/>
+              <a:t>まずは研究背景から説明していきます</a:t>
+            </a:r>
+            <a:endParaRPr kumimoji="1" lang="ja-JP" altLang="en-US" dirty="0"/>
+          </a:p>
+        </p:txBody>
+      </p:sp>
+      <p:sp>
+        <p:nvSpPr>
+          <p:cNvPr id="4" name="スライド番号プレースホルダー 3"/>
+          <p:cNvSpPr>
+            <a:spLocks noGrp="1"/>
+          </p:cNvSpPr>
+          <p:nvPr>
+            <p:ph type="sldNum" sz="quarter" idx="10"/>
+          </p:nvPr>
+        </p:nvSpPr>
+        <p:spPr/>
+        <p:txBody>
+          <a:bodyPr/>
+          <a:lstStyle/>
+          <a:p>
+            <a:fld id="{1705D8A9-7A56-411A-9EF9-F7869DF78C8C}" type="slidenum">
+              <a:rPr kumimoji="1" lang="ja-JP" altLang="en-US" smtClean="0"/>
               <a:t>2</a:t>
             </a:fld>
             <a:endParaRPr kumimoji="1" lang="ja-JP" altLang="en-US"/>
@@ -601,6 +709,94 @@
     <p:extLst>
       <p:ext uri="{BB962C8B-B14F-4D97-AF65-F5344CB8AC3E}">
         <p14:creationId xmlns:p14="http://schemas.microsoft.com/office/powerpoint/2010/main" val="1794580427"/>
+      </p:ext>
+    </p:extLst>
+  </p:cSld>
+  <p:clrMapOvr>
+    <a:masterClrMapping/>
+  </p:clrMapOvr>
+</p:notes>
+</file>
+
+<file path=ppt/notesSlides/notesSlide3.xml><?xml version="1.0" encoding="utf-8"?>
+<p:notes xmlns:a="http://schemas.openxmlformats.org/drawingml/2006/main" xmlns:r="http://schemas.openxmlformats.org/officeDocument/2006/relationships" xmlns:p="http://schemas.openxmlformats.org/presentationml/2006/main">
+  <p:cSld>
+    <p:spTree>
+      <p:nvGrpSpPr>
+        <p:cNvPr id="1" name=""/>
+        <p:cNvGrpSpPr/>
+        <p:nvPr/>
+      </p:nvGrpSpPr>
+      <p:grpSpPr>
+        <a:xfrm>
+          <a:off x="0" y="0"/>
+          <a:ext cx="0" cy="0"/>
+          <a:chOff x="0" y="0"/>
+          <a:chExt cx="0" cy="0"/>
+        </a:xfrm>
+      </p:grpSpPr>
+      <p:sp>
+        <p:nvSpPr>
+          <p:cNvPr id="2" name="スライド イメージ プレースホルダー 1"/>
+          <p:cNvSpPr>
+            <a:spLocks noGrp="1" noRot="1" noChangeAspect="1"/>
+          </p:cNvSpPr>
+          <p:nvPr>
+            <p:ph type="sldImg"/>
+          </p:nvPr>
+        </p:nvSpPr>
+        <p:spPr/>
+      </p:sp>
+      <p:sp>
+        <p:nvSpPr>
+          <p:cNvPr id="3" name="ノート プレースホルダー 2"/>
+          <p:cNvSpPr>
+            <a:spLocks noGrp="1"/>
+          </p:cNvSpPr>
+          <p:nvPr>
+            <p:ph type="body" idx="1"/>
+          </p:nvPr>
+        </p:nvSpPr>
+        <p:spPr/>
+        <p:txBody>
+          <a:bodyPr/>
+          <a:lstStyle/>
+          <a:p>
+            <a:r>
+              <a:rPr kumimoji="1" lang="ja-JP" altLang="en-US" dirty="0" smtClean="0"/>
+              <a:t>近年大手スーパーマーケットとだけでなく、小規模な小売店でもセルフレジの導入が進んでいます。しかし、</a:t>
+            </a:r>
+            <a:endParaRPr kumimoji="1" lang="en-US" altLang="ja-JP" dirty="0" smtClean="0"/>
+          </a:p>
+        </p:txBody>
+      </p:sp>
+      <p:sp>
+        <p:nvSpPr>
+          <p:cNvPr id="4" name="スライド番号プレースホルダー 3"/>
+          <p:cNvSpPr>
+            <a:spLocks noGrp="1"/>
+          </p:cNvSpPr>
+          <p:nvPr>
+            <p:ph type="sldNum" sz="quarter" idx="10"/>
+          </p:nvPr>
+        </p:nvSpPr>
+        <p:spPr/>
+        <p:txBody>
+          <a:bodyPr/>
+          <a:lstStyle/>
+          <a:p>
+            <a:fld id="{1705D8A9-7A56-411A-9EF9-F7869DF78C8C}" type="slidenum">
+              <a:rPr kumimoji="1" lang="ja-JP" altLang="en-US" smtClean="0"/>
+              <a:t>3</a:t>
+            </a:fld>
+            <a:endParaRPr kumimoji="1" lang="ja-JP" altLang="en-US"/>
+          </a:p>
+        </p:txBody>
+      </p:sp>
+    </p:spTree>
+    <p:extLst>
+      <p:ext uri="{BB962C8B-B14F-4D97-AF65-F5344CB8AC3E}">
+        <p14:creationId xmlns:p14="http://schemas.microsoft.com/office/powerpoint/2010/main" val="4187284654"/>
       </p:ext>
     </p:extLst>
   </p:cSld>
@@ -4822,11 +5018,7 @@
             </a:r>
             <a:r>
               <a:rPr kumimoji="1" lang="ja-JP" altLang="en-US" sz="2800" dirty="0" smtClean="0"/>
-              <a:t>　段</a:t>
-            </a:r>
-            <a:r>
-              <a:rPr kumimoji="1" lang="ja-JP" altLang="en-US" sz="2800" dirty="0" smtClean="0"/>
-              <a:t>原</a:t>
+              <a:t>　段原</a:t>
             </a:r>
             <a:endParaRPr kumimoji="1" lang="en-US" altLang="ja-JP" sz="2800" dirty="0" smtClean="0"/>
           </a:p>
@@ -4841,7 +5033,7 @@
           <p:nvPr/>
         </p:nvPicPr>
         <p:blipFill>
-          <a:blip r:embed="rId2" cstate="print">
+          <a:blip r:embed="rId3" cstate="print">
             <a:extLst>
               <a:ext uri="{28A0092B-C50C-407E-A947-70E740481C1C}">
                 <a14:useLocalDpi xmlns:a14="http://schemas.microsoft.com/office/drawing/2010/main" val="0"/>
@@ -4854,8 +5046,8 @@
         </p:blipFill>
         <p:spPr>
           <a:xfrm>
-            <a:off x="10376262" y="84533"/>
-            <a:ext cx="1558835" cy="543910"/>
+            <a:off x="9532835" y="125354"/>
+            <a:ext cx="2659165" cy="927838"/>
           </a:xfrm>
           <a:prstGeom prst="rect">
             <a:avLst/>
@@ -5461,6 +5653,128 @@
       </p:grpSpPr>
       <p:sp>
         <p:nvSpPr>
+          <p:cNvPr id="3" name="タイトル 2"/>
+          <p:cNvSpPr>
+            <a:spLocks noGrp="1"/>
+          </p:cNvSpPr>
+          <p:nvPr>
+            <p:ph type="title"/>
+          </p:nvPr>
+        </p:nvSpPr>
+        <p:spPr/>
+        <p:txBody>
+          <a:bodyPr/>
+          <a:lstStyle/>
+          <a:p>
+            <a:r>
+              <a:rPr kumimoji="1" lang="ja-JP" altLang="en-US" dirty="0" smtClean="0"/>
+              <a:t>解析システムの実装方法</a:t>
+            </a:r>
+            <a:endParaRPr kumimoji="1" lang="ja-JP" altLang="en-US" dirty="0"/>
+          </a:p>
+        </p:txBody>
+      </p:sp>
+      <p:sp>
+        <p:nvSpPr>
+          <p:cNvPr id="4" name="コンテンツ プレースホルダー 3"/>
+          <p:cNvSpPr>
+            <a:spLocks noGrp="1"/>
+          </p:cNvSpPr>
+          <p:nvPr>
+            <p:ph idx="1"/>
+          </p:nvPr>
+        </p:nvSpPr>
+        <p:spPr>
+          <a:xfrm>
+            <a:off x="791936" y="1845734"/>
+            <a:ext cx="10363744" cy="4023360"/>
+          </a:xfrm>
+        </p:spPr>
+        <p:txBody>
+          <a:bodyPr/>
+          <a:lstStyle/>
+          <a:p>
+            <a:r>
+              <a:rPr kumimoji="1" lang="ja-JP" altLang="en-US" dirty="0" smtClean="0"/>
+              <a:t>・バーコードが写っているとされる画像を受信</a:t>
+            </a:r>
+            <a:endParaRPr kumimoji="1" lang="en-US" altLang="ja-JP" dirty="0" smtClean="0"/>
+          </a:p>
+          <a:p>
+            <a:r>
+              <a:rPr lang="ja-JP" altLang="en-US" dirty="0" smtClean="0"/>
+              <a:t>・</a:t>
+            </a:r>
+            <a:r>
+              <a:rPr lang="en-US" altLang="ja-JP" dirty="0" smtClean="0"/>
+              <a:t>Yolo</a:t>
+            </a:r>
+            <a:r>
+              <a:rPr lang="ja-JP" altLang="en-US" dirty="0"/>
+              <a:t>で</a:t>
+            </a:r>
+            <a:r>
+              <a:rPr lang="ja-JP" altLang="en-US" dirty="0" smtClean="0"/>
+              <a:t>オブジェクト検出を行いバーコードのある座標を取得</a:t>
+            </a:r>
+            <a:endParaRPr lang="en-US" altLang="ja-JP" dirty="0" smtClean="0"/>
+          </a:p>
+          <a:p>
+            <a:r>
+              <a:rPr kumimoji="1" lang="ja-JP" altLang="en-US" dirty="0" smtClean="0"/>
+              <a:t>・バーコードのみを切り取り、バーコード読み取りライブラリ</a:t>
+            </a:r>
+            <a:r>
+              <a:rPr kumimoji="1" lang="en-US" altLang="ja-JP" dirty="0" err="1" smtClean="0"/>
+              <a:t>pyzbar</a:t>
+            </a:r>
+            <a:r>
+              <a:rPr kumimoji="1" lang="ja-JP" altLang="en-US" dirty="0" smtClean="0"/>
+              <a:t>に画像を投げる</a:t>
+            </a:r>
+            <a:endParaRPr kumimoji="1" lang="en-US" altLang="ja-JP" dirty="0" smtClean="0"/>
+          </a:p>
+        </p:txBody>
+      </p:sp>
+    </p:spTree>
+    <p:extLst>
+      <p:ext uri="{BB962C8B-B14F-4D97-AF65-F5344CB8AC3E}">
+        <p14:creationId xmlns:p14="http://schemas.microsoft.com/office/powerpoint/2010/main" val="3968840139"/>
+      </p:ext>
+    </p:extLst>
+  </p:cSld>
+  <p:clrMapOvr>
+    <a:masterClrMapping/>
+  </p:clrMapOvr>
+  <p:timing>
+    <p:tnLst>
+      <p:par>
+        <p:cTn id="1" dur="indefinite" restart="never" nodeType="tmRoot"/>
+      </p:par>
+    </p:tnLst>
+  </p:timing>
+</p:sld>
+</file>
+
+<file path=ppt/slides/slide13.xml><?xml version="1.0" encoding="utf-8"?>
+<p:sld xmlns:a="http://schemas.openxmlformats.org/drawingml/2006/main" xmlns:r="http://schemas.openxmlformats.org/officeDocument/2006/relationships" xmlns:p="http://schemas.openxmlformats.org/presentationml/2006/main">
+  <p:cSld>
+    <p:spTree>
+      <p:nvGrpSpPr>
+        <p:cNvPr id="1" name=""/>
+        <p:cNvGrpSpPr/>
+        <p:nvPr/>
+      </p:nvGrpSpPr>
+      <p:grpSpPr>
+        <a:xfrm>
+          <a:off x="0" y="0"/>
+          <a:ext cx="0" cy="0"/>
+          <a:chOff x="0" y="0"/>
+          <a:chExt cx="0" cy="0"/>
+        </a:xfrm>
+      </p:grpSpPr>
+      <p:sp>
+        <p:nvSpPr>
           <p:cNvPr id="2" name="タイトル 1"/>
           <p:cNvSpPr>
             <a:spLocks noGrp="1"/>
@@ -5969,6 +6283,13 @@
   <p:clrMapOvr>
     <a:masterClrMapping/>
   </p:clrMapOvr>
+  <p:timing>
+    <p:tnLst>
+      <p:par>
+        <p:cTn id="1" dur="indefinite" restart="never" nodeType="tmRoot"/>
+      </p:par>
+    </p:tnLst>
+  </p:timing>
 </p:sld>
 </file>
 
@@ -6184,70 +6505,98 @@
             <p:ph idx="1"/>
           </p:nvPr>
         </p:nvSpPr>
-        <p:spPr/>
+        <p:spPr>
+          <a:xfrm>
+            <a:off x="440871" y="1845734"/>
+            <a:ext cx="10714809" cy="4023360"/>
+          </a:xfrm>
+        </p:spPr>
         <p:txBody>
           <a:bodyPr/>
           <a:lstStyle/>
           <a:p>
-            <a:pPr>
-              <a:buFont typeface="Wingdings" panose="05000000000000000000" pitchFamily="2" charset="2"/>
-              <a:buChar char="l"/>
+            <a:r>
+              <a:rPr lang="ja-JP" altLang="en-US" dirty="0" smtClean="0"/>
+              <a:t>少子高齢化によって働き手が減少しつつある今日のスーパーでは従業員の数が少なくても経営できるようにセルフレジの導入を進めている</a:t>
+            </a:r>
+            <a:endParaRPr lang="en-US" altLang="ja-JP" dirty="0"/>
+          </a:p>
+          <a:p>
+            <a:endParaRPr lang="en-US" altLang="ja-JP" dirty="0" smtClean="0"/>
+          </a:p>
+          <a:p>
+            <a:r>
+              <a:rPr lang="ja-JP" altLang="en-US" dirty="0" smtClean="0"/>
+              <a:t>セルフレジ</a:t>
+            </a:r>
+            <a:r>
+              <a:rPr lang="en-US" altLang="ja-JP" dirty="0" smtClean="0"/>
+              <a:t>1</a:t>
+            </a:r>
+            <a:r>
+              <a:rPr lang="ja-JP" altLang="en-US" dirty="0"/>
+              <a:t>セット</a:t>
+            </a:r>
+            <a:r>
+              <a:rPr lang="ja-JP" altLang="en-US" dirty="0" smtClean="0"/>
+              <a:t>を購入するのにかかる値段</a:t>
+            </a:r>
+            <a:endParaRPr lang="en-US" altLang="ja-JP" dirty="0" smtClean="0"/>
+          </a:p>
+          <a:p>
+            <a:pPr lvl="1"/>
+            <a:r>
+              <a:rPr lang="ja-JP" altLang="en-US" dirty="0" smtClean="0"/>
+              <a:t>約</a:t>
+            </a:r>
+            <a:r>
+              <a:rPr lang="en-US" altLang="ja-JP" dirty="0" smtClean="0"/>
+              <a:t>3,500,000</a:t>
+            </a:r>
+            <a:r>
+              <a:rPr lang="ja-JP" altLang="en-US" dirty="0" smtClean="0"/>
+              <a:t>円</a:t>
+            </a:r>
+            <a:endParaRPr lang="en-US" altLang="ja-JP" dirty="0" smtClean="0"/>
+          </a:p>
+          <a:p>
+            <a:r>
+              <a:rPr lang="en-US" altLang="ja-JP" dirty="0" smtClean="0"/>
+              <a:t>Web</a:t>
+            </a:r>
+            <a:r>
+              <a:rPr lang="ja-JP" altLang="en-US" dirty="0" smtClean="0"/>
+              <a:t>カメラを使用し、本システムを導入した場合にかかる機材の費用</a:t>
+            </a:r>
+            <a:endParaRPr lang="en-US" altLang="ja-JP" dirty="0"/>
+          </a:p>
+          <a:p>
+            <a:pPr lvl="1"/>
+            <a:r>
+              <a:rPr lang="ja-JP" altLang="en-US" dirty="0" smtClean="0"/>
+              <a:t>約</a:t>
+            </a:r>
+            <a:r>
+              <a:rPr lang="en-US" altLang="ja-JP" dirty="0" smtClean="0"/>
+              <a:t>12,500</a:t>
+            </a:r>
+            <a:r>
+              <a:rPr lang="ja-JP" altLang="en-US" dirty="0" smtClean="0"/>
+              <a:t>円</a:t>
+            </a:r>
+            <a:endParaRPr lang="en-US" altLang="ja-JP" dirty="0" smtClean="0"/>
+          </a:p>
+          <a:p>
+            <a:pPr marL="201168" lvl="1" indent="0">
+              <a:buNone/>
             </a:pPr>
-            <a:r>
-              <a:rPr lang="ja-JP" altLang="en-US" sz="3600" dirty="0" smtClean="0"/>
-              <a:t>セルフレジ</a:t>
-            </a:r>
-            <a:r>
-              <a:rPr lang="ja-JP" altLang="en-US" sz="3600" dirty="0"/>
-              <a:t>にできる行列</a:t>
-            </a:r>
-            <a:endParaRPr lang="en-US" altLang="ja-JP" sz="3600" dirty="0"/>
-          </a:p>
-          <a:p>
-            <a:pPr>
-              <a:buFont typeface="Wingdings" panose="05000000000000000000" pitchFamily="2" charset="2"/>
-              <a:buChar char="l"/>
-            </a:pPr>
-            <a:r>
-              <a:rPr lang="ja-JP" altLang="en-US" sz="3600" dirty="0"/>
-              <a:t>レジにかかる人件費</a:t>
-            </a:r>
-            <a:endParaRPr lang="en-US" altLang="ja-JP" sz="3600" dirty="0"/>
-          </a:p>
-          <a:p>
-            <a:pPr>
-              <a:buFont typeface="Wingdings" panose="05000000000000000000" pitchFamily="2" charset="2"/>
-              <a:buChar char="l"/>
-            </a:pPr>
-            <a:r>
-              <a:rPr lang="ja-JP" altLang="en-US" sz="3600" dirty="0"/>
-              <a:t>レジ代</a:t>
-            </a:r>
-            <a:endParaRPr lang="en-US" altLang="ja-JP" sz="3600" dirty="0"/>
-          </a:p>
-          <a:p>
-            <a:pPr>
-              <a:buFont typeface="Wingdings" panose="05000000000000000000" pitchFamily="2" charset="2"/>
-              <a:buChar char="l"/>
-            </a:pPr>
-            <a:r>
-              <a:rPr lang="ja-JP" altLang="en-US" sz="3600" dirty="0"/>
-              <a:t>会計の手間が</a:t>
-            </a:r>
-            <a:r>
-              <a:rPr lang="ja-JP" altLang="en-US" sz="3600" dirty="0" smtClean="0"/>
-              <a:t>かかる</a:t>
-            </a:r>
-            <a:endParaRPr lang="en-US" altLang="ja-JP" sz="3600" dirty="0" smtClean="0"/>
+            <a:endParaRPr lang="en-US" altLang="ja-JP" dirty="0" smtClean="0"/>
           </a:p>
           <a:p>
             <a:pPr marL="0" indent="0">
               <a:buNone/>
             </a:pPr>
-            <a:endParaRPr lang="en-US" altLang="ja-JP" dirty="0"/>
-          </a:p>
-          <a:p>
-            <a:endParaRPr kumimoji="1" lang="ja-JP" altLang="en-US" dirty="0"/>
+            <a:endParaRPr lang="en-US" altLang="ja-JP" dirty="0" smtClean="0"/>
           </a:p>
         </p:txBody>
       </p:sp>
@@ -6261,6 +6610,13 @@
   <p:clrMapOvr>
     <a:masterClrMapping/>
   </p:clrMapOvr>
+  <p:timing>
+    <p:tnLst>
+      <p:par>
+        <p:cTn id="1" dur="indefinite" restart="never" nodeType="tmRoot"/>
+      </p:par>
+    </p:tnLst>
+  </p:timing>
 </p:sld>
 </file>
 
@@ -6293,7 +6649,7 @@
         </p:nvSpPr>
         <p:spPr>
           <a:xfrm>
-            <a:off x="1097280" y="286603"/>
+            <a:off x="145083" y="825446"/>
             <a:ext cx="10058400" cy="807411"/>
           </a:xfrm>
         </p:spPr>
@@ -6351,67 +6707,55 @@
           <a:p>
             <a:r>
               <a:rPr lang="ja-JP" altLang="en-US" dirty="0" smtClean="0"/>
-              <a:t>レジ</a:t>
+              <a:t>既存の無人レジ店舗のような複雑で高価なシステムではなく、中小店でも導入できる安価なシステムの作成</a:t>
+            </a:r>
+            <a:endParaRPr lang="en-US" altLang="ja-JP" dirty="0" smtClean="0"/>
+          </a:p>
+          <a:p>
+            <a:endParaRPr lang="en-US" altLang="ja-JP" dirty="0" smtClean="0"/>
+          </a:p>
+          <a:p>
+            <a:r>
+              <a:rPr lang="en-US" altLang="ja-JP" dirty="0" smtClean="0"/>
+              <a:t>&lt;</a:t>
+            </a:r>
+            <a:r>
+              <a:rPr lang="ja-JP" altLang="en-US" dirty="0" smtClean="0"/>
+              <a:t>目標</a:t>
+            </a:r>
+            <a:r>
+              <a:rPr lang="en-US" altLang="ja-JP" dirty="0" smtClean="0"/>
+              <a:t>&gt;</a:t>
+            </a:r>
+          </a:p>
+          <a:p>
+            <a:r>
+              <a:rPr lang="ja-JP" altLang="en-US" dirty="0" smtClean="0"/>
+              <a:t>ラズベリー</a:t>
             </a:r>
             <a:r>
               <a:rPr lang="ja-JP" altLang="en-US" dirty="0"/>
-              <a:t>ではなく、カートの時点で商品を</a:t>
+              <a:t>パイ</a:t>
             </a:r>
             <a:r>
               <a:rPr lang="ja-JP" altLang="en-US" dirty="0" smtClean="0"/>
-              <a:t>読み込む</a:t>
-            </a:r>
-            <a:endParaRPr lang="en-US" altLang="ja-JP" dirty="0" smtClean="0"/>
-          </a:p>
-          <a:p>
-            <a:r>
-              <a:rPr lang="ja-JP" altLang="en-US" dirty="0" smtClean="0"/>
-              <a:t>安価な価格でレジを作成し、回転率を上げる</a:t>
-            </a:r>
-            <a:endParaRPr lang="en-US" altLang="ja-JP" dirty="0" smtClean="0"/>
-          </a:p>
-          <a:p>
+              <a:t>と</a:t>
+            </a:r>
             <a:r>
               <a:rPr lang="en-US" altLang="ja-JP" dirty="0" smtClean="0"/>
               <a:t>Web</a:t>
             </a:r>
             <a:r>
               <a:rPr lang="ja-JP" altLang="en-US" dirty="0" smtClean="0"/>
-              <a:t>カメラを使用することによって、従来のレジではできなかった複数商品同時読み取りや、商品の劣化具合を識別するなど商品に対してこれまで以上の柔軟なサービスを提供する</a:t>
-            </a:r>
-            <a:endParaRPr lang="en-US" altLang="ja-JP" dirty="0"/>
-          </a:p>
-          <a:p>
-            <a:r>
-              <a:rPr lang="en-US" altLang="ja-JP" dirty="0" smtClean="0"/>
-              <a:t>&lt;</a:t>
-            </a:r>
-            <a:r>
-              <a:rPr lang="ja-JP" altLang="en-US" dirty="0" smtClean="0"/>
-              <a:t>目標</a:t>
-            </a:r>
-            <a:r>
-              <a:rPr lang="en-US" altLang="ja-JP" dirty="0" smtClean="0"/>
-              <a:t>&gt;</a:t>
-            </a:r>
-          </a:p>
-          <a:p>
-            <a:r>
-              <a:rPr lang="ja-JP" altLang="en-US" dirty="0" smtClean="0"/>
-              <a:t>画像から複数のバーコードの画像のみを抽出し、番号を割り出す</a:t>
-            </a:r>
-            <a:endParaRPr lang="en-US" altLang="ja-JP" dirty="0" smtClean="0"/>
-          </a:p>
-          <a:p>
-            <a:endParaRPr lang="en-US" altLang="ja-JP" dirty="0" smtClean="0"/>
-          </a:p>
-          <a:p>
-            <a:pPr marL="0" indent="0">
-              <a:buNone/>
-            </a:pPr>
+              <a:t>カメラを使用し、商品をバーコードの番号で判断する</a:t>
+            </a:r>
             <a:endParaRPr lang="ja-JP" altLang="en-US" sz="3200" dirty="0"/>
           </a:p>
           <a:p>
+            <a:r>
+              <a:rPr kumimoji="1" lang="ja-JP" altLang="en-US" dirty="0" smtClean="0"/>
+              <a:t>商品の取捨選択から決済に至るまでの一連の流れを行えるシステムの開発</a:t>
+            </a:r>
             <a:endParaRPr kumimoji="1" lang="ja-JP" altLang="en-US" dirty="0"/>
           </a:p>
         </p:txBody>
@@ -6426,6 +6770,13 @@
   <p:clrMapOvr>
     <a:masterClrMapping/>
   </p:clrMapOvr>
+  <p:timing>
+    <p:tnLst>
+      <p:par>
+        <p:cTn id="1" dur="indefinite" restart="never" nodeType="tmRoot"/>
+      </p:par>
+    </p:tnLst>
+  </p:timing>
 </p:sld>
 </file>
 
@@ -7887,7 +8238,7 @@
           <a:lstStyle/>
           <a:p>
             <a:r>
-              <a:rPr lang="ja-JP" altLang="en-US" sz="2800" smtClean="0">
+              <a:rPr lang="ja-JP" altLang="en-US" sz="2800" dirty="0" smtClean="0">
                 <a:solidFill>
                   <a:schemeClr val="tx1">
                     <a:lumMod val="85000"/>
@@ -7897,7 +8248,7 @@
               </a:rPr>
               <a:t>バッテリー</a:t>
             </a:r>
-            <a:endParaRPr kumimoji="1" lang="ja-JP" altLang="en-US" sz="2800">
+            <a:endParaRPr kumimoji="1" lang="ja-JP" altLang="en-US" sz="2800" dirty="0">
               <a:solidFill>
                 <a:schemeClr val="tx1">
                   <a:lumMod val="85000"/>
@@ -7918,6 +8269,13 @@
   <p:clrMapOvr>
     <a:masterClrMapping/>
   </p:clrMapOvr>
+  <p:timing>
+    <p:tnLst>
+      <p:par>
+        <p:cTn id="1" dur="indefinite" restart="never" nodeType="tmRoot"/>
+      </p:par>
+    </p:tnLst>
+  </p:timing>
 </p:sld>
 </file>
 
@@ -9015,6 +9373,13 @@
   <p:clrMapOvr>
     <a:masterClrMapping/>
   </p:clrMapOvr>
+  <p:timing>
+    <p:tnLst>
+      <p:par>
+        <p:cTn id="1" dur="indefinite" restart="never" nodeType="tmRoot"/>
+      </p:par>
+    </p:tnLst>
+  </p:timing>
 </p:sld>
 </file>
 

--- a/プレゼン/中間報告_danbara.pptx
+++ b/プレゼン/中間報告_danbara.pptx
@@ -5,22 +5,23 @@
     <p:sldMasterId id="2147483780" r:id="rId1"/>
   </p:sldMasterIdLst>
   <p:notesMasterIdLst>
-    <p:notesMasterId r:id="rId15"/>
+    <p:notesMasterId r:id="rId16"/>
   </p:notesMasterIdLst>
   <p:sldIdLst>
     <p:sldId id="256" r:id="rId2"/>
     <p:sldId id="257" r:id="rId3"/>
     <p:sldId id="286" r:id="rId4"/>
     <p:sldId id="285" r:id="rId5"/>
-    <p:sldId id="282" r:id="rId6"/>
-    <p:sldId id="290" r:id="rId7"/>
-    <p:sldId id="291" r:id="rId8"/>
+    <p:sldId id="293" r:id="rId6"/>
+    <p:sldId id="282" r:id="rId7"/>
+    <p:sldId id="294" r:id="rId8"/>
     <p:sldId id="276" r:id="rId9"/>
     <p:sldId id="287" r:id="rId10"/>
     <p:sldId id="288" r:id="rId11"/>
     <p:sldId id="289" r:id="rId12"/>
     <p:sldId id="292" r:id="rId13"/>
     <p:sldId id="281" r:id="rId14"/>
+    <p:sldId id="295" r:id="rId15"/>
   </p:sldIdLst>
   <p:sldSz cx="12192000" cy="6858000"/>
   <p:notesSz cx="6858000" cy="9144000"/>
@@ -132,15 +133,16 @@
         <p14:section name="タイトルなしのセクション" id="{B3BF958F-4CFE-4A4E-8845-23D78ECC2404}">
           <p14:sldIdLst>
             <p14:sldId id="285"/>
+            <p14:sldId id="293"/>
             <p14:sldId id="282"/>
-            <p14:sldId id="290"/>
-            <p14:sldId id="291"/>
+            <p14:sldId id="294"/>
             <p14:sldId id="276"/>
             <p14:sldId id="287"/>
             <p14:sldId id="288"/>
             <p14:sldId id="289"/>
             <p14:sldId id="292"/>
             <p14:sldId id="281"/>
+            <p14:sldId id="295"/>
           </p14:sldIdLst>
         </p14:section>
       </p14:sectionLst>
@@ -150,6 +152,3447 @@
     </p:ext>
   </p:extLst>
 </p:presentation>
+</file>
+
+<file path=ppt/diagrams/colors1.xml><?xml version="1.0" encoding="utf-8"?>
+<dgm:colorsDef xmlns:dgm="http://schemas.openxmlformats.org/drawingml/2006/diagram" xmlns:a="http://schemas.openxmlformats.org/drawingml/2006/main" uniqueId="urn:microsoft.com/office/officeart/2005/8/colors/accent1_2">
+  <dgm:title val=""/>
+  <dgm:desc val=""/>
+  <dgm:catLst>
+    <dgm:cat type="accent1" pri="11200"/>
+  </dgm:catLst>
+  <dgm:styleLbl name="node0">
+    <dgm:fillClrLst meth="repeat">
+      <a:schemeClr val="accent1"/>
+    </dgm:fillClrLst>
+    <dgm:linClrLst meth="repeat">
+      <a:schemeClr val="lt1"/>
+    </dgm:linClrLst>
+    <dgm:effectClrLst/>
+    <dgm:txLinClrLst/>
+    <dgm:txFillClrLst/>
+    <dgm:txEffectClrLst/>
+  </dgm:styleLbl>
+  <dgm:styleLbl name="alignNode1">
+    <dgm:fillClrLst meth="repeat">
+      <a:schemeClr val="accent1"/>
+    </dgm:fillClrLst>
+    <dgm:linClrLst meth="repeat">
+      <a:schemeClr val="accent1"/>
+    </dgm:linClrLst>
+    <dgm:effectClrLst/>
+    <dgm:txLinClrLst/>
+    <dgm:txFillClrLst/>
+    <dgm:txEffectClrLst/>
+  </dgm:styleLbl>
+  <dgm:styleLbl name="node1">
+    <dgm:fillClrLst meth="repeat">
+      <a:schemeClr val="accent1"/>
+    </dgm:fillClrLst>
+    <dgm:linClrLst meth="repeat">
+      <a:schemeClr val="lt1"/>
+    </dgm:linClrLst>
+    <dgm:effectClrLst/>
+    <dgm:txLinClrLst/>
+    <dgm:txFillClrLst/>
+    <dgm:txEffectClrLst/>
+  </dgm:styleLbl>
+  <dgm:styleLbl name="lnNode1">
+    <dgm:fillClrLst meth="repeat">
+      <a:schemeClr val="accent1"/>
+    </dgm:fillClrLst>
+    <dgm:linClrLst meth="repeat">
+      <a:schemeClr val="lt1"/>
+    </dgm:linClrLst>
+    <dgm:effectClrLst/>
+    <dgm:txLinClrLst/>
+    <dgm:txFillClrLst/>
+    <dgm:txEffectClrLst/>
+  </dgm:styleLbl>
+  <dgm:styleLbl name="vennNode1">
+    <dgm:fillClrLst meth="repeat">
+      <a:schemeClr val="accent1">
+        <a:alpha val="50000"/>
+      </a:schemeClr>
+    </dgm:fillClrLst>
+    <dgm:linClrLst meth="repeat">
+      <a:schemeClr val="lt1"/>
+    </dgm:linClrLst>
+    <dgm:effectClrLst/>
+    <dgm:txLinClrLst/>
+    <dgm:txFillClrLst/>
+    <dgm:txEffectClrLst/>
+  </dgm:styleLbl>
+  <dgm:styleLbl name="node2">
+    <dgm:fillClrLst meth="repeat">
+      <a:schemeClr val="accent1"/>
+    </dgm:fillClrLst>
+    <dgm:linClrLst meth="repeat">
+      <a:schemeClr val="lt1"/>
+    </dgm:linClrLst>
+    <dgm:effectClrLst/>
+    <dgm:txLinClrLst/>
+    <dgm:txFillClrLst/>
+    <dgm:txEffectClrLst/>
+  </dgm:styleLbl>
+  <dgm:styleLbl name="node3">
+    <dgm:fillClrLst meth="repeat">
+      <a:schemeClr val="accent1"/>
+    </dgm:fillClrLst>
+    <dgm:linClrLst meth="repeat">
+      <a:schemeClr val="lt1"/>
+    </dgm:linClrLst>
+    <dgm:effectClrLst/>
+    <dgm:txLinClrLst/>
+    <dgm:txFillClrLst/>
+    <dgm:txEffectClrLst/>
+  </dgm:styleLbl>
+  <dgm:styleLbl name="node4">
+    <dgm:fillClrLst meth="repeat">
+      <a:schemeClr val="accent1"/>
+    </dgm:fillClrLst>
+    <dgm:linClrLst meth="repeat">
+      <a:schemeClr val="lt1"/>
+    </dgm:linClrLst>
+    <dgm:effectClrLst/>
+    <dgm:txLinClrLst/>
+    <dgm:txFillClrLst/>
+    <dgm:txEffectClrLst/>
+  </dgm:styleLbl>
+  <dgm:styleLbl name="fgImgPlace1">
+    <dgm:fillClrLst meth="repeat">
+      <a:schemeClr val="accent1">
+        <a:tint val="50000"/>
+      </a:schemeClr>
+    </dgm:fillClrLst>
+    <dgm:linClrLst meth="repeat">
+      <a:schemeClr val="lt1"/>
+    </dgm:linClrLst>
+    <dgm:effectClrLst/>
+    <dgm:txLinClrLst/>
+    <dgm:txFillClrLst meth="repeat">
+      <a:schemeClr val="lt1"/>
+    </dgm:txFillClrLst>
+    <dgm:txEffectClrLst/>
+  </dgm:styleLbl>
+  <dgm:styleLbl name="alignImgPlace1">
+    <dgm:fillClrLst meth="repeat">
+      <a:schemeClr val="accent1">
+        <a:tint val="50000"/>
+      </a:schemeClr>
+    </dgm:fillClrLst>
+    <dgm:linClrLst meth="repeat">
+      <a:schemeClr val="lt1"/>
+    </dgm:linClrLst>
+    <dgm:effectClrLst/>
+    <dgm:txLinClrLst/>
+    <dgm:txFillClrLst meth="repeat">
+      <a:schemeClr val="lt1"/>
+    </dgm:txFillClrLst>
+    <dgm:txEffectClrLst/>
+  </dgm:styleLbl>
+  <dgm:styleLbl name="bgImgPlace1">
+    <dgm:fillClrLst meth="repeat">
+      <a:schemeClr val="accent1">
+        <a:tint val="50000"/>
+      </a:schemeClr>
+    </dgm:fillClrLst>
+    <dgm:linClrLst meth="repeat">
+      <a:schemeClr val="lt1"/>
+    </dgm:linClrLst>
+    <dgm:effectClrLst/>
+    <dgm:txLinClrLst/>
+    <dgm:txFillClrLst meth="repeat">
+      <a:schemeClr val="lt1"/>
+    </dgm:txFillClrLst>
+    <dgm:txEffectClrLst/>
+  </dgm:styleLbl>
+  <dgm:styleLbl name="sibTrans2D1">
+    <dgm:fillClrLst meth="repeat">
+      <a:schemeClr val="accent1">
+        <a:tint val="60000"/>
+      </a:schemeClr>
+    </dgm:fillClrLst>
+    <dgm:linClrLst meth="repeat">
+      <a:schemeClr val="accent1">
+        <a:tint val="60000"/>
+      </a:schemeClr>
+    </dgm:linClrLst>
+    <dgm:effectClrLst/>
+    <dgm:txLinClrLst/>
+    <dgm:txFillClrLst/>
+    <dgm:txEffectClrLst/>
+  </dgm:styleLbl>
+  <dgm:styleLbl name="fgSibTrans2D1">
+    <dgm:fillClrLst meth="repeat">
+      <a:schemeClr val="accent1">
+        <a:tint val="60000"/>
+      </a:schemeClr>
+    </dgm:fillClrLst>
+    <dgm:linClrLst meth="repeat">
+      <a:schemeClr val="accent1">
+        <a:tint val="60000"/>
+      </a:schemeClr>
+    </dgm:linClrLst>
+    <dgm:effectClrLst/>
+    <dgm:txLinClrLst/>
+    <dgm:txFillClrLst/>
+    <dgm:txEffectClrLst/>
+  </dgm:styleLbl>
+  <dgm:styleLbl name="bgSibTrans2D1">
+    <dgm:fillClrLst meth="repeat">
+      <a:schemeClr val="accent1">
+        <a:tint val="60000"/>
+      </a:schemeClr>
+    </dgm:fillClrLst>
+    <dgm:linClrLst meth="repeat">
+      <a:schemeClr val="accent1">
+        <a:tint val="60000"/>
+      </a:schemeClr>
+    </dgm:linClrLst>
+    <dgm:effectClrLst/>
+    <dgm:txLinClrLst/>
+    <dgm:txFillClrLst/>
+    <dgm:txEffectClrLst/>
+  </dgm:styleLbl>
+  <dgm:styleLbl name="sibTrans1D1">
+    <dgm:fillClrLst meth="repeat">
+      <a:schemeClr val="accent1"/>
+    </dgm:fillClrLst>
+    <dgm:linClrLst meth="repeat">
+      <a:schemeClr val="accent1"/>
+    </dgm:linClrLst>
+    <dgm:effectClrLst/>
+    <dgm:txLinClrLst/>
+    <dgm:txFillClrLst meth="repeat">
+      <a:schemeClr val="tx1"/>
+    </dgm:txFillClrLst>
+    <dgm:txEffectClrLst/>
+  </dgm:styleLbl>
+  <dgm:styleLbl name="callout">
+    <dgm:fillClrLst meth="repeat">
+      <a:schemeClr val="accent1"/>
+    </dgm:fillClrLst>
+    <dgm:linClrLst meth="repeat">
+      <a:schemeClr val="accent1">
+        <a:tint val="50000"/>
+      </a:schemeClr>
+    </dgm:linClrLst>
+    <dgm:effectClrLst/>
+    <dgm:txLinClrLst/>
+    <dgm:txFillClrLst meth="repeat">
+      <a:schemeClr val="tx1"/>
+    </dgm:txFillClrLst>
+    <dgm:txEffectClrLst/>
+  </dgm:styleLbl>
+  <dgm:styleLbl name="asst0">
+    <dgm:fillClrLst meth="repeat">
+      <a:schemeClr val="accent1"/>
+    </dgm:fillClrLst>
+    <dgm:linClrLst meth="repeat">
+      <a:schemeClr val="lt1"/>
+    </dgm:linClrLst>
+    <dgm:effectClrLst/>
+    <dgm:txLinClrLst/>
+    <dgm:txFillClrLst/>
+    <dgm:txEffectClrLst/>
+  </dgm:styleLbl>
+  <dgm:styleLbl name="asst1">
+    <dgm:fillClrLst meth="repeat">
+      <a:schemeClr val="accent1"/>
+    </dgm:fillClrLst>
+    <dgm:linClrLst meth="repeat">
+      <a:schemeClr val="lt1"/>
+    </dgm:linClrLst>
+    <dgm:effectClrLst/>
+    <dgm:txLinClrLst/>
+    <dgm:txFillClrLst/>
+    <dgm:txEffectClrLst/>
+  </dgm:styleLbl>
+  <dgm:styleLbl name="asst2">
+    <dgm:fillClrLst meth="repeat">
+      <a:schemeClr val="accent1"/>
+    </dgm:fillClrLst>
+    <dgm:linClrLst meth="repeat">
+      <a:schemeClr val="lt1"/>
+    </dgm:linClrLst>
+    <dgm:effectClrLst/>
+    <dgm:txLinClrLst/>
+    <dgm:txFillClrLst/>
+    <dgm:txEffectClrLst/>
+  </dgm:styleLbl>
+  <dgm:styleLbl name="asst3">
+    <dgm:fillClrLst meth="repeat">
+      <a:schemeClr val="accent1"/>
+    </dgm:fillClrLst>
+    <dgm:linClrLst meth="repeat">
+      <a:schemeClr val="lt1"/>
+    </dgm:linClrLst>
+    <dgm:effectClrLst/>
+    <dgm:txLinClrLst/>
+    <dgm:txFillClrLst/>
+    <dgm:txEffectClrLst/>
+  </dgm:styleLbl>
+  <dgm:styleLbl name="asst4">
+    <dgm:fillClrLst meth="repeat">
+      <a:schemeClr val="accent1"/>
+    </dgm:fillClrLst>
+    <dgm:linClrLst meth="repeat">
+      <a:schemeClr val="lt1"/>
+    </dgm:linClrLst>
+    <dgm:effectClrLst/>
+    <dgm:txLinClrLst/>
+    <dgm:txFillClrLst/>
+    <dgm:txEffectClrLst/>
+  </dgm:styleLbl>
+  <dgm:styleLbl name="parChTrans2D1">
+    <dgm:fillClrLst meth="repeat">
+      <a:schemeClr val="accent1">
+        <a:tint val="60000"/>
+      </a:schemeClr>
+    </dgm:fillClrLst>
+    <dgm:linClrLst meth="repeat">
+      <a:schemeClr val="accent1">
+        <a:tint val="60000"/>
+      </a:schemeClr>
+    </dgm:linClrLst>
+    <dgm:effectClrLst/>
+    <dgm:txLinClrLst/>
+    <dgm:txFillClrLst meth="repeat">
+      <a:schemeClr val="lt1"/>
+    </dgm:txFillClrLst>
+    <dgm:txEffectClrLst/>
+  </dgm:styleLbl>
+  <dgm:styleLbl name="parChTrans2D2">
+    <dgm:fillClrLst meth="repeat">
+      <a:schemeClr val="accent1"/>
+    </dgm:fillClrLst>
+    <dgm:linClrLst meth="repeat">
+      <a:schemeClr val="accent1"/>
+    </dgm:linClrLst>
+    <dgm:effectClrLst/>
+    <dgm:txLinClrLst/>
+    <dgm:txFillClrLst meth="repeat">
+      <a:schemeClr val="lt1"/>
+    </dgm:txFillClrLst>
+    <dgm:txEffectClrLst/>
+  </dgm:styleLbl>
+  <dgm:styleLbl name="parChTrans2D3">
+    <dgm:fillClrLst meth="repeat">
+      <a:schemeClr val="accent1"/>
+    </dgm:fillClrLst>
+    <dgm:linClrLst meth="repeat">
+      <a:schemeClr val="accent1"/>
+    </dgm:linClrLst>
+    <dgm:effectClrLst/>
+    <dgm:txLinClrLst/>
+    <dgm:txFillClrLst meth="repeat">
+      <a:schemeClr val="lt1"/>
+    </dgm:txFillClrLst>
+    <dgm:txEffectClrLst/>
+  </dgm:styleLbl>
+  <dgm:styleLbl name="parChTrans2D4">
+    <dgm:fillClrLst meth="repeat">
+      <a:schemeClr val="accent1"/>
+    </dgm:fillClrLst>
+    <dgm:linClrLst meth="repeat">
+      <a:schemeClr val="accent1"/>
+    </dgm:linClrLst>
+    <dgm:effectClrLst/>
+    <dgm:txLinClrLst/>
+    <dgm:txFillClrLst meth="repeat">
+      <a:schemeClr val="lt1"/>
+    </dgm:txFillClrLst>
+    <dgm:txEffectClrLst/>
+  </dgm:styleLbl>
+  <dgm:styleLbl name="parChTrans1D1">
+    <dgm:fillClrLst meth="repeat">
+      <a:schemeClr val="accent1"/>
+    </dgm:fillClrLst>
+    <dgm:linClrLst meth="repeat">
+      <a:schemeClr val="accent1">
+        <a:shade val="60000"/>
+      </a:schemeClr>
+    </dgm:linClrLst>
+    <dgm:effectClrLst/>
+    <dgm:txLinClrLst/>
+    <dgm:txFillClrLst meth="repeat">
+      <a:schemeClr val="tx1"/>
+    </dgm:txFillClrLst>
+    <dgm:txEffectClrLst/>
+  </dgm:styleLbl>
+  <dgm:styleLbl name="parChTrans1D2">
+    <dgm:fillClrLst meth="repeat">
+      <a:schemeClr val="accent1"/>
+    </dgm:fillClrLst>
+    <dgm:linClrLst meth="repeat">
+      <a:schemeClr val="accent1">
+        <a:shade val="60000"/>
+      </a:schemeClr>
+    </dgm:linClrLst>
+    <dgm:effectClrLst/>
+    <dgm:txLinClrLst/>
+    <dgm:txFillClrLst meth="repeat">
+      <a:schemeClr val="tx1"/>
+    </dgm:txFillClrLst>
+    <dgm:txEffectClrLst/>
+  </dgm:styleLbl>
+  <dgm:styleLbl name="parChTrans1D3">
+    <dgm:fillClrLst meth="repeat">
+      <a:schemeClr val="accent1"/>
+    </dgm:fillClrLst>
+    <dgm:linClrLst meth="repeat">
+      <a:schemeClr val="accent1">
+        <a:shade val="80000"/>
+      </a:schemeClr>
+    </dgm:linClrLst>
+    <dgm:effectClrLst/>
+    <dgm:txLinClrLst/>
+    <dgm:txFillClrLst meth="repeat">
+      <a:schemeClr val="tx1"/>
+    </dgm:txFillClrLst>
+    <dgm:txEffectClrLst/>
+  </dgm:styleLbl>
+  <dgm:styleLbl name="parChTrans1D4">
+    <dgm:fillClrLst meth="repeat">
+      <a:schemeClr val="accent1"/>
+    </dgm:fillClrLst>
+    <dgm:linClrLst meth="repeat">
+      <a:schemeClr val="accent1">
+        <a:shade val="80000"/>
+      </a:schemeClr>
+    </dgm:linClrLst>
+    <dgm:effectClrLst/>
+    <dgm:txLinClrLst/>
+    <dgm:txFillClrLst meth="repeat">
+      <a:schemeClr val="tx1"/>
+    </dgm:txFillClrLst>
+    <dgm:txEffectClrLst/>
+  </dgm:styleLbl>
+  <dgm:styleLbl name="fgAcc1">
+    <dgm:fillClrLst meth="repeat">
+      <a:schemeClr val="lt1">
+        <a:alpha val="90000"/>
+      </a:schemeClr>
+    </dgm:fillClrLst>
+    <dgm:linClrLst meth="repeat">
+      <a:schemeClr val="accent1"/>
+    </dgm:linClrLst>
+    <dgm:effectClrLst/>
+    <dgm:txLinClrLst/>
+    <dgm:txFillClrLst meth="repeat">
+      <a:schemeClr val="dk1"/>
+    </dgm:txFillClrLst>
+    <dgm:txEffectClrLst/>
+  </dgm:styleLbl>
+  <dgm:styleLbl name="conFgAcc1">
+    <dgm:fillClrLst meth="repeat">
+      <a:schemeClr val="lt1">
+        <a:alpha val="90000"/>
+      </a:schemeClr>
+    </dgm:fillClrLst>
+    <dgm:linClrLst meth="repeat">
+      <a:schemeClr val="accent1"/>
+    </dgm:linClrLst>
+    <dgm:effectClrLst/>
+    <dgm:txLinClrLst/>
+    <dgm:txFillClrLst meth="repeat">
+      <a:schemeClr val="dk1"/>
+    </dgm:txFillClrLst>
+    <dgm:txEffectClrLst/>
+  </dgm:styleLbl>
+  <dgm:styleLbl name="alignAcc1">
+    <dgm:fillClrLst meth="repeat">
+      <a:schemeClr val="lt1">
+        <a:alpha val="90000"/>
+      </a:schemeClr>
+    </dgm:fillClrLst>
+    <dgm:linClrLst meth="repeat">
+      <a:schemeClr val="accent1"/>
+    </dgm:linClrLst>
+    <dgm:effectClrLst/>
+    <dgm:txLinClrLst/>
+    <dgm:txFillClrLst meth="repeat">
+      <a:schemeClr val="dk1"/>
+    </dgm:txFillClrLst>
+    <dgm:txEffectClrLst/>
+  </dgm:styleLbl>
+  <dgm:styleLbl name="trAlignAcc1">
+    <dgm:fillClrLst meth="repeat">
+      <a:schemeClr val="lt1">
+        <a:alpha val="40000"/>
+      </a:schemeClr>
+    </dgm:fillClrLst>
+    <dgm:linClrLst meth="repeat">
+      <a:schemeClr val="accent1"/>
+    </dgm:linClrLst>
+    <dgm:effectClrLst/>
+    <dgm:txLinClrLst/>
+    <dgm:txFillClrLst meth="repeat">
+      <a:schemeClr val="dk1"/>
+    </dgm:txFillClrLst>
+    <dgm:txEffectClrLst/>
+  </dgm:styleLbl>
+  <dgm:styleLbl name="bgAcc1">
+    <dgm:fillClrLst meth="repeat">
+      <a:schemeClr val="lt1">
+        <a:alpha val="90000"/>
+      </a:schemeClr>
+    </dgm:fillClrLst>
+    <dgm:linClrLst meth="repeat">
+      <a:schemeClr val="accent1"/>
+    </dgm:linClrLst>
+    <dgm:effectClrLst/>
+    <dgm:txLinClrLst/>
+    <dgm:txFillClrLst meth="repeat">
+      <a:schemeClr val="dk1"/>
+    </dgm:txFillClrLst>
+    <dgm:txEffectClrLst/>
+  </dgm:styleLbl>
+  <dgm:styleLbl name="solidFgAcc1">
+    <dgm:fillClrLst meth="repeat">
+      <a:schemeClr val="lt1"/>
+    </dgm:fillClrLst>
+    <dgm:linClrLst meth="repeat">
+      <a:schemeClr val="accent1"/>
+    </dgm:linClrLst>
+    <dgm:effectClrLst/>
+    <dgm:txLinClrLst/>
+    <dgm:txFillClrLst meth="repeat">
+      <a:schemeClr val="dk1"/>
+    </dgm:txFillClrLst>
+    <dgm:txEffectClrLst/>
+  </dgm:styleLbl>
+  <dgm:styleLbl name="solidAlignAcc1">
+    <dgm:fillClrLst meth="repeat">
+      <a:schemeClr val="lt1"/>
+    </dgm:fillClrLst>
+    <dgm:linClrLst meth="repeat">
+      <a:schemeClr val="accent1"/>
+    </dgm:linClrLst>
+    <dgm:effectClrLst/>
+    <dgm:txLinClrLst/>
+    <dgm:txFillClrLst meth="repeat">
+      <a:schemeClr val="dk1"/>
+    </dgm:txFillClrLst>
+    <dgm:txEffectClrLst/>
+  </dgm:styleLbl>
+  <dgm:styleLbl name="solidBgAcc1">
+    <dgm:fillClrLst meth="repeat">
+      <a:schemeClr val="lt1"/>
+    </dgm:fillClrLst>
+    <dgm:linClrLst meth="repeat">
+      <a:schemeClr val="accent1"/>
+    </dgm:linClrLst>
+    <dgm:effectClrLst/>
+    <dgm:txLinClrLst/>
+    <dgm:txFillClrLst meth="repeat">
+      <a:schemeClr val="dk1"/>
+    </dgm:txFillClrLst>
+    <dgm:txEffectClrLst/>
+  </dgm:styleLbl>
+  <dgm:styleLbl name="fgAccFollowNode1">
+    <dgm:fillClrLst meth="repeat">
+      <a:schemeClr val="accent1">
+        <a:alpha val="90000"/>
+        <a:tint val="40000"/>
+      </a:schemeClr>
+    </dgm:fillClrLst>
+    <dgm:linClrLst meth="repeat">
+      <a:schemeClr val="accent1">
+        <a:alpha val="90000"/>
+        <a:tint val="40000"/>
+      </a:schemeClr>
+    </dgm:linClrLst>
+    <dgm:effectClrLst/>
+    <dgm:txLinClrLst/>
+    <dgm:txFillClrLst meth="repeat">
+      <a:schemeClr val="dk1"/>
+    </dgm:txFillClrLst>
+    <dgm:txEffectClrLst/>
+  </dgm:styleLbl>
+  <dgm:styleLbl name="alignAccFollowNode1">
+    <dgm:fillClrLst meth="repeat">
+      <a:schemeClr val="accent1">
+        <a:alpha val="90000"/>
+        <a:tint val="40000"/>
+      </a:schemeClr>
+    </dgm:fillClrLst>
+    <dgm:linClrLst meth="repeat">
+      <a:schemeClr val="accent1">
+        <a:alpha val="90000"/>
+        <a:tint val="40000"/>
+      </a:schemeClr>
+    </dgm:linClrLst>
+    <dgm:effectClrLst/>
+    <dgm:txLinClrLst/>
+    <dgm:txFillClrLst meth="repeat">
+      <a:schemeClr val="dk1"/>
+    </dgm:txFillClrLst>
+    <dgm:txEffectClrLst/>
+  </dgm:styleLbl>
+  <dgm:styleLbl name="bgAccFollowNode1">
+    <dgm:fillClrLst meth="repeat">
+      <a:schemeClr val="accent1">
+        <a:alpha val="90000"/>
+        <a:tint val="40000"/>
+      </a:schemeClr>
+    </dgm:fillClrLst>
+    <dgm:linClrLst meth="repeat">
+      <a:schemeClr val="accent1">
+        <a:alpha val="90000"/>
+        <a:tint val="40000"/>
+      </a:schemeClr>
+    </dgm:linClrLst>
+    <dgm:effectClrLst/>
+    <dgm:txLinClrLst/>
+    <dgm:txFillClrLst meth="repeat">
+      <a:schemeClr val="dk1"/>
+    </dgm:txFillClrLst>
+    <dgm:txEffectClrLst/>
+  </dgm:styleLbl>
+  <dgm:styleLbl name="fgAcc0">
+    <dgm:fillClrLst meth="repeat">
+      <a:schemeClr val="lt1">
+        <a:alpha val="90000"/>
+      </a:schemeClr>
+    </dgm:fillClrLst>
+    <dgm:linClrLst meth="repeat">
+      <a:schemeClr val="accent1"/>
+    </dgm:linClrLst>
+    <dgm:effectClrLst/>
+    <dgm:txLinClrLst/>
+    <dgm:txFillClrLst meth="repeat">
+      <a:schemeClr val="dk1"/>
+    </dgm:txFillClrLst>
+    <dgm:txEffectClrLst/>
+  </dgm:styleLbl>
+  <dgm:styleLbl name="fgAcc2">
+    <dgm:fillClrLst meth="repeat">
+      <a:schemeClr val="lt1">
+        <a:alpha val="90000"/>
+      </a:schemeClr>
+    </dgm:fillClrLst>
+    <dgm:linClrLst meth="repeat">
+      <a:schemeClr val="accent1"/>
+    </dgm:linClrLst>
+    <dgm:effectClrLst/>
+    <dgm:txLinClrLst/>
+    <dgm:txFillClrLst meth="repeat">
+      <a:schemeClr val="dk1"/>
+    </dgm:txFillClrLst>
+    <dgm:txEffectClrLst/>
+  </dgm:styleLbl>
+  <dgm:styleLbl name="fgAcc3">
+    <dgm:fillClrLst meth="repeat">
+      <a:schemeClr val="lt1">
+        <a:alpha val="90000"/>
+      </a:schemeClr>
+    </dgm:fillClrLst>
+    <dgm:linClrLst meth="repeat">
+      <a:schemeClr val="accent1"/>
+    </dgm:linClrLst>
+    <dgm:effectClrLst/>
+    <dgm:txLinClrLst/>
+    <dgm:txFillClrLst meth="repeat">
+      <a:schemeClr val="dk1"/>
+    </dgm:txFillClrLst>
+    <dgm:txEffectClrLst/>
+  </dgm:styleLbl>
+  <dgm:styleLbl name="fgAcc4">
+    <dgm:fillClrLst meth="repeat">
+      <a:schemeClr val="lt1">
+        <a:alpha val="90000"/>
+      </a:schemeClr>
+    </dgm:fillClrLst>
+    <dgm:linClrLst meth="repeat">
+      <a:schemeClr val="accent1"/>
+    </dgm:linClrLst>
+    <dgm:effectClrLst/>
+    <dgm:txLinClrLst/>
+    <dgm:txFillClrLst meth="repeat">
+      <a:schemeClr val="dk1"/>
+    </dgm:txFillClrLst>
+    <dgm:txEffectClrLst/>
+  </dgm:styleLbl>
+  <dgm:styleLbl name="bgShp">
+    <dgm:fillClrLst meth="repeat">
+      <a:schemeClr val="accent1">
+        <a:tint val="40000"/>
+      </a:schemeClr>
+    </dgm:fillClrLst>
+    <dgm:linClrLst meth="repeat">
+      <a:schemeClr val="accent1"/>
+    </dgm:linClrLst>
+    <dgm:effectClrLst/>
+    <dgm:txLinClrLst/>
+    <dgm:txFillClrLst meth="repeat">
+      <a:schemeClr val="dk1"/>
+    </dgm:txFillClrLst>
+    <dgm:txEffectClrLst/>
+  </dgm:styleLbl>
+  <dgm:styleLbl name="dkBgShp">
+    <dgm:fillClrLst meth="repeat">
+      <a:schemeClr val="accent1">
+        <a:shade val="80000"/>
+      </a:schemeClr>
+    </dgm:fillClrLst>
+    <dgm:linClrLst meth="repeat">
+      <a:schemeClr val="accent1"/>
+    </dgm:linClrLst>
+    <dgm:effectClrLst/>
+    <dgm:txLinClrLst/>
+    <dgm:txFillClrLst meth="repeat">
+      <a:schemeClr val="lt1"/>
+    </dgm:txFillClrLst>
+    <dgm:txEffectClrLst/>
+  </dgm:styleLbl>
+  <dgm:styleLbl name="trBgShp">
+    <dgm:fillClrLst meth="repeat">
+      <a:schemeClr val="accent1">
+        <a:tint val="50000"/>
+        <a:alpha val="40000"/>
+      </a:schemeClr>
+    </dgm:fillClrLst>
+    <dgm:linClrLst meth="repeat">
+      <a:schemeClr val="accent1"/>
+    </dgm:linClrLst>
+    <dgm:effectClrLst/>
+    <dgm:txLinClrLst/>
+    <dgm:txFillClrLst meth="repeat">
+      <a:schemeClr val="lt1"/>
+    </dgm:txFillClrLst>
+    <dgm:txEffectClrLst/>
+  </dgm:styleLbl>
+  <dgm:styleLbl name="fgShp">
+    <dgm:fillClrLst meth="repeat">
+      <a:schemeClr val="accent1">
+        <a:tint val="60000"/>
+      </a:schemeClr>
+    </dgm:fillClrLst>
+    <dgm:linClrLst meth="repeat">
+      <a:schemeClr val="lt1"/>
+    </dgm:linClrLst>
+    <dgm:effectClrLst/>
+    <dgm:txLinClrLst/>
+    <dgm:txFillClrLst meth="repeat">
+      <a:schemeClr val="dk1"/>
+    </dgm:txFillClrLst>
+    <dgm:txEffectClrLst/>
+  </dgm:styleLbl>
+  <dgm:styleLbl name="revTx">
+    <dgm:fillClrLst meth="repeat">
+      <a:schemeClr val="lt1">
+        <a:alpha val="0"/>
+      </a:schemeClr>
+    </dgm:fillClrLst>
+    <dgm:linClrLst meth="repeat">
+      <a:schemeClr val="dk1">
+        <a:alpha val="0"/>
+      </a:schemeClr>
+    </dgm:linClrLst>
+    <dgm:effectClrLst/>
+    <dgm:txLinClrLst/>
+    <dgm:txFillClrLst meth="repeat">
+      <a:schemeClr val="tx1"/>
+    </dgm:txFillClrLst>
+    <dgm:txEffectClrLst/>
+  </dgm:styleLbl>
+</dgm:colorsDef>
+</file>
+
+<file path=ppt/diagrams/data1.xml><?xml version="1.0" encoding="utf-8"?>
+<dgm:dataModel xmlns:dgm="http://schemas.openxmlformats.org/drawingml/2006/diagram" xmlns:a="http://schemas.openxmlformats.org/drawingml/2006/main">
+  <dgm:ptLst>
+    <dgm:pt modelId="{AB44A337-FEB0-4AE8-82AB-5FF9C02FD74D}" type="doc">
+      <dgm:prSet loTypeId="urn:microsoft.com/office/officeart/2005/8/layout/hList1" loCatId="list" qsTypeId="urn:microsoft.com/office/officeart/2005/8/quickstyle/simple1" qsCatId="simple" csTypeId="urn:microsoft.com/office/officeart/2005/8/colors/accent1_2" csCatId="accent1" phldr="1"/>
+      <dgm:spPr/>
+      <dgm:t>
+        <a:bodyPr/>
+        <a:lstStyle/>
+        <a:p>
+          <a:endParaRPr kumimoji="1" lang="ja-JP" altLang="en-US"/>
+        </a:p>
+      </dgm:t>
+    </dgm:pt>
+    <dgm:pt modelId="{58EFBA93-8468-4A2D-BED2-63BF539B0542}">
+      <dgm:prSet phldrT="[テキスト]"/>
+      <dgm:spPr/>
+      <dgm:t>
+        <a:bodyPr/>
+        <a:lstStyle/>
+        <a:p>
+          <a:r>
+            <a:rPr kumimoji="1" lang="ja-JP" altLang="en-US" smtClean="0"/>
+            <a:t>お店</a:t>
+          </a:r>
+          <a:endParaRPr kumimoji="1" lang="ja-JP" altLang="en-US"/>
+        </a:p>
+      </dgm:t>
+    </dgm:pt>
+    <dgm:pt modelId="{ED5AE595-505D-43B7-9CB3-D65CC624B910}" type="parTrans" cxnId="{33F04549-7226-4AD8-8D08-1EFCDD370195}">
+      <dgm:prSet/>
+      <dgm:spPr/>
+      <dgm:t>
+        <a:bodyPr/>
+        <a:lstStyle/>
+        <a:p>
+          <a:endParaRPr kumimoji="1" lang="ja-JP" altLang="en-US"/>
+        </a:p>
+      </dgm:t>
+    </dgm:pt>
+    <dgm:pt modelId="{E3C42EA2-3471-415B-966A-9A3089AB9066}" type="sibTrans" cxnId="{33F04549-7226-4AD8-8D08-1EFCDD370195}">
+      <dgm:prSet/>
+      <dgm:spPr/>
+      <dgm:t>
+        <a:bodyPr/>
+        <a:lstStyle/>
+        <a:p>
+          <a:endParaRPr kumimoji="1" lang="ja-JP" altLang="en-US"/>
+        </a:p>
+      </dgm:t>
+    </dgm:pt>
+    <dgm:pt modelId="{D581EA26-CF65-4CF6-B4FF-BE3D5F53B6DB}">
+      <dgm:prSet phldrT="[テキスト]"/>
+      <dgm:spPr/>
+      <dgm:t>
+        <a:bodyPr/>
+        <a:lstStyle/>
+        <a:p>
+          <a:r>
+            <a:rPr lang="ja-JP" altLang="en-US" smtClean="0"/>
+            <a:t>人件費の節約</a:t>
+          </a:r>
+          <a:endParaRPr kumimoji="1" lang="ja-JP" altLang="en-US"/>
+        </a:p>
+      </dgm:t>
+    </dgm:pt>
+    <dgm:pt modelId="{FA624D80-320B-4D18-AE79-C8D5B1C802C6}" type="parTrans" cxnId="{FED99F71-9EEB-4636-852D-EED94DAF2E95}">
+      <dgm:prSet/>
+      <dgm:spPr/>
+      <dgm:t>
+        <a:bodyPr/>
+        <a:lstStyle/>
+        <a:p>
+          <a:endParaRPr kumimoji="1" lang="ja-JP" altLang="en-US"/>
+        </a:p>
+      </dgm:t>
+    </dgm:pt>
+    <dgm:pt modelId="{D4B57FF8-CE96-4B97-9F0B-82308968B7A6}" type="sibTrans" cxnId="{FED99F71-9EEB-4636-852D-EED94DAF2E95}">
+      <dgm:prSet/>
+      <dgm:spPr/>
+      <dgm:t>
+        <a:bodyPr/>
+        <a:lstStyle/>
+        <a:p>
+          <a:endParaRPr kumimoji="1" lang="ja-JP" altLang="en-US"/>
+        </a:p>
+      </dgm:t>
+    </dgm:pt>
+    <dgm:pt modelId="{12F917DB-8FA1-4D31-8996-C00CDC1F60FB}">
+      <dgm:prSet phldrT="[テキスト]"/>
+      <dgm:spPr/>
+      <dgm:t>
+        <a:bodyPr/>
+        <a:lstStyle/>
+        <a:p>
+          <a:r>
+            <a:rPr kumimoji="1" lang="ja-JP" altLang="en-US" smtClean="0"/>
+            <a:t>お客様</a:t>
+          </a:r>
+          <a:endParaRPr kumimoji="1" lang="ja-JP" altLang="en-US"/>
+        </a:p>
+      </dgm:t>
+    </dgm:pt>
+    <dgm:pt modelId="{BD31AD61-3A63-44D4-8BCA-037F25D9C9AA}" type="parTrans" cxnId="{656E03AA-0A51-483A-A593-5770A9D5017B}">
+      <dgm:prSet/>
+      <dgm:spPr/>
+      <dgm:t>
+        <a:bodyPr/>
+        <a:lstStyle/>
+        <a:p>
+          <a:endParaRPr kumimoji="1" lang="ja-JP" altLang="en-US"/>
+        </a:p>
+      </dgm:t>
+    </dgm:pt>
+    <dgm:pt modelId="{FB419318-9916-4931-B215-BC2A31695675}" type="sibTrans" cxnId="{656E03AA-0A51-483A-A593-5770A9D5017B}">
+      <dgm:prSet/>
+      <dgm:spPr/>
+      <dgm:t>
+        <a:bodyPr/>
+        <a:lstStyle/>
+        <a:p>
+          <a:endParaRPr kumimoji="1" lang="ja-JP" altLang="en-US"/>
+        </a:p>
+      </dgm:t>
+    </dgm:pt>
+    <dgm:pt modelId="{37203E41-B2E0-421B-8164-C09B76FAC685}">
+      <dgm:prSet phldrT="[テキスト]"/>
+      <dgm:spPr/>
+      <dgm:t>
+        <a:bodyPr/>
+        <a:lstStyle/>
+        <a:p>
+          <a:r>
+            <a:rPr lang="ja-JP" altLang="en-US" smtClean="0"/>
+            <a:t>決済にかかる時間の短縮</a:t>
+          </a:r>
+          <a:endParaRPr kumimoji="1" lang="ja-JP" altLang="en-US"/>
+        </a:p>
+      </dgm:t>
+    </dgm:pt>
+    <dgm:pt modelId="{72C5B154-06C8-4CF7-A690-4FB8FA7BCD55}" type="parTrans" cxnId="{8AD43404-E237-4FD9-A6C6-5966CE08C67F}">
+      <dgm:prSet/>
+      <dgm:spPr/>
+      <dgm:t>
+        <a:bodyPr/>
+        <a:lstStyle/>
+        <a:p>
+          <a:endParaRPr kumimoji="1" lang="ja-JP" altLang="en-US"/>
+        </a:p>
+      </dgm:t>
+    </dgm:pt>
+    <dgm:pt modelId="{8A234DC6-2D35-47B7-B4D4-5C3E0D32D208}" type="sibTrans" cxnId="{8AD43404-E237-4FD9-A6C6-5966CE08C67F}">
+      <dgm:prSet/>
+      <dgm:spPr/>
+      <dgm:t>
+        <a:bodyPr/>
+        <a:lstStyle/>
+        <a:p>
+          <a:endParaRPr kumimoji="1" lang="ja-JP" altLang="en-US"/>
+        </a:p>
+      </dgm:t>
+    </dgm:pt>
+    <dgm:pt modelId="{2C197D2D-803D-466D-AB0F-C68F4258475B}">
+      <dgm:prSet phldrT="[テキスト]"/>
+      <dgm:spPr/>
+      <dgm:t>
+        <a:bodyPr/>
+        <a:lstStyle/>
+        <a:p>
+          <a:r>
+            <a:rPr kumimoji="1" lang="ja-JP" altLang="en-US" smtClean="0"/>
+            <a:t>製作側</a:t>
+          </a:r>
+          <a:endParaRPr kumimoji="1" lang="ja-JP" altLang="en-US"/>
+        </a:p>
+      </dgm:t>
+    </dgm:pt>
+    <dgm:pt modelId="{0307BF4D-2B3F-4AA7-A778-744AEF4A72B6}" type="parTrans" cxnId="{5366FDAF-BFC7-4BE7-9E05-04759F6800AA}">
+      <dgm:prSet/>
+      <dgm:spPr/>
+      <dgm:t>
+        <a:bodyPr/>
+        <a:lstStyle/>
+        <a:p>
+          <a:endParaRPr kumimoji="1" lang="ja-JP" altLang="en-US"/>
+        </a:p>
+      </dgm:t>
+    </dgm:pt>
+    <dgm:pt modelId="{620C5C2A-7A65-40C6-99FE-AA6EB95D33EB}" type="sibTrans" cxnId="{5366FDAF-BFC7-4BE7-9E05-04759F6800AA}">
+      <dgm:prSet/>
+      <dgm:spPr/>
+      <dgm:t>
+        <a:bodyPr/>
+        <a:lstStyle/>
+        <a:p>
+          <a:endParaRPr kumimoji="1" lang="ja-JP" altLang="en-US"/>
+        </a:p>
+      </dgm:t>
+    </dgm:pt>
+    <dgm:pt modelId="{3F9EF1EA-054D-49EE-8696-F968411FBDEA}">
+      <dgm:prSet phldrT="[テキスト]"/>
+      <dgm:spPr/>
+      <dgm:t>
+        <a:bodyPr/>
+        <a:lstStyle/>
+        <a:p>
+          <a:r>
+            <a:rPr lang="ja-JP" altLang="en-US" smtClean="0"/>
+            <a:t>カメラを使用するため、運用していく上での改良が安易</a:t>
+          </a:r>
+          <a:endParaRPr kumimoji="1" lang="ja-JP" altLang="en-US"/>
+        </a:p>
+      </dgm:t>
+    </dgm:pt>
+    <dgm:pt modelId="{9F51A2D8-72DF-4400-8DE2-87AEF8A34FC9}" type="parTrans" cxnId="{4289988A-6BCF-4A51-9589-DFCE17543665}">
+      <dgm:prSet/>
+      <dgm:spPr/>
+      <dgm:t>
+        <a:bodyPr/>
+        <a:lstStyle/>
+        <a:p>
+          <a:endParaRPr kumimoji="1" lang="ja-JP" altLang="en-US"/>
+        </a:p>
+      </dgm:t>
+    </dgm:pt>
+    <dgm:pt modelId="{29D9ADC2-A74A-4CE2-A626-9E1B1C18F67A}" type="sibTrans" cxnId="{4289988A-6BCF-4A51-9589-DFCE17543665}">
+      <dgm:prSet/>
+      <dgm:spPr/>
+      <dgm:t>
+        <a:bodyPr/>
+        <a:lstStyle/>
+        <a:p>
+          <a:endParaRPr kumimoji="1" lang="ja-JP" altLang="en-US"/>
+        </a:p>
+      </dgm:t>
+    </dgm:pt>
+    <dgm:pt modelId="{B6EC2B33-6CA1-441D-AEB8-3C5FF384B53D}">
+      <dgm:prSet/>
+      <dgm:spPr/>
+      <dgm:t>
+        <a:bodyPr/>
+        <a:lstStyle/>
+        <a:p>
+          <a:r>
+            <a:rPr lang="ja-JP" altLang="en-US" smtClean="0"/>
+            <a:t>レジ本体代の節約</a:t>
+          </a:r>
+          <a:endParaRPr lang="en-US" altLang="ja-JP"/>
+        </a:p>
+      </dgm:t>
+    </dgm:pt>
+    <dgm:pt modelId="{2DDD7A85-5606-4E59-ADC7-5BC2E7956B4A}" type="parTrans" cxnId="{AEF65615-9762-4A19-8466-D4E920485287}">
+      <dgm:prSet/>
+      <dgm:spPr/>
+      <dgm:t>
+        <a:bodyPr/>
+        <a:lstStyle/>
+        <a:p>
+          <a:endParaRPr kumimoji="1" lang="ja-JP" altLang="en-US"/>
+        </a:p>
+      </dgm:t>
+    </dgm:pt>
+    <dgm:pt modelId="{E964E300-E5DA-4DA7-9311-BAF26A4C5F04}" type="sibTrans" cxnId="{AEF65615-9762-4A19-8466-D4E920485287}">
+      <dgm:prSet/>
+      <dgm:spPr/>
+      <dgm:t>
+        <a:bodyPr/>
+        <a:lstStyle/>
+        <a:p>
+          <a:endParaRPr kumimoji="1" lang="ja-JP" altLang="en-US"/>
+        </a:p>
+      </dgm:t>
+    </dgm:pt>
+    <dgm:pt modelId="{E54338FA-B881-4008-BA7A-4179ABFCD880}">
+      <dgm:prSet/>
+      <dgm:spPr/>
+      <dgm:t>
+        <a:bodyPr/>
+        <a:lstStyle/>
+        <a:p>
+          <a:r>
+            <a:rPr lang="ja-JP" altLang="en-US" spc="-150" smtClean="0"/>
+            <a:t>客層</a:t>
+          </a:r>
+          <a:r>
+            <a:rPr lang="ja-JP" altLang="en-US" smtClean="0"/>
+            <a:t>や買った</a:t>
+          </a:r>
+          <a:r>
+            <a:rPr lang="ja-JP" altLang="en-US" spc="-150" smtClean="0"/>
+            <a:t>商品</a:t>
+          </a:r>
+          <a:r>
+            <a:rPr lang="ja-JP" altLang="en-US" smtClean="0"/>
+            <a:t>などの</a:t>
+          </a:r>
+          <a:r>
+            <a:rPr lang="ja-JP" altLang="en-US" spc="-150" smtClean="0"/>
+            <a:t>情報収集</a:t>
+          </a:r>
+          <a:endParaRPr lang="en-US" altLang="ja-JP" spc="-150"/>
+        </a:p>
+      </dgm:t>
+    </dgm:pt>
+    <dgm:pt modelId="{123EBEAA-0421-4A4F-BB16-C160841EB588}" type="parTrans" cxnId="{1AE49D89-1304-44E2-8FFE-2EE57DCC2D72}">
+      <dgm:prSet/>
+      <dgm:spPr/>
+      <dgm:t>
+        <a:bodyPr/>
+        <a:lstStyle/>
+        <a:p>
+          <a:endParaRPr kumimoji="1" lang="ja-JP" altLang="en-US"/>
+        </a:p>
+      </dgm:t>
+    </dgm:pt>
+    <dgm:pt modelId="{2891ABF9-2355-4F55-AB5E-BB20348FF3A3}" type="sibTrans" cxnId="{1AE49D89-1304-44E2-8FFE-2EE57DCC2D72}">
+      <dgm:prSet/>
+      <dgm:spPr/>
+      <dgm:t>
+        <a:bodyPr/>
+        <a:lstStyle/>
+        <a:p>
+          <a:endParaRPr kumimoji="1" lang="ja-JP" altLang="en-US"/>
+        </a:p>
+      </dgm:t>
+    </dgm:pt>
+    <dgm:pt modelId="{757B9308-1459-4629-AF0C-966B09D516FC}">
+      <dgm:prSet/>
+      <dgm:spPr/>
+      <dgm:t>
+        <a:bodyPr/>
+        <a:lstStyle/>
+        <a:p>
+          <a:r>
+            <a:rPr lang="ja-JP" altLang="en-US" smtClean="0"/>
+            <a:t>回転率が上がる</a:t>
+          </a:r>
+          <a:endParaRPr lang="en-US" altLang="ja-JP"/>
+        </a:p>
+      </dgm:t>
+    </dgm:pt>
+    <dgm:pt modelId="{AB2824AE-5D09-442C-B863-C610F936D518}" type="parTrans" cxnId="{5505274D-08A0-44EF-A862-623B250BF834}">
+      <dgm:prSet/>
+      <dgm:spPr/>
+      <dgm:t>
+        <a:bodyPr/>
+        <a:lstStyle/>
+        <a:p>
+          <a:endParaRPr kumimoji="1" lang="ja-JP" altLang="en-US"/>
+        </a:p>
+      </dgm:t>
+    </dgm:pt>
+    <dgm:pt modelId="{AAEFB33F-A5EC-458D-961E-B1FA05DB0D45}" type="sibTrans" cxnId="{5505274D-08A0-44EF-A862-623B250BF834}">
+      <dgm:prSet/>
+      <dgm:spPr/>
+      <dgm:t>
+        <a:bodyPr/>
+        <a:lstStyle/>
+        <a:p>
+          <a:endParaRPr kumimoji="1" lang="ja-JP" altLang="en-US"/>
+        </a:p>
+      </dgm:t>
+    </dgm:pt>
+    <dgm:pt modelId="{F6698F96-7ADF-483A-BAF7-913D2259AF02}">
+      <dgm:prSet/>
+      <dgm:spPr/>
+      <dgm:t>
+        <a:bodyPr/>
+        <a:lstStyle/>
+        <a:p>
+          <a:r>
+            <a:rPr lang="ja-JP" altLang="en-US" smtClean="0"/>
+            <a:t>店のスペースを有効活用できる</a:t>
+          </a:r>
+          <a:endParaRPr lang="en-US" altLang="ja-JP"/>
+        </a:p>
+      </dgm:t>
+    </dgm:pt>
+    <dgm:pt modelId="{3D1C5066-91C2-48E0-9E5D-4D898255AEC1}" type="parTrans" cxnId="{91E72E69-1C80-48B8-899B-A2A1EEF34B70}">
+      <dgm:prSet/>
+      <dgm:spPr/>
+      <dgm:t>
+        <a:bodyPr/>
+        <a:lstStyle/>
+        <a:p>
+          <a:endParaRPr kumimoji="1" lang="ja-JP" altLang="en-US"/>
+        </a:p>
+      </dgm:t>
+    </dgm:pt>
+    <dgm:pt modelId="{5836481D-FB5D-4EDF-9F6C-942EBFFA8333}" type="sibTrans" cxnId="{91E72E69-1C80-48B8-899B-A2A1EEF34B70}">
+      <dgm:prSet/>
+      <dgm:spPr/>
+      <dgm:t>
+        <a:bodyPr/>
+        <a:lstStyle/>
+        <a:p>
+          <a:endParaRPr kumimoji="1" lang="ja-JP" altLang="en-US"/>
+        </a:p>
+      </dgm:t>
+    </dgm:pt>
+    <dgm:pt modelId="{3EF7E431-02C1-4454-8071-A59A4211CD7A}">
+      <dgm:prSet/>
+      <dgm:spPr/>
+      <dgm:t>
+        <a:bodyPr/>
+        <a:lstStyle/>
+        <a:p>
+          <a:r>
+            <a:rPr lang="ja-JP" altLang="en-US" smtClean="0"/>
+            <a:t>初期投資が少なく済む</a:t>
+          </a:r>
+          <a:endParaRPr lang="ja-JP" altLang="en-US" dirty="0"/>
+        </a:p>
+      </dgm:t>
+    </dgm:pt>
+    <dgm:pt modelId="{183DCBE1-5989-4E59-9122-1E12293BB711}" type="parTrans" cxnId="{B941E0E8-DE9B-4A15-8F9E-9A9441D2FD31}">
+      <dgm:prSet/>
+      <dgm:spPr/>
+      <dgm:t>
+        <a:bodyPr/>
+        <a:lstStyle/>
+        <a:p>
+          <a:endParaRPr kumimoji="1" lang="ja-JP" altLang="en-US"/>
+        </a:p>
+      </dgm:t>
+    </dgm:pt>
+    <dgm:pt modelId="{0B0F1007-D9D8-4BD5-B84D-ABDC1015BCFE}" type="sibTrans" cxnId="{B941E0E8-DE9B-4A15-8F9E-9A9441D2FD31}">
+      <dgm:prSet/>
+      <dgm:spPr/>
+      <dgm:t>
+        <a:bodyPr/>
+        <a:lstStyle/>
+        <a:p>
+          <a:endParaRPr kumimoji="1" lang="ja-JP" altLang="en-US"/>
+        </a:p>
+      </dgm:t>
+    </dgm:pt>
+    <dgm:pt modelId="{4C34DBBD-1F5C-4C85-AC98-9775D4C00AAA}">
+      <dgm:prSet/>
+      <dgm:spPr/>
+      <dgm:t>
+        <a:bodyPr/>
+        <a:lstStyle/>
+        <a:p>
+          <a:r>
+            <a:rPr lang="ja-JP" altLang="en-US" smtClean="0"/>
+            <a:t>袋詰めの手間の削減</a:t>
+          </a:r>
+          <a:endParaRPr lang="en-US" altLang="ja-JP"/>
+        </a:p>
+      </dgm:t>
+    </dgm:pt>
+    <dgm:pt modelId="{3E600524-FAB7-495A-A1EE-219BA0983ECA}" type="parTrans" cxnId="{7AFF428F-28DF-43AE-8815-1159BBBA722D}">
+      <dgm:prSet/>
+      <dgm:spPr/>
+      <dgm:t>
+        <a:bodyPr/>
+        <a:lstStyle/>
+        <a:p>
+          <a:endParaRPr kumimoji="1" lang="ja-JP" altLang="en-US"/>
+        </a:p>
+      </dgm:t>
+    </dgm:pt>
+    <dgm:pt modelId="{CEFD4EBF-A645-4AAA-92B7-73F4DB73775A}" type="sibTrans" cxnId="{7AFF428F-28DF-43AE-8815-1159BBBA722D}">
+      <dgm:prSet/>
+      <dgm:spPr/>
+      <dgm:t>
+        <a:bodyPr/>
+        <a:lstStyle/>
+        <a:p>
+          <a:endParaRPr kumimoji="1" lang="ja-JP" altLang="en-US"/>
+        </a:p>
+      </dgm:t>
+    </dgm:pt>
+    <dgm:pt modelId="{75D9A0B8-CB80-4245-A44B-BB6EF3113644}">
+      <dgm:prSet/>
+      <dgm:spPr/>
+      <dgm:t>
+        <a:bodyPr/>
+        <a:lstStyle/>
+        <a:p>
+          <a:r>
+            <a:rPr lang="ja-JP" altLang="en-US" smtClean="0"/>
+            <a:t>バーコードだけでなく画像認識に対応等</a:t>
+          </a:r>
+          <a:endParaRPr lang="en-US" altLang="ja-JP"/>
+        </a:p>
+      </dgm:t>
+    </dgm:pt>
+    <dgm:pt modelId="{45D00741-C5CD-4A6C-AB28-EAF6A0F85F0A}" type="parTrans" cxnId="{C835DCDF-E823-46C7-9827-8C7950A0FF0B}">
+      <dgm:prSet/>
+      <dgm:spPr/>
+      <dgm:t>
+        <a:bodyPr/>
+        <a:lstStyle/>
+        <a:p>
+          <a:endParaRPr kumimoji="1" lang="ja-JP" altLang="en-US"/>
+        </a:p>
+      </dgm:t>
+    </dgm:pt>
+    <dgm:pt modelId="{7A614598-67DC-43EA-AF54-44370366B1B4}" type="sibTrans" cxnId="{C835DCDF-E823-46C7-9827-8C7950A0FF0B}">
+      <dgm:prSet/>
+      <dgm:spPr/>
+      <dgm:t>
+        <a:bodyPr/>
+        <a:lstStyle/>
+        <a:p>
+          <a:endParaRPr kumimoji="1" lang="ja-JP" altLang="en-US"/>
+        </a:p>
+      </dgm:t>
+    </dgm:pt>
+    <dgm:pt modelId="{BA5A3BE7-0B20-4C8F-AEBC-FE7E8955CE8D}">
+      <dgm:prSet/>
+      <dgm:spPr/>
+      <dgm:t>
+        <a:bodyPr/>
+        <a:lstStyle/>
+        <a:p>
+          <a:r>
+            <a:rPr lang="ja-JP" altLang="en-US" smtClean="0"/>
+            <a:t>画像ＤＢが改良され続け、精度が上がっていく</a:t>
+          </a:r>
+          <a:endParaRPr lang="en-US" altLang="ja-JP"/>
+        </a:p>
+      </dgm:t>
+    </dgm:pt>
+    <dgm:pt modelId="{784F0B54-3887-4D41-89DE-4DDFBD2AF905}" type="parTrans" cxnId="{8C6793BB-1101-4F7A-9C3F-4EB6F2F16713}">
+      <dgm:prSet/>
+      <dgm:spPr/>
+      <dgm:t>
+        <a:bodyPr/>
+        <a:lstStyle/>
+        <a:p>
+          <a:endParaRPr kumimoji="1" lang="ja-JP" altLang="en-US"/>
+        </a:p>
+      </dgm:t>
+    </dgm:pt>
+    <dgm:pt modelId="{676F43D6-988A-4BEC-95CC-7EE4FA553C1E}" type="sibTrans" cxnId="{8C6793BB-1101-4F7A-9C3F-4EB6F2F16713}">
+      <dgm:prSet/>
+      <dgm:spPr/>
+      <dgm:t>
+        <a:bodyPr/>
+        <a:lstStyle/>
+        <a:p>
+          <a:endParaRPr kumimoji="1" lang="ja-JP" altLang="en-US"/>
+        </a:p>
+      </dgm:t>
+    </dgm:pt>
+    <dgm:pt modelId="{C468C290-9EAA-47B4-86FF-8EB7F279C9BA}">
+      <dgm:prSet/>
+      <dgm:spPr/>
+      <dgm:t>
+        <a:bodyPr/>
+        <a:lstStyle/>
+        <a:p>
+          <a:r>
+            <a:rPr lang="ja-JP" altLang="en-US" smtClean="0"/>
+            <a:t>キャッシュレス決済と組み合わせることにより運用・保守が簡単</a:t>
+          </a:r>
+          <a:endParaRPr lang="en-US" altLang="ja-JP" dirty="0"/>
+        </a:p>
+      </dgm:t>
+    </dgm:pt>
+    <dgm:pt modelId="{4E507F8A-C1A6-43DC-B589-A948BEE5489E}" type="parTrans" cxnId="{A299A909-9E9C-4165-8102-9FE23917E15C}">
+      <dgm:prSet/>
+      <dgm:spPr/>
+      <dgm:t>
+        <a:bodyPr/>
+        <a:lstStyle/>
+        <a:p>
+          <a:endParaRPr kumimoji="1" lang="ja-JP" altLang="en-US"/>
+        </a:p>
+      </dgm:t>
+    </dgm:pt>
+    <dgm:pt modelId="{B5479399-6796-4752-9B00-E2D6EBCC79EE}" type="sibTrans" cxnId="{A299A909-9E9C-4165-8102-9FE23917E15C}">
+      <dgm:prSet/>
+      <dgm:spPr/>
+      <dgm:t>
+        <a:bodyPr/>
+        <a:lstStyle/>
+        <a:p>
+          <a:endParaRPr kumimoji="1" lang="ja-JP" altLang="en-US"/>
+        </a:p>
+      </dgm:t>
+    </dgm:pt>
+    <dgm:pt modelId="{A1EE6C7B-74CE-4E70-A831-0ACB9ABC9D69}" type="pres">
+      <dgm:prSet presAssocID="{AB44A337-FEB0-4AE8-82AB-5FF9C02FD74D}" presName="Name0" presStyleCnt="0">
+        <dgm:presLayoutVars>
+          <dgm:dir/>
+          <dgm:animLvl val="lvl"/>
+          <dgm:resizeHandles val="exact"/>
+        </dgm:presLayoutVars>
+      </dgm:prSet>
+      <dgm:spPr/>
+      <dgm:t>
+        <a:bodyPr/>
+        <a:lstStyle/>
+        <a:p>
+          <a:endParaRPr kumimoji="1" lang="ja-JP" altLang="en-US"/>
+        </a:p>
+      </dgm:t>
+    </dgm:pt>
+    <dgm:pt modelId="{69536E63-079F-4151-B331-9C98663BB73E}" type="pres">
+      <dgm:prSet presAssocID="{58EFBA93-8468-4A2D-BED2-63BF539B0542}" presName="composite" presStyleCnt="0"/>
+      <dgm:spPr/>
+    </dgm:pt>
+    <dgm:pt modelId="{B81DBDE9-7BDE-461D-9FCA-6AA1A53F3A69}" type="pres">
+      <dgm:prSet presAssocID="{58EFBA93-8468-4A2D-BED2-63BF539B0542}" presName="parTx" presStyleLbl="alignNode1" presStyleIdx="0" presStyleCnt="3">
+        <dgm:presLayoutVars>
+          <dgm:chMax val="0"/>
+          <dgm:chPref val="0"/>
+          <dgm:bulletEnabled val="1"/>
+        </dgm:presLayoutVars>
+      </dgm:prSet>
+      <dgm:spPr/>
+      <dgm:t>
+        <a:bodyPr/>
+        <a:lstStyle/>
+        <a:p>
+          <a:endParaRPr kumimoji="1" lang="ja-JP" altLang="en-US"/>
+        </a:p>
+      </dgm:t>
+    </dgm:pt>
+    <dgm:pt modelId="{6B09F810-FD4D-47E3-87E5-39C47C9912B3}" type="pres">
+      <dgm:prSet presAssocID="{58EFBA93-8468-4A2D-BED2-63BF539B0542}" presName="desTx" presStyleLbl="alignAccFollowNode1" presStyleIdx="0" presStyleCnt="3">
+        <dgm:presLayoutVars>
+          <dgm:bulletEnabled val="1"/>
+        </dgm:presLayoutVars>
+      </dgm:prSet>
+      <dgm:spPr/>
+      <dgm:t>
+        <a:bodyPr/>
+        <a:lstStyle/>
+        <a:p>
+          <a:endParaRPr kumimoji="1" lang="ja-JP" altLang="en-US"/>
+        </a:p>
+      </dgm:t>
+    </dgm:pt>
+    <dgm:pt modelId="{6A301C48-BDA6-4771-A326-943F34F42DF8}" type="pres">
+      <dgm:prSet presAssocID="{E3C42EA2-3471-415B-966A-9A3089AB9066}" presName="space" presStyleCnt="0"/>
+      <dgm:spPr/>
+    </dgm:pt>
+    <dgm:pt modelId="{A0C8F345-2AA4-49F7-8215-7851BB492676}" type="pres">
+      <dgm:prSet presAssocID="{12F917DB-8FA1-4D31-8996-C00CDC1F60FB}" presName="composite" presStyleCnt="0"/>
+      <dgm:spPr/>
+    </dgm:pt>
+    <dgm:pt modelId="{26BF4887-A64A-40CE-A00B-487524EC5167}" type="pres">
+      <dgm:prSet presAssocID="{12F917DB-8FA1-4D31-8996-C00CDC1F60FB}" presName="parTx" presStyleLbl="alignNode1" presStyleIdx="1" presStyleCnt="3">
+        <dgm:presLayoutVars>
+          <dgm:chMax val="0"/>
+          <dgm:chPref val="0"/>
+          <dgm:bulletEnabled val="1"/>
+        </dgm:presLayoutVars>
+      </dgm:prSet>
+      <dgm:spPr/>
+      <dgm:t>
+        <a:bodyPr/>
+        <a:lstStyle/>
+        <a:p>
+          <a:endParaRPr kumimoji="1" lang="ja-JP" altLang="en-US"/>
+        </a:p>
+      </dgm:t>
+    </dgm:pt>
+    <dgm:pt modelId="{5E302172-FE02-4FE2-B4DE-C26D0D67F068}" type="pres">
+      <dgm:prSet presAssocID="{12F917DB-8FA1-4D31-8996-C00CDC1F60FB}" presName="desTx" presStyleLbl="alignAccFollowNode1" presStyleIdx="1" presStyleCnt="3">
+        <dgm:presLayoutVars>
+          <dgm:bulletEnabled val="1"/>
+        </dgm:presLayoutVars>
+      </dgm:prSet>
+      <dgm:spPr/>
+      <dgm:t>
+        <a:bodyPr/>
+        <a:lstStyle/>
+        <a:p>
+          <a:endParaRPr kumimoji="1" lang="ja-JP" altLang="en-US"/>
+        </a:p>
+      </dgm:t>
+    </dgm:pt>
+    <dgm:pt modelId="{54D32869-0E6C-40EF-9246-5570C45CFB05}" type="pres">
+      <dgm:prSet presAssocID="{FB419318-9916-4931-B215-BC2A31695675}" presName="space" presStyleCnt="0"/>
+      <dgm:spPr/>
+    </dgm:pt>
+    <dgm:pt modelId="{4483A573-AF40-499E-8F76-56C465B3CB46}" type="pres">
+      <dgm:prSet presAssocID="{2C197D2D-803D-466D-AB0F-C68F4258475B}" presName="composite" presStyleCnt="0"/>
+      <dgm:spPr/>
+    </dgm:pt>
+    <dgm:pt modelId="{F7C87837-AAB1-4F21-9E1F-5D4716418B23}" type="pres">
+      <dgm:prSet presAssocID="{2C197D2D-803D-466D-AB0F-C68F4258475B}" presName="parTx" presStyleLbl="alignNode1" presStyleIdx="2" presStyleCnt="3">
+        <dgm:presLayoutVars>
+          <dgm:chMax val="0"/>
+          <dgm:chPref val="0"/>
+          <dgm:bulletEnabled val="1"/>
+        </dgm:presLayoutVars>
+      </dgm:prSet>
+      <dgm:spPr/>
+      <dgm:t>
+        <a:bodyPr/>
+        <a:lstStyle/>
+        <a:p>
+          <a:endParaRPr kumimoji="1" lang="ja-JP" altLang="en-US"/>
+        </a:p>
+      </dgm:t>
+    </dgm:pt>
+    <dgm:pt modelId="{1E285AB9-ECA4-4EEF-AB8D-896D7CA18A90}" type="pres">
+      <dgm:prSet presAssocID="{2C197D2D-803D-466D-AB0F-C68F4258475B}" presName="desTx" presStyleLbl="alignAccFollowNode1" presStyleIdx="2" presStyleCnt="3">
+        <dgm:presLayoutVars>
+          <dgm:bulletEnabled val="1"/>
+        </dgm:presLayoutVars>
+      </dgm:prSet>
+      <dgm:spPr/>
+      <dgm:t>
+        <a:bodyPr/>
+        <a:lstStyle/>
+        <a:p>
+          <a:endParaRPr kumimoji="1" lang="ja-JP" altLang="en-US"/>
+        </a:p>
+      </dgm:t>
+    </dgm:pt>
+  </dgm:ptLst>
+  <dgm:cxnLst>
+    <dgm:cxn modelId="{AEF65615-9762-4A19-8466-D4E920485287}" srcId="{58EFBA93-8468-4A2D-BED2-63BF539B0542}" destId="{B6EC2B33-6CA1-441D-AEB8-3C5FF384B53D}" srcOrd="1" destOrd="0" parTransId="{2DDD7A85-5606-4E59-ADC7-5BC2E7956B4A}" sibTransId="{E964E300-E5DA-4DA7-9311-BAF26A4C5F04}"/>
+    <dgm:cxn modelId="{23C79B61-DA43-4C9D-BC51-A30CFB36FA38}" type="presOf" srcId="{BA5A3BE7-0B20-4C8F-AEBC-FE7E8955CE8D}" destId="{1E285AB9-ECA4-4EEF-AB8D-896D7CA18A90}" srcOrd="0" destOrd="2" presId="urn:microsoft.com/office/officeart/2005/8/layout/hList1"/>
+    <dgm:cxn modelId="{8C6793BB-1101-4F7A-9C3F-4EB6F2F16713}" srcId="{3F9EF1EA-054D-49EE-8696-F968411FBDEA}" destId="{BA5A3BE7-0B20-4C8F-AEBC-FE7E8955CE8D}" srcOrd="1" destOrd="0" parTransId="{784F0B54-3887-4D41-89DE-4DDFBD2AF905}" sibTransId="{676F43D6-988A-4BEC-95CC-7EE4FA553C1E}"/>
+    <dgm:cxn modelId="{ED767CAD-9DFF-4A8A-A161-55BA46985197}" type="presOf" srcId="{E54338FA-B881-4008-BA7A-4179ABFCD880}" destId="{6B09F810-FD4D-47E3-87E5-39C47C9912B3}" srcOrd="0" destOrd="2" presId="urn:microsoft.com/office/officeart/2005/8/layout/hList1"/>
+    <dgm:cxn modelId="{FED99F71-9EEB-4636-852D-EED94DAF2E95}" srcId="{58EFBA93-8468-4A2D-BED2-63BF539B0542}" destId="{D581EA26-CF65-4CF6-B4FF-BE3D5F53B6DB}" srcOrd="0" destOrd="0" parTransId="{FA624D80-320B-4D18-AE79-C8D5B1C802C6}" sibTransId="{D4B57FF8-CE96-4B97-9F0B-82308968B7A6}"/>
+    <dgm:cxn modelId="{D1FF28B5-A540-47B9-84D1-7C13B410130E}" type="presOf" srcId="{AB44A337-FEB0-4AE8-82AB-5FF9C02FD74D}" destId="{A1EE6C7B-74CE-4E70-A831-0ACB9ABC9D69}" srcOrd="0" destOrd="0" presId="urn:microsoft.com/office/officeart/2005/8/layout/hList1"/>
+    <dgm:cxn modelId="{50358941-B123-4782-8938-6731B2E7A74D}" type="presOf" srcId="{3EF7E431-02C1-4454-8071-A59A4211CD7A}" destId="{6B09F810-FD4D-47E3-87E5-39C47C9912B3}" srcOrd="0" destOrd="5" presId="urn:microsoft.com/office/officeart/2005/8/layout/hList1"/>
+    <dgm:cxn modelId="{BD435C3E-8E7D-4AA3-930E-4B9A16A4377B}" type="presOf" srcId="{37203E41-B2E0-421B-8164-C09B76FAC685}" destId="{5E302172-FE02-4FE2-B4DE-C26D0D67F068}" srcOrd="0" destOrd="0" presId="urn:microsoft.com/office/officeart/2005/8/layout/hList1"/>
+    <dgm:cxn modelId="{B451A67D-808F-40A6-9157-8B5452BEF651}" type="presOf" srcId="{2C197D2D-803D-466D-AB0F-C68F4258475B}" destId="{F7C87837-AAB1-4F21-9E1F-5D4716418B23}" srcOrd="0" destOrd="0" presId="urn:microsoft.com/office/officeart/2005/8/layout/hList1"/>
+    <dgm:cxn modelId="{1AE49D89-1304-44E2-8FFE-2EE57DCC2D72}" srcId="{58EFBA93-8468-4A2D-BED2-63BF539B0542}" destId="{E54338FA-B881-4008-BA7A-4179ABFCD880}" srcOrd="2" destOrd="0" parTransId="{123EBEAA-0421-4A4F-BB16-C160841EB588}" sibTransId="{2891ABF9-2355-4F55-AB5E-BB20348FF3A3}"/>
+    <dgm:cxn modelId="{656E03AA-0A51-483A-A593-5770A9D5017B}" srcId="{AB44A337-FEB0-4AE8-82AB-5FF9C02FD74D}" destId="{12F917DB-8FA1-4D31-8996-C00CDC1F60FB}" srcOrd="1" destOrd="0" parTransId="{BD31AD61-3A63-44D4-8BCA-037F25D9C9AA}" sibTransId="{FB419318-9916-4931-B215-BC2A31695675}"/>
+    <dgm:cxn modelId="{8FA829B2-FCA5-4604-BC8E-13D7CE745A4D}" type="presOf" srcId="{757B9308-1459-4629-AF0C-966B09D516FC}" destId="{6B09F810-FD4D-47E3-87E5-39C47C9912B3}" srcOrd="0" destOrd="3" presId="urn:microsoft.com/office/officeart/2005/8/layout/hList1"/>
+    <dgm:cxn modelId="{7AFF428F-28DF-43AE-8815-1159BBBA722D}" srcId="{12F917DB-8FA1-4D31-8996-C00CDC1F60FB}" destId="{4C34DBBD-1F5C-4C85-AC98-9775D4C00AAA}" srcOrd="1" destOrd="0" parTransId="{3E600524-FAB7-495A-A1EE-219BA0983ECA}" sibTransId="{CEFD4EBF-A645-4AAA-92B7-73F4DB73775A}"/>
+    <dgm:cxn modelId="{DC948573-7888-4706-AAFE-621791E15788}" type="presOf" srcId="{58EFBA93-8468-4A2D-BED2-63BF539B0542}" destId="{B81DBDE9-7BDE-461D-9FCA-6AA1A53F3A69}" srcOrd="0" destOrd="0" presId="urn:microsoft.com/office/officeart/2005/8/layout/hList1"/>
+    <dgm:cxn modelId="{33F04549-7226-4AD8-8D08-1EFCDD370195}" srcId="{AB44A337-FEB0-4AE8-82AB-5FF9C02FD74D}" destId="{58EFBA93-8468-4A2D-BED2-63BF539B0542}" srcOrd="0" destOrd="0" parTransId="{ED5AE595-505D-43B7-9CB3-D65CC624B910}" sibTransId="{E3C42EA2-3471-415B-966A-9A3089AB9066}"/>
+    <dgm:cxn modelId="{5366FDAF-BFC7-4BE7-9E05-04759F6800AA}" srcId="{AB44A337-FEB0-4AE8-82AB-5FF9C02FD74D}" destId="{2C197D2D-803D-466D-AB0F-C68F4258475B}" srcOrd="2" destOrd="0" parTransId="{0307BF4D-2B3F-4AA7-A778-744AEF4A72B6}" sibTransId="{620C5C2A-7A65-40C6-99FE-AA6EB95D33EB}"/>
+    <dgm:cxn modelId="{F8FF7C18-5EB6-473C-AEA2-7D92C732B221}" type="presOf" srcId="{75D9A0B8-CB80-4245-A44B-BB6EF3113644}" destId="{1E285AB9-ECA4-4EEF-AB8D-896D7CA18A90}" srcOrd="0" destOrd="1" presId="urn:microsoft.com/office/officeart/2005/8/layout/hList1"/>
+    <dgm:cxn modelId="{E9E7E074-A2C8-480C-A695-38AD315CB395}" type="presOf" srcId="{4C34DBBD-1F5C-4C85-AC98-9775D4C00AAA}" destId="{5E302172-FE02-4FE2-B4DE-C26D0D67F068}" srcOrd="0" destOrd="1" presId="urn:microsoft.com/office/officeart/2005/8/layout/hList1"/>
+    <dgm:cxn modelId="{A299A909-9E9C-4165-8102-9FE23917E15C}" srcId="{2C197D2D-803D-466D-AB0F-C68F4258475B}" destId="{C468C290-9EAA-47B4-86FF-8EB7F279C9BA}" srcOrd="1" destOrd="0" parTransId="{4E507F8A-C1A6-43DC-B589-A948BEE5489E}" sibTransId="{B5479399-6796-4752-9B00-E2D6EBCC79EE}"/>
+    <dgm:cxn modelId="{7DC3AE75-E398-4423-858B-C70D30C50174}" type="presOf" srcId="{12F917DB-8FA1-4D31-8996-C00CDC1F60FB}" destId="{26BF4887-A64A-40CE-A00B-487524EC5167}" srcOrd="0" destOrd="0" presId="urn:microsoft.com/office/officeart/2005/8/layout/hList1"/>
+    <dgm:cxn modelId="{2322A090-EA98-4AB2-8D2F-DBBBFD5CF960}" type="presOf" srcId="{F6698F96-7ADF-483A-BAF7-913D2259AF02}" destId="{6B09F810-FD4D-47E3-87E5-39C47C9912B3}" srcOrd="0" destOrd="4" presId="urn:microsoft.com/office/officeart/2005/8/layout/hList1"/>
+    <dgm:cxn modelId="{4289988A-6BCF-4A51-9589-DFCE17543665}" srcId="{2C197D2D-803D-466D-AB0F-C68F4258475B}" destId="{3F9EF1EA-054D-49EE-8696-F968411FBDEA}" srcOrd="0" destOrd="0" parTransId="{9F51A2D8-72DF-4400-8DE2-87AEF8A34FC9}" sibTransId="{29D9ADC2-A74A-4CE2-A626-9E1B1C18F67A}"/>
+    <dgm:cxn modelId="{B941E0E8-DE9B-4A15-8F9E-9A9441D2FD31}" srcId="{58EFBA93-8468-4A2D-BED2-63BF539B0542}" destId="{3EF7E431-02C1-4454-8071-A59A4211CD7A}" srcOrd="5" destOrd="0" parTransId="{183DCBE1-5989-4E59-9122-1E12293BB711}" sibTransId="{0B0F1007-D9D8-4BD5-B84D-ABDC1015BCFE}"/>
+    <dgm:cxn modelId="{5505274D-08A0-44EF-A862-623B250BF834}" srcId="{58EFBA93-8468-4A2D-BED2-63BF539B0542}" destId="{757B9308-1459-4629-AF0C-966B09D516FC}" srcOrd="3" destOrd="0" parTransId="{AB2824AE-5D09-442C-B863-C610F936D518}" sibTransId="{AAEFB33F-A5EC-458D-961E-B1FA05DB0D45}"/>
+    <dgm:cxn modelId="{E073717B-AC96-499C-B14D-7223738BE9B4}" type="presOf" srcId="{B6EC2B33-6CA1-441D-AEB8-3C5FF384B53D}" destId="{6B09F810-FD4D-47E3-87E5-39C47C9912B3}" srcOrd="0" destOrd="1" presId="urn:microsoft.com/office/officeart/2005/8/layout/hList1"/>
+    <dgm:cxn modelId="{70CE7AD6-D78F-43D9-8243-338E20C6F07D}" type="presOf" srcId="{C468C290-9EAA-47B4-86FF-8EB7F279C9BA}" destId="{1E285AB9-ECA4-4EEF-AB8D-896D7CA18A90}" srcOrd="0" destOrd="3" presId="urn:microsoft.com/office/officeart/2005/8/layout/hList1"/>
+    <dgm:cxn modelId="{C835DCDF-E823-46C7-9827-8C7950A0FF0B}" srcId="{3F9EF1EA-054D-49EE-8696-F968411FBDEA}" destId="{75D9A0B8-CB80-4245-A44B-BB6EF3113644}" srcOrd="0" destOrd="0" parTransId="{45D00741-C5CD-4A6C-AB28-EAF6A0F85F0A}" sibTransId="{7A614598-67DC-43EA-AF54-44370366B1B4}"/>
+    <dgm:cxn modelId="{8AD43404-E237-4FD9-A6C6-5966CE08C67F}" srcId="{12F917DB-8FA1-4D31-8996-C00CDC1F60FB}" destId="{37203E41-B2E0-421B-8164-C09B76FAC685}" srcOrd="0" destOrd="0" parTransId="{72C5B154-06C8-4CF7-A690-4FB8FA7BCD55}" sibTransId="{8A234DC6-2D35-47B7-B4D4-5C3E0D32D208}"/>
+    <dgm:cxn modelId="{80FC6FB9-E15B-47C4-AAE3-A624EB3D4246}" type="presOf" srcId="{D581EA26-CF65-4CF6-B4FF-BE3D5F53B6DB}" destId="{6B09F810-FD4D-47E3-87E5-39C47C9912B3}" srcOrd="0" destOrd="0" presId="urn:microsoft.com/office/officeart/2005/8/layout/hList1"/>
+    <dgm:cxn modelId="{91E72E69-1C80-48B8-899B-A2A1EEF34B70}" srcId="{58EFBA93-8468-4A2D-BED2-63BF539B0542}" destId="{F6698F96-7ADF-483A-BAF7-913D2259AF02}" srcOrd="4" destOrd="0" parTransId="{3D1C5066-91C2-48E0-9E5D-4D898255AEC1}" sibTransId="{5836481D-FB5D-4EDF-9F6C-942EBFFA8333}"/>
+    <dgm:cxn modelId="{DAEFF341-D192-4C8D-9512-5BC3612C58F4}" type="presOf" srcId="{3F9EF1EA-054D-49EE-8696-F968411FBDEA}" destId="{1E285AB9-ECA4-4EEF-AB8D-896D7CA18A90}" srcOrd="0" destOrd="0" presId="urn:microsoft.com/office/officeart/2005/8/layout/hList1"/>
+    <dgm:cxn modelId="{8C8FDB1C-6D11-4FE6-9B40-CF47FE74C432}" type="presParOf" srcId="{A1EE6C7B-74CE-4E70-A831-0ACB9ABC9D69}" destId="{69536E63-079F-4151-B331-9C98663BB73E}" srcOrd="0" destOrd="0" presId="urn:microsoft.com/office/officeart/2005/8/layout/hList1"/>
+    <dgm:cxn modelId="{0344C940-C69B-4258-99D9-0088A32A3424}" type="presParOf" srcId="{69536E63-079F-4151-B331-9C98663BB73E}" destId="{B81DBDE9-7BDE-461D-9FCA-6AA1A53F3A69}" srcOrd="0" destOrd="0" presId="urn:microsoft.com/office/officeart/2005/8/layout/hList1"/>
+    <dgm:cxn modelId="{4C2D1753-5C6E-4D27-B74C-BCF67AD87304}" type="presParOf" srcId="{69536E63-079F-4151-B331-9C98663BB73E}" destId="{6B09F810-FD4D-47E3-87E5-39C47C9912B3}" srcOrd="1" destOrd="0" presId="urn:microsoft.com/office/officeart/2005/8/layout/hList1"/>
+    <dgm:cxn modelId="{4994754C-B51C-48C0-81C7-A825C20A1784}" type="presParOf" srcId="{A1EE6C7B-74CE-4E70-A831-0ACB9ABC9D69}" destId="{6A301C48-BDA6-4771-A326-943F34F42DF8}" srcOrd="1" destOrd="0" presId="urn:microsoft.com/office/officeart/2005/8/layout/hList1"/>
+    <dgm:cxn modelId="{ED9BCC14-6281-48B2-96F3-E49B1E69B2D8}" type="presParOf" srcId="{A1EE6C7B-74CE-4E70-A831-0ACB9ABC9D69}" destId="{A0C8F345-2AA4-49F7-8215-7851BB492676}" srcOrd="2" destOrd="0" presId="urn:microsoft.com/office/officeart/2005/8/layout/hList1"/>
+    <dgm:cxn modelId="{1FC4188F-A492-4BE6-B85B-128124E6051F}" type="presParOf" srcId="{A0C8F345-2AA4-49F7-8215-7851BB492676}" destId="{26BF4887-A64A-40CE-A00B-487524EC5167}" srcOrd="0" destOrd="0" presId="urn:microsoft.com/office/officeart/2005/8/layout/hList1"/>
+    <dgm:cxn modelId="{E615F589-9FF8-46A4-8D9D-F4F7C499D2DE}" type="presParOf" srcId="{A0C8F345-2AA4-49F7-8215-7851BB492676}" destId="{5E302172-FE02-4FE2-B4DE-C26D0D67F068}" srcOrd="1" destOrd="0" presId="urn:microsoft.com/office/officeart/2005/8/layout/hList1"/>
+    <dgm:cxn modelId="{001D8D97-CED2-4A46-A015-05128441DEF3}" type="presParOf" srcId="{A1EE6C7B-74CE-4E70-A831-0ACB9ABC9D69}" destId="{54D32869-0E6C-40EF-9246-5570C45CFB05}" srcOrd="3" destOrd="0" presId="urn:microsoft.com/office/officeart/2005/8/layout/hList1"/>
+    <dgm:cxn modelId="{7593158C-08A1-4657-9018-74864EA79225}" type="presParOf" srcId="{A1EE6C7B-74CE-4E70-A831-0ACB9ABC9D69}" destId="{4483A573-AF40-499E-8F76-56C465B3CB46}" srcOrd="4" destOrd="0" presId="urn:microsoft.com/office/officeart/2005/8/layout/hList1"/>
+    <dgm:cxn modelId="{47E1AEE4-1F5D-4DD3-9D76-4D8CAF168102}" type="presParOf" srcId="{4483A573-AF40-499E-8F76-56C465B3CB46}" destId="{F7C87837-AAB1-4F21-9E1F-5D4716418B23}" srcOrd="0" destOrd="0" presId="urn:microsoft.com/office/officeart/2005/8/layout/hList1"/>
+    <dgm:cxn modelId="{156A7756-A40B-46AC-9376-C0C7A1B632BA}" type="presParOf" srcId="{4483A573-AF40-499E-8F76-56C465B3CB46}" destId="{1E285AB9-ECA4-4EEF-AB8D-896D7CA18A90}" srcOrd="1" destOrd="0" presId="urn:microsoft.com/office/officeart/2005/8/layout/hList1"/>
+  </dgm:cxnLst>
+  <dgm:bg/>
+  <dgm:whole/>
+  <dgm:extLst>
+    <a:ext uri="http://schemas.microsoft.com/office/drawing/2008/diagram">
+      <dsp:dataModelExt xmlns:dsp="http://schemas.microsoft.com/office/drawing/2008/diagram" relId="rId7" minVer="http://schemas.openxmlformats.org/drawingml/2006/diagram"/>
+    </a:ext>
+  </dgm:extLst>
+</dgm:dataModel>
+</file>
+
+<file path=ppt/diagrams/drawing1.xml><?xml version="1.0" encoding="utf-8"?>
+<dsp:drawing xmlns:dgm="http://schemas.openxmlformats.org/drawingml/2006/diagram" xmlns:dsp="http://schemas.microsoft.com/office/drawing/2008/diagram" xmlns:a="http://schemas.openxmlformats.org/drawingml/2006/main">
+  <dsp:spTree>
+    <dsp:nvGrpSpPr>
+      <dsp:cNvPr id="0" name=""/>
+      <dsp:cNvGrpSpPr/>
+    </dsp:nvGrpSpPr>
+    <dsp:grpSpPr/>
+    <dsp:sp modelId="{B81DBDE9-7BDE-461D-9FCA-6AA1A53F3A69}">
+      <dsp:nvSpPr>
+        <dsp:cNvPr id="0" name=""/>
+        <dsp:cNvSpPr/>
+      </dsp:nvSpPr>
+      <dsp:spPr>
+        <a:xfrm>
+          <a:off x="3143" y="41924"/>
+          <a:ext cx="3064668" cy="604800"/>
+        </a:xfrm>
+        <a:prstGeom prst="rect">
+          <a:avLst/>
+        </a:prstGeom>
+        <a:solidFill>
+          <a:schemeClr val="accent1">
+            <a:hueOff val="0"/>
+            <a:satOff val="0"/>
+            <a:lumOff val="0"/>
+            <a:alphaOff val="0"/>
+          </a:schemeClr>
+        </a:solidFill>
+        <a:ln w="15875" cap="flat" cmpd="sng" algn="ctr">
+          <a:solidFill>
+            <a:schemeClr val="accent1">
+              <a:hueOff val="0"/>
+              <a:satOff val="0"/>
+              <a:lumOff val="0"/>
+              <a:alphaOff val="0"/>
+            </a:schemeClr>
+          </a:solidFill>
+          <a:prstDash val="solid"/>
+        </a:ln>
+        <a:effectLst/>
+      </dsp:spPr>
+      <dsp:style>
+        <a:lnRef idx="2">
+          <a:scrgbClr r="0" g="0" b="0"/>
+        </a:lnRef>
+        <a:fillRef idx="1">
+          <a:scrgbClr r="0" g="0" b="0"/>
+        </a:fillRef>
+        <a:effectRef idx="0">
+          <a:scrgbClr r="0" g="0" b="0"/>
+        </a:effectRef>
+        <a:fontRef idx="minor">
+          <a:schemeClr val="lt1"/>
+        </a:fontRef>
+      </dsp:style>
+      <dsp:txBody>
+        <a:bodyPr spcFirstLastPara="0" vert="horz" wrap="square" lIns="149352" tIns="85344" rIns="149352" bIns="85344" numCol="1" spcCol="1270" anchor="ctr" anchorCtr="0">
+          <a:noAutofit/>
+        </a:bodyPr>
+        <a:lstStyle/>
+        <a:p>
+          <a:pPr lvl="0" algn="ctr" defTabSz="933450">
+            <a:lnSpc>
+              <a:spcPct val="90000"/>
+            </a:lnSpc>
+            <a:spcBef>
+              <a:spcPct val="0"/>
+            </a:spcBef>
+            <a:spcAft>
+              <a:spcPct val="35000"/>
+            </a:spcAft>
+          </a:pPr>
+          <a:r>
+            <a:rPr kumimoji="1" lang="ja-JP" altLang="en-US" sz="2100" kern="1200" smtClean="0"/>
+            <a:t>お店</a:t>
+          </a:r>
+          <a:endParaRPr kumimoji="1" lang="ja-JP" altLang="en-US" sz="2100" kern="1200"/>
+        </a:p>
+      </dsp:txBody>
+      <dsp:txXfrm>
+        <a:off x="3143" y="41924"/>
+        <a:ext cx="3064668" cy="604800"/>
+      </dsp:txXfrm>
+    </dsp:sp>
+    <dsp:sp modelId="{6B09F810-FD4D-47E3-87E5-39C47C9912B3}">
+      <dsp:nvSpPr>
+        <dsp:cNvPr id="0" name=""/>
+        <dsp:cNvSpPr/>
+      </dsp:nvSpPr>
+      <dsp:spPr>
+        <a:xfrm>
+          <a:off x="3143" y="646724"/>
+          <a:ext cx="3064668" cy="3914455"/>
+        </a:xfrm>
+        <a:prstGeom prst="rect">
+          <a:avLst/>
+        </a:prstGeom>
+        <a:solidFill>
+          <a:schemeClr val="accent1">
+            <a:alpha val="90000"/>
+            <a:tint val="40000"/>
+            <a:hueOff val="0"/>
+            <a:satOff val="0"/>
+            <a:lumOff val="0"/>
+            <a:alphaOff val="0"/>
+          </a:schemeClr>
+        </a:solidFill>
+        <a:ln w="15875" cap="flat" cmpd="sng" algn="ctr">
+          <a:solidFill>
+            <a:schemeClr val="accent1">
+              <a:alpha val="90000"/>
+              <a:tint val="40000"/>
+              <a:hueOff val="0"/>
+              <a:satOff val="0"/>
+              <a:lumOff val="0"/>
+              <a:alphaOff val="0"/>
+            </a:schemeClr>
+          </a:solidFill>
+          <a:prstDash val="solid"/>
+        </a:ln>
+        <a:effectLst/>
+      </dsp:spPr>
+      <dsp:style>
+        <a:lnRef idx="2">
+          <a:scrgbClr r="0" g="0" b="0"/>
+        </a:lnRef>
+        <a:fillRef idx="1">
+          <a:scrgbClr r="0" g="0" b="0"/>
+        </a:fillRef>
+        <a:effectRef idx="0">
+          <a:scrgbClr r="0" g="0" b="0"/>
+        </a:effectRef>
+        <a:fontRef idx="minor"/>
+      </dsp:style>
+      <dsp:txBody>
+        <a:bodyPr spcFirstLastPara="0" vert="horz" wrap="square" lIns="112014" tIns="112014" rIns="149352" bIns="168021" numCol="1" spcCol="1270" anchor="t" anchorCtr="0">
+          <a:noAutofit/>
+        </a:bodyPr>
+        <a:lstStyle/>
+        <a:p>
+          <a:pPr marL="228600" lvl="1" indent="-228600" algn="l" defTabSz="933450">
+            <a:lnSpc>
+              <a:spcPct val="90000"/>
+            </a:lnSpc>
+            <a:spcBef>
+              <a:spcPct val="0"/>
+            </a:spcBef>
+            <a:spcAft>
+              <a:spcPct val="15000"/>
+            </a:spcAft>
+            <a:buChar char="••"/>
+          </a:pPr>
+          <a:r>
+            <a:rPr lang="ja-JP" altLang="en-US" sz="2100" kern="1200" smtClean="0"/>
+            <a:t>人件費の節約</a:t>
+          </a:r>
+          <a:endParaRPr kumimoji="1" lang="ja-JP" altLang="en-US" sz="2100" kern="1200"/>
+        </a:p>
+        <a:p>
+          <a:pPr marL="228600" lvl="1" indent="-228600" algn="l" defTabSz="933450">
+            <a:lnSpc>
+              <a:spcPct val="90000"/>
+            </a:lnSpc>
+            <a:spcBef>
+              <a:spcPct val="0"/>
+            </a:spcBef>
+            <a:spcAft>
+              <a:spcPct val="15000"/>
+            </a:spcAft>
+            <a:buChar char="••"/>
+          </a:pPr>
+          <a:r>
+            <a:rPr lang="ja-JP" altLang="en-US" sz="2100" kern="1200" smtClean="0"/>
+            <a:t>レジ本体代の節約</a:t>
+          </a:r>
+          <a:endParaRPr lang="en-US" altLang="ja-JP" sz="2100" kern="1200"/>
+        </a:p>
+        <a:p>
+          <a:pPr marL="228600" lvl="1" indent="-228600" algn="l" defTabSz="933450">
+            <a:lnSpc>
+              <a:spcPct val="90000"/>
+            </a:lnSpc>
+            <a:spcBef>
+              <a:spcPct val="0"/>
+            </a:spcBef>
+            <a:spcAft>
+              <a:spcPct val="15000"/>
+            </a:spcAft>
+            <a:buChar char="••"/>
+          </a:pPr>
+          <a:r>
+            <a:rPr lang="ja-JP" altLang="en-US" sz="2100" kern="1200" spc="-150" smtClean="0"/>
+            <a:t>客層</a:t>
+          </a:r>
+          <a:r>
+            <a:rPr lang="ja-JP" altLang="en-US" sz="2100" kern="1200" smtClean="0"/>
+            <a:t>や買った</a:t>
+          </a:r>
+          <a:r>
+            <a:rPr lang="ja-JP" altLang="en-US" sz="2100" kern="1200" spc="-150" smtClean="0"/>
+            <a:t>商品</a:t>
+          </a:r>
+          <a:r>
+            <a:rPr lang="ja-JP" altLang="en-US" sz="2100" kern="1200" smtClean="0"/>
+            <a:t>などの</a:t>
+          </a:r>
+          <a:r>
+            <a:rPr lang="ja-JP" altLang="en-US" sz="2100" kern="1200" spc="-150" smtClean="0"/>
+            <a:t>情報収集</a:t>
+          </a:r>
+          <a:endParaRPr lang="en-US" altLang="ja-JP" sz="2100" kern="1200" spc="-150"/>
+        </a:p>
+        <a:p>
+          <a:pPr marL="228600" lvl="1" indent="-228600" algn="l" defTabSz="933450">
+            <a:lnSpc>
+              <a:spcPct val="90000"/>
+            </a:lnSpc>
+            <a:spcBef>
+              <a:spcPct val="0"/>
+            </a:spcBef>
+            <a:spcAft>
+              <a:spcPct val="15000"/>
+            </a:spcAft>
+            <a:buChar char="••"/>
+          </a:pPr>
+          <a:r>
+            <a:rPr lang="ja-JP" altLang="en-US" sz="2100" kern="1200" smtClean="0"/>
+            <a:t>回転率が上がる</a:t>
+          </a:r>
+          <a:endParaRPr lang="en-US" altLang="ja-JP" sz="2100" kern="1200"/>
+        </a:p>
+        <a:p>
+          <a:pPr marL="228600" lvl="1" indent="-228600" algn="l" defTabSz="933450">
+            <a:lnSpc>
+              <a:spcPct val="90000"/>
+            </a:lnSpc>
+            <a:spcBef>
+              <a:spcPct val="0"/>
+            </a:spcBef>
+            <a:spcAft>
+              <a:spcPct val="15000"/>
+            </a:spcAft>
+            <a:buChar char="••"/>
+          </a:pPr>
+          <a:r>
+            <a:rPr lang="ja-JP" altLang="en-US" sz="2100" kern="1200" smtClean="0"/>
+            <a:t>店のスペースを有効活用できる</a:t>
+          </a:r>
+          <a:endParaRPr lang="en-US" altLang="ja-JP" sz="2100" kern="1200"/>
+        </a:p>
+        <a:p>
+          <a:pPr marL="228600" lvl="1" indent="-228600" algn="l" defTabSz="933450">
+            <a:lnSpc>
+              <a:spcPct val="90000"/>
+            </a:lnSpc>
+            <a:spcBef>
+              <a:spcPct val="0"/>
+            </a:spcBef>
+            <a:spcAft>
+              <a:spcPct val="15000"/>
+            </a:spcAft>
+            <a:buChar char="••"/>
+          </a:pPr>
+          <a:r>
+            <a:rPr lang="ja-JP" altLang="en-US" sz="2100" kern="1200" smtClean="0"/>
+            <a:t>初期投資が少なく済む</a:t>
+          </a:r>
+          <a:endParaRPr lang="ja-JP" altLang="en-US" sz="2100" kern="1200" dirty="0"/>
+        </a:p>
+      </dsp:txBody>
+      <dsp:txXfrm>
+        <a:off x="3143" y="646724"/>
+        <a:ext cx="3064668" cy="3914455"/>
+      </dsp:txXfrm>
+    </dsp:sp>
+    <dsp:sp modelId="{26BF4887-A64A-40CE-A00B-487524EC5167}">
+      <dsp:nvSpPr>
+        <dsp:cNvPr id="0" name=""/>
+        <dsp:cNvSpPr/>
+      </dsp:nvSpPr>
+      <dsp:spPr>
+        <a:xfrm>
+          <a:off x="3496865" y="41924"/>
+          <a:ext cx="3064668" cy="604800"/>
+        </a:xfrm>
+        <a:prstGeom prst="rect">
+          <a:avLst/>
+        </a:prstGeom>
+        <a:solidFill>
+          <a:schemeClr val="accent1">
+            <a:hueOff val="0"/>
+            <a:satOff val="0"/>
+            <a:lumOff val="0"/>
+            <a:alphaOff val="0"/>
+          </a:schemeClr>
+        </a:solidFill>
+        <a:ln w="15875" cap="flat" cmpd="sng" algn="ctr">
+          <a:solidFill>
+            <a:schemeClr val="accent1">
+              <a:hueOff val="0"/>
+              <a:satOff val="0"/>
+              <a:lumOff val="0"/>
+              <a:alphaOff val="0"/>
+            </a:schemeClr>
+          </a:solidFill>
+          <a:prstDash val="solid"/>
+        </a:ln>
+        <a:effectLst/>
+      </dsp:spPr>
+      <dsp:style>
+        <a:lnRef idx="2">
+          <a:scrgbClr r="0" g="0" b="0"/>
+        </a:lnRef>
+        <a:fillRef idx="1">
+          <a:scrgbClr r="0" g="0" b="0"/>
+        </a:fillRef>
+        <a:effectRef idx="0">
+          <a:scrgbClr r="0" g="0" b="0"/>
+        </a:effectRef>
+        <a:fontRef idx="minor">
+          <a:schemeClr val="lt1"/>
+        </a:fontRef>
+      </dsp:style>
+      <dsp:txBody>
+        <a:bodyPr spcFirstLastPara="0" vert="horz" wrap="square" lIns="149352" tIns="85344" rIns="149352" bIns="85344" numCol="1" spcCol="1270" anchor="ctr" anchorCtr="0">
+          <a:noAutofit/>
+        </a:bodyPr>
+        <a:lstStyle/>
+        <a:p>
+          <a:pPr lvl="0" algn="ctr" defTabSz="933450">
+            <a:lnSpc>
+              <a:spcPct val="90000"/>
+            </a:lnSpc>
+            <a:spcBef>
+              <a:spcPct val="0"/>
+            </a:spcBef>
+            <a:spcAft>
+              <a:spcPct val="35000"/>
+            </a:spcAft>
+          </a:pPr>
+          <a:r>
+            <a:rPr kumimoji="1" lang="ja-JP" altLang="en-US" sz="2100" kern="1200" smtClean="0"/>
+            <a:t>お客様</a:t>
+          </a:r>
+          <a:endParaRPr kumimoji="1" lang="ja-JP" altLang="en-US" sz="2100" kern="1200"/>
+        </a:p>
+      </dsp:txBody>
+      <dsp:txXfrm>
+        <a:off x="3496865" y="41924"/>
+        <a:ext cx="3064668" cy="604800"/>
+      </dsp:txXfrm>
+    </dsp:sp>
+    <dsp:sp modelId="{5E302172-FE02-4FE2-B4DE-C26D0D67F068}">
+      <dsp:nvSpPr>
+        <dsp:cNvPr id="0" name=""/>
+        <dsp:cNvSpPr/>
+      </dsp:nvSpPr>
+      <dsp:spPr>
+        <a:xfrm>
+          <a:off x="3496865" y="646724"/>
+          <a:ext cx="3064668" cy="3914455"/>
+        </a:xfrm>
+        <a:prstGeom prst="rect">
+          <a:avLst/>
+        </a:prstGeom>
+        <a:solidFill>
+          <a:schemeClr val="accent1">
+            <a:alpha val="90000"/>
+            <a:tint val="40000"/>
+            <a:hueOff val="0"/>
+            <a:satOff val="0"/>
+            <a:lumOff val="0"/>
+            <a:alphaOff val="0"/>
+          </a:schemeClr>
+        </a:solidFill>
+        <a:ln w="15875" cap="flat" cmpd="sng" algn="ctr">
+          <a:solidFill>
+            <a:schemeClr val="accent1">
+              <a:alpha val="90000"/>
+              <a:tint val="40000"/>
+              <a:hueOff val="0"/>
+              <a:satOff val="0"/>
+              <a:lumOff val="0"/>
+              <a:alphaOff val="0"/>
+            </a:schemeClr>
+          </a:solidFill>
+          <a:prstDash val="solid"/>
+        </a:ln>
+        <a:effectLst/>
+      </dsp:spPr>
+      <dsp:style>
+        <a:lnRef idx="2">
+          <a:scrgbClr r="0" g="0" b="0"/>
+        </a:lnRef>
+        <a:fillRef idx="1">
+          <a:scrgbClr r="0" g="0" b="0"/>
+        </a:fillRef>
+        <a:effectRef idx="0">
+          <a:scrgbClr r="0" g="0" b="0"/>
+        </a:effectRef>
+        <a:fontRef idx="minor"/>
+      </dsp:style>
+      <dsp:txBody>
+        <a:bodyPr spcFirstLastPara="0" vert="horz" wrap="square" lIns="112014" tIns="112014" rIns="149352" bIns="168021" numCol="1" spcCol="1270" anchor="t" anchorCtr="0">
+          <a:noAutofit/>
+        </a:bodyPr>
+        <a:lstStyle/>
+        <a:p>
+          <a:pPr marL="228600" lvl="1" indent="-228600" algn="l" defTabSz="933450">
+            <a:lnSpc>
+              <a:spcPct val="90000"/>
+            </a:lnSpc>
+            <a:spcBef>
+              <a:spcPct val="0"/>
+            </a:spcBef>
+            <a:spcAft>
+              <a:spcPct val="15000"/>
+            </a:spcAft>
+            <a:buChar char="••"/>
+          </a:pPr>
+          <a:r>
+            <a:rPr lang="ja-JP" altLang="en-US" sz="2100" kern="1200" smtClean="0"/>
+            <a:t>決済にかかる時間の短縮</a:t>
+          </a:r>
+          <a:endParaRPr kumimoji="1" lang="ja-JP" altLang="en-US" sz="2100" kern="1200"/>
+        </a:p>
+        <a:p>
+          <a:pPr marL="228600" lvl="1" indent="-228600" algn="l" defTabSz="933450">
+            <a:lnSpc>
+              <a:spcPct val="90000"/>
+            </a:lnSpc>
+            <a:spcBef>
+              <a:spcPct val="0"/>
+            </a:spcBef>
+            <a:spcAft>
+              <a:spcPct val="15000"/>
+            </a:spcAft>
+            <a:buChar char="••"/>
+          </a:pPr>
+          <a:r>
+            <a:rPr lang="ja-JP" altLang="en-US" sz="2100" kern="1200" smtClean="0"/>
+            <a:t>袋詰めの手間の削減</a:t>
+          </a:r>
+          <a:endParaRPr lang="en-US" altLang="ja-JP" sz="2100" kern="1200"/>
+        </a:p>
+      </dsp:txBody>
+      <dsp:txXfrm>
+        <a:off x="3496865" y="646724"/>
+        <a:ext cx="3064668" cy="3914455"/>
+      </dsp:txXfrm>
+    </dsp:sp>
+    <dsp:sp modelId="{F7C87837-AAB1-4F21-9E1F-5D4716418B23}">
+      <dsp:nvSpPr>
+        <dsp:cNvPr id="0" name=""/>
+        <dsp:cNvSpPr/>
+      </dsp:nvSpPr>
+      <dsp:spPr>
+        <a:xfrm>
+          <a:off x="6990588" y="41924"/>
+          <a:ext cx="3064668" cy="604800"/>
+        </a:xfrm>
+        <a:prstGeom prst="rect">
+          <a:avLst/>
+        </a:prstGeom>
+        <a:solidFill>
+          <a:schemeClr val="accent1">
+            <a:hueOff val="0"/>
+            <a:satOff val="0"/>
+            <a:lumOff val="0"/>
+            <a:alphaOff val="0"/>
+          </a:schemeClr>
+        </a:solidFill>
+        <a:ln w="15875" cap="flat" cmpd="sng" algn="ctr">
+          <a:solidFill>
+            <a:schemeClr val="accent1">
+              <a:hueOff val="0"/>
+              <a:satOff val="0"/>
+              <a:lumOff val="0"/>
+              <a:alphaOff val="0"/>
+            </a:schemeClr>
+          </a:solidFill>
+          <a:prstDash val="solid"/>
+        </a:ln>
+        <a:effectLst/>
+      </dsp:spPr>
+      <dsp:style>
+        <a:lnRef idx="2">
+          <a:scrgbClr r="0" g="0" b="0"/>
+        </a:lnRef>
+        <a:fillRef idx="1">
+          <a:scrgbClr r="0" g="0" b="0"/>
+        </a:fillRef>
+        <a:effectRef idx="0">
+          <a:scrgbClr r="0" g="0" b="0"/>
+        </a:effectRef>
+        <a:fontRef idx="minor">
+          <a:schemeClr val="lt1"/>
+        </a:fontRef>
+      </dsp:style>
+      <dsp:txBody>
+        <a:bodyPr spcFirstLastPara="0" vert="horz" wrap="square" lIns="149352" tIns="85344" rIns="149352" bIns="85344" numCol="1" spcCol="1270" anchor="ctr" anchorCtr="0">
+          <a:noAutofit/>
+        </a:bodyPr>
+        <a:lstStyle/>
+        <a:p>
+          <a:pPr lvl="0" algn="ctr" defTabSz="933450">
+            <a:lnSpc>
+              <a:spcPct val="90000"/>
+            </a:lnSpc>
+            <a:spcBef>
+              <a:spcPct val="0"/>
+            </a:spcBef>
+            <a:spcAft>
+              <a:spcPct val="35000"/>
+            </a:spcAft>
+          </a:pPr>
+          <a:r>
+            <a:rPr kumimoji="1" lang="ja-JP" altLang="en-US" sz="2100" kern="1200" smtClean="0"/>
+            <a:t>製作側</a:t>
+          </a:r>
+          <a:endParaRPr kumimoji="1" lang="ja-JP" altLang="en-US" sz="2100" kern="1200"/>
+        </a:p>
+      </dsp:txBody>
+      <dsp:txXfrm>
+        <a:off x="6990588" y="41924"/>
+        <a:ext cx="3064668" cy="604800"/>
+      </dsp:txXfrm>
+    </dsp:sp>
+    <dsp:sp modelId="{1E285AB9-ECA4-4EEF-AB8D-896D7CA18A90}">
+      <dsp:nvSpPr>
+        <dsp:cNvPr id="0" name=""/>
+        <dsp:cNvSpPr/>
+      </dsp:nvSpPr>
+      <dsp:spPr>
+        <a:xfrm>
+          <a:off x="6990588" y="646724"/>
+          <a:ext cx="3064668" cy="3914455"/>
+        </a:xfrm>
+        <a:prstGeom prst="rect">
+          <a:avLst/>
+        </a:prstGeom>
+        <a:solidFill>
+          <a:schemeClr val="accent1">
+            <a:alpha val="90000"/>
+            <a:tint val="40000"/>
+            <a:hueOff val="0"/>
+            <a:satOff val="0"/>
+            <a:lumOff val="0"/>
+            <a:alphaOff val="0"/>
+          </a:schemeClr>
+        </a:solidFill>
+        <a:ln w="15875" cap="flat" cmpd="sng" algn="ctr">
+          <a:solidFill>
+            <a:schemeClr val="accent1">
+              <a:alpha val="90000"/>
+              <a:tint val="40000"/>
+              <a:hueOff val="0"/>
+              <a:satOff val="0"/>
+              <a:lumOff val="0"/>
+              <a:alphaOff val="0"/>
+            </a:schemeClr>
+          </a:solidFill>
+          <a:prstDash val="solid"/>
+        </a:ln>
+        <a:effectLst/>
+      </dsp:spPr>
+      <dsp:style>
+        <a:lnRef idx="2">
+          <a:scrgbClr r="0" g="0" b="0"/>
+        </a:lnRef>
+        <a:fillRef idx="1">
+          <a:scrgbClr r="0" g="0" b="0"/>
+        </a:fillRef>
+        <a:effectRef idx="0">
+          <a:scrgbClr r="0" g="0" b="0"/>
+        </a:effectRef>
+        <a:fontRef idx="minor"/>
+      </dsp:style>
+      <dsp:txBody>
+        <a:bodyPr spcFirstLastPara="0" vert="horz" wrap="square" lIns="112014" tIns="112014" rIns="149352" bIns="168021" numCol="1" spcCol="1270" anchor="t" anchorCtr="0">
+          <a:noAutofit/>
+        </a:bodyPr>
+        <a:lstStyle/>
+        <a:p>
+          <a:pPr marL="228600" lvl="1" indent="-228600" algn="l" defTabSz="933450">
+            <a:lnSpc>
+              <a:spcPct val="90000"/>
+            </a:lnSpc>
+            <a:spcBef>
+              <a:spcPct val="0"/>
+            </a:spcBef>
+            <a:spcAft>
+              <a:spcPct val="15000"/>
+            </a:spcAft>
+            <a:buChar char="••"/>
+          </a:pPr>
+          <a:r>
+            <a:rPr lang="ja-JP" altLang="en-US" sz="2100" kern="1200" smtClean="0"/>
+            <a:t>カメラを使用するため、運用していく上での改良が安易</a:t>
+          </a:r>
+          <a:endParaRPr kumimoji="1" lang="ja-JP" altLang="en-US" sz="2100" kern="1200"/>
+        </a:p>
+        <a:p>
+          <a:pPr marL="457200" lvl="2" indent="-228600" algn="l" defTabSz="933450">
+            <a:lnSpc>
+              <a:spcPct val="90000"/>
+            </a:lnSpc>
+            <a:spcBef>
+              <a:spcPct val="0"/>
+            </a:spcBef>
+            <a:spcAft>
+              <a:spcPct val="15000"/>
+            </a:spcAft>
+            <a:buChar char="••"/>
+          </a:pPr>
+          <a:r>
+            <a:rPr lang="ja-JP" altLang="en-US" sz="2100" kern="1200" smtClean="0"/>
+            <a:t>バーコードだけでなく画像認識に対応等</a:t>
+          </a:r>
+          <a:endParaRPr lang="en-US" altLang="ja-JP" sz="2100" kern="1200"/>
+        </a:p>
+        <a:p>
+          <a:pPr marL="457200" lvl="2" indent="-228600" algn="l" defTabSz="933450">
+            <a:lnSpc>
+              <a:spcPct val="90000"/>
+            </a:lnSpc>
+            <a:spcBef>
+              <a:spcPct val="0"/>
+            </a:spcBef>
+            <a:spcAft>
+              <a:spcPct val="15000"/>
+            </a:spcAft>
+            <a:buChar char="••"/>
+          </a:pPr>
+          <a:r>
+            <a:rPr lang="ja-JP" altLang="en-US" sz="2100" kern="1200" smtClean="0"/>
+            <a:t>画像ＤＢが改良され続け、精度が上がっていく</a:t>
+          </a:r>
+          <a:endParaRPr lang="en-US" altLang="ja-JP" sz="2100" kern="1200"/>
+        </a:p>
+        <a:p>
+          <a:pPr marL="228600" lvl="1" indent="-228600" algn="l" defTabSz="933450">
+            <a:lnSpc>
+              <a:spcPct val="90000"/>
+            </a:lnSpc>
+            <a:spcBef>
+              <a:spcPct val="0"/>
+            </a:spcBef>
+            <a:spcAft>
+              <a:spcPct val="15000"/>
+            </a:spcAft>
+            <a:buChar char="••"/>
+          </a:pPr>
+          <a:r>
+            <a:rPr lang="ja-JP" altLang="en-US" sz="2100" kern="1200" smtClean="0"/>
+            <a:t>キャッシュレス決済と組み合わせることにより運用・保守が簡単</a:t>
+          </a:r>
+          <a:endParaRPr lang="en-US" altLang="ja-JP" sz="2100" kern="1200" dirty="0"/>
+        </a:p>
+      </dsp:txBody>
+      <dsp:txXfrm>
+        <a:off x="6990588" y="646724"/>
+        <a:ext cx="3064668" cy="3914455"/>
+      </dsp:txXfrm>
+    </dsp:sp>
+  </dsp:spTree>
+</dsp:drawing>
+</file>
+
+<file path=ppt/diagrams/layout1.xml><?xml version="1.0" encoding="utf-8"?>
+<dgm:layoutDef xmlns:dgm="http://schemas.openxmlformats.org/drawingml/2006/diagram" xmlns:a="http://schemas.openxmlformats.org/drawingml/2006/main" uniqueId="urn:microsoft.com/office/officeart/2005/8/layout/hList1">
+  <dgm:title val=""/>
+  <dgm:desc val=""/>
+  <dgm:catLst>
+    <dgm:cat type="list" pri="5000"/>
+    <dgm:cat type="convert" pri="5000"/>
+  </dgm:catLst>
+  <dgm:sampData>
+    <dgm:dataModel>
+      <dgm:ptLst>
+        <dgm:pt modelId="0" type="doc"/>
+        <dgm:pt modelId="1">
+          <dgm:prSet phldr="1"/>
+        </dgm:pt>
+        <dgm:pt modelId="11">
+          <dgm:prSet phldr="1"/>
+        </dgm:pt>
+        <dgm:pt modelId="12">
+          <dgm:prSet phldr="1"/>
+        </dgm:pt>
+        <dgm:pt modelId="2">
+          <dgm:prSet phldr="1"/>
+        </dgm:pt>
+        <dgm:pt modelId="21">
+          <dgm:prSet phldr="1"/>
+        </dgm:pt>
+        <dgm:pt modelId="22">
+          <dgm:prSet phldr="1"/>
+        </dgm:pt>
+        <dgm:pt modelId="3">
+          <dgm:prSet phldr="1"/>
+        </dgm:pt>
+        <dgm:pt modelId="31">
+          <dgm:prSet phldr="1"/>
+        </dgm:pt>
+        <dgm:pt modelId="32">
+          <dgm:prSet phldr="1"/>
+        </dgm:pt>
+      </dgm:ptLst>
+      <dgm:cxnLst>
+        <dgm:cxn modelId="4" srcId="0" destId="1" srcOrd="0" destOrd="0"/>
+        <dgm:cxn modelId="5" srcId="0" destId="2" srcOrd="1" destOrd="0"/>
+        <dgm:cxn modelId="6" srcId="0" destId="3" srcOrd="2" destOrd="0"/>
+        <dgm:cxn modelId="13" srcId="1" destId="11" srcOrd="0" destOrd="0"/>
+        <dgm:cxn modelId="14" srcId="1" destId="12" srcOrd="1" destOrd="0"/>
+        <dgm:cxn modelId="23" srcId="2" destId="21" srcOrd="0" destOrd="0"/>
+        <dgm:cxn modelId="24" srcId="2" destId="22" srcOrd="1" destOrd="0"/>
+        <dgm:cxn modelId="33" srcId="3" destId="31" srcOrd="0" destOrd="0"/>
+        <dgm:cxn modelId="34" srcId="3" destId="32" srcOrd="1" destOrd="0"/>
+      </dgm:cxnLst>
+      <dgm:bg/>
+      <dgm:whole/>
+    </dgm:dataModel>
+  </dgm:sampData>
+  <dgm:styleData>
+    <dgm:dataModel>
+      <dgm:ptLst>
+        <dgm:pt modelId="0" type="doc"/>
+        <dgm:pt modelId="1">
+          <dgm:prSet phldr="1"/>
+        </dgm:pt>
+        <dgm:pt modelId="2">
+          <dgm:prSet phldr="1"/>
+        </dgm:pt>
+      </dgm:ptLst>
+      <dgm:cxnLst>
+        <dgm:cxn modelId="3" srcId="0" destId="1" srcOrd="0" destOrd="0"/>
+        <dgm:cxn modelId="4" srcId="0" destId="2" srcOrd="1" destOrd="0"/>
+      </dgm:cxnLst>
+      <dgm:bg/>
+      <dgm:whole/>
+    </dgm:dataModel>
+  </dgm:styleData>
+  <dgm:clrData>
+    <dgm:dataModel>
+      <dgm:ptLst>
+        <dgm:pt modelId="0" type="doc"/>
+        <dgm:pt modelId="1">
+          <dgm:prSet phldr="1"/>
+        </dgm:pt>
+        <dgm:pt modelId="2">
+          <dgm:prSet phldr="1"/>
+        </dgm:pt>
+        <dgm:pt modelId="3">
+          <dgm:prSet phldr="1"/>
+        </dgm:pt>
+        <dgm:pt modelId="4">
+          <dgm:prSet phldr="1"/>
+        </dgm:pt>
+      </dgm:ptLst>
+      <dgm:cxnLst>
+        <dgm:cxn modelId="5" srcId="0" destId="1" srcOrd="0" destOrd="0"/>
+        <dgm:cxn modelId="6" srcId="0" destId="2" srcOrd="1" destOrd="0"/>
+        <dgm:cxn modelId="7" srcId="0" destId="3" srcOrd="2" destOrd="0"/>
+        <dgm:cxn modelId="8" srcId="0" destId="4" srcOrd="3" destOrd="0"/>
+      </dgm:cxnLst>
+      <dgm:bg/>
+      <dgm:whole/>
+    </dgm:dataModel>
+  </dgm:clrData>
+  <dgm:layoutNode name="Name0">
+    <dgm:varLst>
+      <dgm:dir/>
+      <dgm:animLvl val="lvl"/>
+      <dgm:resizeHandles val="exact"/>
+    </dgm:varLst>
+    <dgm:choose name="Name1">
+      <dgm:if name="Name2" func="var" arg="dir" op="equ" val="norm">
+        <dgm:alg type="lin"/>
+      </dgm:if>
+      <dgm:else name="Name3">
+        <dgm:alg type="lin">
+          <dgm:param type="linDir" val="fromR"/>
+        </dgm:alg>
+      </dgm:else>
+    </dgm:choose>
+    <dgm:shape xmlns:r="http://schemas.openxmlformats.org/officeDocument/2006/relationships" r:blip="">
+      <dgm:adjLst/>
+    </dgm:shape>
+    <dgm:presOf/>
+    <dgm:constrLst>
+      <dgm:constr type="h" for="ch" forName="composite" refType="h"/>
+      <dgm:constr type="w" for="ch" forName="composite" refType="w"/>
+      <dgm:constr type="w" for="des" forName="parTx"/>
+      <dgm:constr type="h" for="des" forName="parTx" op="equ"/>
+      <dgm:constr type="w" for="des" forName="desTx"/>
+      <dgm:constr type="h" for="des" forName="desTx" op="equ"/>
+      <dgm:constr type="primFontSz" for="des" forName="parTx" val="65"/>
+      <dgm:constr type="secFontSz" for="des" forName="desTx" refType="primFontSz" refFor="des" refForName="parTx" op="equ"/>
+      <dgm:constr type="h" for="des" forName="parTx" refType="primFontSz" refFor="des" refForName="parTx" fact="0.8"/>
+      <dgm:constr type="h" for="des" forName="desTx" refType="primFontSz" refFor="des" refForName="parTx" fact="1.22"/>
+      <dgm:constr type="w" for="ch" forName="space" refType="w" refFor="ch" refForName="composite" op="equ" fact="0.14"/>
+    </dgm:constrLst>
+    <dgm:ruleLst>
+      <dgm:rule type="w" for="ch" forName="composite" val="0" fact="NaN" max="NaN"/>
+      <dgm:rule type="primFontSz" for="des" forName="parTx" val="5" fact="NaN" max="NaN"/>
+    </dgm:ruleLst>
+    <dgm:forEach name="Name4" axis="ch" ptType="node">
+      <dgm:layoutNode name="composite">
+        <dgm:alg type="composite"/>
+        <dgm:shape xmlns:r="http://schemas.openxmlformats.org/officeDocument/2006/relationships" r:blip="">
+          <dgm:adjLst/>
+        </dgm:shape>
+        <dgm:presOf/>
+        <dgm:constrLst>
+          <dgm:constr type="l" for="ch" forName="parTx"/>
+          <dgm:constr type="w" for="ch" forName="parTx" refType="w"/>
+          <dgm:constr type="t" for="ch" forName="parTx"/>
+          <dgm:constr type="l" for="ch" forName="desTx"/>
+          <dgm:constr type="w" for="ch" forName="desTx" refType="w" refFor="ch" refForName="parTx"/>
+          <dgm:constr type="t" for="ch" forName="desTx" refType="h" refFor="ch" refForName="parTx"/>
+        </dgm:constrLst>
+        <dgm:ruleLst>
+          <dgm:rule type="h" val="INF" fact="NaN" max="NaN"/>
+        </dgm:ruleLst>
+        <dgm:layoutNode name="parTx" styleLbl="alignNode1">
+          <dgm:varLst>
+            <dgm:chMax val="0"/>
+            <dgm:chPref val="0"/>
+            <dgm:bulletEnabled val="1"/>
+          </dgm:varLst>
+          <dgm:alg type="tx"/>
+          <dgm:shape xmlns:r="http://schemas.openxmlformats.org/officeDocument/2006/relationships" type="rect" r:blip="">
+            <dgm:adjLst/>
+          </dgm:shape>
+          <dgm:presOf axis="self" ptType="node"/>
+          <dgm:constrLst>
+            <dgm:constr type="h" refType="w" op="lte" fact="0.4"/>
+            <dgm:constr type="h"/>
+            <dgm:constr type="tMarg" refType="primFontSz" fact="0.32"/>
+            <dgm:constr type="bMarg" refType="primFontSz" fact="0.32"/>
+          </dgm:constrLst>
+          <dgm:ruleLst>
+            <dgm:rule type="h" val="INF" fact="NaN" max="NaN"/>
+          </dgm:ruleLst>
+        </dgm:layoutNode>
+        <dgm:layoutNode name="desTx" styleLbl="alignAccFollowNode1">
+          <dgm:varLst>
+            <dgm:bulletEnabled val="1"/>
+          </dgm:varLst>
+          <dgm:alg type="tx">
+            <dgm:param type="stBulletLvl" val="1"/>
+          </dgm:alg>
+          <dgm:shape xmlns:r="http://schemas.openxmlformats.org/officeDocument/2006/relationships" type="rect" r:blip="">
+            <dgm:adjLst/>
+          </dgm:shape>
+          <dgm:presOf axis="des" ptType="node"/>
+          <dgm:constrLst>
+            <dgm:constr type="secFontSz" val="65"/>
+            <dgm:constr type="primFontSz" refType="secFontSz"/>
+            <dgm:constr type="h"/>
+            <dgm:constr type="lMarg" refType="primFontSz" fact="0.42"/>
+            <dgm:constr type="tMarg" refType="primFontSz" fact="0.42"/>
+            <dgm:constr type="bMarg" refType="primFontSz" fact="0.63"/>
+          </dgm:constrLst>
+          <dgm:ruleLst>
+            <dgm:rule type="h" val="INF" fact="NaN" max="NaN"/>
+          </dgm:ruleLst>
+        </dgm:layoutNode>
+      </dgm:layoutNode>
+      <dgm:forEach name="Name5" axis="followSib" ptType="sibTrans" cnt="1">
+        <dgm:layoutNode name="space">
+          <dgm:alg type="sp"/>
+          <dgm:shape xmlns:r="http://schemas.openxmlformats.org/officeDocument/2006/relationships" r:blip="">
+            <dgm:adjLst/>
+          </dgm:shape>
+          <dgm:presOf/>
+          <dgm:constrLst/>
+          <dgm:ruleLst/>
+        </dgm:layoutNode>
+      </dgm:forEach>
+    </dgm:forEach>
+  </dgm:layoutNode>
+</dgm:layoutDef>
+</file>
+
+<file path=ppt/diagrams/quickStyle1.xml><?xml version="1.0" encoding="utf-8"?>
+<dgm:styleDef xmlns:dgm="http://schemas.openxmlformats.org/drawingml/2006/diagram" xmlns:a="http://schemas.openxmlformats.org/drawingml/2006/main" uniqueId="urn:microsoft.com/office/officeart/2005/8/quickstyle/simple1">
+  <dgm:title val=""/>
+  <dgm:desc val=""/>
+  <dgm:catLst>
+    <dgm:cat type="simple" pri="10100"/>
+  </dgm:catLst>
+  <dgm:scene3d>
+    <a:camera prst="orthographicFront"/>
+    <a:lightRig rig="threePt" dir="t"/>
+  </dgm:scene3d>
+  <dgm:styleLbl name="node0">
+    <dgm:scene3d>
+      <a:camera prst="orthographicFront"/>
+      <a:lightRig rig="threePt" dir="t"/>
+    </dgm:scene3d>
+    <dgm:sp3d/>
+    <dgm:txPr/>
+    <dgm:style>
+      <a:lnRef idx="2">
+        <a:scrgbClr r="0" g="0" b="0"/>
+      </a:lnRef>
+      <a:fillRef idx="1">
+        <a:scrgbClr r="0" g="0" b="0"/>
+      </a:fillRef>
+      <a:effectRef idx="0">
+        <a:scrgbClr r="0" g="0" b="0"/>
+      </a:effectRef>
+      <a:fontRef idx="minor">
+        <a:schemeClr val="lt1"/>
+      </a:fontRef>
+    </dgm:style>
+  </dgm:styleLbl>
+  <dgm:styleLbl name="lnNode1">
+    <dgm:scene3d>
+      <a:camera prst="orthographicFront"/>
+      <a:lightRig rig="threePt" dir="t"/>
+    </dgm:scene3d>
+    <dgm:sp3d/>
+    <dgm:txPr/>
+    <dgm:style>
+      <a:lnRef idx="2">
+        <a:scrgbClr r="0" g="0" b="0"/>
+      </a:lnRef>
+      <a:fillRef idx="1">
+        <a:scrgbClr r="0" g="0" b="0"/>
+      </a:fillRef>
+      <a:effectRef idx="0">
+        <a:scrgbClr r="0" g="0" b="0"/>
+      </a:effectRef>
+      <a:fontRef idx="minor">
+        <a:schemeClr val="lt1"/>
+      </a:fontRef>
+    </dgm:style>
+  </dgm:styleLbl>
+  <dgm:styleLbl name="vennNode1">
+    <dgm:scene3d>
+      <a:camera prst="orthographicFront"/>
+      <a:lightRig rig="threePt" dir="t"/>
+    </dgm:scene3d>
+    <dgm:sp3d/>
+    <dgm:txPr/>
+    <dgm:style>
+      <a:lnRef idx="2">
+        <a:scrgbClr r="0" g="0" b="0"/>
+      </a:lnRef>
+      <a:fillRef idx="1">
+        <a:scrgbClr r="0" g="0" b="0"/>
+      </a:fillRef>
+      <a:effectRef idx="0">
+        <a:scrgbClr r="0" g="0" b="0"/>
+      </a:effectRef>
+      <a:fontRef idx="minor">
+        <a:schemeClr val="tx1"/>
+      </a:fontRef>
+    </dgm:style>
+  </dgm:styleLbl>
+  <dgm:styleLbl name="alignNode1">
+    <dgm:scene3d>
+      <a:camera prst="orthographicFront"/>
+      <a:lightRig rig="threePt" dir="t"/>
+    </dgm:scene3d>
+    <dgm:sp3d/>
+    <dgm:txPr/>
+    <dgm:style>
+      <a:lnRef idx="2">
+        <a:scrgbClr r="0" g="0" b="0"/>
+      </a:lnRef>
+      <a:fillRef idx="1">
+        <a:scrgbClr r="0" g="0" b="0"/>
+      </a:fillRef>
+      <a:effectRef idx="0">
+        <a:scrgbClr r="0" g="0" b="0"/>
+      </a:effectRef>
+      <a:fontRef idx="minor">
+        <a:schemeClr val="lt1"/>
+      </a:fontRef>
+    </dgm:style>
+  </dgm:styleLbl>
+  <dgm:styleLbl name="node1">
+    <dgm:scene3d>
+      <a:camera prst="orthographicFront"/>
+      <a:lightRig rig="threePt" dir="t"/>
+    </dgm:scene3d>
+    <dgm:sp3d/>
+    <dgm:txPr/>
+    <dgm:style>
+      <a:lnRef idx="2">
+        <a:scrgbClr r="0" g="0" b="0"/>
+      </a:lnRef>
+      <a:fillRef idx="1">
+        <a:scrgbClr r="0" g="0" b="0"/>
+      </a:fillRef>
+      <a:effectRef idx="0">
+        <a:scrgbClr r="0" g="0" b="0"/>
+      </a:effectRef>
+      <a:fontRef idx="minor">
+        <a:schemeClr val="lt1"/>
+      </a:fontRef>
+    </dgm:style>
+  </dgm:styleLbl>
+  <dgm:styleLbl name="node2">
+    <dgm:scene3d>
+      <a:camera prst="orthographicFront"/>
+      <a:lightRig rig="threePt" dir="t"/>
+    </dgm:scene3d>
+    <dgm:sp3d/>
+    <dgm:txPr/>
+    <dgm:style>
+      <a:lnRef idx="2">
+        <a:scrgbClr r="0" g="0" b="0"/>
+      </a:lnRef>
+      <a:fillRef idx="1">
+        <a:scrgbClr r="0" g="0" b="0"/>
+      </a:fillRef>
+      <a:effectRef idx="0">
+        <a:scrgbClr r="0" g="0" b="0"/>
+      </a:effectRef>
+      <a:fontRef idx="minor">
+        <a:schemeClr val="lt1"/>
+      </a:fontRef>
+    </dgm:style>
+  </dgm:styleLbl>
+  <dgm:styleLbl name="node3">
+    <dgm:scene3d>
+      <a:camera prst="orthographicFront"/>
+      <a:lightRig rig="threePt" dir="t"/>
+    </dgm:scene3d>
+    <dgm:sp3d/>
+    <dgm:txPr/>
+    <dgm:style>
+      <a:lnRef idx="2">
+        <a:scrgbClr r="0" g="0" b="0"/>
+      </a:lnRef>
+      <a:fillRef idx="1">
+        <a:scrgbClr r="0" g="0" b="0"/>
+      </a:fillRef>
+      <a:effectRef idx="0">
+        <a:scrgbClr r="0" g="0" b="0"/>
+      </a:effectRef>
+      <a:fontRef idx="minor">
+        <a:schemeClr val="lt1"/>
+      </a:fontRef>
+    </dgm:style>
+  </dgm:styleLbl>
+  <dgm:styleLbl name="node4">
+    <dgm:scene3d>
+      <a:camera prst="orthographicFront"/>
+      <a:lightRig rig="threePt" dir="t"/>
+    </dgm:scene3d>
+    <dgm:sp3d/>
+    <dgm:txPr/>
+    <dgm:style>
+      <a:lnRef idx="2">
+        <a:scrgbClr r="0" g="0" b="0"/>
+      </a:lnRef>
+      <a:fillRef idx="1">
+        <a:scrgbClr r="0" g="0" b="0"/>
+      </a:fillRef>
+      <a:effectRef idx="0">
+        <a:scrgbClr r="0" g="0" b="0"/>
+      </a:effectRef>
+      <a:fontRef idx="minor">
+        <a:schemeClr val="lt1"/>
+      </a:fontRef>
+    </dgm:style>
+  </dgm:styleLbl>
+  <dgm:styleLbl name="fgImgPlace1">
+    <dgm:scene3d>
+      <a:camera prst="orthographicFront"/>
+      <a:lightRig rig="threePt" dir="t"/>
+    </dgm:scene3d>
+    <dgm:sp3d/>
+    <dgm:txPr/>
+    <dgm:style>
+      <a:lnRef idx="2">
+        <a:scrgbClr r="0" g="0" b="0"/>
+      </a:lnRef>
+      <a:fillRef idx="1">
+        <a:scrgbClr r="0" g="0" b="0"/>
+      </a:fillRef>
+      <a:effectRef idx="0">
+        <a:scrgbClr r="0" g="0" b="0"/>
+      </a:effectRef>
+      <a:fontRef idx="minor"/>
+    </dgm:style>
+  </dgm:styleLbl>
+  <dgm:styleLbl name="alignImgPlace1">
+    <dgm:scene3d>
+      <a:camera prst="orthographicFront"/>
+      <a:lightRig rig="threePt" dir="t"/>
+    </dgm:scene3d>
+    <dgm:sp3d/>
+    <dgm:txPr/>
+    <dgm:style>
+      <a:lnRef idx="2">
+        <a:scrgbClr r="0" g="0" b="0"/>
+      </a:lnRef>
+      <a:fillRef idx="1">
+        <a:scrgbClr r="0" g="0" b="0"/>
+      </a:fillRef>
+      <a:effectRef idx="0">
+        <a:scrgbClr r="0" g="0" b="0"/>
+      </a:effectRef>
+      <a:fontRef idx="minor"/>
+    </dgm:style>
+  </dgm:styleLbl>
+  <dgm:styleLbl name="bgImgPlace1">
+    <dgm:scene3d>
+      <a:camera prst="orthographicFront"/>
+      <a:lightRig rig="threePt" dir="t"/>
+    </dgm:scene3d>
+    <dgm:sp3d/>
+    <dgm:txPr/>
+    <dgm:style>
+      <a:lnRef idx="2">
+        <a:scrgbClr r="0" g="0" b="0"/>
+      </a:lnRef>
+      <a:fillRef idx="1">
+        <a:scrgbClr r="0" g="0" b="0"/>
+      </a:fillRef>
+      <a:effectRef idx="0">
+        <a:scrgbClr r="0" g="0" b="0"/>
+      </a:effectRef>
+      <a:fontRef idx="minor"/>
+    </dgm:style>
+  </dgm:styleLbl>
+  <dgm:styleLbl name="sibTrans2D1">
+    <dgm:scene3d>
+      <a:camera prst="orthographicFront"/>
+      <a:lightRig rig="threePt" dir="t"/>
+    </dgm:scene3d>
+    <dgm:sp3d/>
+    <dgm:txPr/>
+    <dgm:style>
+      <a:lnRef idx="0">
+        <a:scrgbClr r="0" g="0" b="0"/>
+      </a:lnRef>
+      <a:fillRef idx="1">
+        <a:scrgbClr r="0" g="0" b="0"/>
+      </a:fillRef>
+      <a:effectRef idx="0">
+        <a:scrgbClr r="0" g="0" b="0"/>
+      </a:effectRef>
+      <a:fontRef idx="minor">
+        <a:schemeClr val="lt1"/>
+      </a:fontRef>
+    </dgm:style>
+  </dgm:styleLbl>
+  <dgm:styleLbl name="fgSibTrans2D1">
+    <dgm:scene3d>
+      <a:camera prst="orthographicFront"/>
+      <a:lightRig rig="threePt" dir="t"/>
+    </dgm:scene3d>
+    <dgm:sp3d/>
+    <dgm:txPr/>
+    <dgm:style>
+      <a:lnRef idx="0">
+        <a:scrgbClr r="0" g="0" b="0"/>
+      </a:lnRef>
+      <a:fillRef idx="1">
+        <a:scrgbClr r="0" g="0" b="0"/>
+      </a:fillRef>
+      <a:effectRef idx="0">
+        <a:scrgbClr r="0" g="0" b="0"/>
+      </a:effectRef>
+      <a:fontRef idx="minor">
+        <a:schemeClr val="lt1"/>
+      </a:fontRef>
+    </dgm:style>
+  </dgm:styleLbl>
+  <dgm:styleLbl name="bgSibTrans2D1">
+    <dgm:scene3d>
+      <a:camera prst="orthographicFront"/>
+      <a:lightRig rig="threePt" dir="t"/>
+    </dgm:scene3d>
+    <dgm:sp3d/>
+    <dgm:txPr/>
+    <dgm:style>
+      <a:lnRef idx="0">
+        <a:scrgbClr r="0" g="0" b="0"/>
+      </a:lnRef>
+      <a:fillRef idx="1">
+        <a:scrgbClr r="0" g="0" b="0"/>
+      </a:fillRef>
+      <a:effectRef idx="0">
+        <a:scrgbClr r="0" g="0" b="0"/>
+      </a:effectRef>
+      <a:fontRef idx="minor">
+        <a:schemeClr val="lt1"/>
+      </a:fontRef>
+    </dgm:style>
+  </dgm:styleLbl>
+  <dgm:styleLbl name="sibTrans1D1">
+    <dgm:scene3d>
+      <a:camera prst="orthographicFront"/>
+      <a:lightRig rig="threePt" dir="t"/>
+    </dgm:scene3d>
+    <dgm:sp3d/>
+    <dgm:txPr/>
+    <dgm:style>
+      <a:lnRef idx="1">
+        <a:scrgbClr r="0" g="0" b="0"/>
+      </a:lnRef>
+      <a:fillRef idx="0">
+        <a:scrgbClr r="0" g="0" b="0"/>
+      </a:fillRef>
+      <a:effectRef idx="0">
+        <a:scrgbClr r="0" g="0" b="0"/>
+      </a:effectRef>
+      <a:fontRef idx="minor"/>
+    </dgm:style>
+  </dgm:styleLbl>
+  <dgm:styleLbl name="callout">
+    <dgm:scene3d>
+      <a:camera prst="orthographicFront"/>
+      <a:lightRig rig="threePt" dir="t"/>
+    </dgm:scene3d>
+    <dgm:sp3d/>
+    <dgm:txPr/>
+    <dgm:style>
+      <a:lnRef idx="2">
+        <a:scrgbClr r="0" g="0" b="0"/>
+      </a:lnRef>
+      <a:fillRef idx="1">
+        <a:scrgbClr r="0" g="0" b="0"/>
+      </a:fillRef>
+      <a:effectRef idx="0">
+        <a:scrgbClr r="0" g="0" b="0"/>
+      </a:effectRef>
+      <a:fontRef idx="minor"/>
+    </dgm:style>
+  </dgm:styleLbl>
+  <dgm:styleLbl name="asst0">
+    <dgm:scene3d>
+      <a:camera prst="orthographicFront"/>
+      <a:lightRig rig="threePt" dir="t"/>
+    </dgm:scene3d>
+    <dgm:sp3d/>
+    <dgm:txPr/>
+    <dgm:style>
+      <a:lnRef idx="2">
+        <a:scrgbClr r="0" g="0" b="0"/>
+      </a:lnRef>
+      <a:fillRef idx="1">
+        <a:scrgbClr r="0" g="0" b="0"/>
+      </a:fillRef>
+      <a:effectRef idx="0">
+        <a:scrgbClr r="0" g="0" b="0"/>
+      </a:effectRef>
+      <a:fontRef idx="minor">
+        <a:schemeClr val="lt1"/>
+      </a:fontRef>
+    </dgm:style>
+  </dgm:styleLbl>
+  <dgm:styleLbl name="asst1">
+    <dgm:scene3d>
+      <a:camera prst="orthographicFront"/>
+      <a:lightRig rig="threePt" dir="t"/>
+    </dgm:scene3d>
+    <dgm:sp3d/>
+    <dgm:txPr/>
+    <dgm:style>
+      <a:lnRef idx="2">
+        <a:scrgbClr r="0" g="0" b="0"/>
+      </a:lnRef>
+      <a:fillRef idx="1">
+        <a:scrgbClr r="0" g="0" b="0"/>
+      </a:fillRef>
+      <a:effectRef idx="0">
+        <a:scrgbClr r="0" g="0" b="0"/>
+      </a:effectRef>
+      <a:fontRef idx="minor">
+        <a:schemeClr val="lt1"/>
+      </a:fontRef>
+    </dgm:style>
+  </dgm:styleLbl>
+  <dgm:styleLbl name="asst2">
+    <dgm:scene3d>
+      <a:camera prst="orthographicFront"/>
+      <a:lightRig rig="threePt" dir="t"/>
+    </dgm:scene3d>
+    <dgm:sp3d/>
+    <dgm:txPr/>
+    <dgm:style>
+      <a:lnRef idx="2">
+        <a:scrgbClr r="0" g="0" b="0"/>
+      </a:lnRef>
+      <a:fillRef idx="1">
+        <a:scrgbClr r="0" g="0" b="0"/>
+      </a:fillRef>
+      <a:effectRef idx="0">
+        <a:scrgbClr r="0" g="0" b="0"/>
+      </a:effectRef>
+      <a:fontRef idx="minor">
+        <a:schemeClr val="lt1"/>
+      </a:fontRef>
+    </dgm:style>
+  </dgm:styleLbl>
+  <dgm:styleLbl name="asst3">
+    <dgm:scene3d>
+      <a:camera prst="orthographicFront"/>
+      <a:lightRig rig="threePt" dir="t"/>
+    </dgm:scene3d>
+    <dgm:sp3d/>
+    <dgm:txPr/>
+    <dgm:style>
+      <a:lnRef idx="2">
+        <a:scrgbClr r="0" g="0" b="0"/>
+      </a:lnRef>
+      <a:fillRef idx="1">
+        <a:scrgbClr r="0" g="0" b="0"/>
+      </a:fillRef>
+      <a:effectRef idx="0">
+        <a:scrgbClr r="0" g="0" b="0"/>
+      </a:effectRef>
+      <a:fontRef idx="minor">
+        <a:schemeClr val="lt1"/>
+      </a:fontRef>
+    </dgm:style>
+  </dgm:styleLbl>
+  <dgm:styleLbl name="asst4">
+    <dgm:scene3d>
+      <a:camera prst="orthographicFront"/>
+      <a:lightRig rig="threePt" dir="t"/>
+    </dgm:scene3d>
+    <dgm:sp3d/>
+    <dgm:txPr/>
+    <dgm:style>
+      <a:lnRef idx="2">
+        <a:scrgbClr r="0" g="0" b="0"/>
+      </a:lnRef>
+      <a:fillRef idx="1">
+        <a:scrgbClr r="0" g="0" b="0"/>
+      </a:fillRef>
+      <a:effectRef idx="0">
+        <a:scrgbClr r="0" g="0" b="0"/>
+      </a:effectRef>
+      <a:fontRef idx="minor">
+        <a:schemeClr val="lt1"/>
+      </a:fontRef>
+    </dgm:style>
+  </dgm:styleLbl>
+  <dgm:styleLbl name="parChTrans2D1">
+    <dgm:scene3d>
+      <a:camera prst="orthographicFront"/>
+      <a:lightRig rig="threePt" dir="t"/>
+    </dgm:scene3d>
+    <dgm:sp3d/>
+    <dgm:txPr/>
+    <dgm:style>
+      <a:lnRef idx="2">
+        <a:scrgbClr r="0" g="0" b="0"/>
+      </a:lnRef>
+      <a:fillRef idx="1">
+        <a:scrgbClr r="0" g="0" b="0"/>
+      </a:fillRef>
+      <a:effectRef idx="0">
+        <a:scrgbClr r="0" g="0" b="0"/>
+      </a:effectRef>
+      <a:fontRef idx="minor">
+        <a:schemeClr val="lt1"/>
+      </a:fontRef>
+    </dgm:style>
+  </dgm:styleLbl>
+  <dgm:styleLbl name="parChTrans2D2">
+    <dgm:scene3d>
+      <a:camera prst="orthographicFront"/>
+      <a:lightRig rig="threePt" dir="t"/>
+    </dgm:scene3d>
+    <dgm:sp3d/>
+    <dgm:txPr/>
+    <dgm:style>
+      <a:lnRef idx="2">
+        <a:scrgbClr r="0" g="0" b="0"/>
+      </a:lnRef>
+      <a:fillRef idx="1">
+        <a:scrgbClr r="0" g="0" b="0"/>
+      </a:fillRef>
+      <a:effectRef idx="0">
+        <a:scrgbClr r="0" g="0" b="0"/>
+      </a:effectRef>
+      <a:fontRef idx="minor">
+        <a:schemeClr val="lt1"/>
+      </a:fontRef>
+    </dgm:style>
+  </dgm:styleLbl>
+  <dgm:styleLbl name="parChTrans2D3">
+    <dgm:scene3d>
+      <a:camera prst="orthographicFront"/>
+      <a:lightRig rig="threePt" dir="t"/>
+    </dgm:scene3d>
+    <dgm:sp3d/>
+    <dgm:txPr/>
+    <dgm:style>
+      <a:lnRef idx="2">
+        <a:scrgbClr r="0" g="0" b="0"/>
+      </a:lnRef>
+      <a:fillRef idx="1">
+        <a:scrgbClr r="0" g="0" b="0"/>
+      </a:fillRef>
+      <a:effectRef idx="0">
+        <a:scrgbClr r="0" g="0" b="0"/>
+      </a:effectRef>
+      <a:fontRef idx="minor">
+        <a:schemeClr val="lt1"/>
+      </a:fontRef>
+    </dgm:style>
+  </dgm:styleLbl>
+  <dgm:styleLbl name="parChTrans2D4">
+    <dgm:scene3d>
+      <a:camera prst="orthographicFront"/>
+      <a:lightRig rig="threePt" dir="t"/>
+    </dgm:scene3d>
+    <dgm:sp3d/>
+    <dgm:txPr/>
+    <dgm:style>
+      <a:lnRef idx="2">
+        <a:scrgbClr r="0" g="0" b="0"/>
+      </a:lnRef>
+      <a:fillRef idx="1">
+        <a:scrgbClr r="0" g="0" b="0"/>
+      </a:fillRef>
+      <a:effectRef idx="0">
+        <a:scrgbClr r="0" g="0" b="0"/>
+      </a:effectRef>
+      <a:fontRef idx="minor">
+        <a:schemeClr val="lt1"/>
+      </a:fontRef>
+    </dgm:style>
+  </dgm:styleLbl>
+  <dgm:styleLbl name="parChTrans1D1">
+    <dgm:scene3d>
+      <a:camera prst="orthographicFront"/>
+      <a:lightRig rig="threePt" dir="t"/>
+    </dgm:scene3d>
+    <dgm:sp3d/>
+    <dgm:txPr/>
+    <dgm:style>
+      <a:lnRef idx="2">
+        <a:scrgbClr r="0" g="0" b="0"/>
+      </a:lnRef>
+      <a:fillRef idx="0">
+        <a:scrgbClr r="0" g="0" b="0"/>
+      </a:fillRef>
+      <a:effectRef idx="0">
+        <a:scrgbClr r="0" g="0" b="0"/>
+      </a:effectRef>
+      <a:fontRef idx="minor"/>
+    </dgm:style>
+  </dgm:styleLbl>
+  <dgm:styleLbl name="parChTrans1D2">
+    <dgm:scene3d>
+      <a:camera prst="orthographicFront"/>
+      <a:lightRig rig="threePt" dir="t"/>
+    </dgm:scene3d>
+    <dgm:sp3d/>
+    <dgm:txPr/>
+    <dgm:style>
+      <a:lnRef idx="2">
+        <a:scrgbClr r="0" g="0" b="0"/>
+      </a:lnRef>
+      <a:fillRef idx="0">
+        <a:scrgbClr r="0" g="0" b="0"/>
+      </a:fillRef>
+      <a:effectRef idx="0">
+        <a:scrgbClr r="0" g="0" b="0"/>
+      </a:effectRef>
+      <a:fontRef idx="minor"/>
+    </dgm:style>
+  </dgm:styleLbl>
+  <dgm:styleLbl name="parChTrans1D3">
+    <dgm:scene3d>
+      <a:camera prst="orthographicFront"/>
+      <a:lightRig rig="threePt" dir="t"/>
+    </dgm:scene3d>
+    <dgm:sp3d/>
+    <dgm:txPr/>
+    <dgm:style>
+      <a:lnRef idx="2">
+        <a:scrgbClr r="0" g="0" b="0"/>
+      </a:lnRef>
+      <a:fillRef idx="0">
+        <a:scrgbClr r="0" g="0" b="0"/>
+      </a:fillRef>
+      <a:effectRef idx="0">
+        <a:scrgbClr r="0" g="0" b="0"/>
+      </a:effectRef>
+      <a:fontRef idx="minor"/>
+    </dgm:style>
+  </dgm:styleLbl>
+  <dgm:styleLbl name="parChTrans1D4">
+    <dgm:scene3d>
+      <a:camera prst="orthographicFront"/>
+      <a:lightRig rig="threePt" dir="t"/>
+    </dgm:scene3d>
+    <dgm:sp3d/>
+    <dgm:txPr/>
+    <dgm:style>
+      <a:lnRef idx="2">
+        <a:scrgbClr r="0" g="0" b="0"/>
+      </a:lnRef>
+      <a:fillRef idx="0">
+        <a:scrgbClr r="0" g="0" b="0"/>
+      </a:fillRef>
+      <a:effectRef idx="0">
+        <a:scrgbClr r="0" g="0" b="0"/>
+      </a:effectRef>
+      <a:fontRef idx="minor"/>
+    </dgm:style>
+  </dgm:styleLbl>
+  <dgm:styleLbl name="fgAcc1">
+    <dgm:scene3d>
+      <a:camera prst="orthographicFront"/>
+      <a:lightRig rig="threePt" dir="t"/>
+    </dgm:scene3d>
+    <dgm:sp3d/>
+    <dgm:txPr/>
+    <dgm:style>
+      <a:lnRef idx="2">
+        <a:scrgbClr r="0" g="0" b="0"/>
+      </a:lnRef>
+      <a:fillRef idx="1">
+        <a:scrgbClr r="0" g="0" b="0"/>
+      </a:fillRef>
+      <a:effectRef idx="0">
+        <a:scrgbClr r="0" g="0" b="0"/>
+      </a:effectRef>
+      <a:fontRef idx="minor"/>
+    </dgm:style>
+  </dgm:styleLbl>
+  <dgm:styleLbl name="conFgAcc1">
+    <dgm:scene3d>
+      <a:camera prst="orthographicFront"/>
+      <a:lightRig rig="threePt" dir="t"/>
+    </dgm:scene3d>
+    <dgm:sp3d/>
+    <dgm:txPr/>
+    <dgm:style>
+      <a:lnRef idx="2">
+        <a:scrgbClr r="0" g="0" b="0"/>
+      </a:lnRef>
+      <a:fillRef idx="1">
+        <a:scrgbClr r="0" g="0" b="0"/>
+      </a:fillRef>
+      <a:effectRef idx="0">
+        <a:scrgbClr r="0" g="0" b="0"/>
+      </a:effectRef>
+      <a:fontRef idx="minor"/>
+    </dgm:style>
+  </dgm:styleLbl>
+  <dgm:styleLbl name="alignAcc1">
+    <dgm:scene3d>
+      <a:camera prst="orthographicFront"/>
+      <a:lightRig rig="threePt" dir="t"/>
+    </dgm:scene3d>
+    <dgm:sp3d/>
+    <dgm:txPr/>
+    <dgm:style>
+      <a:lnRef idx="2">
+        <a:scrgbClr r="0" g="0" b="0"/>
+      </a:lnRef>
+      <a:fillRef idx="1">
+        <a:scrgbClr r="0" g="0" b="0"/>
+      </a:fillRef>
+      <a:effectRef idx="0">
+        <a:scrgbClr r="0" g="0" b="0"/>
+      </a:effectRef>
+      <a:fontRef idx="minor"/>
+    </dgm:style>
+  </dgm:styleLbl>
+  <dgm:styleLbl name="trAlignAcc1">
+    <dgm:scene3d>
+      <a:camera prst="orthographicFront"/>
+      <a:lightRig rig="threePt" dir="t"/>
+    </dgm:scene3d>
+    <dgm:sp3d/>
+    <dgm:txPr/>
+    <dgm:style>
+      <a:lnRef idx="1">
+        <a:scrgbClr r="0" g="0" b="0"/>
+      </a:lnRef>
+      <a:fillRef idx="1">
+        <a:scrgbClr r="0" g="0" b="0"/>
+      </a:fillRef>
+      <a:effectRef idx="0">
+        <a:scrgbClr r="0" g="0" b="0"/>
+      </a:effectRef>
+      <a:fontRef idx="minor"/>
+    </dgm:style>
+  </dgm:styleLbl>
+  <dgm:styleLbl name="bgAcc1">
+    <dgm:scene3d>
+      <a:camera prst="orthographicFront"/>
+      <a:lightRig rig="threePt" dir="t"/>
+    </dgm:scene3d>
+    <dgm:sp3d/>
+    <dgm:txPr/>
+    <dgm:style>
+      <a:lnRef idx="2">
+        <a:scrgbClr r="0" g="0" b="0"/>
+      </a:lnRef>
+      <a:fillRef idx="1">
+        <a:scrgbClr r="0" g="0" b="0"/>
+      </a:fillRef>
+      <a:effectRef idx="0">
+        <a:scrgbClr r="0" g="0" b="0"/>
+      </a:effectRef>
+      <a:fontRef idx="minor"/>
+    </dgm:style>
+  </dgm:styleLbl>
+  <dgm:styleLbl name="solidFgAcc1">
+    <dgm:scene3d>
+      <a:camera prst="orthographicFront"/>
+      <a:lightRig rig="threePt" dir="t"/>
+    </dgm:scene3d>
+    <dgm:sp3d/>
+    <dgm:txPr/>
+    <dgm:style>
+      <a:lnRef idx="2">
+        <a:scrgbClr r="0" g="0" b="0"/>
+      </a:lnRef>
+      <a:fillRef idx="1">
+        <a:scrgbClr r="0" g="0" b="0"/>
+      </a:fillRef>
+      <a:effectRef idx="0">
+        <a:scrgbClr r="0" g="0" b="0"/>
+      </a:effectRef>
+      <a:fontRef idx="minor"/>
+    </dgm:style>
+  </dgm:styleLbl>
+  <dgm:styleLbl name="solidAlignAcc1">
+    <dgm:scene3d>
+      <a:camera prst="orthographicFront"/>
+      <a:lightRig rig="threePt" dir="t"/>
+    </dgm:scene3d>
+    <dgm:sp3d/>
+    <dgm:txPr/>
+    <dgm:style>
+      <a:lnRef idx="2">
+        <a:scrgbClr r="0" g="0" b="0"/>
+      </a:lnRef>
+      <a:fillRef idx="1">
+        <a:scrgbClr r="0" g="0" b="0"/>
+      </a:fillRef>
+      <a:effectRef idx="0">
+        <a:scrgbClr r="0" g="0" b="0"/>
+      </a:effectRef>
+      <a:fontRef idx="minor"/>
+    </dgm:style>
+  </dgm:styleLbl>
+  <dgm:styleLbl name="solidBgAcc1">
+    <dgm:scene3d>
+      <a:camera prst="orthographicFront"/>
+      <a:lightRig rig="threePt" dir="t"/>
+    </dgm:scene3d>
+    <dgm:sp3d/>
+    <dgm:txPr/>
+    <dgm:style>
+      <a:lnRef idx="2">
+        <a:scrgbClr r="0" g="0" b="0"/>
+      </a:lnRef>
+      <a:fillRef idx="1">
+        <a:scrgbClr r="0" g="0" b="0"/>
+      </a:fillRef>
+      <a:effectRef idx="0">
+        <a:scrgbClr r="0" g="0" b="0"/>
+      </a:effectRef>
+      <a:fontRef idx="minor"/>
+    </dgm:style>
+  </dgm:styleLbl>
+  <dgm:styleLbl name="fgAccFollowNode1">
+    <dgm:scene3d>
+      <a:camera prst="orthographicFront"/>
+      <a:lightRig rig="threePt" dir="t"/>
+    </dgm:scene3d>
+    <dgm:sp3d/>
+    <dgm:txPr/>
+    <dgm:style>
+      <a:lnRef idx="2">
+        <a:scrgbClr r="0" g="0" b="0"/>
+      </a:lnRef>
+      <a:fillRef idx="1">
+        <a:scrgbClr r="0" g="0" b="0"/>
+      </a:fillRef>
+      <a:effectRef idx="0">
+        <a:scrgbClr r="0" g="0" b="0"/>
+      </a:effectRef>
+      <a:fontRef idx="minor"/>
+    </dgm:style>
+  </dgm:styleLbl>
+  <dgm:styleLbl name="alignAccFollowNode1">
+    <dgm:scene3d>
+      <a:camera prst="orthographicFront"/>
+      <a:lightRig rig="threePt" dir="t"/>
+    </dgm:scene3d>
+    <dgm:sp3d/>
+    <dgm:txPr/>
+    <dgm:style>
+      <a:lnRef idx="2">
+        <a:scrgbClr r="0" g="0" b="0"/>
+      </a:lnRef>
+      <a:fillRef idx="1">
+        <a:scrgbClr r="0" g="0" b="0"/>
+      </a:fillRef>
+      <a:effectRef idx="0">
+        <a:scrgbClr r="0" g="0" b="0"/>
+      </a:effectRef>
+      <a:fontRef idx="minor"/>
+    </dgm:style>
+  </dgm:styleLbl>
+  <dgm:styleLbl name="bgAccFollowNode1">
+    <dgm:scene3d>
+      <a:camera prst="orthographicFront"/>
+      <a:lightRig rig="threePt" dir="t"/>
+    </dgm:scene3d>
+    <dgm:sp3d/>
+    <dgm:txPr/>
+    <dgm:style>
+      <a:lnRef idx="2">
+        <a:scrgbClr r="0" g="0" b="0"/>
+      </a:lnRef>
+      <a:fillRef idx="1">
+        <a:scrgbClr r="0" g="0" b="0"/>
+      </a:fillRef>
+      <a:effectRef idx="0">
+        <a:scrgbClr r="0" g="0" b="0"/>
+      </a:effectRef>
+      <a:fontRef idx="minor"/>
+    </dgm:style>
+  </dgm:styleLbl>
+  <dgm:styleLbl name="fgAcc0">
+    <dgm:scene3d>
+      <a:camera prst="orthographicFront"/>
+      <a:lightRig rig="threePt" dir="t"/>
+    </dgm:scene3d>
+    <dgm:sp3d/>
+    <dgm:txPr/>
+    <dgm:style>
+      <a:lnRef idx="2">
+        <a:scrgbClr r="0" g="0" b="0"/>
+      </a:lnRef>
+      <a:fillRef idx="1">
+        <a:scrgbClr r="0" g="0" b="0"/>
+      </a:fillRef>
+      <a:effectRef idx="0">
+        <a:scrgbClr r="0" g="0" b="0"/>
+      </a:effectRef>
+      <a:fontRef idx="minor"/>
+    </dgm:style>
+  </dgm:styleLbl>
+  <dgm:styleLbl name="fgAcc2">
+    <dgm:scene3d>
+      <a:camera prst="orthographicFront"/>
+      <a:lightRig rig="threePt" dir="t"/>
+    </dgm:scene3d>
+    <dgm:sp3d/>
+    <dgm:txPr/>
+    <dgm:style>
+      <a:lnRef idx="2">
+        <a:scrgbClr r="0" g="0" b="0"/>
+      </a:lnRef>
+      <a:fillRef idx="1">
+        <a:scrgbClr r="0" g="0" b="0"/>
+      </a:fillRef>
+      <a:effectRef idx="0">
+        <a:scrgbClr r="0" g="0" b="0"/>
+      </a:effectRef>
+      <a:fontRef idx="minor"/>
+    </dgm:style>
+  </dgm:styleLbl>
+  <dgm:styleLbl name="fgAcc3">
+    <dgm:scene3d>
+      <a:camera prst="orthographicFront"/>
+      <a:lightRig rig="threePt" dir="t"/>
+    </dgm:scene3d>
+    <dgm:sp3d/>
+    <dgm:txPr/>
+    <dgm:style>
+      <a:lnRef idx="2">
+        <a:scrgbClr r="0" g="0" b="0"/>
+      </a:lnRef>
+      <a:fillRef idx="1">
+        <a:scrgbClr r="0" g="0" b="0"/>
+      </a:fillRef>
+      <a:effectRef idx="0">
+        <a:scrgbClr r="0" g="0" b="0"/>
+      </a:effectRef>
+      <a:fontRef idx="minor"/>
+    </dgm:style>
+  </dgm:styleLbl>
+  <dgm:styleLbl name="fgAcc4">
+    <dgm:scene3d>
+      <a:camera prst="orthographicFront"/>
+      <a:lightRig rig="threePt" dir="t"/>
+    </dgm:scene3d>
+    <dgm:sp3d/>
+    <dgm:txPr/>
+    <dgm:style>
+      <a:lnRef idx="2">
+        <a:scrgbClr r="0" g="0" b="0"/>
+      </a:lnRef>
+      <a:fillRef idx="1">
+        <a:scrgbClr r="0" g="0" b="0"/>
+      </a:fillRef>
+      <a:effectRef idx="0">
+        <a:scrgbClr r="0" g="0" b="0"/>
+      </a:effectRef>
+      <a:fontRef idx="minor"/>
+    </dgm:style>
+  </dgm:styleLbl>
+  <dgm:styleLbl name="bgShp">
+    <dgm:scene3d>
+      <a:camera prst="orthographicFront"/>
+      <a:lightRig rig="threePt" dir="t"/>
+    </dgm:scene3d>
+    <dgm:sp3d/>
+    <dgm:txPr/>
+    <dgm:style>
+      <a:lnRef idx="0">
+        <a:scrgbClr r="0" g="0" b="0"/>
+      </a:lnRef>
+      <a:fillRef idx="1">
+        <a:scrgbClr r="0" g="0" b="0"/>
+      </a:fillRef>
+      <a:effectRef idx="0">
+        <a:scrgbClr r="0" g="0" b="0"/>
+      </a:effectRef>
+      <a:fontRef idx="minor"/>
+    </dgm:style>
+  </dgm:styleLbl>
+  <dgm:styleLbl name="dkBgShp">
+    <dgm:scene3d>
+      <a:camera prst="orthographicFront"/>
+      <a:lightRig rig="threePt" dir="t"/>
+    </dgm:scene3d>
+    <dgm:sp3d/>
+    <dgm:txPr/>
+    <dgm:style>
+      <a:lnRef idx="0">
+        <a:scrgbClr r="0" g="0" b="0"/>
+      </a:lnRef>
+      <a:fillRef idx="1">
+        <a:scrgbClr r="0" g="0" b="0"/>
+      </a:fillRef>
+      <a:effectRef idx="0">
+        <a:scrgbClr r="0" g="0" b="0"/>
+      </a:effectRef>
+      <a:fontRef idx="minor"/>
+    </dgm:style>
+  </dgm:styleLbl>
+  <dgm:styleLbl name="trBgShp">
+    <dgm:scene3d>
+      <a:camera prst="orthographicFront"/>
+      <a:lightRig rig="threePt" dir="t"/>
+    </dgm:scene3d>
+    <dgm:sp3d/>
+    <dgm:txPr/>
+    <dgm:style>
+      <a:lnRef idx="0">
+        <a:scrgbClr r="0" g="0" b="0"/>
+      </a:lnRef>
+      <a:fillRef idx="1">
+        <a:scrgbClr r="0" g="0" b="0"/>
+      </a:fillRef>
+      <a:effectRef idx="0">
+        <a:scrgbClr r="0" g="0" b="0"/>
+      </a:effectRef>
+      <a:fontRef idx="minor"/>
+    </dgm:style>
+  </dgm:styleLbl>
+  <dgm:styleLbl name="fgShp">
+    <dgm:scene3d>
+      <a:camera prst="orthographicFront"/>
+      <a:lightRig rig="threePt" dir="t"/>
+    </dgm:scene3d>
+    <dgm:sp3d/>
+    <dgm:txPr/>
+    <dgm:style>
+      <a:lnRef idx="2">
+        <a:scrgbClr r="0" g="0" b="0"/>
+      </a:lnRef>
+      <a:fillRef idx="1">
+        <a:scrgbClr r="0" g="0" b="0"/>
+      </a:fillRef>
+      <a:effectRef idx="0">
+        <a:scrgbClr r="0" g="0" b="0"/>
+      </a:effectRef>
+      <a:fontRef idx="minor"/>
+    </dgm:style>
+  </dgm:styleLbl>
+  <dgm:styleLbl name="revTx">
+    <dgm:scene3d>
+      <a:camera prst="orthographicFront"/>
+      <a:lightRig rig="threePt" dir="t"/>
+    </dgm:scene3d>
+    <dgm:sp3d/>
+    <dgm:txPr/>
+    <dgm:style>
+      <a:lnRef idx="0">
+        <a:scrgbClr r="0" g="0" b="0"/>
+      </a:lnRef>
+      <a:fillRef idx="0">
+        <a:scrgbClr r="0" g="0" b="0"/>
+      </a:fillRef>
+      <a:effectRef idx="0">
+        <a:scrgbClr r="0" g="0" b="0"/>
+      </a:effectRef>
+      <a:fontRef idx="minor"/>
+    </dgm:style>
+  </dgm:styleLbl>
+</dgm:styleDef>
 </file>
 
 <file path=ppt/notesMasters/notesMaster1.xml><?xml version="1.0" encoding="utf-8"?>
@@ -797,6 +4240,145 @@
     <p:extLst>
       <p:ext uri="{BB962C8B-B14F-4D97-AF65-F5344CB8AC3E}">
         <p14:creationId xmlns:p14="http://schemas.microsoft.com/office/powerpoint/2010/main" val="4187284654"/>
+      </p:ext>
+    </p:extLst>
+  </p:cSld>
+  <p:clrMapOvr>
+    <a:masterClrMapping/>
+  </p:clrMapOvr>
+</p:notes>
+</file>
+
+<file path=ppt/notesSlides/notesSlide4.xml><?xml version="1.0" encoding="utf-8"?>
+<p:notes xmlns:a="http://schemas.openxmlformats.org/drawingml/2006/main" xmlns:r="http://schemas.openxmlformats.org/officeDocument/2006/relationships" xmlns:p="http://schemas.openxmlformats.org/presentationml/2006/main">
+  <p:cSld>
+    <p:spTree>
+      <p:nvGrpSpPr>
+        <p:cNvPr id="1" name=""/>
+        <p:cNvGrpSpPr/>
+        <p:nvPr/>
+      </p:nvGrpSpPr>
+      <p:grpSpPr>
+        <a:xfrm>
+          <a:off x="0" y="0"/>
+          <a:ext cx="0" cy="0"/>
+          <a:chOff x="0" y="0"/>
+          <a:chExt cx="0" cy="0"/>
+        </a:xfrm>
+      </p:grpSpPr>
+      <p:sp>
+        <p:nvSpPr>
+          <p:cNvPr id="2" name="スライド イメージ プレースホルダー 1"/>
+          <p:cNvSpPr>
+            <a:spLocks noGrp="1" noRot="1" noChangeAspect="1"/>
+          </p:cNvSpPr>
+          <p:nvPr>
+            <p:ph type="sldImg"/>
+          </p:nvPr>
+        </p:nvSpPr>
+        <p:spPr/>
+      </p:sp>
+      <p:sp>
+        <p:nvSpPr>
+          <p:cNvPr id="3" name="ノート プレースホルダー 2"/>
+          <p:cNvSpPr>
+            <a:spLocks noGrp="1"/>
+          </p:cNvSpPr>
+          <p:nvPr>
+            <p:ph type="body" idx="1"/>
+          </p:nvPr>
+        </p:nvSpPr>
+        <p:spPr/>
+        <p:txBody>
+          <a:bodyPr/>
+          <a:lstStyle/>
+          <a:p>
+            <a:pPr>
+              <a:buFont typeface="Wingdings" panose="05000000000000000000" pitchFamily="2" charset="2"/>
+              <a:buChar char="l"/>
+            </a:pPr>
+            <a:r>
+              <a:rPr kumimoji="1" lang="ja-JP" altLang="en-US" sz="1200" smtClean="0"/>
+              <a:t>コスト</a:t>
+            </a:r>
+            <a:endParaRPr kumimoji="1" lang="en-US" altLang="ja-JP" sz="1200" smtClean="0"/>
+          </a:p>
+          <a:p>
+            <a:pPr>
+              <a:buFont typeface="Wingdings" panose="05000000000000000000" pitchFamily="2" charset="2"/>
+              <a:buChar char="l"/>
+            </a:pPr>
+            <a:r>
+              <a:rPr kumimoji="1" lang="ja-JP" altLang="en-US" sz="1200" smtClean="0"/>
+              <a:t>体験</a:t>
+            </a:r>
+            <a:endParaRPr kumimoji="1" lang="en-US" altLang="ja-JP" sz="1200" smtClean="0"/>
+          </a:p>
+          <a:p>
+            <a:pPr>
+              <a:buFont typeface="Wingdings" panose="05000000000000000000" pitchFamily="2" charset="2"/>
+              <a:buChar char="l"/>
+            </a:pPr>
+            <a:r>
+              <a:rPr lang="ja-JP" altLang="en-US" sz="1200" smtClean="0"/>
+              <a:t>従来との比較</a:t>
+            </a:r>
+            <a:endParaRPr lang="en-US" altLang="ja-JP" sz="1200" smtClean="0"/>
+          </a:p>
+          <a:p>
+            <a:pPr>
+              <a:buFont typeface="Wingdings" panose="05000000000000000000" pitchFamily="2" charset="2"/>
+              <a:buChar char="l"/>
+            </a:pPr>
+            <a:r>
+              <a:rPr kumimoji="1" lang="ja-JP" altLang="en-US" sz="1200" smtClean="0"/>
+              <a:t>学術的</a:t>
+            </a:r>
+            <a:endParaRPr kumimoji="1" lang="en-US" altLang="ja-JP" sz="1200" smtClean="0"/>
+          </a:p>
+          <a:p>
+            <a:pPr>
+              <a:buFont typeface="Wingdings" panose="05000000000000000000" pitchFamily="2" charset="2"/>
+              <a:buChar char="l"/>
+            </a:pPr>
+            <a:r>
+              <a:rPr lang="ja-JP" altLang="en-US" sz="1200" smtClean="0"/>
+              <a:t>促進</a:t>
+            </a:r>
+            <a:endParaRPr lang="en-US" altLang="ja-JP" sz="1200" smtClean="0"/>
+          </a:p>
+          <a:p>
+            <a:endParaRPr kumimoji="1" lang="ja-JP" altLang="en-US"/>
+          </a:p>
+        </p:txBody>
+      </p:sp>
+      <p:sp>
+        <p:nvSpPr>
+          <p:cNvPr id="4" name="スライド番号プレースホルダー 3"/>
+          <p:cNvSpPr>
+            <a:spLocks noGrp="1"/>
+          </p:cNvSpPr>
+          <p:nvPr>
+            <p:ph type="sldNum" sz="quarter" idx="10"/>
+          </p:nvPr>
+        </p:nvSpPr>
+        <p:spPr/>
+        <p:txBody>
+          <a:bodyPr/>
+          <a:lstStyle/>
+          <a:p>
+            <a:fld id="{1705D8A9-7A56-411A-9EF9-F7869DF78C8C}" type="slidenum">
+              <a:rPr kumimoji="1" lang="ja-JP" altLang="en-US" smtClean="0"/>
+              <a:t>7</a:t>
+            </a:fld>
+            <a:endParaRPr kumimoji="1" lang="ja-JP" altLang="en-US"/>
+          </a:p>
+        </p:txBody>
+      </p:sp>
+    </p:spTree>
+    <p:extLst>
+      <p:ext uri="{BB962C8B-B14F-4D97-AF65-F5344CB8AC3E}">
+        <p14:creationId xmlns:p14="http://schemas.microsoft.com/office/powerpoint/2010/main" val="3021546939"/>
       </p:ext>
     </p:extLst>
   </p:cSld>
@@ -6293,6 +9875,60 @@
 </p:sld>
 </file>
 
+<file path=ppt/slides/slide14.xml><?xml version="1.0" encoding="utf-8"?>
+<p:sld xmlns:a="http://schemas.openxmlformats.org/drawingml/2006/main" xmlns:r="http://schemas.openxmlformats.org/officeDocument/2006/relationships" xmlns:p="http://schemas.openxmlformats.org/presentationml/2006/main">
+  <p:cSld>
+    <p:spTree>
+      <p:nvGrpSpPr>
+        <p:cNvPr id="1" name=""/>
+        <p:cNvGrpSpPr/>
+        <p:nvPr/>
+      </p:nvGrpSpPr>
+      <p:grpSpPr>
+        <a:xfrm>
+          <a:off x="0" y="0"/>
+          <a:ext cx="0" cy="0"/>
+          <a:chOff x="0" y="0"/>
+          <a:chExt cx="0" cy="0"/>
+        </a:xfrm>
+      </p:grpSpPr>
+      <p:pic>
+        <p:nvPicPr>
+          <p:cNvPr id="6" name="図 5"/>
+          <p:cNvPicPr>
+            <a:picLocks noChangeAspect="1"/>
+          </p:cNvPicPr>
+          <p:nvPr/>
+        </p:nvPicPr>
+        <p:blipFill>
+          <a:blip r:embed="rId2"/>
+          <a:stretch>
+            <a:fillRect/>
+          </a:stretch>
+        </p:blipFill>
+        <p:spPr>
+          <a:xfrm>
+            <a:off x="63733" y="2032909"/>
+            <a:ext cx="12041897" cy="2725018"/>
+          </a:xfrm>
+          <a:prstGeom prst="rect">
+            <a:avLst/>
+          </a:prstGeom>
+        </p:spPr>
+      </p:pic>
+    </p:spTree>
+    <p:extLst>
+      <p:ext uri="{BB962C8B-B14F-4D97-AF65-F5344CB8AC3E}">
+        <p14:creationId xmlns:p14="http://schemas.microsoft.com/office/powerpoint/2010/main" val="2251481468"/>
+      </p:ext>
+    </p:extLst>
+  </p:cSld>
+  <p:clrMapOvr>
+    <a:masterClrMapping/>
+  </p:clrMapOvr>
+</p:sld>
+</file>
+
 <file path=ppt/slides/slide2.xml><?xml version="1.0" encoding="utf-8"?>
 <p:sld xmlns:a="http://schemas.openxmlformats.org/drawingml/2006/main" xmlns:r="http://schemas.openxmlformats.org/officeDocument/2006/relationships" xmlns:p="http://schemas.openxmlformats.org/presentationml/2006/main">
   <p:cSld>
@@ -6781,6 +10417,800 @@
 </file>
 
 <file path=ppt/slides/slide5.xml><?xml version="1.0" encoding="utf-8"?>
+<p:sld xmlns:a="http://schemas.openxmlformats.org/drawingml/2006/main" xmlns:r="http://schemas.openxmlformats.org/officeDocument/2006/relationships" xmlns:p="http://schemas.openxmlformats.org/presentationml/2006/main">
+  <p:cSld>
+    <p:spTree>
+      <p:nvGrpSpPr>
+        <p:cNvPr id="1" name=""/>
+        <p:cNvGrpSpPr/>
+        <p:nvPr/>
+      </p:nvGrpSpPr>
+      <p:grpSpPr>
+        <a:xfrm>
+          <a:off x="0" y="0"/>
+          <a:ext cx="0" cy="0"/>
+          <a:chOff x="0" y="0"/>
+          <a:chExt cx="0" cy="0"/>
+        </a:xfrm>
+      </p:grpSpPr>
+      <p:pic>
+        <p:nvPicPr>
+          <p:cNvPr id="4" name="Picture 8" descr="立体のイラスト（四角柱・直方体）"/>
+          <p:cNvPicPr>
+            <a:picLocks noChangeAspect="1" noChangeArrowheads="1"/>
+          </p:cNvPicPr>
+          <p:nvPr/>
+        </p:nvPicPr>
+        <p:blipFill>
+          <a:blip r:embed="rId2">
+            <a:extLst>
+              <a:ext uri="{BEBA8EAE-BF5A-486C-A8C5-ECC9F3942E4B}">
+                <a14:imgProps xmlns:a14="http://schemas.microsoft.com/office/drawing/2010/main">
+                  <a14:imgLayer r:embed="rId3">
+                    <a14:imgEffect>
+                      <a14:colorTemperature colorTemp="11200"/>
+                    </a14:imgEffect>
+                    <a14:imgEffect>
+                      <a14:saturation sat="0"/>
+                    </a14:imgEffect>
+                  </a14:imgLayer>
+                </a14:imgProps>
+              </a:ext>
+              <a:ext uri="{28A0092B-C50C-407E-A947-70E740481C1C}">
+                <a14:useLocalDpi xmlns:a14="http://schemas.microsoft.com/office/drawing/2010/main" val="0"/>
+              </a:ext>
+            </a:extLst>
+          </a:blip>
+          <a:srcRect/>
+          <a:stretch>
+            <a:fillRect/>
+          </a:stretch>
+        </p:blipFill>
+        <p:spPr bwMode="auto">
+          <a:xfrm>
+            <a:off x="10017323" y="3130825"/>
+            <a:ext cx="1162050" cy="1905000"/>
+          </a:xfrm>
+          <a:prstGeom prst="rect">
+            <a:avLst/>
+          </a:prstGeom>
+          <a:noFill/>
+        </p:spPr>
+      </p:pic>
+      <p:pic>
+        <p:nvPicPr>
+          <p:cNvPr id="1040" name="Picture 16" descr="ショッピングカートを押している女性のイラスト"/>
+          <p:cNvPicPr>
+            <a:picLocks noChangeAspect="1" noChangeArrowheads="1"/>
+          </p:cNvPicPr>
+          <p:nvPr/>
+        </p:nvPicPr>
+        <p:blipFill>
+          <a:blip r:embed="rId4">
+            <a:extLst>
+              <a:ext uri="{28A0092B-C50C-407E-A947-70E740481C1C}">
+                <a14:useLocalDpi xmlns:a14="http://schemas.microsoft.com/office/drawing/2010/main" val="0"/>
+              </a:ext>
+            </a:extLst>
+          </a:blip>
+          <a:srcRect/>
+          <a:stretch>
+            <a:fillRect/>
+          </a:stretch>
+        </p:blipFill>
+        <p:spPr bwMode="auto">
+          <a:xfrm flipH="1">
+            <a:off x="5152116" y="2409694"/>
+            <a:ext cx="2676103" cy="2816951"/>
+          </a:xfrm>
+          <a:prstGeom prst="rect">
+            <a:avLst/>
+          </a:prstGeom>
+          <a:noFill/>
+          <a:extLst>
+            <a:ext uri="{909E8E84-426E-40DD-AFC4-6F175D3DCCD1}">
+              <a14:hiddenFill xmlns:a14="http://schemas.microsoft.com/office/drawing/2010/main">
+                <a:solidFill>
+                  <a:srgbClr val="FFFFFF"/>
+                </a:solidFill>
+              </a14:hiddenFill>
+            </a:ext>
+          </a:extLst>
+        </p:spPr>
+      </p:pic>
+      <p:sp>
+        <p:nvSpPr>
+          <p:cNvPr id="2" name="タイトル 1"/>
+          <p:cNvSpPr>
+            <a:spLocks noGrp="1"/>
+          </p:cNvSpPr>
+          <p:nvPr>
+            <p:ph type="title"/>
+          </p:nvPr>
+        </p:nvSpPr>
+        <p:spPr/>
+        <p:txBody>
+          <a:bodyPr/>
+          <a:lstStyle/>
+          <a:p>
+            <a:r>
+              <a:rPr lang="ja-JP" altLang="en-US" dirty="0" smtClean="0">
+                <a:solidFill>
+                  <a:schemeClr val="bg1">
+                    <a:lumMod val="75000"/>
+                  </a:schemeClr>
+                </a:solidFill>
+                <a:latin typeface="Bauhaus 93" panose="04030905020B02020C02" pitchFamily="82" charset="0"/>
+              </a:rPr>
+              <a:t>　　　　　　　　　　　</a:t>
+            </a:r>
+            <a:r>
+              <a:rPr lang="en-US" altLang="ja-JP" dirty="0" smtClean="0">
+                <a:solidFill>
+                  <a:schemeClr val="bg1">
+                    <a:lumMod val="75000"/>
+                  </a:schemeClr>
+                </a:solidFill>
+                <a:latin typeface="Bauhaus 93" panose="04030905020B02020C02" pitchFamily="82" charset="0"/>
+              </a:rPr>
+              <a:t>Summary</a:t>
+            </a:r>
+            <a:endParaRPr kumimoji="1" lang="ja-JP" altLang="en-US" dirty="0">
+              <a:solidFill>
+                <a:schemeClr val="bg1">
+                  <a:lumMod val="75000"/>
+                </a:schemeClr>
+              </a:solidFill>
+              <a:latin typeface="Bauhaus 93" panose="04030905020B02020C02" pitchFamily="82" charset="0"/>
+            </a:endParaRPr>
+          </a:p>
+        </p:txBody>
+      </p:sp>
+      <p:pic>
+        <p:nvPicPr>
+          <p:cNvPr id="1032" name="Picture 8" descr="ショッピングカートのイラスト（買い物）"/>
+          <p:cNvPicPr>
+            <a:picLocks noChangeAspect="1" noChangeArrowheads="1"/>
+          </p:cNvPicPr>
+          <p:nvPr/>
+        </p:nvPicPr>
+        <p:blipFill>
+          <a:blip r:embed="rId5">
+            <a:extLst>
+              <a:ext uri="{28A0092B-C50C-407E-A947-70E740481C1C}">
+                <a14:useLocalDpi xmlns:a14="http://schemas.microsoft.com/office/drawing/2010/main" val="0"/>
+              </a:ext>
+            </a:extLst>
+          </a:blip>
+          <a:srcRect/>
+          <a:stretch>
+            <a:fillRect/>
+          </a:stretch>
+        </p:blipFill>
+        <p:spPr bwMode="auto">
+          <a:xfrm flipH="1">
+            <a:off x="1690460" y="2951508"/>
+            <a:ext cx="2261053" cy="2176264"/>
+          </a:xfrm>
+          <a:prstGeom prst="rect">
+            <a:avLst/>
+          </a:prstGeom>
+          <a:noFill/>
+          <a:extLst>
+            <a:ext uri="{909E8E84-426E-40DD-AFC4-6F175D3DCCD1}">
+              <a14:hiddenFill xmlns:a14="http://schemas.microsoft.com/office/drawing/2010/main">
+                <a:solidFill>
+                  <a:srgbClr val="FFFFFF"/>
+                </a:solidFill>
+              </a14:hiddenFill>
+            </a:ext>
+          </a:extLst>
+        </p:spPr>
+      </p:pic>
+      <p:pic>
+        <p:nvPicPr>
+          <p:cNvPr id="1034" name="Picture 10" descr="アクションカメラのイラスト"/>
+          <p:cNvPicPr>
+            <a:picLocks noChangeAspect="1" noChangeArrowheads="1"/>
+          </p:cNvPicPr>
+          <p:nvPr/>
+        </p:nvPicPr>
+        <p:blipFill>
+          <a:blip r:embed="rId6" cstate="print">
+            <a:extLst>
+              <a:ext uri="{28A0092B-C50C-407E-A947-70E740481C1C}">
+                <a14:useLocalDpi xmlns:a14="http://schemas.microsoft.com/office/drawing/2010/main" val="0"/>
+              </a:ext>
+            </a:extLst>
+          </a:blip>
+          <a:srcRect/>
+          <a:stretch>
+            <a:fillRect/>
+          </a:stretch>
+        </p:blipFill>
+        <p:spPr bwMode="auto">
+          <a:xfrm flipH="1">
+            <a:off x="6327545" y="3742181"/>
+            <a:ext cx="409091" cy="409091"/>
+          </a:xfrm>
+          <a:prstGeom prst="rect">
+            <a:avLst/>
+          </a:prstGeom>
+          <a:noFill/>
+          <a:extLst>
+            <a:ext uri="{909E8E84-426E-40DD-AFC4-6F175D3DCCD1}">
+              <a14:hiddenFill xmlns:a14="http://schemas.microsoft.com/office/drawing/2010/main">
+                <a:solidFill>
+                  <a:srgbClr val="FFFFFF"/>
+                </a:solidFill>
+              </a14:hiddenFill>
+            </a:ext>
+          </a:extLst>
+        </p:spPr>
+      </p:pic>
+      <p:pic>
+        <p:nvPicPr>
+          <p:cNvPr id="18" name="Picture 8" descr="ショッピングカートのイラスト（買い物）"/>
+          <p:cNvPicPr>
+            <a:picLocks noChangeAspect="1" noChangeArrowheads="1"/>
+          </p:cNvPicPr>
+          <p:nvPr/>
+        </p:nvPicPr>
+        <p:blipFill>
+          <a:blip r:embed="rId5">
+            <a:extLst>
+              <a:ext uri="{28A0092B-C50C-407E-A947-70E740481C1C}">
+                <a14:useLocalDpi xmlns:a14="http://schemas.microsoft.com/office/drawing/2010/main" val="0"/>
+              </a:ext>
+            </a:extLst>
+          </a:blip>
+          <a:srcRect/>
+          <a:stretch>
+            <a:fillRect/>
+          </a:stretch>
+        </p:blipFill>
+        <p:spPr bwMode="auto">
+          <a:xfrm flipH="1">
+            <a:off x="8665337" y="3171032"/>
+            <a:ext cx="2261053" cy="2176264"/>
+          </a:xfrm>
+          <a:prstGeom prst="rect">
+            <a:avLst/>
+          </a:prstGeom>
+          <a:noFill/>
+          <a:extLst>
+            <a:ext uri="{909E8E84-426E-40DD-AFC4-6F175D3DCCD1}">
+              <a14:hiddenFill xmlns:a14="http://schemas.microsoft.com/office/drawing/2010/main">
+                <a:solidFill>
+                  <a:srgbClr val="FFFFFF"/>
+                </a:solidFill>
+              </a14:hiddenFill>
+            </a:ext>
+          </a:extLst>
+        </p:spPr>
+      </p:pic>
+      <p:pic>
+        <p:nvPicPr>
+          <p:cNvPr id="6" name="図 5"/>
+          <p:cNvPicPr>
+            <a:picLocks noChangeAspect="1"/>
+          </p:cNvPicPr>
+          <p:nvPr/>
+        </p:nvPicPr>
+        <p:blipFill>
+          <a:blip r:embed="rId7" cstate="print">
+            <a:extLst>
+              <a:ext uri="{28A0092B-C50C-407E-A947-70E740481C1C}">
+                <a14:useLocalDpi xmlns:a14="http://schemas.microsoft.com/office/drawing/2010/main" val="0"/>
+              </a:ext>
+            </a:extLst>
+          </a:blip>
+          <a:stretch>
+            <a:fillRect/>
+          </a:stretch>
+        </p:blipFill>
+        <p:spPr>
+          <a:xfrm>
+            <a:off x="1097280" y="438751"/>
+            <a:ext cx="4754037" cy="1658783"/>
+          </a:xfrm>
+          <a:prstGeom prst="rect">
+            <a:avLst/>
+          </a:prstGeom>
+        </p:spPr>
+      </p:pic>
+      <p:sp>
+        <p:nvSpPr>
+          <p:cNvPr id="7" name="右矢印 6"/>
+          <p:cNvSpPr/>
+          <p:nvPr/>
+        </p:nvSpPr>
+        <p:spPr>
+          <a:xfrm>
+            <a:off x="4513130" y="3818169"/>
+            <a:ext cx="638986" cy="333103"/>
+          </a:xfrm>
+          <a:prstGeom prst="rightArrow">
+            <a:avLst/>
+          </a:prstGeom>
+          <a:solidFill>
+            <a:schemeClr val="bg1">
+              <a:lumMod val="50000"/>
+            </a:schemeClr>
+          </a:solidFill>
+          <a:ln>
+            <a:noFill/>
+          </a:ln>
+        </p:spPr>
+        <p:style>
+          <a:lnRef idx="2">
+            <a:schemeClr val="accent1">
+              <a:shade val="50000"/>
+            </a:schemeClr>
+          </a:lnRef>
+          <a:fillRef idx="1">
+            <a:schemeClr val="accent1"/>
+          </a:fillRef>
+          <a:effectRef idx="0">
+            <a:schemeClr val="accent1"/>
+          </a:effectRef>
+          <a:fontRef idx="minor">
+            <a:schemeClr val="lt1"/>
+          </a:fontRef>
+        </p:style>
+        <p:txBody>
+          <a:bodyPr rtlCol="0" anchor="ctr"/>
+          <a:lstStyle/>
+          <a:p>
+            <a:pPr marL="0" marR="0" lvl="0" indent="0" algn="ctr" defTabSz="914400" rtl="0" eaLnBrk="1" fontAlgn="auto" latinLnBrk="0" hangingPunct="1">
+              <a:lnSpc>
+                <a:spcPct val="100000"/>
+              </a:lnSpc>
+              <a:spcBef>
+                <a:spcPts val="0"/>
+              </a:spcBef>
+              <a:spcAft>
+                <a:spcPts val="0"/>
+              </a:spcAft>
+              <a:buClrTx/>
+              <a:buSzTx/>
+              <a:buFontTx/>
+              <a:buNone/>
+              <a:tabLst/>
+              <a:defRPr/>
+            </a:pPr>
+            <a:endParaRPr kumimoji="1" lang="ja-JP" altLang="en-US" sz="1800" b="0" i="0" u="none" strike="noStrike" kern="1200" cap="none" spc="0" normalizeH="0" baseline="0" noProof="0" dirty="0">
+              <a:ln>
+                <a:noFill/>
+              </a:ln>
+              <a:solidFill>
+                <a:prstClr val="white"/>
+              </a:solidFill>
+              <a:effectLst/>
+              <a:uLnTx/>
+              <a:uFillTx/>
+              <a:latin typeface="Calibri" panose="020F0502020204030204"/>
+              <a:ea typeface="ＭＳ Ｐゴシック" panose="020B0600070205080204" pitchFamily="50" charset="-128"/>
+              <a:cs typeface="+mn-cs"/>
+            </a:endParaRPr>
+          </a:p>
+        </p:txBody>
+      </p:sp>
+      <p:sp>
+        <p:nvSpPr>
+          <p:cNvPr id="21" name="右矢印 20"/>
+          <p:cNvSpPr/>
+          <p:nvPr/>
+        </p:nvSpPr>
+        <p:spPr>
+          <a:xfrm>
+            <a:off x="8098300" y="3818169"/>
+            <a:ext cx="638986" cy="333103"/>
+          </a:xfrm>
+          <a:prstGeom prst="rightArrow">
+            <a:avLst/>
+          </a:prstGeom>
+          <a:solidFill>
+            <a:schemeClr val="bg1">
+              <a:lumMod val="50000"/>
+            </a:schemeClr>
+          </a:solidFill>
+          <a:ln>
+            <a:noFill/>
+          </a:ln>
+        </p:spPr>
+        <p:style>
+          <a:lnRef idx="2">
+            <a:schemeClr val="accent1">
+              <a:shade val="50000"/>
+            </a:schemeClr>
+          </a:lnRef>
+          <a:fillRef idx="1">
+            <a:schemeClr val="accent1"/>
+          </a:fillRef>
+          <a:effectRef idx="0">
+            <a:schemeClr val="accent1"/>
+          </a:effectRef>
+          <a:fontRef idx="minor">
+            <a:schemeClr val="lt1"/>
+          </a:fontRef>
+        </p:style>
+        <p:txBody>
+          <a:bodyPr rtlCol="0" anchor="ctr"/>
+          <a:lstStyle/>
+          <a:p>
+            <a:pPr marL="0" marR="0" lvl="0" indent="0" algn="ctr" defTabSz="914400" rtl="0" eaLnBrk="1" fontAlgn="auto" latinLnBrk="0" hangingPunct="1">
+              <a:lnSpc>
+                <a:spcPct val="100000"/>
+              </a:lnSpc>
+              <a:spcBef>
+                <a:spcPts val="0"/>
+              </a:spcBef>
+              <a:spcAft>
+                <a:spcPts val="0"/>
+              </a:spcAft>
+              <a:buClrTx/>
+              <a:buSzTx/>
+              <a:buFontTx/>
+              <a:buNone/>
+              <a:tabLst/>
+              <a:defRPr/>
+            </a:pPr>
+            <a:endParaRPr kumimoji="1" lang="ja-JP" altLang="en-US" sz="1800" b="0" i="0" u="none" strike="noStrike" kern="1200" cap="none" spc="0" normalizeH="0" baseline="0" noProof="0" dirty="0">
+              <a:ln>
+                <a:noFill/>
+              </a:ln>
+              <a:solidFill>
+                <a:prstClr val="white"/>
+              </a:solidFill>
+              <a:effectLst/>
+              <a:uLnTx/>
+              <a:uFillTx/>
+              <a:latin typeface="Calibri" panose="020F0502020204030204"/>
+              <a:ea typeface="ＭＳ Ｐゴシック" panose="020B0600070205080204" pitchFamily="50" charset="-128"/>
+              <a:cs typeface="+mn-cs"/>
+            </a:endParaRPr>
+          </a:p>
+        </p:txBody>
+      </p:sp>
+      <p:pic>
+        <p:nvPicPr>
+          <p:cNvPr id="22" name="Picture 10" descr="アクションカメラのイラスト"/>
+          <p:cNvPicPr>
+            <a:picLocks noChangeAspect="1" noChangeArrowheads="1"/>
+          </p:cNvPicPr>
+          <p:nvPr/>
+        </p:nvPicPr>
+        <p:blipFill>
+          <a:blip r:embed="rId6" cstate="print">
+            <a:extLst>
+              <a:ext uri="{28A0092B-C50C-407E-A947-70E740481C1C}">
+                <a14:useLocalDpi xmlns:a14="http://schemas.microsoft.com/office/drawing/2010/main" val="0"/>
+              </a:ext>
+            </a:extLst>
+          </a:blip>
+          <a:srcRect/>
+          <a:stretch>
+            <a:fillRect/>
+          </a:stretch>
+        </p:blipFill>
+        <p:spPr bwMode="auto">
+          <a:xfrm flipH="1">
+            <a:off x="9172759" y="3521333"/>
+            <a:ext cx="409091" cy="409091"/>
+          </a:xfrm>
+          <a:prstGeom prst="rect">
+            <a:avLst/>
+          </a:prstGeom>
+          <a:noFill/>
+          <a:extLst>
+            <a:ext uri="{909E8E84-426E-40DD-AFC4-6F175D3DCCD1}">
+              <a14:hiddenFill xmlns:a14="http://schemas.microsoft.com/office/drawing/2010/main">
+                <a:solidFill>
+                  <a:srgbClr val="FFFFFF"/>
+                </a:solidFill>
+              </a14:hiddenFill>
+            </a:ext>
+          </a:extLst>
+        </p:spPr>
+      </p:pic>
+      <p:pic>
+        <p:nvPicPr>
+          <p:cNvPr id="1026" name="Picture 2" descr="電子マネー払いのイラスト"/>
+          <p:cNvPicPr>
+            <a:picLocks noChangeAspect="1" noChangeArrowheads="1"/>
+          </p:cNvPicPr>
+          <p:nvPr/>
+        </p:nvPicPr>
+        <p:blipFill>
+          <a:blip r:embed="rId8">
+            <a:extLst>
+              <a:ext uri="{28A0092B-C50C-407E-A947-70E740481C1C}">
+                <a14:useLocalDpi xmlns:a14="http://schemas.microsoft.com/office/drawing/2010/main" val="0"/>
+              </a:ext>
+            </a:extLst>
+          </a:blip>
+          <a:srcRect/>
+          <a:stretch>
+            <a:fillRect/>
+          </a:stretch>
+        </p:blipFill>
+        <p:spPr bwMode="auto">
+          <a:xfrm>
+            <a:off x="1156084" y="2682375"/>
+            <a:ext cx="1587685" cy="1716416"/>
+          </a:xfrm>
+          <a:prstGeom prst="rect">
+            <a:avLst/>
+          </a:prstGeom>
+          <a:noFill/>
+          <a:extLst>
+            <a:ext uri="{909E8E84-426E-40DD-AFC4-6F175D3DCCD1}">
+              <a14:hiddenFill xmlns:a14="http://schemas.microsoft.com/office/drawing/2010/main">
+                <a:solidFill>
+                  <a:srgbClr val="FFFFFF"/>
+                </a:solidFill>
+              </a14:hiddenFill>
+            </a:ext>
+          </a:extLst>
+        </p:spPr>
+      </p:pic>
+      <p:sp>
+        <p:nvSpPr>
+          <p:cNvPr id="3" name="フローチャート: 処理 2"/>
+          <p:cNvSpPr/>
+          <p:nvPr/>
+        </p:nvSpPr>
+        <p:spPr>
+          <a:xfrm>
+            <a:off x="1769931" y="4362203"/>
+            <a:ext cx="922162" cy="1166422"/>
+          </a:xfrm>
+          <a:prstGeom prst="flowChartProcess">
+            <a:avLst/>
+          </a:prstGeom>
+          <a:solidFill>
+            <a:srgbClr val="7E7E7E"/>
+          </a:solidFill>
+          <a:ln>
+            <a:noFill/>
+          </a:ln>
+        </p:spPr>
+        <p:style>
+          <a:lnRef idx="2">
+            <a:schemeClr val="accent1">
+              <a:shade val="50000"/>
+            </a:schemeClr>
+          </a:lnRef>
+          <a:fillRef idx="1">
+            <a:schemeClr val="accent1"/>
+          </a:fillRef>
+          <a:effectRef idx="0">
+            <a:schemeClr val="accent1"/>
+          </a:effectRef>
+          <a:fontRef idx="minor">
+            <a:schemeClr val="lt1"/>
+          </a:fontRef>
+        </p:style>
+        <p:txBody>
+          <a:bodyPr rtlCol="0" anchor="ctr"/>
+          <a:lstStyle/>
+          <a:p>
+            <a:pPr marL="0" marR="0" lvl="0" indent="0" algn="ctr" defTabSz="914400" rtl="0" eaLnBrk="1" fontAlgn="auto" latinLnBrk="0" hangingPunct="1">
+              <a:lnSpc>
+                <a:spcPct val="100000"/>
+              </a:lnSpc>
+              <a:spcBef>
+                <a:spcPts val="0"/>
+              </a:spcBef>
+              <a:spcAft>
+                <a:spcPts val="0"/>
+              </a:spcAft>
+              <a:buClrTx/>
+              <a:buSzTx/>
+              <a:buFontTx/>
+              <a:buNone/>
+              <a:tabLst/>
+              <a:defRPr/>
+            </a:pPr>
+            <a:endParaRPr kumimoji="1" lang="ja-JP" altLang="en-US" sz="1800" b="0" i="0" u="none" strike="noStrike" kern="1200" cap="none" spc="0" normalizeH="0" baseline="0" noProof="0" dirty="0">
+              <a:ln>
+                <a:noFill/>
+              </a:ln>
+              <a:solidFill>
+                <a:prstClr val="white"/>
+              </a:solidFill>
+              <a:effectLst/>
+              <a:uLnTx/>
+              <a:uFillTx/>
+              <a:latin typeface="Calibri" panose="020F0502020204030204"/>
+              <a:ea typeface="ＭＳ Ｐゴシック" panose="020B0600070205080204" pitchFamily="50" charset="-128"/>
+              <a:cs typeface="+mn-cs"/>
+            </a:endParaRPr>
+          </a:p>
+        </p:txBody>
+      </p:sp>
+      <p:pic>
+        <p:nvPicPr>
+          <p:cNvPr id="1030" name="Picture 6" descr="クレジットカードのICチップのイラスト"/>
+          <p:cNvPicPr>
+            <a:picLocks noChangeAspect="1" noChangeArrowheads="1"/>
+          </p:cNvPicPr>
+          <p:nvPr/>
+        </p:nvPicPr>
+        <p:blipFill>
+          <a:blip r:embed="rId9" cstate="print">
+            <a:extLst>
+              <a:ext uri="{28A0092B-C50C-407E-A947-70E740481C1C}">
+                <a14:useLocalDpi xmlns:a14="http://schemas.microsoft.com/office/drawing/2010/main" val="0"/>
+              </a:ext>
+            </a:extLst>
+          </a:blip>
+          <a:srcRect/>
+          <a:stretch>
+            <a:fillRect/>
+          </a:stretch>
+        </p:blipFill>
+        <p:spPr bwMode="auto">
+          <a:xfrm>
+            <a:off x="2678105" y="3907486"/>
+            <a:ext cx="401410" cy="351678"/>
+          </a:xfrm>
+          <a:prstGeom prst="rect">
+            <a:avLst/>
+          </a:prstGeom>
+          <a:noFill/>
+          <a:extLst>
+            <a:ext uri="{909E8E84-426E-40DD-AFC4-6F175D3DCCD1}">
+              <a14:hiddenFill xmlns:a14="http://schemas.microsoft.com/office/drawing/2010/main">
+                <a:solidFill>
+                  <a:srgbClr val="FFFFFF"/>
+                </a:solidFill>
+              </a14:hiddenFill>
+            </a:ext>
+          </a:extLst>
+        </p:spPr>
+      </p:pic>
+      <p:pic>
+        <p:nvPicPr>
+          <p:cNvPr id="19" name="Picture 6" descr="クレジットカードのICチップのイラスト"/>
+          <p:cNvPicPr>
+            <a:picLocks noChangeAspect="1" noChangeArrowheads="1"/>
+          </p:cNvPicPr>
+          <p:nvPr/>
+        </p:nvPicPr>
+        <p:blipFill>
+          <a:blip r:embed="rId9" cstate="print">
+            <a:extLst>
+              <a:ext uri="{28A0092B-C50C-407E-A947-70E740481C1C}">
+                <a14:useLocalDpi xmlns:a14="http://schemas.microsoft.com/office/drawing/2010/main" val="0"/>
+              </a:ext>
+            </a:extLst>
+          </a:blip>
+          <a:srcRect/>
+          <a:stretch>
+            <a:fillRect/>
+          </a:stretch>
+        </p:blipFill>
+        <p:spPr bwMode="auto">
+          <a:xfrm>
+            <a:off x="18947876" y="7262540"/>
+            <a:ext cx="401410" cy="351678"/>
+          </a:xfrm>
+          <a:prstGeom prst="rect">
+            <a:avLst/>
+          </a:prstGeom>
+          <a:noFill/>
+        </p:spPr>
+      </p:pic>
+      <p:pic>
+        <p:nvPicPr>
+          <p:cNvPr id="20" name="Picture 6" descr="クレジットカードのICチップのイラスト"/>
+          <p:cNvPicPr>
+            <a:picLocks noChangeAspect="1" noChangeArrowheads="1"/>
+          </p:cNvPicPr>
+          <p:nvPr/>
+        </p:nvPicPr>
+        <p:blipFill>
+          <a:blip r:embed="rId9" cstate="print">
+            <a:extLst>
+              <a:ext uri="{28A0092B-C50C-407E-A947-70E740481C1C}">
+                <a14:useLocalDpi xmlns:a14="http://schemas.microsoft.com/office/drawing/2010/main" val="0"/>
+              </a:ext>
+            </a:extLst>
+          </a:blip>
+          <a:srcRect/>
+          <a:stretch>
+            <a:fillRect/>
+          </a:stretch>
+        </p:blipFill>
+        <p:spPr bwMode="auto">
+          <a:xfrm>
+            <a:off x="9398177" y="3975433"/>
+            <a:ext cx="401410" cy="351678"/>
+          </a:xfrm>
+          <a:prstGeom prst="rect">
+            <a:avLst/>
+          </a:prstGeom>
+          <a:noFill/>
+          <a:extLst>
+            <a:ext uri="{909E8E84-426E-40DD-AFC4-6F175D3DCCD1}">
+              <a14:hiddenFill xmlns:a14="http://schemas.microsoft.com/office/drawing/2010/main">
+                <a:solidFill>
+                  <a:srgbClr val="FFFFFF"/>
+                </a:solidFill>
+              </a14:hiddenFill>
+            </a:ext>
+          </a:extLst>
+        </p:spPr>
+      </p:pic>
+      <p:sp>
+        <p:nvSpPr>
+          <p:cNvPr id="24" name="正方形/長方形 23"/>
+          <p:cNvSpPr/>
+          <p:nvPr/>
+        </p:nvSpPr>
+        <p:spPr>
+          <a:xfrm>
+            <a:off x="6066062" y="3404513"/>
+            <a:ext cx="1665515" cy="1822132"/>
+          </a:xfrm>
+          <a:prstGeom prst="rect">
+            <a:avLst/>
+          </a:prstGeom>
+          <a:noFill/>
+          <a:ln w="28575">
+            <a:solidFill>
+              <a:srgbClr val="C00000"/>
+            </a:solidFill>
+          </a:ln>
+        </p:spPr>
+        <p:style>
+          <a:lnRef idx="2">
+            <a:schemeClr val="accent1">
+              <a:shade val="50000"/>
+            </a:schemeClr>
+          </a:lnRef>
+          <a:fillRef idx="1">
+            <a:schemeClr val="accent1"/>
+          </a:fillRef>
+          <a:effectRef idx="0">
+            <a:schemeClr val="accent1"/>
+          </a:effectRef>
+          <a:fontRef idx="minor">
+            <a:schemeClr val="lt1"/>
+          </a:fontRef>
+        </p:style>
+        <p:txBody>
+          <a:bodyPr rtlCol="0" anchor="ctr"/>
+          <a:lstStyle/>
+          <a:p>
+            <a:pPr algn="ctr"/>
+            <a:endParaRPr kumimoji="1" lang="ja-JP" altLang="en-US" dirty="0"/>
+          </a:p>
+        </p:txBody>
+      </p:sp>
+    </p:spTree>
+    <p:extLst>
+      <p:ext uri="{BB962C8B-B14F-4D97-AF65-F5344CB8AC3E}">
+        <p14:creationId xmlns:p14="http://schemas.microsoft.com/office/powerpoint/2010/main" val="1955587808"/>
+      </p:ext>
+    </p:extLst>
+  </p:cSld>
+  <p:clrMapOvr>
+    <a:masterClrMapping/>
+  </p:clrMapOvr>
+  <p:timing>
+    <p:tnLst>
+      <p:par>
+        <p:cTn id="1" dur="indefinite" restart="never" nodeType="tmRoot"/>
+      </p:par>
+    </p:tnLst>
+  </p:timing>
+</p:sld>
+</file>
+
+<file path=ppt/slides/slide6.xml><?xml version="1.0" encoding="utf-8"?>
 <p:sld xmlns:a="http://schemas.openxmlformats.org/drawingml/2006/main" xmlns:r="http://schemas.openxmlformats.org/officeDocument/2006/relationships" xmlns:p="http://schemas.openxmlformats.org/presentationml/2006/main">
   <p:cSld>
     <p:spTree>
@@ -8279,282 +12709,6 @@
 </p:sld>
 </file>
 
-<file path=ppt/slides/slide6.xml><?xml version="1.0" encoding="utf-8"?>
-<p:sld xmlns:a="http://schemas.openxmlformats.org/drawingml/2006/main" xmlns:r="http://schemas.openxmlformats.org/officeDocument/2006/relationships" xmlns:p="http://schemas.openxmlformats.org/presentationml/2006/main">
-  <p:cSld>
-    <p:spTree>
-      <p:nvGrpSpPr>
-        <p:cNvPr id="1" name=""/>
-        <p:cNvGrpSpPr/>
-        <p:nvPr/>
-      </p:nvGrpSpPr>
-      <p:grpSpPr>
-        <a:xfrm>
-          <a:off x="0" y="0"/>
-          <a:ext cx="0" cy="0"/>
-          <a:chOff x="0" y="0"/>
-          <a:chExt cx="0" cy="0"/>
-        </a:xfrm>
-      </p:grpSpPr>
-      <p:sp>
-        <p:nvSpPr>
-          <p:cNvPr id="2" name="タイトル 1"/>
-          <p:cNvSpPr>
-            <a:spLocks noGrp="1"/>
-          </p:cNvSpPr>
-          <p:nvPr>
-            <p:ph type="title"/>
-          </p:nvPr>
-        </p:nvSpPr>
-        <p:spPr/>
-        <p:txBody>
-          <a:bodyPr/>
-          <a:lstStyle/>
-          <a:p>
-            <a:r>
-              <a:rPr lang="ja-JP" altLang="en-US" dirty="0" smtClean="0"/>
-              <a:t>メリット</a:t>
-            </a:r>
-            <a:r>
-              <a:rPr lang="ja-JP" altLang="en-US" dirty="0"/>
-              <a:t>・</a:t>
-            </a:r>
-            <a:r>
-              <a:rPr lang="ja-JP" altLang="en-US" dirty="0" smtClean="0"/>
-              <a:t>効果</a:t>
-            </a:r>
-            <a:endParaRPr kumimoji="1" lang="ja-JP" altLang="en-US" dirty="0"/>
-          </a:p>
-        </p:txBody>
-      </p:sp>
-      <p:sp>
-        <p:nvSpPr>
-          <p:cNvPr id="4" name="テキスト プレースホルダー 3"/>
-          <p:cNvSpPr>
-            <a:spLocks noGrp="1"/>
-          </p:cNvSpPr>
-          <p:nvPr>
-            <p:ph type="body" idx="1"/>
-          </p:nvPr>
-        </p:nvSpPr>
-        <p:spPr/>
-        <p:txBody>
-          <a:bodyPr/>
-          <a:lstStyle/>
-          <a:p>
-            <a:r>
-              <a:rPr kumimoji="1" lang="ja-JP" altLang="en-US" sz="2800" dirty="0" smtClean="0"/>
-              <a:t>お客様</a:t>
-            </a:r>
-            <a:endParaRPr kumimoji="1" lang="ja-JP" altLang="en-US" sz="2800" dirty="0"/>
-          </a:p>
-        </p:txBody>
-      </p:sp>
-      <p:sp>
-        <p:nvSpPr>
-          <p:cNvPr id="5" name="コンテンツ プレースホルダー 4"/>
-          <p:cNvSpPr>
-            <a:spLocks noGrp="1"/>
-          </p:cNvSpPr>
-          <p:nvPr>
-            <p:ph sz="half" idx="2"/>
-          </p:nvPr>
-        </p:nvSpPr>
-        <p:spPr/>
-        <p:txBody>
-          <a:bodyPr/>
-          <a:lstStyle/>
-          <a:p>
-            <a:pPr>
-              <a:buFont typeface="Wingdings" panose="05000000000000000000" pitchFamily="2" charset="2"/>
-              <a:buChar char="l"/>
-            </a:pPr>
-            <a:r>
-              <a:rPr kumimoji="1" lang="ja-JP" altLang="en-US" sz="2800" dirty="0" smtClean="0"/>
-              <a:t>決済にかかる時間の短縮</a:t>
-            </a:r>
-            <a:endParaRPr kumimoji="1" lang="en-US" altLang="ja-JP" sz="2800" dirty="0" smtClean="0"/>
-          </a:p>
-          <a:p>
-            <a:pPr>
-              <a:buFont typeface="Wingdings" panose="05000000000000000000" pitchFamily="2" charset="2"/>
-              <a:buChar char="l"/>
-            </a:pPr>
-            <a:r>
-              <a:rPr lang="ja-JP" altLang="en-US" sz="2800" dirty="0" smtClean="0"/>
-              <a:t>袋詰めの手間の削減</a:t>
-            </a:r>
-            <a:endParaRPr kumimoji="1" lang="en-US" altLang="ja-JP" sz="2800" dirty="0" smtClean="0"/>
-          </a:p>
-          <a:p>
-            <a:pPr>
-              <a:buFont typeface="Wingdings" panose="05000000000000000000" pitchFamily="2" charset="2"/>
-              <a:buChar char="l"/>
-            </a:pPr>
-            <a:endParaRPr kumimoji="1" lang="ja-JP" altLang="en-US" sz="2800" dirty="0"/>
-          </a:p>
-        </p:txBody>
-      </p:sp>
-      <p:sp>
-        <p:nvSpPr>
-          <p:cNvPr id="6" name="テキスト プレースホルダー 5"/>
-          <p:cNvSpPr>
-            <a:spLocks noGrp="1"/>
-          </p:cNvSpPr>
-          <p:nvPr>
-            <p:ph type="body" sz="quarter" idx="3"/>
-          </p:nvPr>
-        </p:nvSpPr>
-        <p:spPr/>
-        <p:txBody>
-          <a:bodyPr/>
-          <a:lstStyle/>
-          <a:p>
-            <a:r>
-              <a:rPr kumimoji="1" lang="ja-JP" altLang="en-US" sz="2800" dirty="0" smtClean="0"/>
-              <a:t>お店</a:t>
-            </a:r>
-            <a:endParaRPr kumimoji="1" lang="ja-JP" altLang="en-US" sz="2800" dirty="0"/>
-          </a:p>
-        </p:txBody>
-      </p:sp>
-      <p:sp>
-        <p:nvSpPr>
-          <p:cNvPr id="7" name="コンテンツ プレースホルダー 6"/>
-          <p:cNvSpPr>
-            <a:spLocks noGrp="1"/>
-          </p:cNvSpPr>
-          <p:nvPr>
-            <p:ph sz="quarter" idx="4"/>
-          </p:nvPr>
-        </p:nvSpPr>
-        <p:spPr>
-          <a:xfrm>
-            <a:off x="6217920" y="2582334"/>
-            <a:ext cx="5226518" cy="3286760"/>
-          </a:xfrm>
-        </p:spPr>
-        <p:txBody>
-          <a:bodyPr>
-            <a:normAutofit fontScale="92500"/>
-          </a:bodyPr>
-          <a:lstStyle/>
-          <a:p>
-            <a:pPr>
-              <a:buFont typeface="Wingdings" panose="05000000000000000000" pitchFamily="2" charset="2"/>
-              <a:buChar char="l"/>
-            </a:pPr>
-            <a:r>
-              <a:rPr kumimoji="1" lang="ja-JP" altLang="en-US" sz="2800" dirty="0" smtClean="0"/>
-              <a:t>人件費の節約</a:t>
-            </a:r>
-            <a:endParaRPr kumimoji="1" lang="en-US" altLang="ja-JP" sz="2800" dirty="0" smtClean="0"/>
-          </a:p>
-          <a:p>
-            <a:pPr>
-              <a:buFont typeface="Wingdings" panose="05000000000000000000" pitchFamily="2" charset="2"/>
-              <a:buChar char="l"/>
-            </a:pPr>
-            <a:r>
-              <a:rPr lang="ja-JP" altLang="en-US" sz="2800" dirty="0" smtClean="0"/>
-              <a:t>レジ代の節約</a:t>
-            </a:r>
-            <a:endParaRPr lang="en-US" altLang="ja-JP" sz="2800" dirty="0" smtClean="0"/>
-          </a:p>
-          <a:p>
-            <a:pPr>
-              <a:buFont typeface="Wingdings" panose="05000000000000000000" pitchFamily="2" charset="2"/>
-              <a:buChar char="l"/>
-            </a:pPr>
-            <a:r>
-              <a:rPr kumimoji="1" lang="ja-JP" altLang="en-US" sz="2800" spc="-150" dirty="0" smtClean="0"/>
-              <a:t>客層</a:t>
-            </a:r>
-            <a:r>
-              <a:rPr kumimoji="1" lang="ja-JP" altLang="en-US" sz="2800" dirty="0" smtClean="0"/>
-              <a:t>や買った</a:t>
-            </a:r>
-            <a:r>
-              <a:rPr kumimoji="1" lang="ja-JP" altLang="en-US" sz="2800" spc="-150" dirty="0" smtClean="0"/>
-              <a:t>商品</a:t>
-            </a:r>
-            <a:r>
-              <a:rPr kumimoji="1" lang="ja-JP" altLang="en-US" sz="2800" dirty="0" smtClean="0"/>
-              <a:t>などの</a:t>
-            </a:r>
-            <a:r>
-              <a:rPr kumimoji="1" lang="ja-JP" altLang="en-US" sz="2800" spc="-150" dirty="0" smtClean="0"/>
-              <a:t>情報収集</a:t>
-            </a:r>
-            <a:endParaRPr kumimoji="1" lang="en-US" altLang="ja-JP" sz="2800" spc="-150" dirty="0" smtClean="0"/>
-          </a:p>
-          <a:p>
-            <a:pPr>
-              <a:buFont typeface="Wingdings" panose="05000000000000000000" pitchFamily="2" charset="2"/>
-              <a:buChar char="l"/>
-            </a:pPr>
-            <a:r>
-              <a:rPr lang="ja-JP" altLang="en-US" sz="2800" dirty="0" smtClean="0"/>
-              <a:t>回転率が上がる</a:t>
-            </a:r>
-            <a:endParaRPr lang="en-US" altLang="ja-JP" sz="2800" dirty="0" smtClean="0"/>
-          </a:p>
-          <a:p>
-            <a:pPr>
-              <a:buFont typeface="Wingdings" panose="05000000000000000000" pitchFamily="2" charset="2"/>
-              <a:buChar char="l"/>
-            </a:pPr>
-            <a:r>
-              <a:rPr kumimoji="1" lang="ja-JP" altLang="en-US" sz="2800" dirty="0"/>
-              <a:t>店</a:t>
-            </a:r>
-            <a:r>
-              <a:rPr kumimoji="1" lang="ja-JP" altLang="en-US" sz="2800" dirty="0" smtClean="0"/>
-              <a:t>の</a:t>
-            </a:r>
-            <a:r>
-              <a:rPr kumimoji="1" lang="ja-JP" altLang="en-US" sz="2800" dirty="0"/>
-              <a:t>スペース</a:t>
-            </a:r>
-            <a:r>
-              <a:rPr kumimoji="1" lang="ja-JP" altLang="en-US" sz="2800" dirty="0" smtClean="0"/>
-              <a:t>を有効活用できる</a:t>
-            </a:r>
-            <a:endParaRPr kumimoji="1" lang="en-US" altLang="ja-JP" sz="2800" dirty="0" smtClean="0"/>
-          </a:p>
-          <a:p>
-            <a:pPr>
-              <a:buFont typeface="Wingdings" panose="05000000000000000000" pitchFamily="2" charset="2"/>
-              <a:buChar char="l"/>
-            </a:pPr>
-            <a:r>
-              <a:rPr lang="ja-JP" altLang="en-US" sz="2800" dirty="0" smtClean="0"/>
-              <a:t>初期投資が少なく済む</a:t>
-            </a:r>
-            <a:endParaRPr kumimoji="1" lang="ja-JP" altLang="en-US" sz="2800" dirty="0"/>
-          </a:p>
-        </p:txBody>
-      </p:sp>
-    </p:spTree>
-    <p:extLst>
-      <p:ext uri="{BB962C8B-B14F-4D97-AF65-F5344CB8AC3E}">
-        <p14:creationId xmlns:p14="http://schemas.microsoft.com/office/powerpoint/2010/main" val="1330612530"/>
-      </p:ext>
-    </p:extLst>
-  </p:cSld>
-  <p:clrMapOvr>
-    <a:masterClrMapping/>
-  </p:clrMapOvr>
-  <p:timing>
-    <p:tnLst>
-      <p:par>
-        <p:cTn id="1" dur="indefinite" restart="never" nodeType="tmRoot"/>
-      </p:par>
-    </p:tnLst>
-  </p:timing>
-</p:sld>
-</file>
-
 <file path=ppt/slides/slide7.xml><?xml version="1.0" encoding="utf-8"?>
 <p:sld xmlns:a="http://schemas.openxmlformats.org/drawingml/2006/main" xmlns:r="http://schemas.openxmlformats.org/officeDocument/2006/relationships" xmlns:p="http://schemas.openxmlformats.org/presentationml/2006/main">
   <p:cSld>
@@ -8603,112 +12757,28 @@
           </a:p>
         </p:txBody>
       </p:sp>
-      <p:sp>
-        <p:nvSpPr>
-          <p:cNvPr id="4" name="テキスト プレースホルダー 3"/>
-          <p:cNvSpPr>
-            <a:spLocks noGrp="1"/>
-          </p:cNvSpPr>
+      <p:graphicFrame>
+        <p:nvGraphicFramePr>
+          <p:cNvPr id="19" name="図表 18"/>
+          <p:cNvGraphicFramePr/>
           <p:nvPr>
-            <p:ph type="body" idx="1"/>
+            <p:extLst/>
           </p:nvPr>
-        </p:nvSpPr>
-        <p:spPr/>
-        <p:txBody>
-          <a:bodyPr/>
-          <a:lstStyle/>
-          <a:p>
-            <a:r>
-              <a:rPr lang="ja-JP" altLang="en-US" sz="2800" dirty="0" smtClean="0"/>
-              <a:t>制作</a:t>
-            </a:r>
-            <a:r>
-              <a:rPr lang="ja-JP" altLang="en-US" sz="2800" dirty="0"/>
-              <a:t>側</a:t>
-            </a:r>
-            <a:endParaRPr kumimoji="1" lang="ja-JP" altLang="en-US" sz="2800" dirty="0"/>
-          </a:p>
-        </p:txBody>
-      </p:sp>
-      <p:sp>
-        <p:nvSpPr>
-          <p:cNvPr id="5" name="コンテンツ プレースホルダー 4"/>
-          <p:cNvSpPr>
-            <a:spLocks noGrp="1"/>
-          </p:cNvSpPr>
-          <p:nvPr>
-            <p:ph sz="half" idx="2"/>
-          </p:nvPr>
-        </p:nvSpPr>
-        <p:spPr>
-          <a:xfrm>
-            <a:off x="1097279" y="2582334"/>
-            <a:ext cx="9948999" cy="3378200"/>
-          </a:xfrm>
-        </p:spPr>
-        <p:txBody>
-          <a:bodyPr>
-            <a:normAutofit/>
-          </a:bodyPr>
-          <a:lstStyle/>
-          <a:p>
-            <a:pPr>
-              <a:buFont typeface="Wingdings" panose="05000000000000000000" pitchFamily="2" charset="2"/>
-              <a:buChar char="l"/>
-            </a:pPr>
-            <a:r>
-              <a:rPr lang="ja-JP" altLang="en-US" sz="3200" dirty="0" smtClean="0"/>
-              <a:t>カメラを使用するため、運用していく上での改良が安易</a:t>
-            </a:r>
-            <a:endParaRPr lang="en-US" altLang="ja-JP" sz="3200" dirty="0" smtClean="0"/>
-          </a:p>
-          <a:p>
-            <a:pPr lvl="1">
-              <a:buFont typeface="Wingdings" panose="05000000000000000000" pitchFamily="2" charset="2"/>
-              <a:buChar char="l"/>
-            </a:pPr>
-            <a:r>
-              <a:rPr lang="ja-JP" altLang="en-US" sz="2800" dirty="0" smtClean="0"/>
-              <a:t>バー</a:t>
-            </a:r>
-            <a:r>
-              <a:rPr lang="ja-JP" altLang="en-US" sz="2800" dirty="0"/>
-              <a:t>コード</a:t>
-            </a:r>
-            <a:r>
-              <a:rPr lang="ja-JP" altLang="en-US" sz="2800" dirty="0" smtClean="0"/>
-              <a:t>だけでなく画像認識に対応等</a:t>
-            </a:r>
-            <a:endParaRPr lang="en-US" altLang="ja-JP" sz="3200" dirty="0"/>
-          </a:p>
-          <a:p>
-            <a:pPr lvl="1">
-              <a:buFont typeface="Wingdings" panose="05000000000000000000" pitchFamily="2" charset="2"/>
-              <a:buChar char="l"/>
-            </a:pPr>
-            <a:r>
-              <a:rPr lang="ja-JP" altLang="en-US" sz="3200" dirty="0" smtClean="0"/>
-              <a:t>画像ＤＢが改良され続け、精度が上がっていく</a:t>
-            </a:r>
-            <a:endParaRPr lang="en-US" altLang="ja-JP" sz="3200" dirty="0" smtClean="0"/>
-          </a:p>
-          <a:p>
-            <a:pPr>
-              <a:buFont typeface="Wingdings" panose="05000000000000000000" pitchFamily="2" charset="2"/>
-              <a:buChar char="l"/>
-            </a:pPr>
-            <a:r>
-              <a:rPr lang="ja-JP" altLang="en-US" sz="3200" dirty="0" smtClean="0"/>
-              <a:t>キャッシュレス決済と組み合わせることにより運用・保守が簡単</a:t>
-            </a:r>
-            <a:endParaRPr lang="en-US" altLang="ja-JP" sz="3200" dirty="0" smtClean="0"/>
-          </a:p>
-        </p:txBody>
-      </p:sp>
+        </p:nvGraphicFramePr>
+        <p:xfrm>
+          <a:off x="1097280" y="1737360"/>
+          <a:ext cx="10058400" cy="4603104"/>
+        </p:xfrm>
+        <a:graphic>
+          <a:graphicData uri="http://schemas.openxmlformats.org/drawingml/2006/diagram">
+            <dgm:relIds xmlns:dgm="http://schemas.openxmlformats.org/drawingml/2006/diagram" xmlns:r="http://schemas.openxmlformats.org/officeDocument/2006/relationships" r:dm="rId3" r:lo="rId4" r:qs="rId5" r:cs="rId6"/>
+          </a:graphicData>
+        </a:graphic>
+      </p:graphicFrame>
     </p:spTree>
     <p:extLst>
       <p:ext uri="{BB962C8B-B14F-4D97-AF65-F5344CB8AC3E}">
-        <p14:creationId xmlns:p14="http://schemas.microsoft.com/office/powerpoint/2010/main" val="1920765289"/>
+        <p14:creationId xmlns:p14="http://schemas.microsoft.com/office/powerpoint/2010/main" val="2180615710"/>
       </p:ext>
     </p:extLst>
   </p:cSld>

--- a/プレゼン/中間報告_danbara.pptx
+++ b/プレゼン/中間報告_danbara.pptx
@@ -1645,8 +1645,8 @@
     <dgm:cxn modelId="{4289988A-6BCF-4A51-9589-DFCE17543665}" srcId="{2C197D2D-803D-466D-AB0F-C68F4258475B}" destId="{3F9EF1EA-054D-49EE-8696-F968411FBDEA}" srcOrd="0" destOrd="0" parTransId="{9F51A2D8-72DF-4400-8DE2-87AEF8A34FC9}" sibTransId="{29D9ADC2-A74A-4CE2-A626-9E1B1C18F67A}"/>
     <dgm:cxn modelId="{B941E0E8-DE9B-4A15-8F9E-9A9441D2FD31}" srcId="{58EFBA93-8468-4A2D-BED2-63BF539B0542}" destId="{3EF7E431-02C1-4454-8071-A59A4211CD7A}" srcOrd="5" destOrd="0" parTransId="{183DCBE1-5989-4E59-9122-1E12293BB711}" sibTransId="{0B0F1007-D9D8-4BD5-B84D-ABDC1015BCFE}"/>
     <dgm:cxn modelId="{5505274D-08A0-44EF-A862-623B250BF834}" srcId="{58EFBA93-8468-4A2D-BED2-63BF539B0542}" destId="{757B9308-1459-4629-AF0C-966B09D516FC}" srcOrd="3" destOrd="0" parTransId="{AB2824AE-5D09-442C-B863-C610F936D518}" sibTransId="{AAEFB33F-A5EC-458D-961E-B1FA05DB0D45}"/>
+    <dgm:cxn modelId="{70CE7AD6-D78F-43D9-8243-338E20C6F07D}" type="presOf" srcId="{C468C290-9EAA-47B4-86FF-8EB7F279C9BA}" destId="{1E285AB9-ECA4-4EEF-AB8D-896D7CA18A90}" srcOrd="0" destOrd="3" presId="urn:microsoft.com/office/officeart/2005/8/layout/hList1"/>
     <dgm:cxn modelId="{E073717B-AC96-499C-B14D-7223738BE9B4}" type="presOf" srcId="{B6EC2B33-6CA1-441D-AEB8-3C5FF384B53D}" destId="{6B09F810-FD4D-47E3-87E5-39C47C9912B3}" srcOrd="0" destOrd="1" presId="urn:microsoft.com/office/officeart/2005/8/layout/hList1"/>
-    <dgm:cxn modelId="{70CE7AD6-D78F-43D9-8243-338E20C6F07D}" type="presOf" srcId="{C468C290-9EAA-47B4-86FF-8EB7F279C9BA}" destId="{1E285AB9-ECA4-4EEF-AB8D-896D7CA18A90}" srcOrd="0" destOrd="3" presId="urn:microsoft.com/office/officeart/2005/8/layout/hList1"/>
     <dgm:cxn modelId="{C835DCDF-E823-46C7-9827-8C7950A0FF0B}" srcId="{3F9EF1EA-054D-49EE-8696-F968411FBDEA}" destId="{75D9A0B8-CB80-4245-A44B-BB6EF3113644}" srcOrd="0" destOrd="0" parTransId="{45D00741-C5CD-4A6C-AB28-EAF6A0F85F0A}" sibTransId="{7A614598-67DC-43EA-AF54-44370366B1B4}"/>
     <dgm:cxn modelId="{8AD43404-E237-4FD9-A6C6-5966CE08C67F}" srcId="{12F917DB-8FA1-4D31-8996-C00CDC1F60FB}" destId="{37203E41-B2E0-421B-8164-C09B76FAC685}" srcOrd="0" destOrd="0" parTransId="{72C5B154-06C8-4CF7-A690-4FB8FA7BCD55}" sibTransId="{8A234DC6-2D35-47B7-B4D4-5C3E0D32D208}"/>
     <dgm:cxn modelId="{80FC6FB9-E15B-47C4-AAE3-A624EB3D4246}" type="presOf" srcId="{D581EA26-CF65-4CF6-B4FF-BE3D5F53B6DB}" destId="{6B09F810-FD4D-47E3-87E5-39C47C9912B3}" srcOrd="0" destOrd="0" presId="urn:microsoft.com/office/officeart/2005/8/layout/hList1"/>
@@ -3677,7 +3677,7 @@
           <a:p>
             <a:fld id="{0649F128-D4FC-489C-860B-9DD0AB1578C1}" type="datetimeFigureOut">
               <a:rPr kumimoji="1" lang="ja-JP" altLang="en-US" smtClean="0"/>
-              <a:t>2019/12/9</a:t>
+              <a:t>2019/12/10</a:t>
             </a:fld>
             <a:endParaRPr kumimoji="1" lang="ja-JP" altLang="en-US"/>
           </a:p>
@@ -4614,7 +4614,7 @@
           <a:p>
             <a:fld id="{E50F9C81-DB02-44DB-A10A-141CA506DBCE}" type="datetimeFigureOut">
               <a:rPr kumimoji="1" lang="ja-JP" altLang="en-US" smtClean="0"/>
-              <a:t>2019/12/9</a:t>
+              <a:t>2019/12/10</a:t>
             </a:fld>
             <a:endParaRPr kumimoji="1" lang="ja-JP" altLang="en-US"/>
           </a:p>
@@ -4861,7 +4861,7 @@
           <a:p>
             <a:fld id="{E50F9C81-DB02-44DB-A10A-141CA506DBCE}" type="datetimeFigureOut">
               <a:rPr kumimoji="1" lang="ja-JP" altLang="en-US" smtClean="0"/>
-              <a:t>2019/12/9</a:t>
+              <a:t>2019/12/10</a:t>
             </a:fld>
             <a:endParaRPr kumimoji="1" lang="ja-JP" altLang="en-US"/>
           </a:p>
@@ -5156,7 +5156,7 @@
           <a:p>
             <a:fld id="{E50F9C81-DB02-44DB-A10A-141CA506DBCE}" type="datetimeFigureOut">
               <a:rPr kumimoji="1" lang="ja-JP" altLang="en-US" smtClean="0"/>
-              <a:t>2019/12/9</a:t>
+              <a:t>2019/12/10</a:t>
             </a:fld>
             <a:endParaRPr kumimoji="1" lang="ja-JP" altLang="en-US"/>
           </a:p>
@@ -5385,7 +5385,7 @@
           <a:p>
             <a:fld id="{E50F9C81-DB02-44DB-A10A-141CA506DBCE}" type="datetimeFigureOut">
               <a:rPr kumimoji="1" lang="ja-JP" altLang="en-US" smtClean="0"/>
-              <a:t>2019/12/9</a:t>
+              <a:t>2019/12/10</a:t>
             </a:fld>
             <a:endParaRPr kumimoji="1" lang="ja-JP" altLang="en-US"/>
           </a:p>
@@ -5735,7 +5735,7 @@
           <a:p>
             <a:fld id="{E50F9C81-DB02-44DB-A10A-141CA506DBCE}" type="datetimeFigureOut">
               <a:rPr kumimoji="1" lang="ja-JP" altLang="en-US" smtClean="0"/>
-              <a:t>2019/12/9</a:t>
+              <a:t>2019/12/10</a:t>
             </a:fld>
             <a:endParaRPr kumimoji="1" lang="ja-JP" altLang="en-US"/>
           </a:p>
@@ -6122,7 +6122,7 @@
             <a:fld id="{E50F9C81-DB02-44DB-A10A-141CA506DBCE}" type="datetimeFigureOut">
               <a:rPr lang="ja-JP" altLang="en-US" smtClean="0"/>
               <a:pPr/>
-              <a:t>2019/12/9</a:t>
+              <a:t>2019/12/10</a:t>
             </a:fld>
             <a:endParaRPr lang="ja-JP" altLang="en-US"/>
           </a:p>
@@ -6613,7 +6613,7 @@
           <a:p>
             <a:fld id="{E50F9C81-DB02-44DB-A10A-141CA506DBCE}" type="datetimeFigureOut">
               <a:rPr kumimoji="1" lang="ja-JP" altLang="en-US" smtClean="0"/>
-              <a:t>2019/12/9</a:t>
+              <a:t>2019/12/10</a:t>
             </a:fld>
             <a:endParaRPr kumimoji="1" lang="ja-JP" altLang="en-US"/>
           </a:p>
@@ -6738,7 +6738,7 @@
           <a:p>
             <a:fld id="{E50F9C81-DB02-44DB-A10A-141CA506DBCE}" type="datetimeFigureOut">
               <a:rPr kumimoji="1" lang="ja-JP" altLang="en-US" smtClean="0"/>
-              <a:t>2019/12/9</a:t>
+              <a:t>2019/12/10</a:t>
             </a:fld>
             <a:endParaRPr kumimoji="1" lang="ja-JP" altLang="en-US"/>
           </a:p>
@@ -6916,7 +6916,7 @@
           <a:p>
             <a:fld id="{E50F9C81-DB02-44DB-A10A-141CA506DBCE}" type="datetimeFigureOut">
               <a:rPr kumimoji="1" lang="ja-JP" altLang="en-US" smtClean="0"/>
-              <a:t>2019/12/9</a:t>
+              <a:t>2019/12/10</a:t>
             </a:fld>
             <a:endParaRPr kumimoji="1" lang="ja-JP" altLang="en-US"/>
           </a:p>
@@ -7309,7 +7309,7 @@
           <a:p>
             <a:fld id="{E50F9C81-DB02-44DB-A10A-141CA506DBCE}" type="datetimeFigureOut">
               <a:rPr kumimoji="1" lang="ja-JP" altLang="en-US" smtClean="0"/>
-              <a:t>2019/12/9</a:t>
+              <a:t>2019/12/10</a:t>
             </a:fld>
             <a:endParaRPr kumimoji="1" lang="ja-JP" altLang="en-US"/>
           </a:p>
@@ -7686,7 +7686,7 @@
           <a:p>
             <a:fld id="{E50F9C81-DB02-44DB-A10A-141CA506DBCE}" type="datetimeFigureOut">
               <a:rPr kumimoji="1" lang="ja-JP" altLang="en-US" smtClean="0"/>
-              <a:t>2019/12/9</a:t>
+              <a:t>2019/12/10</a:t>
             </a:fld>
             <a:endParaRPr kumimoji="1" lang="ja-JP" altLang="en-US"/>
           </a:p>
@@ -8005,7 +8005,7 @@
           <a:p>
             <a:fld id="{E50F9C81-DB02-44DB-A10A-141CA506DBCE}" type="datetimeFigureOut">
               <a:rPr kumimoji="1" lang="ja-JP" altLang="en-US" smtClean="0"/>
-              <a:t>2019/12/9</a:t>
+              <a:t>2019/12/10</a:t>
             </a:fld>
             <a:endParaRPr kumimoji="1" lang="ja-JP" altLang="en-US"/>
           </a:p>
@@ -8595,12 +8595,27 @@
           <a:lstStyle/>
           <a:p>
             <a:r>
+              <a:rPr lang="ja-JP" altLang="en-US" sz="2800" dirty="0" smtClean="0"/>
+              <a:t>高橋研究室 組込みシステム</a:t>
+            </a:r>
+            <a:endParaRPr kumimoji="1" lang="en-US" altLang="ja-JP" sz="2800" dirty="0" smtClean="0"/>
+          </a:p>
+          <a:p>
+            <a:r>
               <a:rPr kumimoji="1" lang="en-US" altLang="ja-JP" sz="2800" dirty="0" smtClean="0"/>
-              <a:t>2019/12/10</a:t>
+              <a:t>B4</a:t>
             </a:r>
             <a:r>
               <a:rPr kumimoji="1" lang="ja-JP" altLang="en-US" sz="2800" dirty="0" smtClean="0"/>
-              <a:t>　段原</a:t>
+              <a:t>　</a:t>
+            </a:r>
+            <a:r>
+              <a:rPr kumimoji="1" lang="en-US" altLang="ja-JP" sz="2800" dirty="0" smtClean="0"/>
+              <a:t>6535046B </a:t>
+            </a:r>
+            <a:r>
+              <a:rPr kumimoji="1" lang="ja-JP" altLang="en-US" sz="2800" dirty="0" smtClean="0"/>
+              <a:t>段原丞治</a:t>
             </a:r>
             <a:endParaRPr kumimoji="1" lang="en-US" altLang="ja-JP" sz="2800" dirty="0" smtClean="0"/>
           </a:p>

--- a/プレゼン/中間報告_danbara.pptx
+++ b/プレゼン/中間報告_danbara.pptx
@@ -5,23 +5,23 @@
     <p:sldMasterId id="2147483780" r:id="rId1"/>
   </p:sldMasterIdLst>
   <p:notesMasterIdLst>
-    <p:notesMasterId r:id="rId16"/>
+    <p:notesMasterId r:id="rId13"/>
   </p:notesMasterIdLst>
+  <p:handoutMasterIdLst>
+    <p:handoutMasterId r:id="rId14"/>
+  </p:handoutMasterIdLst>
   <p:sldIdLst>
     <p:sldId id="256" r:id="rId2"/>
     <p:sldId id="257" r:id="rId3"/>
     <p:sldId id="286" r:id="rId4"/>
     <p:sldId id="285" r:id="rId5"/>
     <p:sldId id="293" r:id="rId6"/>
-    <p:sldId id="282" r:id="rId7"/>
-    <p:sldId id="294" r:id="rId8"/>
-    <p:sldId id="276" r:id="rId9"/>
-    <p:sldId id="287" r:id="rId10"/>
-    <p:sldId id="288" r:id="rId11"/>
-    <p:sldId id="289" r:id="rId12"/>
-    <p:sldId id="292" r:id="rId13"/>
-    <p:sldId id="281" r:id="rId14"/>
-    <p:sldId id="295" r:id="rId15"/>
+    <p:sldId id="294" r:id="rId7"/>
+    <p:sldId id="282" r:id="rId8"/>
+    <p:sldId id="287" r:id="rId9"/>
+    <p:sldId id="292" r:id="rId10"/>
+    <p:sldId id="281" r:id="rId11"/>
+    <p:sldId id="295" r:id="rId12"/>
   </p:sldIdLst>
   <p:sldSz cx="12192000" cy="6858000"/>
   <p:notesSz cx="6858000" cy="9144000"/>
@@ -134,12 +134,9 @@
           <p14:sldIdLst>
             <p14:sldId id="285"/>
             <p14:sldId id="293"/>
+            <p14:sldId id="294"/>
             <p14:sldId id="282"/>
-            <p14:sldId id="294"/>
-            <p14:sldId id="276"/>
             <p14:sldId id="287"/>
-            <p14:sldId id="288"/>
-            <p14:sldId id="289"/>
             <p14:sldId id="292"/>
             <p14:sldId id="281"/>
             <p14:sldId id="295"/>
@@ -154,3445 +151,170 @@
 </p:presentation>
 </file>
 
-<file path=ppt/diagrams/colors1.xml><?xml version="1.0" encoding="utf-8"?>
-<dgm:colorsDef xmlns:dgm="http://schemas.openxmlformats.org/drawingml/2006/diagram" xmlns:a="http://schemas.openxmlformats.org/drawingml/2006/main" uniqueId="urn:microsoft.com/office/officeart/2005/8/colors/accent1_2">
-  <dgm:title val=""/>
-  <dgm:desc val=""/>
-  <dgm:catLst>
-    <dgm:cat type="accent1" pri="11200"/>
-  </dgm:catLst>
-  <dgm:styleLbl name="node0">
-    <dgm:fillClrLst meth="repeat">
-      <a:schemeClr val="accent1"/>
-    </dgm:fillClrLst>
-    <dgm:linClrLst meth="repeat">
-      <a:schemeClr val="lt1"/>
-    </dgm:linClrLst>
-    <dgm:effectClrLst/>
-    <dgm:txLinClrLst/>
-    <dgm:txFillClrLst/>
-    <dgm:txEffectClrLst/>
-  </dgm:styleLbl>
-  <dgm:styleLbl name="alignNode1">
-    <dgm:fillClrLst meth="repeat">
-      <a:schemeClr val="accent1"/>
-    </dgm:fillClrLst>
-    <dgm:linClrLst meth="repeat">
-      <a:schemeClr val="accent1"/>
-    </dgm:linClrLst>
-    <dgm:effectClrLst/>
-    <dgm:txLinClrLst/>
-    <dgm:txFillClrLst/>
-    <dgm:txEffectClrLst/>
-  </dgm:styleLbl>
-  <dgm:styleLbl name="node1">
-    <dgm:fillClrLst meth="repeat">
-      <a:schemeClr val="accent1"/>
-    </dgm:fillClrLst>
-    <dgm:linClrLst meth="repeat">
-      <a:schemeClr val="lt1"/>
-    </dgm:linClrLst>
-    <dgm:effectClrLst/>
-    <dgm:txLinClrLst/>
-    <dgm:txFillClrLst/>
-    <dgm:txEffectClrLst/>
-  </dgm:styleLbl>
-  <dgm:styleLbl name="lnNode1">
-    <dgm:fillClrLst meth="repeat">
-      <a:schemeClr val="accent1"/>
-    </dgm:fillClrLst>
-    <dgm:linClrLst meth="repeat">
-      <a:schemeClr val="lt1"/>
-    </dgm:linClrLst>
-    <dgm:effectClrLst/>
-    <dgm:txLinClrLst/>
-    <dgm:txFillClrLst/>
-    <dgm:txEffectClrLst/>
-  </dgm:styleLbl>
-  <dgm:styleLbl name="vennNode1">
-    <dgm:fillClrLst meth="repeat">
-      <a:schemeClr val="accent1">
-        <a:alpha val="50000"/>
-      </a:schemeClr>
-    </dgm:fillClrLst>
-    <dgm:linClrLst meth="repeat">
-      <a:schemeClr val="lt1"/>
-    </dgm:linClrLst>
-    <dgm:effectClrLst/>
-    <dgm:txLinClrLst/>
-    <dgm:txFillClrLst/>
-    <dgm:txEffectClrLst/>
-  </dgm:styleLbl>
-  <dgm:styleLbl name="node2">
-    <dgm:fillClrLst meth="repeat">
-      <a:schemeClr val="accent1"/>
-    </dgm:fillClrLst>
-    <dgm:linClrLst meth="repeat">
-      <a:schemeClr val="lt1"/>
-    </dgm:linClrLst>
-    <dgm:effectClrLst/>
-    <dgm:txLinClrLst/>
-    <dgm:txFillClrLst/>
-    <dgm:txEffectClrLst/>
-  </dgm:styleLbl>
-  <dgm:styleLbl name="node3">
-    <dgm:fillClrLst meth="repeat">
-      <a:schemeClr val="accent1"/>
-    </dgm:fillClrLst>
-    <dgm:linClrLst meth="repeat">
-      <a:schemeClr val="lt1"/>
-    </dgm:linClrLst>
-    <dgm:effectClrLst/>
-    <dgm:txLinClrLst/>
-    <dgm:txFillClrLst/>
-    <dgm:txEffectClrLst/>
-  </dgm:styleLbl>
-  <dgm:styleLbl name="node4">
-    <dgm:fillClrLst meth="repeat">
-      <a:schemeClr val="accent1"/>
-    </dgm:fillClrLst>
-    <dgm:linClrLst meth="repeat">
-      <a:schemeClr val="lt1"/>
-    </dgm:linClrLst>
-    <dgm:effectClrLst/>
-    <dgm:txLinClrLst/>
-    <dgm:txFillClrLst/>
-    <dgm:txEffectClrLst/>
-  </dgm:styleLbl>
-  <dgm:styleLbl name="fgImgPlace1">
-    <dgm:fillClrLst meth="repeat">
-      <a:schemeClr val="accent1">
-        <a:tint val="50000"/>
-      </a:schemeClr>
-    </dgm:fillClrLst>
-    <dgm:linClrLst meth="repeat">
-      <a:schemeClr val="lt1"/>
-    </dgm:linClrLst>
-    <dgm:effectClrLst/>
-    <dgm:txLinClrLst/>
-    <dgm:txFillClrLst meth="repeat">
-      <a:schemeClr val="lt1"/>
-    </dgm:txFillClrLst>
-    <dgm:txEffectClrLst/>
-  </dgm:styleLbl>
-  <dgm:styleLbl name="alignImgPlace1">
-    <dgm:fillClrLst meth="repeat">
-      <a:schemeClr val="accent1">
-        <a:tint val="50000"/>
-      </a:schemeClr>
-    </dgm:fillClrLst>
-    <dgm:linClrLst meth="repeat">
-      <a:schemeClr val="lt1"/>
-    </dgm:linClrLst>
-    <dgm:effectClrLst/>
-    <dgm:txLinClrLst/>
-    <dgm:txFillClrLst meth="repeat">
-      <a:schemeClr val="lt1"/>
-    </dgm:txFillClrLst>
-    <dgm:txEffectClrLst/>
-  </dgm:styleLbl>
-  <dgm:styleLbl name="bgImgPlace1">
-    <dgm:fillClrLst meth="repeat">
-      <a:schemeClr val="accent1">
-        <a:tint val="50000"/>
-      </a:schemeClr>
-    </dgm:fillClrLst>
-    <dgm:linClrLst meth="repeat">
-      <a:schemeClr val="lt1"/>
-    </dgm:linClrLst>
-    <dgm:effectClrLst/>
-    <dgm:txLinClrLst/>
-    <dgm:txFillClrLst meth="repeat">
-      <a:schemeClr val="lt1"/>
-    </dgm:txFillClrLst>
-    <dgm:txEffectClrLst/>
-  </dgm:styleLbl>
-  <dgm:styleLbl name="sibTrans2D1">
-    <dgm:fillClrLst meth="repeat">
-      <a:schemeClr val="accent1">
-        <a:tint val="60000"/>
-      </a:schemeClr>
-    </dgm:fillClrLst>
-    <dgm:linClrLst meth="repeat">
-      <a:schemeClr val="accent1">
-        <a:tint val="60000"/>
-      </a:schemeClr>
-    </dgm:linClrLst>
-    <dgm:effectClrLst/>
-    <dgm:txLinClrLst/>
-    <dgm:txFillClrLst/>
-    <dgm:txEffectClrLst/>
-  </dgm:styleLbl>
-  <dgm:styleLbl name="fgSibTrans2D1">
-    <dgm:fillClrLst meth="repeat">
-      <a:schemeClr val="accent1">
-        <a:tint val="60000"/>
-      </a:schemeClr>
-    </dgm:fillClrLst>
-    <dgm:linClrLst meth="repeat">
-      <a:schemeClr val="accent1">
-        <a:tint val="60000"/>
-      </a:schemeClr>
-    </dgm:linClrLst>
-    <dgm:effectClrLst/>
-    <dgm:txLinClrLst/>
-    <dgm:txFillClrLst/>
-    <dgm:txEffectClrLst/>
-  </dgm:styleLbl>
-  <dgm:styleLbl name="bgSibTrans2D1">
-    <dgm:fillClrLst meth="repeat">
-      <a:schemeClr val="accent1">
-        <a:tint val="60000"/>
-      </a:schemeClr>
-    </dgm:fillClrLst>
-    <dgm:linClrLst meth="repeat">
-      <a:schemeClr val="accent1">
-        <a:tint val="60000"/>
-      </a:schemeClr>
-    </dgm:linClrLst>
-    <dgm:effectClrLst/>
-    <dgm:txLinClrLst/>
-    <dgm:txFillClrLst/>
-    <dgm:txEffectClrLst/>
-  </dgm:styleLbl>
-  <dgm:styleLbl name="sibTrans1D1">
-    <dgm:fillClrLst meth="repeat">
-      <a:schemeClr val="accent1"/>
-    </dgm:fillClrLst>
-    <dgm:linClrLst meth="repeat">
-      <a:schemeClr val="accent1"/>
-    </dgm:linClrLst>
-    <dgm:effectClrLst/>
-    <dgm:txLinClrLst/>
-    <dgm:txFillClrLst meth="repeat">
-      <a:schemeClr val="tx1"/>
-    </dgm:txFillClrLst>
-    <dgm:txEffectClrLst/>
-  </dgm:styleLbl>
-  <dgm:styleLbl name="callout">
-    <dgm:fillClrLst meth="repeat">
-      <a:schemeClr val="accent1"/>
-    </dgm:fillClrLst>
-    <dgm:linClrLst meth="repeat">
-      <a:schemeClr val="accent1">
-        <a:tint val="50000"/>
-      </a:schemeClr>
-    </dgm:linClrLst>
-    <dgm:effectClrLst/>
-    <dgm:txLinClrLst/>
-    <dgm:txFillClrLst meth="repeat">
-      <a:schemeClr val="tx1"/>
-    </dgm:txFillClrLst>
-    <dgm:txEffectClrLst/>
-  </dgm:styleLbl>
-  <dgm:styleLbl name="asst0">
-    <dgm:fillClrLst meth="repeat">
-      <a:schemeClr val="accent1"/>
-    </dgm:fillClrLst>
-    <dgm:linClrLst meth="repeat">
-      <a:schemeClr val="lt1"/>
-    </dgm:linClrLst>
-    <dgm:effectClrLst/>
-    <dgm:txLinClrLst/>
-    <dgm:txFillClrLst/>
-    <dgm:txEffectClrLst/>
-  </dgm:styleLbl>
-  <dgm:styleLbl name="asst1">
-    <dgm:fillClrLst meth="repeat">
-      <a:schemeClr val="accent1"/>
-    </dgm:fillClrLst>
-    <dgm:linClrLst meth="repeat">
-      <a:schemeClr val="lt1"/>
-    </dgm:linClrLst>
-    <dgm:effectClrLst/>
-    <dgm:txLinClrLst/>
-    <dgm:txFillClrLst/>
-    <dgm:txEffectClrLst/>
-  </dgm:styleLbl>
-  <dgm:styleLbl name="asst2">
-    <dgm:fillClrLst meth="repeat">
-      <a:schemeClr val="accent1"/>
-    </dgm:fillClrLst>
-    <dgm:linClrLst meth="repeat">
-      <a:schemeClr val="lt1"/>
-    </dgm:linClrLst>
-    <dgm:effectClrLst/>
-    <dgm:txLinClrLst/>
-    <dgm:txFillClrLst/>
-    <dgm:txEffectClrLst/>
-  </dgm:styleLbl>
-  <dgm:styleLbl name="asst3">
-    <dgm:fillClrLst meth="repeat">
-      <a:schemeClr val="accent1"/>
-    </dgm:fillClrLst>
-    <dgm:linClrLst meth="repeat">
-      <a:schemeClr val="lt1"/>
-    </dgm:linClrLst>
-    <dgm:effectClrLst/>
-    <dgm:txLinClrLst/>
-    <dgm:txFillClrLst/>
-    <dgm:txEffectClrLst/>
-  </dgm:styleLbl>
-  <dgm:styleLbl name="asst4">
-    <dgm:fillClrLst meth="repeat">
-      <a:schemeClr val="accent1"/>
-    </dgm:fillClrLst>
-    <dgm:linClrLst meth="repeat">
-      <a:schemeClr val="lt1"/>
-    </dgm:linClrLst>
-    <dgm:effectClrLst/>
-    <dgm:txLinClrLst/>
-    <dgm:txFillClrLst/>
-    <dgm:txEffectClrLst/>
-  </dgm:styleLbl>
-  <dgm:styleLbl name="parChTrans2D1">
-    <dgm:fillClrLst meth="repeat">
-      <a:schemeClr val="accent1">
-        <a:tint val="60000"/>
-      </a:schemeClr>
-    </dgm:fillClrLst>
-    <dgm:linClrLst meth="repeat">
-      <a:schemeClr val="accent1">
-        <a:tint val="60000"/>
-      </a:schemeClr>
-    </dgm:linClrLst>
-    <dgm:effectClrLst/>
-    <dgm:txLinClrLst/>
-    <dgm:txFillClrLst meth="repeat">
-      <a:schemeClr val="lt1"/>
-    </dgm:txFillClrLst>
-    <dgm:txEffectClrLst/>
-  </dgm:styleLbl>
-  <dgm:styleLbl name="parChTrans2D2">
-    <dgm:fillClrLst meth="repeat">
-      <a:schemeClr val="accent1"/>
-    </dgm:fillClrLst>
-    <dgm:linClrLst meth="repeat">
-      <a:schemeClr val="accent1"/>
-    </dgm:linClrLst>
-    <dgm:effectClrLst/>
-    <dgm:txLinClrLst/>
-    <dgm:txFillClrLst meth="repeat">
-      <a:schemeClr val="lt1"/>
-    </dgm:txFillClrLst>
-    <dgm:txEffectClrLst/>
-  </dgm:styleLbl>
-  <dgm:styleLbl name="parChTrans2D3">
-    <dgm:fillClrLst meth="repeat">
-      <a:schemeClr val="accent1"/>
-    </dgm:fillClrLst>
-    <dgm:linClrLst meth="repeat">
-      <a:schemeClr val="accent1"/>
-    </dgm:linClrLst>
-    <dgm:effectClrLst/>
-    <dgm:txLinClrLst/>
-    <dgm:txFillClrLst meth="repeat">
-      <a:schemeClr val="lt1"/>
-    </dgm:txFillClrLst>
-    <dgm:txEffectClrLst/>
-  </dgm:styleLbl>
-  <dgm:styleLbl name="parChTrans2D4">
-    <dgm:fillClrLst meth="repeat">
-      <a:schemeClr val="accent1"/>
-    </dgm:fillClrLst>
-    <dgm:linClrLst meth="repeat">
-      <a:schemeClr val="accent1"/>
-    </dgm:linClrLst>
-    <dgm:effectClrLst/>
-    <dgm:txLinClrLst/>
-    <dgm:txFillClrLst meth="repeat">
-      <a:schemeClr val="lt1"/>
-    </dgm:txFillClrLst>
-    <dgm:txEffectClrLst/>
-  </dgm:styleLbl>
-  <dgm:styleLbl name="parChTrans1D1">
-    <dgm:fillClrLst meth="repeat">
-      <a:schemeClr val="accent1"/>
-    </dgm:fillClrLst>
-    <dgm:linClrLst meth="repeat">
-      <a:schemeClr val="accent1">
-        <a:shade val="60000"/>
-      </a:schemeClr>
-    </dgm:linClrLst>
-    <dgm:effectClrLst/>
-    <dgm:txLinClrLst/>
-    <dgm:txFillClrLst meth="repeat">
-      <a:schemeClr val="tx1"/>
-    </dgm:txFillClrLst>
-    <dgm:txEffectClrLst/>
-  </dgm:styleLbl>
-  <dgm:styleLbl name="parChTrans1D2">
-    <dgm:fillClrLst meth="repeat">
-      <a:schemeClr val="accent1"/>
-    </dgm:fillClrLst>
-    <dgm:linClrLst meth="repeat">
-      <a:schemeClr val="accent1">
-        <a:shade val="60000"/>
-      </a:schemeClr>
-    </dgm:linClrLst>
-    <dgm:effectClrLst/>
-    <dgm:txLinClrLst/>
-    <dgm:txFillClrLst meth="repeat">
-      <a:schemeClr val="tx1"/>
-    </dgm:txFillClrLst>
-    <dgm:txEffectClrLst/>
-  </dgm:styleLbl>
-  <dgm:styleLbl name="parChTrans1D3">
-    <dgm:fillClrLst meth="repeat">
-      <a:schemeClr val="accent1"/>
-    </dgm:fillClrLst>
-    <dgm:linClrLst meth="repeat">
-      <a:schemeClr val="accent1">
-        <a:shade val="80000"/>
-      </a:schemeClr>
-    </dgm:linClrLst>
-    <dgm:effectClrLst/>
-    <dgm:txLinClrLst/>
-    <dgm:txFillClrLst meth="repeat">
-      <a:schemeClr val="tx1"/>
-    </dgm:txFillClrLst>
-    <dgm:txEffectClrLst/>
-  </dgm:styleLbl>
-  <dgm:styleLbl name="parChTrans1D4">
-    <dgm:fillClrLst meth="repeat">
-      <a:schemeClr val="accent1"/>
-    </dgm:fillClrLst>
-    <dgm:linClrLst meth="repeat">
-      <a:schemeClr val="accent1">
-        <a:shade val="80000"/>
-      </a:schemeClr>
-    </dgm:linClrLst>
-    <dgm:effectClrLst/>
-    <dgm:txLinClrLst/>
-    <dgm:txFillClrLst meth="repeat">
-      <a:schemeClr val="tx1"/>
-    </dgm:txFillClrLst>
-    <dgm:txEffectClrLst/>
-  </dgm:styleLbl>
-  <dgm:styleLbl name="fgAcc1">
-    <dgm:fillClrLst meth="repeat">
-      <a:schemeClr val="lt1">
-        <a:alpha val="90000"/>
-      </a:schemeClr>
-    </dgm:fillClrLst>
-    <dgm:linClrLst meth="repeat">
-      <a:schemeClr val="accent1"/>
-    </dgm:linClrLst>
-    <dgm:effectClrLst/>
-    <dgm:txLinClrLst/>
-    <dgm:txFillClrLst meth="repeat">
-      <a:schemeClr val="dk1"/>
-    </dgm:txFillClrLst>
-    <dgm:txEffectClrLst/>
-  </dgm:styleLbl>
-  <dgm:styleLbl name="conFgAcc1">
-    <dgm:fillClrLst meth="repeat">
-      <a:schemeClr val="lt1">
-        <a:alpha val="90000"/>
-      </a:schemeClr>
-    </dgm:fillClrLst>
-    <dgm:linClrLst meth="repeat">
-      <a:schemeClr val="accent1"/>
-    </dgm:linClrLst>
-    <dgm:effectClrLst/>
-    <dgm:txLinClrLst/>
-    <dgm:txFillClrLst meth="repeat">
-      <a:schemeClr val="dk1"/>
-    </dgm:txFillClrLst>
-    <dgm:txEffectClrLst/>
-  </dgm:styleLbl>
-  <dgm:styleLbl name="alignAcc1">
-    <dgm:fillClrLst meth="repeat">
-      <a:schemeClr val="lt1">
-        <a:alpha val="90000"/>
-      </a:schemeClr>
-    </dgm:fillClrLst>
-    <dgm:linClrLst meth="repeat">
-      <a:schemeClr val="accent1"/>
-    </dgm:linClrLst>
-    <dgm:effectClrLst/>
-    <dgm:txLinClrLst/>
-    <dgm:txFillClrLst meth="repeat">
-      <a:schemeClr val="dk1"/>
-    </dgm:txFillClrLst>
-    <dgm:txEffectClrLst/>
-  </dgm:styleLbl>
-  <dgm:styleLbl name="trAlignAcc1">
-    <dgm:fillClrLst meth="repeat">
-      <a:schemeClr val="lt1">
-        <a:alpha val="40000"/>
-      </a:schemeClr>
-    </dgm:fillClrLst>
-    <dgm:linClrLst meth="repeat">
-      <a:schemeClr val="accent1"/>
-    </dgm:linClrLst>
-    <dgm:effectClrLst/>
-    <dgm:txLinClrLst/>
-    <dgm:txFillClrLst meth="repeat">
-      <a:schemeClr val="dk1"/>
-    </dgm:txFillClrLst>
-    <dgm:txEffectClrLst/>
-  </dgm:styleLbl>
-  <dgm:styleLbl name="bgAcc1">
-    <dgm:fillClrLst meth="repeat">
-      <a:schemeClr val="lt1">
-        <a:alpha val="90000"/>
-      </a:schemeClr>
-    </dgm:fillClrLst>
-    <dgm:linClrLst meth="repeat">
-      <a:schemeClr val="accent1"/>
-    </dgm:linClrLst>
-    <dgm:effectClrLst/>
-    <dgm:txLinClrLst/>
-    <dgm:txFillClrLst meth="repeat">
-      <a:schemeClr val="dk1"/>
-    </dgm:txFillClrLst>
-    <dgm:txEffectClrLst/>
-  </dgm:styleLbl>
-  <dgm:styleLbl name="solidFgAcc1">
-    <dgm:fillClrLst meth="repeat">
-      <a:schemeClr val="lt1"/>
-    </dgm:fillClrLst>
-    <dgm:linClrLst meth="repeat">
-      <a:schemeClr val="accent1"/>
-    </dgm:linClrLst>
-    <dgm:effectClrLst/>
-    <dgm:txLinClrLst/>
-    <dgm:txFillClrLst meth="repeat">
-      <a:schemeClr val="dk1"/>
-    </dgm:txFillClrLst>
-    <dgm:txEffectClrLst/>
-  </dgm:styleLbl>
-  <dgm:styleLbl name="solidAlignAcc1">
-    <dgm:fillClrLst meth="repeat">
-      <a:schemeClr val="lt1"/>
-    </dgm:fillClrLst>
-    <dgm:linClrLst meth="repeat">
-      <a:schemeClr val="accent1"/>
-    </dgm:linClrLst>
-    <dgm:effectClrLst/>
-    <dgm:txLinClrLst/>
-    <dgm:txFillClrLst meth="repeat">
-      <a:schemeClr val="dk1"/>
-    </dgm:txFillClrLst>
-    <dgm:txEffectClrLst/>
-  </dgm:styleLbl>
-  <dgm:styleLbl name="solidBgAcc1">
-    <dgm:fillClrLst meth="repeat">
-      <a:schemeClr val="lt1"/>
-    </dgm:fillClrLst>
-    <dgm:linClrLst meth="repeat">
-      <a:schemeClr val="accent1"/>
-    </dgm:linClrLst>
-    <dgm:effectClrLst/>
-    <dgm:txLinClrLst/>
-    <dgm:txFillClrLst meth="repeat">
-      <a:schemeClr val="dk1"/>
-    </dgm:txFillClrLst>
-    <dgm:txEffectClrLst/>
-  </dgm:styleLbl>
-  <dgm:styleLbl name="fgAccFollowNode1">
-    <dgm:fillClrLst meth="repeat">
-      <a:schemeClr val="accent1">
-        <a:alpha val="90000"/>
-        <a:tint val="40000"/>
-      </a:schemeClr>
-    </dgm:fillClrLst>
-    <dgm:linClrLst meth="repeat">
-      <a:schemeClr val="accent1">
-        <a:alpha val="90000"/>
-        <a:tint val="40000"/>
-      </a:schemeClr>
-    </dgm:linClrLst>
-    <dgm:effectClrLst/>
-    <dgm:txLinClrLst/>
-    <dgm:txFillClrLst meth="repeat">
-      <a:schemeClr val="dk1"/>
-    </dgm:txFillClrLst>
-    <dgm:txEffectClrLst/>
-  </dgm:styleLbl>
-  <dgm:styleLbl name="alignAccFollowNode1">
-    <dgm:fillClrLst meth="repeat">
-      <a:schemeClr val="accent1">
-        <a:alpha val="90000"/>
-        <a:tint val="40000"/>
-      </a:schemeClr>
-    </dgm:fillClrLst>
-    <dgm:linClrLst meth="repeat">
-      <a:schemeClr val="accent1">
-        <a:alpha val="90000"/>
-        <a:tint val="40000"/>
-      </a:schemeClr>
-    </dgm:linClrLst>
-    <dgm:effectClrLst/>
-    <dgm:txLinClrLst/>
-    <dgm:txFillClrLst meth="repeat">
-      <a:schemeClr val="dk1"/>
-    </dgm:txFillClrLst>
-    <dgm:txEffectClrLst/>
-  </dgm:styleLbl>
-  <dgm:styleLbl name="bgAccFollowNode1">
-    <dgm:fillClrLst meth="repeat">
-      <a:schemeClr val="accent1">
-        <a:alpha val="90000"/>
-        <a:tint val="40000"/>
-      </a:schemeClr>
-    </dgm:fillClrLst>
-    <dgm:linClrLst meth="repeat">
-      <a:schemeClr val="accent1">
-        <a:alpha val="90000"/>
-        <a:tint val="40000"/>
-      </a:schemeClr>
-    </dgm:linClrLst>
-    <dgm:effectClrLst/>
-    <dgm:txLinClrLst/>
-    <dgm:txFillClrLst meth="repeat">
-      <a:schemeClr val="dk1"/>
-    </dgm:txFillClrLst>
-    <dgm:txEffectClrLst/>
-  </dgm:styleLbl>
-  <dgm:styleLbl name="fgAcc0">
-    <dgm:fillClrLst meth="repeat">
-      <a:schemeClr val="lt1">
-        <a:alpha val="90000"/>
-      </a:schemeClr>
-    </dgm:fillClrLst>
-    <dgm:linClrLst meth="repeat">
-      <a:schemeClr val="accent1"/>
-    </dgm:linClrLst>
-    <dgm:effectClrLst/>
-    <dgm:txLinClrLst/>
-    <dgm:txFillClrLst meth="repeat">
-      <a:schemeClr val="dk1"/>
-    </dgm:txFillClrLst>
-    <dgm:txEffectClrLst/>
-  </dgm:styleLbl>
-  <dgm:styleLbl name="fgAcc2">
-    <dgm:fillClrLst meth="repeat">
-      <a:schemeClr val="lt1">
-        <a:alpha val="90000"/>
-      </a:schemeClr>
-    </dgm:fillClrLst>
-    <dgm:linClrLst meth="repeat">
-      <a:schemeClr val="accent1"/>
-    </dgm:linClrLst>
-    <dgm:effectClrLst/>
-    <dgm:txLinClrLst/>
-    <dgm:txFillClrLst meth="repeat">
-      <a:schemeClr val="dk1"/>
-    </dgm:txFillClrLst>
-    <dgm:txEffectClrLst/>
-  </dgm:styleLbl>
-  <dgm:styleLbl name="fgAcc3">
-    <dgm:fillClrLst meth="repeat">
-      <a:schemeClr val="lt1">
-        <a:alpha val="90000"/>
-      </a:schemeClr>
-    </dgm:fillClrLst>
-    <dgm:linClrLst meth="repeat">
-      <a:schemeClr val="accent1"/>
-    </dgm:linClrLst>
-    <dgm:effectClrLst/>
-    <dgm:txLinClrLst/>
-    <dgm:txFillClrLst meth="repeat">
-      <a:schemeClr val="dk1"/>
-    </dgm:txFillClrLst>
-    <dgm:txEffectClrLst/>
-  </dgm:styleLbl>
-  <dgm:styleLbl name="fgAcc4">
-    <dgm:fillClrLst meth="repeat">
-      <a:schemeClr val="lt1">
-        <a:alpha val="90000"/>
-      </a:schemeClr>
-    </dgm:fillClrLst>
-    <dgm:linClrLst meth="repeat">
-      <a:schemeClr val="accent1"/>
-    </dgm:linClrLst>
-    <dgm:effectClrLst/>
-    <dgm:txLinClrLst/>
-    <dgm:txFillClrLst meth="repeat">
-      <a:schemeClr val="dk1"/>
-    </dgm:txFillClrLst>
-    <dgm:txEffectClrLst/>
-  </dgm:styleLbl>
-  <dgm:styleLbl name="bgShp">
-    <dgm:fillClrLst meth="repeat">
-      <a:schemeClr val="accent1">
-        <a:tint val="40000"/>
-      </a:schemeClr>
-    </dgm:fillClrLst>
-    <dgm:linClrLst meth="repeat">
-      <a:schemeClr val="accent1"/>
-    </dgm:linClrLst>
-    <dgm:effectClrLst/>
-    <dgm:txLinClrLst/>
-    <dgm:txFillClrLst meth="repeat">
-      <a:schemeClr val="dk1"/>
-    </dgm:txFillClrLst>
-    <dgm:txEffectClrLst/>
-  </dgm:styleLbl>
-  <dgm:styleLbl name="dkBgShp">
-    <dgm:fillClrLst meth="repeat">
-      <a:schemeClr val="accent1">
-        <a:shade val="80000"/>
-      </a:schemeClr>
-    </dgm:fillClrLst>
-    <dgm:linClrLst meth="repeat">
-      <a:schemeClr val="accent1"/>
-    </dgm:linClrLst>
-    <dgm:effectClrLst/>
-    <dgm:txLinClrLst/>
-    <dgm:txFillClrLst meth="repeat">
-      <a:schemeClr val="lt1"/>
-    </dgm:txFillClrLst>
-    <dgm:txEffectClrLst/>
-  </dgm:styleLbl>
-  <dgm:styleLbl name="trBgShp">
-    <dgm:fillClrLst meth="repeat">
-      <a:schemeClr val="accent1">
-        <a:tint val="50000"/>
-        <a:alpha val="40000"/>
-      </a:schemeClr>
-    </dgm:fillClrLst>
-    <dgm:linClrLst meth="repeat">
-      <a:schemeClr val="accent1"/>
-    </dgm:linClrLst>
-    <dgm:effectClrLst/>
-    <dgm:txLinClrLst/>
-    <dgm:txFillClrLst meth="repeat">
-      <a:schemeClr val="lt1"/>
-    </dgm:txFillClrLst>
-    <dgm:txEffectClrLst/>
-  </dgm:styleLbl>
-  <dgm:styleLbl name="fgShp">
-    <dgm:fillClrLst meth="repeat">
-      <a:schemeClr val="accent1">
-        <a:tint val="60000"/>
-      </a:schemeClr>
-    </dgm:fillClrLst>
-    <dgm:linClrLst meth="repeat">
-      <a:schemeClr val="lt1"/>
-    </dgm:linClrLst>
-    <dgm:effectClrLst/>
-    <dgm:txLinClrLst/>
-    <dgm:txFillClrLst meth="repeat">
-      <a:schemeClr val="dk1"/>
-    </dgm:txFillClrLst>
-    <dgm:txEffectClrLst/>
-  </dgm:styleLbl>
-  <dgm:styleLbl name="revTx">
-    <dgm:fillClrLst meth="repeat">
-      <a:schemeClr val="lt1">
-        <a:alpha val="0"/>
-      </a:schemeClr>
-    </dgm:fillClrLst>
-    <dgm:linClrLst meth="repeat">
-      <a:schemeClr val="dk1">
-        <a:alpha val="0"/>
-      </a:schemeClr>
-    </dgm:linClrLst>
-    <dgm:effectClrLst/>
-    <dgm:txLinClrLst/>
-    <dgm:txFillClrLst meth="repeat">
-      <a:schemeClr val="tx1"/>
-    </dgm:txFillClrLst>
-    <dgm:txEffectClrLst/>
-  </dgm:styleLbl>
-</dgm:colorsDef>
-</file>
-
-<file path=ppt/diagrams/data1.xml><?xml version="1.0" encoding="utf-8"?>
-<dgm:dataModel xmlns:dgm="http://schemas.openxmlformats.org/drawingml/2006/diagram" xmlns:a="http://schemas.openxmlformats.org/drawingml/2006/main">
-  <dgm:ptLst>
-    <dgm:pt modelId="{AB44A337-FEB0-4AE8-82AB-5FF9C02FD74D}" type="doc">
-      <dgm:prSet loTypeId="urn:microsoft.com/office/officeart/2005/8/layout/hList1" loCatId="list" qsTypeId="urn:microsoft.com/office/officeart/2005/8/quickstyle/simple1" qsCatId="simple" csTypeId="urn:microsoft.com/office/officeart/2005/8/colors/accent1_2" csCatId="accent1" phldr="1"/>
-      <dgm:spPr/>
-      <dgm:t>
-        <a:bodyPr/>
-        <a:lstStyle/>
-        <a:p>
-          <a:endParaRPr kumimoji="1" lang="ja-JP" altLang="en-US"/>
-        </a:p>
-      </dgm:t>
-    </dgm:pt>
-    <dgm:pt modelId="{58EFBA93-8468-4A2D-BED2-63BF539B0542}">
-      <dgm:prSet phldrT="[テキスト]"/>
-      <dgm:spPr/>
-      <dgm:t>
-        <a:bodyPr/>
-        <a:lstStyle/>
-        <a:p>
-          <a:r>
-            <a:rPr kumimoji="1" lang="ja-JP" altLang="en-US" smtClean="0"/>
-            <a:t>お店</a:t>
-          </a:r>
-          <a:endParaRPr kumimoji="1" lang="ja-JP" altLang="en-US"/>
-        </a:p>
-      </dgm:t>
-    </dgm:pt>
-    <dgm:pt modelId="{ED5AE595-505D-43B7-9CB3-D65CC624B910}" type="parTrans" cxnId="{33F04549-7226-4AD8-8D08-1EFCDD370195}">
-      <dgm:prSet/>
-      <dgm:spPr/>
-      <dgm:t>
-        <a:bodyPr/>
-        <a:lstStyle/>
-        <a:p>
-          <a:endParaRPr kumimoji="1" lang="ja-JP" altLang="en-US"/>
-        </a:p>
-      </dgm:t>
-    </dgm:pt>
-    <dgm:pt modelId="{E3C42EA2-3471-415B-966A-9A3089AB9066}" type="sibTrans" cxnId="{33F04549-7226-4AD8-8D08-1EFCDD370195}">
-      <dgm:prSet/>
-      <dgm:spPr/>
-      <dgm:t>
-        <a:bodyPr/>
-        <a:lstStyle/>
-        <a:p>
-          <a:endParaRPr kumimoji="1" lang="ja-JP" altLang="en-US"/>
-        </a:p>
-      </dgm:t>
-    </dgm:pt>
-    <dgm:pt modelId="{D581EA26-CF65-4CF6-B4FF-BE3D5F53B6DB}">
-      <dgm:prSet phldrT="[テキスト]"/>
-      <dgm:spPr/>
-      <dgm:t>
-        <a:bodyPr/>
-        <a:lstStyle/>
-        <a:p>
-          <a:r>
-            <a:rPr lang="ja-JP" altLang="en-US" smtClean="0"/>
-            <a:t>人件費の節約</a:t>
-          </a:r>
-          <a:endParaRPr kumimoji="1" lang="ja-JP" altLang="en-US"/>
-        </a:p>
-      </dgm:t>
-    </dgm:pt>
-    <dgm:pt modelId="{FA624D80-320B-4D18-AE79-C8D5B1C802C6}" type="parTrans" cxnId="{FED99F71-9EEB-4636-852D-EED94DAF2E95}">
-      <dgm:prSet/>
-      <dgm:spPr/>
-      <dgm:t>
-        <a:bodyPr/>
-        <a:lstStyle/>
-        <a:p>
-          <a:endParaRPr kumimoji="1" lang="ja-JP" altLang="en-US"/>
-        </a:p>
-      </dgm:t>
-    </dgm:pt>
-    <dgm:pt modelId="{D4B57FF8-CE96-4B97-9F0B-82308968B7A6}" type="sibTrans" cxnId="{FED99F71-9EEB-4636-852D-EED94DAF2E95}">
-      <dgm:prSet/>
-      <dgm:spPr/>
-      <dgm:t>
-        <a:bodyPr/>
-        <a:lstStyle/>
-        <a:p>
-          <a:endParaRPr kumimoji="1" lang="ja-JP" altLang="en-US"/>
-        </a:p>
-      </dgm:t>
-    </dgm:pt>
-    <dgm:pt modelId="{12F917DB-8FA1-4D31-8996-C00CDC1F60FB}">
-      <dgm:prSet phldrT="[テキスト]"/>
-      <dgm:spPr/>
-      <dgm:t>
-        <a:bodyPr/>
-        <a:lstStyle/>
-        <a:p>
-          <a:r>
-            <a:rPr kumimoji="1" lang="ja-JP" altLang="en-US" smtClean="0"/>
-            <a:t>お客様</a:t>
-          </a:r>
-          <a:endParaRPr kumimoji="1" lang="ja-JP" altLang="en-US"/>
-        </a:p>
-      </dgm:t>
-    </dgm:pt>
-    <dgm:pt modelId="{BD31AD61-3A63-44D4-8BCA-037F25D9C9AA}" type="parTrans" cxnId="{656E03AA-0A51-483A-A593-5770A9D5017B}">
-      <dgm:prSet/>
-      <dgm:spPr/>
-      <dgm:t>
-        <a:bodyPr/>
-        <a:lstStyle/>
-        <a:p>
-          <a:endParaRPr kumimoji="1" lang="ja-JP" altLang="en-US"/>
-        </a:p>
-      </dgm:t>
-    </dgm:pt>
-    <dgm:pt modelId="{FB419318-9916-4931-B215-BC2A31695675}" type="sibTrans" cxnId="{656E03AA-0A51-483A-A593-5770A9D5017B}">
-      <dgm:prSet/>
-      <dgm:spPr/>
-      <dgm:t>
-        <a:bodyPr/>
-        <a:lstStyle/>
-        <a:p>
-          <a:endParaRPr kumimoji="1" lang="ja-JP" altLang="en-US"/>
-        </a:p>
-      </dgm:t>
-    </dgm:pt>
-    <dgm:pt modelId="{37203E41-B2E0-421B-8164-C09B76FAC685}">
-      <dgm:prSet phldrT="[テキスト]"/>
-      <dgm:spPr/>
-      <dgm:t>
-        <a:bodyPr/>
-        <a:lstStyle/>
-        <a:p>
-          <a:r>
-            <a:rPr lang="ja-JP" altLang="en-US" smtClean="0"/>
-            <a:t>決済にかかる時間の短縮</a:t>
-          </a:r>
-          <a:endParaRPr kumimoji="1" lang="ja-JP" altLang="en-US"/>
-        </a:p>
-      </dgm:t>
-    </dgm:pt>
-    <dgm:pt modelId="{72C5B154-06C8-4CF7-A690-4FB8FA7BCD55}" type="parTrans" cxnId="{8AD43404-E237-4FD9-A6C6-5966CE08C67F}">
-      <dgm:prSet/>
-      <dgm:spPr/>
-      <dgm:t>
-        <a:bodyPr/>
-        <a:lstStyle/>
-        <a:p>
-          <a:endParaRPr kumimoji="1" lang="ja-JP" altLang="en-US"/>
-        </a:p>
-      </dgm:t>
-    </dgm:pt>
-    <dgm:pt modelId="{8A234DC6-2D35-47B7-B4D4-5C3E0D32D208}" type="sibTrans" cxnId="{8AD43404-E237-4FD9-A6C6-5966CE08C67F}">
-      <dgm:prSet/>
-      <dgm:spPr/>
-      <dgm:t>
-        <a:bodyPr/>
-        <a:lstStyle/>
-        <a:p>
-          <a:endParaRPr kumimoji="1" lang="ja-JP" altLang="en-US"/>
-        </a:p>
-      </dgm:t>
-    </dgm:pt>
-    <dgm:pt modelId="{2C197D2D-803D-466D-AB0F-C68F4258475B}">
-      <dgm:prSet phldrT="[テキスト]"/>
-      <dgm:spPr/>
-      <dgm:t>
-        <a:bodyPr/>
-        <a:lstStyle/>
-        <a:p>
-          <a:r>
-            <a:rPr kumimoji="1" lang="ja-JP" altLang="en-US" smtClean="0"/>
-            <a:t>製作側</a:t>
-          </a:r>
-          <a:endParaRPr kumimoji="1" lang="ja-JP" altLang="en-US"/>
-        </a:p>
-      </dgm:t>
-    </dgm:pt>
-    <dgm:pt modelId="{0307BF4D-2B3F-4AA7-A778-744AEF4A72B6}" type="parTrans" cxnId="{5366FDAF-BFC7-4BE7-9E05-04759F6800AA}">
-      <dgm:prSet/>
-      <dgm:spPr/>
-      <dgm:t>
-        <a:bodyPr/>
-        <a:lstStyle/>
-        <a:p>
-          <a:endParaRPr kumimoji="1" lang="ja-JP" altLang="en-US"/>
-        </a:p>
-      </dgm:t>
-    </dgm:pt>
-    <dgm:pt modelId="{620C5C2A-7A65-40C6-99FE-AA6EB95D33EB}" type="sibTrans" cxnId="{5366FDAF-BFC7-4BE7-9E05-04759F6800AA}">
-      <dgm:prSet/>
-      <dgm:spPr/>
-      <dgm:t>
-        <a:bodyPr/>
-        <a:lstStyle/>
-        <a:p>
-          <a:endParaRPr kumimoji="1" lang="ja-JP" altLang="en-US"/>
-        </a:p>
-      </dgm:t>
-    </dgm:pt>
-    <dgm:pt modelId="{3F9EF1EA-054D-49EE-8696-F968411FBDEA}">
-      <dgm:prSet phldrT="[テキスト]"/>
-      <dgm:spPr/>
-      <dgm:t>
-        <a:bodyPr/>
-        <a:lstStyle/>
-        <a:p>
-          <a:r>
-            <a:rPr lang="ja-JP" altLang="en-US" smtClean="0"/>
-            <a:t>カメラを使用するため、運用していく上での改良が安易</a:t>
-          </a:r>
-          <a:endParaRPr kumimoji="1" lang="ja-JP" altLang="en-US"/>
-        </a:p>
-      </dgm:t>
-    </dgm:pt>
-    <dgm:pt modelId="{9F51A2D8-72DF-4400-8DE2-87AEF8A34FC9}" type="parTrans" cxnId="{4289988A-6BCF-4A51-9589-DFCE17543665}">
-      <dgm:prSet/>
-      <dgm:spPr/>
-      <dgm:t>
-        <a:bodyPr/>
-        <a:lstStyle/>
-        <a:p>
-          <a:endParaRPr kumimoji="1" lang="ja-JP" altLang="en-US"/>
-        </a:p>
-      </dgm:t>
-    </dgm:pt>
-    <dgm:pt modelId="{29D9ADC2-A74A-4CE2-A626-9E1B1C18F67A}" type="sibTrans" cxnId="{4289988A-6BCF-4A51-9589-DFCE17543665}">
-      <dgm:prSet/>
-      <dgm:spPr/>
-      <dgm:t>
-        <a:bodyPr/>
-        <a:lstStyle/>
-        <a:p>
-          <a:endParaRPr kumimoji="1" lang="ja-JP" altLang="en-US"/>
-        </a:p>
-      </dgm:t>
-    </dgm:pt>
-    <dgm:pt modelId="{B6EC2B33-6CA1-441D-AEB8-3C5FF384B53D}">
-      <dgm:prSet/>
-      <dgm:spPr/>
-      <dgm:t>
-        <a:bodyPr/>
-        <a:lstStyle/>
-        <a:p>
-          <a:r>
-            <a:rPr lang="ja-JP" altLang="en-US" smtClean="0"/>
-            <a:t>レジ本体代の節約</a:t>
-          </a:r>
-          <a:endParaRPr lang="en-US" altLang="ja-JP"/>
-        </a:p>
-      </dgm:t>
-    </dgm:pt>
-    <dgm:pt modelId="{2DDD7A85-5606-4E59-ADC7-5BC2E7956B4A}" type="parTrans" cxnId="{AEF65615-9762-4A19-8466-D4E920485287}">
-      <dgm:prSet/>
-      <dgm:spPr/>
-      <dgm:t>
-        <a:bodyPr/>
-        <a:lstStyle/>
-        <a:p>
-          <a:endParaRPr kumimoji="1" lang="ja-JP" altLang="en-US"/>
-        </a:p>
-      </dgm:t>
-    </dgm:pt>
-    <dgm:pt modelId="{E964E300-E5DA-4DA7-9311-BAF26A4C5F04}" type="sibTrans" cxnId="{AEF65615-9762-4A19-8466-D4E920485287}">
-      <dgm:prSet/>
-      <dgm:spPr/>
-      <dgm:t>
-        <a:bodyPr/>
-        <a:lstStyle/>
-        <a:p>
-          <a:endParaRPr kumimoji="1" lang="ja-JP" altLang="en-US"/>
-        </a:p>
-      </dgm:t>
-    </dgm:pt>
-    <dgm:pt modelId="{E54338FA-B881-4008-BA7A-4179ABFCD880}">
-      <dgm:prSet/>
-      <dgm:spPr/>
-      <dgm:t>
-        <a:bodyPr/>
-        <a:lstStyle/>
-        <a:p>
-          <a:r>
-            <a:rPr lang="ja-JP" altLang="en-US" spc="-150" smtClean="0"/>
-            <a:t>客層</a:t>
-          </a:r>
-          <a:r>
-            <a:rPr lang="ja-JP" altLang="en-US" smtClean="0"/>
-            <a:t>や買った</a:t>
-          </a:r>
-          <a:r>
-            <a:rPr lang="ja-JP" altLang="en-US" spc="-150" smtClean="0"/>
-            <a:t>商品</a:t>
-          </a:r>
-          <a:r>
-            <a:rPr lang="ja-JP" altLang="en-US" smtClean="0"/>
-            <a:t>などの</a:t>
-          </a:r>
-          <a:r>
-            <a:rPr lang="ja-JP" altLang="en-US" spc="-150" smtClean="0"/>
-            <a:t>情報収集</a:t>
-          </a:r>
-          <a:endParaRPr lang="en-US" altLang="ja-JP" spc="-150"/>
-        </a:p>
-      </dgm:t>
-    </dgm:pt>
-    <dgm:pt modelId="{123EBEAA-0421-4A4F-BB16-C160841EB588}" type="parTrans" cxnId="{1AE49D89-1304-44E2-8FFE-2EE57DCC2D72}">
-      <dgm:prSet/>
-      <dgm:spPr/>
-      <dgm:t>
-        <a:bodyPr/>
-        <a:lstStyle/>
-        <a:p>
-          <a:endParaRPr kumimoji="1" lang="ja-JP" altLang="en-US"/>
-        </a:p>
-      </dgm:t>
-    </dgm:pt>
-    <dgm:pt modelId="{2891ABF9-2355-4F55-AB5E-BB20348FF3A3}" type="sibTrans" cxnId="{1AE49D89-1304-44E2-8FFE-2EE57DCC2D72}">
-      <dgm:prSet/>
-      <dgm:spPr/>
-      <dgm:t>
-        <a:bodyPr/>
-        <a:lstStyle/>
-        <a:p>
-          <a:endParaRPr kumimoji="1" lang="ja-JP" altLang="en-US"/>
-        </a:p>
-      </dgm:t>
-    </dgm:pt>
-    <dgm:pt modelId="{757B9308-1459-4629-AF0C-966B09D516FC}">
-      <dgm:prSet/>
-      <dgm:spPr/>
-      <dgm:t>
-        <a:bodyPr/>
-        <a:lstStyle/>
-        <a:p>
-          <a:r>
-            <a:rPr lang="ja-JP" altLang="en-US" smtClean="0"/>
-            <a:t>回転率が上がる</a:t>
-          </a:r>
-          <a:endParaRPr lang="en-US" altLang="ja-JP"/>
-        </a:p>
-      </dgm:t>
-    </dgm:pt>
-    <dgm:pt modelId="{AB2824AE-5D09-442C-B863-C610F936D518}" type="parTrans" cxnId="{5505274D-08A0-44EF-A862-623B250BF834}">
-      <dgm:prSet/>
-      <dgm:spPr/>
-      <dgm:t>
-        <a:bodyPr/>
-        <a:lstStyle/>
-        <a:p>
-          <a:endParaRPr kumimoji="1" lang="ja-JP" altLang="en-US"/>
-        </a:p>
-      </dgm:t>
-    </dgm:pt>
-    <dgm:pt modelId="{AAEFB33F-A5EC-458D-961E-B1FA05DB0D45}" type="sibTrans" cxnId="{5505274D-08A0-44EF-A862-623B250BF834}">
-      <dgm:prSet/>
-      <dgm:spPr/>
-      <dgm:t>
-        <a:bodyPr/>
-        <a:lstStyle/>
-        <a:p>
-          <a:endParaRPr kumimoji="1" lang="ja-JP" altLang="en-US"/>
-        </a:p>
-      </dgm:t>
-    </dgm:pt>
-    <dgm:pt modelId="{F6698F96-7ADF-483A-BAF7-913D2259AF02}">
-      <dgm:prSet/>
-      <dgm:spPr/>
-      <dgm:t>
-        <a:bodyPr/>
-        <a:lstStyle/>
-        <a:p>
-          <a:r>
-            <a:rPr lang="ja-JP" altLang="en-US" smtClean="0"/>
-            <a:t>店のスペースを有効活用できる</a:t>
-          </a:r>
-          <a:endParaRPr lang="en-US" altLang="ja-JP"/>
-        </a:p>
-      </dgm:t>
-    </dgm:pt>
-    <dgm:pt modelId="{3D1C5066-91C2-48E0-9E5D-4D898255AEC1}" type="parTrans" cxnId="{91E72E69-1C80-48B8-899B-A2A1EEF34B70}">
-      <dgm:prSet/>
-      <dgm:spPr/>
-      <dgm:t>
-        <a:bodyPr/>
-        <a:lstStyle/>
-        <a:p>
-          <a:endParaRPr kumimoji="1" lang="ja-JP" altLang="en-US"/>
-        </a:p>
-      </dgm:t>
-    </dgm:pt>
-    <dgm:pt modelId="{5836481D-FB5D-4EDF-9F6C-942EBFFA8333}" type="sibTrans" cxnId="{91E72E69-1C80-48B8-899B-A2A1EEF34B70}">
-      <dgm:prSet/>
-      <dgm:spPr/>
-      <dgm:t>
-        <a:bodyPr/>
-        <a:lstStyle/>
-        <a:p>
-          <a:endParaRPr kumimoji="1" lang="ja-JP" altLang="en-US"/>
-        </a:p>
-      </dgm:t>
-    </dgm:pt>
-    <dgm:pt modelId="{3EF7E431-02C1-4454-8071-A59A4211CD7A}">
-      <dgm:prSet/>
-      <dgm:spPr/>
-      <dgm:t>
-        <a:bodyPr/>
-        <a:lstStyle/>
-        <a:p>
-          <a:r>
-            <a:rPr lang="ja-JP" altLang="en-US" smtClean="0"/>
-            <a:t>初期投資が少なく済む</a:t>
-          </a:r>
-          <a:endParaRPr lang="ja-JP" altLang="en-US" dirty="0"/>
-        </a:p>
-      </dgm:t>
-    </dgm:pt>
-    <dgm:pt modelId="{183DCBE1-5989-4E59-9122-1E12293BB711}" type="parTrans" cxnId="{B941E0E8-DE9B-4A15-8F9E-9A9441D2FD31}">
-      <dgm:prSet/>
-      <dgm:spPr/>
-      <dgm:t>
-        <a:bodyPr/>
-        <a:lstStyle/>
-        <a:p>
-          <a:endParaRPr kumimoji="1" lang="ja-JP" altLang="en-US"/>
-        </a:p>
-      </dgm:t>
-    </dgm:pt>
-    <dgm:pt modelId="{0B0F1007-D9D8-4BD5-B84D-ABDC1015BCFE}" type="sibTrans" cxnId="{B941E0E8-DE9B-4A15-8F9E-9A9441D2FD31}">
-      <dgm:prSet/>
-      <dgm:spPr/>
-      <dgm:t>
-        <a:bodyPr/>
-        <a:lstStyle/>
-        <a:p>
-          <a:endParaRPr kumimoji="1" lang="ja-JP" altLang="en-US"/>
-        </a:p>
-      </dgm:t>
-    </dgm:pt>
-    <dgm:pt modelId="{4C34DBBD-1F5C-4C85-AC98-9775D4C00AAA}">
-      <dgm:prSet/>
-      <dgm:spPr/>
-      <dgm:t>
-        <a:bodyPr/>
-        <a:lstStyle/>
-        <a:p>
-          <a:r>
-            <a:rPr lang="ja-JP" altLang="en-US" smtClean="0"/>
-            <a:t>袋詰めの手間の削減</a:t>
-          </a:r>
-          <a:endParaRPr lang="en-US" altLang="ja-JP"/>
-        </a:p>
-      </dgm:t>
-    </dgm:pt>
-    <dgm:pt modelId="{3E600524-FAB7-495A-A1EE-219BA0983ECA}" type="parTrans" cxnId="{7AFF428F-28DF-43AE-8815-1159BBBA722D}">
-      <dgm:prSet/>
-      <dgm:spPr/>
-      <dgm:t>
-        <a:bodyPr/>
-        <a:lstStyle/>
-        <a:p>
-          <a:endParaRPr kumimoji="1" lang="ja-JP" altLang="en-US"/>
-        </a:p>
-      </dgm:t>
-    </dgm:pt>
-    <dgm:pt modelId="{CEFD4EBF-A645-4AAA-92B7-73F4DB73775A}" type="sibTrans" cxnId="{7AFF428F-28DF-43AE-8815-1159BBBA722D}">
-      <dgm:prSet/>
-      <dgm:spPr/>
-      <dgm:t>
-        <a:bodyPr/>
-        <a:lstStyle/>
-        <a:p>
-          <a:endParaRPr kumimoji="1" lang="ja-JP" altLang="en-US"/>
-        </a:p>
-      </dgm:t>
-    </dgm:pt>
-    <dgm:pt modelId="{75D9A0B8-CB80-4245-A44B-BB6EF3113644}">
-      <dgm:prSet/>
-      <dgm:spPr/>
-      <dgm:t>
-        <a:bodyPr/>
-        <a:lstStyle/>
-        <a:p>
-          <a:r>
-            <a:rPr lang="ja-JP" altLang="en-US" smtClean="0"/>
-            <a:t>バーコードだけでなく画像認識に対応等</a:t>
-          </a:r>
-          <a:endParaRPr lang="en-US" altLang="ja-JP"/>
-        </a:p>
-      </dgm:t>
-    </dgm:pt>
-    <dgm:pt modelId="{45D00741-C5CD-4A6C-AB28-EAF6A0F85F0A}" type="parTrans" cxnId="{C835DCDF-E823-46C7-9827-8C7950A0FF0B}">
-      <dgm:prSet/>
-      <dgm:spPr/>
-      <dgm:t>
-        <a:bodyPr/>
-        <a:lstStyle/>
-        <a:p>
-          <a:endParaRPr kumimoji="1" lang="ja-JP" altLang="en-US"/>
-        </a:p>
-      </dgm:t>
-    </dgm:pt>
-    <dgm:pt modelId="{7A614598-67DC-43EA-AF54-44370366B1B4}" type="sibTrans" cxnId="{C835DCDF-E823-46C7-9827-8C7950A0FF0B}">
-      <dgm:prSet/>
-      <dgm:spPr/>
-      <dgm:t>
-        <a:bodyPr/>
-        <a:lstStyle/>
-        <a:p>
-          <a:endParaRPr kumimoji="1" lang="ja-JP" altLang="en-US"/>
-        </a:p>
-      </dgm:t>
-    </dgm:pt>
-    <dgm:pt modelId="{BA5A3BE7-0B20-4C8F-AEBC-FE7E8955CE8D}">
-      <dgm:prSet/>
-      <dgm:spPr/>
-      <dgm:t>
-        <a:bodyPr/>
-        <a:lstStyle/>
-        <a:p>
-          <a:r>
-            <a:rPr lang="ja-JP" altLang="en-US" smtClean="0"/>
-            <a:t>画像ＤＢが改良され続け、精度が上がっていく</a:t>
-          </a:r>
-          <a:endParaRPr lang="en-US" altLang="ja-JP"/>
-        </a:p>
-      </dgm:t>
-    </dgm:pt>
-    <dgm:pt modelId="{784F0B54-3887-4D41-89DE-4DDFBD2AF905}" type="parTrans" cxnId="{8C6793BB-1101-4F7A-9C3F-4EB6F2F16713}">
-      <dgm:prSet/>
-      <dgm:spPr/>
-      <dgm:t>
-        <a:bodyPr/>
-        <a:lstStyle/>
-        <a:p>
-          <a:endParaRPr kumimoji="1" lang="ja-JP" altLang="en-US"/>
-        </a:p>
-      </dgm:t>
-    </dgm:pt>
-    <dgm:pt modelId="{676F43D6-988A-4BEC-95CC-7EE4FA553C1E}" type="sibTrans" cxnId="{8C6793BB-1101-4F7A-9C3F-4EB6F2F16713}">
-      <dgm:prSet/>
-      <dgm:spPr/>
-      <dgm:t>
-        <a:bodyPr/>
-        <a:lstStyle/>
-        <a:p>
-          <a:endParaRPr kumimoji="1" lang="ja-JP" altLang="en-US"/>
-        </a:p>
-      </dgm:t>
-    </dgm:pt>
-    <dgm:pt modelId="{C468C290-9EAA-47B4-86FF-8EB7F279C9BA}">
-      <dgm:prSet/>
-      <dgm:spPr/>
-      <dgm:t>
-        <a:bodyPr/>
-        <a:lstStyle/>
-        <a:p>
-          <a:r>
-            <a:rPr lang="ja-JP" altLang="en-US" smtClean="0"/>
-            <a:t>キャッシュレス決済と組み合わせることにより運用・保守が簡単</a:t>
-          </a:r>
-          <a:endParaRPr lang="en-US" altLang="ja-JP" dirty="0"/>
-        </a:p>
-      </dgm:t>
-    </dgm:pt>
-    <dgm:pt modelId="{4E507F8A-C1A6-43DC-B589-A948BEE5489E}" type="parTrans" cxnId="{A299A909-9E9C-4165-8102-9FE23917E15C}">
-      <dgm:prSet/>
-      <dgm:spPr/>
-      <dgm:t>
-        <a:bodyPr/>
-        <a:lstStyle/>
-        <a:p>
-          <a:endParaRPr kumimoji="1" lang="ja-JP" altLang="en-US"/>
-        </a:p>
-      </dgm:t>
-    </dgm:pt>
-    <dgm:pt modelId="{B5479399-6796-4752-9B00-E2D6EBCC79EE}" type="sibTrans" cxnId="{A299A909-9E9C-4165-8102-9FE23917E15C}">
-      <dgm:prSet/>
-      <dgm:spPr/>
-      <dgm:t>
-        <a:bodyPr/>
-        <a:lstStyle/>
-        <a:p>
-          <a:endParaRPr kumimoji="1" lang="ja-JP" altLang="en-US"/>
-        </a:p>
-      </dgm:t>
-    </dgm:pt>
-    <dgm:pt modelId="{A1EE6C7B-74CE-4E70-A831-0ACB9ABC9D69}" type="pres">
-      <dgm:prSet presAssocID="{AB44A337-FEB0-4AE8-82AB-5FF9C02FD74D}" presName="Name0" presStyleCnt="0">
-        <dgm:presLayoutVars>
-          <dgm:dir/>
-          <dgm:animLvl val="lvl"/>
-          <dgm:resizeHandles val="exact"/>
-        </dgm:presLayoutVars>
-      </dgm:prSet>
-      <dgm:spPr/>
-      <dgm:t>
-        <a:bodyPr/>
-        <a:lstStyle/>
-        <a:p>
-          <a:endParaRPr kumimoji="1" lang="ja-JP" altLang="en-US"/>
-        </a:p>
-      </dgm:t>
-    </dgm:pt>
-    <dgm:pt modelId="{69536E63-079F-4151-B331-9C98663BB73E}" type="pres">
-      <dgm:prSet presAssocID="{58EFBA93-8468-4A2D-BED2-63BF539B0542}" presName="composite" presStyleCnt="0"/>
-      <dgm:spPr/>
-    </dgm:pt>
-    <dgm:pt modelId="{B81DBDE9-7BDE-461D-9FCA-6AA1A53F3A69}" type="pres">
-      <dgm:prSet presAssocID="{58EFBA93-8468-4A2D-BED2-63BF539B0542}" presName="parTx" presStyleLbl="alignNode1" presStyleIdx="0" presStyleCnt="3">
-        <dgm:presLayoutVars>
-          <dgm:chMax val="0"/>
-          <dgm:chPref val="0"/>
-          <dgm:bulletEnabled val="1"/>
-        </dgm:presLayoutVars>
-      </dgm:prSet>
-      <dgm:spPr/>
-      <dgm:t>
-        <a:bodyPr/>
-        <a:lstStyle/>
-        <a:p>
-          <a:endParaRPr kumimoji="1" lang="ja-JP" altLang="en-US"/>
-        </a:p>
-      </dgm:t>
-    </dgm:pt>
-    <dgm:pt modelId="{6B09F810-FD4D-47E3-87E5-39C47C9912B3}" type="pres">
-      <dgm:prSet presAssocID="{58EFBA93-8468-4A2D-BED2-63BF539B0542}" presName="desTx" presStyleLbl="alignAccFollowNode1" presStyleIdx="0" presStyleCnt="3">
-        <dgm:presLayoutVars>
-          <dgm:bulletEnabled val="1"/>
-        </dgm:presLayoutVars>
-      </dgm:prSet>
-      <dgm:spPr/>
-      <dgm:t>
-        <a:bodyPr/>
-        <a:lstStyle/>
-        <a:p>
-          <a:endParaRPr kumimoji="1" lang="ja-JP" altLang="en-US"/>
-        </a:p>
-      </dgm:t>
-    </dgm:pt>
-    <dgm:pt modelId="{6A301C48-BDA6-4771-A326-943F34F42DF8}" type="pres">
-      <dgm:prSet presAssocID="{E3C42EA2-3471-415B-966A-9A3089AB9066}" presName="space" presStyleCnt="0"/>
-      <dgm:spPr/>
-    </dgm:pt>
-    <dgm:pt modelId="{A0C8F345-2AA4-49F7-8215-7851BB492676}" type="pres">
-      <dgm:prSet presAssocID="{12F917DB-8FA1-4D31-8996-C00CDC1F60FB}" presName="composite" presStyleCnt="0"/>
-      <dgm:spPr/>
-    </dgm:pt>
-    <dgm:pt modelId="{26BF4887-A64A-40CE-A00B-487524EC5167}" type="pres">
-      <dgm:prSet presAssocID="{12F917DB-8FA1-4D31-8996-C00CDC1F60FB}" presName="parTx" presStyleLbl="alignNode1" presStyleIdx="1" presStyleCnt="3">
-        <dgm:presLayoutVars>
-          <dgm:chMax val="0"/>
-          <dgm:chPref val="0"/>
-          <dgm:bulletEnabled val="1"/>
-        </dgm:presLayoutVars>
-      </dgm:prSet>
-      <dgm:spPr/>
-      <dgm:t>
-        <a:bodyPr/>
-        <a:lstStyle/>
-        <a:p>
-          <a:endParaRPr kumimoji="1" lang="ja-JP" altLang="en-US"/>
-        </a:p>
-      </dgm:t>
-    </dgm:pt>
-    <dgm:pt modelId="{5E302172-FE02-4FE2-B4DE-C26D0D67F068}" type="pres">
-      <dgm:prSet presAssocID="{12F917DB-8FA1-4D31-8996-C00CDC1F60FB}" presName="desTx" presStyleLbl="alignAccFollowNode1" presStyleIdx="1" presStyleCnt="3">
-        <dgm:presLayoutVars>
-          <dgm:bulletEnabled val="1"/>
-        </dgm:presLayoutVars>
-      </dgm:prSet>
-      <dgm:spPr/>
-      <dgm:t>
-        <a:bodyPr/>
-        <a:lstStyle/>
-        <a:p>
-          <a:endParaRPr kumimoji="1" lang="ja-JP" altLang="en-US"/>
-        </a:p>
-      </dgm:t>
-    </dgm:pt>
-    <dgm:pt modelId="{54D32869-0E6C-40EF-9246-5570C45CFB05}" type="pres">
-      <dgm:prSet presAssocID="{FB419318-9916-4931-B215-BC2A31695675}" presName="space" presStyleCnt="0"/>
-      <dgm:spPr/>
-    </dgm:pt>
-    <dgm:pt modelId="{4483A573-AF40-499E-8F76-56C465B3CB46}" type="pres">
-      <dgm:prSet presAssocID="{2C197D2D-803D-466D-AB0F-C68F4258475B}" presName="composite" presStyleCnt="0"/>
-      <dgm:spPr/>
-    </dgm:pt>
-    <dgm:pt modelId="{F7C87837-AAB1-4F21-9E1F-5D4716418B23}" type="pres">
-      <dgm:prSet presAssocID="{2C197D2D-803D-466D-AB0F-C68F4258475B}" presName="parTx" presStyleLbl="alignNode1" presStyleIdx="2" presStyleCnt="3">
-        <dgm:presLayoutVars>
-          <dgm:chMax val="0"/>
-          <dgm:chPref val="0"/>
-          <dgm:bulletEnabled val="1"/>
-        </dgm:presLayoutVars>
-      </dgm:prSet>
-      <dgm:spPr/>
-      <dgm:t>
-        <a:bodyPr/>
-        <a:lstStyle/>
-        <a:p>
-          <a:endParaRPr kumimoji="1" lang="ja-JP" altLang="en-US"/>
-        </a:p>
-      </dgm:t>
-    </dgm:pt>
-    <dgm:pt modelId="{1E285AB9-ECA4-4EEF-AB8D-896D7CA18A90}" type="pres">
-      <dgm:prSet presAssocID="{2C197D2D-803D-466D-AB0F-C68F4258475B}" presName="desTx" presStyleLbl="alignAccFollowNode1" presStyleIdx="2" presStyleCnt="3">
-        <dgm:presLayoutVars>
-          <dgm:bulletEnabled val="1"/>
-        </dgm:presLayoutVars>
-      </dgm:prSet>
-      <dgm:spPr/>
-      <dgm:t>
-        <a:bodyPr/>
-        <a:lstStyle/>
-        <a:p>
-          <a:endParaRPr kumimoji="1" lang="ja-JP" altLang="en-US"/>
-        </a:p>
-      </dgm:t>
-    </dgm:pt>
-  </dgm:ptLst>
-  <dgm:cxnLst>
-    <dgm:cxn modelId="{AEF65615-9762-4A19-8466-D4E920485287}" srcId="{58EFBA93-8468-4A2D-BED2-63BF539B0542}" destId="{B6EC2B33-6CA1-441D-AEB8-3C5FF384B53D}" srcOrd="1" destOrd="0" parTransId="{2DDD7A85-5606-4E59-ADC7-5BC2E7956B4A}" sibTransId="{E964E300-E5DA-4DA7-9311-BAF26A4C5F04}"/>
-    <dgm:cxn modelId="{23C79B61-DA43-4C9D-BC51-A30CFB36FA38}" type="presOf" srcId="{BA5A3BE7-0B20-4C8F-AEBC-FE7E8955CE8D}" destId="{1E285AB9-ECA4-4EEF-AB8D-896D7CA18A90}" srcOrd="0" destOrd="2" presId="urn:microsoft.com/office/officeart/2005/8/layout/hList1"/>
-    <dgm:cxn modelId="{8C6793BB-1101-4F7A-9C3F-4EB6F2F16713}" srcId="{3F9EF1EA-054D-49EE-8696-F968411FBDEA}" destId="{BA5A3BE7-0B20-4C8F-AEBC-FE7E8955CE8D}" srcOrd="1" destOrd="0" parTransId="{784F0B54-3887-4D41-89DE-4DDFBD2AF905}" sibTransId="{676F43D6-988A-4BEC-95CC-7EE4FA553C1E}"/>
-    <dgm:cxn modelId="{ED767CAD-9DFF-4A8A-A161-55BA46985197}" type="presOf" srcId="{E54338FA-B881-4008-BA7A-4179ABFCD880}" destId="{6B09F810-FD4D-47E3-87E5-39C47C9912B3}" srcOrd="0" destOrd="2" presId="urn:microsoft.com/office/officeart/2005/8/layout/hList1"/>
-    <dgm:cxn modelId="{FED99F71-9EEB-4636-852D-EED94DAF2E95}" srcId="{58EFBA93-8468-4A2D-BED2-63BF539B0542}" destId="{D581EA26-CF65-4CF6-B4FF-BE3D5F53B6DB}" srcOrd="0" destOrd="0" parTransId="{FA624D80-320B-4D18-AE79-C8D5B1C802C6}" sibTransId="{D4B57FF8-CE96-4B97-9F0B-82308968B7A6}"/>
-    <dgm:cxn modelId="{D1FF28B5-A540-47B9-84D1-7C13B410130E}" type="presOf" srcId="{AB44A337-FEB0-4AE8-82AB-5FF9C02FD74D}" destId="{A1EE6C7B-74CE-4E70-A831-0ACB9ABC9D69}" srcOrd="0" destOrd="0" presId="urn:microsoft.com/office/officeart/2005/8/layout/hList1"/>
-    <dgm:cxn modelId="{50358941-B123-4782-8938-6731B2E7A74D}" type="presOf" srcId="{3EF7E431-02C1-4454-8071-A59A4211CD7A}" destId="{6B09F810-FD4D-47E3-87E5-39C47C9912B3}" srcOrd="0" destOrd="5" presId="urn:microsoft.com/office/officeart/2005/8/layout/hList1"/>
-    <dgm:cxn modelId="{BD435C3E-8E7D-4AA3-930E-4B9A16A4377B}" type="presOf" srcId="{37203E41-B2E0-421B-8164-C09B76FAC685}" destId="{5E302172-FE02-4FE2-B4DE-C26D0D67F068}" srcOrd="0" destOrd="0" presId="urn:microsoft.com/office/officeart/2005/8/layout/hList1"/>
-    <dgm:cxn modelId="{B451A67D-808F-40A6-9157-8B5452BEF651}" type="presOf" srcId="{2C197D2D-803D-466D-AB0F-C68F4258475B}" destId="{F7C87837-AAB1-4F21-9E1F-5D4716418B23}" srcOrd="0" destOrd="0" presId="urn:microsoft.com/office/officeart/2005/8/layout/hList1"/>
-    <dgm:cxn modelId="{1AE49D89-1304-44E2-8FFE-2EE57DCC2D72}" srcId="{58EFBA93-8468-4A2D-BED2-63BF539B0542}" destId="{E54338FA-B881-4008-BA7A-4179ABFCD880}" srcOrd="2" destOrd="0" parTransId="{123EBEAA-0421-4A4F-BB16-C160841EB588}" sibTransId="{2891ABF9-2355-4F55-AB5E-BB20348FF3A3}"/>
-    <dgm:cxn modelId="{656E03AA-0A51-483A-A593-5770A9D5017B}" srcId="{AB44A337-FEB0-4AE8-82AB-5FF9C02FD74D}" destId="{12F917DB-8FA1-4D31-8996-C00CDC1F60FB}" srcOrd="1" destOrd="0" parTransId="{BD31AD61-3A63-44D4-8BCA-037F25D9C9AA}" sibTransId="{FB419318-9916-4931-B215-BC2A31695675}"/>
-    <dgm:cxn modelId="{8FA829B2-FCA5-4604-BC8E-13D7CE745A4D}" type="presOf" srcId="{757B9308-1459-4629-AF0C-966B09D516FC}" destId="{6B09F810-FD4D-47E3-87E5-39C47C9912B3}" srcOrd="0" destOrd="3" presId="urn:microsoft.com/office/officeart/2005/8/layout/hList1"/>
-    <dgm:cxn modelId="{7AFF428F-28DF-43AE-8815-1159BBBA722D}" srcId="{12F917DB-8FA1-4D31-8996-C00CDC1F60FB}" destId="{4C34DBBD-1F5C-4C85-AC98-9775D4C00AAA}" srcOrd="1" destOrd="0" parTransId="{3E600524-FAB7-495A-A1EE-219BA0983ECA}" sibTransId="{CEFD4EBF-A645-4AAA-92B7-73F4DB73775A}"/>
-    <dgm:cxn modelId="{DC948573-7888-4706-AAFE-621791E15788}" type="presOf" srcId="{58EFBA93-8468-4A2D-BED2-63BF539B0542}" destId="{B81DBDE9-7BDE-461D-9FCA-6AA1A53F3A69}" srcOrd="0" destOrd="0" presId="urn:microsoft.com/office/officeart/2005/8/layout/hList1"/>
-    <dgm:cxn modelId="{33F04549-7226-4AD8-8D08-1EFCDD370195}" srcId="{AB44A337-FEB0-4AE8-82AB-5FF9C02FD74D}" destId="{58EFBA93-8468-4A2D-BED2-63BF539B0542}" srcOrd="0" destOrd="0" parTransId="{ED5AE595-505D-43B7-9CB3-D65CC624B910}" sibTransId="{E3C42EA2-3471-415B-966A-9A3089AB9066}"/>
-    <dgm:cxn modelId="{5366FDAF-BFC7-4BE7-9E05-04759F6800AA}" srcId="{AB44A337-FEB0-4AE8-82AB-5FF9C02FD74D}" destId="{2C197D2D-803D-466D-AB0F-C68F4258475B}" srcOrd="2" destOrd="0" parTransId="{0307BF4D-2B3F-4AA7-A778-744AEF4A72B6}" sibTransId="{620C5C2A-7A65-40C6-99FE-AA6EB95D33EB}"/>
-    <dgm:cxn modelId="{F8FF7C18-5EB6-473C-AEA2-7D92C732B221}" type="presOf" srcId="{75D9A0B8-CB80-4245-A44B-BB6EF3113644}" destId="{1E285AB9-ECA4-4EEF-AB8D-896D7CA18A90}" srcOrd="0" destOrd="1" presId="urn:microsoft.com/office/officeart/2005/8/layout/hList1"/>
-    <dgm:cxn modelId="{E9E7E074-A2C8-480C-A695-38AD315CB395}" type="presOf" srcId="{4C34DBBD-1F5C-4C85-AC98-9775D4C00AAA}" destId="{5E302172-FE02-4FE2-B4DE-C26D0D67F068}" srcOrd="0" destOrd="1" presId="urn:microsoft.com/office/officeart/2005/8/layout/hList1"/>
-    <dgm:cxn modelId="{A299A909-9E9C-4165-8102-9FE23917E15C}" srcId="{2C197D2D-803D-466D-AB0F-C68F4258475B}" destId="{C468C290-9EAA-47B4-86FF-8EB7F279C9BA}" srcOrd="1" destOrd="0" parTransId="{4E507F8A-C1A6-43DC-B589-A948BEE5489E}" sibTransId="{B5479399-6796-4752-9B00-E2D6EBCC79EE}"/>
-    <dgm:cxn modelId="{7DC3AE75-E398-4423-858B-C70D30C50174}" type="presOf" srcId="{12F917DB-8FA1-4D31-8996-C00CDC1F60FB}" destId="{26BF4887-A64A-40CE-A00B-487524EC5167}" srcOrd="0" destOrd="0" presId="urn:microsoft.com/office/officeart/2005/8/layout/hList1"/>
-    <dgm:cxn modelId="{2322A090-EA98-4AB2-8D2F-DBBBFD5CF960}" type="presOf" srcId="{F6698F96-7ADF-483A-BAF7-913D2259AF02}" destId="{6B09F810-FD4D-47E3-87E5-39C47C9912B3}" srcOrd="0" destOrd="4" presId="urn:microsoft.com/office/officeart/2005/8/layout/hList1"/>
-    <dgm:cxn modelId="{4289988A-6BCF-4A51-9589-DFCE17543665}" srcId="{2C197D2D-803D-466D-AB0F-C68F4258475B}" destId="{3F9EF1EA-054D-49EE-8696-F968411FBDEA}" srcOrd="0" destOrd="0" parTransId="{9F51A2D8-72DF-4400-8DE2-87AEF8A34FC9}" sibTransId="{29D9ADC2-A74A-4CE2-A626-9E1B1C18F67A}"/>
-    <dgm:cxn modelId="{B941E0E8-DE9B-4A15-8F9E-9A9441D2FD31}" srcId="{58EFBA93-8468-4A2D-BED2-63BF539B0542}" destId="{3EF7E431-02C1-4454-8071-A59A4211CD7A}" srcOrd="5" destOrd="0" parTransId="{183DCBE1-5989-4E59-9122-1E12293BB711}" sibTransId="{0B0F1007-D9D8-4BD5-B84D-ABDC1015BCFE}"/>
-    <dgm:cxn modelId="{5505274D-08A0-44EF-A862-623B250BF834}" srcId="{58EFBA93-8468-4A2D-BED2-63BF539B0542}" destId="{757B9308-1459-4629-AF0C-966B09D516FC}" srcOrd="3" destOrd="0" parTransId="{AB2824AE-5D09-442C-B863-C610F936D518}" sibTransId="{AAEFB33F-A5EC-458D-961E-B1FA05DB0D45}"/>
-    <dgm:cxn modelId="{70CE7AD6-D78F-43D9-8243-338E20C6F07D}" type="presOf" srcId="{C468C290-9EAA-47B4-86FF-8EB7F279C9BA}" destId="{1E285AB9-ECA4-4EEF-AB8D-896D7CA18A90}" srcOrd="0" destOrd="3" presId="urn:microsoft.com/office/officeart/2005/8/layout/hList1"/>
-    <dgm:cxn modelId="{E073717B-AC96-499C-B14D-7223738BE9B4}" type="presOf" srcId="{B6EC2B33-6CA1-441D-AEB8-3C5FF384B53D}" destId="{6B09F810-FD4D-47E3-87E5-39C47C9912B3}" srcOrd="0" destOrd="1" presId="urn:microsoft.com/office/officeart/2005/8/layout/hList1"/>
-    <dgm:cxn modelId="{C835DCDF-E823-46C7-9827-8C7950A0FF0B}" srcId="{3F9EF1EA-054D-49EE-8696-F968411FBDEA}" destId="{75D9A0B8-CB80-4245-A44B-BB6EF3113644}" srcOrd="0" destOrd="0" parTransId="{45D00741-C5CD-4A6C-AB28-EAF6A0F85F0A}" sibTransId="{7A614598-67DC-43EA-AF54-44370366B1B4}"/>
-    <dgm:cxn modelId="{8AD43404-E237-4FD9-A6C6-5966CE08C67F}" srcId="{12F917DB-8FA1-4D31-8996-C00CDC1F60FB}" destId="{37203E41-B2E0-421B-8164-C09B76FAC685}" srcOrd="0" destOrd="0" parTransId="{72C5B154-06C8-4CF7-A690-4FB8FA7BCD55}" sibTransId="{8A234DC6-2D35-47B7-B4D4-5C3E0D32D208}"/>
-    <dgm:cxn modelId="{80FC6FB9-E15B-47C4-AAE3-A624EB3D4246}" type="presOf" srcId="{D581EA26-CF65-4CF6-B4FF-BE3D5F53B6DB}" destId="{6B09F810-FD4D-47E3-87E5-39C47C9912B3}" srcOrd="0" destOrd="0" presId="urn:microsoft.com/office/officeart/2005/8/layout/hList1"/>
-    <dgm:cxn modelId="{91E72E69-1C80-48B8-899B-A2A1EEF34B70}" srcId="{58EFBA93-8468-4A2D-BED2-63BF539B0542}" destId="{F6698F96-7ADF-483A-BAF7-913D2259AF02}" srcOrd="4" destOrd="0" parTransId="{3D1C5066-91C2-48E0-9E5D-4D898255AEC1}" sibTransId="{5836481D-FB5D-4EDF-9F6C-942EBFFA8333}"/>
-    <dgm:cxn modelId="{DAEFF341-D192-4C8D-9512-5BC3612C58F4}" type="presOf" srcId="{3F9EF1EA-054D-49EE-8696-F968411FBDEA}" destId="{1E285AB9-ECA4-4EEF-AB8D-896D7CA18A90}" srcOrd="0" destOrd="0" presId="urn:microsoft.com/office/officeart/2005/8/layout/hList1"/>
-    <dgm:cxn modelId="{8C8FDB1C-6D11-4FE6-9B40-CF47FE74C432}" type="presParOf" srcId="{A1EE6C7B-74CE-4E70-A831-0ACB9ABC9D69}" destId="{69536E63-079F-4151-B331-9C98663BB73E}" srcOrd="0" destOrd="0" presId="urn:microsoft.com/office/officeart/2005/8/layout/hList1"/>
-    <dgm:cxn modelId="{0344C940-C69B-4258-99D9-0088A32A3424}" type="presParOf" srcId="{69536E63-079F-4151-B331-9C98663BB73E}" destId="{B81DBDE9-7BDE-461D-9FCA-6AA1A53F3A69}" srcOrd="0" destOrd="0" presId="urn:microsoft.com/office/officeart/2005/8/layout/hList1"/>
-    <dgm:cxn modelId="{4C2D1753-5C6E-4D27-B74C-BCF67AD87304}" type="presParOf" srcId="{69536E63-079F-4151-B331-9C98663BB73E}" destId="{6B09F810-FD4D-47E3-87E5-39C47C9912B3}" srcOrd="1" destOrd="0" presId="urn:microsoft.com/office/officeart/2005/8/layout/hList1"/>
-    <dgm:cxn modelId="{4994754C-B51C-48C0-81C7-A825C20A1784}" type="presParOf" srcId="{A1EE6C7B-74CE-4E70-A831-0ACB9ABC9D69}" destId="{6A301C48-BDA6-4771-A326-943F34F42DF8}" srcOrd="1" destOrd="0" presId="urn:microsoft.com/office/officeart/2005/8/layout/hList1"/>
-    <dgm:cxn modelId="{ED9BCC14-6281-48B2-96F3-E49B1E69B2D8}" type="presParOf" srcId="{A1EE6C7B-74CE-4E70-A831-0ACB9ABC9D69}" destId="{A0C8F345-2AA4-49F7-8215-7851BB492676}" srcOrd="2" destOrd="0" presId="urn:microsoft.com/office/officeart/2005/8/layout/hList1"/>
-    <dgm:cxn modelId="{1FC4188F-A492-4BE6-B85B-128124E6051F}" type="presParOf" srcId="{A0C8F345-2AA4-49F7-8215-7851BB492676}" destId="{26BF4887-A64A-40CE-A00B-487524EC5167}" srcOrd="0" destOrd="0" presId="urn:microsoft.com/office/officeart/2005/8/layout/hList1"/>
-    <dgm:cxn modelId="{E615F589-9FF8-46A4-8D9D-F4F7C499D2DE}" type="presParOf" srcId="{A0C8F345-2AA4-49F7-8215-7851BB492676}" destId="{5E302172-FE02-4FE2-B4DE-C26D0D67F068}" srcOrd="1" destOrd="0" presId="urn:microsoft.com/office/officeart/2005/8/layout/hList1"/>
-    <dgm:cxn modelId="{001D8D97-CED2-4A46-A015-05128441DEF3}" type="presParOf" srcId="{A1EE6C7B-74CE-4E70-A831-0ACB9ABC9D69}" destId="{54D32869-0E6C-40EF-9246-5570C45CFB05}" srcOrd="3" destOrd="0" presId="urn:microsoft.com/office/officeart/2005/8/layout/hList1"/>
-    <dgm:cxn modelId="{7593158C-08A1-4657-9018-74864EA79225}" type="presParOf" srcId="{A1EE6C7B-74CE-4E70-A831-0ACB9ABC9D69}" destId="{4483A573-AF40-499E-8F76-56C465B3CB46}" srcOrd="4" destOrd="0" presId="urn:microsoft.com/office/officeart/2005/8/layout/hList1"/>
-    <dgm:cxn modelId="{47E1AEE4-1F5D-4DD3-9D76-4D8CAF168102}" type="presParOf" srcId="{4483A573-AF40-499E-8F76-56C465B3CB46}" destId="{F7C87837-AAB1-4F21-9E1F-5D4716418B23}" srcOrd="0" destOrd="0" presId="urn:microsoft.com/office/officeart/2005/8/layout/hList1"/>
-    <dgm:cxn modelId="{156A7756-A40B-46AC-9376-C0C7A1B632BA}" type="presParOf" srcId="{4483A573-AF40-499E-8F76-56C465B3CB46}" destId="{1E285AB9-ECA4-4EEF-AB8D-896D7CA18A90}" srcOrd="1" destOrd="0" presId="urn:microsoft.com/office/officeart/2005/8/layout/hList1"/>
-  </dgm:cxnLst>
-  <dgm:bg/>
-  <dgm:whole/>
-  <dgm:extLst>
-    <a:ext uri="http://schemas.microsoft.com/office/drawing/2008/diagram">
-      <dsp:dataModelExt xmlns:dsp="http://schemas.microsoft.com/office/drawing/2008/diagram" relId="rId7" minVer="http://schemas.openxmlformats.org/drawingml/2006/diagram"/>
-    </a:ext>
-  </dgm:extLst>
-</dgm:dataModel>
-</file>
-
-<file path=ppt/diagrams/drawing1.xml><?xml version="1.0" encoding="utf-8"?>
-<dsp:drawing xmlns:dgm="http://schemas.openxmlformats.org/drawingml/2006/diagram" xmlns:dsp="http://schemas.microsoft.com/office/drawing/2008/diagram" xmlns:a="http://schemas.openxmlformats.org/drawingml/2006/main">
-  <dsp:spTree>
-    <dsp:nvGrpSpPr>
-      <dsp:cNvPr id="0" name=""/>
-      <dsp:cNvGrpSpPr/>
-    </dsp:nvGrpSpPr>
-    <dsp:grpSpPr/>
-    <dsp:sp modelId="{B81DBDE9-7BDE-461D-9FCA-6AA1A53F3A69}">
-      <dsp:nvSpPr>
-        <dsp:cNvPr id="0" name=""/>
-        <dsp:cNvSpPr/>
-      </dsp:nvSpPr>
-      <dsp:spPr>
+<file path=ppt/handoutMasters/handoutMaster1.xml><?xml version="1.0" encoding="utf-8"?>
+<p:handoutMaster xmlns:a="http://schemas.openxmlformats.org/drawingml/2006/main" xmlns:r="http://schemas.openxmlformats.org/officeDocument/2006/relationships" xmlns:p="http://schemas.openxmlformats.org/presentationml/2006/main">
+  <p:cSld>
+    <p:bg>
+      <p:bgRef idx="1001">
+        <a:schemeClr val="bg1"/>
+      </p:bgRef>
+    </p:bg>
+    <p:spTree>
+      <p:nvGrpSpPr>
+        <p:cNvPr id="1" name=""/>
+        <p:cNvGrpSpPr/>
+        <p:nvPr/>
+      </p:nvGrpSpPr>
+      <p:grpSpPr>
         <a:xfrm>
-          <a:off x="3143" y="41924"/>
-          <a:ext cx="3064668" cy="604800"/>
+          <a:off x="0" y="0"/>
+          <a:ext cx="0" cy="0"/>
+          <a:chOff x="0" y="0"/>
+          <a:chExt cx="0" cy="0"/>
         </a:xfrm>
-        <a:prstGeom prst="rect">
-          <a:avLst/>
-        </a:prstGeom>
-        <a:solidFill>
-          <a:schemeClr val="accent1">
-            <a:hueOff val="0"/>
-            <a:satOff val="0"/>
-            <a:lumOff val="0"/>
-            <a:alphaOff val="0"/>
-          </a:schemeClr>
-        </a:solidFill>
-        <a:ln w="15875" cap="flat" cmpd="sng" algn="ctr">
-          <a:solidFill>
-            <a:schemeClr val="accent1">
-              <a:hueOff val="0"/>
-              <a:satOff val="0"/>
-              <a:lumOff val="0"/>
-              <a:alphaOff val="0"/>
-            </a:schemeClr>
-          </a:solidFill>
-          <a:prstDash val="solid"/>
-        </a:ln>
-        <a:effectLst/>
-      </dsp:spPr>
-      <dsp:style>
-        <a:lnRef idx="2">
-          <a:scrgbClr r="0" g="0" b="0"/>
-        </a:lnRef>
-        <a:fillRef idx="1">
-          <a:scrgbClr r="0" g="0" b="0"/>
-        </a:fillRef>
-        <a:effectRef idx="0">
-          <a:scrgbClr r="0" g="0" b="0"/>
-        </a:effectRef>
-        <a:fontRef idx="minor">
-          <a:schemeClr val="lt1"/>
-        </a:fontRef>
-      </dsp:style>
-      <dsp:txBody>
-        <a:bodyPr spcFirstLastPara="0" vert="horz" wrap="square" lIns="149352" tIns="85344" rIns="149352" bIns="85344" numCol="1" spcCol="1270" anchor="ctr" anchorCtr="0">
-          <a:noAutofit/>
-        </a:bodyPr>
-        <a:lstStyle/>
-        <a:p>
-          <a:pPr lvl="0" algn="ctr" defTabSz="933450">
-            <a:lnSpc>
-              <a:spcPct val="90000"/>
-            </a:lnSpc>
-            <a:spcBef>
-              <a:spcPct val="0"/>
-            </a:spcBef>
-            <a:spcAft>
-              <a:spcPct val="35000"/>
-            </a:spcAft>
-          </a:pPr>
-          <a:r>
-            <a:rPr kumimoji="1" lang="ja-JP" altLang="en-US" sz="2100" kern="1200" smtClean="0"/>
-            <a:t>お店</a:t>
-          </a:r>
-          <a:endParaRPr kumimoji="1" lang="ja-JP" altLang="en-US" sz="2100" kern="1200"/>
-        </a:p>
-      </dsp:txBody>
-      <dsp:txXfrm>
-        <a:off x="3143" y="41924"/>
-        <a:ext cx="3064668" cy="604800"/>
-      </dsp:txXfrm>
-    </dsp:sp>
-    <dsp:sp modelId="{6B09F810-FD4D-47E3-87E5-39C47C9912B3}">
-      <dsp:nvSpPr>
-        <dsp:cNvPr id="0" name=""/>
-        <dsp:cNvSpPr/>
-      </dsp:nvSpPr>
-      <dsp:spPr>
-        <a:xfrm>
-          <a:off x="3143" y="646724"/>
-          <a:ext cx="3064668" cy="3914455"/>
-        </a:xfrm>
-        <a:prstGeom prst="rect">
-          <a:avLst/>
-        </a:prstGeom>
-        <a:solidFill>
-          <a:schemeClr val="accent1">
-            <a:alpha val="90000"/>
-            <a:tint val="40000"/>
-            <a:hueOff val="0"/>
-            <a:satOff val="0"/>
-            <a:lumOff val="0"/>
-            <a:alphaOff val="0"/>
-          </a:schemeClr>
-        </a:solidFill>
-        <a:ln w="15875" cap="flat" cmpd="sng" algn="ctr">
-          <a:solidFill>
-            <a:schemeClr val="accent1">
-              <a:alpha val="90000"/>
-              <a:tint val="40000"/>
-              <a:hueOff val="0"/>
-              <a:satOff val="0"/>
-              <a:lumOff val="0"/>
-              <a:alphaOff val="0"/>
-            </a:schemeClr>
-          </a:solidFill>
-          <a:prstDash val="solid"/>
-        </a:ln>
-        <a:effectLst/>
-      </dsp:spPr>
-      <dsp:style>
-        <a:lnRef idx="2">
-          <a:scrgbClr r="0" g="0" b="0"/>
-        </a:lnRef>
-        <a:fillRef idx="1">
-          <a:scrgbClr r="0" g="0" b="0"/>
-        </a:fillRef>
-        <a:effectRef idx="0">
-          <a:scrgbClr r="0" g="0" b="0"/>
-        </a:effectRef>
-        <a:fontRef idx="minor"/>
-      </dsp:style>
-      <dsp:txBody>
-        <a:bodyPr spcFirstLastPara="0" vert="horz" wrap="square" lIns="112014" tIns="112014" rIns="149352" bIns="168021" numCol="1" spcCol="1270" anchor="t" anchorCtr="0">
-          <a:noAutofit/>
-        </a:bodyPr>
-        <a:lstStyle/>
-        <a:p>
-          <a:pPr marL="228600" lvl="1" indent="-228600" algn="l" defTabSz="933450">
-            <a:lnSpc>
-              <a:spcPct val="90000"/>
-            </a:lnSpc>
-            <a:spcBef>
-              <a:spcPct val="0"/>
-            </a:spcBef>
-            <a:spcAft>
-              <a:spcPct val="15000"/>
-            </a:spcAft>
-            <a:buChar char="••"/>
-          </a:pPr>
-          <a:r>
-            <a:rPr lang="ja-JP" altLang="en-US" sz="2100" kern="1200" smtClean="0"/>
-            <a:t>人件費の節約</a:t>
-          </a:r>
-          <a:endParaRPr kumimoji="1" lang="ja-JP" altLang="en-US" sz="2100" kern="1200"/>
-        </a:p>
-        <a:p>
-          <a:pPr marL="228600" lvl="1" indent="-228600" algn="l" defTabSz="933450">
-            <a:lnSpc>
-              <a:spcPct val="90000"/>
-            </a:lnSpc>
-            <a:spcBef>
-              <a:spcPct val="0"/>
-            </a:spcBef>
-            <a:spcAft>
-              <a:spcPct val="15000"/>
-            </a:spcAft>
-            <a:buChar char="••"/>
-          </a:pPr>
-          <a:r>
-            <a:rPr lang="ja-JP" altLang="en-US" sz="2100" kern="1200" smtClean="0"/>
-            <a:t>レジ本体代の節約</a:t>
-          </a:r>
-          <a:endParaRPr lang="en-US" altLang="ja-JP" sz="2100" kern="1200"/>
-        </a:p>
-        <a:p>
-          <a:pPr marL="228600" lvl="1" indent="-228600" algn="l" defTabSz="933450">
-            <a:lnSpc>
-              <a:spcPct val="90000"/>
-            </a:lnSpc>
-            <a:spcBef>
-              <a:spcPct val="0"/>
-            </a:spcBef>
-            <a:spcAft>
-              <a:spcPct val="15000"/>
-            </a:spcAft>
-            <a:buChar char="••"/>
-          </a:pPr>
-          <a:r>
-            <a:rPr lang="ja-JP" altLang="en-US" sz="2100" kern="1200" spc="-150" smtClean="0"/>
-            <a:t>客層</a:t>
-          </a:r>
-          <a:r>
-            <a:rPr lang="ja-JP" altLang="en-US" sz="2100" kern="1200" smtClean="0"/>
-            <a:t>や買った</a:t>
-          </a:r>
-          <a:r>
-            <a:rPr lang="ja-JP" altLang="en-US" sz="2100" kern="1200" spc="-150" smtClean="0"/>
-            <a:t>商品</a:t>
-          </a:r>
-          <a:r>
-            <a:rPr lang="ja-JP" altLang="en-US" sz="2100" kern="1200" smtClean="0"/>
-            <a:t>などの</a:t>
-          </a:r>
-          <a:r>
-            <a:rPr lang="ja-JP" altLang="en-US" sz="2100" kern="1200" spc="-150" smtClean="0"/>
-            <a:t>情報収集</a:t>
-          </a:r>
-          <a:endParaRPr lang="en-US" altLang="ja-JP" sz="2100" kern="1200" spc="-150"/>
-        </a:p>
-        <a:p>
-          <a:pPr marL="228600" lvl="1" indent="-228600" algn="l" defTabSz="933450">
-            <a:lnSpc>
-              <a:spcPct val="90000"/>
-            </a:lnSpc>
-            <a:spcBef>
-              <a:spcPct val="0"/>
-            </a:spcBef>
-            <a:spcAft>
-              <a:spcPct val="15000"/>
-            </a:spcAft>
-            <a:buChar char="••"/>
-          </a:pPr>
-          <a:r>
-            <a:rPr lang="ja-JP" altLang="en-US" sz="2100" kern="1200" smtClean="0"/>
-            <a:t>回転率が上がる</a:t>
-          </a:r>
-          <a:endParaRPr lang="en-US" altLang="ja-JP" sz="2100" kern="1200"/>
-        </a:p>
-        <a:p>
-          <a:pPr marL="228600" lvl="1" indent="-228600" algn="l" defTabSz="933450">
-            <a:lnSpc>
-              <a:spcPct val="90000"/>
-            </a:lnSpc>
-            <a:spcBef>
-              <a:spcPct val="0"/>
-            </a:spcBef>
-            <a:spcAft>
-              <a:spcPct val="15000"/>
-            </a:spcAft>
-            <a:buChar char="••"/>
-          </a:pPr>
-          <a:r>
-            <a:rPr lang="ja-JP" altLang="en-US" sz="2100" kern="1200" smtClean="0"/>
-            <a:t>店のスペースを有効活用できる</a:t>
-          </a:r>
-          <a:endParaRPr lang="en-US" altLang="ja-JP" sz="2100" kern="1200"/>
-        </a:p>
-        <a:p>
-          <a:pPr marL="228600" lvl="1" indent="-228600" algn="l" defTabSz="933450">
-            <a:lnSpc>
-              <a:spcPct val="90000"/>
-            </a:lnSpc>
-            <a:spcBef>
-              <a:spcPct val="0"/>
-            </a:spcBef>
-            <a:spcAft>
-              <a:spcPct val="15000"/>
-            </a:spcAft>
-            <a:buChar char="••"/>
-          </a:pPr>
-          <a:r>
-            <a:rPr lang="ja-JP" altLang="en-US" sz="2100" kern="1200" smtClean="0"/>
-            <a:t>初期投資が少なく済む</a:t>
-          </a:r>
-          <a:endParaRPr lang="ja-JP" altLang="en-US" sz="2100" kern="1200" dirty="0"/>
-        </a:p>
-      </dsp:txBody>
-      <dsp:txXfrm>
-        <a:off x="3143" y="646724"/>
-        <a:ext cx="3064668" cy="3914455"/>
-      </dsp:txXfrm>
-    </dsp:sp>
-    <dsp:sp modelId="{26BF4887-A64A-40CE-A00B-487524EC5167}">
-      <dsp:nvSpPr>
-        <dsp:cNvPr id="0" name=""/>
-        <dsp:cNvSpPr/>
-      </dsp:nvSpPr>
-      <dsp:spPr>
-        <a:xfrm>
-          <a:off x="3496865" y="41924"/>
-          <a:ext cx="3064668" cy="604800"/>
-        </a:xfrm>
-        <a:prstGeom prst="rect">
-          <a:avLst/>
-        </a:prstGeom>
-        <a:solidFill>
-          <a:schemeClr val="accent1">
-            <a:hueOff val="0"/>
-            <a:satOff val="0"/>
-            <a:lumOff val="0"/>
-            <a:alphaOff val="0"/>
-          </a:schemeClr>
-        </a:solidFill>
-        <a:ln w="15875" cap="flat" cmpd="sng" algn="ctr">
-          <a:solidFill>
-            <a:schemeClr val="accent1">
-              <a:hueOff val="0"/>
-              <a:satOff val="0"/>
-              <a:lumOff val="0"/>
-              <a:alphaOff val="0"/>
-            </a:schemeClr>
-          </a:solidFill>
-          <a:prstDash val="solid"/>
-        </a:ln>
-        <a:effectLst/>
-      </dsp:spPr>
-      <dsp:style>
-        <a:lnRef idx="2">
-          <a:scrgbClr r="0" g="0" b="0"/>
-        </a:lnRef>
-        <a:fillRef idx="1">
-          <a:scrgbClr r="0" g="0" b="0"/>
-        </a:fillRef>
-        <a:effectRef idx="0">
-          <a:scrgbClr r="0" g="0" b="0"/>
-        </a:effectRef>
-        <a:fontRef idx="minor">
-          <a:schemeClr val="lt1"/>
-        </a:fontRef>
-      </dsp:style>
-      <dsp:txBody>
-        <a:bodyPr spcFirstLastPara="0" vert="horz" wrap="square" lIns="149352" tIns="85344" rIns="149352" bIns="85344" numCol="1" spcCol="1270" anchor="ctr" anchorCtr="0">
-          <a:noAutofit/>
-        </a:bodyPr>
-        <a:lstStyle/>
-        <a:p>
-          <a:pPr lvl="0" algn="ctr" defTabSz="933450">
-            <a:lnSpc>
-              <a:spcPct val="90000"/>
-            </a:lnSpc>
-            <a:spcBef>
-              <a:spcPct val="0"/>
-            </a:spcBef>
-            <a:spcAft>
-              <a:spcPct val="35000"/>
-            </a:spcAft>
-          </a:pPr>
-          <a:r>
-            <a:rPr kumimoji="1" lang="ja-JP" altLang="en-US" sz="2100" kern="1200" smtClean="0"/>
-            <a:t>お客様</a:t>
-          </a:r>
-          <a:endParaRPr kumimoji="1" lang="ja-JP" altLang="en-US" sz="2100" kern="1200"/>
-        </a:p>
-      </dsp:txBody>
-      <dsp:txXfrm>
-        <a:off x="3496865" y="41924"/>
-        <a:ext cx="3064668" cy="604800"/>
-      </dsp:txXfrm>
-    </dsp:sp>
-    <dsp:sp modelId="{5E302172-FE02-4FE2-B4DE-C26D0D67F068}">
-      <dsp:nvSpPr>
-        <dsp:cNvPr id="0" name=""/>
-        <dsp:cNvSpPr/>
-      </dsp:nvSpPr>
-      <dsp:spPr>
-        <a:xfrm>
-          <a:off x="3496865" y="646724"/>
-          <a:ext cx="3064668" cy="3914455"/>
-        </a:xfrm>
-        <a:prstGeom prst="rect">
-          <a:avLst/>
-        </a:prstGeom>
-        <a:solidFill>
-          <a:schemeClr val="accent1">
-            <a:alpha val="90000"/>
-            <a:tint val="40000"/>
-            <a:hueOff val="0"/>
-            <a:satOff val="0"/>
-            <a:lumOff val="0"/>
-            <a:alphaOff val="0"/>
-          </a:schemeClr>
-        </a:solidFill>
-        <a:ln w="15875" cap="flat" cmpd="sng" algn="ctr">
-          <a:solidFill>
-            <a:schemeClr val="accent1">
-              <a:alpha val="90000"/>
-              <a:tint val="40000"/>
-              <a:hueOff val="0"/>
-              <a:satOff val="0"/>
-              <a:lumOff val="0"/>
-              <a:alphaOff val="0"/>
-            </a:schemeClr>
-          </a:solidFill>
-          <a:prstDash val="solid"/>
-        </a:ln>
-        <a:effectLst/>
-      </dsp:spPr>
-      <dsp:style>
-        <a:lnRef idx="2">
-          <a:scrgbClr r="0" g="0" b="0"/>
-        </a:lnRef>
-        <a:fillRef idx="1">
-          <a:scrgbClr r="0" g="0" b="0"/>
-        </a:fillRef>
-        <a:effectRef idx="0">
-          <a:scrgbClr r="0" g="0" b="0"/>
-        </a:effectRef>
-        <a:fontRef idx="minor"/>
-      </dsp:style>
-      <dsp:txBody>
-        <a:bodyPr spcFirstLastPara="0" vert="horz" wrap="square" lIns="112014" tIns="112014" rIns="149352" bIns="168021" numCol="1" spcCol="1270" anchor="t" anchorCtr="0">
-          <a:noAutofit/>
-        </a:bodyPr>
-        <a:lstStyle/>
-        <a:p>
-          <a:pPr marL="228600" lvl="1" indent="-228600" algn="l" defTabSz="933450">
-            <a:lnSpc>
-              <a:spcPct val="90000"/>
-            </a:lnSpc>
-            <a:spcBef>
-              <a:spcPct val="0"/>
-            </a:spcBef>
-            <a:spcAft>
-              <a:spcPct val="15000"/>
-            </a:spcAft>
-            <a:buChar char="••"/>
-          </a:pPr>
-          <a:r>
-            <a:rPr lang="ja-JP" altLang="en-US" sz="2100" kern="1200" smtClean="0"/>
-            <a:t>決済にかかる時間の短縮</a:t>
-          </a:r>
-          <a:endParaRPr kumimoji="1" lang="ja-JP" altLang="en-US" sz="2100" kern="1200"/>
-        </a:p>
-        <a:p>
-          <a:pPr marL="228600" lvl="1" indent="-228600" algn="l" defTabSz="933450">
-            <a:lnSpc>
-              <a:spcPct val="90000"/>
-            </a:lnSpc>
-            <a:spcBef>
-              <a:spcPct val="0"/>
-            </a:spcBef>
-            <a:spcAft>
-              <a:spcPct val="15000"/>
-            </a:spcAft>
-            <a:buChar char="••"/>
-          </a:pPr>
-          <a:r>
-            <a:rPr lang="ja-JP" altLang="en-US" sz="2100" kern="1200" smtClean="0"/>
-            <a:t>袋詰めの手間の削減</a:t>
-          </a:r>
-          <a:endParaRPr lang="en-US" altLang="ja-JP" sz="2100" kern="1200"/>
-        </a:p>
-      </dsp:txBody>
-      <dsp:txXfrm>
-        <a:off x="3496865" y="646724"/>
-        <a:ext cx="3064668" cy="3914455"/>
-      </dsp:txXfrm>
-    </dsp:sp>
-    <dsp:sp modelId="{F7C87837-AAB1-4F21-9E1F-5D4716418B23}">
-      <dsp:nvSpPr>
-        <dsp:cNvPr id="0" name=""/>
-        <dsp:cNvSpPr/>
-      </dsp:nvSpPr>
-      <dsp:spPr>
-        <a:xfrm>
-          <a:off x="6990588" y="41924"/>
-          <a:ext cx="3064668" cy="604800"/>
-        </a:xfrm>
-        <a:prstGeom prst="rect">
-          <a:avLst/>
-        </a:prstGeom>
-        <a:solidFill>
-          <a:schemeClr val="accent1">
-            <a:hueOff val="0"/>
-            <a:satOff val="0"/>
-            <a:lumOff val="0"/>
-            <a:alphaOff val="0"/>
-          </a:schemeClr>
-        </a:solidFill>
-        <a:ln w="15875" cap="flat" cmpd="sng" algn="ctr">
-          <a:solidFill>
-            <a:schemeClr val="accent1">
-              <a:hueOff val="0"/>
-              <a:satOff val="0"/>
-              <a:lumOff val="0"/>
-              <a:alphaOff val="0"/>
-            </a:schemeClr>
-          </a:solidFill>
-          <a:prstDash val="solid"/>
-        </a:ln>
-        <a:effectLst/>
-      </dsp:spPr>
-      <dsp:style>
-        <a:lnRef idx="2">
-          <a:scrgbClr r="0" g="0" b="0"/>
-        </a:lnRef>
-        <a:fillRef idx="1">
-          <a:scrgbClr r="0" g="0" b="0"/>
-        </a:fillRef>
-        <a:effectRef idx="0">
-          <a:scrgbClr r="0" g="0" b="0"/>
-        </a:effectRef>
-        <a:fontRef idx="minor">
-          <a:schemeClr val="lt1"/>
-        </a:fontRef>
-      </dsp:style>
-      <dsp:txBody>
-        <a:bodyPr spcFirstLastPara="0" vert="horz" wrap="square" lIns="149352" tIns="85344" rIns="149352" bIns="85344" numCol="1" spcCol="1270" anchor="ctr" anchorCtr="0">
-          <a:noAutofit/>
-        </a:bodyPr>
-        <a:lstStyle/>
-        <a:p>
-          <a:pPr lvl="0" algn="ctr" defTabSz="933450">
-            <a:lnSpc>
-              <a:spcPct val="90000"/>
-            </a:lnSpc>
-            <a:spcBef>
-              <a:spcPct val="0"/>
-            </a:spcBef>
-            <a:spcAft>
-              <a:spcPct val="35000"/>
-            </a:spcAft>
-          </a:pPr>
-          <a:r>
-            <a:rPr kumimoji="1" lang="ja-JP" altLang="en-US" sz="2100" kern="1200" smtClean="0"/>
-            <a:t>製作側</a:t>
-          </a:r>
-          <a:endParaRPr kumimoji="1" lang="ja-JP" altLang="en-US" sz="2100" kern="1200"/>
-        </a:p>
-      </dsp:txBody>
-      <dsp:txXfrm>
-        <a:off x="6990588" y="41924"/>
-        <a:ext cx="3064668" cy="604800"/>
-      </dsp:txXfrm>
-    </dsp:sp>
-    <dsp:sp modelId="{1E285AB9-ECA4-4EEF-AB8D-896D7CA18A90}">
-      <dsp:nvSpPr>
-        <dsp:cNvPr id="0" name=""/>
-        <dsp:cNvSpPr/>
-      </dsp:nvSpPr>
-      <dsp:spPr>
-        <a:xfrm>
-          <a:off x="6990588" y="646724"/>
-          <a:ext cx="3064668" cy="3914455"/>
-        </a:xfrm>
-        <a:prstGeom prst="rect">
-          <a:avLst/>
-        </a:prstGeom>
-        <a:solidFill>
-          <a:schemeClr val="accent1">
-            <a:alpha val="90000"/>
-            <a:tint val="40000"/>
-            <a:hueOff val="0"/>
-            <a:satOff val="0"/>
-            <a:lumOff val="0"/>
-            <a:alphaOff val="0"/>
-          </a:schemeClr>
-        </a:solidFill>
-        <a:ln w="15875" cap="flat" cmpd="sng" algn="ctr">
-          <a:solidFill>
-            <a:schemeClr val="accent1">
-              <a:alpha val="90000"/>
-              <a:tint val="40000"/>
-              <a:hueOff val="0"/>
-              <a:satOff val="0"/>
-              <a:lumOff val="0"/>
-              <a:alphaOff val="0"/>
-            </a:schemeClr>
-          </a:solidFill>
-          <a:prstDash val="solid"/>
-        </a:ln>
-        <a:effectLst/>
-      </dsp:spPr>
-      <dsp:style>
-        <a:lnRef idx="2">
-          <a:scrgbClr r="0" g="0" b="0"/>
-        </a:lnRef>
-        <a:fillRef idx="1">
-          <a:scrgbClr r="0" g="0" b="0"/>
-        </a:fillRef>
-        <a:effectRef idx="0">
-          <a:scrgbClr r="0" g="0" b="0"/>
-        </a:effectRef>
-        <a:fontRef idx="minor"/>
-      </dsp:style>
-      <dsp:txBody>
-        <a:bodyPr spcFirstLastPara="0" vert="horz" wrap="square" lIns="112014" tIns="112014" rIns="149352" bIns="168021" numCol="1" spcCol="1270" anchor="t" anchorCtr="0">
-          <a:noAutofit/>
-        </a:bodyPr>
-        <a:lstStyle/>
-        <a:p>
-          <a:pPr marL="228600" lvl="1" indent="-228600" algn="l" defTabSz="933450">
-            <a:lnSpc>
-              <a:spcPct val="90000"/>
-            </a:lnSpc>
-            <a:spcBef>
-              <a:spcPct val="0"/>
-            </a:spcBef>
-            <a:spcAft>
-              <a:spcPct val="15000"/>
-            </a:spcAft>
-            <a:buChar char="••"/>
-          </a:pPr>
-          <a:r>
-            <a:rPr lang="ja-JP" altLang="en-US" sz="2100" kern="1200" smtClean="0"/>
-            <a:t>カメラを使用するため、運用していく上での改良が安易</a:t>
-          </a:r>
-          <a:endParaRPr kumimoji="1" lang="ja-JP" altLang="en-US" sz="2100" kern="1200"/>
-        </a:p>
-        <a:p>
-          <a:pPr marL="457200" lvl="2" indent="-228600" algn="l" defTabSz="933450">
-            <a:lnSpc>
-              <a:spcPct val="90000"/>
-            </a:lnSpc>
-            <a:spcBef>
-              <a:spcPct val="0"/>
-            </a:spcBef>
-            <a:spcAft>
-              <a:spcPct val="15000"/>
-            </a:spcAft>
-            <a:buChar char="••"/>
-          </a:pPr>
-          <a:r>
-            <a:rPr lang="ja-JP" altLang="en-US" sz="2100" kern="1200" smtClean="0"/>
-            <a:t>バーコードだけでなく画像認識に対応等</a:t>
-          </a:r>
-          <a:endParaRPr lang="en-US" altLang="ja-JP" sz="2100" kern="1200"/>
-        </a:p>
-        <a:p>
-          <a:pPr marL="457200" lvl="2" indent="-228600" algn="l" defTabSz="933450">
-            <a:lnSpc>
-              <a:spcPct val="90000"/>
-            </a:lnSpc>
-            <a:spcBef>
-              <a:spcPct val="0"/>
-            </a:spcBef>
-            <a:spcAft>
-              <a:spcPct val="15000"/>
-            </a:spcAft>
-            <a:buChar char="••"/>
-          </a:pPr>
-          <a:r>
-            <a:rPr lang="ja-JP" altLang="en-US" sz="2100" kern="1200" smtClean="0"/>
-            <a:t>画像ＤＢが改良され続け、精度が上がっていく</a:t>
-          </a:r>
-          <a:endParaRPr lang="en-US" altLang="ja-JP" sz="2100" kern="1200"/>
-        </a:p>
-        <a:p>
-          <a:pPr marL="228600" lvl="1" indent="-228600" algn="l" defTabSz="933450">
-            <a:lnSpc>
-              <a:spcPct val="90000"/>
-            </a:lnSpc>
-            <a:spcBef>
-              <a:spcPct val="0"/>
-            </a:spcBef>
-            <a:spcAft>
-              <a:spcPct val="15000"/>
-            </a:spcAft>
-            <a:buChar char="••"/>
-          </a:pPr>
-          <a:r>
-            <a:rPr lang="ja-JP" altLang="en-US" sz="2100" kern="1200" smtClean="0"/>
-            <a:t>キャッシュレス決済と組み合わせることにより運用・保守が簡単</a:t>
-          </a:r>
-          <a:endParaRPr lang="en-US" altLang="ja-JP" sz="2100" kern="1200" dirty="0"/>
-        </a:p>
-      </dsp:txBody>
-      <dsp:txXfrm>
-        <a:off x="6990588" y="646724"/>
-        <a:ext cx="3064668" cy="3914455"/>
-      </dsp:txXfrm>
-    </dsp:sp>
-  </dsp:spTree>
-</dsp:drawing>
-</file>
-
-<file path=ppt/diagrams/layout1.xml><?xml version="1.0" encoding="utf-8"?>
-<dgm:layoutDef xmlns:dgm="http://schemas.openxmlformats.org/drawingml/2006/diagram" xmlns:a="http://schemas.openxmlformats.org/drawingml/2006/main" uniqueId="urn:microsoft.com/office/officeart/2005/8/layout/hList1">
-  <dgm:title val=""/>
-  <dgm:desc val=""/>
-  <dgm:catLst>
-    <dgm:cat type="list" pri="5000"/>
-    <dgm:cat type="convert" pri="5000"/>
-  </dgm:catLst>
-  <dgm:sampData>
-    <dgm:dataModel>
-      <dgm:ptLst>
-        <dgm:pt modelId="0" type="doc"/>
-        <dgm:pt modelId="1">
-          <dgm:prSet phldr="1"/>
-        </dgm:pt>
-        <dgm:pt modelId="11">
-          <dgm:prSet phldr="1"/>
-        </dgm:pt>
-        <dgm:pt modelId="12">
-          <dgm:prSet phldr="1"/>
-        </dgm:pt>
-        <dgm:pt modelId="2">
-          <dgm:prSet phldr="1"/>
-        </dgm:pt>
-        <dgm:pt modelId="21">
-          <dgm:prSet phldr="1"/>
-        </dgm:pt>
-        <dgm:pt modelId="22">
-          <dgm:prSet phldr="1"/>
-        </dgm:pt>
-        <dgm:pt modelId="3">
-          <dgm:prSet phldr="1"/>
-        </dgm:pt>
-        <dgm:pt modelId="31">
-          <dgm:prSet phldr="1"/>
-        </dgm:pt>
-        <dgm:pt modelId="32">
-          <dgm:prSet phldr="1"/>
-        </dgm:pt>
-      </dgm:ptLst>
-      <dgm:cxnLst>
-        <dgm:cxn modelId="4" srcId="0" destId="1" srcOrd="0" destOrd="0"/>
-        <dgm:cxn modelId="5" srcId="0" destId="2" srcOrd="1" destOrd="0"/>
-        <dgm:cxn modelId="6" srcId="0" destId="3" srcOrd="2" destOrd="0"/>
-        <dgm:cxn modelId="13" srcId="1" destId="11" srcOrd="0" destOrd="0"/>
-        <dgm:cxn modelId="14" srcId="1" destId="12" srcOrd="1" destOrd="0"/>
-        <dgm:cxn modelId="23" srcId="2" destId="21" srcOrd="0" destOrd="0"/>
-        <dgm:cxn modelId="24" srcId="2" destId="22" srcOrd="1" destOrd="0"/>
-        <dgm:cxn modelId="33" srcId="3" destId="31" srcOrd="0" destOrd="0"/>
-        <dgm:cxn modelId="34" srcId="3" destId="32" srcOrd="1" destOrd="0"/>
-      </dgm:cxnLst>
-      <dgm:bg/>
-      <dgm:whole/>
-    </dgm:dataModel>
-  </dgm:sampData>
-  <dgm:styleData>
-    <dgm:dataModel>
-      <dgm:ptLst>
-        <dgm:pt modelId="0" type="doc"/>
-        <dgm:pt modelId="1">
-          <dgm:prSet phldr="1"/>
-        </dgm:pt>
-        <dgm:pt modelId="2">
-          <dgm:prSet phldr="1"/>
-        </dgm:pt>
-      </dgm:ptLst>
-      <dgm:cxnLst>
-        <dgm:cxn modelId="3" srcId="0" destId="1" srcOrd="0" destOrd="0"/>
-        <dgm:cxn modelId="4" srcId="0" destId="2" srcOrd="1" destOrd="0"/>
-      </dgm:cxnLst>
-      <dgm:bg/>
-      <dgm:whole/>
-    </dgm:dataModel>
-  </dgm:styleData>
-  <dgm:clrData>
-    <dgm:dataModel>
-      <dgm:ptLst>
-        <dgm:pt modelId="0" type="doc"/>
-        <dgm:pt modelId="1">
-          <dgm:prSet phldr="1"/>
-        </dgm:pt>
-        <dgm:pt modelId="2">
-          <dgm:prSet phldr="1"/>
-        </dgm:pt>
-        <dgm:pt modelId="3">
-          <dgm:prSet phldr="1"/>
-        </dgm:pt>
-        <dgm:pt modelId="4">
-          <dgm:prSet phldr="1"/>
-        </dgm:pt>
-      </dgm:ptLst>
-      <dgm:cxnLst>
-        <dgm:cxn modelId="5" srcId="0" destId="1" srcOrd="0" destOrd="0"/>
-        <dgm:cxn modelId="6" srcId="0" destId="2" srcOrd="1" destOrd="0"/>
-        <dgm:cxn modelId="7" srcId="0" destId="3" srcOrd="2" destOrd="0"/>
-        <dgm:cxn modelId="8" srcId="0" destId="4" srcOrd="3" destOrd="0"/>
-      </dgm:cxnLst>
-      <dgm:bg/>
-      <dgm:whole/>
-    </dgm:dataModel>
-  </dgm:clrData>
-  <dgm:layoutNode name="Name0">
-    <dgm:varLst>
-      <dgm:dir/>
-      <dgm:animLvl val="lvl"/>
-      <dgm:resizeHandles val="exact"/>
-    </dgm:varLst>
-    <dgm:choose name="Name1">
-      <dgm:if name="Name2" func="var" arg="dir" op="equ" val="norm">
-        <dgm:alg type="lin"/>
-      </dgm:if>
-      <dgm:else name="Name3">
-        <dgm:alg type="lin">
-          <dgm:param type="linDir" val="fromR"/>
-        </dgm:alg>
-      </dgm:else>
-    </dgm:choose>
-    <dgm:shape xmlns:r="http://schemas.openxmlformats.org/officeDocument/2006/relationships" r:blip="">
-      <dgm:adjLst/>
-    </dgm:shape>
-    <dgm:presOf/>
-    <dgm:constrLst>
-      <dgm:constr type="h" for="ch" forName="composite" refType="h"/>
-      <dgm:constr type="w" for="ch" forName="composite" refType="w"/>
-      <dgm:constr type="w" for="des" forName="parTx"/>
-      <dgm:constr type="h" for="des" forName="parTx" op="equ"/>
-      <dgm:constr type="w" for="des" forName="desTx"/>
-      <dgm:constr type="h" for="des" forName="desTx" op="equ"/>
-      <dgm:constr type="primFontSz" for="des" forName="parTx" val="65"/>
-      <dgm:constr type="secFontSz" for="des" forName="desTx" refType="primFontSz" refFor="des" refForName="parTx" op="equ"/>
-      <dgm:constr type="h" for="des" forName="parTx" refType="primFontSz" refFor="des" refForName="parTx" fact="0.8"/>
-      <dgm:constr type="h" for="des" forName="desTx" refType="primFontSz" refFor="des" refForName="parTx" fact="1.22"/>
-      <dgm:constr type="w" for="ch" forName="space" refType="w" refFor="ch" refForName="composite" op="equ" fact="0.14"/>
-    </dgm:constrLst>
-    <dgm:ruleLst>
-      <dgm:rule type="w" for="ch" forName="composite" val="0" fact="NaN" max="NaN"/>
-      <dgm:rule type="primFontSz" for="des" forName="parTx" val="5" fact="NaN" max="NaN"/>
-    </dgm:ruleLst>
-    <dgm:forEach name="Name4" axis="ch" ptType="node">
-      <dgm:layoutNode name="composite">
-        <dgm:alg type="composite"/>
-        <dgm:shape xmlns:r="http://schemas.openxmlformats.org/officeDocument/2006/relationships" r:blip="">
-          <dgm:adjLst/>
-        </dgm:shape>
-        <dgm:presOf/>
-        <dgm:constrLst>
-          <dgm:constr type="l" for="ch" forName="parTx"/>
-          <dgm:constr type="w" for="ch" forName="parTx" refType="w"/>
-          <dgm:constr type="t" for="ch" forName="parTx"/>
-          <dgm:constr type="l" for="ch" forName="desTx"/>
-          <dgm:constr type="w" for="ch" forName="desTx" refType="w" refFor="ch" refForName="parTx"/>
-          <dgm:constr type="t" for="ch" forName="desTx" refType="h" refFor="ch" refForName="parTx"/>
-        </dgm:constrLst>
-        <dgm:ruleLst>
-          <dgm:rule type="h" val="INF" fact="NaN" max="NaN"/>
-        </dgm:ruleLst>
-        <dgm:layoutNode name="parTx" styleLbl="alignNode1">
-          <dgm:varLst>
-            <dgm:chMax val="0"/>
-            <dgm:chPref val="0"/>
-            <dgm:bulletEnabled val="1"/>
-          </dgm:varLst>
-          <dgm:alg type="tx"/>
-          <dgm:shape xmlns:r="http://schemas.openxmlformats.org/officeDocument/2006/relationships" type="rect" r:blip="">
-            <dgm:adjLst/>
-          </dgm:shape>
-          <dgm:presOf axis="self" ptType="node"/>
-          <dgm:constrLst>
-            <dgm:constr type="h" refType="w" op="lte" fact="0.4"/>
-            <dgm:constr type="h"/>
-            <dgm:constr type="tMarg" refType="primFontSz" fact="0.32"/>
-            <dgm:constr type="bMarg" refType="primFontSz" fact="0.32"/>
-          </dgm:constrLst>
-          <dgm:ruleLst>
-            <dgm:rule type="h" val="INF" fact="NaN" max="NaN"/>
-          </dgm:ruleLst>
-        </dgm:layoutNode>
-        <dgm:layoutNode name="desTx" styleLbl="alignAccFollowNode1">
-          <dgm:varLst>
-            <dgm:bulletEnabled val="1"/>
-          </dgm:varLst>
-          <dgm:alg type="tx">
-            <dgm:param type="stBulletLvl" val="1"/>
-          </dgm:alg>
-          <dgm:shape xmlns:r="http://schemas.openxmlformats.org/officeDocument/2006/relationships" type="rect" r:blip="">
-            <dgm:adjLst/>
-          </dgm:shape>
-          <dgm:presOf axis="des" ptType="node"/>
-          <dgm:constrLst>
-            <dgm:constr type="secFontSz" val="65"/>
-            <dgm:constr type="primFontSz" refType="secFontSz"/>
-            <dgm:constr type="h"/>
-            <dgm:constr type="lMarg" refType="primFontSz" fact="0.42"/>
-            <dgm:constr type="tMarg" refType="primFontSz" fact="0.42"/>
-            <dgm:constr type="bMarg" refType="primFontSz" fact="0.63"/>
-          </dgm:constrLst>
-          <dgm:ruleLst>
-            <dgm:rule type="h" val="INF" fact="NaN" max="NaN"/>
-          </dgm:ruleLst>
-        </dgm:layoutNode>
-      </dgm:layoutNode>
-      <dgm:forEach name="Name5" axis="followSib" ptType="sibTrans" cnt="1">
-        <dgm:layoutNode name="space">
-          <dgm:alg type="sp"/>
-          <dgm:shape xmlns:r="http://schemas.openxmlformats.org/officeDocument/2006/relationships" r:blip="">
-            <dgm:adjLst/>
-          </dgm:shape>
-          <dgm:presOf/>
-          <dgm:constrLst/>
-          <dgm:ruleLst/>
-        </dgm:layoutNode>
-      </dgm:forEach>
-    </dgm:forEach>
-  </dgm:layoutNode>
-</dgm:layoutDef>
-</file>
-
-<file path=ppt/diagrams/quickStyle1.xml><?xml version="1.0" encoding="utf-8"?>
-<dgm:styleDef xmlns:dgm="http://schemas.openxmlformats.org/drawingml/2006/diagram" xmlns:a="http://schemas.openxmlformats.org/drawingml/2006/main" uniqueId="urn:microsoft.com/office/officeart/2005/8/quickstyle/simple1">
-  <dgm:title val=""/>
-  <dgm:desc val=""/>
-  <dgm:catLst>
-    <dgm:cat type="simple" pri="10100"/>
-  </dgm:catLst>
-  <dgm:scene3d>
-    <a:camera prst="orthographicFront"/>
-    <a:lightRig rig="threePt" dir="t"/>
-  </dgm:scene3d>
-  <dgm:styleLbl name="node0">
-    <dgm:scene3d>
-      <a:camera prst="orthographicFront"/>
-      <a:lightRig rig="threePt" dir="t"/>
-    </dgm:scene3d>
-    <dgm:sp3d/>
-    <dgm:txPr/>
-    <dgm:style>
-      <a:lnRef idx="2">
-        <a:scrgbClr r="0" g="0" b="0"/>
-      </a:lnRef>
-      <a:fillRef idx="1">
-        <a:scrgbClr r="0" g="0" b="0"/>
-      </a:fillRef>
-      <a:effectRef idx="0">
-        <a:scrgbClr r="0" g="0" b="0"/>
-      </a:effectRef>
-      <a:fontRef idx="minor">
-        <a:schemeClr val="lt1"/>
-      </a:fontRef>
-    </dgm:style>
-  </dgm:styleLbl>
-  <dgm:styleLbl name="lnNode1">
-    <dgm:scene3d>
-      <a:camera prst="orthographicFront"/>
-      <a:lightRig rig="threePt" dir="t"/>
-    </dgm:scene3d>
-    <dgm:sp3d/>
-    <dgm:txPr/>
-    <dgm:style>
-      <a:lnRef idx="2">
-        <a:scrgbClr r="0" g="0" b="0"/>
-      </a:lnRef>
-      <a:fillRef idx="1">
-        <a:scrgbClr r="0" g="0" b="0"/>
-      </a:fillRef>
-      <a:effectRef idx="0">
-        <a:scrgbClr r="0" g="0" b="0"/>
-      </a:effectRef>
-      <a:fontRef idx="minor">
-        <a:schemeClr val="lt1"/>
-      </a:fontRef>
-    </dgm:style>
-  </dgm:styleLbl>
-  <dgm:styleLbl name="vennNode1">
-    <dgm:scene3d>
-      <a:camera prst="orthographicFront"/>
-      <a:lightRig rig="threePt" dir="t"/>
-    </dgm:scene3d>
-    <dgm:sp3d/>
-    <dgm:txPr/>
-    <dgm:style>
-      <a:lnRef idx="2">
-        <a:scrgbClr r="0" g="0" b="0"/>
-      </a:lnRef>
-      <a:fillRef idx="1">
-        <a:scrgbClr r="0" g="0" b="0"/>
-      </a:fillRef>
-      <a:effectRef idx="0">
-        <a:scrgbClr r="0" g="0" b="0"/>
-      </a:effectRef>
-      <a:fontRef idx="minor">
-        <a:schemeClr val="tx1"/>
-      </a:fontRef>
-    </dgm:style>
-  </dgm:styleLbl>
-  <dgm:styleLbl name="alignNode1">
-    <dgm:scene3d>
-      <a:camera prst="orthographicFront"/>
-      <a:lightRig rig="threePt" dir="t"/>
-    </dgm:scene3d>
-    <dgm:sp3d/>
-    <dgm:txPr/>
-    <dgm:style>
-      <a:lnRef idx="2">
-        <a:scrgbClr r="0" g="0" b="0"/>
-      </a:lnRef>
-      <a:fillRef idx="1">
-        <a:scrgbClr r="0" g="0" b="0"/>
-      </a:fillRef>
-      <a:effectRef idx="0">
-        <a:scrgbClr r="0" g="0" b="0"/>
-      </a:effectRef>
-      <a:fontRef idx="minor">
-        <a:schemeClr val="lt1"/>
-      </a:fontRef>
-    </dgm:style>
-  </dgm:styleLbl>
-  <dgm:styleLbl name="node1">
-    <dgm:scene3d>
-      <a:camera prst="orthographicFront"/>
-      <a:lightRig rig="threePt" dir="t"/>
-    </dgm:scene3d>
-    <dgm:sp3d/>
-    <dgm:txPr/>
-    <dgm:style>
-      <a:lnRef idx="2">
-        <a:scrgbClr r="0" g="0" b="0"/>
-      </a:lnRef>
-      <a:fillRef idx="1">
-        <a:scrgbClr r="0" g="0" b="0"/>
-      </a:fillRef>
-      <a:effectRef idx="0">
-        <a:scrgbClr r="0" g="0" b="0"/>
-      </a:effectRef>
-      <a:fontRef idx="minor">
-        <a:schemeClr val="lt1"/>
-      </a:fontRef>
-    </dgm:style>
-  </dgm:styleLbl>
-  <dgm:styleLbl name="node2">
-    <dgm:scene3d>
-      <a:camera prst="orthographicFront"/>
-      <a:lightRig rig="threePt" dir="t"/>
-    </dgm:scene3d>
-    <dgm:sp3d/>
-    <dgm:txPr/>
-    <dgm:style>
-      <a:lnRef idx="2">
-        <a:scrgbClr r="0" g="0" b="0"/>
-      </a:lnRef>
-      <a:fillRef idx="1">
-        <a:scrgbClr r="0" g="0" b="0"/>
-      </a:fillRef>
-      <a:effectRef idx="0">
-        <a:scrgbClr r="0" g="0" b="0"/>
-      </a:effectRef>
-      <a:fontRef idx="minor">
-        <a:schemeClr val="lt1"/>
-      </a:fontRef>
-    </dgm:style>
-  </dgm:styleLbl>
-  <dgm:styleLbl name="node3">
-    <dgm:scene3d>
-      <a:camera prst="orthographicFront"/>
-      <a:lightRig rig="threePt" dir="t"/>
-    </dgm:scene3d>
-    <dgm:sp3d/>
-    <dgm:txPr/>
-    <dgm:style>
-      <a:lnRef idx="2">
-        <a:scrgbClr r="0" g="0" b="0"/>
-      </a:lnRef>
-      <a:fillRef idx="1">
-        <a:scrgbClr r="0" g="0" b="0"/>
-      </a:fillRef>
-      <a:effectRef idx="0">
-        <a:scrgbClr r="0" g="0" b="0"/>
-      </a:effectRef>
-      <a:fontRef idx="minor">
-        <a:schemeClr val="lt1"/>
-      </a:fontRef>
-    </dgm:style>
-  </dgm:styleLbl>
-  <dgm:styleLbl name="node4">
-    <dgm:scene3d>
-      <a:camera prst="orthographicFront"/>
-      <a:lightRig rig="threePt" dir="t"/>
-    </dgm:scene3d>
-    <dgm:sp3d/>
-    <dgm:txPr/>
-    <dgm:style>
-      <a:lnRef idx="2">
-        <a:scrgbClr r="0" g="0" b="0"/>
-      </a:lnRef>
-      <a:fillRef idx="1">
-        <a:scrgbClr r="0" g="0" b="0"/>
-      </a:fillRef>
-      <a:effectRef idx="0">
-        <a:scrgbClr r="0" g="0" b="0"/>
-      </a:effectRef>
-      <a:fontRef idx="minor">
-        <a:schemeClr val="lt1"/>
-      </a:fontRef>
-    </dgm:style>
-  </dgm:styleLbl>
-  <dgm:styleLbl name="fgImgPlace1">
-    <dgm:scene3d>
-      <a:camera prst="orthographicFront"/>
-      <a:lightRig rig="threePt" dir="t"/>
-    </dgm:scene3d>
-    <dgm:sp3d/>
-    <dgm:txPr/>
-    <dgm:style>
-      <a:lnRef idx="2">
-        <a:scrgbClr r="0" g="0" b="0"/>
-      </a:lnRef>
-      <a:fillRef idx="1">
-        <a:scrgbClr r="0" g="0" b="0"/>
-      </a:fillRef>
-      <a:effectRef idx="0">
-        <a:scrgbClr r="0" g="0" b="0"/>
-      </a:effectRef>
-      <a:fontRef idx="minor"/>
-    </dgm:style>
-  </dgm:styleLbl>
-  <dgm:styleLbl name="alignImgPlace1">
-    <dgm:scene3d>
-      <a:camera prst="orthographicFront"/>
-      <a:lightRig rig="threePt" dir="t"/>
-    </dgm:scene3d>
-    <dgm:sp3d/>
-    <dgm:txPr/>
-    <dgm:style>
-      <a:lnRef idx="2">
-        <a:scrgbClr r="0" g="0" b="0"/>
-      </a:lnRef>
-      <a:fillRef idx="1">
-        <a:scrgbClr r="0" g="0" b="0"/>
-      </a:fillRef>
-      <a:effectRef idx="0">
-        <a:scrgbClr r="0" g="0" b="0"/>
-      </a:effectRef>
-      <a:fontRef idx="minor"/>
-    </dgm:style>
-  </dgm:styleLbl>
-  <dgm:styleLbl name="bgImgPlace1">
-    <dgm:scene3d>
-      <a:camera prst="orthographicFront"/>
-      <a:lightRig rig="threePt" dir="t"/>
-    </dgm:scene3d>
-    <dgm:sp3d/>
-    <dgm:txPr/>
-    <dgm:style>
-      <a:lnRef idx="2">
-        <a:scrgbClr r="0" g="0" b="0"/>
-      </a:lnRef>
-      <a:fillRef idx="1">
-        <a:scrgbClr r="0" g="0" b="0"/>
-      </a:fillRef>
-      <a:effectRef idx="0">
-        <a:scrgbClr r="0" g="0" b="0"/>
-      </a:effectRef>
-      <a:fontRef idx="minor"/>
-    </dgm:style>
-  </dgm:styleLbl>
-  <dgm:styleLbl name="sibTrans2D1">
-    <dgm:scene3d>
-      <a:camera prst="orthographicFront"/>
-      <a:lightRig rig="threePt" dir="t"/>
-    </dgm:scene3d>
-    <dgm:sp3d/>
-    <dgm:txPr/>
-    <dgm:style>
-      <a:lnRef idx="0">
-        <a:scrgbClr r="0" g="0" b="0"/>
-      </a:lnRef>
-      <a:fillRef idx="1">
-        <a:scrgbClr r="0" g="0" b="0"/>
-      </a:fillRef>
-      <a:effectRef idx="0">
-        <a:scrgbClr r="0" g="0" b="0"/>
-      </a:effectRef>
-      <a:fontRef idx="minor">
-        <a:schemeClr val="lt1"/>
-      </a:fontRef>
-    </dgm:style>
-  </dgm:styleLbl>
-  <dgm:styleLbl name="fgSibTrans2D1">
-    <dgm:scene3d>
-      <a:camera prst="orthographicFront"/>
-      <a:lightRig rig="threePt" dir="t"/>
-    </dgm:scene3d>
-    <dgm:sp3d/>
-    <dgm:txPr/>
-    <dgm:style>
-      <a:lnRef idx="0">
-        <a:scrgbClr r="0" g="0" b="0"/>
-      </a:lnRef>
-      <a:fillRef idx="1">
-        <a:scrgbClr r="0" g="0" b="0"/>
-      </a:fillRef>
-      <a:effectRef idx="0">
-        <a:scrgbClr r="0" g="0" b="0"/>
-      </a:effectRef>
-      <a:fontRef idx="minor">
-        <a:schemeClr val="lt1"/>
-      </a:fontRef>
-    </dgm:style>
-  </dgm:styleLbl>
-  <dgm:styleLbl name="bgSibTrans2D1">
-    <dgm:scene3d>
-      <a:camera prst="orthographicFront"/>
-      <a:lightRig rig="threePt" dir="t"/>
-    </dgm:scene3d>
-    <dgm:sp3d/>
-    <dgm:txPr/>
-    <dgm:style>
-      <a:lnRef idx="0">
-        <a:scrgbClr r="0" g="0" b="0"/>
-      </a:lnRef>
-      <a:fillRef idx="1">
-        <a:scrgbClr r="0" g="0" b="0"/>
-      </a:fillRef>
-      <a:effectRef idx="0">
-        <a:scrgbClr r="0" g="0" b="0"/>
-      </a:effectRef>
-      <a:fontRef idx="minor">
-        <a:schemeClr val="lt1"/>
-      </a:fontRef>
-    </dgm:style>
-  </dgm:styleLbl>
-  <dgm:styleLbl name="sibTrans1D1">
-    <dgm:scene3d>
-      <a:camera prst="orthographicFront"/>
-      <a:lightRig rig="threePt" dir="t"/>
-    </dgm:scene3d>
-    <dgm:sp3d/>
-    <dgm:txPr/>
-    <dgm:style>
-      <a:lnRef idx="1">
-        <a:scrgbClr r="0" g="0" b="0"/>
-      </a:lnRef>
-      <a:fillRef idx="0">
-        <a:scrgbClr r="0" g="0" b="0"/>
-      </a:fillRef>
-      <a:effectRef idx="0">
-        <a:scrgbClr r="0" g="0" b="0"/>
-      </a:effectRef>
-      <a:fontRef idx="minor"/>
-    </dgm:style>
-  </dgm:styleLbl>
-  <dgm:styleLbl name="callout">
-    <dgm:scene3d>
-      <a:camera prst="orthographicFront"/>
-      <a:lightRig rig="threePt" dir="t"/>
-    </dgm:scene3d>
-    <dgm:sp3d/>
-    <dgm:txPr/>
-    <dgm:style>
-      <a:lnRef idx="2">
-        <a:scrgbClr r="0" g="0" b="0"/>
-      </a:lnRef>
-      <a:fillRef idx="1">
-        <a:scrgbClr r="0" g="0" b="0"/>
-      </a:fillRef>
-      <a:effectRef idx="0">
-        <a:scrgbClr r="0" g="0" b="0"/>
-      </a:effectRef>
-      <a:fontRef idx="minor"/>
-    </dgm:style>
-  </dgm:styleLbl>
-  <dgm:styleLbl name="asst0">
-    <dgm:scene3d>
-      <a:camera prst="orthographicFront"/>
-      <a:lightRig rig="threePt" dir="t"/>
-    </dgm:scene3d>
-    <dgm:sp3d/>
-    <dgm:txPr/>
-    <dgm:style>
-      <a:lnRef idx="2">
-        <a:scrgbClr r="0" g="0" b="0"/>
-      </a:lnRef>
-      <a:fillRef idx="1">
-        <a:scrgbClr r="0" g="0" b="0"/>
-      </a:fillRef>
-      <a:effectRef idx="0">
-        <a:scrgbClr r="0" g="0" b="0"/>
-      </a:effectRef>
-      <a:fontRef idx="minor">
-        <a:schemeClr val="lt1"/>
-      </a:fontRef>
-    </dgm:style>
-  </dgm:styleLbl>
-  <dgm:styleLbl name="asst1">
-    <dgm:scene3d>
-      <a:camera prst="orthographicFront"/>
-      <a:lightRig rig="threePt" dir="t"/>
-    </dgm:scene3d>
-    <dgm:sp3d/>
-    <dgm:txPr/>
-    <dgm:style>
-      <a:lnRef idx="2">
-        <a:scrgbClr r="0" g="0" b="0"/>
-      </a:lnRef>
-      <a:fillRef idx="1">
-        <a:scrgbClr r="0" g="0" b="0"/>
-      </a:fillRef>
-      <a:effectRef idx="0">
-        <a:scrgbClr r="0" g="0" b="0"/>
-      </a:effectRef>
-      <a:fontRef idx="minor">
-        <a:schemeClr val="lt1"/>
-      </a:fontRef>
-    </dgm:style>
-  </dgm:styleLbl>
-  <dgm:styleLbl name="asst2">
-    <dgm:scene3d>
-      <a:camera prst="orthographicFront"/>
-      <a:lightRig rig="threePt" dir="t"/>
-    </dgm:scene3d>
-    <dgm:sp3d/>
-    <dgm:txPr/>
-    <dgm:style>
-      <a:lnRef idx="2">
-        <a:scrgbClr r="0" g="0" b="0"/>
-      </a:lnRef>
-      <a:fillRef idx="1">
-        <a:scrgbClr r="0" g="0" b="0"/>
-      </a:fillRef>
-      <a:effectRef idx="0">
-        <a:scrgbClr r="0" g="0" b="0"/>
-      </a:effectRef>
-      <a:fontRef idx="minor">
-        <a:schemeClr val="lt1"/>
-      </a:fontRef>
-    </dgm:style>
-  </dgm:styleLbl>
-  <dgm:styleLbl name="asst3">
-    <dgm:scene3d>
-      <a:camera prst="orthographicFront"/>
-      <a:lightRig rig="threePt" dir="t"/>
-    </dgm:scene3d>
-    <dgm:sp3d/>
-    <dgm:txPr/>
-    <dgm:style>
-      <a:lnRef idx="2">
-        <a:scrgbClr r="0" g="0" b="0"/>
-      </a:lnRef>
-      <a:fillRef idx="1">
-        <a:scrgbClr r="0" g="0" b="0"/>
-      </a:fillRef>
-      <a:effectRef idx="0">
-        <a:scrgbClr r="0" g="0" b="0"/>
-      </a:effectRef>
-      <a:fontRef idx="minor">
-        <a:schemeClr val="lt1"/>
-      </a:fontRef>
-    </dgm:style>
-  </dgm:styleLbl>
-  <dgm:styleLbl name="asst4">
-    <dgm:scene3d>
-      <a:camera prst="orthographicFront"/>
-      <a:lightRig rig="threePt" dir="t"/>
-    </dgm:scene3d>
-    <dgm:sp3d/>
-    <dgm:txPr/>
-    <dgm:style>
-      <a:lnRef idx="2">
-        <a:scrgbClr r="0" g="0" b="0"/>
-      </a:lnRef>
-      <a:fillRef idx="1">
-        <a:scrgbClr r="0" g="0" b="0"/>
-      </a:fillRef>
-      <a:effectRef idx="0">
-        <a:scrgbClr r="0" g="0" b="0"/>
-      </a:effectRef>
-      <a:fontRef idx="minor">
-        <a:schemeClr val="lt1"/>
-      </a:fontRef>
-    </dgm:style>
-  </dgm:styleLbl>
-  <dgm:styleLbl name="parChTrans2D1">
-    <dgm:scene3d>
-      <a:camera prst="orthographicFront"/>
-      <a:lightRig rig="threePt" dir="t"/>
-    </dgm:scene3d>
-    <dgm:sp3d/>
-    <dgm:txPr/>
-    <dgm:style>
-      <a:lnRef idx="2">
-        <a:scrgbClr r="0" g="0" b="0"/>
-      </a:lnRef>
-      <a:fillRef idx="1">
-        <a:scrgbClr r="0" g="0" b="0"/>
-      </a:fillRef>
-      <a:effectRef idx="0">
-        <a:scrgbClr r="0" g="0" b="0"/>
-      </a:effectRef>
-      <a:fontRef idx="minor">
-        <a:schemeClr val="lt1"/>
-      </a:fontRef>
-    </dgm:style>
-  </dgm:styleLbl>
-  <dgm:styleLbl name="parChTrans2D2">
-    <dgm:scene3d>
-      <a:camera prst="orthographicFront"/>
-      <a:lightRig rig="threePt" dir="t"/>
-    </dgm:scene3d>
-    <dgm:sp3d/>
-    <dgm:txPr/>
-    <dgm:style>
-      <a:lnRef idx="2">
-        <a:scrgbClr r="0" g="0" b="0"/>
-      </a:lnRef>
-      <a:fillRef idx="1">
-        <a:scrgbClr r="0" g="0" b="0"/>
-      </a:fillRef>
-      <a:effectRef idx="0">
-        <a:scrgbClr r="0" g="0" b="0"/>
-      </a:effectRef>
-      <a:fontRef idx="minor">
-        <a:schemeClr val="lt1"/>
-      </a:fontRef>
-    </dgm:style>
-  </dgm:styleLbl>
-  <dgm:styleLbl name="parChTrans2D3">
-    <dgm:scene3d>
-      <a:camera prst="orthographicFront"/>
-      <a:lightRig rig="threePt" dir="t"/>
-    </dgm:scene3d>
-    <dgm:sp3d/>
-    <dgm:txPr/>
-    <dgm:style>
-      <a:lnRef idx="2">
-        <a:scrgbClr r="0" g="0" b="0"/>
-      </a:lnRef>
-      <a:fillRef idx="1">
-        <a:scrgbClr r="0" g="0" b="0"/>
-      </a:fillRef>
-      <a:effectRef idx="0">
-        <a:scrgbClr r="0" g="0" b="0"/>
-      </a:effectRef>
-      <a:fontRef idx="minor">
-        <a:schemeClr val="lt1"/>
-      </a:fontRef>
-    </dgm:style>
-  </dgm:styleLbl>
-  <dgm:styleLbl name="parChTrans2D4">
-    <dgm:scene3d>
-      <a:camera prst="orthographicFront"/>
-      <a:lightRig rig="threePt" dir="t"/>
-    </dgm:scene3d>
-    <dgm:sp3d/>
-    <dgm:txPr/>
-    <dgm:style>
-      <a:lnRef idx="2">
-        <a:scrgbClr r="0" g="0" b="0"/>
-      </a:lnRef>
-      <a:fillRef idx="1">
-        <a:scrgbClr r="0" g="0" b="0"/>
-      </a:fillRef>
-      <a:effectRef idx="0">
-        <a:scrgbClr r="0" g="0" b="0"/>
-      </a:effectRef>
-      <a:fontRef idx="minor">
-        <a:schemeClr val="lt1"/>
-      </a:fontRef>
-    </dgm:style>
-  </dgm:styleLbl>
-  <dgm:styleLbl name="parChTrans1D1">
-    <dgm:scene3d>
-      <a:camera prst="orthographicFront"/>
-      <a:lightRig rig="threePt" dir="t"/>
-    </dgm:scene3d>
-    <dgm:sp3d/>
-    <dgm:txPr/>
-    <dgm:style>
-      <a:lnRef idx="2">
-        <a:scrgbClr r="0" g="0" b="0"/>
-      </a:lnRef>
-      <a:fillRef idx="0">
-        <a:scrgbClr r="0" g="0" b="0"/>
-      </a:fillRef>
-      <a:effectRef idx="0">
-        <a:scrgbClr r="0" g="0" b="0"/>
-      </a:effectRef>
-      <a:fontRef idx="minor"/>
-    </dgm:style>
-  </dgm:styleLbl>
-  <dgm:styleLbl name="parChTrans1D2">
-    <dgm:scene3d>
-      <a:camera prst="orthographicFront"/>
-      <a:lightRig rig="threePt" dir="t"/>
-    </dgm:scene3d>
-    <dgm:sp3d/>
-    <dgm:txPr/>
-    <dgm:style>
-      <a:lnRef idx="2">
-        <a:scrgbClr r="0" g="0" b="0"/>
-      </a:lnRef>
-      <a:fillRef idx="0">
-        <a:scrgbClr r="0" g="0" b="0"/>
-      </a:fillRef>
-      <a:effectRef idx="0">
-        <a:scrgbClr r="0" g="0" b="0"/>
-      </a:effectRef>
-      <a:fontRef idx="minor"/>
-    </dgm:style>
-  </dgm:styleLbl>
-  <dgm:styleLbl name="parChTrans1D3">
-    <dgm:scene3d>
-      <a:camera prst="orthographicFront"/>
-      <a:lightRig rig="threePt" dir="t"/>
-    </dgm:scene3d>
-    <dgm:sp3d/>
-    <dgm:txPr/>
-    <dgm:style>
-      <a:lnRef idx="2">
-        <a:scrgbClr r="0" g="0" b="0"/>
-      </a:lnRef>
-      <a:fillRef idx="0">
-        <a:scrgbClr r="0" g="0" b="0"/>
-      </a:fillRef>
-      <a:effectRef idx="0">
-        <a:scrgbClr r="0" g="0" b="0"/>
-      </a:effectRef>
-      <a:fontRef idx="minor"/>
-    </dgm:style>
-  </dgm:styleLbl>
-  <dgm:styleLbl name="parChTrans1D4">
-    <dgm:scene3d>
-      <a:camera prst="orthographicFront"/>
-      <a:lightRig rig="threePt" dir="t"/>
-    </dgm:scene3d>
-    <dgm:sp3d/>
-    <dgm:txPr/>
-    <dgm:style>
-      <a:lnRef idx="2">
-        <a:scrgbClr r="0" g="0" b="0"/>
-      </a:lnRef>
-      <a:fillRef idx="0">
-        <a:scrgbClr r="0" g="0" b="0"/>
-      </a:fillRef>
-      <a:effectRef idx="0">
-        <a:scrgbClr r="0" g="0" b="0"/>
-      </a:effectRef>
-      <a:fontRef idx="minor"/>
-    </dgm:style>
-  </dgm:styleLbl>
-  <dgm:styleLbl name="fgAcc1">
-    <dgm:scene3d>
-      <a:camera prst="orthographicFront"/>
-      <a:lightRig rig="threePt" dir="t"/>
-    </dgm:scene3d>
-    <dgm:sp3d/>
-    <dgm:txPr/>
-    <dgm:style>
-      <a:lnRef idx="2">
-        <a:scrgbClr r="0" g="0" b="0"/>
-      </a:lnRef>
-      <a:fillRef idx="1">
-        <a:scrgbClr r="0" g="0" b="0"/>
-      </a:fillRef>
-      <a:effectRef idx="0">
-        <a:scrgbClr r="0" g="0" b="0"/>
-      </a:effectRef>
-      <a:fontRef idx="minor"/>
-    </dgm:style>
-  </dgm:styleLbl>
-  <dgm:styleLbl name="conFgAcc1">
-    <dgm:scene3d>
-      <a:camera prst="orthographicFront"/>
-      <a:lightRig rig="threePt" dir="t"/>
-    </dgm:scene3d>
-    <dgm:sp3d/>
-    <dgm:txPr/>
-    <dgm:style>
-      <a:lnRef idx="2">
-        <a:scrgbClr r="0" g="0" b="0"/>
-      </a:lnRef>
-      <a:fillRef idx="1">
-        <a:scrgbClr r="0" g="0" b="0"/>
-      </a:fillRef>
-      <a:effectRef idx="0">
-        <a:scrgbClr r="0" g="0" b="0"/>
-      </a:effectRef>
-      <a:fontRef idx="minor"/>
-    </dgm:style>
-  </dgm:styleLbl>
-  <dgm:styleLbl name="alignAcc1">
-    <dgm:scene3d>
-      <a:camera prst="orthographicFront"/>
-      <a:lightRig rig="threePt" dir="t"/>
-    </dgm:scene3d>
-    <dgm:sp3d/>
-    <dgm:txPr/>
-    <dgm:style>
-      <a:lnRef idx="2">
-        <a:scrgbClr r="0" g="0" b="0"/>
-      </a:lnRef>
-      <a:fillRef idx="1">
-        <a:scrgbClr r="0" g="0" b="0"/>
-      </a:fillRef>
-      <a:effectRef idx="0">
-        <a:scrgbClr r="0" g="0" b="0"/>
-      </a:effectRef>
-      <a:fontRef idx="minor"/>
-    </dgm:style>
-  </dgm:styleLbl>
-  <dgm:styleLbl name="trAlignAcc1">
-    <dgm:scene3d>
-      <a:camera prst="orthographicFront"/>
-      <a:lightRig rig="threePt" dir="t"/>
-    </dgm:scene3d>
-    <dgm:sp3d/>
-    <dgm:txPr/>
-    <dgm:style>
-      <a:lnRef idx="1">
-        <a:scrgbClr r="0" g="0" b="0"/>
-      </a:lnRef>
-      <a:fillRef idx="1">
-        <a:scrgbClr r="0" g="0" b="0"/>
-      </a:fillRef>
-      <a:effectRef idx="0">
-        <a:scrgbClr r="0" g="0" b="0"/>
-      </a:effectRef>
-      <a:fontRef idx="minor"/>
-    </dgm:style>
-  </dgm:styleLbl>
-  <dgm:styleLbl name="bgAcc1">
-    <dgm:scene3d>
-      <a:camera prst="orthographicFront"/>
-      <a:lightRig rig="threePt" dir="t"/>
-    </dgm:scene3d>
-    <dgm:sp3d/>
-    <dgm:txPr/>
-    <dgm:style>
-      <a:lnRef idx="2">
-        <a:scrgbClr r="0" g="0" b="0"/>
-      </a:lnRef>
-      <a:fillRef idx="1">
-        <a:scrgbClr r="0" g="0" b="0"/>
-      </a:fillRef>
-      <a:effectRef idx="0">
-        <a:scrgbClr r="0" g="0" b="0"/>
-      </a:effectRef>
-      <a:fontRef idx="minor"/>
-    </dgm:style>
-  </dgm:styleLbl>
-  <dgm:styleLbl name="solidFgAcc1">
-    <dgm:scene3d>
-      <a:camera prst="orthographicFront"/>
-      <a:lightRig rig="threePt" dir="t"/>
-    </dgm:scene3d>
-    <dgm:sp3d/>
-    <dgm:txPr/>
-    <dgm:style>
-      <a:lnRef idx="2">
-        <a:scrgbClr r="0" g="0" b="0"/>
-      </a:lnRef>
-      <a:fillRef idx="1">
-        <a:scrgbClr r="0" g="0" b="0"/>
-      </a:fillRef>
-      <a:effectRef idx="0">
-        <a:scrgbClr r="0" g="0" b="0"/>
-      </a:effectRef>
-      <a:fontRef idx="minor"/>
-    </dgm:style>
-  </dgm:styleLbl>
-  <dgm:styleLbl name="solidAlignAcc1">
-    <dgm:scene3d>
-      <a:camera prst="orthographicFront"/>
-      <a:lightRig rig="threePt" dir="t"/>
-    </dgm:scene3d>
-    <dgm:sp3d/>
-    <dgm:txPr/>
-    <dgm:style>
-      <a:lnRef idx="2">
-        <a:scrgbClr r="0" g="0" b="0"/>
-      </a:lnRef>
-      <a:fillRef idx="1">
-        <a:scrgbClr r="0" g="0" b="0"/>
-      </a:fillRef>
-      <a:effectRef idx="0">
-        <a:scrgbClr r="0" g="0" b="0"/>
-      </a:effectRef>
-      <a:fontRef idx="minor"/>
-    </dgm:style>
-  </dgm:styleLbl>
-  <dgm:styleLbl name="solidBgAcc1">
-    <dgm:scene3d>
-      <a:camera prst="orthographicFront"/>
-      <a:lightRig rig="threePt" dir="t"/>
-    </dgm:scene3d>
-    <dgm:sp3d/>
-    <dgm:txPr/>
-    <dgm:style>
-      <a:lnRef idx="2">
-        <a:scrgbClr r="0" g="0" b="0"/>
-      </a:lnRef>
-      <a:fillRef idx="1">
-        <a:scrgbClr r="0" g="0" b="0"/>
-      </a:fillRef>
-      <a:effectRef idx="0">
-        <a:scrgbClr r="0" g="0" b="0"/>
-      </a:effectRef>
-      <a:fontRef idx="minor"/>
-    </dgm:style>
-  </dgm:styleLbl>
-  <dgm:styleLbl name="fgAccFollowNode1">
-    <dgm:scene3d>
-      <a:camera prst="orthographicFront"/>
-      <a:lightRig rig="threePt" dir="t"/>
-    </dgm:scene3d>
-    <dgm:sp3d/>
-    <dgm:txPr/>
-    <dgm:style>
-      <a:lnRef idx="2">
-        <a:scrgbClr r="0" g="0" b="0"/>
-      </a:lnRef>
-      <a:fillRef idx="1">
-        <a:scrgbClr r="0" g="0" b="0"/>
-      </a:fillRef>
-      <a:effectRef idx="0">
-        <a:scrgbClr r="0" g="0" b="0"/>
-      </a:effectRef>
-      <a:fontRef idx="minor"/>
-    </dgm:style>
-  </dgm:styleLbl>
-  <dgm:styleLbl name="alignAccFollowNode1">
-    <dgm:scene3d>
-      <a:camera prst="orthographicFront"/>
-      <a:lightRig rig="threePt" dir="t"/>
-    </dgm:scene3d>
-    <dgm:sp3d/>
-    <dgm:txPr/>
-    <dgm:style>
-      <a:lnRef idx="2">
-        <a:scrgbClr r="0" g="0" b="0"/>
-      </a:lnRef>
-      <a:fillRef idx="1">
-        <a:scrgbClr r="0" g="0" b="0"/>
-      </a:fillRef>
-      <a:effectRef idx="0">
-        <a:scrgbClr r="0" g="0" b="0"/>
-      </a:effectRef>
-      <a:fontRef idx="minor"/>
-    </dgm:style>
-  </dgm:styleLbl>
-  <dgm:styleLbl name="bgAccFollowNode1">
-    <dgm:scene3d>
-      <a:camera prst="orthographicFront"/>
-      <a:lightRig rig="threePt" dir="t"/>
-    </dgm:scene3d>
-    <dgm:sp3d/>
-    <dgm:txPr/>
-    <dgm:style>
-      <a:lnRef idx="2">
-        <a:scrgbClr r="0" g="0" b="0"/>
-      </a:lnRef>
-      <a:fillRef idx="1">
-        <a:scrgbClr r="0" g="0" b="0"/>
-      </a:fillRef>
-      <a:effectRef idx="0">
-        <a:scrgbClr r="0" g="0" b="0"/>
-      </a:effectRef>
-      <a:fontRef idx="minor"/>
-    </dgm:style>
-  </dgm:styleLbl>
-  <dgm:styleLbl name="fgAcc0">
-    <dgm:scene3d>
-      <a:camera prst="orthographicFront"/>
-      <a:lightRig rig="threePt" dir="t"/>
-    </dgm:scene3d>
-    <dgm:sp3d/>
-    <dgm:txPr/>
-    <dgm:style>
-      <a:lnRef idx="2">
-        <a:scrgbClr r="0" g="0" b="0"/>
-      </a:lnRef>
-      <a:fillRef idx="1">
-        <a:scrgbClr r="0" g="0" b="0"/>
-      </a:fillRef>
-      <a:effectRef idx="0">
-        <a:scrgbClr r="0" g="0" b="0"/>
-      </a:effectRef>
-      <a:fontRef idx="minor"/>
-    </dgm:style>
-  </dgm:styleLbl>
-  <dgm:styleLbl name="fgAcc2">
-    <dgm:scene3d>
-      <a:camera prst="orthographicFront"/>
-      <a:lightRig rig="threePt" dir="t"/>
-    </dgm:scene3d>
-    <dgm:sp3d/>
-    <dgm:txPr/>
-    <dgm:style>
-      <a:lnRef idx="2">
-        <a:scrgbClr r="0" g="0" b="0"/>
-      </a:lnRef>
-      <a:fillRef idx="1">
-        <a:scrgbClr r="0" g="0" b="0"/>
-      </a:fillRef>
-      <a:effectRef idx="0">
-        <a:scrgbClr r="0" g="0" b="0"/>
-      </a:effectRef>
-      <a:fontRef idx="minor"/>
-    </dgm:style>
-  </dgm:styleLbl>
-  <dgm:styleLbl name="fgAcc3">
-    <dgm:scene3d>
-      <a:camera prst="orthographicFront"/>
-      <a:lightRig rig="threePt" dir="t"/>
-    </dgm:scene3d>
-    <dgm:sp3d/>
-    <dgm:txPr/>
-    <dgm:style>
-      <a:lnRef idx="2">
-        <a:scrgbClr r="0" g="0" b="0"/>
-      </a:lnRef>
-      <a:fillRef idx="1">
-        <a:scrgbClr r="0" g="0" b="0"/>
-      </a:fillRef>
-      <a:effectRef idx="0">
-        <a:scrgbClr r="0" g="0" b="0"/>
-      </a:effectRef>
-      <a:fontRef idx="minor"/>
-    </dgm:style>
-  </dgm:styleLbl>
-  <dgm:styleLbl name="fgAcc4">
-    <dgm:scene3d>
-      <a:camera prst="orthographicFront"/>
-      <a:lightRig rig="threePt" dir="t"/>
-    </dgm:scene3d>
-    <dgm:sp3d/>
-    <dgm:txPr/>
-    <dgm:style>
-      <a:lnRef idx="2">
-        <a:scrgbClr r="0" g="0" b="0"/>
-      </a:lnRef>
-      <a:fillRef idx="1">
-        <a:scrgbClr r="0" g="0" b="0"/>
-      </a:fillRef>
-      <a:effectRef idx="0">
-        <a:scrgbClr r="0" g="0" b="0"/>
-      </a:effectRef>
-      <a:fontRef idx="minor"/>
-    </dgm:style>
-  </dgm:styleLbl>
-  <dgm:styleLbl name="bgShp">
-    <dgm:scene3d>
-      <a:camera prst="orthographicFront"/>
-      <a:lightRig rig="threePt" dir="t"/>
-    </dgm:scene3d>
-    <dgm:sp3d/>
-    <dgm:txPr/>
-    <dgm:style>
-      <a:lnRef idx="0">
-        <a:scrgbClr r="0" g="0" b="0"/>
-      </a:lnRef>
-      <a:fillRef idx="1">
-        <a:scrgbClr r="0" g="0" b="0"/>
-      </a:fillRef>
-      <a:effectRef idx="0">
-        <a:scrgbClr r="0" g="0" b="0"/>
-      </a:effectRef>
-      <a:fontRef idx="minor"/>
-    </dgm:style>
-  </dgm:styleLbl>
-  <dgm:styleLbl name="dkBgShp">
-    <dgm:scene3d>
-      <a:camera prst="orthographicFront"/>
-      <a:lightRig rig="threePt" dir="t"/>
-    </dgm:scene3d>
-    <dgm:sp3d/>
-    <dgm:txPr/>
-    <dgm:style>
-      <a:lnRef idx="0">
-        <a:scrgbClr r="0" g="0" b="0"/>
-      </a:lnRef>
-      <a:fillRef idx="1">
-        <a:scrgbClr r="0" g="0" b="0"/>
-      </a:fillRef>
-      <a:effectRef idx="0">
-        <a:scrgbClr r="0" g="0" b="0"/>
-      </a:effectRef>
-      <a:fontRef idx="minor"/>
-    </dgm:style>
-  </dgm:styleLbl>
-  <dgm:styleLbl name="trBgShp">
-    <dgm:scene3d>
-      <a:camera prst="orthographicFront"/>
-      <a:lightRig rig="threePt" dir="t"/>
-    </dgm:scene3d>
-    <dgm:sp3d/>
-    <dgm:txPr/>
-    <dgm:style>
-      <a:lnRef idx="0">
-        <a:scrgbClr r="0" g="0" b="0"/>
-      </a:lnRef>
-      <a:fillRef idx="1">
-        <a:scrgbClr r="0" g="0" b="0"/>
-      </a:fillRef>
-      <a:effectRef idx="0">
-        <a:scrgbClr r="0" g="0" b="0"/>
-      </a:effectRef>
-      <a:fontRef idx="minor"/>
-    </dgm:style>
-  </dgm:styleLbl>
-  <dgm:styleLbl name="fgShp">
-    <dgm:scene3d>
-      <a:camera prst="orthographicFront"/>
-      <a:lightRig rig="threePt" dir="t"/>
-    </dgm:scene3d>
-    <dgm:sp3d/>
-    <dgm:txPr/>
-    <dgm:style>
-      <a:lnRef idx="2">
-        <a:scrgbClr r="0" g="0" b="0"/>
-      </a:lnRef>
-      <a:fillRef idx="1">
-        <a:scrgbClr r="0" g="0" b="0"/>
-      </a:fillRef>
-      <a:effectRef idx="0">
-        <a:scrgbClr r="0" g="0" b="0"/>
-      </a:effectRef>
-      <a:fontRef idx="minor"/>
-    </dgm:style>
-  </dgm:styleLbl>
-  <dgm:styleLbl name="revTx">
-    <dgm:scene3d>
-      <a:camera prst="orthographicFront"/>
-      <a:lightRig rig="threePt" dir="t"/>
-    </dgm:scene3d>
-    <dgm:sp3d/>
-    <dgm:txPr/>
-    <dgm:style>
-      <a:lnRef idx="0">
-        <a:scrgbClr r="0" g="0" b="0"/>
-      </a:lnRef>
-      <a:fillRef idx="0">
-        <a:scrgbClr r="0" g="0" b="0"/>
-      </a:fillRef>
-      <a:effectRef idx="0">
-        <a:scrgbClr r="0" g="0" b="0"/>
-      </a:effectRef>
-      <a:fontRef idx="minor"/>
-    </dgm:style>
-  </dgm:styleLbl>
-</dgm:styleDef>
+      </p:grpSpPr>
+      <p:sp>
+        <p:nvSpPr>
+          <p:cNvPr id="2" name="ヘッダー プレースホルダー 1"/>
+          <p:cNvSpPr>
+            <a:spLocks noGrp="1"/>
+          </p:cNvSpPr>
+          <p:nvPr>
+            <p:ph type="hdr" sz="quarter"/>
+          </p:nvPr>
+        </p:nvSpPr>
+        <p:spPr>
+          <a:xfrm>
+            <a:off x="0" y="0"/>
+            <a:ext cx="2971800" cy="458788"/>
+          </a:xfrm>
+          <a:prstGeom prst="rect">
+            <a:avLst/>
+          </a:prstGeom>
+        </p:spPr>
+        <p:txBody>
+          <a:bodyPr vert="horz" lIns="91440" tIns="45720" rIns="91440" bIns="45720" rtlCol="0"/>
+          <a:lstStyle>
+            <a:lvl1pPr algn="l">
+              <a:defRPr sz="1200"/>
+            </a:lvl1pPr>
+          </a:lstStyle>
+          <a:p>
+            <a:endParaRPr kumimoji="1" lang="ja-JP" altLang="en-US"/>
+          </a:p>
+        </p:txBody>
+      </p:sp>
+      <p:sp>
+        <p:nvSpPr>
+          <p:cNvPr id="3" name="日付プレースホルダー 2"/>
+          <p:cNvSpPr>
+            <a:spLocks noGrp="1"/>
+          </p:cNvSpPr>
+          <p:nvPr>
+            <p:ph type="dt" sz="quarter" idx="1"/>
+          </p:nvPr>
+        </p:nvSpPr>
+        <p:spPr>
+          <a:xfrm>
+            <a:off x="3884613" y="0"/>
+            <a:ext cx="2971800" cy="458788"/>
+          </a:xfrm>
+          <a:prstGeom prst="rect">
+            <a:avLst/>
+          </a:prstGeom>
+        </p:spPr>
+        <p:txBody>
+          <a:bodyPr vert="horz" lIns="91440" tIns="45720" rIns="91440" bIns="45720" rtlCol="0"/>
+          <a:lstStyle>
+            <a:lvl1pPr algn="r">
+              <a:defRPr sz="1200"/>
+            </a:lvl1pPr>
+          </a:lstStyle>
+          <a:p>
+            <a:fld id="{34B5C594-2D29-4E0B-97C8-26DB6F73E547}" type="datetimeFigureOut">
+              <a:rPr kumimoji="1" lang="ja-JP" altLang="en-US" smtClean="0"/>
+              <a:t>2019/12/12</a:t>
+            </a:fld>
+            <a:endParaRPr kumimoji="1" lang="ja-JP" altLang="en-US"/>
+          </a:p>
+        </p:txBody>
+      </p:sp>
+      <p:sp>
+        <p:nvSpPr>
+          <p:cNvPr id="4" name="フッター プレースホルダー 3"/>
+          <p:cNvSpPr>
+            <a:spLocks noGrp="1"/>
+          </p:cNvSpPr>
+          <p:nvPr>
+            <p:ph type="ftr" sz="quarter" idx="2"/>
+          </p:nvPr>
+        </p:nvSpPr>
+        <p:spPr>
+          <a:xfrm>
+            <a:off x="0" y="8685213"/>
+            <a:ext cx="2971800" cy="458787"/>
+          </a:xfrm>
+          <a:prstGeom prst="rect">
+            <a:avLst/>
+          </a:prstGeom>
+        </p:spPr>
+        <p:txBody>
+          <a:bodyPr vert="horz" lIns="91440" tIns="45720" rIns="91440" bIns="45720" rtlCol="0" anchor="b"/>
+          <a:lstStyle>
+            <a:lvl1pPr algn="l">
+              <a:defRPr sz="1200"/>
+            </a:lvl1pPr>
+          </a:lstStyle>
+          <a:p>
+            <a:endParaRPr kumimoji="1" lang="ja-JP" altLang="en-US"/>
+          </a:p>
+        </p:txBody>
+      </p:sp>
+      <p:sp>
+        <p:nvSpPr>
+          <p:cNvPr id="5" name="スライド番号プレースホルダー 4"/>
+          <p:cNvSpPr>
+            <a:spLocks noGrp="1"/>
+          </p:cNvSpPr>
+          <p:nvPr>
+            <p:ph type="sldNum" sz="quarter" idx="3"/>
+          </p:nvPr>
+        </p:nvSpPr>
+        <p:spPr>
+          <a:xfrm>
+            <a:off x="3884613" y="8685213"/>
+            <a:ext cx="2971800" cy="458787"/>
+          </a:xfrm>
+          <a:prstGeom prst="rect">
+            <a:avLst/>
+          </a:prstGeom>
+        </p:spPr>
+        <p:txBody>
+          <a:bodyPr vert="horz" lIns="91440" tIns="45720" rIns="91440" bIns="45720" rtlCol="0" anchor="b"/>
+          <a:lstStyle>
+            <a:lvl1pPr algn="r">
+              <a:defRPr sz="1200"/>
+            </a:lvl1pPr>
+          </a:lstStyle>
+          <a:p>
+            <a:fld id="{CA0ED187-8C7B-4258-952C-A742DE331A4A}" type="slidenum">
+              <a:rPr kumimoji="1" lang="ja-JP" altLang="en-US" smtClean="0"/>
+              <a:t>‹#›</a:t>
+            </a:fld>
+            <a:endParaRPr kumimoji="1" lang="ja-JP" altLang="en-US"/>
+          </a:p>
+        </p:txBody>
+      </p:sp>
+    </p:spTree>
+    <p:extLst>
+      <p:ext uri="{BB962C8B-B14F-4D97-AF65-F5344CB8AC3E}">
+        <p14:creationId xmlns:p14="http://schemas.microsoft.com/office/powerpoint/2010/main" val="2810836919"/>
+      </p:ext>
+    </p:extLst>
+  </p:cSld>
+  <p:clrMap bg1="lt1" tx1="dk1" bg2="lt2" tx2="dk2" accent1="accent1" accent2="accent2" accent3="accent3" accent4="accent4" accent5="accent5" accent6="accent6" hlink="hlink" folHlink="folHlink"/>
+  <p:hf hdr="0" dt="0"/>
+</p:handoutMaster>
 </file>
 
 <file path=ppt/notesMasters/notesMaster1.xml><?xml version="1.0" encoding="utf-8"?>
@@ -3677,7 +399,7 @@
           <a:p>
             <a:fld id="{0649F128-D4FC-489C-860B-9DD0AB1578C1}" type="datetimeFigureOut">
               <a:rPr kumimoji="1" lang="ja-JP" altLang="en-US" smtClean="0"/>
-              <a:t>2019/12/10</a:t>
+              <a:t>2019/12/12</a:t>
             </a:fld>
             <a:endParaRPr kumimoji="1" lang="ja-JP" altLang="en-US"/>
           </a:p>
@@ -3882,6 +604,7 @@
     </p:extLst>
   </p:cSld>
   <p:clrMap bg1="lt1" tx1="dk1" bg2="lt2" tx2="dk2" accent1="accent1" accent2="accent2" accent3="accent3" accent4="accent4" accent5="accent5" accent6="accent6" hlink="hlink" folHlink="folHlink"/>
+  <p:hf hdr="0" dt="0"/>
   <p:notesStyle>
     <a:lvl1pPr marL="0" algn="l" defTabSz="914400" rtl="0" eaLnBrk="1" latinLnBrk="0" hangingPunct="1">
       <a:defRPr kumimoji="1" sz="1200" kern="1200">
@@ -4060,6 +783,25 @@
           </a:p>
         </p:txBody>
       </p:sp>
+      <p:sp>
+        <p:nvSpPr>
+          <p:cNvPr id="5" name="フッター プレースホルダー 4"/>
+          <p:cNvSpPr>
+            <a:spLocks noGrp="1"/>
+          </p:cNvSpPr>
+          <p:nvPr>
+            <p:ph type="ftr" sz="quarter" idx="11"/>
+          </p:nvPr>
+        </p:nvSpPr>
+        <p:spPr/>
+        <p:txBody>
+          <a:bodyPr/>
+          <a:lstStyle/>
+          <a:p>
+            <a:endParaRPr kumimoji="1" lang="ja-JP" altLang="en-US"/>
+          </a:p>
+        </p:txBody>
+      </p:sp>
     </p:spTree>
     <p:extLst>
       <p:ext uri="{BB962C8B-B14F-4D97-AF65-F5344CB8AC3E}">
@@ -4148,6 +890,25 @@
           </a:p>
         </p:txBody>
       </p:sp>
+      <p:sp>
+        <p:nvSpPr>
+          <p:cNvPr id="5" name="フッター プレースホルダー 4"/>
+          <p:cNvSpPr>
+            <a:spLocks noGrp="1"/>
+          </p:cNvSpPr>
+          <p:nvPr>
+            <p:ph type="ftr" sz="quarter" idx="11"/>
+          </p:nvPr>
+        </p:nvSpPr>
+        <p:spPr/>
+        <p:txBody>
+          <a:bodyPr/>
+          <a:lstStyle/>
+          <a:p>
+            <a:endParaRPr kumimoji="1" lang="ja-JP" altLang="en-US"/>
+          </a:p>
+        </p:txBody>
+      </p:sp>
     </p:spTree>
     <p:extLst>
       <p:ext uri="{BB962C8B-B14F-4D97-AF65-F5344CB8AC3E}">
@@ -4236,6 +997,25 @@
           </a:p>
         </p:txBody>
       </p:sp>
+      <p:sp>
+        <p:nvSpPr>
+          <p:cNvPr id="5" name="フッター プレースホルダー 4"/>
+          <p:cNvSpPr>
+            <a:spLocks noGrp="1"/>
+          </p:cNvSpPr>
+          <p:nvPr>
+            <p:ph type="ftr" sz="quarter" idx="11"/>
+          </p:nvPr>
+        </p:nvSpPr>
+        <p:spPr/>
+        <p:txBody>
+          <a:bodyPr/>
+          <a:lstStyle/>
+          <a:p>
+            <a:endParaRPr kumimoji="1" lang="ja-JP" altLang="en-US"/>
+          </a:p>
+        </p:txBody>
+      </p:sp>
     </p:spTree>
     <p:extLst>
       <p:ext uri="{BB962C8B-B14F-4D97-AF65-F5344CB8AC3E}">
@@ -4369,8 +1149,27 @@
           <a:p>
             <a:fld id="{1705D8A9-7A56-411A-9EF9-F7869DF78C8C}" type="slidenum">
               <a:rPr kumimoji="1" lang="ja-JP" altLang="en-US" smtClean="0"/>
-              <a:t>7</a:t>
+              <a:t>6</a:t>
             </a:fld>
+            <a:endParaRPr kumimoji="1" lang="ja-JP" altLang="en-US"/>
+          </a:p>
+        </p:txBody>
+      </p:sp>
+      <p:sp>
+        <p:nvSpPr>
+          <p:cNvPr id="5" name="フッター プレースホルダー 4"/>
+          <p:cNvSpPr>
+            <a:spLocks noGrp="1"/>
+          </p:cNvSpPr>
+          <p:nvPr>
+            <p:ph type="ftr" sz="quarter" idx="11"/>
+          </p:nvPr>
+        </p:nvSpPr>
+        <p:spPr/>
+        <p:txBody>
+          <a:bodyPr/>
+          <a:lstStyle/>
+          <a:p>
             <a:endParaRPr kumimoji="1" lang="ja-JP" altLang="en-US"/>
           </a:p>
         </p:txBody>
@@ -4612,9 +1411,9 @@
           <a:bodyPr/>
           <a:lstStyle/>
           <a:p>
-            <a:fld id="{E50F9C81-DB02-44DB-A10A-141CA506DBCE}" type="datetimeFigureOut">
+            <a:fld id="{3EC1410A-F8EF-4E0C-B87B-0DB9A19D73BC}" type="datetime1">
               <a:rPr kumimoji="1" lang="ja-JP" altLang="en-US" smtClean="0"/>
-              <a:t>2019/12/10</a:t>
+              <a:t>2019/12/12</a:t>
             </a:fld>
             <a:endParaRPr kumimoji="1" lang="ja-JP" altLang="en-US"/>
           </a:p>
@@ -4859,9 +1658,9 @@
           <a:bodyPr/>
           <a:lstStyle/>
           <a:p>
-            <a:fld id="{E50F9C81-DB02-44DB-A10A-141CA506DBCE}" type="datetimeFigureOut">
+            <a:fld id="{FB24D0FE-3AF2-4B9C-A593-44EDA01DAF7D}" type="datetime1">
               <a:rPr kumimoji="1" lang="ja-JP" altLang="en-US" smtClean="0"/>
-              <a:t>2019/12/10</a:t>
+              <a:t>2019/12/12</a:t>
             </a:fld>
             <a:endParaRPr kumimoji="1" lang="ja-JP" altLang="en-US"/>
           </a:p>
@@ -5154,9 +1953,9 @@
           <a:bodyPr/>
           <a:lstStyle/>
           <a:p>
-            <a:fld id="{E50F9C81-DB02-44DB-A10A-141CA506DBCE}" type="datetimeFigureOut">
+            <a:fld id="{B7B57C34-282D-413C-9FD6-95C2C05FF127}" type="datetime1">
               <a:rPr kumimoji="1" lang="ja-JP" altLang="en-US" smtClean="0"/>
-              <a:t>2019/12/10</a:t>
+              <a:t>2019/12/12</a:t>
             </a:fld>
             <a:endParaRPr kumimoji="1" lang="ja-JP" altLang="en-US"/>
           </a:p>
@@ -5383,9 +2182,9 @@
           <a:bodyPr/>
           <a:lstStyle/>
           <a:p>
-            <a:fld id="{E50F9C81-DB02-44DB-A10A-141CA506DBCE}" type="datetimeFigureOut">
+            <a:fld id="{FF0B594E-E4D2-48B8-9775-B717AFE7D1E8}" type="datetime1">
               <a:rPr kumimoji="1" lang="ja-JP" altLang="en-US" smtClean="0"/>
-              <a:t>2019/12/10</a:t>
+              <a:t>2019/12/12</a:t>
             </a:fld>
             <a:endParaRPr kumimoji="1" lang="ja-JP" altLang="en-US"/>
           </a:p>
@@ -5429,7 +2228,7 @@
               <a:rPr kumimoji="1" lang="ja-JP" altLang="en-US" smtClean="0"/>
               <a:t>‹#›</a:t>
             </a:fld>
-            <a:endParaRPr kumimoji="1" lang="ja-JP" altLang="en-US"/>
+            <a:endParaRPr kumimoji="1" lang="ja-JP" altLang="en-US" dirty="0"/>
           </a:p>
         </p:txBody>
       </p:sp>
@@ -5733,9 +2532,9 @@
           <a:bodyPr/>
           <a:lstStyle/>
           <a:p>
-            <a:fld id="{E50F9C81-DB02-44DB-A10A-141CA506DBCE}" type="datetimeFigureOut">
+            <a:fld id="{6DC04BBE-2F4C-41C7-82DA-A250BA78D004}" type="datetime1">
               <a:rPr kumimoji="1" lang="ja-JP" altLang="en-US" smtClean="0"/>
-              <a:t>2019/12/10</a:t>
+              <a:t>2019/12/12</a:t>
             </a:fld>
             <a:endParaRPr kumimoji="1" lang="ja-JP" altLang="en-US"/>
           </a:p>
@@ -6119,10 +2918,9 @@
             </a:lvl1pPr>
           </a:lstStyle>
           <a:p>
-            <a:fld id="{E50F9C81-DB02-44DB-A10A-141CA506DBCE}" type="datetimeFigureOut">
+            <a:fld id="{3624D211-8779-4C68-9097-38DC4F40D109}" type="datetime1">
               <a:rPr lang="ja-JP" altLang="en-US" smtClean="0"/>
-              <a:pPr/>
-              <a:t>2019/12/10</a:t>
+              <a:t>2019/12/12</a:t>
             </a:fld>
             <a:endParaRPr lang="ja-JP" altLang="en-US"/>
           </a:p>
@@ -6611,9 +3409,9 @@
           <a:bodyPr/>
           <a:lstStyle/>
           <a:p>
-            <a:fld id="{E50F9C81-DB02-44DB-A10A-141CA506DBCE}" type="datetimeFigureOut">
+            <a:fld id="{A2D1DA24-10F6-4EFB-871C-9A026060DEE1}" type="datetime1">
               <a:rPr kumimoji="1" lang="ja-JP" altLang="en-US" smtClean="0"/>
-              <a:t>2019/12/10</a:t>
+              <a:t>2019/12/12</a:t>
             </a:fld>
             <a:endParaRPr kumimoji="1" lang="ja-JP" altLang="en-US"/>
           </a:p>
@@ -6736,9 +3534,9 @@
           <a:bodyPr/>
           <a:lstStyle/>
           <a:p>
-            <a:fld id="{E50F9C81-DB02-44DB-A10A-141CA506DBCE}" type="datetimeFigureOut">
+            <a:fld id="{52524D80-1D11-43F3-A5C4-717FAF173E05}" type="datetime1">
               <a:rPr kumimoji="1" lang="ja-JP" altLang="en-US" smtClean="0"/>
-              <a:t>2019/12/10</a:t>
+              <a:t>2019/12/12</a:t>
             </a:fld>
             <a:endParaRPr kumimoji="1" lang="ja-JP" altLang="en-US"/>
           </a:p>
@@ -6914,9 +3712,9 @@
           <a:bodyPr/>
           <a:lstStyle/>
           <a:p>
-            <a:fld id="{E50F9C81-DB02-44DB-A10A-141CA506DBCE}" type="datetimeFigureOut">
+            <a:fld id="{DC9F12F1-D979-49E9-BC70-12049E6962F2}" type="datetime1">
               <a:rPr kumimoji="1" lang="ja-JP" altLang="en-US" smtClean="0"/>
-              <a:t>2019/12/10</a:t>
+              <a:t>2019/12/12</a:t>
             </a:fld>
             <a:endParaRPr kumimoji="1" lang="ja-JP" altLang="en-US"/>
           </a:p>
@@ -7307,9 +4105,9 @@
             </a:lvl1pPr>
           </a:lstStyle>
           <a:p>
-            <a:fld id="{E50F9C81-DB02-44DB-A10A-141CA506DBCE}" type="datetimeFigureOut">
+            <a:fld id="{1FE55555-605E-47C9-B14E-4BE03F1CCFA1}" type="datetime1">
               <a:rPr kumimoji="1" lang="ja-JP" altLang="en-US" smtClean="0"/>
-              <a:t>2019/12/10</a:t>
+              <a:t>2019/12/12</a:t>
             </a:fld>
             <a:endParaRPr kumimoji="1" lang="ja-JP" altLang="en-US"/>
           </a:p>
@@ -7684,9 +4482,9 @@
           <a:bodyPr/>
           <a:lstStyle/>
           <a:p>
-            <a:fld id="{E50F9C81-DB02-44DB-A10A-141CA506DBCE}" type="datetimeFigureOut">
+            <a:fld id="{8D0D64FD-DAC1-423E-B984-2BBD201A0D9A}" type="datetime1">
               <a:rPr kumimoji="1" lang="ja-JP" altLang="en-US" smtClean="0"/>
-              <a:t>2019/12/10</a:t>
+              <a:t>2019/12/12</a:t>
             </a:fld>
             <a:endParaRPr kumimoji="1" lang="ja-JP" altLang="en-US"/>
           </a:p>
@@ -8003,9 +4801,9 @@
             </a:lvl1pPr>
           </a:lstStyle>
           <a:p>
-            <a:fld id="{E50F9C81-DB02-44DB-A10A-141CA506DBCE}" type="datetimeFigureOut">
+            <a:fld id="{E88F6EB9-CD45-4D67-82BE-E6C521250E55}" type="datetime1">
               <a:rPr kumimoji="1" lang="ja-JP" altLang="en-US" smtClean="0"/>
-              <a:t>2019/12/10</a:t>
+              <a:t>2019/12/12</a:t>
             </a:fld>
             <a:endParaRPr kumimoji="1" lang="ja-JP" altLang="en-US"/>
           </a:p>
@@ -8144,6 +4942,7 @@
     <p:sldLayoutId id="2147483790" r:id="rId10"/>
     <p:sldLayoutId id="2147483791" r:id="rId11"/>
   </p:sldLayoutIdLst>
+  <p:hf hdr="0" ftr="0" dt="0"/>
   <p:txStyles>
     <p:titleStyle>
       <a:lvl1pPr algn="l" defTabSz="914400" rtl="0" eaLnBrk="1" latinLnBrk="0" hangingPunct="1">
@@ -8651,6 +5450,29 @@
           </a:prstGeom>
         </p:spPr>
       </p:pic>
+      <p:sp>
+        <p:nvSpPr>
+          <p:cNvPr id="5" name="スライド番号プレースホルダー 4"/>
+          <p:cNvSpPr>
+            <a:spLocks noGrp="1"/>
+          </p:cNvSpPr>
+          <p:nvPr>
+            <p:ph type="sldNum" sz="quarter" idx="12"/>
+          </p:nvPr>
+        </p:nvSpPr>
+        <p:spPr/>
+        <p:txBody>
+          <a:bodyPr/>
+          <a:lstStyle/>
+          <a:p>
+            <a:fld id="{3C3988C9-8C6C-49D7-8D82-24DA391FB063}" type="slidenum">
+              <a:rPr kumimoji="1" lang="ja-JP" altLang="en-US" smtClean="0"/>
+              <a:t>1</a:t>
+            </a:fld>
+            <a:endParaRPr kumimoji="1" lang="ja-JP" altLang="en-US"/>
+          </a:p>
+        </p:txBody>
+      </p:sp>
     </p:spTree>
     <p:extLst>
       <p:ext uri="{BB962C8B-B14F-4D97-AF65-F5344CB8AC3E}">
@@ -8688,276 +5510,297 @@
           <a:chExt cx="0" cy="0"/>
         </a:xfrm>
       </p:grpSpPr>
-      <p:pic>
-        <p:nvPicPr>
-          <p:cNvPr id="2" name="図 1"/>
-          <p:cNvPicPr>
-            <a:picLocks noChangeAspect="1"/>
-          </p:cNvPicPr>
-          <p:nvPr/>
-        </p:nvPicPr>
-        <p:blipFill>
-          <a:blip r:embed="rId2">
-            <a:extLst>
-              <a:ext uri="{28A0092B-C50C-407E-A947-70E740481C1C}">
-                <a14:useLocalDpi xmlns:a14="http://schemas.microsoft.com/office/drawing/2010/main" val="0"/>
-              </a:ext>
-            </a:extLst>
-          </a:blip>
-          <a:stretch>
-            <a:fillRect/>
-          </a:stretch>
-        </p:blipFill>
-        <p:spPr>
-          <a:xfrm>
-            <a:off x="1641701" y="254452"/>
-            <a:ext cx="8998136" cy="6032047"/>
-          </a:xfrm>
-          <a:prstGeom prst="rect">
-            <a:avLst/>
-          </a:prstGeom>
-        </p:spPr>
-      </p:pic>
-      <p:sp>
-        <p:nvSpPr>
-          <p:cNvPr id="5" name="正方形/長方形 4"/>
-          <p:cNvSpPr/>
-          <p:nvPr/>
-        </p:nvSpPr>
-        <p:spPr>
-          <a:xfrm>
-            <a:off x="1420584" y="2302329"/>
-            <a:ext cx="7200901" cy="2416628"/>
-          </a:xfrm>
-          <a:prstGeom prst="rect">
-            <a:avLst/>
-          </a:prstGeom>
-          <a:noFill/>
-          <a:ln w="28575">
-            <a:solidFill>
-              <a:srgbClr val="C00000"/>
-            </a:solidFill>
-          </a:ln>
-        </p:spPr>
-        <p:style>
-          <a:lnRef idx="2">
-            <a:schemeClr val="accent1">
-              <a:shade val="50000"/>
-            </a:schemeClr>
-          </a:lnRef>
-          <a:fillRef idx="1">
-            <a:schemeClr val="accent1"/>
-          </a:fillRef>
-          <a:effectRef idx="0">
-            <a:schemeClr val="accent1"/>
-          </a:effectRef>
-          <a:fontRef idx="minor">
-            <a:schemeClr val="lt1"/>
-          </a:fontRef>
-        </p:style>
-        <p:txBody>
-          <a:bodyPr rtlCol="0" anchor="ctr"/>
-          <a:lstStyle/>
-          <a:p>
-            <a:pPr algn="ctr"/>
-            <a:endParaRPr kumimoji="1" lang="ja-JP" altLang="en-US"/>
-          </a:p>
-        </p:txBody>
-      </p:sp>
-      <p:sp>
-        <p:nvSpPr>
-          <p:cNvPr id="6" name="角丸四角形 5"/>
-          <p:cNvSpPr/>
-          <p:nvPr/>
-        </p:nvSpPr>
-        <p:spPr>
-          <a:xfrm>
-            <a:off x="1477736" y="2432958"/>
-            <a:ext cx="2457450" cy="2171702"/>
-          </a:xfrm>
-          <a:prstGeom prst="roundRect">
-            <a:avLst/>
-          </a:prstGeom>
-          <a:noFill/>
-          <a:ln w="28575"/>
-        </p:spPr>
-        <p:style>
-          <a:lnRef idx="2">
-            <a:schemeClr val="accent1">
-              <a:shade val="50000"/>
-            </a:schemeClr>
-          </a:lnRef>
-          <a:fillRef idx="1">
-            <a:schemeClr val="accent1"/>
-          </a:fillRef>
-          <a:effectRef idx="0">
-            <a:schemeClr val="accent1"/>
-          </a:effectRef>
-          <a:fontRef idx="minor">
-            <a:schemeClr val="lt1"/>
-          </a:fontRef>
-        </p:style>
-        <p:txBody>
-          <a:bodyPr rtlCol="0" anchor="ctr"/>
-          <a:lstStyle/>
-          <a:p>
-            <a:pPr algn="ctr"/>
-            <a:endParaRPr kumimoji="1" lang="ja-JP" altLang="en-US"/>
-          </a:p>
-        </p:txBody>
-      </p:sp>
-      <p:sp>
-        <p:nvSpPr>
-          <p:cNvPr id="7" name="テキスト ボックス 6"/>
-          <p:cNvSpPr txBox="1"/>
-          <p:nvPr/>
-        </p:nvSpPr>
-        <p:spPr>
-          <a:xfrm>
-            <a:off x="3473521" y="2653472"/>
-            <a:ext cx="461665" cy="2040993"/>
-          </a:xfrm>
-          <a:prstGeom prst="rect">
-            <a:avLst/>
-          </a:prstGeom>
-          <a:noFill/>
-        </p:spPr>
-        <p:txBody>
-          <a:bodyPr vert="eaVert" wrap="square" rtlCol="0">
-            <a:spAutoFit/>
-          </a:bodyPr>
-          <a:lstStyle/>
-          <a:p>
-            <a:r>
+      <p:sp>
+        <p:nvSpPr>
+          <p:cNvPr id="2" name="タイトル 1"/>
+          <p:cNvSpPr>
+            <a:spLocks noGrp="1"/>
+          </p:cNvSpPr>
+          <p:nvPr>
+            <p:ph type="title"/>
+          </p:nvPr>
+        </p:nvSpPr>
+        <p:spPr/>
+        <p:txBody>
+          <a:bodyPr/>
+          <a:lstStyle/>
+          <a:p>
+            <a:r>
+              <a:rPr lang="ja-JP" altLang="en-US" dirty="0"/>
+              <a:t>現在</a:t>
+            </a:r>
+            <a:r>
+              <a:rPr lang="ja-JP" altLang="en-US" dirty="0" smtClean="0"/>
+              <a:t>の段階・状況</a:t>
+            </a:r>
+            <a:endParaRPr kumimoji="1" lang="ja-JP" altLang="en-US" dirty="0"/>
+          </a:p>
+        </p:txBody>
+      </p:sp>
+      <p:sp>
+        <p:nvSpPr>
+          <p:cNvPr id="15" name="スライド番号プレースホルダー 14"/>
+          <p:cNvSpPr>
+            <a:spLocks noGrp="1"/>
+          </p:cNvSpPr>
+          <p:nvPr>
+            <p:ph type="sldNum" sz="quarter" idx="12"/>
+          </p:nvPr>
+        </p:nvSpPr>
+        <p:spPr/>
+        <p:txBody>
+          <a:bodyPr/>
+          <a:lstStyle/>
+          <a:p>
+            <a:fld id="{3C3988C9-8C6C-49D7-8D82-24DA391FB063}" type="slidenum">
               <a:rPr kumimoji="1" lang="ja-JP" altLang="en-US" smtClean="0"/>
-              <a:t>真鍋</a:t>
-            </a:r>
-            <a:endParaRPr kumimoji="1" lang="ja-JP" altLang="en-US"/>
-          </a:p>
-        </p:txBody>
-      </p:sp>
-      <p:sp>
-        <p:nvSpPr>
-          <p:cNvPr id="8" name="角丸四角形 7"/>
-          <p:cNvSpPr/>
-          <p:nvPr/>
-        </p:nvSpPr>
-        <p:spPr>
-          <a:xfrm>
-            <a:off x="4465864" y="2432958"/>
-            <a:ext cx="2147886" cy="2171702"/>
-          </a:xfrm>
-          <a:prstGeom prst="roundRect">
-            <a:avLst/>
-          </a:prstGeom>
-          <a:noFill/>
-          <a:ln w="28575"/>
-        </p:spPr>
-        <p:style>
-          <a:lnRef idx="2">
-            <a:schemeClr val="accent1">
-              <a:shade val="50000"/>
-            </a:schemeClr>
-          </a:lnRef>
-          <a:fillRef idx="1">
-            <a:schemeClr val="accent1"/>
-          </a:fillRef>
-          <a:effectRef idx="0">
-            <a:schemeClr val="accent1"/>
-          </a:effectRef>
-          <a:fontRef idx="minor">
-            <a:schemeClr val="lt1"/>
-          </a:fontRef>
-        </p:style>
-        <p:txBody>
-          <a:bodyPr rtlCol="0" anchor="ctr"/>
-          <a:lstStyle/>
-          <a:p>
-            <a:pPr algn="ctr"/>
-            <a:endParaRPr kumimoji="1" lang="ja-JP" altLang="en-US"/>
-          </a:p>
-        </p:txBody>
-      </p:sp>
-      <p:sp>
-        <p:nvSpPr>
-          <p:cNvPr id="9" name="テキスト ボックス 8"/>
-          <p:cNvSpPr txBox="1"/>
-          <p:nvPr/>
-        </p:nvSpPr>
-        <p:spPr>
-          <a:xfrm>
-            <a:off x="6152085" y="2519934"/>
-            <a:ext cx="461665" cy="2084726"/>
-          </a:xfrm>
-          <a:prstGeom prst="rect">
-            <a:avLst/>
-          </a:prstGeom>
-          <a:noFill/>
-        </p:spPr>
-        <p:txBody>
-          <a:bodyPr vert="eaVert" wrap="square" rtlCol="0">
-            <a:spAutoFit/>
-          </a:bodyPr>
-          <a:lstStyle/>
-          <a:p>
-            <a:r>
-              <a:rPr kumimoji="1" lang="ja-JP" altLang="en-US" smtClean="0"/>
-              <a:t>段原</a:t>
-            </a:r>
-            <a:endParaRPr kumimoji="1" lang="ja-JP" altLang="en-US"/>
-          </a:p>
-        </p:txBody>
-      </p:sp>
-      <p:sp>
-        <p:nvSpPr>
-          <p:cNvPr id="10" name="正方形/長方形 9"/>
-          <p:cNvSpPr/>
-          <p:nvPr/>
-        </p:nvSpPr>
-        <p:spPr>
-          <a:xfrm>
-            <a:off x="8621485" y="4718957"/>
-            <a:ext cx="2283691" cy="1428828"/>
-          </a:xfrm>
-          <a:prstGeom prst="rect">
-            <a:avLst/>
-          </a:prstGeom>
-          <a:noFill/>
-          <a:ln w="28575">
-            <a:solidFill>
-              <a:srgbClr val="C00000"/>
-            </a:solidFill>
-          </a:ln>
-        </p:spPr>
-        <p:style>
-          <a:lnRef idx="2">
-            <a:schemeClr val="accent1">
-              <a:shade val="50000"/>
-            </a:schemeClr>
-          </a:lnRef>
-          <a:fillRef idx="1">
-            <a:schemeClr val="accent1"/>
-          </a:fillRef>
-          <a:effectRef idx="0">
-            <a:schemeClr val="accent1"/>
-          </a:effectRef>
-          <a:fontRef idx="minor">
-            <a:schemeClr val="lt1"/>
-          </a:fontRef>
-        </p:style>
-        <p:txBody>
-          <a:bodyPr rtlCol="0" anchor="ctr"/>
-          <a:lstStyle/>
-          <a:p>
-            <a:pPr algn="ctr"/>
-            <a:endParaRPr kumimoji="1" lang="ja-JP" altLang="en-US"/>
-          </a:p>
-        </p:txBody>
-      </p:sp>
+              <a:t>10</a:t>
+            </a:fld>
+            <a:endParaRPr kumimoji="1" lang="ja-JP" altLang="en-US" dirty="0"/>
+          </a:p>
+        </p:txBody>
+      </p:sp>
+      <p:graphicFrame>
+        <p:nvGraphicFramePr>
+          <p:cNvPr id="16" name="表 15"/>
+          <p:cNvGraphicFramePr>
+            <a:graphicFrameLocks noGrp="1"/>
+          </p:cNvGraphicFramePr>
+          <p:nvPr>
+            <p:extLst>
+              <p:ext uri="{D42A27DB-BD31-4B8C-83A1-F6EECF244321}">
+                <p14:modId xmlns:p14="http://schemas.microsoft.com/office/powerpoint/2010/main" val="3545266164"/>
+              </p:ext>
+            </p:extLst>
+          </p:nvPr>
+        </p:nvGraphicFramePr>
+        <p:xfrm>
+          <a:off x="1097280" y="2172908"/>
+          <a:ext cx="8678636" cy="2290970"/>
+        </p:xfrm>
+        <a:graphic>
+          <a:graphicData uri="http://schemas.openxmlformats.org/drawingml/2006/table">
+            <a:tbl>
+              <a:tblPr firstRow="1" bandRow="1">
+                <a:tableStyleId>{5C22544A-7EE6-4342-B048-85BDC9FD1C3A}</a:tableStyleId>
+              </a:tblPr>
+              <a:tblGrid>
+                <a:gridCol w="4339318">
+                  <a:extLst>
+                    <a:ext uri="{9D8B030D-6E8A-4147-A177-3AD203B41FA5}">
+                      <a16:colId xmlns:a16="http://schemas.microsoft.com/office/drawing/2014/main" val="46314280"/>
+                    </a:ext>
+                  </a:extLst>
+                </a:gridCol>
+                <a:gridCol w="4339318">
+                  <a:extLst>
+                    <a:ext uri="{9D8B030D-6E8A-4147-A177-3AD203B41FA5}">
+                      <a16:colId xmlns:a16="http://schemas.microsoft.com/office/drawing/2014/main" val="3618167885"/>
+                    </a:ext>
+                  </a:extLst>
+                </a:gridCol>
+              </a:tblGrid>
+              <a:tr h="458194">
+                <a:tc>
+                  <a:txBody>
+                    <a:bodyPr/>
+                    <a:lstStyle/>
+                    <a:p>
+                      <a:pPr algn="ctr"/>
+                      <a:r>
+                        <a:rPr kumimoji="1" lang="ja-JP" altLang="en-US" dirty="0" smtClean="0"/>
+                        <a:t>サーバの機能</a:t>
+                      </a:r>
+                      <a:endParaRPr kumimoji="1" lang="ja-JP" altLang="en-US" dirty="0"/>
+                    </a:p>
+                  </a:txBody>
+                  <a:tcPr/>
+                </a:tc>
+                <a:tc>
+                  <a:txBody>
+                    <a:bodyPr/>
+                    <a:lstStyle/>
+                    <a:p>
+                      <a:pPr algn="ctr"/>
+                      <a:r>
+                        <a:rPr kumimoji="1" lang="ja-JP" altLang="en-US" dirty="0" smtClean="0"/>
+                        <a:t>実装の段階</a:t>
+                      </a:r>
+                      <a:endParaRPr kumimoji="1" lang="ja-JP" altLang="en-US" dirty="0"/>
+                    </a:p>
+                  </a:txBody>
+                  <a:tcPr/>
+                </a:tc>
+                <a:extLst>
+                  <a:ext uri="{0D108BD9-81ED-4DB2-BD59-A6C34878D82A}">
+                    <a16:rowId xmlns:a16="http://schemas.microsoft.com/office/drawing/2014/main" val="686071204"/>
+                  </a:ext>
+                </a:extLst>
+              </a:tr>
+              <a:tr h="458194">
+                <a:tc>
+                  <a:txBody>
+                    <a:bodyPr/>
+                    <a:lstStyle/>
+                    <a:p>
+                      <a:pPr algn="ctr"/>
+                      <a:r>
+                        <a:rPr kumimoji="1" lang="ja-JP" altLang="en-US" dirty="0" smtClean="0"/>
+                        <a:t>画像の受信</a:t>
+                      </a:r>
+                      <a:endParaRPr kumimoji="1" lang="ja-JP" altLang="en-US" dirty="0"/>
+                    </a:p>
+                  </a:txBody>
+                  <a:tcPr/>
+                </a:tc>
+                <a:tc>
+                  <a:txBody>
+                    <a:bodyPr/>
+                    <a:lstStyle/>
+                    <a:p>
+                      <a:pPr algn="ctr"/>
+                      <a:r>
+                        <a:rPr kumimoji="1" lang="ja-JP" altLang="en-US" dirty="0" smtClean="0"/>
+                        <a:t>〇</a:t>
+                      </a:r>
+                      <a:endParaRPr kumimoji="1" lang="ja-JP" altLang="en-US" dirty="0"/>
+                    </a:p>
+                  </a:txBody>
+                  <a:tcPr/>
+                </a:tc>
+                <a:extLst>
+                  <a:ext uri="{0D108BD9-81ED-4DB2-BD59-A6C34878D82A}">
+                    <a16:rowId xmlns:a16="http://schemas.microsoft.com/office/drawing/2014/main" val="2488072284"/>
+                  </a:ext>
+                </a:extLst>
+              </a:tr>
+              <a:tr h="458194">
+                <a:tc>
+                  <a:txBody>
+                    <a:bodyPr/>
+                    <a:lstStyle/>
+                    <a:p>
+                      <a:pPr algn="ctr"/>
+                      <a:r>
+                        <a:rPr kumimoji="1" lang="en-US" altLang="ja-JP" dirty="0" smtClean="0"/>
+                        <a:t>Yolo</a:t>
+                      </a:r>
+                      <a:r>
+                        <a:rPr kumimoji="1" lang="ja-JP" altLang="en-US" dirty="0" smtClean="0"/>
+                        <a:t>でバーコード座標の取得</a:t>
+                      </a:r>
+                      <a:endParaRPr kumimoji="1" lang="ja-JP" altLang="en-US" dirty="0"/>
+                    </a:p>
+                  </a:txBody>
+                  <a:tcPr/>
+                </a:tc>
+                <a:tc>
+                  <a:txBody>
+                    <a:bodyPr/>
+                    <a:lstStyle/>
+                    <a:p>
+                      <a:pPr algn="ctr"/>
+                      <a:r>
+                        <a:rPr kumimoji="1" lang="ja-JP" altLang="en-US" dirty="0" smtClean="0"/>
+                        <a:t>〇</a:t>
+                      </a:r>
+                      <a:endParaRPr kumimoji="1" lang="ja-JP" altLang="en-US" dirty="0"/>
+                    </a:p>
+                  </a:txBody>
+                  <a:tcPr/>
+                </a:tc>
+                <a:extLst>
+                  <a:ext uri="{0D108BD9-81ED-4DB2-BD59-A6C34878D82A}">
+                    <a16:rowId xmlns:a16="http://schemas.microsoft.com/office/drawing/2014/main" val="2752578750"/>
+                  </a:ext>
+                </a:extLst>
+              </a:tr>
+              <a:tr h="458194">
+                <a:tc>
+                  <a:txBody>
+                    <a:bodyPr/>
+                    <a:lstStyle/>
+                    <a:p>
+                      <a:pPr algn="ctr"/>
+                      <a:r>
+                        <a:rPr kumimoji="1" lang="ja-JP" altLang="en-US" dirty="0" smtClean="0"/>
+                        <a:t>バーコードの切り取りとグレイスケール化</a:t>
+                      </a:r>
+                      <a:endParaRPr kumimoji="1" lang="ja-JP" altLang="en-US" dirty="0"/>
+                    </a:p>
+                  </a:txBody>
+                  <a:tcPr/>
+                </a:tc>
+                <a:tc>
+                  <a:txBody>
+                    <a:bodyPr/>
+                    <a:lstStyle/>
+                    <a:p>
+                      <a:pPr algn="ctr"/>
+                      <a:r>
+                        <a:rPr kumimoji="1" lang="ja-JP" altLang="en-US" dirty="0" smtClean="0"/>
+                        <a:t>〇</a:t>
+                      </a:r>
+                      <a:endParaRPr kumimoji="1" lang="ja-JP" altLang="en-US" dirty="0"/>
+                    </a:p>
+                  </a:txBody>
+                  <a:tcPr/>
+                </a:tc>
+                <a:extLst>
+                  <a:ext uri="{0D108BD9-81ED-4DB2-BD59-A6C34878D82A}">
+                    <a16:rowId xmlns:a16="http://schemas.microsoft.com/office/drawing/2014/main" val="3341210228"/>
+                  </a:ext>
+                </a:extLst>
+              </a:tr>
+              <a:tr h="458194">
+                <a:tc>
+                  <a:txBody>
+                    <a:bodyPr/>
+                    <a:lstStyle/>
+                    <a:p>
+                      <a:pPr algn="ctr"/>
+                      <a:r>
+                        <a:rPr kumimoji="1" lang="en-US" altLang="ja-JP" dirty="0" err="1" smtClean="0"/>
+                        <a:t>Pyzbar</a:t>
+                      </a:r>
+                      <a:r>
+                        <a:rPr kumimoji="1" lang="ja-JP" altLang="en-US" dirty="0" smtClean="0"/>
+                        <a:t>に画像を投げて番号取得</a:t>
+                      </a:r>
+                      <a:endParaRPr kumimoji="1" lang="ja-JP" altLang="en-US" dirty="0"/>
+                    </a:p>
+                  </a:txBody>
+                  <a:tcPr/>
+                </a:tc>
+                <a:tc>
+                  <a:txBody>
+                    <a:bodyPr/>
+                    <a:lstStyle/>
+                    <a:p>
+                      <a:pPr algn="ctr"/>
+                      <a:r>
+                        <a:rPr kumimoji="1" lang="ja-JP" altLang="en-US" dirty="0" smtClean="0"/>
+                        <a:t>△（精度が悪い）</a:t>
+                      </a:r>
+                      <a:endParaRPr kumimoji="1" lang="ja-JP" altLang="en-US" dirty="0"/>
+                    </a:p>
+                  </a:txBody>
+                  <a:tcPr/>
+                </a:tc>
+                <a:extLst>
+                  <a:ext uri="{0D108BD9-81ED-4DB2-BD59-A6C34878D82A}">
+                    <a16:rowId xmlns:a16="http://schemas.microsoft.com/office/drawing/2014/main" val="1886516376"/>
+                  </a:ext>
+                </a:extLst>
+              </a:tr>
+            </a:tbl>
+          </a:graphicData>
+        </a:graphic>
+      </p:graphicFrame>
     </p:spTree>
     <p:extLst>
       <p:ext uri="{BB962C8B-B14F-4D97-AF65-F5344CB8AC3E}">
-        <p14:creationId xmlns:p14="http://schemas.microsoft.com/office/powerpoint/2010/main" val="495713416"/>
+        <p14:creationId xmlns:p14="http://schemas.microsoft.com/office/powerpoint/2010/main" val="3323897878"/>
       </p:ext>
     </p:extLst>
   </p:cSld>
@@ -8993,28 +5836,22 @@
       </p:grpSpPr>
       <p:pic>
         <p:nvPicPr>
-          <p:cNvPr id="3" name="図 2"/>
+          <p:cNvPr id="6" name="図 5"/>
           <p:cNvPicPr>
             <a:picLocks noChangeAspect="1"/>
           </p:cNvPicPr>
           <p:nvPr/>
         </p:nvPicPr>
         <p:blipFill>
-          <a:blip r:embed="rId2">
-            <a:extLst>
-              <a:ext uri="{28A0092B-C50C-407E-A947-70E740481C1C}">
-                <a14:useLocalDpi xmlns:a14="http://schemas.microsoft.com/office/drawing/2010/main" val="0"/>
-              </a:ext>
-            </a:extLst>
-          </a:blip>
+          <a:blip r:embed="rId2"/>
           <a:stretch>
             <a:fillRect/>
           </a:stretch>
         </p:blipFill>
         <p:spPr>
           <a:xfrm>
-            <a:off x="1506644" y="0"/>
-            <a:ext cx="9178711" cy="6858000"/>
+            <a:off x="63733" y="2032909"/>
+            <a:ext cx="12041897" cy="2725018"/>
           </a:xfrm>
           <a:prstGeom prst="rect">
             <a:avLst/>
@@ -9023,198 +5860,61 @@
       </p:pic>
       <p:sp>
         <p:nvSpPr>
-          <p:cNvPr id="5" name="正方形/長方形 4"/>
-          <p:cNvSpPr/>
+          <p:cNvPr id="2" name="スライド番号プレースホルダー 1"/>
+          <p:cNvSpPr>
+            <a:spLocks noGrp="1"/>
+          </p:cNvSpPr>
+          <p:nvPr>
+            <p:ph type="sldNum" sz="quarter" idx="12"/>
+          </p:nvPr>
+        </p:nvSpPr>
+        <p:spPr/>
+        <p:txBody>
+          <a:bodyPr/>
+          <a:lstStyle/>
+          <a:p>
+            <a:fld id="{3C3988C9-8C6C-49D7-8D82-24DA391FB063}" type="slidenum">
+              <a:rPr kumimoji="1" lang="ja-JP" altLang="en-US" smtClean="0"/>
+              <a:t>11</a:t>
+            </a:fld>
+            <a:endParaRPr kumimoji="1" lang="ja-JP" altLang="en-US"/>
+          </a:p>
+        </p:txBody>
+      </p:sp>
+      <p:sp>
+        <p:nvSpPr>
+          <p:cNvPr id="4" name="テキスト ボックス 3"/>
+          <p:cNvSpPr txBox="1"/>
           <p:nvPr/>
         </p:nvSpPr>
         <p:spPr>
           <a:xfrm>
-            <a:off x="1420585" y="1371600"/>
-            <a:ext cx="4474029" cy="2563586"/>
+            <a:off x="212271" y="979715"/>
+            <a:ext cx="5445578" cy="461665"/>
           </a:xfrm>
           <a:prstGeom prst="rect">
             <a:avLst/>
           </a:prstGeom>
           <a:noFill/>
-          <a:ln w="28575">
-            <a:solidFill>
-              <a:srgbClr val="C00000"/>
-            </a:solidFill>
-          </a:ln>
-        </p:spPr>
-        <p:style>
-          <a:lnRef idx="2">
-            <a:schemeClr val="accent1">
-              <a:shade val="50000"/>
-            </a:schemeClr>
-          </a:lnRef>
-          <a:fillRef idx="1">
-            <a:schemeClr val="accent1"/>
-          </a:fillRef>
-          <a:effectRef idx="0">
-            <a:schemeClr val="accent1"/>
-          </a:effectRef>
-          <a:fontRef idx="minor">
-            <a:schemeClr val="lt1"/>
-          </a:fontRef>
-        </p:style>
-        <p:txBody>
-          <a:bodyPr rtlCol="0" anchor="ctr"/>
-          <a:lstStyle/>
-          <a:p>
-            <a:pPr algn="ctr"/>
-            <a:endParaRPr kumimoji="1" lang="ja-JP" altLang="en-US"/>
-          </a:p>
-        </p:txBody>
-      </p:sp>
-      <p:sp>
-        <p:nvSpPr>
-          <p:cNvPr id="7" name="角丸四角形 6"/>
-          <p:cNvSpPr/>
-          <p:nvPr/>
-        </p:nvSpPr>
-        <p:spPr>
-          <a:xfrm>
-            <a:off x="1506644" y="1298123"/>
-            <a:ext cx="3163327" cy="1812470"/>
-          </a:xfrm>
-          <a:prstGeom prst="roundRect">
-            <a:avLst/>
-          </a:prstGeom>
-          <a:noFill/>
-          <a:ln w="28575"/>
-        </p:spPr>
-        <p:style>
-          <a:lnRef idx="2">
-            <a:schemeClr val="accent1">
-              <a:shade val="50000"/>
-            </a:schemeClr>
-          </a:lnRef>
-          <a:fillRef idx="1">
-            <a:schemeClr val="accent1"/>
-          </a:fillRef>
-          <a:effectRef idx="0">
-            <a:schemeClr val="accent1"/>
-          </a:effectRef>
-          <a:fontRef idx="minor">
-            <a:schemeClr val="lt1"/>
-          </a:fontRef>
-        </p:style>
-        <p:txBody>
-          <a:bodyPr rtlCol="0" anchor="ctr"/>
-          <a:lstStyle/>
-          <a:p>
-            <a:pPr algn="ctr"/>
-            <a:endParaRPr kumimoji="1" lang="ja-JP" altLang="en-US"/>
-          </a:p>
-        </p:txBody>
-      </p:sp>
-      <p:sp>
-        <p:nvSpPr>
-          <p:cNvPr id="8" name="テキスト ボックス 7"/>
-          <p:cNvSpPr txBox="1"/>
-          <p:nvPr/>
-        </p:nvSpPr>
-        <p:spPr>
-          <a:xfrm>
-            <a:off x="4073929" y="1388007"/>
-            <a:ext cx="461665" cy="2040993"/>
-          </a:xfrm>
-          <a:prstGeom prst="rect">
-            <a:avLst/>
-          </a:prstGeom>
-          <a:noFill/>
-        </p:spPr>
-        <p:txBody>
-          <a:bodyPr vert="eaVert" wrap="square" rtlCol="0">
+        </p:spPr>
+        <p:txBody>
+          <a:bodyPr wrap="square" rtlCol="0">
             <a:spAutoFit/>
           </a:bodyPr>
           <a:lstStyle/>
           <a:p>
             <a:r>
-              <a:rPr kumimoji="1" lang="ja-JP" altLang="en-US" smtClean="0"/>
-              <a:t>真鍋</a:t>
-            </a:r>
-            <a:endParaRPr kumimoji="1" lang="ja-JP" altLang="en-US"/>
-          </a:p>
-        </p:txBody>
-      </p:sp>
-      <p:sp>
-        <p:nvSpPr>
-          <p:cNvPr id="9" name="角丸四角形 8"/>
-          <p:cNvSpPr/>
-          <p:nvPr/>
-        </p:nvSpPr>
-        <p:spPr>
-          <a:xfrm>
-            <a:off x="4275538" y="3020786"/>
-            <a:ext cx="2147886" cy="987878"/>
-          </a:xfrm>
-          <a:prstGeom prst="roundRect">
-            <a:avLst/>
-          </a:prstGeom>
-          <a:noFill/>
-          <a:ln w="28575"/>
-        </p:spPr>
-        <p:style>
-          <a:lnRef idx="2">
-            <a:schemeClr val="accent1">
-              <a:shade val="50000"/>
-            </a:schemeClr>
-          </a:lnRef>
-          <a:fillRef idx="1">
-            <a:schemeClr val="accent1"/>
-          </a:fillRef>
-          <a:effectRef idx="0">
-            <a:schemeClr val="accent1"/>
-          </a:effectRef>
-          <a:fontRef idx="minor">
-            <a:schemeClr val="lt1"/>
-          </a:fontRef>
-        </p:style>
-        <p:txBody>
-          <a:bodyPr rtlCol="0" anchor="ctr"/>
-          <a:lstStyle/>
-          <a:p>
-            <a:pPr algn="ctr"/>
-            <a:endParaRPr kumimoji="1" lang="ja-JP" altLang="en-US"/>
-          </a:p>
-        </p:txBody>
-      </p:sp>
-      <p:sp>
-        <p:nvSpPr>
-          <p:cNvPr id="10" name="テキスト ボックス 9"/>
-          <p:cNvSpPr txBox="1"/>
-          <p:nvPr/>
-        </p:nvSpPr>
-        <p:spPr>
-          <a:xfrm>
-            <a:off x="5961759" y="3083402"/>
-            <a:ext cx="461665" cy="948314"/>
-          </a:xfrm>
-          <a:prstGeom prst="rect">
-            <a:avLst/>
-          </a:prstGeom>
-          <a:noFill/>
-        </p:spPr>
-        <p:txBody>
-          <a:bodyPr vert="eaVert" wrap="square" rtlCol="0">
-            <a:spAutoFit/>
-          </a:bodyPr>
-          <a:lstStyle/>
-          <a:p>
-            <a:r>
-              <a:rPr kumimoji="1" lang="ja-JP" altLang="en-US" smtClean="0"/>
-              <a:t>段原</a:t>
-            </a:r>
-            <a:endParaRPr kumimoji="1" lang="ja-JP" altLang="en-US"/>
+              <a:rPr lang="ja-JP" altLang="en-US" sz="2400" dirty="0" smtClean="0"/>
+              <a:t>ガントチャート用いてスケジュール管理</a:t>
+            </a:r>
+            <a:endParaRPr kumimoji="1" lang="ja-JP" altLang="en-US" sz="2400" dirty="0"/>
           </a:p>
         </p:txBody>
       </p:sp>
     </p:spTree>
     <p:extLst>
       <p:ext uri="{BB962C8B-B14F-4D97-AF65-F5344CB8AC3E}">
-        <p14:creationId xmlns:p14="http://schemas.microsoft.com/office/powerpoint/2010/main" val="1420028005"/>
+        <p14:creationId xmlns:p14="http://schemas.microsoft.com/office/powerpoint/2010/main" val="2251481468"/>
       </p:ext>
     </p:extLst>
   </p:cSld>
@@ -9228,719 +5928,6 @@
       </p:par>
     </p:tnLst>
   </p:timing>
-</p:sld>
-</file>
-
-<file path=ppt/slides/slide12.xml><?xml version="1.0" encoding="utf-8"?>
-<p:sld xmlns:a="http://schemas.openxmlformats.org/drawingml/2006/main" xmlns:r="http://schemas.openxmlformats.org/officeDocument/2006/relationships" xmlns:p="http://schemas.openxmlformats.org/presentationml/2006/main">
-  <p:cSld>
-    <p:spTree>
-      <p:nvGrpSpPr>
-        <p:cNvPr id="1" name=""/>
-        <p:cNvGrpSpPr/>
-        <p:nvPr/>
-      </p:nvGrpSpPr>
-      <p:grpSpPr>
-        <a:xfrm>
-          <a:off x="0" y="0"/>
-          <a:ext cx="0" cy="0"/>
-          <a:chOff x="0" y="0"/>
-          <a:chExt cx="0" cy="0"/>
-        </a:xfrm>
-      </p:grpSpPr>
-      <p:sp>
-        <p:nvSpPr>
-          <p:cNvPr id="3" name="タイトル 2"/>
-          <p:cNvSpPr>
-            <a:spLocks noGrp="1"/>
-          </p:cNvSpPr>
-          <p:nvPr>
-            <p:ph type="title"/>
-          </p:nvPr>
-        </p:nvSpPr>
-        <p:spPr/>
-        <p:txBody>
-          <a:bodyPr/>
-          <a:lstStyle/>
-          <a:p>
-            <a:r>
-              <a:rPr kumimoji="1" lang="ja-JP" altLang="en-US" dirty="0" smtClean="0"/>
-              <a:t>解析システムの実装方法</a:t>
-            </a:r>
-            <a:endParaRPr kumimoji="1" lang="ja-JP" altLang="en-US" dirty="0"/>
-          </a:p>
-        </p:txBody>
-      </p:sp>
-      <p:sp>
-        <p:nvSpPr>
-          <p:cNvPr id="4" name="コンテンツ プレースホルダー 3"/>
-          <p:cNvSpPr>
-            <a:spLocks noGrp="1"/>
-          </p:cNvSpPr>
-          <p:nvPr>
-            <p:ph idx="1"/>
-          </p:nvPr>
-        </p:nvSpPr>
-        <p:spPr>
-          <a:xfrm>
-            <a:off x="791936" y="1845734"/>
-            <a:ext cx="10363744" cy="4023360"/>
-          </a:xfrm>
-        </p:spPr>
-        <p:txBody>
-          <a:bodyPr/>
-          <a:lstStyle/>
-          <a:p>
-            <a:r>
-              <a:rPr kumimoji="1" lang="ja-JP" altLang="en-US" dirty="0" smtClean="0"/>
-              <a:t>・バーコードが写っているとされる画像を受信</a:t>
-            </a:r>
-            <a:endParaRPr kumimoji="1" lang="en-US" altLang="ja-JP" dirty="0" smtClean="0"/>
-          </a:p>
-          <a:p>
-            <a:r>
-              <a:rPr lang="ja-JP" altLang="en-US" dirty="0" smtClean="0"/>
-              <a:t>・</a:t>
-            </a:r>
-            <a:r>
-              <a:rPr lang="en-US" altLang="ja-JP" dirty="0" smtClean="0"/>
-              <a:t>Yolo</a:t>
-            </a:r>
-            <a:r>
-              <a:rPr lang="ja-JP" altLang="en-US" dirty="0"/>
-              <a:t>で</a:t>
-            </a:r>
-            <a:r>
-              <a:rPr lang="ja-JP" altLang="en-US" dirty="0" smtClean="0"/>
-              <a:t>オブジェクト検出を行いバーコードのある座標を取得</a:t>
-            </a:r>
-            <a:endParaRPr lang="en-US" altLang="ja-JP" dirty="0" smtClean="0"/>
-          </a:p>
-          <a:p>
-            <a:r>
-              <a:rPr kumimoji="1" lang="ja-JP" altLang="en-US" dirty="0" smtClean="0"/>
-              <a:t>・バーコードのみを切り取り、バーコード読み取りライブラリ</a:t>
-            </a:r>
-            <a:r>
-              <a:rPr kumimoji="1" lang="en-US" altLang="ja-JP" dirty="0" err="1" smtClean="0"/>
-              <a:t>pyzbar</a:t>
-            </a:r>
-            <a:r>
-              <a:rPr kumimoji="1" lang="ja-JP" altLang="en-US" dirty="0" smtClean="0"/>
-              <a:t>に画像を投げる</a:t>
-            </a:r>
-            <a:endParaRPr kumimoji="1" lang="en-US" altLang="ja-JP" dirty="0" smtClean="0"/>
-          </a:p>
-        </p:txBody>
-      </p:sp>
-    </p:spTree>
-    <p:extLst>
-      <p:ext uri="{BB962C8B-B14F-4D97-AF65-F5344CB8AC3E}">
-        <p14:creationId xmlns:p14="http://schemas.microsoft.com/office/powerpoint/2010/main" val="3968840139"/>
-      </p:ext>
-    </p:extLst>
-  </p:cSld>
-  <p:clrMapOvr>
-    <a:masterClrMapping/>
-  </p:clrMapOvr>
-  <p:timing>
-    <p:tnLst>
-      <p:par>
-        <p:cTn id="1" dur="indefinite" restart="never" nodeType="tmRoot"/>
-      </p:par>
-    </p:tnLst>
-  </p:timing>
-</p:sld>
-</file>
-
-<file path=ppt/slides/slide13.xml><?xml version="1.0" encoding="utf-8"?>
-<p:sld xmlns:a="http://schemas.openxmlformats.org/drawingml/2006/main" xmlns:r="http://schemas.openxmlformats.org/officeDocument/2006/relationships" xmlns:p="http://schemas.openxmlformats.org/presentationml/2006/main">
-  <p:cSld>
-    <p:spTree>
-      <p:nvGrpSpPr>
-        <p:cNvPr id="1" name=""/>
-        <p:cNvGrpSpPr/>
-        <p:nvPr/>
-      </p:nvGrpSpPr>
-      <p:grpSpPr>
-        <a:xfrm>
-          <a:off x="0" y="0"/>
-          <a:ext cx="0" cy="0"/>
-          <a:chOff x="0" y="0"/>
-          <a:chExt cx="0" cy="0"/>
-        </a:xfrm>
-      </p:grpSpPr>
-      <p:sp>
-        <p:nvSpPr>
-          <p:cNvPr id="2" name="タイトル 1"/>
-          <p:cNvSpPr>
-            <a:spLocks noGrp="1"/>
-          </p:cNvSpPr>
-          <p:nvPr>
-            <p:ph type="title"/>
-          </p:nvPr>
-        </p:nvSpPr>
-        <p:spPr/>
-        <p:txBody>
-          <a:bodyPr/>
-          <a:lstStyle/>
-          <a:p>
-            <a:r>
-              <a:rPr lang="ja-JP" altLang="en-US" dirty="0"/>
-              <a:t>現在</a:t>
-            </a:r>
-            <a:r>
-              <a:rPr lang="ja-JP" altLang="en-US" dirty="0" smtClean="0"/>
-              <a:t>の段階・状況</a:t>
-            </a:r>
-            <a:endParaRPr kumimoji="1" lang="ja-JP" altLang="en-US" dirty="0"/>
-          </a:p>
-        </p:txBody>
-      </p:sp>
-      <p:pic>
-        <p:nvPicPr>
-          <p:cNvPr id="4" name="コンテンツ プレースホルダー 3"/>
-          <p:cNvPicPr>
-            <a:picLocks noGrp="1" noChangeAspect="1"/>
-          </p:cNvPicPr>
-          <p:nvPr>
-            <p:ph idx="1"/>
-          </p:nvPr>
-        </p:nvPicPr>
-        <p:blipFill>
-          <a:blip r:embed="rId2">
-            <a:extLst>
-              <a:ext uri="{28A0092B-C50C-407E-A947-70E740481C1C}">
-                <a14:useLocalDpi xmlns:a14="http://schemas.microsoft.com/office/drawing/2010/main" val="0"/>
-              </a:ext>
-            </a:extLst>
-          </a:blip>
-          <a:stretch>
-            <a:fillRect/>
-          </a:stretch>
-        </p:blipFill>
-        <p:spPr>
-          <a:xfrm>
-            <a:off x="586521" y="2318993"/>
-            <a:ext cx="11079918" cy="3157979"/>
-          </a:xfrm>
-        </p:spPr>
-      </p:pic>
-      <p:sp>
-        <p:nvSpPr>
-          <p:cNvPr id="5" name="正方形/長方形 4"/>
-          <p:cNvSpPr/>
-          <p:nvPr/>
-        </p:nvSpPr>
-        <p:spPr>
-          <a:xfrm>
-            <a:off x="653898" y="2748271"/>
-            <a:ext cx="866894" cy="197060"/>
-          </a:xfrm>
-          <a:prstGeom prst="rect">
-            <a:avLst/>
-          </a:prstGeom>
-          <a:solidFill>
-            <a:srgbClr val="C00000">
-              <a:alpha val="25000"/>
-            </a:srgbClr>
-          </a:solidFill>
-          <a:ln>
-            <a:noFill/>
-          </a:ln>
-        </p:spPr>
-        <p:style>
-          <a:lnRef idx="2">
-            <a:schemeClr val="accent1">
-              <a:shade val="50000"/>
-            </a:schemeClr>
-          </a:lnRef>
-          <a:fillRef idx="1">
-            <a:schemeClr val="accent1"/>
-          </a:fillRef>
-          <a:effectRef idx="0">
-            <a:schemeClr val="accent1"/>
-          </a:effectRef>
-          <a:fontRef idx="minor">
-            <a:schemeClr val="lt1"/>
-          </a:fontRef>
-        </p:style>
-        <p:txBody>
-          <a:bodyPr rtlCol="0" anchor="ctr"/>
-          <a:lstStyle/>
-          <a:p>
-            <a:pPr algn="ctr"/>
-            <a:endParaRPr kumimoji="1" lang="ja-JP" altLang="en-US"/>
-          </a:p>
-        </p:txBody>
-      </p:sp>
-      <p:sp>
-        <p:nvSpPr>
-          <p:cNvPr id="6" name="正方形/長方形 5"/>
-          <p:cNvSpPr/>
-          <p:nvPr/>
-        </p:nvSpPr>
-        <p:spPr>
-          <a:xfrm>
-            <a:off x="653898" y="3139048"/>
-            <a:ext cx="1328906" cy="387916"/>
-          </a:xfrm>
-          <a:prstGeom prst="rect">
-            <a:avLst/>
-          </a:prstGeom>
-          <a:solidFill>
-            <a:srgbClr val="FFFF00">
-              <a:alpha val="25000"/>
-            </a:srgbClr>
-          </a:solidFill>
-          <a:ln>
-            <a:noFill/>
-          </a:ln>
-        </p:spPr>
-        <p:style>
-          <a:lnRef idx="2">
-            <a:schemeClr val="accent1">
-              <a:shade val="50000"/>
-            </a:schemeClr>
-          </a:lnRef>
-          <a:fillRef idx="1">
-            <a:schemeClr val="accent1"/>
-          </a:fillRef>
-          <a:effectRef idx="0">
-            <a:schemeClr val="accent1"/>
-          </a:effectRef>
-          <a:fontRef idx="minor">
-            <a:schemeClr val="lt1"/>
-          </a:fontRef>
-        </p:style>
-        <p:txBody>
-          <a:bodyPr rtlCol="0" anchor="ctr"/>
-          <a:lstStyle/>
-          <a:p>
-            <a:pPr algn="ctr"/>
-            <a:endParaRPr kumimoji="1" lang="ja-JP" altLang="en-US"/>
-          </a:p>
-        </p:txBody>
-      </p:sp>
-      <p:sp>
-        <p:nvSpPr>
-          <p:cNvPr id="7" name="正方形/長方形 6"/>
-          <p:cNvSpPr/>
-          <p:nvPr/>
-        </p:nvSpPr>
-        <p:spPr>
-          <a:xfrm>
-            <a:off x="676694" y="3859732"/>
-            <a:ext cx="1941378" cy="576818"/>
-          </a:xfrm>
-          <a:prstGeom prst="rect">
-            <a:avLst/>
-          </a:prstGeom>
-          <a:solidFill>
-            <a:srgbClr val="FFFF00">
-              <a:alpha val="25000"/>
-            </a:srgbClr>
-          </a:solidFill>
-          <a:ln>
-            <a:noFill/>
-          </a:ln>
-        </p:spPr>
-        <p:style>
-          <a:lnRef idx="2">
-            <a:schemeClr val="accent1">
-              <a:shade val="50000"/>
-            </a:schemeClr>
-          </a:lnRef>
-          <a:fillRef idx="1">
-            <a:schemeClr val="accent1"/>
-          </a:fillRef>
-          <a:effectRef idx="0">
-            <a:schemeClr val="accent1"/>
-          </a:effectRef>
-          <a:fontRef idx="minor">
-            <a:schemeClr val="lt1"/>
-          </a:fontRef>
-        </p:style>
-        <p:txBody>
-          <a:bodyPr rtlCol="0" anchor="ctr"/>
-          <a:lstStyle/>
-          <a:p>
-            <a:pPr algn="ctr"/>
-            <a:endParaRPr kumimoji="1" lang="ja-JP" altLang="en-US"/>
-          </a:p>
-        </p:txBody>
-      </p:sp>
-      <p:sp>
-        <p:nvSpPr>
-          <p:cNvPr id="8" name="正方形/長方形 7"/>
-          <p:cNvSpPr/>
-          <p:nvPr/>
-        </p:nvSpPr>
-        <p:spPr>
-          <a:xfrm>
-            <a:off x="663833" y="4636660"/>
-            <a:ext cx="1809860" cy="362967"/>
-          </a:xfrm>
-          <a:prstGeom prst="rect">
-            <a:avLst/>
-          </a:prstGeom>
-          <a:solidFill>
-            <a:srgbClr val="C00000">
-              <a:alpha val="25000"/>
-            </a:srgbClr>
-          </a:solidFill>
-          <a:ln>
-            <a:noFill/>
-          </a:ln>
-        </p:spPr>
-        <p:style>
-          <a:lnRef idx="2">
-            <a:schemeClr val="accent1">
-              <a:shade val="50000"/>
-            </a:schemeClr>
-          </a:lnRef>
-          <a:fillRef idx="1">
-            <a:schemeClr val="accent1"/>
-          </a:fillRef>
-          <a:effectRef idx="0">
-            <a:schemeClr val="accent1"/>
-          </a:effectRef>
-          <a:fontRef idx="minor">
-            <a:schemeClr val="lt1"/>
-          </a:fontRef>
-        </p:style>
-        <p:txBody>
-          <a:bodyPr rtlCol="0" anchor="ctr"/>
-          <a:lstStyle/>
-          <a:p>
-            <a:pPr algn="ctr"/>
-            <a:endParaRPr kumimoji="1" lang="ja-JP" altLang="en-US"/>
-          </a:p>
-        </p:txBody>
-      </p:sp>
-      <p:sp>
-        <p:nvSpPr>
-          <p:cNvPr id="9" name="正方形/長方形 8"/>
-          <p:cNvSpPr/>
-          <p:nvPr/>
-        </p:nvSpPr>
-        <p:spPr>
-          <a:xfrm>
-            <a:off x="3626500" y="2891507"/>
-            <a:ext cx="1186132" cy="178952"/>
-          </a:xfrm>
-          <a:prstGeom prst="rect">
-            <a:avLst/>
-          </a:prstGeom>
-          <a:solidFill>
-            <a:srgbClr val="FF0000">
-              <a:alpha val="25000"/>
-            </a:srgbClr>
-          </a:solidFill>
-          <a:ln>
-            <a:noFill/>
-          </a:ln>
-        </p:spPr>
-        <p:style>
-          <a:lnRef idx="2">
-            <a:schemeClr val="accent1">
-              <a:shade val="50000"/>
-            </a:schemeClr>
-          </a:lnRef>
-          <a:fillRef idx="1">
-            <a:schemeClr val="accent1"/>
-          </a:fillRef>
-          <a:effectRef idx="0">
-            <a:schemeClr val="accent1"/>
-          </a:effectRef>
-          <a:fontRef idx="minor">
-            <a:schemeClr val="lt1"/>
-          </a:fontRef>
-        </p:style>
-        <p:txBody>
-          <a:bodyPr rtlCol="0" anchor="ctr"/>
-          <a:lstStyle/>
-          <a:p>
-            <a:pPr algn="ctr"/>
-            <a:endParaRPr kumimoji="1" lang="ja-JP" altLang="en-US"/>
-          </a:p>
-        </p:txBody>
-      </p:sp>
-      <p:sp>
-        <p:nvSpPr>
-          <p:cNvPr id="10" name="正方形/長方形 9"/>
-          <p:cNvSpPr/>
-          <p:nvPr/>
-        </p:nvSpPr>
-        <p:spPr>
-          <a:xfrm>
-            <a:off x="3626500" y="3700921"/>
-            <a:ext cx="1754022" cy="601571"/>
-          </a:xfrm>
-          <a:prstGeom prst="rect">
-            <a:avLst/>
-          </a:prstGeom>
-          <a:solidFill>
-            <a:srgbClr val="C00000">
-              <a:alpha val="25000"/>
-            </a:srgbClr>
-          </a:solidFill>
-          <a:ln>
-            <a:noFill/>
-          </a:ln>
-        </p:spPr>
-        <p:style>
-          <a:lnRef idx="2">
-            <a:schemeClr val="accent1">
-              <a:shade val="50000"/>
-            </a:schemeClr>
-          </a:lnRef>
-          <a:fillRef idx="1">
-            <a:schemeClr val="accent1"/>
-          </a:fillRef>
-          <a:effectRef idx="0">
-            <a:schemeClr val="accent1"/>
-          </a:effectRef>
-          <a:fontRef idx="minor">
-            <a:schemeClr val="lt1"/>
-          </a:fontRef>
-        </p:style>
-        <p:txBody>
-          <a:bodyPr rtlCol="0" anchor="ctr"/>
-          <a:lstStyle/>
-          <a:p>
-            <a:pPr algn="ctr"/>
-            <a:endParaRPr kumimoji="1" lang="ja-JP" altLang="en-US"/>
-          </a:p>
-        </p:txBody>
-      </p:sp>
-      <p:sp>
-        <p:nvSpPr>
-          <p:cNvPr id="11" name="正方形/長方形 10"/>
-          <p:cNvSpPr/>
-          <p:nvPr/>
-        </p:nvSpPr>
-        <p:spPr>
-          <a:xfrm>
-            <a:off x="6419757" y="5784356"/>
-            <a:ext cx="866894" cy="197060"/>
-          </a:xfrm>
-          <a:prstGeom prst="rect">
-            <a:avLst/>
-          </a:prstGeom>
-          <a:solidFill>
-            <a:srgbClr val="C00000">
-              <a:alpha val="25000"/>
-            </a:srgbClr>
-          </a:solidFill>
-          <a:ln>
-            <a:noFill/>
-          </a:ln>
-        </p:spPr>
-        <p:style>
-          <a:lnRef idx="2">
-            <a:schemeClr val="accent1">
-              <a:shade val="50000"/>
-            </a:schemeClr>
-          </a:lnRef>
-          <a:fillRef idx="1">
-            <a:schemeClr val="accent1"/>
-          </a:fillRef>
-          <a:effectRef idx="0">
-            <a:schemeClr val="accent1"/>
-          </a:effectRef>
-          <a:fontRef idx="minor">
-            <a:schemeClr val="lt1"/>
-          </a:fontRef>
-        </p:style>
-        <p:txBody>
-          <a:bodyPr rtlCol="0" anchor="ctr"/>
-          <a:lstStyle/>
-          <a:p>
-            <a:pPr algn="ctr"/>
-            <a:endParaRPr kumimoji="1" lang="ja-JP" altLang="en-US"/>
-          </a:p>
-        </p:txBody>
-      </p:sp>
-      <p:sp>
-        <p:nvSpPr>
-          <p:cNvPr id="12" name="テキスト ボックス 11"/>
-          <p:cNvSpPr txBox="1"/>
-          <p:nvPr/>
-        </p:nvSpPr>
-        <p:spPr>
-          <a:xfrm>
-            <a:off x="7382593" y="5678905"/>
-            <a:ext cx="3965609" cy="369332"/>
-          </a:xfrm>
-          <a:prstGeom prst="rect">
-            <a:avLst/>
-          </a:prstGeom>
-          <a:noFill/>
-        </p:spPr>
-        <p:txBody>
-          <a:bodyPr wrap="square" rtlCol="0">
-            <a:spAutoFit/>
-          </a:bodyPr>
-          <a:lstStyle/>
-          <a:p>
-            <a:r>
-              <a:rPr lang="ja-JP" altLang="en-US" smtClean="0"/>
-              <a:t>・・・結合テストまで動作確認済み</a:t>
-            </a:r>
-            <a:endParaRPr kumimoji="1" lang="ja-JP" altLang="en-US"/>
-          </a:p>
-        </p:txBody>
-      </p:sp>
-      <p:sp>
-        <p:nvSpPr>
-          <p:cNvPr id="13" name="正方形/長方形 12"/>
-          <p:cNvSpPr/>
-          <p:nvPr/>
-        </p:nvSpPr>
-        <p:spPr>
-          <a:xfrm>
-            <a:off x="586521" y="5737357"/>
-            <a:ext cx="953211" cy="214547"/>
-          </a:xfrm>
-          <a:prstGeom prst="rect">
-            <a:avLst/>
-          </a:prstGeom>
-          <a:solidFill>
-            <a:srgbClr val="FFFF00">
-              <a:alpha val="25000"/>
-            </a:srgbClr>
-          </a:solidFill>
-          <a:ln>
-            <a:noFill/>
-          </a:ln>
-        </p:spPr>
-        <p:style>
-          <a:lnRef idx="2">
-            <a:schemeClr val="accent1">
-              <a:shade val="50000"/>
-            </a:schemeClr>
-          </a:lnRef>
-          <a:fillRef idx="1">
-            <a:schemeClr val="accent1"/>
-          </a:fillRef>
-          <a:effectRef idx="0">
-            <a:schemeClr val="accent1"/>
-          </a:effectRef>
-          <a:fontRef idx="minor">
-            <a:schemeClr val="lt1"/>
-          </a:fontRef>
-        </p:style>
-        <p:txBody>
-          <a:bodyPr rtlCol="0" anchor="ctr"/>
-          <a:lstStyle/>
-          <a:p>
-            <a:pPr algn="ctr"/>
-            <a:endParaRPr kumimoji="1" lang="ja-JP" altLang="en-US"/>
-          </a:p>
-        </p:txBody>
-      </p:sp>
-      <p:sp>
-        <p:nvSpPr>
-          <p:cNvPr id="14" name="テキスト ボックス 13"/>
-          <p:cNvSpPr txBox="1"/>
-          <p:nvPr/>
-        </p:nvSpPr>
-        <p:spPr>
-          <a:xfrm>
-            <a:off x="1629905" y="5694880"/>
-            <a:ext cx="3965609" cy="369332"/>
-          </a:xfrm>
-          <a:prstGeom prst="rect">
-            <a:avLst/>
-          </a:prstGeom>
-          <a:noFill/>
-        </p:spPr>
-        <p:txBody>
-          <a:bodyPr wrap="square" rtlCol="0">
-            <a:spAutoFit/>
-          </a:bodyPr>
-          <a:lstStyle/>
-          <a:p>
-            <a:r>
-              <a:rPr lang="ja-JP" altLang="en-US" smtClean="0"/>
-              <a:t>・・・単体テストまで動作確認済み</a:t>
-            </a:r>
-            <a:endParaRPr kumimoji="1" lang="ja-JP" altLang="en-US"/>
-          </a:p>
-        </p:txBody>
-      </p:sp>
-    </p:spTree>
-    <p:extLst>
-      <p:ext uri="{BB962C8B-B14F-4D97-AF65-F5344CB8AC3E}">
-        <p14:creationId xmlns:p14="http://schemas.microsoft.com/office/powerpoint/2010/main" val="3323897878"/>
-      </p:ext>
-    </p:extLst>
-  </p:cSld>
-  <p:clrMapOvr>
-    <a:masterClrMapping/>
-  </p:clrMapOvr>
-  <p:timing>
-    <p:tnLst>
-      <p:par>
-        <p:cTn id="1" dur="indefinite" restart="never" nodeType="tmRoot"/>
-      </p:par>
-    </p:tnLst>
-  </p:timing>
-</p:sld>
-</file>
-
-<file path=ppt/slides/slide14.xml><?xml version="1.0" encoding="utf-8"?>
-<p:sld xmlns:a="http://schemas.openxmlformats.org/drawingml/2006/main" xmlns:r="http://schemas.openxmlformats.org/officeDocument/2006/relationships" xmlns:p="http://schemas.openxmlformats.org/presentationml/2006/main">
-  <p:cSld>
-    <p:spTree>
-      <p:nvGrpSpPr>
-        <p:cNvPr id="1" name=""/>
-        <p:cNvGrpSpPr/>
-        <p:nvPr/>
-      </p:nvGrpSpPr>
-      <p:grpSpPr>
-        <a:xfrm>
-          <a:off x="0" y="0"/>
-          <a:ext cx="0" cy="0"/>
-          <a:chOff x="0" y="0"/>
-          <a:chExt cx="0" cy="0"/>
-        </a:xfrm>
-      </p:grpSpPr>
-      <p:pic>
-        <p:nvPicPr>
-          <p:cNvPr id="6" name="図 5"/>
-          <p:cNvPicPr>
-            <a:picLocks noChangeAspect="1"/>
-          </p:cNvPicPr>
-          <p:nvPr/>
-        </p:nvPicPr>
-        <p:blipFill>
-          <a:blip r:embed="rId2"/>
-          <a:stretch>
-            <a:fillRect/>
-          </a:stretch>
-        </p:blipFill>
-        <p:spPr>
-          <a:xfrm>
-            <a:off x="63733" y="2032909"/>
-            <a:ext cx="12041897" cy="2725018"/>
-          </a:xfrm>
-          <a:prstGeom prst="rect">
-            <a:avLst/>
-          </a:prstGeom>
-        </p:spPr>
-      </p:pic>
-    </p:spTree>
-    <p:extLst>
-      <p:ext uri="{BB962C8B-B14F-4D97-AF65-F5344CB8AC3E}">
-        <p14:creationId xmlns:p14="http://schemas.microsoft.com/office/powerpoint/2010/main" val="2251481468"/>
-      </p:ext>
-    </p:extLst>
-  </p:cSld>
-  <p:clrMapOvr>
-    <a:masterClrMapping/>
-  </p:clrMapOvr>
 </p:sld>
 </file>
 
@@ -10083,6 +6070,29 @@
               <a:t>進捗</a:t>
             </a:r>
             <a:endParaRPr kumimoji="1" lang="ja-JP" altLang="en-US" sz="3600" dirty="0"/>
+          </a:p>
+        </p:txBody>
+      </p:sp>
+      <p:sp>
+        <p:nvSpPr>
+          <p:cNvPr id="4" name="スライド番号プレースホルダー 3"/>
+          <p:cNvSpPr>
+            <a:spLocks noGrp="1"/>
+          </p:cNvSpPr>
+          <p:nvPr>
+            <p:ph type="sldNum" sz="quarter" idx="12"/>
+          </p:nvPr>
+        </p:nvSpPr>
+        <p:spPr/>
+        <p:txBody>
+          <a:bodyPr/>
+          <a:lstStyle/>
+          <a:p>
+            <a:fld id="{3C3988C9-8C6C-49D7-8D82-24DA391FB063}" type="slidenum">
+              <a:rPr kumimoji="1" lang="ja-JP" altLang="en-US" smtClean="0"/>
+              <a:t>2</a:t>
+            </a:fld>
+            <a:endParaRPr kumimoji="1" lang="ja-JP" altLang="en-US" dirty="0"/>
           </a:p>
         </p:txBody>
       </p:sp>
@@ -10159,7 +6169,7 @@
         <p:spPr>
           <a:xfrm>
             <a:off x="440871" y="1845734"/>
-            <a:ext cx="10714809" cy="4023360"/>
+            <a:ext cx="11242222" cy="4023360"/>
           </a:xfrm>
         </p:spPr>
         <p:txBody>
@@ -10167,74 +6177,104 @@
           <a:lstStyle/>
           <a:p>
             <a:r>
-              <a:rPr lang="ja-JP" altLang="en-US" dirty="0" smtClean="0"/>
-              <a:t>少子高齢化によって働き手が減少しつつある今日のスーパーでは従業員の数が少なくても経営できるようにセルフレジの導入を進めている</a:t>
-            </a:r>
-            <a:endParaRPr lang="en-US" altLang="ja-JP" dirty="0"/>
-          </a:p>
-          <a:p>
-            <a:endParaRPr lang="en-US" altLang="ja-JP" dirty="0" smtClean="0"/>
-          </a:p>
-          <a:p>
-            <a:r>
-              <a:rPr lang="ja-JP" altLang="en-US" dirty="0" smtClean="0"/>
-              <a:t>セルフレジ</a:t>
-            </a:r>
-            <a:r>
-              <a:rPr lang="en-US" altLang="ja-JP" dirty="0" smtClean="0"/>
-              <a:t>1</a:t>
-            </a:r>
-            <a:r>
-              <a:rPr lang="ja-JP" altLang="en-US" dirty="0"/>
-              <a:t>セット</a:t>
-            </a:r>
-            <a:r>
-              <a:rPr lang="ja-JP" altLang="en-US" dirty="0" smtClean="0"/>
-              <a:t>を購入するのにかかる値段</a:t>
-            </a:r>
-            <a:endParaRPr lang="en-US" altLang="ja-JP" dirty="0" smtClean="0"/>
-          </a:p>
-          <a:p>
-            <a:pPr lvl="1"/>
-            <a:r>
-              <a:rPr lang="ja-JP" altLang="en-US" dirty="0" smtClean="0"/>
-              <a:t>約</a:t>
-            </a:r>
-            <a:r>
-              <a:rPr lang="en-US" altLang="ja-JP" dirty="0" smtClean="0"/>
-              <a:t>3,500,000</a:t>
-            </a:r>
-            <a:r>
-              <a:rPr lang="ja-JP" altLang="en-US" dirty="0" smtClean="0"/>
-              <a:t>円</a:t>
-            </a:r>
-            <a:endParaRPr lang="en-US" altLang="ja-JP" dirty="0" smtClean="0"/>
-          </a:p>
-          <a:p>
-            <a:r>
-              <a:rPr lang="en-US" altLang="ja-JP" dirty="0" smtClean="0"/>
-              <a:t>Web</a:t>
-            </a:r>
-            <a:r>
-              <a:rPr lang="ja-JP" altLang="en-US" dirty="0" smtClean="0"/>
-              <a:t>カメラを使用し、本システムを導入した場合にかかる機材の費用</a:t>
-            </a:r>
-            <a:endParaRPr lang="en-US" altLang="ja-JP" dirty="0"/>
-          </a:p>
-          <a:p>
-            <a:pPr lvl="1"/>
-            <a:r>
-              <a:rPr lang="ja-JP" altLang="en-US" dirty="0" smtClean="0"/>
-              <a:t>約</a:t>
-            </a:r>
-            <a:r>
-              <a:rPr lang="en-US" altLang="ja-JP" dirty="0" smtClean="0"/>
-              <a:t>12,500</a:t>
-            </a:r>
-            <a:r>
-              <a:rPr lang="ja-JP" altLang="en-US" dirty="0" smtClean="0"/>
-              <a:t>円</a:t>
-            </a:r>
+              <a:rPr lang="ja-JP" altLang="en-US" sz="2400" dirty="0" smtClean="0"/>
+              <a:t>少子高齢化によって働き手が減少しつつある今日のスーパーで</a:t>
+            </a:r>
+            <a:r>
+              <a:rPr lang="ja-JP" altLang="en-US" sz="2400" dirty="0" smtClean="0"/>
+              <a:t>は、</a:t>
+            </a:r>
+            <a:endParaRPr lang="en-US" altLang="ja-JP" sz="2400" dirty="0" smtClean="0"/>
+          </a:p>
+          <a:p>
+            <a:r>
+              <a:rPr lang="ja-JP" altLang="en-US" sz="2400" dirty="0" smtClean="0"/>
+              <a:t>従業員</a:t>
+            </a:r>
+            <a:r>
+              <a:rPr lang="ja-JP" altLang="en-US" sz="2400" dirty="0" smtClean="0"/>
+              <a:t>の数が少なくても経営できるようにセルフレジの導入を進めて</a:t>
+            </a:r>
+            <a:r>
+              <a:rPr lang="ja-JP" altLang="en-US" sz="2400" dirty="0" smtClean="0"/>
+              <a:t>いる。</a:t>
+            </a:r>
+            <a:endParaRPr lang="en-US" altLang="ja-JP" sz="2400" dirty="0" smtClean="0"/>
+          </a:p>
+          <a:p>
+            <a:endParaRPr lang="en-US" altLang="ja-JP" sz="2400" dirty="0" smtClean="0"/>
+          </a:p>
+          <a:p>
+            <a:r>
+              <a:rPr lang="ja-JP" altLang="en-US" sz="2400" dirty="0" smtClean="0"/>
+              <a:t>厚生労働省の統計では生産年齢人口</a:t>
+            </a:r>
+            <a:endParaRPr lang="en-US" altLang="ja-JP" sz="2400" dirty="0" smtClean="0"/>
+          </a:p>
+          <a:p>
+            <a:pPr lvl="2"/>
+            <a:r>
+              <a:rPr lang="en-US" altLang="ja-JP" sz="2400" dirty="0" smtClean="0"/>
+              <a:t>2017</a:t>
+            </a:r>
+            <a:r>
+              <a:rPr lang="ja-JP" altLang="en-US" sz="2400" dirty="0" smtClean="0"/>
+              <a:t>年</a:t>
+            </a:r>
+            <a:r>
+              <a:rPr lang="en-US" altLang="ja-JP" sz="2400" dirty="0" smtClean="0"/>
+              <a:t>:6,530</a:t>
+            </a:r>
+            <a:r>
+              <a:rPr lang="ja-JP" altLang="en-US" sz="2400" dirty="0" smtClean="0"/>
+              <a:t>万人</a:t>
+            </a:r>
+            <a:endParaRPr lang="en-US" altLang="ja-JP" sz="2400" dirty="0" smtClean="0"/>
+          </a:p>
+          <a:p>
+            <a:pPr lvl="2"/>
+            <a:r>
+              <a:rPr lang="en-US" altLang="ja-JP" sz="2400" dirty="0" smtClean="0"/>
+              <a:t>2025</a:t>
+            </a:r>
+            <a:r>
+              <a:rPr lang="ja-JP" altLang="en-US" sz="2400" dirty="0" smtClean="0"/>
+              <a:t>年</a:t>
+            </a:r>
+            <a:r>
+              <a:rPr lang="en-US" altLang="ja-JP" sz="2400" dirty="0" smtClean="0"/>
+              <a:t>:6,082</a:t>
+            </a:r>
+            <a:r>
+              <a:rPr lang="ja-JP" altLang="en-US" sz="2400" dirty="0" smtClean="0"/>
+              <a:t>万人</a:t>
+            </a:r>
+            <a:endParaRPr lang="en-US" altLang="ja-JP" sz="2400" dirty="0" smtClean="0"/>
+          </a:p>
+          <a:p>
+            <a:pPr lvl="2"/>
+            <a:r>
+              <a:rPr lang="en-US" altLang="ja-JP" sz="2400" dirty="0" smtClean="0"/>
+              <a:t>2040</a:t>
+            </a:r>
+            <a:r>
+              <a:rPr lang="ja-JP" altLang="en-US" sz="2400" dirty="0" smtClean="0"/>
+              <a:t>年</a:t>
+            </a:r>
+            <a:r>
+              <a:rPr lang="en-US" altLang="ja-JP" sz="2400" dirty="0" smtClean="0"/>
+              <a:t>:5,245</a:t>
+            </a:r>
+            <a:r>
+              <a:rPr lang="ja-JP" altLang="en-US" sz="2400" dirty="0" smtClean="0"/>
+              <a:t>万人 までに減少する見込み</a:t>
+            </a:r>
+            <a:endParaRPr lang="en-US" altLang="ja-JP" sz="2400" dirty="0"/>
+          </a:p>
+          <a:p>
+            <a:endParaRPr lang="en-US" altLang="ja-JP" sz="2400" dirty="0"/>
+          </a:p>
+          <a:p>
             <a:endParaRPr lang="en-US" altLang="ja-JP" dirty="0" smtClean="0"/>
           </a:p>
           <a:p>
@@ -10248,6 +6288,29 @@
               <a:buNone/>
             </a:pPr>
             <a:endParaRPr lang="en-US" altLang="ja-JP" dirty="0" smtClean="0"/>
+          </a:p>
+        </p:txBody>
+      </p:sp>
+      <p:sp>
+        <p:nvSpPr>
+          <p:cNvPr id="4" name="スライド番号プレースホルダー 3"/>
+          <p:cNvSpPr>
+            <a:spLocks noGrp="1"/>
+          </p:cNvSpPr>
+          <p:nvPr>
+            <p:ph type="sldNum" sz="quarter" idx="12"/>
+          </p:nvPr>
+        </p:nvSpPr>
+        <p:spPr/>
+        <p:txBody>
+          <a:bodyPr/>
+          <a:lstStyle/>
+          <a:p>
+            <a:fld id="{3C3988C9-8C6C-49D7-8D82-24DA391FB063}" type="slidenum">
+              <a:rPr kumimoji="1" lang="ja-JP" altLang="en-US" smtClean="0"/>
+              <a:t>3</a:t>
+            </a:fld>
+            <a:endParaRPr kumimoji="1" lang="ja-JP" altLang="en-US" dirty="0"/>
           </a:p>
         </p:txBody>
       </p:sp>
@@ -10343,70 +6406,93 @@
           <a:lstStyle/>
           <a:p>
             <a:r>
-              <a:rPr lang="en-US" altLang="ja-JP" dirty="0" smtClean="0"/>
+              <a:rPr lang="en-US" altLang="ja-JP" sz="2400" dirty="0" smtClean="0"/>
               <a:t>&lt;</a:t>
             </a:r>
             <a:r>
-              <a:rPr lang="ja-JP" altLang="en-US" dirty="0" smtClean="0"/>
+              <a:rPr lang="ja-JP" altLang="en-US" sz="2400" dirty="0" smtClean="0"/>
               <a:t>目的</a:t>
             </a:r>
             <a:r>
-              <a:rPr lang="en-US" altLang="ja-JP" dirty="0" smtClean="0"/>
+              <a:rPr lang="en-US" altLang="ja-JP" sz="2400" dirty="0" smtClean="0"/>
               <a:t>&gt;</a:t>
             </a:r>
           </a:p>
           <a:p>
             <a:r>
-              <a:rPr lang="ja-JP" altLang="en-US" dirty="0" smtClean="0"/>
+              <a:rPr lang="ja-JP" altLang="en-US" sz="2400" dirty="0" smtClean="0"/>
               <a:t>既存の無人レジ店舗のような複雑で高価なシステムではなく、中小店でも導入できる安価なシステムの作成</a:t>
             </a:r>
+            <a:endParaRPr lang="en-US" altLang="ja-JP" sz="2400" dirty="0" smtClean="0"/>
+          </a:p>
+          <a:p>
             <a:endParaRPr lang="en-US" altLang="ja-JP" dirty="0" smtClean="0"/>
           </a:p>
           <a:p>
-            <a:endParaRPr lang="en-US" altLang="ja-JP" dirty="0" smtClean="0"/>
-          </a:p>
-          <a:p>
-            <a:r>
-              <a:rPr lang="en-US" altLang="ja-JP" dirty="0" smtClean="0"/>
+            <a:r>
+              <a:rPr lang="en-US" altLang="ja-JP" sz="2400" dirty="0" smtClean="0"/>
               <a:t>&lt;</a:t>
             </a:r>
             <a:r>
-              <a:rPr lang="ja-JP" altLang="en-US" dirty="0" smtClean="0"/>
+              <a:rPr lang="ja-JP" altLang="en-US" sz="2400" dirty="0" smtClean="0"/>
               <a:t>目標</a:t>
             </a:r>
             <a:r>
-              <a:rPr lang="en-US" altLang="ja-JP" dirty="0" smtClean="0"/>
+              <a:rPr lang="en-US" altLang="ja-JP" sz="2400" dirty="0" smtClean="0"/>
               <a:t>&gt;</a:t>
             </a:r>
           </a:p>
           <a:p>
             <a:r>
-              <a:rPr lang="ja-JP" altLang="en-US" dirty="0" smtClean="0"/>
+              <a:rPr lang="ja-JP" altLang="en-US" sz="2400" dirty="0" smtClean="0"/>
               <a:t>ラズベリー</a:t>
             </a:r>
             <a:r>
-              <a:rPr lang="ja-JP" altLang="en-US" dirty="0"/>
+              <a:rPr lang="ja-JP" altLang="en-US" sz="2400" dirty="0"/>
               <a:t>パイ</a:t>
             </a:r>
             <a:r>
-              <a:rPr lang="ja-JP" altLang="en-US" dirty="0" smtClean="0"/>
+              <a:rPr lang="ja-JP" altLang="en-US" sz="2400" dirty="0" smtClean="0"/>
               <a:t>と</a:t>
             </a:r>
             <a:r>
-              <a:rPr lang="en-US" altLang="ja-JP" dirty="0" smtClean="0"/>
+              <a:rPr lang="en-US" altLang="ja-JP" sz="2400" dirty="0" smtClean="0"/>
               <a:t>Web</a:t>
             </a:r>
             <a:r>
-              <a:rPr lang="ja-JP" altLang="en-US" dirty="0" smtClean="0"/>
+              <a:rPr lang="ja-JP" altLang="en-US" sz="2400" dirty="0" smtClean="0"/>
               <a:t>カメラを使用し、商品をバーコードの番号で判断する</a:t>
             </a:r>
-            <a:endParaRPr lang="ja-JP" altLang="en-US" sz="3200" dirty="0"/>
-          </a:p>
-          <a:p>
-            <a:r>
-              <a:rPr kumimoji="1" lang="ja-JP" altLang="en-US" dirty="0" smtClean="0"/>
+            <a:endParaRPr lang="ja-JP" altLang="en-US" sz="3600" dirty="0"/>
+          </a:p>
+          <a:p>
+            <a:r>
+              <a:rPr kumimoji="1" lang="ja-JP" altLang="en-US" sz="2400" dirty="0" smtClean="0"/>
               <a:t>商品の取捨選択から決済に至るまでの一連の流れを行えるシステムの開発</a:t>
             </a:r>
+            <a:endParaRPr kumimoji="1" lang="ja-JP" altLang="en-US" sz="2400" dirty="0"/>
+          </a:p>
+        </p:txBody>
+      </p:sp>
+      <p:sp>
+        <p:nvSpPr>
+          <p:cNvPr id="4" name="スライド番号プレースホルダー 3"/>
+          <p:cNvSpPr>
+            <a:spLocks noGrp="1"/>
+          </p:cNvSpPr>
+          <p:nvPr>
+            <p:ph type="sldNum" sz="quarter" idx="12"/>
+          </p:nvPr>
+        </p:nvSpPr>
+        <p:spPr/>
+        <p:txBody>
+          <a:bodyPr/>
+          <a:lstStyle/>
+          <a:p>
+            <a:fld id="{3C3988C9-8C6C-49D7-8D82-24DA391FB063}" type="slidenum">
+              <a:rPr kumimoji="1" lang="ja-JP" altLang="en-US" smtClean="0"/>
+              <a:t>4</a:t>
+            </a:fld>
             <a:endParaRPr kumimoji="1" lang="ja-JP" altLang="en-US" dirty="0"/>
           </a:p>
         </p:txBody>
@@ -11205,6 +7291,29 @@
           </a:p>
         </p:txBody>
       </p:sp>
+      <p:sp>
+        <p:nvSpPr>
+          <p:cNvPr id="5" name="スライド番号プレースホルダー 4"/>
+          <p:cNvSpPr>
+            <a:spLocks noGrp="1"/>
+          </p:cNvSpPr>
+          <p:nvPr>
+            <p:ph type="sldNum" sz="quarter" idx="12"/>
+          </p:nvPr>
+        </p:nvSpPr>
+        <p:spPr/>
+        <p:txBody>
+          <a:bodyPr/>
+          <a:lstStyle/>
+          <a:p>
+            <a:fld id="{3C3988C9-8C6C-49D7-8D82-24DA391FB063}" type="slidenum">
+              <a:rPr kumimoji="1" lang="ja-JP" altLang="en-US" smtClean="0"/>
+              <a:t>5</a:t>
+            </a:fld>
+            <a:endParaRPr kumimoji="1" lang="ja-JP" altLang="en-US" dirty="0"/>
+          </a:p>
+        </p:txBody>
+      </p:sp>
     </p:spTree>
     <p:extLst>
       <p:ext uri="{BB962C8B-B14F-4D97-AF65-F5344CB8AC3E}">
@@ -11244,6 +7353,317 @@
       </p:grpSpPr>
       <p:sp>
         <p:nvSpPr>
+          <p:cNvPr id="2" name="タイトル 1"/>
+          <p:cNvSpPr>
+            <a:spLocks noGrp="1"/>
+          </p:cNvSpPr>
+          <p:nvPr>
+            <p:ph type="title"/>
+          </p:nvPr>
+        </p:nvSpPr>
+        <p:spPr/>
+        <p:txBody>
+          <a:bodyPr/>
+          <a:lstStyle/>
+          <a:p>
+            <a:r>
+              <a:rPr lang="ja-JP" altLang="en-US" dirty="0" smtClean="0"/>
+              <a:t>メリット</a:t>
+            </a:r>
+            <a:r>
+              <a:rPr lang="ja-JP" altLang="en-US" dirty="0"/>
+              <a:t>・</a:t>
+            </a:r>
+            <a:r>
+              <a:rPr lang="ja-JP" altLang="en-US" dirty="0" smtClean="0"/>
+              <a:t>効果</a:t>
+            </a:r>
+            <a:endParaRPr kumimoji="1" lang="ja-JP" altLang="en-US" dirty="0"/>
+          </a:p>
+        </p:txBody>
+      </p:sp>
+      <p:sp>
+        <p:nvSpPr>
+          <p:cNvPr id="3" name="テキスト ボックス 2"/>
+          <p:cNvSpPr txBox="1"/>
+          <p:nvPr/>
+        </p:nvSpPr>
+        <p:spPr>
+          <a:xfrm>
+            <a:off x="1097280" y="1865807"/>
+            <a:ext cx="5216978" cy="461665"/>
+          </a:xfrm>
+          <a:prstGeom prst="rect">
+            <a:avLst/>
+          </a:prstGeom>
+          <a:noFill/>
+        </p:spPr>
+        <p:txBody>
+          <a:bodyPr wrap="square" rtlCol="0">
+            <a:spAutoFit/>
+          </a:bodyPr>
+          <a:lstStyle/>
+          <a:p>
+            <a:r>
+              <a:rPr lang="ja-JP" altLang="en-US" sz="2400" dirty="0" smtClean="0"/>
+              <a:t>店側</a:t>
+            </a:r>
+            <a:r>
+              <a:rPr lang="en-US" altLang="ja-JP" sz="2400" dirty="0" smtClean="0"/>
+              <a:t>:</a:t>
+            </a:r>
+            <a:r>
+              <a:rPr lang="ja-JP" altLang="en-US" sz="2400" dirty="0" smtClean="0"/>
+              <a:t>コスト削減</a:t>
+            </a:r>
+            <a:endParaRPr kumimoji="1" lang="ja-JP" altLang="en-US" sz="2400" dirty="0"/>
+          </a:p>
+        </p:txBody>
+      </p:sp>
+      <p:sp>
+        <p:nvSpPr>
+          <p:cNvPr id="4" name="正方形/長方形 3"/>
+          <p:cNvSpPr/>
+          <p:nvPr/>
+        </p:nvSpPr>
+        <p:spPr>
+          <a:xfrm>
+            <a:off x="1355273" y="2388258"/>
+            <a:ext cx="8939892" cy="1815882"/>
+          </a:xfrm>
+          <a:prstGeom prst="rect">
+            <a:avLst/>
+          </a:prstGeom>
+        </p:spPr>
+        <p:txBody>
+          <a:bodyPr wrap="square">
+            <a:spAutoFit/>
+          </a:bodyPr>
+          <a:lstStyle/>
+          <a:p>
+            <a:r>
+              <a:rPr lang="ja-JP" altLang="en-US" sz="2400" dirty="0"/>
+              <a:t>セルフレジ</a:t>
+            </a:r>
+            <a:r>
+              <a:rPr lang="en-US" altLang="ja-JP" sz="2400" dirty="0"/>
+              <a:t>1</a:t>
+            </a:r>
+            <a:r>
+              <a:rPr lang="ja-JP" altLang="en-US" sz="2400" dirty="0"/>
+              <a:t>セットを購入するのにかかる値段</a:t>
+            </a:r>
+            <a:endParaRPr lang="en-US" altLang="ja-JP" sz="2400" dirty="0"/>
+          </a:p>
+          <a:p>
+            <a:pPr lvl="1"/>
+            <a:r>
+              <a:rPr lang="ja-JP" altLang="en-US" sz="2400" dirty="0"/>
+              <a:t>約</a:t>
+            </a:r>
+            <a:r>
+              <a:rPr lang="en-US" altLang="ja-JP" sz="2400" dirty="0"/>
+              <a:t>3,500,000</a:t>
+            </a:r>
+            <a:r>
+              <a:rPr lang="ja-JP" altLang="en-US" sz="2400" dirty="0" smtClean="0"/>
+              <a:t>円 </a:t>
+            </a:r>
+            <a:r>
+              <a:rPr lang="en-US" altLang="ja-JP" sz="2400" dirty="0" smtClean="0"/>
+              <a:t>* 6</a:t>
+            </a:r>
+            <a:r>
+              <a:rPr lang="ja-JP" altLang="en-US" sz="2400" dirty="0" smtClean="0"/>
+              <a:t>台 </a:t>
+            </a:r>
+            <a:r>
+              <a:rPr lang="en-US" altLang="ja-JP" sz="2400" dirty="0" smtClean="0"/>
+              <a:t>= </a:t>
+            </a:r>
+            <a:r>
+              <a:rPr lang="en-US" altLang="ja-JP" sz="3200" dirty="0" smtClean="0">
+                <a:solidFill>
+                  <a:srgbClr val="FF0000"/>
+                </a:solidFill>
+              </a:rPr>
+              <a:t>21,000,000</a:t>
+            </a:r>
+            <a:r>
+              <a:rPr lang="ja-JP" altLang="en-US" sz="3200" dirty="0" smtClean="0">
+                <a:solidFill>
+                  <a:srgbClr val="FF0000"/>
+                </a:solidFill>
+              </a:rPr>
+              <a:t>円</a:t>
+            </a:r>
+            <a:r>
+              <a:rPr lang="en-US" altLang="ja-JP" sz="3200" dirty="0" smtClean="0">
+                <a:solidFill>
+                  <a:srgbClr val="FF0000"/>
+                </a:solidFill>
+              </a:rPr>
+              <a:t>!!!</a:t>
+            </a:r>
+            <a:endParaRPr lang="en-US" altLang="ja-JP" sz="2400" dirty="0">
+              <a:solidFill>
+                <a:srgbClr val="FF0000"/>
+              </a:solidFill>
+            </a:endParaRPr>
+          </a:p>
+          <a:p>
+            <a:r>
+              <a:rPr lang="en-US" altLang="ja-JP" sz="2400" dirty="0"/>
+              <a:t>Web</a:t>
+            </a:r>
+            <a:r>
+              <a:rPr lang="ja-JP" altLang="en-US" sz="2400" dirty="0"/>
+              <a:t>カメラを使用し、本システムを導入した場合にかかる機材の費用</a:t>
+            </a:r>
+            <a:endParaRPr lang="en-US" altLang="ja-JP" sz="2400" dirty="0"/>
+          </a:p>
+          <a:p>
+            <a:pPr lvl="1"/>
+            <a:r>
+              <a:rPr lang="ja-JP" altLang="en-US" sz="2400" dirty="0"/>
+              <a:t>約</a:t>
+            </a:r>
+            <a:r>
+              <a:rPr lang="en-US" altLang="ja-JP" sz="2400" dirty="0"/>
+              <a:t>12,500</a:t>
+            </a:r>
+            <a:r>
+              <a:rPr lang="ja-JP" altLang="en-US" sz="2400" dirty="0" smtClean="0"/>
+              <a:t>円 </a:t>
+            </a:r>
+            <a:r>
+              <a:rPr lang="en-US" altLang="ja-JP" sz="2400" dirty="0" smtClean="0"/>
+              <a:t>* 80</a:t>
+            </a:r>
+            <a:r>
+              <a:rPr lang="ja-JP" altLang="en-US" sz="2400" dirty="0" smtClean="0"/>
+              <a:t>個（カゴの個数） </a:t>
+            </a:r>
+            <a:r>
+              <a:rPr lang="en-US" altLang="ja-JP" sz="2400" dirty="0"/>
+              <a:t>= </a:t>
+            </a:r>
+            <a:r>
+              <a:rPr lang="en-US" altLang="ja-JP" sz="3200" dirty="0" smtClean="0">
+                <a:solidFill>
+                  <a:srgbClr val="FF0000"/>
+                </a:solidFill>
+              </a:rPr>
+              <a:t>1,000,000!!</a:t>
+            </a:r>
+            <a:endParaRPr lang="en-US" altLang="ja-JP" sz="2400" dirty="0">
+              <a:solidFill>
+                <a:srgbClr val="FF0000"/>
+              </a:solidFill>
+            </a:endParaRPr>
+          </a:p>
+        </p:txBody>
+      </p:sp>
+      <p:sp>
+        <p:nvSpPr>
+          <p:cNvPr id="5" name="テキスト ボックス 4"/>
+          <p:cNvSpPr txBox="1"/>
+          <p:nvPr/>
+        </p:nvSpPr>
+        <p:spPr>
+          <a:xfrm>
+            <a:off x="1355273" y="4670574"/>
+            <a:ext cx="3355521" cy="461665"/>
+          </a:xfrm>
+          <a:prstGeom prst="rect">
+            <a:avLst/>
+          </a:prstGeom>
+          <a:noFill/>
+        </p:spPr>
+        <p:txBody>
+          <a:bodyPr wrap="square" rtlCol="0">
+            <a:spAutoFit/>
+          </a:bodyPr>
+          <a:lstStyle/>
+          <a:p>
+            <a:r>
+              <a:rPr lang="ja-JP" altLang="en-US" sz="2400" dirty="0" smtClean="0"/>
+              <a:t>お客様</a:t>
+            </a:r>
+            <a:r>
+              <a:rPr lang="en-US" altLang="ja-JP" sz="2400" dirty="0" smtClean="0"/>
+              <a:t>:</a:t>
+            </a:r>
+            <a:r>
+              <a:rPr lang="ja-JP" altLang="en-US" sz="2400" dirty="0" smtClean="0"/>
+              <a:t>時間の短縮</a:t>
+            </a:r>
+            <a:endParaRPr kumimoji="1" lang="ja-JP" altLang="en-US" sz="2400" dirty="0"/>
+          </a:p>
+        </p:txBody>
+      </p:sp>
+      <p:sp>
+        <p:nvSpPr>
+          <p:cNvPr id="7" name="スライド番号プレースホルダー 6"/>
+          <p:cNvSpPr>
+            <a:spLocks noGrp="1"/>
+          </p:cNvSpPr>
+          <p:nvPr>
+            <p:ph type="sldNum" sz="quarter" idx="12"/>
+          </p:nvPr>
+        </p:nvSpPr>
+        <p:spPr/>
+        <p:txBody>
+          <a:bodyPr/>
+          <a:lstStyle/>
+          <a:p>
+            <a:fld id="{3C3988C9-8C6C-49D7-8D82-24DA391FB063}" type="slidenum">
+              <a:rPr kumimoji="1" lang="ja-JP" altLang="en-US" smtClean="0"/>
+              <a:t>6</a:t>
+            </a:fld>
+            <a:endParaRPr kumimoji="1" lang="ja-JP" altLang="en-US"/>
+          </a:p>
+        </p:txBody>
+      </p:sp>
+    </p:spTree>
+    <p:extLst>
+      <p:ext uri="{BB962C8B-B14F-4D97-AF65-F5344CB8AC3E}">
+        <p14:creationId xmlns:p14="http://schemas.microsoft.com/office/powerpoint/2010/main" val="2180615710"/>
+      </p:ext>
+    </p:extLst>
+  </p:cSld>
+  <p:clrMapOvr>
+    <a:masterClrMapping/>
+  </p:clrMapOvr>
+  <p:timing>
+    <p:tnLst>
+      <p:par>
+        <p:cTn id="1" dur="indefinite" restart="never" nodeType="tmRoot"/>
+      </p:par>
+    </p:tnLst>
+  </p:timing>
+</p:sld>
+</file>
+
+<file path=ppt/slides/slide7.xml><?xml version="1.0" encoding="utf-8"?>
+<p:sld xmlns:a="http://schemas.openxmlformats.org/drawingml/2006/main" xmlns:r="http://schemas.openxmlformats.org/officeDocument/2006/relationships" xmlns:p="http://schemas.openxmlformats.org/presentationml/2006/main">
+  <p:cSld>
+    <p:spTree>
+      <p:nvGrpSpPr>
+        <p:cNvPr id="1" name=""/>
+        <p:cNvGrpSpPr/>
+        <p:nvPr/>
+      </p:nvGrpSpPr>
+      <p:grpSpPr>
+        <a:xfrm>
+          <a:off x="0" y="0"/>
+          <a:ext cx="0" cy="0"/>
+          <a:chOff x="0" y="0"/>
+          <a:chExt cx="0" cy="0"/>
+        </a:xfrm>
+      </p:grpSpPr>
+      <p:sp>
+        <p:nvSpPr>
           <p:cNvPr id="29" name="角丸四角形 28"/>
           <p:cNvSpPr/>
           <p:nvPr/>
@@ -11345,7 +7765,7 @@
         </p:blipFill>
         <p:spPr bwMode="auto">
           <a:xfrm>
-            <a:off x="2207083" y="1821775"/>
+            <a:off x="842224" y="2586779"/>
             <a:ext cx="1506340" cy="1269040"/>
           </a:xfrm>
           <a:prstGeom prst="rect">
@@ -11554,105 +7974,6 @@
       </p:pic>
       <p:sp>
         <p:nvSpPr>
-          <p:cNvPr id="12" name="テキスト ボックス 11"/>
-          <p:cNvSpPr txBox="1"/>
-          <p:nvPr/>
-        </p:nvSpPr>
-        <p:spPr>
-          <a:xfrm>
-            <a:off x="661244" y="3866794"/>
-            <a:ext cx="2264214" cy="523220"/>
-          </a:xfrm>
-          <a:prstGeom prst="rect">
-            <a:avLst/>
-          </a:prstGeom>
-          <a:noFill/>
-        </p:spPr>
-        <p:txBody>
-          <a:bodyPr wrap="square" rtlCol="0">
-            <a:spAutoFit/>
-          </a:bodyPr>
-          <a:lstStyle/>
-          <a:p>
-            <a:r>
-              <a:rPr kumimoji="1" lang="ja-JP" altLang="en-US" sz="2800" smtClean="0">
-                <a:solidFill>
-                  <a:schemeClr val="tx1">
-                    <a:lumMod val="85000"/>
-                    <a:lumOff val="15000"/>
-                  </a:schemeClr>
-                </a:solidFill>
-              </a:rPr>
-              <a:t>超音波センサ</a:t>
-            </a:r>
-            <a:endParaRPr kumimoji="1" lang="ja-JP" altLang="en-US" sz="2800">
-              <a:solidFill>
-                <a:schemeClr val="tx1">
-                  <a:lumMod val="85000"/>
-                  <a:lumOff val="15000"/>
-                </a:schemeClr>
-              </a:solidFill>
-            </a:endParaRPr>
-          </a:p>
-        </p:txBody>
-      </p:sp>
-      <p:sp>
-        <p:nvSpPr>
-          <p:cNvPr id="17" name="テキスト ボックス 16"/>
-          <p:cNvSpPr txBox="1"/>
-          <p:nvPr/>
-        </p:nvSpPr>
-        <p:spPr>
-          <a:xfrm>
-            <a:off x="3663456" y="1735868"/>
-            <a:ext cx="1732315" cy="523220"/>
-          </a:xfrm>
-          <a:prstGeom prst="rect">
-            <a:avLst/>
-          </a:prstGeom>
-          <a:noFill/>
-        </p:spPr>
-        <p:txBody>
-          <a:bodyPr wrap="square" rtlCol="0">
-            <a:spAutoFit/>
-          </a:bodyPr>
-          <a:lstStyle/>
-          <a:p>
-            <a:r>
-              <a:rPr lang="en-US" altLang="ja-JP" sz="2800" smtClean="0">
-                <a:solidFill>
-                  <a:schemeClr val="tx1">
-                    <a:lumMod val="85000"/>
-                    <a:lumOff val="15000"/>
-                  </a:schemeClr>
-                </a:solidFill>
-              </a:rPr>
-              <a:t>WEB</a:t>
-            </a:r>
-            <a:r>
-              <a:rPr lang="ja-JP" altLang="en-US" sz="2800" smtClean="0">
-                <a:solidFill>
-                  <a:schemeClr val="tx1">
-                    <a:lumMod val="85000"/>
-                    <a:lumOff val="15000"/>
-                  </a:schemeClr>
-                </a:solidFill>
-              </a:rPr>
-              <a:t>カメラ</a:t>
-            </a:r>
-            <a:endParaRPr kumimoji="1" lang="ja-JP" altLang="en-US" sz="2800">
-              <a:solidFill>
-                <a:schemeClr val="tx1">
-                  <a:lumMod val="85000"/>
-                  <a:lumOff val="15000"/>
-                </a:schemeClr>
-              </a:solidFill>
-            </a:endParaRPr>
-          </a:p>
-        </p:txBody>
-      </p:sp>
-      <p:sp>
-        <p:nvSpPr>
           <p:cNvPr id="13" name="正方形/長方形 12"/>
           <p:cNvSpPr/>
           <p:nvPr/>
@@ -11723,7 +8044,7 @@
         </p:nvSpPr>
         <p:spPr>
           <a:xfrm>
-            <a:off x="4880139" y="3708353"/>
+            <a:off x="4770703" y="3558361"/>
             <a:ext cx="1428750" cy="369332"/>
           </a:xfrm>
           <a:prstGeom prst="rect">
@@ -11738,10 +8059,10 @@
           <a:lstStyle/>
           <a:p>
             <a:r>
-              <a:rPr kumimoji="1" lang="ja-JP" altLang="en-US" smtClean="0"/>
+              <a:rPr kumimoji="1" lang="ja-JP" altLang="en-US" dirty="0" smtClean="0"/>
               <a:t>バーコード</a:t>
             </a:r>
-            <a:endParaRPr kumimoji="1" lang="ja-JP" altLang="en-US"/>
+            <a:endParaRPr kumimoji="1" lang="ja-JP" altLang="en-US" dirty="0"/>
           </a:p>
         </p:txBody>
       </p:sp>
@@ -11804,7 +8125,7 @@
         </p:nvSpPr>
         <p:spPr>
           <a:xfrm>
-            <a:off x="133054" y="1856720"/>
+            <a:off x="533396" y="1908378"/>
             <a:ext cx="2123996" cy="523220"/>
           </a:xfrm>
           <a:prstGeom prst="rect">
@@ -11922,14 +8243,14 @@
       </p:sp>
       <p:pic>
         <p:nvPicPr>
-          <p:cNvPr id="1034" name="Picture 10" descr="https://1.bp.blogspot.com/-65XO6-LHzX0/XOdok0AgpzI/AAAAAAABS9E/0zYxUYo-Bc8j4knBUKg9CmuotJQu29HyACLcBGAs/s800/led_blue.png"/>
+          <p:cNvPr id="1040" name="Picture 16" descr="サーバーのイラスト（1台）"/>
           <p:cNvPicPr>
             <a:picLocks noChangeAspect="1" noChangeArrowheads="1"/>
           </p:cNvPicPr>
           <p:nvPr/>
         </p:nvPicPr>
         <p:blipFill>
-          <a:blip r:embed="rId6" cstate="print">
+          <a:blip r:embed="rId6">
             <a:extLst>
               <a:ext uri="{28A0092B-C50C-407E-A947-70E740481C1C}">
                 <a14:useLocalDpi xmlns:a14="http://schemas.microsoft.com/office/drawing/2010/main" val="0"/>
@@ -11943,8 +8264,8 @@
         </p:blipFill>
         <p:spPr bwMode="auto">
           <a:xfrm>
-            <a:off x="5065801" y="2829956"/>
-            <a:ext cx="453016" cy="641503"/>
+            <a:off x="9209419" y="2952086"/>
+            <a:ext cx="1648776" cy="1951214"/>
           </a:xfrm>
           <a:prstGeom prst="rect">
             <a:avLst/>
@@ -11961,320 +8282,6 @@
           </a:extLst>
         </p:spPr>
       </p:pic>
-      <p:pic>
-        <p:nvPicPr>
-          <p:cNvPr id="1036" name="Picture 12" descr="青色発光ダイオードのイラスト（黄色）"/>
-          <p:cNvPicPr>
-            <a:picLocks noChangeAspect="1" noChangeArrowheads="1"/>
-          </p:cNvPicPr>
-          <p:nvPr/>
-        </p:nvPicPr>
-        <p:blipFill>
-          <a:blip r:embed="rId7" cstate="print">
-            <a:extLst>
-              <a:ext uri="{28A0092B-C50C-407E-A947-70E740481C1C}">
-                <a14:useLocalDpi xmlns:a14="http://schemas.microsoft.com/office/drawing/2010/main" val="0"/>
-              </a:ext>
-            </a:extLst>
-          </a:blip>
-          <a:srcRect/>
-          <a:stretch>
-            <a:fillRect/>
-          </a:stretch>
-        </p:blipFill>
-        <p:spPr bwMode="auto">
-          <a:xfrm>
-            <a:off x="5430721" y="2825105"/>
-            <a:ext cx="457065" cy="646354"/>
-          </a:xfrm>
-          <a:prstGeom prst="rect">
-            <a:avLst/>
-          </a:prstGeom>
-          <a:noFill/>
-          <a:extLst>
-            <a:ext uri="{909E8E84-426E-40DD-AFC4-6F175D3DCCD1}">
-              <a14:hiddenFill xmlns:a14="http://schemas.microsoft.com/office/drawing/2010/main">
-                <a:solidFill>
-                  <a:srgbClr val="FFFFFF"/>
-                </a:solidFill>
-              </a14:hiddenFill>
-            </a:ext>
-          </a:extLst>
-        </p:spPr>
-      </p:pic>
-      <p:pic>
-        <p:nvPicPr>
-          <p:cNvPr id="1038" name="Picture 14" descr="https://2.bp.blogspot.com/-eQeSANn3d7w/XOdonDysX7I/AAAAAAABS9M/JO5J4PGA-3sNNUTozs-x12CsLEpHb3wIACLcBGAs/s800/led_red.png"/>
-          <p:cNvPicPr>
-            <a:picLocks noChangeAspect="1" noChangeArrowheads="1"/>
-          </p:cNvPicPr>
-          <p:nvPr/>
-        </p:nvPicPr>
-        <p:blipFill>
-          <a:blip r:embed="rId8" cstate="print">
-            <a:extLst>
-              <a:ext uri="{28A0092B-C50C-407E-A947-70E740481C1C}">
-                <a14:useLocalDpi xmlns:a14="http://schemas.microsoft.com/office/drawing/2010/main" val="0"/>
-              </a:ext>
-            </a:extLst>
-          </a:blip>
-          <a:srcRect/>
-          <a:stretch>
-            <a:fillRect/>
-          </a:stretch>
-        </p:blipFill>
-        <p:spPr bwMode="auto">
-          <a:xfrm>
-            <a:off x="5833424" y="2825105"/>
-            <a:ext cx="456442" cy="646354"/>
-          </a:xfrm>
-          <a:prstGeom prst="rect">
-            <a:avLst/>
-          </a:prstGeom>
-          <a:noFill/>
-          <a:extLst>
-            <a:ext uri="{909E8E84-426E-40DD-AFC4-6F175D3DCCD1}">
-              <a14:hiddenFill xmlns:a14="http://schemas.microsoft.com/office/drawing/2010/main">
-                <a:solidFill>
-                  <a:srgbClr val="FFFFFF"/>
-                </a:solidFill>
-              </a14:hiddenFill>
-            </a:ext>
-          </a:extLst>
-        </p:spPr>
-      </p:pic>
-      <p:sp>
-        <p:nvSpPr>
-          <p:cNvPr id="37" name="テキスト ボックス 36"/>
-          <p:cNvSpPr txBox="1"/>
-          <p:nvPr/>
-        </p:nvSpPr>
-        <p:spPr>
-          <a:xfrm>
-            <a:off x="5312662" y="2347036"/>
-            <a:ext cx="726917" cy="523220"/>
-          </a:xfrm>
-          <a:prstGeom prst="rect">
-            <a:avLst/>
-          </a:prstGeom>
-          <a:noFill/>
-        </p:spPr>
-        <p:txBody>
-          <a:bodyPr wrap="square" rtlCol="0">
-            <a:spAutoFit/>
-          </a:bodyPr>
-          <a:lstStyle/>
-          <a:p>
-            <a:r>
-              <a:rPr lang="en-US" altLang="ja-JP" sz="2800" smtClean="0">
-                <a:solidFill>
-                  <a:schemeClr val="tx1">
-                    <a:lumMod val="85000"/>
-                    <a:lumOff val="15000"/>
-                  </a:schemeClr>
-                </a:solidFill>
-              </a:rPr>
-              <a:t>LED</a:t>
-            </a:r>
-            <a:endParaRPr kumimoji="1" lang="ja-JP" altLang="en-US" sz="2800">
-              <a:solidFill>
-                <a:schemeClr val="tx1">
-                  <a:lumMod val="85000"/>
-                  <a:lumOff val="15000"/>
-                </a:schemeClr>
-              </a:solidFill>
-            </a:endParaRPr>
-          </a:p>
-        </p:txBody>
-      </p:sp>
-      <p:pic>
-        <p:nvPicPr>
-          <p:cNvPr id="1040" name="Picture 16" descr="サーバーのイラスト（1台）"/>
-          <p:cNvPicPr>
-            <a:picLocks noChangeAspect="1" noChangeArrowheads="1"/>
-          </p:cNvPicPr>
-          <p:nvPr/>
-        </p:nvPicPr>
-        <p:blipFill>
-          <a:blip r:embed="rId9">
-            <a:extLst>
-              <a:ext uri="{28A0092B-C50C-407E-A947-70E740481C1C}">
-                <a14:useLocalDpi xmlns:a14="http://schemas.microsoft.com/office/drawing/2010/main" val="0"/>
-              </a:ext>
-            </a:extLst>
-          </a:blip>
-          <a:srcRect/>
-          <a:stretch>
-            <a:fillRect/>
-          </a:stretch>
-        </p:blipFill>
-        <p:spPr bwMode="auto">
-          <a:xfrm>
-            <a:off x="9910240" y="4128404"/>
-            <a:ext cx="1648776" cy="1951214"/>
-          </a:xfrm>
-          <a:prstGeom prst="rect">
-            <a:avLst/>
-          </a:prstGeom>
-          <a:noFill/>
-          <a:extLst>
-            <a:ext uri="{909E8E84-426E-40DD-AFC4-6F175D3DCCD1}">
-              <a14:hiddenFill xmlns:a14="http://schemas.microsoft.com/office/drawing/2010/main">
-                <a:solidFill>
-                  <a:srgbClr val="FFFFFF"/>
-                </a:solidFill>
-              </a14:hiddenFill>
-            </a:ext>
-          </a:extLst>
-        </p:spPr>
-      </p:pic>
-      <p:sp>
-        <p:nvSpPr>
-          <p:cNvPr id="40" name="テキスト ボックス 39"/>
-          <p:cNvSpPr txBox="1"/>
-          <p:nvPr/>
-        </p:nvSpPr>
-        <p:spPr>
-          <a:xfrm>
-            <a:off x="8262430" y="3714869"/>
-            <a:ext cx="849955" cy="523220"/>
-          </a:xfrm>
-          <a:prstGeom prst="rect">
-            <a:avLst/>
-          </a:prstGeom>
-          <a:noFill/>
-          <a:ln w="25400">
-            <a:solidFill>
-              <a:schemeClr val="tx1"/>
-            </a:solidFill>
-          </a:ln>
-        </p:spPr>
-        <p:txBody>
-          <a:bodyPr wrap="square" rtlCol="0">
-            <a:spAutoFit/>
-          </a:bodyPr>
-          <a:lstStyle/>
-          <a:p>
-            <a:r>
-              <a:rPr kumimoji="1" lang="en-US" altLang="ja-JP" sz="2800" smtClean="0">
-                <a:solidFill>
-                  <a:schemeClr val="tx1">
-                    <a:lumMod val="85000"/>
-                    <a:lumOff val="15000"/>
-                  </a:schemeClr>
-                </a:solidFill>
-              </a:rPr>
-              <a:t>Yolo</a:t>
-            </a:r>
-            <a:endParaRPr kumimoji="1" lang="ja-JP" altLang="en-US" sz="2800">
-              <a:solidFill>
-                <a:schemeClr val="tx1">
-                  <a:lumMod val="85000"/>
-                  <a:lumOff val="15000"/>
-                </a:schemeClr>
-              </a:solidFill>
-            </a:endParaRPr>
-          </a:p>
-        </p:txBody>
-      </p:sp>
-      <p:sp>
-        <p:nvSpPr>
-          <p:cNvPr id="41" name="テキスト ボックス 40"/>
-          <p:cNvSpPr txBox="1"/>
-          <p:nvPr/>
-        </p:nvSpPr>
-        <p:spPr>
-          <a:xfrm>
-            <a:off x="9375944" y="3125837"/>
-            <a:ext cx="1175994" cy="523220"/>
-          </a:xfrm>
-          <a:prstGeom prst="rect">
-            <a:avLst/>
-          </a:prstGeom>
-          <a:noFill/>
-          <a:ln w="25400">
-            <a:solidFill>
-              <a:schemeClr val="tx1"/>
-            </a:solidFill>
-          </a:ln>
-        </p:spPr>
-        <p:txBody>
-          <a:bodyPr wrap="square" rtlCol="0">
-            <a:spAutoFit/>
-          </a:bodyPr>
-          <a:lstStyle/>
-          <a:p>
-            <a:r>
-              <a:rPr kumimoji="1" lang="en-US" altLang="ja-JP" sz="2800" smtClean="0">
-                <a:solidFill>
-                  <a:schemeClr val="tx1">
-                    <a:lumMod val="85000"/>
-                    <a:lumOff val="15000"/>
-                  </a:schemeClr>
-                </a:solidFill>
-              </a:rPr>
-              <a:t>Pyzbar</a:t>
-            </a:r>
-            <a:endParaRPr kumimoji="1" lang="ja-JP" altLang="en-US" sz="2800">
-              <a:solidFill>
-                <a:schemeClr val="tx1">
-                  <a:lumMod val="85000"/>
-                  <a:lumOff val="15000"/>
-                </a:schemeClr>
-              </a:solidFill>
-            </a:endParaRPr>
-          </a:p>
-        </p:txBody>
-      </p:sp>
-      <p:sp>
-        <p:nvSpPr>
-          <p:cNvPr id="42" name="テキスト ボックス 41"/>
-          <p:cNvSpPr txBox="1"/>
-          <p:nvPr/>
-        </p:nvSpPr>
-        <p:spPr>
-          <a:xfrm>
-            <a:off x="10891651" y="3144432"/>
-            <a:ext cx="649961" cy="523220"/>
-          </a:xfrm>
-          <a:prstGeom prst="rect">
-            <a:avLst/>
-          </a:prstGeom>
-          <a:noFill/>
-          <a:ln w="25400">
-            <a:solidFill>
-              <a:schemeClr val="tx1"/>
-            </a:solidFill>
-          </a:ln>
-        </p:spPr>
-        <p:txBody>
-          <a:bodyPr wrap="square" rtlCol="0">
-            <a:spAutoFit/>
-          </a:bodyPr>
-          <a:lstStyle/>
-          <a:p>
-            <a:r>
-              <a:rPr kumimoji="1" lang="en-US" altLang="ja-JP" sz="2800" smtClean="0">
-                <a:solidFill>
-                  <a:schemeClr val="tx1">
-                    <a:lumMod val="85000"/>
-                    <a:lumOff val="15000"/>
-                  </a:schemeClr>
-                </a:solidFill>
-              </a:rPr>
-              <a:t>DB</a:t>
-            </a:r>
-            <a:endParaRPr kumimoji="1" lang="ja-JP" altLang="en-US" sz="2800">
-              <a:solidFill>
-                <a:schemeClr val="tx1">
-                  <a:lumMod val="85000"/>
-                  <a:lumOff val="15000"/>
-                </a:schemeClr>
-              </a:solidFill>
-            </a:endParaRPr>
-          </a:p>
-        </p:txBody>
-      </p:sp>
       <p:sp>
         <p:nvSpPr>
           <p:cNvPr id="43" name="角丸四角形 42"/>
@@ -12474,7 +8481,7 @@
           <a:lstStyle/>
           <a:p>
             <a:r>
-              <a:rPr lang="ja-JP" altLang="en-US" sz="2800" smtClean="0">
+              <a:rPr lang="ja-JP" altLang="en-US" sz="2800" dirty="0" smtClean="0">
                 <a:solidFill>
                   <a:schemeClr val="tx1">
                     <a:lumMod val="85000"/>
@@ -12484,7 +8491,7 @@
               </a:rPr>
               <a:t>画像データ</a:t>
             </a:r>
-            <a:endParaRPr lang="en-US" altLang="ja-JP" sz="2800" smtClean="0">
+            <a:endParaRPr lang="en-US" altLang="ja-JP" sz="2800" dirty="0" smtClean="0">
               <a:solidFill>
                 <a:schemeClr val="tx1">
                   <a:lumMod val="85000"/>
@@ -12495,7 +8502,7 @@
           </a:p>
           <a:p>
             <a:r>
-              <a:rPr kumimoji="1" lang="ja-JP" altLang="en-US" sz="2800" smtClean="0">
+              <a:rPr kumimoji="1" lang="ja-JP" altLang="en-US" sz="2800" dirty="0" smtClean="0">
                 <a:solidFill>
                   <a:schemeClr val="tx1">
                     <a:lumMod val="85000"/>
@@ -12506,7 +8513,7 @@
               <a:t>フラグ</a:t>
             </a:r>
             <a:r>
-              <a:rPr kumimoji="1" lang="en-US" altLang="ja-JP" sz="2800" smtClean="0">
+              <a:rPr kumimoji="1" lang="en-US" altLang="ja-JP" sz="2800" dirty="0" smtClean="0">
                 <a:solidFill>
                   <a:schemeClr val="tx1">
                     <a:lumMod val="85000"/>
@@ -12517,7 +8524,7 @@
               <a:t>(</a:t>
             </a:r>
             <a:r>
-              <a:rPr kumimoji="1" lang="ja-JP" altLang="en-US" sz="2800" smtClean="0">
+              <a:rPr kumimoji="1" lang="ja-JP" altLang="en-US" sz="2800" dirty="0" smtClean="0">
                 <a:solidFill>
                   <a:schemeClr val="tx1">
                     <a:lumMod val="85000"/>
@@ -12528,7 +8535,7 @@
               <a:t>追加</a:t>
             </a:r>
             <a:r>
-              <a:rPr kumimoji="1" lang="en-US" altLang="ja-JP" sz="2800" smtClean="0">
+              <a:rPr kumimoji="1" lang="en-US" altLang="ja-JP" sz="2800" dirty="0" smtClean="0">
                 <a:solidFill>
                   <a:schemeClr val="tx1">
                     <a:lumMod val="85000"/>
@@ -12539,7 +8546,7 @@
               <a:t>or</a:t>
             </a:r>
             <a:r>
-              <a:rPr kumimoji="1" lang="ja-JP" altLang="en-US" sz="2800" smtClean="0">
+              <a:rPr kumimoji="1" lang="ja-JP" altLang="en-US" sz="2800" dirty="0" smtClean="0">
                 <a:solidFill>
                   <a:schemeClr val="tx1">
                     <a:lumMod val="85000"/>
@@ -12550,7 +8557,7 @@
               <a:t>削除</a:t>
             </a:r>
             <a:r>
-              <a:rPr kumimoji="1" lang="en-US" altLang="ja-JP" sz="2800" smtClean="0">
+              <a:rPr kumimoji="1" lang="en-US" altLang="ja-JP" sz="2800" dirty="0" smtClean="0">
                 <a:solidFill>
                   <a:schemeClr val="tx1">
                     <a:lumMod val="85000"/>
@@ -12560,7 +8567,7 @@
               </a:rPr>
               <a:t>)</a:t>
             </a:r>
-            <a:endParaRPr kumimoji="1" lang="ja-JP" altLang="en-US" sz="2800">
+            <a:endParaRPr kumimoji="1" lang="ja-JP" altLang="en-US" sz="2800" dirty="0">
               <a:solidFill>
                 <a:schemeClr val="tx1">
                   <a:lumMod val="85000"/>
@@ -12619,88 +8626,26 @@
           </a:p>
         </p:txBody>
       </p:sp>
-      <p:pic>
-        <p:nvPicPr>
-          <p:cNvPr id="1042" name="Picture 18" descr="https://images-na.ssl-images-amazon.com/images/I/51BA1m4SS6L._AC_SL1000_.jpg"/>
-          <p:cNvPicPr>
-            <a:picLocks noChangeAspect="1" noChangeArrowheads="1"/>
-          </p:cNvPicPr>
-          <p:nvPr/>
-        </p:nvPicPr>
-        <p:blipFill>
-          <a:blip r:embed="rId10" cstate="print">
-            <a:extLst>
-              <a:ext uri="{28A0092B-C50C-407E-A947-70E740481C1C}">
-                <a14:useLocalDpi xmlns:a14="http://schemas.microsoft.com/office/drawing/2010/main" val="0"/>
-              </a:ext>
-            </a:extLst>
-          </a:blip>
-          <a:srcRect/>
-          <a:stretch>
-            <a:fillRect/>
-          </a:stretch>
-        </p:blipFill>
-        <p:spPr bwMode="auto">
-          <a:xfrm>
-            <a:off x="822858" y="3017697"/>
-            <a:ext cx="1485964" cy="802546"/>
-          </a:xfrm>
-          <a:prstGeom prst="rect">
-            <a:avLst/>
-          </a:prstGeom>
-          <a:noFill/>
-          <a:extLst>
-            <a:ext uri="{909E8E84-426E-40DD-AFC4-6F175D3DCCD1}">
-              <a14:hiddenFill xmlns:a14="http://schemas.microsoft.com/office/drawing/2010/main">
-                <a:solidFill>
-                  <a:srgbClr val="FFFFFF"/>
-                </a:solidFill>
-              </a14:hiddenFill>
-            </a:ext>
-          </a:extLst>
-        </p:spPr>
-      </p:pic>
-      <p:sp>
-        <p:nvSpPr>
-          <p:cNvPr id="52" name="テキスト ボックス 51"/>
-          <p:cNvSpPr txBox="1"/>
-          <p:nvPr/>
-        </p:nvSpPr>
-        <p:spPr>
-          <a:xfrm>
-            <a:off x="694694" y="2538404"/>
-            <a:ext cx="2264214" cy="523220"/>
-          </a:xfrm>
-          <a:prstGeom prst="rect">
-            <a:avLst/>
-          </a:prstGeom>
-          <a:noFill/>
-        </p:spPr>
-        <p:txBody>
-          <a:bodyPr wrap="square" rtlCol="0">
-            <a:spAutoFit/>
-          </a:bodyPr>
-          <a:lstStyle/>
-          <a:p>
-            <a:r>
-              <a:rPr lang="ja-JP" altLang="en-US" sz="2800" dirty="0" smtClean="0">
-                <a:solidFill>
-                  <a:schemeClr val="tx1">
-                    <a:lumMod val="85000"/>
-                    <a:lumOff val="15000"/>
-                  </a:schemeClr>
-                </a:solidFill>
-              </a:rPr>
-              <a:t>バッテリー</a:t>
-            </a:r>
-            <a:endParaRPr kumimoji="1" lang="ja-JP" altLang="en-US" sz="2800" dirty="0">
-              <a:solidFill>
-                <a:schemeClr val="tx1">
-                  <a:lumMod val="85000"/>
-                  <a:lumOff val="15000"/>
-                </a:schemeClr>
-              </a:solidFill>
-            </a:endParaRPr>
+      <p:sp>
+        <p:nvSpPr>
+          <p:cNvPr id="3" name="スライド番号プレースホルダー 2"/>
+          <p:cNvSpPr>
+            <a:spLocks noGrp="1"/>
+          </p:cNvSpPr>
+          <p:nvPr>
+            <p:ph type="sldNum" sz="quarter" idx="12"/>
+          </p:nvPr>
+        </p:nvSpPr>
+        <p:spPr/>
+        <p:txBody>
+          <a:bodyPr/>
+          <a:lstStyle/>
+          <a:p>
+            <a:fld id="{3C3988C9-8C6C-49D7-8D82-24DA391FB063}" type="slidenum">
+              <a:rPr kumimoji="1" lang="ja-JP" altLang="en-US" smtClean="0"/>
+              <a:t>7</a:t>
+            </a:fld>
+            <a:endParaRPr kumimoji="1" lang="ja-JP" altLang="en-US" dirty="0"/>
           </a:p>
         </p:txBody>
       </p:sp>
@@ -12708,92 +8653,6 @@
     <p:extLst>
       <p:ext uri="{BB962C8B-B14F-4D97-AF65-F5344CB8AC3E}">
         <p14:creationId xmlns:p14="http://schemas.microsoft.com/office/powerpoint/2010/main" val="1516190193"/>
-      </p:ext>
-    </p:extLst>
-  </p:cSld>
-  <p:clrMapOvr>
-    <a:masterClrMapping/>
-  </p:clrMapOvr>
-  <p:timing>
-    <p:tnLst>
-      <p:par>
-        <p:cTn id="1" dur="indefinite" restart="never" nodeType="tmRoot"/>
-      </p:par>
-    </p:tnLst>
-  </p:timing>
-</p:sld>
-</file>
-
-<file path=ppt/slides/slide7.xml><?xml version="1.0" encoding="utf-8"?>
-<p:sld xmlns:a="http://schemas.openxmlformats.org/drawingml/2006/main" xmlns:r="http://schemas.openxmlformats.org/officeDocument/2006/relationships" xmlns:p="http://schemas.openxmlformats.org/presentationml/2006/main">
-  <p:cSld>
-    <p:spTree>
-      <p:nvGrpSpPr>
-        <p:cNvPr id="1" name=""/>
-        <p:cNvGrpSpPr/>
-        <p:nvPr/>
-      </p:nvGrpSpPr>
-      <p:grpSpPr>
-        <a:xfrm>
-          <a:off x="0" y="0"/>
-          <a:ext cx="0" cy="0"/>
-          <a:chOff x="0" y="0"/>
-          <a:chExt cx="0" cy="0"/>
-        </a:xfrm>
-      </p:grpSpPr>
-      <p:sp>
-        <p:nvSpPr>
-          <p:cNvPr id="2" name="タイトル 1"/>
-          <p:cNvSpPr>
-            <a:spLocks noGrp="1"/>
-          </p:cNvSpPr>
-          <p:nvPr>
-            <p:ph type="title"/>
-          </p:nvPr>
-        </p:nvSpPr>
-        <p:spPr/>
-        <p:txBody>
-          <a:bodyPr/>
-          <a:lstStyle/>
-          <a:p>
-            <a:r>
-              <a:rPr lang="ja-JP" altLang="en-US" dirty="0" smtClean="0"/>
-              <a:t>メリット</a:t>
-            </a:r>
-            <a:r>
-              <a:rPr lang="ja-JP" altLang="en-US" dirty="0"/>
-              <a:t>・</a:t>
-            </a:r>
-            <a:r>
-              <a:rPr lang="ja-JP" altLang="en-US" dirty="0" smtClean="0"/>
-              <a:t>効果</a:t>
-            </a:r>
-            <a:endParaRPr kumimoji="1" lang="ja-JP" altLang="en-US" dirty="0"/>
-          </a:p>
-        </p:txBody>
-      </p:sp>
-      <p:graphicFrame>
-        <p:nvGraphicFramePr>
-          <p:cNvPr id="19" name="図表 18"/>
-          <p:cNvGraphicFramePr/>
-          <p:nvPr>
-            <p:extLst/>
-          </p:nvPr>
-        </p:nvGraphicFramePr>
-        <p:xfrm>
-          <a:off x="1097280" y="1737360"/>
-          <a:ext cx="10058400" cy="4603104"/>
-        </p:xfrm>
-        <a:graphic>
-          <a:graphicData uri="http://schemas.openxmlformats.org/drawingml/2006/diagram">
-            <dgm:relIds xmlns:dgm="http://schemas.openxmlformats.org/drawingml/2006/diagram" xmlns:r="http://schemas.openxmlformats.org/officeDocument/2006/relationships" r:dm="rId3" r:lo="rId4" r:qs="rId5" r:cs="rId6"/>
-          </a:graphicData>
-        </a:graphic>
-      </p:graphicFrame>
-    </p:spTree>
-    <p:extLst>
-      <p:ext uri="{BB962C8B-B14F-4D97-AF65-F5344CB8AC3E}">
-        <p14:creationId xmlns:p14="http://schemas.microsoft.com/office/powerpoint/2010/main" val="2180615710"/>
       </p:ext>
     </p:extLst>
   </p:cSld>
@@ -12827,631 +8686,229 @@
           <a:chExt cx="0" cy="0"/>
         </a:xfrm>
       </p:grpSpPr>
-      <p:cxnSp>
-        <p:nvCxnSpPr>
-          <p:cNvPr id="13" name="直線コネクタ 12"/>
-          <p:cNvCxnSpPr/>
+      <p:pic>
+        <p:nvPicPr>
+          <p:cNvPr id="2" name="図 1"/>
+          <p:cNvPicPr>
+            <a:picLocks noChangeAspect="1"/>
+          </p:cNvPicPr>
           <p:nvPr/>
-        </p:nvCxnSpPr>
+        </p:nvPicPr>
+        <p:blipFill>
+          <a:blip r:embed="rId2">
+            <a:extLst>
+              <a:ext uri="{28A0092B-C50C-407E-A947-70E740481C1C}">
+                <a14:useLocalDpi xmlns:a14="http://schemas.microsoft.com/office/drawing/2010/main" val="0"/>
+              </a:ext>
+            </a:extLst>
+          </a:blip>
+          <a:stretch>
+            <a:fillRect/>
+          </a:stretch>
+        </p:blipFill>
         <p:spPr>
-          <a:xfrm rot="16200000">
-            <a:off x="6224412" y="998085"/>
-            <a:ext cx="4180114" cy="4377067"/>
-          </a:xfrm>
-          <a:prstGeom prst="line">
-            <a:avLst/>
-          </a:prstGeom>
-          <a:ln w="50800">
-            <a:solidFill>
-              <a:schemeClr val="tx1">
-                <a:lumMod val="75000"/>
-                <a:lumOff val="25000"/>
-              </a:schemeClr>
-            </a:solidFill>
-          </a:ln>
-        </p:spPr>
-        <p:style>
-          <a:lnRef idx="2">
-            <a:schemeClr val="dk1"/>
-          </a:lnRef>
-          <a:fillRef idx="0">
-            <a:schemeClr val="dk1"/>
-          </a:fillRef>
-          <a:effectRef idx="1">
-            <a:schemeClr val="dk1"/>
-          </a:effectRef>
-          <a:fontRef idx="minor">
-            <a:schemeClr val="tx1"/>
-          </a:fontRef>
-        </p:style>
-      </p:cxnSp>
-      <p:cxnSp>
-        <p:nvCxnSpPr>
-          <p:cNvPr id="12" name="直線コネクタ 11"/>
-          <p:cNvCxnSpPr/>
-          <p:nvPr/>
-        </p:nvCxnSpPr>
-        <p:spPr>
-          <a:xfrm>
-            <a:off x="1251177" y="1249136"/>
-            <a:ext cx="4180114" cy="4377067"/>
-          </a:xfrm>
-          <a:prstGeom prst="line">
-            <a:avLst/>
-          </a:prstGeom>
-          <a:ln w="50800">
-            <a:solidFill>
-              <a:schemeClr val="tx1">
-                <a:lumMod val="75000"/>
-                <a:lumOff val="25000"/>
-              </a:schemeClr>
-            </a:solidFill>
-          </a:ln>
-        </p:spPr>
-        <p:style>
-          <a:lnRef idx="2">
-            <a:schemeClr val="dk1"/>
-          </a:lnRef>
-          <a:fillRef idx="0">
-            <a:schemeClr val="dk1"/>
-          </a:fillRef>
-          <a:effectRef idx="1">
-            <a:schemeClr val="dk1"/>
-          </a:effectRef>
-          <a:fontRef idx="minor">
-            <a:schemeClr val="tx1"/>
-          </a:fontRef>
-        </p:style>
-      </p:cxnSp>
-      <p:sp>
-        <p:nvSpPr>
-          <p:cNvPr id="2" name="正方形/長方形 1"/>
-          <p:cNvSpPr/>
-          <p:nvPr/>
-        </p:nvSpPr>
-        <p:spPr>
-          <a:xfrm>
-            <a:off x="532038" y="461281"/>
-            <a:ext cx="2016579" cy="1004207"/>
+          <a:xfrm>
+            <a:off x="0" y="1289956"/>
+            <a:ext cx="5365379" cy="4800602"/>
           </a:xfrm>
           <a:prstGeom prst="rect">
             <a:avLst/>
           </a:prstGeom>
-          <a:ln>
-            <a:noFill/>
-          </a:ln>
-        </p:spPr>
-        <p:style>
-          <a:lnRef idx="2">
-            <a:schemeClr val="accent1">
-              <a:shade val="50000"/>
-            </a:schemeClr>
-          </a:lnRef>
-          <a:fillRef idx="1">
-            <a:schemeClr val="accent1"/>
-          </a:fillRef>
-          <a:effectRef idx="0">
-            <a:schemeClr val="accent1"/>
-          </a:effectRef>
-          <a:fontRef idx="minor">
-            <a:schemeClr val="lt1"/>
-          </a:fontRef>
-        </p:style>
-        <p:txBody>
-          <a:bodyPr rtlCol="0" anchor="ctr"/>
-          <a:lstStyle/>
-          <a:p>
-            <a:pPr algn="ctr"/>
-            <a:r>
-              <a:rPr lang="ja-JP" altLang="en-US" smtClean="0"/>
-              <a:t>要求</a:t>
-            </a:r>
-            <a:r>
-              <a:rPr lang="ja-JP" altLang="en-US"/>
-              <a:t>分析</a:t>
-            </a:r>
-            <a:endParaRPr kumimoji="1" lang="ja-JP" altLang="en-US"/>
-          </a:p>
-        </p:txBody>
-      </p:sp>
-      <p:sp>
-        <p:nvSpPr>
-          <p:cNvPr id="3" name="正方形/長方形 2"/>
-          <p:cNvSpPr/>
+        </p:spPr>
+      </p:pic>
+      <p:sp>
+        <p:nvSpPr>
+          <p:cNvPr id="9" name="テキスト ボックス 8"/>
+          <p:cNvSpPr txBox="1"/>
           <p:nvPr/>
         </p:nvSpPr>
         <p:spPr>
           <a:xfrm>
-            <a:off x="1540327" y="2015554"/>
-            <a:ext cx="2016579" cy="1004207"/>
+            <a:off x="7241721" y="495787"/>
+            <a:ext cx="2547258" cy="461665"/>
           </a:xfrm>
           <a:prstGeom prst="rect">
             <a:avLst/>
           </a:prstGeom>
-          <a:ln>
-            <a:noFill/>
-          </a:ln>
-        </p:spPr>
-        <p:style>
-          <a:lnRef idx="2">
-            <a:schemeClr val="accent1">
-              <a:shade val="50000"/>
-            </a:schemeClr>
-          </a:lnRef>
-          <a:fillRef idx="1">
-            <a:schemeClr val="accent1"/>
-          </a:fillRef>
-          <a:effectRef idx="0">
-            <a:schemeClr val="accent1"/>
-          </a:effectRef>
-          <a:fontRef idx="minor">
-            <a:schemeClr val="lt1"/>
-          </a:fontRef>
-        </p:style>
-        <p:txBody>
-          <a:bodyPr rtlCol="0" anchor="ctr"/>
-          <a:lstStyle/>
-          <a:p>
-            <a:pPr algn="ctr"/>
-            <a:r>
+          <a:noFill/>
+        </p:spPr>
+        <p:txBody>
+          <a:bodyPr wrap="square" rtlCol="0">
+            <a:spAutoFit/>
+          </a:bodyPr>
+          <a:lstStyle/>
+          <a:p>
+            <a:r>
+              <a:rPr kumimoji="1" lang="ja-JP" altLang="en-US" sz="2400" dirty="0" smtClean="0"/>
+              <a:t>開発の方針、構成</a:t>
+            </a:r>
+            <a:endParaRPr kumimoji="1" lang="ja-JP" altLang="en-US" sz="2400" dirty="0"/>
+          </a:p>
+        </p:txBody>
+      </p:sp>
+      <p:sp>
+        <p:nvSpPr>
+          <p:cNvPr id="10" name="スライド番号プレースホルダー 9"/>
+          <p:cNvSpPr>
+            <a:spLocks noGrp="1"/>
+          </p:cNvSpPr>
+          <p:nvPr>
+            <p:ph type="sldNum" sz="quarter" idx="12"/>
+          </p:nvPr>
+        </p:nvSpPr>
+        <p:spPr/>
+        <p:txBody>
+          <a:bodyPr/>
+          <a:lstStyle/>
+          <a:p>
+            <a:fld id="{3C3988C9-8C6C-49D7-8D82-24DA391FB063}" type="slidenum">
               <a:rPr kumimoji="1" lang="ja-JP" altLang="en-US" smtClean="0"/>
-              <a:t>基本設計</a:t>
-            </a:r>
+              <a:t>8</a:t>
+            </a:fld>
             <a:endParaRPr kumimoji="1" lang="ja-JP" altLang="en-US"/>
           </a:p>
         </p:txBody>
       </p:sp>
       <p:sp>
         <p:nvSpPr>
-          <p:cNvPr id="5" name="正方形/長方形 4"/>
-          <p:cNvSpPr/>
+          <p:cNvPr id="11" name="テキスト ボックス 10"/>
+          <p:cNvSpPr txBox="1"/>
           <p:nvPr/>
         </p:nvSpPr>
         <p:spPr>
           <a:xfrm>
-            <a:off x="4736646" y="5124100"/>
-            <a:ext cx="2016579" cy="1004207"/>
+            <a:off x="5725206" y="1063588"/>
+            <a:ext cx="5580288" cy="3416320"/>
           </a:xfrm>
           <a:prstGeom prst="rect">
             <a:avLst/>
           </a:prstGeom>
-          <a:ln>
-            <a:noFill/>
-          </a:ln>
-        </p:spPr>
-        <p:style>
-          <a:lnRef idx="2">
-            <a:schemeClr val="accent1">
-              <a:shade val="50000"/>
-            </a:schemeClr>
-          </a:lnRef>
-          <a:fillRef idx="1">
-            <a:schemeClr val="accent1"/>
-          </a:fillRef>
-          <a:effectRef idx="0">
-            <a:schemeClr val="accent1"/>
-          </a:effectRef>
-          <a:fontRef idx="minor">
-            <a:schemeClr val="lt1"/>
-          </a:fontRef>
-        </p:style>
-        <p:txBody>
-          <a:bodyPr rtlCol="0" anchor="ctr"/>
-          <a:lstStyle/>
-          <a:p>
-            <a:pPr algn="ctr"/>
-            <a:r>
-              <a:rPr kumimoji="1" lang="ja-JP" altLang="en-US" smtClean="0"/>
-              <a:t>実装</a:t>
-            </a:r>
-            <a:endParaRPr kumimoji="1" lang="ja-JP" altLang="en-US"/>
-          </a:p>
-        </p:txBody>
-      </p:sp>
-      <p:sp>
-        <p:nvSpPr>
-          <p:cNvPr id="7" name="正方形/長方形 6"/>
-          <p:cNvSpPr/>
+          <a:noFill/>
+        </p:spPr>
+        <p:txBody>
+          <a:bodyPr wrap="square" rtlCol="0">
+            <a:spAutoFit/>
+          </a:bodyPr>
+          <a:lstStyle/>
+          <a:p>
+            <a:r>
+              <a:rPr kumimoji="1" lang="ja-JP" altLang="en-US" sz="2400" dirty="0" smtClean="0"/>
+              <a:t>・</a:t>
+            </a:r>
+            <a:r>
+              <a:rPr kumimoji="1" lang="en-US" altLang="ja-JP" sz="2400" dirty="0" smtClean="0"/>
+              <a:t>V</a:t>
+            </a:r>
+            <a:r>
+              <a:rPr kumimoji="1" lang="ja-JP" altLang="en-US" sz="2400" dirty="0" smtClean="0"/>
+              <a:t>モデルに従って開発</a:t>
+            </a:r>
+            <a:endParaRPr kumimoji="1" lang="en-US" altLang="ja-JP" sz="2400" dirty="0" smtClean="0"/>
+          </a:p>
+          <a:p>
+            <a:endParaRPr kumimoji="1" lang="en-US" altLang="ja-JP" sz="2400" dirty="0" smtClean="0"/>
+          </a:p>
+          <a:p>
+            <a:r>
+              <a:rPr kumimoji="1" lang="ja-JP" altLang="en-US" sz="2400" dirty="0" smtClean="0"/>
+              <a:t>・</a:t>
+            </a:r>
+            <a:r>
+              <a:rPr kumimoji="1" lang="en-US" altLang="ja-JP" sz="2400" dirty="0" smtClean="0"/>
+              <a:t>UML</a:t>
+            </a:r>
+            <a:r>
+              <a:rPr lang="ja-JP" altLang="en-US" sz="2400" dirty="0"/>
+              <a:t>言語</a:t>
+            </a:r>
+            <a:r>
+              <a:rPr lang="ja-JP" altLang="en-US" sz="2400" dirty="0" smtClean="0"/>
+              <a:t>を用いてシステム設計を行う</a:t>
+            </a:r>
+            <a:endParaRPr lang="en-US" altLang="ja-JP" sz="2400" dirty="0" smtClean="0"/>
+          </a:p>
+          <a:p>
+            <a:endParaRPr lang="en-US" altLang="ja-JP" sz="2400" dirty="0" smtClean="0"/>
+          </a:p>
+          <a:p>
+            <a:r>
+              <a:rPr kumimoji="1" lang="ja-JP" altLang="en-US" sz="2400" dirty="0" smtClean="0"/>
+              <a:t>・</a:t>
+            </a:r>
+            <a:r>
+              <a:rPr lang="ja-JP" altLang="en-US" sz="2400" dirty="0" smtClean="0"/>
+              <a:t>ラズパイの各種処理は</a:t>
+            </a:r>
+            <a:r>
+              <a:rPr lang="en-US" altLang="ja-JP" sz="2400" dirty="0" smtClean="0"/>
+              <a:t>Python</a:t>
+            </a:r>
+            <a:r>
+              <a:rPr lang="ja-JP" altLang="en-US" sz="2400" dirty="0" smtClean="0"/>
+              <a:t>を使用</a:t>
+            </a:r>
+            <a:endParaRPr lang="en-US" altLang="ja-JP" sz="2400" dirty="0" smtClean="0"/>
+          </a:p>
+          <a:p>
+            <a:endParaRPr lang="en-US" altLang="ja-JP" sz="2400" dirty="0" smtClean="0"/>
+          </a:p>
+          <a:p>
+            <a:r>
+              <a:rPr kumimoji="1" lang="ja-JP" altLang="en-US" sz="2400" dirty="0" smtClean="0"/>
+              <a:t>・サーバの各種処理も</a:t>
+            </a:r>
+            <a:r>
+              <a:rPr kumimoji="1" lang="en-US" altLang="ja-JP" sz="2400" dirty="0" smtClean="0"/>
+              <a:t>Python</a:t>
+            </a:r>
+            <a:r>
+              <a:rPr kumimoji="1" lang="ja-JP" altLang="en-US" sz="2400" dirty="0" smtClean="0"/>
+              <a:t>を使用</a:t>
+            </a:r>
+            <a:endParaRPr kumimoji="1" lang="en-US" altLang="ja-JP" sz="2400" dirty="0" smtClean="0"/>
+          </a:p>
+          <a:p>
+            <a:endParaRPr lang="en-US" altLang="ja-JP" sz="2400" dirty="0"/>
+          </a:p>
+          <a:p>
+            <a:endParaRPr kumimoji="1" lang="ja-JP" altLang="en-US" sz="2400" dirty="0"/>
+          </a:p>
+        </p:txBody>
+      </p:sp>
+      <p:sp>
+        <p:nvSpPr>
+          <p:cNvPr id="12" name="テキスト ボックス 11"/>
+          <p:cNvSpPr txBox="1"/>
           <p:nvPr/>
         </p:nvSpPr>
         <p:spPr>
           <a:xfrm>
-            <a:off x="6532790" y="3569826"/>
-            <a:ext cx="2016579" cy="1004207"/>
+            <a:off x="1641022" y="893604"/>
+            <a:ext cx="2988128" cy="461665"/>
           </a:xfrm>
           <a:prstGeom prst="rect">
             <a:avLst/>
           </a:prstGeom>
-          <a:ln>
-            <a:noFill/>
-          </a:ln>
-        </p:spPr>
-        <p:style>
-          <a:lnRef idx="2">
-            <a:schemeClr val="accent1">
-              <a:shade val="50000"/>
-            </a:schemeClr>
-          </a:lnRef>
-          <a:fillRef idx="1">
-            <a:schemeClr val="accent1"/>
-          </a:fillRef>
-          <a:effectRef idx="0">
-            <a:schemeClr val="accent1"/>
-          </a:effectRef>
-          <a:fontRef idx="minor">
-            <a:schemeClr val="lt1"/>
-          </a:fontRef>
-        </p:style>
-        <p:txBody>
-          <a:bodyPr rtlCol="0" anchor="ctr"/>
-          <a:lstStyle/>
-          <a:p>
-            <a:pPr algn="ctr"/>
-            <a:r>
-              <a:rPr kumimoji="1" lang="ja-JP" altLang="en-US" smtClean="0"/>
-              <a:t>単体テスト</a:t>
-            </a:r>
-            <a:endParaRPr kumimoji="1" lang="ja-JP" altLang="en-US"/>
-          </a:p>
-        </p:txBody>
-      </p:sp>
-      <p:sp>
-        <p:nvSpPr>
-          <p:cNvPr id="8" name="正方形/長方形 7"/>
-          <p:cNvSpPr/>
-          <p:nvPr/>
-        </p:nvSpPr>
-        <p:spPr>
-          <a:xfrm>
-            <a:off x="2720067" y="3569827"/>
-            <a:ext cx="2016579" cy="1004207"/>
-          </a:xfrm>
-          <a:prstGeom prst="rect">
-            <a:avLst/>
-          </a:prstGeom>
-          <a:ln>
-            <a:noFill/>
-          </a:ln>
-        </p:spPr>
-        <p:style>
-          <a:lnRef idx="2">
-            <a:schemeClr val="accent1">
-              <a:shade val="50000"/>
-            </a:schemeClr>
-          </a:lnRef>
-          <a:fillRef idx="1">
-            <a:schemeClr val="accent1"/>
-          </a:fillRef>
-          <a:effectRef idx="0">
-            <a:schemeClr val="accent1"/>
-          </a:effectRef>
-          <a:fontRef idx="minor">
-            <a:schemeClr val="lt1"/>
-          </a:fontRef>
-        </p:style>
-        <p:txBody>
-          <a:bodyPr rtlCol="0" anchor="ctr"/>
-          <a:lstStyle/>
-          <a:p>
-            <a:pPr algn="ctr"/>
-            <a:r>
-              <a:rPr kumimoji="1" lang="ja-JP" altLang="en-US" smtClean="0"/>
-              <a:t>詳細設計</a:t>
-            </a:r>
-            <a:endParaRPr kumimoji="1" lang="ja-JP" altLang="en-US"/>
-          </a:p>
-        </p:txBody>
-      </p:sp>
-      <p:sp>
-        <p:nvSpPr>
-          <p:cNvPr id="9" name="正方形/長方形 8"/>
-          <p:cNvSpPr/>
-          <p:nvPr/>
-        </p:nvSpPr>
-        <p:spPr>
-          <a:xfrm>
-            <a:off x="8000319" y="2015554"/>
-            <a:ext cx="2016579" cy="1004207"/>
-          </a:xfrm>
-          <a:prstGeom prst="rect">
-            <a:avLst/>
-          </a:prstGeom>
-          <a:ln>
-            <a:noFill/>
-          </a:ln>
-        </p:spPr>
-        <p:style>
-          <a:lnRef idx="2">
-            <a:schemeClr val="accent1">
-              <a:shade val="50000"/>
-            </a:schemeClr>
-          </a:lnRef>
-          <a:fillRef idx="1">
-            <a:schemeClr val="accent1"/>
-          </a:fillRef>
-          <a:effectRef idx="0">
-            <a:schemeClr val="accent1"/>
-          </a:effectRef>
-          <a:fontRef idx="minor">
-            <a:schemeClr val="lt1"/>
-          </a:fontRef>
-        </p:style>
-        <p:txBody>
-          <a:bodyPr rtlCol="0" anchor="ctr"/>
-          <a:lstStyle/>
-          <a:p>
-            <a:pPr algn="ctr"/>
-            <a:r>
-              <a:rPr kumimoji="1" lang="ja-JP" altLang="en-US" smtClean="0"/>
-              <a:t>結合テスト</a:t>
-            </a:r>
-            <a:endParaRPr kumimoji="1" lang="ja-JP" altLang="en-US"/>
-          </a:p>
-        </p:txBody>
-      </p:sp>
-      <p:sp>
-        <p:nvSpPr>
-          <p:cNvPr id="10" name="正方形/長方形 9"/>
-          <p:cNvSpPr/>
-          <p:nvPr/>
-        </p:nvSpPr>
-        <p:spPr>
-          <a:xfrm>
-            <a:off x="9181068" y="461280"/>
-            <a:ext cx="2016579" cy="1004207"/>
-          </a:xfrm>
-          <a:prstGeom prst="rect">
-            <a:avLst/>
-          </a:prstGeom>
-          <a:ln>
-            <a:noFill/>
-          </a:ln>
-        </p:spPr>
-        <p:style>
-          <a:lnRef idx="2">
-            <a:schemeClr val="accent1">
-              <a:shade val="50000"/>
-            </a:schemeClr>
-          </a:lnRef>
-          <a:fillRef idx="1">
-            <a:schemeClr val="accent1"/>
-          </a:fillRef>
-          <a:effectRef idx="0">
-            <a:schemeClr val="accent1"/>
-          </a:effectRef>
-          <a:fontRef idx="minor">
-            <a:schemeClr val="lt1"/>
-          </a:fontRef>
-        </p:style>
-        <p:txBody>
-          <a:bodyPr rtlCol="0" anchor="ctr"/>
-          <a:lstStyle/>
-          <a:p>
-            <a:pPr algn="ctr"/>
-            <a:r>
-              <a:rPr kumimoji="1" lang="ja-JP" altLang="en-US" smtClean="0"/>
-              <a:t>総合テスト</a:t>
-            </a:r>
-            <a:endParaRPr kumimoji="1" lang="ja-JP" altLang="en-US"/>
-          </a:p>
-        </p:txBody>
-      </p:sp>
-      <p:sp>
-        <p:nvSpPr>
-          <p:cNvPr id="14" name="右矢印 13"/>
-          <p:cNvSpPr/>
-          <p:nvPr/>
-        </p:nvSpPr>
-        <p:spPr>
-          <a:xfrm>
-            <a:off x="2548617" y="710293"/>
-            <a:ext cx="6632451" cy="538843"/>
-          </a:xfrm>
-          <a:prstGeom prst="rightArrow">
-            <a:avLst/>
-          </a:prstGeom>
-          <a:solidFill>
-            <a:schemeClr val="tx1">
-              <a:lumMod val="65000"/>
-              <a:lumOff val="35000"/>
-            </a:schemeClr>
-          </a:solidFill>
-          <a:ln>
-            <a:noFill/>
-          </a:ln>
-        </p:spPr>
-        <p:style>
-          <a:lnRef idx="2">
-            <a:schemeClr val="accent1">
-              <a:shade val="50000"/>
-            </a:schemeClr>
-          </a:lnRef>
-          <a:fillRef idx="1">
-            <a:schemeClr val="accent1"/>
-          </a:fillRef>
-          <a:effectRef idx="0">
-            <a:schemeClr val="accent1"/>
-          </a:effectRef>
-          <a:fontRef idx="minor">
-            <a:schemeClr val="lt1"/>
-          </a:fontRef>
-        </p:style>
-        <p:txBody>
-          <a:bodyPr rtlCol="0" anchor="ctr"/>
-          <a:lstStyle/>
-          <a:p>
-            <a:pPr algn="ctr"/>
-            <a:r>
-              <a:rPr kumimoji="1" lang="ja-JP" altLang="en-US" smtClean="0"/>
-              <a:t>検証</a:t>
-            </a:r>
-            <a:endParaRPr kumimoji="1" lang="ja-JP" altLang="en-US"/>
-          </a:p>
-        </p:txBody>
-      </p:sp>
-      <p:sp>
-        <p:nvSpPr>
-          <p:cNvPr id="15" name="右矢印 14"/>
-          <p:cNvSpPr/>
-          <p:nvPr/>
-        </p:nvSpPr>
-        <p:spPr>
-          <a:xfrm>
-            <a:off x="3556906" y="2231943"/>
-            <a:ext cx="4443413" cy="538843"/>
-          </a:xfrm>
-          <a:prstGeom prst="rightArrow">
-            <a:avLst/>
-          </a:prstGeom>
-          <a:solidFill>
-            <a:schemeClr val="tx1">
-              <a:lumMod val="65000"/>
-              <a:lumOff val="35000"/>
-            </a:schemeClr>
-          </a:solidFill>
-          <a:ln>
-            <a:noFill/>
-          </a:ln>
-        </p:spPr>
-        <p:style>
-          <a:lnRef idx="2">
-            <a:schemeClr val="accent1">
-              <a:shade val="50000"/>
-            </a:schemeClr>
-          </a:lnRef>
-          <a:fillRef idx="1">
-            <a:schemeClr val="accent1"/>
-          </a:fillRef>
-          <a:effectRef idx="0">
-            <a:schemeClr val="accent1"/>
-          </a:effectRef>
-          <a:fontRef idx="minor">
-            <a:schemeClr val="lt1"/>
-          </a:fontRef>
-        </p:style>
-        <p:txBody>
-          <a:bodyPr rtlCol="0" anchor="ctr"/>
-          <a:lstStyle/>
-          <a:p>
-            <a:pPr algn="ctr"/>
-            <a:r>
-              <a:rPr kumimoji="1" lang="ja-JP" altLang="en-US" smtClean="0"/>
-              <a:t>検証</a:t>
-            </a:r>
-            <a:endParaRPr kumimoji="1" lang="ja-JP" altLang="en-US"/>
-          </a:p>
-        </p:txBody>
-      </p:sp>
-      <p:sp>
-        <p:nvSpPr>
-          <p:cNvPr id="20" name="左カーブ矢印 19"/>
-          <p:cNvSpPr/>
-          <p:nvPr/>
-        </p:nvSpPr>
-        <p:spPr>
-          <a:xfrm>
-            <a:off x="5698330" y="3519633"/>
-            <a:ext cx="787855" cy="1329433"/>
-          </a:xfrm>
-          <a:prstGeom prst="curvedLeftArrow">
-            <a:avLst/>
-          </a:prstGeom>
-          <a:solidFill>
-            <a:schemeClr val="tx1">
-              <a:lumMod val="65000"/>
-              <a:lumOff val="35000"/>
-            </a:schemeClr>
-          </a:solidFill>
-          <a:ln>
-            <a:noFill/>
-          </a:ln>
-        </p:spPr>
-        <p:style>
-          <a:lnRef idx="2">
-            <a:schemeClr val="accent1">
-              <a:shade val="50000"/>
-            </a:schemeClr>
-          </a:lnRef>
-          <a:fillRef idx="1">
-            <a:schemeClr val="accent1"/>
-          </a:fillRef>
-          <a:effectRef idx="0">
-            <a:schemeClr val="accent1"/>
-          </a:effectRef>
-          <a:fontRef idx="minor">
-            <a:schemeClr val="lt1"/>
-          </a:fontRef>
-        </p:style>
-        <p:txBody>
-          <a:bodyPr rtlCol="0" anchor="ctr"/>
-          <a:lstStyle/>
-          <a:p>
-            <a:pPr algn="ctr"/>
-            <a:endParaRPr kumimoji="1" lang="ja-JP" altLang="en-US">
-              <a:solidFill>
-                <a:schemeClr val="tx1"/>
-              </a:solidFill>
-            </a:endParaRPr>
-          </a:p>
-        </p:txBody>
-      </p:sp>
-      <p:sp>
-        <p:nvSpPr>
-          <p:cNvPr id="21" name="左カーブ矢印 20"/>
-          <p:cNvSpPr/>
-          <p:nvPr/>
-        </p:nvSpPr>
-        <p:spPr>
-          <a:xfrm rot="10800000">
-            <a:off x="4800258" y="3439702"/>
-            <a:ext cx="787855" cy="1329433"/>
-          </a:xfrm>
-          <a:prstGeom prst="curvedLeftArrow">
-            <a:avLst/>
-          </a:prstGeom>
-          <a:solidFill>
-            <a:schemeClr val="tx1">
-              <a:lumMod val="65000"/>
-              <a:lumOff val="35000"/>
-            </a:schemeClr>
-          </a:solidFill>
-          <a:ln>
-            <a:noFill/>
-          </a:ln>
-        </p:spPr>
-        <p:style>
-          <a:lnRef idx="2">
-            <a:schemeClr val="accent1">
-              <a:shade val="50000"/>
-            </a:schemeClr>
-          </a:lnRef>
-          <a:fillRef idx="1">
-            <a:schemeClr val="accent1"/>
-          </a:fillRef>
-          <a:effectRef idx="0">
-            <a:schemeClr val="accent1"/>
-          </a:effectRef>
-          <a:fontRef idx="minor">
-            <a:schemeClr val="lt1"/>
-          </a:fontRef>
-        </p:style>
-        <p:txBody>
-          <a:bodyPr rtlCol="0" anchor="ctr"/>
-          <a:lstStyle/>
-          <a:p>
-            <a:pPr algn="ctr"/>
-            <a:endParaRPr kumimoji="1" lang="ja-JP" altLang="en-US">
-              <a:solidFill>
-                <a:schemeClr val="tx1"/>
-              </a:solidFill>
-            </a:endParaRPr>
+          <a:noFill/>
+        </p:spPr>
+        <p:txBody>
+          <a:bodyPr wrap="square" rtlCol="0">
+            <a:spAutoFit/>
+          </a:bodyPr>
+          <a:lstStyle/>
+          <a:p>
+            <a:r>
+              <a:rPr kumimoji="1" lang="ja-JP" altLang="en-US" sz="2400" dirty="0" smtClean="0"/>
+              <a:t>ユースケース図</a:t>
+            </a:r>
+            <a:endParaRPr kumimoji="1" lang="ja-JP" altLang="en-US" sz="2400" dirty="0"/>
           </a:p>
         </p:txBody>
       </p:sp>
     </p:spTree>
     <p:extLst>
       <p:ext uri="{BB962C8B-B14F-4D97-AF65-F5344CB8AC3E}">
-        <p14:creationId xmlns:p14="http://schemas.microsoft.com/office/powerpoint/2010/main" val="977294317"/>
+        <p14:creationId xmlns:p14="http://schemas.microsoft.com/office/powerpoint/2010/main" val="4184936366"/>
       </p:ext>
     </p:extLst>
   </p:cSld>
@@ -13485,229 +8942,422 @@
           <a:chExt cx="0" cy="0"/>
         </a:xfrm>
       </p:grpSpPr>
-      <p:pic>
-        <p:nvPicPr>
-          <p:cNvPr id="4" name="コンテンツ プレースホルダー 3"/>
-          <p:cNvPicPr>
-            <a:picLocks noGrp="1" noChangeAspect="1"/>
-          </p:cNvPicPr>
-          <p:nvPr>
-            <p:ph idx="4294967295"/>
-          </p:nvPr>
-        </p:nvPicPr>
-        <p:blipFill>
-          <a:blip r:embed="rId2">
-            <a:extLst>
-              <a:ext uri="{28A0092B-C50C-407E-A947-70E740481C1C}">
-                <a14:useLocalDpi xmlns:a14="http://schemas.microsoft.com/office/drawing/2010/main" val="0"/>
-              </a:ext>
-            </a:extLst>
-          </a:blip>
-          <a:stretch>
-            <a:fillRect/>
-          </a:stretch>
-        </p:blipFill>
+      <p:sp>
+        <p:nvSpPr>
+          <p:cNvPr id="12" name="スライド番号プレースホルダー 11"/>
+          <p:cNvSpPr>
+            <a:spLocks noGrp="1"/>
+          </p:cNvSpPr>
+          <p:nvPr>
+            <p:ph type="sldNum" sz="quarter" idx="12"/>
+          </p:nvPr>
+        </p:nvSpPr>
+        <p:spPr/>
+        <p:txBody>
+          <a:bodyPr/>
+          <a:lstStyle/>
+          <a:p>
+            <a:fld id="{3C3988C9-8C6C-49D7-8D82-24DA391FB063}" type="slidenum">
+              <a:rPr kumimoji="1" lang="ja-JP" altLang="en-US" smtClean="0"/>
+              <a:t>9</a:t>
+            </a:fld>
+            <a:endParaRPr kumimoji="1" lang="ja-JP" altLang="en-US" dirty="0"/>
+          </a:p>
+        </p:txBody>
+      </p:sp>
+      <p:sp>
+        <p:nvSpPr>
+          <p:cNvPr id="3" name="タイトル 2"/>
+          <p:cNvSpPr>
+            <a:spLocks noGrp="1"/>
+          </p:cNvSpPr>
+          <p:nvPr>
+            <p:ph type="title" idx="4294967295"/>
+          </p:nvPr>
+        </p:nvSpPr>
         <p:spPr>
           <a:xfrm>
-            <a:off x="3212645" y="430582"/>
-            <a:ext cx="5057775" cy="5577199"/>
-          </a:xfrm>
-        </p:spPr>
-      </p:pic>
-      <p:sp>
-        <p:nvSpPr>
-          <p:cNvPr id="5" name="正方形/長方形 4"/>
-          <p:cNvSpPr/>
+            <a:off x="2035629" y="245145"/>
+            <a:ext cx="10058400" cy="904875"/>
+          </a:xfrm>
+        </p:spPr>
+        <p:txBody>
+          <a:bodyPr/>
+          <a:lstStyle/>
+          <a:p>
+            <a:r>
+              <a:rPr kumimoji="1" lang="ja-JP" altLang="en-US" dirty="0" smtClean="0"/>
+              <a:t>解析システムの実装方法</a:t>
+            </a:r>
+            <a:endParaRPr kumimoji="1" lang="ja-JP" altLang="en-US" dirty="0"/>
+          </a:p>
+        </p:txBody>
+      </p:sp>
+      <p:sp>
+        <p:nvSpPr>
+          <p:cNvPr id="2" name="テキスト ボックス 1"/>
+          <p:cNvSpPr txBox="1"/>
           <p:nvPr/>
         </p:nvSpPr>
         <p:spPr>
           <a:xfrm>
-            <a:off x="4204607" y="2253343"/>
-            <a:ext cx="4278086" cy="1804307"/>
+            <a:off x="1268729" y="1261984"/>
+            <a:ext cx="885213" cy="461665"/>
+          </a:xfrm>
+          <a:prstGeom prst="rect">
+            <a:avLst/>
+          </a:prstGeom>
+        </p:spPr>
+        <p:style>
+          <a:lnRef idx="2">
+            <a:schemeClr val="dk1"/>
+          </a:lnRef>
+          <a:fillRef idx="1">
+            <a:schemeClr val="lt1"/>
+          </a:fillRef>
+          <a:effectRef idx="0">
+            <a:schemeClr val="dk1"/>
+          </a:effectRef>
+          <a:fontRef idx="minor">
+            <a:schemeClr val="dk1"/>
+          </a:fontRef>
+        </p:style>
+        <p:txBody>
+          <a:bodyPr wrap="square" rtlCol="0">
+            <a:spAutoFit/>
+          </a:bodyPr>
+          <a:lstStyle/>
+          <a:p>
+            <a:r>
+              <a:rPr kumimoji="1" lang="ja-JP" altLang="en-US" sz="2400" dirty="0" smtClean="0"/>
+              <a:t>入力</a:t>
+            </a:r>
+            <a:endParaRPr kumimoji="1" lang="ja-JP" altLang="en-US" sz="2400" dirty="0"/>
+          </a:p>
+        </p:txBody>
+      </p:sp>
+      <p:sp>
+        <p:nvSpPr>
+          <p:cNvPr id="5" name="テキスト ボックス 4"/>
+          <p:cNvSpPr txBox="1"/>
+          <p:nvPr/>
+        </p:nvSpPr>
+        <p:spPr>
+          <a:xfrm>
+            <a:off x="9201596" y="1261984"/>
+            <a:ext cx="922119" cy="461665"/>
+          </a:xfrm>
+          <a:prstGeom prst="rect">
+            <a:avLst/>
+          </a:prstGeom>
+        </p:spPr>
+        <p:style>
+          <a:lnRef idx="2">
+            <a:schemeClr val="dk1"/>
+          </a:lnRef>
+          <a:fillRef idx="1">
+            <a:schemeClr val="lt1"/>
+          </a:fillRef>
+          <a:effectRef idx="0">
+            <a:schemeClr val="dk1"/>
+          </a:effectRef>
+          <a:fontRef idx="minor">
+            <a:schemeClr val="dk1"/>
+          </a:fontRef>
+        </p:style>
+        <p:txBody>
+          <a:bodyPr wrap="square" rtlCol="0">
+            <a:spAutoFit/>
+          </a:bodyPr>
+          <a:lstStyle/>
+          <a:p>
+            <a:r>
+              <a:rPr lang="ja-JP" altLang="en-US" sz="2400" dirty="0"/>
+              <a:t>出力</a:t>
+            </a:r>
+            <a:endParaRPr kumimoji="1" lang="ja-JP" altLang="en-US" sz="2400" dirty="0"/>
+          </a:p>
+        </p:txBody>
+      </p:sp>
+      <p:sp>
+        <p:nvSpPr>
+          <p:cNvPr id="6" name="テキスト ボックス 5"/>
+          <p:cNvSpPr txBox="1"/>
+          <p:nvPr/>
+        </p:nvSpPr>
+        <p:spPr>
+          <a:xfrm>
+            <a:off x="4718212" y="1261984"/>
+            <a:ext cx="1723409" cy="461665"/>
+          </a:xfrm>
+          <a:prstGeom prst="rect">
+            <a:avLst/>
+          </a:prstGeom>
+        </p:spPr>
+        <p:style>
+          <a:lnRef idx="2">
+            <a:schemeClr val="dk1"/>
+          </a:lnRef>
+          <a:fillRef idx="1">
+            <a:schemeClr val="lt1"/>
+          </a:fillRef>
+          <a:effectRef idx="0">
+            <a:schemeClr val="dk1"/>
+          </a:effectRef>
+          <a:fontRef idx="minor">
+            <a:schemeClr val="dk1"/>
+          </a:fontRef>
+        </p:style>
+        <p:txBody>
+          <a:bodyPr wrap="square" rtlCol="0">
+            <a:spAutoFit/>
+          </a:bodyPr>
+          <a:lstStyle/>
+          <a:p>
+            <a:r>
+              <a:rPr lang="ja-JP" altLang="en-US" sz="2400" dirty="0" smtClean="0"/>
+              <a:t>サーバ</a:t>
+            </a:r>
+            <a:r>
+              <a:rPr lang="ja-JP" altLang="en-US" sz="2400" dirty="0"/>
+              <a:t>処理</a:t>
+            </a:r>
+            <a:endParaRPr kumimoji="1" lang="ja-JP" altLang="en-US" sz="2400" dirty="0"/>
+          </a:p>
+        </p:txBody>
+      </p:sp>
+      <p:sp>
+        <p:nvSpPr>
+          <p:cNvPr id="7" name="テキスト ボックス 6"/>
+          <p:cNvSpPr txBox="1"/>
+          <p:nvPr/>
+        </p:nvSpPr>
+        <p:spPr>
+          <a:xfrm>
+            <a:off x="370115" y="2139607"/>
+            <a:ext cx="3331028" cy="1200329"/>
           </a:xfrm>
           <a:prstGeom prst="rect">
             <a:avLst/>
           </a:prstGeom>
           <a:noFill/>
-          <a:ln w="28575">
-            <a:solidFill>
-              <a:srgbClr val="C00000"/>
-            </a:solidFill>
+          <a:ln>
+            <a:noFill/>
           </a:ln>
         </p:spPr>
         <p:style>
-          <a:lnRef idx="2">
-            <a:schemeClr val="accent1">
-              <a:shade val="50000"/>
-            </a:schemeClr>
+          <a:lnRef idx="0">
+            <a:scrgbClr r="0" g="0" b="0"/>
           </a:lnRef>
-          <a:fillRef idx="1">
-            <a:schemeClr val="accent1"/>
+          <a:fillRef idx="0">
+            <a:scrgbClr r="0" g="0" b="0"/>
           </a:fillRef>
           <a:effectRef idx="0">
-            <a:schemeClr val="accent1"/>
+            <a:scrgbClr r="0" g="0" b="0"/>
           </a:effectRef>
           <a:fontRef idx="minor">
-            <a:schemeClr val="lt1"/>
+            <a:schemeClr val="dk1"/>
           </a:fontRef>
         </p:style>
         <p:txBody>
-          <a:bodyPr rtlCol="0" anchor="ctr"/>
-          <a:lstStyle/>
-          <a:p>
-            <a:pPr algn="ctr"/>
-            <a:endParaRPr kumimoji="1" lang="ja-JP" altLang="en-US"/>
-          </a:p>
-        </p:txBody>
-      </p:sp>
-      <p:sp>
-        <p:nvSpPr>
-          <p:cNvPr id="3" name="角丸四角形 2"/>
-          <p:cNvSpPr/>
-          <p:nvPr/>
-        </p:nvSpPr>
-        <p:spPr>
-          <a:xfrm>
-            <a:off x="6735536" y="2325192"/>
-            <a:ext cx="2457450" cy="773155"/>
-          </a:xfrm>
-          <a:prstGeom prst="roundRect">
-            <a:avLst/>
-          </a:prstGeom>
-          <a:noFill/>
-          <a:ln w="28575"/>
-        </p:spPr>
-        <p:style>
-          <a:lnRef idx="2">
-            <a:schemeClr val="accent1">
-              <a:shade val="50000"/>
-            </a:schemeClr>
-          </a:lnRef>
-          <a:fillRef idx="1">
-            <a:schemeClr val="accent1"/>
-          </a:fillRef>
-          <a:effectRef idx="0">
-            <a:schemeClr val="accent1"/>
-          </a:effectRef>
-          <a:fontRef idx="minor">
-            <a:schemeClr val="lt1"/>
-          </a:fontRef>
-        </p:style>
-        <p:txBody>
-          <a:bodyPr rtlCol="0" anchor="ctr"/>
-          <a:lstStyle/>
-          <a:p>
-            <a:pPr algn="ctr"/>
-            <a:endParaRPr kumimoji="1" lang="ja-JP" altLang="en-US"/>
-          </a:p>
-        </p:txBody>
-      </p:sp>
-      <p:sp>
-        <p:nvSpPr>
-          <p:cNvPr id="6" name="角丸四角形 5"/>
-          <p:cNvSpPr/>
-          <p:nvPr/>
-        </p:nvSpPr>
-        <p:spPr>
-          <a:xfrm>
-            <a:off x="6735536" y="3155496"/>
-            <a:ext cx="2457450" cy="773155"/>
-          </a:xfrm>
-          <a:prstGeom prst="roundRect">
-            <a:avLst/>
-          </a:prstGeom>
-          <a:noFill/>
-          <a:ln w="28575"/>
-        </p:spPr>
-        <p:style>
-          <a:lnRef idx="2">
-            <a:schemeClr val="accent1">
-              <a:shade val="50000"/>
-            </a:schemeClr>
-          </a:lnRef>
-          <a:fillRef idx="1">
-            <a:schemeClr val="accent1"/>
-          </a:fillRef>
-          <a:effectRef idx="0">
-            <a:schemeClr val="accent1"/>
-          </a:effectRef>
-          <a:fontRef idx="minor">
-            <a:schemeClr val="lt1"/>
-          </a:fontRef>
-        </p:style>
-        <p:txBody>
-          <a:bodyPr rtlCol="0" anchor="ctr"/>
-          <a:lstStyle/>
-          <a:p>
-            <a:pPr algn="ctr"/>
-            <a:endParaRPr kumimoji="1" lang="ja-JP" altLang="en-US"/>
-          </a:p>
-        </p:txBody>
-      </p:sp>
-      <p:sp>
-        <p:nvSpPr>
-          <p:cNvPr id="7" name="テキスト ボックス 6"/>
+          <a:bodyPr wrap="square" rtlCol="0">
+            <a:spAutoFit/>
+          </a:bodyPr>
+          <a:lstStyle/>
+          <a:p>
+            <a:r>
+              <a:rPr kumimoji="1" lang="ja-JP" altLang="en-US" sz="2400" dirty="0" smtClean="0"/>
+              <a:t>ラズベリーパイから送信された画像データと</a:t>
+            </a:r>
+            <a:endParaRPr kumimoji="1" lang="en-US" altLang="ja-JP" sz="2400" dirty="0" smtClean="0"/>
+          </a:p>
+          <a:p>
+            <a:r>
+              <a:rPr kumimoji="1" lang="ja-JP" altLang="en-US" sz="2400" dirty="0" smtClean="0"/>
+              <a:t>フラグ</a:t>
+            </a:r>
+            <a:r>
+              <a:rPr kumimoji="1" lang="en-US" altLang="ja-JP" sz="2400" dirty="0" smtClean="0"/>
+              <a:t>(</a:t>
+            </a:r>
+            <a:r>
+              <a:rPr kumimoji="1" lang="ja-JP" altLang="en-US" sz="2400" dirty="0" smtClean="0"/>
+              <a:t>追加</a:t>
+            </a:r>
+            <a:r>
+              <a:rPr kumimoji="1" lang="en-US" altLang="ja-JP" sz="2400" dirty="0" smtClean="0"/>
+              <a:t>or</a:t>
+            </a:r>
+            <a:r>
+              <a:rPr kumimoji="1" lang="ja-JP" altLang="en-US" sz="2400" dirty="0" smtClean="0"/>
+              <a:t>削除</a:t>
+            </a:r>
+            <a:r>
+              <a:rPr kumimoji="1" lang="en-US" altLang="ja-JP" sz="2400" dirty="0" smtClean="0"/>
+              <a:t>)</a:t>
+            </a:r>
+            <a:endParaRPr kumimoji="1" lang="ja-JP" altLang="en-US" sz="2400" dirty="0"/>
+          </a:p>
+        </p:txBody>
+      </p:sp>
+      <p:sp>
+        <p:nvSpPr>
+          <p:cNvPr id="8" name="テキスト ボックス 7"/>
           <p:cNvSpPr txBox="1"/>
           <p:nvPr/>
         </p:nvSpPr>
         <p:spPr>
           <a:xfrm>
-            <a:off x="8718690" y="3266529"/>
-            <a:ext cx="461665" cy="726621"/>
+            <a:off x="4143579" y="2023148"/>
+            <a:ext cx="4049486" cy="4431983"/>
           </a:xfrm>
           <a:prstGeom prst="rect">
             <a:avLst/>
           </a:prstGeom>
           <a:noFill/>
-        </p:spPr>
-        <p:txBody>
-          <a:bodyPr vert="eaVert" wrap="square" rtlCol="0">
+          <a:ln>
+            <a:noFill/>
+          </a:ln>
+        </p:spPr>
+        <p:style>
+          <a:lnRef idx="0">
+            <a:scrgbClr r="0" g="0" b="0"/>
+          </a:lnRef>
+          <a:fillRef idx="0">
+            <a:scrgbClr r="0" g="0" b="0"/>
+          </a:fillRef>
+          <a:effectRef idx="0">
+            <a:scrgbClr r="0" g="0" b="0"/>
+          </a:effectRef>
+          <a:fontRef idx="minor">
+            <a:schemeClr val="dk1"/>
+          </a:fontRef>
+        </p:style>
+        <p:txBody>
+          <a:bodyPr wrap="square" rtlCol="0">
             <a:spAutoFit/>
           </a:bodyPr>
           <a:lstStyle/>
           <a:p>
             <a:r>
-              <a:rPr kumimoji="1" lang="ja-JP" altLang="en-US" smtClean="0"/>
-              <a:t>真鍋</a:t>
-            </a:r>
-            <a:endParaRPr kumimoji="1" lang="ja-JP" altLang="en-US"/>
-          </a:p>
-        </p:txBody>
-      </p:sp>
-      <p:sp>
-        <p:nvSpPr>
-          <p:cNvPr id="8" name="テキスト ボックス 7"/>
+              <a:rPr kumimoji="1" lang="ja-JP" altLang="en-US" sz="2400" dirty="0" smtClean="0"/>
+              <a:t>・</a:t>
+            </a:r>
+            <a:r>
+              <a:rPr kumimoji="1" lang="en-US" altLang="ja-JP" sz="2400" dirty="0" smtClean="0"/>
+              <a:t>Yolo</a:t>
+            </a:r>
+            <a:endParaRPr lang="en-US" altLang="ja-JP" sz="2400" dirty="0"/>
+          </a:p>
+          <a:p>
+            <a:r>
+              <a:rPr kumimoji="1" lang="ja-JP" altLang="en-US" sz="2400" dirty="0" smtClean="0"/>
+              <a:t>画像からバーコードが写っている座標の取得</a:t>
+            </a:r>
+            <a:r>
+              <a:rPr kumimoji="1" lang="en-US" altLang="ja-JP" sz="2400" dirty="0" smtClean="0"/>
+              <a:t>(</a:t>
+            </a:r>
+            <a:r>
+              <a:rPr kumimoji="1" lang="en-US" altLang="ja-JP" sz="2400" dirty="0" err="1" smtClean="0"/>
+              <a:t>x,y,h,w</a:t>
+            </a:r>
+            <a:r>
+              <a:rPr kumimoji="1" lang="en-US" altLang="ja-JP" sz="2400" dirty="0" smtClean="0"/>
+              <a:t>)</a:t>
+            </a:r>
+          </a:p>
+          <a:p>
+            <a:endParaRPr lang="en-US" altLang="ja-JP" sz="2400" dirty="0"/>
+          </a:p>
+          <a:p>
+            <a:r>
+              <a:rPr kumimoji="1" lang="ja-JP" altLang="en-US" sz="2400" dirty="0" smtClean="0"/>
+              <a:t>・画像処理</a:t>
+            </a:r>
+            <a:endParaRPr lang="en-US" altLang="ja-JP" sz="2400" dirty="0"/>
+          </a:p>
+          <a:p>
+            <a:r>
+              <a:rPr kumimoji="1" lang="ja-JP" altLang="en-US" sz="2400" dirty="0" smtClean="0"/>
+              <a:t>画像の切り取り、グレイスケール化</a:t>
+            </a:r>
+            <a:endParaRPr kumimoji="1" lang="en-US" altLang="ja-JP" sz="2400" dirty="0" smtClean="0"/>
+          </a:p>
+          <a:p>
+            <a:endParaRPr lang="en-US" altLang="ja-JP" sz="2400" dirty="0"/>
+          </a:p>
+          <a:p>
+            <a:r>
+              <a:rPr kumimoji="1" lang="ja-JP" altLang="en-US" sz="2400" dirty="0" smtClean="0"/>
+              <a:t>・</a:t>
+            </a:r>
+            <a:r>
+              <a:rPr kumimoji="1" lang="en-US" altLang="ja-JP" sz="2400" dirty="0" err="1" smtClean="0"/>
+              <a:t>Pyzbar</a:t>
+            </a:r>
+            <a:r>
+              <a:rPr kumimoji="1" lang="ja-JP" altLang="en-US" sz="2400" dirty="0" smtClean="0"/>
+              <a:t>グレイスケール化したバーコード画像を投げ、番号を取得</a:t>
+            </a:r>
+            <a:endParaRPr kumimoji="1" lang="en-US" altLang="ja-JP" sz="2400" dirty="0" smtClean="0"/>
+          </a:p>
+          <a:p>
+            <a:endParaRPr kumimoji="1" lang="ja-JP" altLang="en-US" dirty="0"/>
+          </a:p>
+        </p:txBody>
+      </p:sp>
+      <p:sp>
+        <p:nvSpPr>
+          <p:cNvPr id="9" name="テキスト ボックス 8"/>
           <p:cNvSpPr txBox="1"/>
           <p:nvPr/>
         </p:nvSpPr>
         <p:spPr>
           <a:xfrm>
-            <a:off x="8718691" y="2428875"/>
-            <a:ext cx="461665" cy="726621"/>
+            <a:off x="8744055" y="2020843"/>
+            <a:ext cx="2312805" cy="461665"/>
           </a:xfrm>
           <a:prstGeom prst="rect">
             <a:avLst/>
           </a:prstGeom>
           <a:noFill/>
-        </p:spPr>
-        <p:txBody>
-          <a:bodyPr vert="eaVert" wrap="square" rtlCol="0">
+          <a:ln>
+            <a:noFill/>
+          </a:ln>
+        </p:spPr>
+        <p:style>
+          <a:lnRef idx="0">
+            <a:scrgbClr r="0" g="0" b="0"/>
+          </a:lnRef>
+          <a:fillRef idx="0">
+            <a:scrgbClr r="0" g="0" b="0"/>
+          </a:fillRef>
+          <a:effectRef idx="0">
+            <a:scrgbClr r="0" g="0" b="0"/>
+          </a:effectRef>
+          <a:fontRef idx="minor">
+            <a:schemeClr val="dk1"/>
+          </a:fontRef>
+        </p:style>
+        <p:txBody>
+          <a:bodyPr wrap="square" rtlCol="0">
             <a:spAutoFit/>
           </a:bodyPr>
           <a:lstStyle/>
           <a:p>
             <a:r>
-              <a:rPr kumimoji="1" lang="ja-JP" altLang="en-US" smtClean="0"/>
-              <a:t>段原</a:t>
-            </a:r>
-            <a:endParaRPr kumimoji="1" lang="ja-JP" altLang="en-US"/>
+              <a:rPr kumimoji="1" lang="ja-JP" altLang="en-US" sz="2400" dirty="0" smtClean="0"/>
+              <a:t>バーコード番号</a:t>
+            </a:r>
+            <a:endParaRPr kumimoji="1" lang="ja-JP" altLang="en-US" sz="2400" dirty="0"/>
           </a:p>
         </p:txBody>
       </p:sp>
     </p:spTree>
     <p:extLst>
       <p:ext uri="{BB962C8B-B14F-4D97-AF65-F5344CB8AC3E}">
-        <p14:creationId xmlns:p14="http://schemas.microsoft.com/office/powerpoint/2010/main" val="4184936366"/>
+        <p14:creationId xmlns:p14="http://schemas.microsoft.com/office/powerpoint/2010/main" val="3968840139"/>
       </p:ext>
     </p:extLst>
   </p:cSld>
@@ -14266,4 +9916,265 @@
     </a:ext>
   </a:extLst>
 </a:theme>
+</file>
+
+<file path=ppt/theme/theme3.xml><?xml version="1.0" encoding="utf-8"?>
+<a:theme xmlns:a="http://schemas.openxmlformats.org/drawingml/2006/main" name="Office テーマ">
+  <a:themeElements>
+    <a:clrScheme name="Office">
+      <a:dk1>
+        <a:sysClr val="windowText" lastClr="000000"/>
+      </a:dk1>
+      <a:lt1>
+        <a:sysClr val="window" lastClr="FFFFFF"/>
+      </a:lt1>
+      <a:dk2>
+        <a:srgbClr val="44546A"/>
+      </a:dk2>
+      <a:lt2>
+        <a:srgbClr val="E7E6E6"/>
+      </a:lt2>
+      <a:accent1>
+        <a:srgbClr val="5B9BD5"/>
+      </a:accent1>
+      <a:accent2>
+        <a:srgbClr val="ED7D31"/>
+      </a:accent2>
+      <a:accent3>
+        <a:srgbClr val="A5A5A5"/>
+      </a:accent3>
+      <a:accent4>
+        <a:srgbClr val="FFC000"/>
+      </a:accent4>
+      <a:accent5>
+        <a:srgbClr val="4472C4"/>
+      </a:accent5>
+      <a:accent6>
+        <a:srgbClr val="70AD47"/>
+      </a:accent6>
+      <a:hlink>
+        <a:srgbClr val="0563C1"/>
+      </a:hlink>
+      <a:folHlink>
+        <a:srgbClr val="954F72"/>
+      </a:folHlink>
+    </a:clrScheme>
+    <a:fontScheme name="Office">
+      <a:majorFont>
+        <a:latin typeface="游ゴシック Light" panose="020F0302020204030204"/>
+        <a:ea typeface=""/>
+        <a:cs typeface=""/>
+        <a:font script="Jpan" typeface="游ゴシック Light"/>
+        <a:font script="Hang" typeface="맑은 고딕"/>
+        <a:font script="Hans" typeface="等线 Light"/>
+        <a:font script="Hant" typeface="新細明體"/>
+        <a:font script="Arab" typeface="Times New Roman"/>
+        <a:font script="Hebr" typeface="Times New Roman"/>
+        <a:font script="Thai" typeface="Angsana New"/>
+        <a:font script="Ethi" typeface="Nyala"/>
+        <a:font script="Beng" typeface="Vrinda"/>
+        <a:font script="Gujr" typeface="Shruti"/>
+        <a:font script="Khmr" typeface="MoolBoran"/>
+        <a:font script="Knda" typeface="Tunga"/>
+        <a:font script="Guru" typeface="Raavi"/>
+        <a:font script="Cans" typeface="Euphemia"/>
+        <a:font script="Cher" typeface="Plantagenet Cherokee"/>
+        <a:font script="Yiii" typeface="Microsoft Yi Baiti"/>
+        <a:font script="Tibt" typeface="Microsoft Himalaya"/>
+        <a:font script="Thaa" typeface="MV Boli"/>
+        <a:font script="Deva" typeface="Mangal"/>
+        <a:font script="Telu" typeface="Gautami"/>
+        <a:font script="Taml" typeface="Latha"/>
+        <a:font script="Syrc" typeface="Estrangelo Edessa"/>
+        <a:font script="Orya" typeface="Kalinga"/>
+        <a:font script="Mlym" typeface="Kartika"/>
+        <a:font script="Laoo" typeface="DokChampa"/>
+        <a:font script="Sinh" typeface="Iskoola Pota"/>
+        <a:font script="Mong" typeface="Mongolian Baiti"/>
+        <a:font script="Viet" typeface="Times New Roman"/>
+        <a:font script="Uigh" typeface="Microsoft Uighur"/>
+        <a:font script="Geor" typeface="Sylfaen"/>
+      </a:majorFont>
+      <a:minorFont>
+        <a:latin typeface="游ゴシック" panose="020F0502020204030204"/>
+        <a:ea typeface=""/>
+        <a:cs typeface=""/>
+        <a:font script="Jpan" typeface="游ゴシック"/>
+        <a:font script="Hang" typeface="맑은 고딕"/>
+        <a:font script="Hans" typeface="等线"/>
+        <a:font script="Hant" typeface="新細明體"/>
+        <a:font script="Arab" typeface="Arial"/>
+        <a:font script="Hebr" typeface="Arial"/>
+        <a:font script="Thai" typeface="Cordia New"/>
+        <a:font script="Ethi" typeface="Nyala"/>
+        <a:font script="Beng" typeface="Vrinda"/>
+        <a:font script="Gujr" typeface="Shruti"/>
+        <a:font script="Khmr" typeface="DaunPenh"/>
+        <a:font script="Knda" typeface="Tunga"/>
+        <a:font script="Guru" typeface="Raavi"/>
+        <a:font script="Cans" typeface="Euphemia"/>
+        <a:font script="Cher" typeface="Plantagenet Cherokee"/>
+        <a:font script="Yiii" typeface="Microsoft Yi Baiti"/>
+        <a:font script="Tibt" typeface="Microsoft Himalaya"/>
+        <a:font script="Thaa" typeface="MV Boli"/>
+        <a:font script="Deva" typeface="Mangal"/>
+        <a:font script="Telu" typeface="Gautami"/>
+        <a:font script="Taml" typeface="Latha"/>
+        <a:font script="Syrc" typeface="Estrangelo Edessa"/>
+        <a:font script="Orya" typeface="Kalinga"/>
+        <a:font script="Mlym" typeface="Kartika"/>
+        <a:font script="Laoo" typeface="DokChampa"/>
+        <a:font script="Sinh" typeface="Iskoola Pota"/>
+        <a:font script="Mong" typeface="Mongolian Baiti"/>
+        <a:font script="Viet" typeface="Arial"/>
+        <a:font script="Uigh" typeface="Microsoft Uighur"/>
+        <a:font script="Geor" typeface="Sylfaen"/>
+      </a:minorFont>
+    </a:fontScheme>
+    <a:fmtScheme name="Office">
+      <a:fillStyleLst>
+        <a:solidFill>
+          <a:schemeClr val="phClr"/>
+        </a:solidFill>
+        <a:gradFill rotWithShape="1">
+          <a:gsLst>
+            <a:gs pos="0">
+              <a:schemeClr val="phClr">
+                <a:lumMod val="110000"/>
+                <a:satMod val="105000"/>
+                <a:tint val="67000"/>
+              </a:schemeClr>
+            </a:gs>
+            <a:gs pos="50000">
+              <a:schemeClr val="phClr">
+                <a:lumMod val="105000"/>
+                <a:satMod val="103000"/>
+                <a:tint val="73000"/>
+              </a:schemeClr>
+            </a:gs>
+            <a:gs pos="100000">
+              <a:schemeClr val="phClr">
+                <a:lumMod val="105000"/>
+                <a:satMod val="109000"/>
+                <a:tint val="81000"/>
+              </a:schemeClr>
+            </a:gs>
+          </a:gsLst>
+          <a:lin ang="5400000" scaled="0"/>
+        </a:gradFill>
+        <a:gradFill rotWithShape="1">
+          <a:gsLst>
+            <a:gs pos="0">
+              <a:schemeClr val="phClr">
+                <a:satMod val="103000"/>
+                <a:lumMod val="102000"/>
+                <a:tint val="94000"/>
+              </a:schemeClr>
+            </a:gs>
+            <a:gs pos="50000">
+              <a:schemeClr val="phClr">
+                <a:satMod val="110000"/>
+                <a:lumMod val="100000"/>
+                <a:shade val="100000"/>
+              </a:schemeClr>
+            </a:gs>
+            <a:gs pos="100000">
+              <a:schemeClr val="phClr">
+                <a:lumMod val="99000"/>
+                <a:satMod val="120000"/>
+                <a:shade val="78000"/>
+              </a:schemeClr>
+            </a:gs>
+          </a:gsLst>
+          <a:lin ang="5400000" scaled="0"/>
+        </a:gradFill>
+      </a:fillStyleLst>
+      <a:lnStyleLst>
+        <a:ln w="6350" cap="flat" cmpd="sng" algn="ctr">
+          <a:solidFill>
+            <a:schemeClr val="phClr"/>
+          </a:solidFill>
+          <a:prstDash val="solid"/>
+          <a:miter lim="800000"/>
+        </a:ln>
+        <a:ln w="12700" cap="flat" cmpd="sng" algn="ctr">
+          <a:solidFill>
+            <a:schemeClr val="phClr"/>
+          </a:solidFill>
+          <a:prstDash val="solid"/>
+          <a:miter lim="800000"/>
+        </a:ln>
+        <a:ln w="19050" cap="flat" cmpd="sng" algn="ctr">
+          <a:solidFill>
+            <a:schemeClr val="phClr"/>
+          </a:solidFill>
+          <a:prstDash val="solid"/>
+          <a:miter lim="800000"/>
+        </a:ln>
+      </a:lnStyleLst>
+      <a:effectStyleLst>
+        <a:effectStyle>
+          <a:effectLst/>
+        </a:effectStyle>
+        <a:effectStyle>
+          <a:effectLst/>
+        </a:effectStyle>
+        <a:effectStyle>
+          <a:effectLst>
+            <a:outerShdw blurRad="57150" dist="19050" dir="5400000" algn="ctr" rotWithShape="0">
+              <a:srgbClr val="000000">
+                <a:alpha val="63000"/>
+              </a:srgbClr>
+            </a:outerShdw>
+          </a:effectLst>
+        </a:effectStyle>
+      </a:effectStyleLst>
+      <a:bgFillStyleLst>
+        <a:solidFill>
+          <a:schemeClr val="phClr"/>
+        </a:solidFill>
+        <a:solidFill>
+          <a:schemeClr val="phClr">
+            <a:tint val="95000"/>
+            <a:satMod val="170000"/>
+          </a:schemeClr>
+        </a:solidFill>
+        <a:gradFill rotWithShape="1">
+          <a:gsLst>
+            <a:gs pos="0">
+              <a:schemeClr val="phClr">
+                <a:tint val="93000"/>
+                <a:satMod val="150000"/>
+                <a:shade val="98000"/>
+                <a:lumMod val="102000"/>
+              </a:schemeClr>
+            </a:gs>
+            <a:gs pos="50000">
+              <a:schemeClr val="phClr">
+                <a:tint val="98000"/>
+                <a:satMod val="130000"/>
+                <a:shade val="90000"/>
+                <a:lumMod val="103000"/>
+              </a:schemeClr>
+            </a:gs>
+            <a:gs pos="100000">
+              <a:schemeClr val="phClr">
+                <a:shade val="63000"/>
+                <a:satMod val="120000"/>
+              </a:schemeClr>
+            </a:gs>
+          </a:gsLst>
+          <a:lin ang="5400000" scaled="0"/>
+        </a:gradFill>
+      </a:bgFillStyleLst>
+    </a:fmtScheme>
+  </a:themeElements>
+  <a:objectDefaults/>
+  <a:extraClrSchemeLst/>
+  <a:extLst>
+    <a:ext uri="{05A4C25C-085E-4340-85A3-A5531E510DB2}">
+      <thm15:themeFamily xmlns:thm15="http://schemas.microsoft.com/office/thememl/2012/main" name="Office Theme" id="{62F939B6-93AF-4DB8-9C6B-D6C7DFDC589F}" vid="{4A3C46E8-61CC-4603-A589-7422A47A8E4A}"/>
+    </a:ext>
+  </a:extLst>
+</a:theme>
 </file>
--- a/プレゼン/中間報告_danbara.pptx
+++ b/プレゼン/中間報告_danbara.pptx
@@ -3,6 +3,7 @@
 <p:presentation xmlns:a="http://schemas.openxmlformats.org/drawingml/2006/main" xmlns:r="http://schemas.openxmlformats.org/officeDocument/2006/relationships" xmlns:p="http://schemas.openxmlformats.org/presentationml/2006/main" saveSubsetFonts="1">
   <p:sldMasterIdLst>
     <p:sldMasterId id="2147483780" r:id="rId1"/>
+    <p:sldMasterId id="2147483792" r:id="rId2"/>
   </p:sldMasterIdLst>
   <p:notesMasterIdLst>
     <p:notesMasterId r:id="rId13"/>
@@ -11,17 +12,16 @@
     <p:handoutMasterId r:id="rId14"/>
   </p:handoutMasterIdLst>
   <p:sldIdLst>
-    <p:sldId id="256" r:id="rId2"/>
-    <p:sldId id="257" r:id="rId3"/>
-    <p:sldId id="286" r:id="rId4"/>
-    <p:sldId id="285" r:id="rId5"/>
-    <p:sldId id="293" r:id="rId6"/>
-    <p:sldId id="294" r:id="rId7"/>
-    <p:sldId id="282" r:id="rId8"/>
-    <p:sldId id="287" r:id="rId9"/>
-    <p:sldId id="292" r:id="rId10"/>
-    <p:sldId id="281" r:id="rId11"/>
-    <p:sldId id="295" r:id="rId12"/>
+    <p:sldId id="256" r:id="rId3"/>
+    <p:sldId id="257" r:id="rId4"/>
+    <p:sldId id="286" r:id="rId5"/>
+    <p:sldId id="285" r:id="rId6"/>
+    <p:sldId id="296" r:id="rId7"/>
+    <p:sldId id="294" r:id="rId8"/>
+    <p:sldId id="282" r:id="rId9"/>
+    <p:sldId id="287" r:id="rId10"/>
+    <p:sldId id="292" r:id="rId11"/>
+    <p:sldId id="281" r:id="rId12"/>
   </p:sldIdLst>
   <p:sldSz cx="12192000" cy="6858000"/>
   <p:notesSz cx="6858000" cy="9144000"/>
@@ -128,18 +128,13 @@
             <p14:sldId id="256"/>
             <p14:sldId id="257"/>
             <p14:sldId id="286"/>
-          </p14:sldIdLst>
-        </p14:section>
-        <p14:section name="タイトルなしのセクション" id="{B3BF958F-4CFE-4A4E-8845-23D78ECC2404}">
-          <p14:sldIdLst>
             <p14:sldId id="285"/>
-            <p14:sldId id="293"/>
+            <p14:sldId id="296"/>
             <p14:sldId id="294"/>
             <p14:sldId id="282"/>
             <p14:sldId id="287"/>
             <p14:sldId id="292"/>
             <p14:sldId id="281"/>
-            <p14:sldId id="295"/>
           </p14:sldIdLst>
         </p14:section>
       </p14:sectionLst>
@@ -233,7 +228,7 @@
           <a:p>
             <a:fld id="{34B5C594-2D29-4E0B-97C8-26DB6F73E547}" type="datetimeFigureOut">
               <a:rPr kumimoji="1" lang="ja-JP" altLang="en-US" smtClean="0"/>
-              <a:t>2019/12/12</a:t>
+              <a:t>2019/12/13</a:t>
             </a:fld>
             <a:endParaRPr kumimoji="1" lang="ja-JP" altLang="en-US"/>
           </a:p>
@@ -399,7 +394,7 @@
           <a:p>
             <a:fld id="{0649F128-D4FC-489C-860B-9DD0AB1578C1}" type="datetimeFigureOut">
               <a:rPr kumimoji="1" lang="ja-JP" altLang="en-US" smtClean="0"/>
-              <a:t>2019/12/12</a:t>
+              <a:t>2019/12/13</a:t>
             </a:fld>
             <a:endParaRPr kumimoji="1" lang="ja-JP" altLang="en-US"/>
           </a:p>
@@ -815,6 +810,109 @@
 </p:notes>
 </file>
 
+<file path=ppt/notesSlides/notesSlide10.xml><?xml version="1.0" encoding="utf-8"?>
+<p:notes xmlns:a="http://schemas.openxmlformats.org/drawingml/2006/main" xmlns:r="http://schemas.openxmlformats.org/officeDocument/2006/relationships" xmlns:p="http://schemas.openxmlformats.org/presentationml/2006/main">
+  <p:cSld>
+    <p:spTree>
+      <p:nvGrpSpPr>
+        <p:cNvPr id="1" name=""/>
+        <p:cNvGrpSpPr/>
+        <p:nvPr/>
+      </p:nvGrpSpPr>
+      <p:grpSpPr>
+        <a:xfrm>
+          <a:off x="0" y="0"/>
+          <a:ext cx="0" cy="0"/>
+          <a:chOff x="0" y="0"/>
+          <a:chExt cx="0" cy="0"/>
+        </a:xfrm>
+      </p:grpSpPr>
+      <p:sp>
+        <p:nvSpPr>
+          <p:cNvPr id="2" name="スライド イメージ プレースホルダー 1"/>
+          <p:cNvSpPr>
+            <a:spLocks noGrp="1" noRot="1" noChangeAspect="1"/>
+          </p:cNvSpPr>
+          <p:nvPr>
+            <p:ph type="sldImg"/>
+          </p:nvPr>
+        </p:nvSpPr>
+        <p:spPr/>
+      </p:sp>
+      <p:sp>
+        <p:nvSpPr>
+          <p:cNvPr id="3" name="ノート プレースホルダー 2"/>
+          <p:cNvSpPr>
+            <a:spLocks noGrp="1"/>
+          </p:cNvSpPr>
+          <p:nvPr>
+            <p:ph type="body" idx="1"/>
+          </p:nvPr>
+        </p:nvSpPr>
+        <p:spPr/>
+        <p:txBody>
+          <a:bodyPr/>
+          <a:lstStyle/>
+          <a:p>
+            <a:endParaRPr kumimoji="1" lang="ja-JP" altLang="en-US" dirty="0"/>
+          </a:p>
+        </p:txBody>
+      </p:sp>
+      <p:sp>
+        <p:nvSpPr>
+          <p:cNvPr id="4" name="フッター プレースホルダー 3"/>
+          <p:cNvSpPr>
+            <a:spLocks noGrp="1"/>
+          </p:cNvSpPr>
+          <p:nvPr>
+            <p:ph type="ftr" sz="quarter" idx="10"/>
+          </p:nvPr>
+        </p:nvSpPr>
+        <p:spPr/>
+        <p:txBody>
+          <a:bodyPr/>
+          <a:lstStyle/>
+          <a:p>
+            <a:endParaRPr kumimoji="1" lang="ja-JP" altLang="en-US"/>
+          </a:p>
+        </p:txBody>
+      </p:sp>
+      <p:sp>
+        <p:nvSpPr>
+          <p:cNvPr id="5" name="スライド番号プレースホルダー 4"/>
+          <p:cNvSpPr>
+            <a:spLocks noGrp="1"/>
+          </p:cNvSpPr>
+          <p:nvPr>
+            <p:ph type="sldNum" sz="quarter" idx="11"/>
+          </p:nvPr>
+        </p:nvSpPr>
+        <p:spPr/>
+        <p:txBody>
+          <a:bodyPr/>
+          <a:lstStyle/>
+          <a:p>
+            <a:fld id="{1705D8A9-7A56-411A-9EF9-F7869DF78C8C}" type="slidenum">
+              <a:rPr kumimoji="1" lang="ja-JP" altLang="en-US" smtClean="0"/>
+              <a:t>10</a:t>
+            </a:fld>
+            <a:endParaRPr kumimoji="1" lang="ja-JP" altLang="en-US"/>
+          </a:p>
+        </p:txBody>
+      </p:sp>
+    </p:spTree>
+    <p:extLst>
+      <p:ext uri="{BB962C8B-B14F-4D97-AF65-F5344CB8AC3E}">
+        <p14:creationId xmlns:p14="http://schemas.microsoft.com/office/powerpoint/2010/main" val="3379758836"/>
+      </p:ext>
+    </p:extLst>
+  </p:cSld>
+  <p:clrMapOvr>
+    <a:masterClrMapping/>
+  </p:clrMapOvr>
+</p:notes>
+</file>
+
 <file path=ppt/notesSlides/notesSlide2.xml><?xml version="1.0" encoding="utf-8"?>
 <p:notes xmlns:a="http://schemas.openxmlformats.org/drawingml/2006/main" xmlns:r="http://schemas.openxmlformats.org/officeDocument/2006/relationships" xmlns:p="http://schemas.openxmlformats.org/presentationml/2006/main">
   <p:cSld>
@@ -861,7 +959,7 @@
           <a:p>
             <a:r>
               <a:rPr kumimoji="1" lang="ja-JP" altLang="en-US" dirty="0" smtClean="0"/>
-              <a:t>まずは研究背景から説明していきます</a:t>
+              <a:t>発表内容はこのようになっています。</a:t>
             </a:r>
             <a:endParaRPr kumimoji="1" lang="ja-JP" altLang="en-US" dirty="0"/>
           </a:p>
@@ -968,7 +1066,81 @@
           <a:p>
             <a:r>
               <a:rPr kumimoji="1" lang="ja-JP" altLang="en-US" dirty="0" smtClean="0"/>
-              <a:t>近年大手スーパーマーケットとだけでなく、小規模な小売店でもセルフレジの導入が進んでいます。しかし、</a:t>
+              <a:t>研究背景としましては</a:t>
+            </a:r>
+            <a:r>
+              <a:rPr kumimoji="1" lang="en-US" altLang="ja-JP" dirty="0" smtClean="0"/>
+              <a:t>…</a:t>
+            </a:r>
+          </a:p>
+          <a:p>
+            <a:r>
+              <a:rPr kumimoji="1" lang="ja-JP" altLang="en-US" dirty="0" smtClean="0"/>
+              <a:t>現在日本では少子高齢化によって働き手が減少しており深刻化しています。この影響は私たちの身の回りにあるところでも表れており、</a:t>
+            </a:r>
+            <a:endParaRPr kumimoji="1" lang="en-US" altLang="ja-JP" dirty="0" smtClean="0"/>
+          </a:p>
+          <a:p>
+            <a:r>
+              <a:rPr kumimoji="1" lang="ja-JP" altLang="en-US" dirty="0" smtClean="0"/>
+              <a:t>スーパーマーケットだけでなく小規模</a:t>
+            </a:r>
+            <a:r>
+              <a:rPr kumimoji="1" lang="ja-JP" altLang="en-US" dirty="0" smtClean="0"/>
+              <a:t>な小売店</a:t>
+            </a:r>
+            <a:r>
+              <a:rPr kumimoji="1" lang="ja-JP" altLang="en-US" dirty="0" smtClean="0"/>
+              <a:t>でも精算の一部を顧客に分担させるセルフレジ</a:t>
+            </a:r>
+            <a:r>
+              <a:rPr kumimoji="1" lang="ja-JP" altLang="en-US" dirty="0" smtClean="0"/>
+              <a:t>の導入が進んでいます</a:t>
+            </a:r>
+            <a:r>
+              <a:rPr kumimoji="1" lang="ja-JP" altLang="en-US" dirty="0" smtClean="0"/>
+              <a:t>。</a:t>
+            </a:r>
+            <a:endParaRPr kumimoji="1" lang="en-US" altLang="ja-JP" dirty="0" smtClean="0"/>
+          </a:p>
+          <a:p>
+            <a:r>
+              <a:rPr kumimoji="1" lang="ja-JP" altLang="en-US" dirty="0" smtClean="0"/>
+              <a:t>厚生労働省の統計では生産年齢人口</a:t>
+            </a:r>
+            <a:r>
+              <a:rPr kumimoji="1" lang="en-US" altLang="ja-JP" dirty="0" smtClean="0"/>
+              <a:t>(</a:t>
+            </a:r>
+            <a:r>
+              <a:rPr kumimoji="1" lang="ja-JP" altLang="en-US" dirty="0" smtClean="0"/>
+              <a:t>各国の国内で行われている生産活動に就いている中核の労働力となるような年齢の人口のことをいう</a:t>
+            </a:r>
+            <a:r>
+              <a:rPr kumimoji="1" lang="en-US" altLang="ja-JP" dirty="0" smtClean="0"/>
+              <a:t>)</a:t>
+            </a:r>
+          </a:p>
+          <a:p>
+            <a:r>
+              <a:rPr kumimoji="1" lang="ja-JP" altLang="en-US" dirty="0" smtClean="0"/>
+              <a:t>が</a:t>
+            </a:r>
+            <a:r>
+              <a:rPr kumimoji="1" lang="en-US" altLang="ja-JP" dirty="0" smtClean="0"/>
+              <a:t>2040</a:t>
+            </a:r>
+            <a:r>
+              <a:rPr kumimoji="1" lang="ja-JP" altLang="en-US" dirty="0" smtClean="0"/>
+              <a:t>年には</a:t>
+            </a:r>
+            <a:r>
+              <a:rPr kumimoji="1" lang="en-US" altLang="ja-JP" dirty="0" smtClean="0"/>
+              <a:t>5000</a:t>
+            </a:r>
+            <a:r>
+              <a:rPr kumimoji="1" lang="ja-JP" altLang="en-US" dirty="0" smtClean="0"/>
+              <a:t>万人単位まで減少する見込みといわれています。</a:t>
             </a:r>
             <a:endParaRPr kumimoji="1" lang="en-US" altLang="ja-JP" dirty="0" smtClean="0"/>
           </a:p>
@@ -1073,62 +1245,330 @@
           <a:bodyPr/>
           <a:lstStyle/>
           <a:p>
-            <a:pPr>
-              <a:buFont typeface="Wingdings" panose="05000000000000000000" pitchFamily="2" charset="2"/>
-              <a:buChar char="l"/>
-            </a:pPr>
-            <a:r>
-              <a:rPr kumimoji="1" lang="ja-JP" altLang="en-US" sz="1200" smtClean="0"/>
-              <a:t>コスト</a:t>
-            </a:r>
-            <a:endParaRPr kumimoji="1" lang="en-US" altLang="ja-JP" sz="1200" smtClean="0"/>
-          </a:p>
-          <a:p>
-            <a:pPr>
-              <a:buFont typeface="Wingdings" panose="05000000000000000000" pitchFamily="2" charset="2"/>
-              <a:buChar char="l"/>
-            </a:pPr>
-            <a:r>
-              <a:rPr kumimoji="1" lang="ja-JP" altLang="en-US" sz="1200" smtClean="0"/>
-              <a:t>体験</a:t>
-            </a:r>
-            <a:endParaRPr kumimoji="1" lang="en-US" altLang="ja-JP" sz="1200" smtClean="0"/>
-          </a:p>
-          <a:p>
-            <a:pPr>
-              <a:buFont typeface="Wingdings" panose="05000000000000000000" pitchFamily="2" charset="2"/>
-              <a:buChar char="l"/>
-            </a:pPr>
-            <a:r>
-              <a:rPr lang="ja-JP" altLang="en-US" sz="1200" smtClean="0"/>
-              <a:t>従来との比較</a:t>
-            </a:r>
-            <a:endParaRPr lang="en-US" altLang="ja-JP" sz="1200" smtClean="0"/>
-          </a:p>
-          <a:p>
-            <a:pPr>
-              <a:buFont typeface="Wingdings" panose="05000000000000000000" pitchFamily="2" charset="2"/>
-              <a:buChar char="l"/>
-            </a:pPr>
-            <a:r>
-              <a:rPr kumimoji="1" lang="ja-JP" altLang="en-US" sz="1200" smtClean="0"/>
-              <a:t>学術的</a:t>
-            </a:r>
-            <a:endParaRPr kumimoji="1" lang="en-US" altLang="ja-JP" sz="1200" smtClean="0"/>
-          </a:p>
-          <a:p>
-            <a:pPr>
-              <a:buFont typeface="Wingdings" panose="05000000000000000000" pitchFamily="2" charset="2"/>
-              <a:buChar char="l"/>
-            </a:pPr>
-            <a:r>
-              <a:rPr lang="ja-JP" altLang="en-US" sz="1200" smtClean="0"/>
-              <a:t>促進</a:t>
-            </a:r>
-            <a:endParaRPr lang="en-US" altLang="ja-JP" sz="1200" smtClean="0"/>
-          </a:p>
+            <a:r>
+              <a:rPr kumimoji="1" lang="ja-JP" altLang="en-US" dirty="0" smtClean="0"/>
+              <a:t>先ほども述べたようにセルフレジの導入が進んでいますが、すべての店で進んでいるわけではありません。</a:t>
+            </a:r>
+            <a:endParaRPr kumimoji="1" lang="en-US" altLang="ja-JP" dirty="0" smtClean="0"/>
+          </a:p>
+          <a:p>
+            <a:r>
+              <a:rPr kumimoji="1" lang="ja-JP" altLang="en-US" dirty="0" smtClean="0"/>
+              <a:t>そこで既存の無人レジ店舗のような複雑で高価なシステムではなく、中小店でも導入できる安価なシステムの開発を目的としました。</a:t>
+            </a:r>
+            <a:endParaRPr kumimoji="1" lang="en-US" altLang="ja-JP" dirty="0" smtClean="0"/>
+          </a:p>
+          <a:p>
+            <a:r>
+              <a:rPr kumimoji="1" lang="ja-JP" altLang="en-US" dirty="0" smtClean="0"/>
+              <a:t>目的を達成するためラズパイと</a:t>
+            </a:r>
+            <a:r>
+              <a:rPr kumimoji="1" lang="en-US" altLang="ja-JP" dirty="0" smtClean="0"/>
+              <a:t>web</a:t>
+            </a:r>
+            <a:r>
+              <a:rPr kumimoji="1" lang="ja-JP" altLang="en-US" dirty="0" smtClean="0"/>
+              <a:t>カメラなどを使用して安価に抑えることを目標としています。</a:t>
+            </a:r>
+            <a:endParaRPr kumimoji="1" lang="en-US" altLang="ja-JP" dirty="0" smtClean="0"/>
+          </a:p>
+        </p:txBody>
+      </p:sp>
+      <p:sp>
+        <p:nvSpPr>
+          <p:cNvPr id="4" name="フッター プレースホルダー 3"/>
+          <p:cNvSpPr>
+            <a:spLocks noGrp="1"/>
+          </p:cNvSpPr>
+          <p:nvPr>
+            <p:ph type="ftr" sz="quarter" idx="10"/>
+          </p:nvPr>
+        </p:nvSpPr>
+        <p:spPr/>
+        <p:txBody>
+          <a:bodyPr/>
+          <a:lstStyle/>
           <a:p>
             <a:endParaRPr kumimoji="1" lang="ja-JP" altLang="en-US"/>
+          </a:p>
+        </p:txBody>
+      </p:sp>
+      <p:sp>
+        <p:nvSpPr>
+          <p:cNvPr id="5" name="スライド番号プレースホルダー 4"/>
+          <p:cNvSpPr>
+            <a:spLocks noGrp="1"/>
+          </p:cNvSpPr>
+          <p:nvPr>
+            <p:ph type="sldNum" sz="quarter" idx="11"/>
+          </p:nvPr>
+        </p:nvSpPr>
+        <p:spPr/>
+        <p:txBody>
+          <a:bodyPr/>
+          <a:lstStyle/>
+          <a:p>
+            <a:fld id="{1705D8A9-7A56-411A-9EF9-F7869DF78C8C}" type="slidenum">
+              <a:rPr kumimoji="1" lang="ja-JP" altLang="en-US" smtClean="0"/>
+              <a:t>4</a:t>
+            </a:fld>
+            <a:endParaRPr kumimoji="1" lang="ja-JP" altLang="en-US"/>
+          </a:p>
+        </p:txBody>
+      </p:sp>
+    </p:spTree>
+    <p:extLst>
+      <p:ext uri="{BB962C8B-B14F-4D97-AF65-F5344CB8AC3E}">
+        <p14:creationId xmlns:p14="http://schemas.microsoft.com/office/powerpoint/2010/main" val="1799609737"/>
+      </p:ext>
+    </p:extLst>
+  </p:cSld>
+  <p:clrMapOvr>
+    <a:masterClrMapping/>
+  </p:clrMapOvr>
+</p:notes>
+</file>
+
+<file path=ppt/notesSlides/notesSlide5.xml><?xml version="1.0" encoding="utf-8"?>
+<p:notes xmlns:a="http://schemas.openxmlformats.org/drawingml/2006/main" xmlns:r="http://schemas.openxmlformats.org/officeDocument/2006/relationships" xmlns:p="http://schemas.openxmlformats.org/presentationml/2006/main">
+  <p:cSld>
+    <p:spTree>
+      <p:nvGrpSpPr>
+        <p:cNvPr id="1" name=""/>
+        <p:cNvGrpSpPr/>
+        <p:nvPr/>
+      </p:nvGrpSpPr>
+      <p:grpSpPr>
+        <a:xfrm>
+          <a:off x="0" y="0"/>
+          <a:ext cx="0" cy="0"/>
+          <a:chOff x="0" y="0"/>
+          <a:chExt cx="0" cy="0"/>
+        </a:xfrm>
+      </p:grpSpPr>
+      <p:sp>
+        <p:nvSpPr>
+          <p:cNvPr id="2" name="スライド イメージ プレースホルダー 1"/>
+          <p:cNvSpPr>
+            <a:spLocks noGrp="1" noRot="1" noChangeAspect="1"/>
+          </p:cNvSpPr>
+          <p:nvPr>
+            <p:ph type="sldImg"/>
+          </p:nvPr>
+        </p:nvSpPr>
+        <p:spPr/>
+      </p:sp>
+      <p:sp>
+        <p:nvSpPr>
+          <p:cNvPr id="3" name="ノート プレースホルダー 2"/>
+          <p:cNvSpPr>
+            <a:spLocks noGrp="1"/>
+          </p:cNvSpPr>
+          <p:nvPr>
+            <p:ph type="body" idx="1"/>
+          </p:nvPr>
+        </p:nvSpPr>
+        <p:spPr/>
+        <p:txBody>
+          <a:bodyPr/>
+          <a:lstStyle/>
+          <a:p>
+            <a:r>
+              <a:rPr kumimoji="1" lang="ja-JP" altLang="en-US" dirty="0" smtClean="0"/>
+              <a:t>現在開発しているシステムの大まかな動きを説明します。</a:t>
+            </a:r>
+            <a:endParaRPr kumimoji="1" lang="en-US" altLang="ja-JP" dirty="0" smtClean="0"/>
+          </a:p>
+          <a:p>
+            <a:r>
+              <a:rPr kumimoji="1" lang="ja-JP" altLang="en-US" dirty="0" smtClean="0"/>
+              <a:t>初めに入店時にカートと顧客情報を結びつけます。</a:t>
+            </a:r>
+            <a:endParaRPr kumimoji="1" lang="en-US" altLang="ja-JP" dirty="0" smtClean="0"/>
+          </a:p>
+          <a:p>
+            <a:r>
+              <a:rPr kumimoji="1" lang="ja-JP" altLang="en-US" dirty="0" smtClean="0"/>
+              <a:t>次に</a:t>
+            </a:r>
+            <a:r>
+              <a:rPr kumimoji="1" lang="ja-JP" altLang="en-US" dirty="0" smtClean="0"/>
+              <a:t>ラズパイなどを用いて</a:t>
+            </a:r>
+            <a:r>
+              <a:rPr kumimoji="1" lang="ja-JP" altLang="en-US" dirty="0" smtClean="0"/>
+              <a:t>カート内のみで購入商品の追加、削除などの管理します。お客さんとしては普段通り買い物をしてもらいます。</a:t>
+            </a:r>
+            <a:endParaRPr kumimoji="1" lang="en-US" altLang="ja-JP" dirty="0" smtClean="0"/>
+          </a:p>
+          <a:p>
+            <a:r>
+              <a:rPr kumimoji="1" lang="ja-JP" altLang="en-US" dirty="0" smtClean="0"/>
+              <a:t>最後にカートを返却する際に決算がレジを通らず完了します。</a:t>
+            </a:r>
+            <a:endParaRPr kumimoji="1" lang="en-US" altLang="ja-JP" dirty="0" smtClean="0"/>
+          </a:p>
+          <a:p>
+            <a:r>
+              <a:rPr kumimoji="1" lang="ja-JP" altLang="en-US" dirty="0" smtClean="0"/>
+              <a:t>時間の関係からすべてを実装するのは難しいと判断したので赤枠で囲んである部分を実装しています。</a:t>
+            </a:r>
+            <a:endParaRPr kumimoji="1" lang="ja-JP" altLang="en-US" dirty="0"/>
+          </a:p>
+        </p:txBody>
+      </p:sp>
+      <p:sp>
+        <p:nvSpPr>
+          <p:cNvPr id="4" name="フッター プレースホルダー 3"/>
+          <p:cNvSpPr>
+            <a:spLocks noGrp="1"/>
+          </p:cNvSpPr>
+          <p:nvPr>
+            <p:ph type="ftr" sz="quarter" idx="10"/>
+          </p:nvPr>
+        </p:nvSpPr>
+        <p:spPr/>
+        <p:txBody>
+          <a:bodyPr/>
+          <a:lstStyle/>
+          <a:p>
+            <a:endParaRPr kumimoji="1" lang="ja-JP" altLang="en-US"/>
+          </a:p>
+        </p:txBody>
+      </p:sp>
+      <p:sp>
+        <p:nvSpPr>
+          <p:cNvPr id="5" name="スライド番号プレースホルダー 4"/>
+          <p:cNvSpPr>
+            <a:spLocks noGrp="1"/>
+          </p:cNvSpPr>
+          <p:nvPr>
+            <p:ph type="sldNum" sz="quarter" idx="11"/>
+          </p:nvPr>
+        </p:nvSpPr>
+        <p:spPr/>
+        <p:txBody>
+          <a:bodyPr/>
+          <a:lstStyle/>
+          <a:p>
+            <a:fld id="{1705D8A9-7A56-411A-9EF9-F7869DF78C8C}" type="slidenum">
+              <a:rPr kumimoji="1" lang="ja-JP" altLang="en-US" smtClean="0"/>
+              <a:t>5</a:t>
+            </a:fld>
+            <a:endParaRPr kumimoji="1" lang="ja-JP" altLang="en-US"/>
+          </a:p>
+        </p:txBody>
+      </p:sp>
+    </p:spTree>
+    <p:extLst>
+      <p:ext uri="{BB962C8B-B14F-4D97-AF65-F5344CB8AC3E}">
+        <p14:creationId xmlns:p14="http://schemas.microsoft.com/office/powerpoint/2010/main" val="781522134"/>
+      </p:ext>
+    </p:extLst>
+  </p:cSld>
+  <p:clrMapOvr>
+    <a:masterClrMapping/>
+  </p:clrMapOvr>
+</p:notes>
+</file>
+
+<file path=ppt/notesSlides/notesSlide6.xml><?xml version="1.0" encoding="utf-8"?>
+<p:notes xmlns:a="http://schemas.openxmlformats.org/drawingml/2006/main" xmlns:r="http://schemas.openxmlformats.org/officeDocument/2006/relationships" xmlns:p="http://schemas.openxmlformats.org/presentationml/2006/main">
+  <p:cSld>
+    <p:spTree>
+      <p:nvGrpSpPr>
+        <p:cNvPr id="1" name=""/>
+        <p:cNvGrpSpPr/>
+        <p:nvPr/>
+      </p:nvGrpSpPr>
+      <p:grpSpPr>
+        <a:xfrm>
+          <a:off x="0" y="0"/>
+          <a:ext cx="0" cy="0"/>
+          <a:chOff x="0" y="0"/>
+          <a:chExt cx="0" cy="0"/>
+        </a:xfrm>
+      </p:grpSpPr>
+      <p:sp>
+        <p:nvSpPr>
+          <p:cNvPr id="2" name="スライド イメージ プレースホルダー 1"/>
+          <p:cNvSpPr>
+            <a:spLocks noGrp="1" noRot="1" noChangeAspect="1"/>
+          </p:cNvSpPr>
+          <p:nvPr>
+            <p:ph type="sldImg"/>
+          </p:nvPr>
+        </p:nvSpPr>
+        <p:spPr/>
+      </p:sp>
+      <p:sp>
+        <p:nvSpPr>
+          <p:cNvPr id="3" name="ノート プレースホルダー 2"/>
+          <p:cNvSpPr>
+            <a:spLocks noGrp="1"/>
+          </p:cNvSpPr>
+          <p:nvPr>
+            <p:ph type="body" idx="1"/>
+          </p:nvPr>
+        </p:nvSpPr>
+        <p:spPr/>
+        <p:txBody>
+          <a:bodyPr/>
+          <a:lstStyle/>
+          <a:p>
+            <a:r>
+              <a:rPr kumimoji="1" lang="ja-JP" altLang="en-US" dirty="0" smtClean="0"/>
+              <a:t>セルフレジ</a:t>
+            </a:r>
+            <a:r>
+              <a:rPr kumimoji="1" lang="en-US" altLang="ja-JP" dirty="0" smtClean="0"/>
+              <a:t>6</a:t>
+            </a:r>
+            <a:r>
+              <a:rPr kumimoji="1" lang="ja-JP" altLang="en-US" dirty="0" smtClean="0"/>
+              <a:t>セット：</a:t>
+            </a:r>
+            <a:r>
+              <a:rPr kumimoji="1" lang="en-US" altLang="ja-JP" dirty="0" smtClean="0"/>
+              <a:t>2</a:t>
+            </a:r>
+            <a:r>
+              <a:rPr kumimoji="1" lang="ja-JP" altLang="en-US" dirty="0" smtClean="0"/>
+              <a:t>千</a:t>
+            </a:r>
+            <a:r>
+              <a:rPr kumimoji="1" lang="en-US" altLang="ja-JP" dirty="0" smtClean="0"/>
+              <a:t>100</a:t>
+            </a:r>
+            <a:r>
+              <a:rPr kumimoji="1" lang="ja-JP" altLang="en-US" dirty="0" smtClean="0"/>
+              <a:t>万円</a:t>
+            </a:r>
+            <a:endParaRPr kumimoji="1" lang="en-US" altLang="ja-JP" dirty="0" smtClean="0"/>
+          </a:p>
+          <a:p>
+            <a:r>
+              <a:rPr kumimoji="1" lang="ja-JP" altLang="en-US" dirty="0" smtClean="0"/>
+              <a:t>私たちの開発しているもの</a:t>
+            </a:r>
+            <a:r>
+              <a:rPr kumimoji="1" lang="en-US" altLang="ja-JP" dirty="0" smtClean="0"/>
+              <a:t>80</a:t>
+            </a:r>
+            <a:r>
+              <a:rPr kumimoji="1" lang="ja-JP" altLang="en-US" dirty="0" smtClean="0"/>
+              <a:t>個</a:t>
+            </a:r>
+            <a:r>
+              <a:rPr kumimoji="1" lang="en-US" altLang="ja-JP" dirty="0" smtClean="0"/>
+              <a:t>:100</a:t>
+            </a:r>
+            <a:r>
+              <a:rPr kumimoji="1" lang="ja-JP" altLang="en-US" dirty="0" smtClean="0"/>
+              <a:t>万</a:t>
+            </a:r>
+            <a:endParaRPr kumimoji="1" lang="ja-JP" altLang="en-US" dirty="0"/>
           </a:p>
         </p:txBody>
       </p:sp>
@@ -1178,6 +1618,340 @@
     <p:extLst>
       <p:ext uri="{BB962C8B-B14F-4D97-AF65-F5344CB8AC3E}">
         <p14:creationId xmlns:p14="http://schemas.microsoft.com/office/powerpoint/2010/main" val="3021546939"/>
+      </p:ext>
+    </p:extLst>
+  </p:cSld>
+  <p:clrMapOvr>
+    <a:masterClrMapping/>
+  </p:clrMapOvr>
+</p:notes>
+</file>
+
+<file path=ppt/notesSlides/notesSlide7.xml><?xml version="1.0" encoding="utf-8"?>
+<p:notes xmlns:a="http://schemas.openxmlformats.org/drawingml/2006/main" xmlns:r="http://schemas.openxmlformats.org/officeDocument/2006/relationships" xmlns:p="http://schemas.openxmlformats.org/presentationml/2006/main">
+  <p:cSld>
+    <p:spTree>
+      <p:nvGrpSpPr>
+        <p:cNvPr id="1" name=""/>
+        <p:cNvGrpSpPr/>
+        <p:nvPr/>
+      </p:nvGrpSpPr>
+      <p:grpSpPr>
+        <a:xfrm>
+          <a:off x="0" y="0"/>
+          <a:ext cx="0" cy="0"/>
+          <a:chOff x="0" y="0"/>
+          <a:chExt cx="0" cy="0"/>
+        </a:xfrm>
+      </p:grpSpPr>
+      <p:sp>
+        <p:nvSpPr>
+          <p:cNvPr id="2" name="スライド イメージ プレースホルダー 1"/>
+          <p:cNvSpPr>
+            <a:spLocks noGrp="1" noRot="1" noChangeAspect="1"/>
+          </p:cNvSpPr>
+          <p:nvPr>
+            <p:ph type="sldImg"/>
+          </p:nvPr>
+        </p:nvSpPr>
+        <p:spPr/>
+      </p:sp>
+      <p:sp>
+        <p:nvSpPr>
+          <p:cNvPr id="3" name="ノート プレースホルダー 2"/>
+          <p:cNvSpPr>
+            <a:spLocks noGrp="1"/>
+          </p:cNvSpPr>
+          <p:nvPr>
+            <p:ph type="body" idx="1"/>
+          </p:nvPr>
+        </p:nvSpPr>
+        <p:spPr/>
+        <p:txBody>
+          <a:bodyPr/>
+          <a:lstStyle/>
+          <a:p>
+            <a:r>
+              <a:rPr kumimoji="1" lang="ja-JP" altLang="en-US" dirty="0" smtClean="0"/>
+              <a:t>システムの大まかな動きはこのようになっています。</a:t>
+            </a:r>
+            <a:endParaRPr kumimoji="1" lang="en-US" altLang="ja-JP" dirty="0" smtClean="0"/>
+          </a:p>
+          <a:p>
+            <a:r>
+              <a:rPr kumimoji="1" lang="ja-JP" altLang="en-US" dirty="0" smtClean="0"/>
+              <a:t>カゴのなかに設置してあるラズパイと各種センサーを用いて適切なタイミングで大まかにバーコードが写っている写真を取得し、サーバに送信します</a:t>
+            </a:r>
+            <a:endParaRPr kumimoji="1" lang="en-US" altLang="ja-JP" dirty="0" smtClean="0"/>
+          </a:p>
+          <a:p>
+            <a:r>
+              <a:rPr kumimoji="1" lang="ja-JP" altLang="en-US" dirty="0" smtClean="0"/>
+              <a:t>サーバ側ではのちに詳しく述べますが各種処理を行って画像からバーコード番号を割り出します</a:t>
+            </a:r>
+            <a:endParaRPr kumimoji="1" lang="en-US" altLang="ja-JP" dirty="0" smtClean="0"/>
+          </a:p>
+          <a:p>
+            <a:r>
+              <a:rPr kumimoji="1" lang="ja-JP" altLang="en-US" dirty="0" smtClean="0"/>
+              <a:t>エッジ側であるカゴは真鍋さんが担当になっており。私はサーバ側を担当しています</a:t>
+            </a:r>
+            <a:endParaRPr kumimoji="1" lang="ja-JP" altLang="en-US" dirty="0"/>
+          </a:p>
+        </p:txBody>
+      </p:sp>
+      <p:sp>
+        <p:nvSpPr>
+          <p:cNvPr id="4" name="フッター プレースホルダー 3"/>
+          <p:cNvSpPr>
+            <a:spLocks noGrp="1"/>
+          </p:cNvSpPr>
+          <p:nvPr>
+            <p:ph type="ftr" sz="quarter" idx="10"/>
+          </p:nvPr>
+        </p:nvSpPr>
+        <p:spPr/>
+        <p:txBody>
+          <a:bodyPr/>
+          <a:lstStyle/>
+          <a:p>
+            <a:endParaRPr kumimoji="1" lang="ja-JP" altLang="en-US"/>
+          </a:p>
+        </p:txBody>
+      </p:sp>
+      <p:sp>
+        <p:nvSpPr>
+          <p:cNvPr id="5" name="スライド番号プレースホルダー 4"/>
+          <p:cNvSpPr>
+            <a:spLocks noGrp="1"/>
+          </p:cNvSpPr>
+          <p:nvPr>
+            <p:ph type="sldNum" sz="quarter" idx="11"/>
+          </p:nvPr>
+        </p:nvSpPr>
+        <p:spPr/>
+        <p:txBody>
+          <a:bodyPr/>
+          <a:lstStyle/>
+          <a:p>
+            <a:fld id="{1705D8A9-7A56-411A-9EF9-F7869DF78C8C}" type="slidenum">
+              <a:rPr kumimoji="1" lang="ja-JP" altLang="en-US" smtClean="0"/>
+              <a:t>7</a:t>
+            </a:fld>
+            <a:endParaRPr kumimoji="1" lang="ja-JP" altLang="en-US"/>
+          </a:p>
+        </p:txBody>
+      </p:sp>
+    </p:spTree>
+    <p:extLst>
+      <p:ext uri="{BB962C8B-B14F-4D97-AF65-F5344CB8AC3E}">
+        <p14:creationId xmlns:p14="http://schemas.microsoft.com/office/powerpoint/2010/main" val="637810166"/>
+      </p:ext>
+    </p:extLst>
+  </p:cSld>
+  <p:clrMapOvr>
+    <a:masterClrMapping/>
+  </p:clrMapOvr>
+</p:notes>
+</file>
+
+<file path=ppt/notesSlides/notesSlide8.xml><?xml version="1.0" encoding="utf-8"?>
+<p:notes xmlns:a="http://schemas.openxmlformats.org/drawingml/2006/main" xmlns:r="http://schemas.openxmlformats.org/officeDocument/2006/relationships" xmlns:p="http://schemas.openxmlformats.org/presentationml/2006/main">
+  <p:cSld>
+    <p:spTree>
+      <p:nvGrpSpPr>
+        <p:cNvPr id="1" name=""/>
+        <p:cNvGrpSpPr/>
+        <p:nvPr/>
+      </p:nvGrpSpPr>
+      <p:grpSpPr>
+        <a:xfrm>
+          <a:off x="0" y="0"/>
+          <a:ext cx="0" cy="0"/>
+          <a:chOff x="0" y="0"/>
+          <a:chExt cx="0" cy="0"/>
+        </a:xfrm>
+      </p:grpSpPr>
+      <p:sp>
+        <p:nvSpPr>
+          <p:cNvPr id="2" name="スライド イメージ プレースホルダー 1"/>
+          <p:cNvSpPr>
+            <a:spLocks noGrp="1" noRot="1" noChangeAspect="1"/>
+          </p:cNvSpPr>
+          <p:nvPr>
+            <p:ph type="sldImg"/>
+          </p:nvPr>
+        </p:nvSpPr>
+        <p:spPr/>
+      </p:sp>
+      <p:sp>
+        <p:nvSpPr>
+          <p:cNvPr id="3" name="ノート プレースホルダー 2"/>
+          <p:cNvSpPr>
+            <a:spLocks noGrp="1"/>
+          </p:cNvSpPr>
+          <p:nvPr>
+            <p:ph type="body" idx="1"/>
+          </p:nvPr>
+        </p:nvSpPr>
+        <p:spPr/>
+        <p:txBody>
+          <a:bodyPr/>
+          <a:lstStyle/>
+          <a:p>
+            <a:endParaRPr kumimoji="1" lang="ja-JP" altLang="en-US" dirty="0"/>
+          </a:p>
+        </p:txBody>
+      </p:sp>
+      <p:sp>
+        <p:nvSpPr>
+          <p:cNvPr id="4" name="フッター プレースホルダー 3"/>
+          <p:cNvSpPr>
+            <a:spLocks noGrp="1"/>
+          </p:cNvSpPr>
+          <p:nvPr>
+            <p:ph type="ftr" sz="quarter" idx="10"/>
+          </p:nvPr>
+        </p:nvSpPr>
+        <p:spPr/>
+        <p:txBody>
+          <a:bodyPr/>
+          <a:lstStyle/>
+          <a:p>
+            <a:endParaRPr kumimoji="1" lang="ja-JP" altLang="en-US"/>
+          </a:p>
+        </p:txBody>
+      </p:sp>
+      <p:sp>
+        <p:nvSpPr>
+          <p:cNvPr id="5" name="スライド番号プレースホルダー 4"/>
+          <p:cNvSpPr>
+            <a:spLocks noGrp="1"/>
+          </p:cNvSpPr>
+          <p:nvPr>
+            <p:ph type="sldNum" sz="quarter" idx="11"/>
+          </p:nvPr>
+        </p:nvSpPr>
+        <p:spPr/>
+        <p:txBody>
+          <a:bodyPr/>
+          <a:lstStyle/>
+          <a:p>
+            <a:fld id="{1705D8A9-7A56-411A-9EF9-F7869DF78C8C}" type="slidenum">
+              <a:rPr kumimoji="1" lang="ja-JP" altLang="en-US" smtClean="0"/>
+              <a:t>8</a:t>
+            </a:fld>
+            <a:endParaRPr kumimoji="1" lang="ja-JP" altLang="en-US"/>
+          </a:p>
+        </p:txBody>
+      </p:sp>
+    </p:spTree>
+    <p:extLst>
+      <p:ext uri="{BB962C8B-B14F-4D97-AF65-F5344CB8AC3E}">
+        <p14:creationId xmlns:p14="http://schemas.microsoft.com/office/powerpoint/2010/main" val="3412443757"/>
+      </p:ext>
+    </p:extLst>
+  </p:cSld>
+  <p:clrMapOvr>
+    <a:masterClrMapping/>
+  </p:clrMapOvr>
+</p:notes>
+</file>
+
+<file path=ppt/notesSlides/notesSlide9.xml><?xml version="1.0" encoding="utf-8"?>
+<p:notes xmlns:a="http://schemas.openxmlformats.org/drawingml/2006/main" xmlns:r="http://schemas.openxmlformats.org/officeDocument/2006/relationships" xmlns:p="http://schemas.openxmlformats.org/presentationml/2006/main">
+  <p:cSld>
+    <p:spTree>
+      <p:nvGrpSpPr>
+        <p:cNvPr id="1" name=""/>
+        <p:cNvGrpSpPr/>
+        <p:nvPr/>
+      </p:nvGrpSpPr>
+      <p:grpSpPr>
+        <a:xfrm>
+          <a:off x="0" y="0"/>
+          <a:ext cx="0" cy="0"/>
+          <a:chOff x="0" y="0"/>
+          <a:chExt cx="0" cy="0"/>
+        </a:xfrm>
+      </p:grpSpPr>
+      <p:sp>
+        <p:nvSpPr>
+          <p:cNvPr id="2" name="スライド イメージ プレースホルダー 1"/>
+          <p:cNvSpPr>
+            <a:spLocks noGrp="1" noRot="1" noChangeAspect="1"/>
+          </p:cNvSpPr>
+          <p:nvPr>
+            <p:ph type="sldImg"/>
+          </p:nvPr>
+        </p:nvSpPr>
+        <p:spPr/>
+      </p:sp>
+      <p:sp>
+        <p:nvSpPr>
+          <p:cNvPr id="3" name="ノート プレースホルダー 2"/>
+          <p:cNvSpPr>
+            <a:spLocks noGrp="1"/>
+          </p:cNvSpPr>
+          <p:nvPr>
+            <p:ph type="body" idx="1"/>
+          </p:nvPr>
+        </p:nvSpPr>
+        <p:spPr/>
+        <p:txBody>
+          <a:bodyPr/>
+          <a:lstStyle/>
+          <a:p>
+            <a:endParaRPr kumimoji="1" lang="ja-JP" altLang="en-US" dirty="0"/>
+          </a:p>
+        </p:txBody>
+      </p:sp>
+      <p:sp>
+        <p:nvSpPr>
+          <p:cNvPr id="4" name="フッター プレースホルダー 3"/>
+          <p:cNvSpPr>
+            <a:spLocks noGrp="1"/>
+          </p:cNvSpPr>
+          <p:nvPr>
+            <p:ph type="ftr" sz="quarter" idx="10"/>
+          </p:nvPr>
+        </p:nvSpPr>
+        <p:spPr/>
+        <p:txBody>
+          <a:bodyPr/>
+          <a:lstStyle/>
+          <a:p>
+            <a:endParaRPr kumimoji="1" lang="ja-JP" altLang="en-US"/>
+          </a:p>
+        </p:txBody>
+      </p:sp>
+      <p:sp>
+        <p:nvSpPr>
+          <p:cNvPr id="5" name="スライド番号プレースホルダー 4"/>
+          <p:cNvSpPr>
+            <a:spLocks noGrp="1"/>
+          </p:cNvSpPr>
+          <p:nvPr>
+            <p:ph type="sldNum" sz="quarter" idx="11"/>
+          </p:nvPr>
+        </p:nvSpPr>
+        <p:spPr/>
+        <p:txBody>
+          <a:bodyPr/>
+          <a:lstStyle/>
+          <a:p>
+            <a:fld id="{1705D8A9-7A56-411A-9EF9-F7869DF78C8C}" type="slidenum">
+              <a:rPr kumimoji="1" lang="ja-JP" altLang="en-US" smtClean="0"/>
+              <a:t>9</a:t>
+            </a:fld>
+            <a:endParaRPr kumimoji="1" lang="ja-JP" altLang="en-US"/>
+          </a:p>
+        </p:txBody>
+      </p:sp>
+    </p:spTree>
+    <p:extLst>
+      <p:ext uri="{BB962C8B-B14F-4D97-AF65-F5344CB8AC3E}">
+        <p14:creationId xmlns:p14="http://schemas.microsoft.com/office/powerpoint/2010/main" val="3072091457"/>
       </p:ext>
     </p:extLst>
   </p:cSld>
@@ -1413,7 +2187,7 @@
           <a:p>
             <a:fld id="{3EC1410A-F8EF-4E0C-B87B-0DB9A19D73BC}" type="datetime1">
               <a:rPr kumimoji="1" lang="ja-JP" altLang="en-US" smtClean="0"/>
-              <a:t>2019/12/12</a:t>
+              <a:t>2019/12/13</a:t>
             </a:fld>
             <a:endParaRPr kumimoji="1" lang="ja-JP" altLang="en-US"/>
           </a:p>
@@ -1660,7 +2434,7 @@
           <a:p>
             <a:fld id="{FB24D0FE-3AF2-4B9C-A593-44EDA01DAF7D}" type="datetime1">
               <a:rPr kumimoji="1" lang="ja-JP" altLang="en-US" smtClean="0"/>
-              <a:t>2019/12/12</a:t>
+              <a:t>2019/12/13</a:t>
             </a:fld>
             <a:endParaRPr kumimoji="1" lang="ja-JP" altLang="en-US"/>
           </a:p>
@@ -1955,7 +2729,7 @@
           <a:p>
             <a:fld id="{B7B57C34-282D-413C-9FD6-95C2C05FF127}" type="datetime1">
               <a:rPr kumimoji="1" lang="ja-JP" altLang="en-US" smtClean="0"/>
-              <a:t>2019/12/12</a:t>
+              <a:t>2019/12/13</a:t>
             </a:fld>
             <a:endParaRPr kumimoji="1" lang="ja-JP" altLang="en-US"/>
           </a:p>
@@ -2023,7 +2797,489 @@
 </p:sldLayout>
 </file>
 
-<file path=ppt/slideLayouts/slideLayout2.xml><?xml version="1.0" encoding="utf-8"?>
+<file path=ppt/slideLayouts/slideLayout12.xml><?xml version="1.0" encoding="utf-8"?>
+<p:sldLayout xmlns:a="http://schemas.openxmlformats.org/drawingml/2006/main" xmlns:r="http://schemas.openxmlformats.org/officeDocument/2006/relationships" xmlns:p="http://schemas.openxmlformats.org/presentationml/2006/main" showMasterSp="0" type="title" preserve="1">
+  <p:cSld name="タイトル スライド">
+    <p:spTree>
+      <p:nvGrpSpPr>
+        <p:cNvPr id="1" name=""/>
+        <p:cNvGrpSpPr/>
+        <p:nvPr/>
+      </p:nvGrpSpPr>
+      <p:grpSpPr>
+        <a:xfrm>
+          <a:off x="0" y="0"/>
+          <a:ext cx="0" cy="0"/>
+          <a:chOff x="0" y="0"/>
+          <a:chExt cx="0" cy="0"/>
+        </a:xfrm>
+      </p:grpSpPr>
+      <p:sp>
+        <p:nvSpPr>
+          <p:cNvPr id="7" name="Rectangle 6"/>
+          <p:cNvSpPr/>
+          <p:nvPr/>
+        </p:nvSpPr>
+        <p:spPr>
+          <a:xfrm>
+            <a:off x="1" y="6400800"/>
+            <a:ext cx="12192000" cy="457200"/>
+          </a:xfrm>
+          <a:prstGeom prst="rect">
+            <a:avLst/>
+          </a:prstGeom>
+          <a:solidFill>
+            <a:schemeClr val="accent2"/>
+          </a:solidFill>
+          <a:ln>
+            <a:noFill/>
+          </a:ln>
+        </p:spPr>
+        <p:style>
+          <a:lnRef idx="2">
+            <a:schemeClr val="accent1">
+              <a:shade val="50000"/>
+            </a:schemeClr>
+          </a:lnRef>
+          <a:fillRef idx="1">
+            <a:schemeClr val="accent1"/>
+          </a:fillRef>
+          <a:effectRef idx="0">
+            <a:schemeClr val="accent1"/>
+          </a:effectRef>
+          <a:fontRef idx="minor">
+            <a:schemeClr val="lt1"/>
+          </a:fontRef>
+        </p:style>
+      </p:sp>
+      <p:sp>
+        <p:nvSpPr>
+          <p:cNvPr id="8" name="Rectangle 7"/>
+          <p:cNvSpPr/>
+          <p:nvPr/>
+        </p:nvSpPr>
+        <p:spPr>
+          <a:xfrm>
+            <a:off x="1" y="6334316"/>
+            <a:ext cx="12192000" cy="66484"/>
+          </a:xfrm>
+          <a:prstGeom prst="rect">
+            <a:avLst/>
+          </a:prstGeom>
+          <a:solidFill>
+            <a:schemeClr val="accent1"/>
+          </a:solidFill>
+          <a:ln>
+            <a:noFill/>
+          </a:ln>
+        </p:spPr>
+        <p:style>
+          <a:lnRef idx="2">
+            <a:schemeClr val="accent1">
+              <a:shade val="50000"/>
+            </a:schemeClr>
+          </a:lnRef>
+          <a:fillRef idx="1">
+            <a:schemeClr val="accent1"/>
+          </a:fillRef>
+          <a:effectRef idx="0">
+            <a:schemeClr val="accent1"/>
+          </a:effectRef>
+          <a:fontRef idx="minor">
+            <a:schemeClr val="lt1"/>
+          </a:fontRef>
+        </p:style>
+      </p:sp>
+      <p:sp>
+        <p:nvSpPr>
+          <p:cNvPr id="2" name="Title 1"/>
+          <p:cNvSpPr>
+            <a:spLocks noGrp="1"/>
+          </p:cNvSpPr>
+          <p:nvPr>
+            <p:ph type="ctrTitle"/>
+          </p:nvPr>
+        </p:nvSpPr>
+        <p:spPr>
+          <a:xfrm>
+            <a:off x="1097280" y="758952"/>
+            <a:ext cx="10058400" cy="3566160"/>
+          </a:xfrm>
+        </p:spPr>
+        <p:txBody>
+          <a:bodyPr anchor="b">
+            <a:normAutofit/>
+          </a:bodyPr>
+          <a:lstStyle>
+            <a:lvl1pPr algn="l">
+              <a:lnSpc>
+                <a:spcPct val="85000"/>
+              </a:lnSpc>
+              <a:defRPr sz="8000" spc="-50" baseline="0">
+                <a:solidFill>
+                  <a:schemeClr val="tx1">
+                    <a:lumMod val="85000"/>
+                    <a:lumOff val="15000"/>
+                  </a:schemeClr>
+                </a:solidFill>
+              </a:defRPr>
+            </a:lvl1pPr>
+          </a:lstStyle>
+          <a:p>
+            <a:r>
+              <a:rPr lang="ja-JP" altLang="en-US" smtClean="0"/>
+              <a:t>マスター タイトルの書式設定</a:t>
+            </a:r>
+            <a:endParaRPr lang="en-US" dirty="0"/>
+          </a:p>
+        </p:txBody>
+      </p:sp>
+      <p:sp>
+        <p:nvSpPr>
+          <p:cNvPr id="3" name="Subtitle 2"/>
+          <p:cNvSpPr>
+            <a:spLocks noGrp="1"/>
+          </p:cNvSpPr>
+          <p:nvPr>
+            <p:ph type="subTitle" idx="1"/>
+          </p:nvPr>
+        </p:nvSpPr>
+        <p:spPr>
+          <a:xfrm>
+            <a:off x="1100051" y="4455621"/>
+            <a:ext cx="10058400" cy="1143000"/>
+          </a:xfrm>
+        </p:spPr>
+        <p:txBody>
+          <a:bodyPr lIns="91440" rIns="91440">
+            <a:normAutofit/>
+          </a:bodyPr>
+          <a:lstStyle>
+            <a:lvl1pPr marL="0" indent="0" algn="l">
+              <a:buNone/>
+              <a:defRPr sz="2400" cap="all" spc="200" baseline="0">
+                <a:solidFill>
+                  <a:schemeClr val="tx2"/>
+                </a:solidFill>
+                <a:latin typeface="+mj-lt"/>
+              </a:defRPr>
+            </a:lvl1pPr>
+            <a:lvl2pPr marL="457200" indent="0" algn="ctr">
+              <a:buNone/>
+              <a:defRPr sz="2400"/>
+            </a:lvl2pPr>
+            <a:lvl3pPr marL="914400" indent="0" algn="ctr">
+              <a:buNone/>
+              <a:defRPr sz="2400"/>
+            </a:lvl3pPr>
+            <a:lvl4pPr marL="1371600" indent="0" algn="ctr">
+              <a:buNone/>
+              <a:defRPr sz="2000"/>
+            </a:lvl4pPr>
+            <a:lvl5pPr marL="1828800" indent="0" algn="ctr">
+              <a:buNone/>
+              <a:defRPr sz="2000"/>
+            </a:lvl5pPr>
+            <a:lvl6pPr marL="2286000" indent="0" algn="ctr">
+              <a:buNone/>
+              <a:defRPr sz="2000"/>
+            </a:lvl6pPr>
+            <a:lvl7pPr marL="2743200" indent="0" algn="ctr">
+              <a:buNone/>
+              <a:defRPr sz="2000"/>
+            </a:lvl7pPr>
+            <a:lvl8pPr marL="3200400" indent="0" algn="ctr">
+              <a:buNone/>
+              <a:defRPr sz="2000"/>
+            </a:lvl8pPr>
+            <a:lvl9pPr marL="3657600" indent="0" algn="ctr">
+              <a:buNone/>
+              <a:defRPr sz="2000"/>
+            </a:lvl9pPr>
+          </a:lstStyle>
+          <a:p>
+            <a:r>
+              <a:rPr lang="ja-JP" altLang="en-US" smtClean="0"/>
+              <a:t>マスター サブタイトルの書式設定</a:t>
+            </a:r>
+            <a:endParaRPr lang="en-US" dirty="0"/>
+          </a:p>
+        </p:txBody>
+      </p:sp>
+      <p:sp>
+        <p:nvSpPr>
+          <p:cNvPr id="4" name="Date Placeholder 3"/>
+          <p:cNvSpPr>
+            <a:spLocks noGrp="1"/>
+          </p:cNvSpPr>
+          <p:nvPr>
+            <p:ph type="dt" sz="half" idx="10"/>
+          </p:nvPr>
+        </p:nvSpPr>
+        <p:spPr/>
+        <p:txBody>
+          <a:bodyPr/>
+          <a:lstStyle/>
+          <a:p>
+            <a:pPr marL="0" marR="0" lvl="0" indent="0" algn="l" defTabSz="914400" rtl="0" eaLnBrk="1" fontAlgn="auto" latinLnBrk="0" hangingPunct="1">
+              <a:lnSpc>
+                <a:spcPct val="100000"/>
+              </a:lnSpc>
+              <a:spcBef>
+                <a:spcPts val="0"/>
+              </a:spcBef>
+              <a:spcAft>
+                <a:spcPts val="0"/>
+              </a:spcAft>
+              <a:buClrTx/>
+              <a:buSzTx/>
+              <a:buFontTx/>
+              <a:buNone/>
+              <a:tabLst/>
+              <a:defRPr/>
+            </a:pPr>
+            <a:fld id="{4DB34049-4C60-4FA3-9E3E-A872660373D4}" type="datetime1">
+              <a:rPr kumimoji="1" lang="ja-JP" altLang="en-US" sz="900" b="0" i="0" u="none" strike="noStrike" kern="1200" cap="none" spc="0" normalizeH="0" baseline="0" noProof="0" smtClean="0">
+                <a:ln>
+                  <a:noFill/>
+                </a:ln>
+                <a:solidFill>
+                  <a:srgbClr val="FFFFFF"/>
+                </a:solidFill>
+                <a:effectLst/>
+                <a:uLnTx/>
+                <a:uFillTx/>
+                <a:latin typeface="Calibri" panose="020F0502020204030204"/>
+                <a:ea typeface="ＭＳ Ｐゴシック" panose="020B0600070205080204" pitchFamily="50" charset="-128"/>
+                <a:cs typeface="+mn-cs"/>
+              </a:rPr>
+              <a:pPr marL="0" marR="0" lvl="0" indent="0" algn="l" defTabSz="914400" rtl="0" eaLnBrk="1" fontAlgn="auto" latinLnBrk="0" hangingPunct="1">
+                <a:lnSpc>
+                  <a:spcPct val="100000"/>
+                </a:lnSpc>
+                <a:spcBef>
+                  <a:spcPts val="0"/>
+                </a:spcBef>
+                <a:spcAft>
+                  <a:spcPts val="0"/>
+                </a:spcAft>
+                <a:buClrTx/>
+                <a:buSzTx/>
+                <a:buFontTx/>
+                <a:buNone/>
+                <a:tabLst/>
+                <a:defRPr/>
+              </a:pPr>
+              <a:t>2019/12/13</a:t>
+            </a:fld>
+            <a:endParaRPr kumimoji="1" lang="ja-JP" altLang="en-US" sz="900" b="0" i="0" u="none" strike="noStrike" kern="1200" cap="none" spc="0" normalizeH="0" baseline="0" noProof="0">
+              <a:ln>
+                <a:noFill/>
+              </a:ln>
+              <a:solidFill>
+                <a:srgbClr val="FFFFFF"/>
+              </a:solidFill>
+              <a:effectLst/>
+              <a:uLnTx/>
+              <a:uFillTx/>
+              <a:latin typeface="Calibri" panose="020F0502020204030204"/>
+              <a:ea typeface="ＭＳ Ｐゴシック" panose="020B0600070205080204" pitchFamily="50" charset="-128"/>
+              <a:cs typeface="+mn-cs"/>
+            </a:endParaRPr>
+          </a:p>
+        </p:txBody>
+      </p:sp>
+      <p:sp>
+        <p:nvSpPr>
+          <p:cNvPr id="5" name="Footer Placeholder 4"/>
+          <p:cNvSpPr>
+            <a:spLocks noGrp="1"/>
+          </p:cNvSpPr>
+          <p:nvPr>
+            <p:ph type="ftr" sz="quarter" idx="11"/>
+          </p:nvPr>
+        </p:nvSpPr>
+        <p:spPr/>
+        <p:txBody>
+          <a:bodyPr/>
+          <a:lstStyle/>
+          <a:p>
+            <a:pPr marL="0" marR="0" lvl="0" indent="0" algn="ctr" defTabSz="914400" rtl="0" eaLnBrk="1" fontAlgn="auto" latinLnBrk="0" hangingPunct="1">
+              <a:lnSpc>
+                <a:spcPct val="100000"/>
+              </a:lnSpc>
+              <a:spcBef>
+                <a:spcPts val="0"/>
+              </a:spcBef>
+              <a:spcAft>
+                <a:spcPts val="0"/>
+              </a:spcAft>
+              <a:buClrTx/>
+              <a:buSzTx/>
+              <a:buFontTx/>
+              <a:buNone/>
+              <a:tabLst/>
+              <a:defRPr/>
+            </a:pPr>
+            <a:endParaRPr kumimoji="1" lang="ja-JP" altLang="en-US" sz="900" b="0" i="0" u="none" strike="noStrike" kern="1200" cap="all" spc="0" normalizeH="0" baseline="0" noProof="0">
+              <a:ln>
+                <a:noFill/>
+              </a:ln>
+              <a:solidFill>
+                <a:srgbClr val="FFFFFF"/>
+              </a:solidFill>
+              <a:effectLst/>
+              <a:uLnTx/>
+              <a:uFillTx/>
+              <a:latin typeface="Calibri" panose="020F0502020204030204"/>
+              <a:ea typeface="ＭＳ Ｐゴシック" panose="020B0600070205080204" pitchFamily="50" charset="-128"/>
+              <a:cs typeface="+mn-cs"/>
+            </a:endParaRPr>
+          </a:p>
+        </p:txBody>
+      </p:sp>
+      <p:sp>
+        <p:nvSpPr>
+          <p:cNvPr id="6" name="Slide Number Placeholder 5"/>
+          <p:cNvSpPr>
+            <a:spLocks noGrp="1"/>
+          </p:cNvSpPr>
+          <p:nvPr>
+            <p:ph type="sldNum" sz="quarter" idx="12"/>
+          </p:nvPr>
+        </p:nvSpPr>
+        <p:spPr/>
+        <p:txBody>
+          <a:bodyPr/>
+          <a:lstStyle/>
+          <a:p>
+            <a:pPr marL="0" marR="0" lvl="0" indent="0" algn="r" defTabSz="914400" rtl="0" eaLnBrk="1" fontAlgn="auto" latinLnBrk="0" hangingPunct="1">
+              <a:lnSpc>
+                <a:spcPct val="100000"/>
+              </a:lnSpc>
+              <a:spcBef>
+                <a:spcPts val="0"/>
+              </a:spcBef>
+              <a:spcAft>
+                <a:spcPts val="0"/>
+              </a:spcAft>
+              <a:buClrTx/>
+              <a:buSzTx/>
+              <a:buFontTx/>
+              <a:buNone/>
+              <a:tabLst/>
+              <a:defRPr/>
+            </a:pPr>
+            <a:fld id="{3C3988C9-8C6C-49D7-8D82-24DA391FB063}" type="slidenum">
+              <a:rPr kumimoji="1" lang="ja-JP" altLang="en-US" sz="2000" b="0" i="0" u="none" strike="noStrike" kern="1200" cap="none" spc="0" normalizeH="0" baseline="0" noProof="0" smtClean="0">
+                <a:ln>
+                  <a:noFill/>
+                </a:ln>
+                <a:solidFill>
+                  <a:srgbClr val="FFFFFF"/>
+                </a:solidFill>
+                <a:effectLst/>
+                <a:uLnTx/>
+                <a:uFillTx/>
+                <a:latin typeface="Calibri" panose="020F0502020204030204"/>
+                <a:ea typeface="ＭＳ Ｐゴシック" panose="020B0600070205080204" pitchFamily="50" charset="-128"/>
+                <a:cs typeface="+mn-cs"/>
+              </a:rPr>
+              <a:pPr marL="0" marR="0" lvl="0" indent="0" algn="r" defTabSz="914400" rtl="0" eaLnBrk="1" fontAlgn="auto" latinLnBrk="0" hangingPunct="1">
+                <a:lnSpc>
+                  <a:spcPct val="100000"/>
+                </a:lnSpc>
+                <a:spcBef>
+                  <a:spcPts val="0"/>
+                </a:spcBef>
+                <a:spcAft>
+                  <a:spcPts val="0"/>
+                </a:spcAft>
+                <a:buClrTx/>
+                <a:buSzTx/>
+                <a:buFontTx/>
+                <a:buNone/>
+                <a:tabLst/>
+                <a:defRPr/>
+              </a:pPr>
+              <a:t>‹#›</a:t>
+            </a:fld>
+            <a:endParaRPr kumimoji="1" lang="ja-JP" altLang="en-US" sz="2000" b="0" i="0" u="none" strike="noStrike" kern="1200" cap="none" spc="0" normalizeH="0" baseline="0" noProof="0">
+              <a:ln>
+                <a:noFill/>
+              </a:ln>
+              <a:solidFill>
+                <a:srgbClr val="FFFFFF"/>
+              </a:solidFill>
+              <a:effectLst/>
+              <a:uLnTx/>
+              <a:uFillTx/>
+              <a:latin typeface="Calibri" panose="020F0502020204030204"/>
+              <a:ea typeface="ＭＳ Ｐゴシック" panose="020B0600070205080204" pitchFamily="50" charset="-128"/>
+              <a:cs typeface="+mn-cs"/>
+            </a:endParaRPr>
+          </a:p>
+        </p:txBody>
+      </p:sp>
+      <p:cxnSp>
+        <p:nvCxnSpPr>
+          <p:cNvPr id="9" name="Straight Connector 8"/>
+          <p:cNvCxnSpPr/>
+          <p:nvPr/>
+        </p:nvCxnSpPr>
+        <p:spPr>
+          <a:xfrm>
+            <a:off x="1207658" y="4343400"/>
+            <a:ext cx="9875520" cy="0"/>
+          </a:xfrm>
+          <a:prstGeom prst="line">
+            <a:avLst/>
+          </a:prstGeom>
+          <a:ln w="6350">
+            <a:solidFill>
+              <a:schemeClr val="tx1">
+                <a:lumMod val="50000"/>
+                <a:lumOff val="50000"/>
+              </a:schemeClr>
+            </a:solidFill>
+          </a:ln>
+        </p:spPr>
+        <p:style>
+          <a:lnRef idx="1">
+            <a:schemeClr val="accent1"/>
+          </a:lnRef>
+          <a:fillRef idx="0">
+            <a:schemeClr val="accent1"/>
+          </a:fillRef>
+          <a:effectRef idx="0">
+            <a:schemeClr val="accent1"/>
+          </a:effectRef>
+          <a:fontRef idx="minor">
+            <a:schemeClr val="tx1"/>
+          </a:fontRef>
+        </p:style>
+      </p:cxnSp>
+    </p:spTree>
+    <p:extLst>
+      <p:ext uri="{BB962C8B-B14F-4D97-AF65-F5344CB8AC3E}">
+        <p14:creationId xmlns:p14="http://schemas.microsoft.com/office/powerpoint/2010/main" val="1402746480"/>
+      </p:ext>
+    </p:extLst>
+  </p:cSld>
+  <p:clrMapOvr>
+    <a:masterClrMapping/>
+  </p:clrMapOvr>
+  <p:timing>
+    <p:tnLst>
+      <p:par>
+        <p:cTn id="1" dur="indefinite" restart="never" nodeType="tmRoot"/>
+      </p:par>
+    </p:tnLst>
+  </p:timing>
+</p:sldLayout>
+</file>
+
+<file path=ppt/slideLayouts/slideLayout13.xml><?xml version="1.0" encoding="utf-8"?>
 <p:sldLayout xmlns:a="http://schemas.openxmlformats.org/drawingml/2006/main" xmlns:r="http://schemas.openxmlformats.org/officeDocument/2006/relationships" xmlns:p="http://schemas.openxmlformats.org/presentationml/2006/main" type="obj" preserve="1">
   <p:cSld name="タイトルとコンテンツ">
     <p:spTree>
@@ -2182,11 +3438,71 @@
           <a:bodyPr/>
           <a:lstStyle/>
           <a:p>
-            <a:fld id="{FF0B594E-E4D2-48B8-9775-B717AFE7D1E8}" type="datetime1">
-              <a:rPr kumimoji="1" lang="ja-JP" altLang="en-US" smtClean="0"/>
-              <a:t>2019/12/12</a:t>
+            <a:pPr marL="0" marR="0" lvl="0" indent="0" algn="l" defTabSz="914400" rtl="0" eaLnBrk="1" fontAlgn="auto" latinLnBrk="0" hangingPunct="1">
+              <a:lnSpc>
+                <a:spcPct val="100000"/>
+              </a:lnSpc>
+              <a:spcBef>
+                <a:spcPts val="0"/>
+              </a:spcBef>
+              <a:spcAft>
+                <a:spcPts val="0"/>
+              </a:spcAft>
+              <a:buClrTx/>
+              <a:buSzTx/>
+              <a:buFontTx/>
+              <a:buNone/>
+              <a:tabLst/>
+              <a:defRPr/>
+            </a:pPr>
+            <a:fld id="{EBED1F3E-ACA0-4F95-987E-01D568505390}" type="datetime1">
+              <a:rPr kumimoji="1" lang="ja-JP" altLang="en-US" sz="900" b="0" i="0" u="none" strike="noStrike" kern="1200" cap="none" spc="0" normalizeH="0" baseline="0" noProof="0" smtClean="0">
+                <a:ln>
+                  <a:noFill/>
+                </a:ln>
+                <a:solidFill>
+                  <a:srgbClr val="FFFFFF"/>
+                </a:solidFill>
+                <a:effectLst/>
+                <a:uLnTx/>
+                <a:uFillTx/>
+                <a:latin typeface="Calibri" panose="020F0502020204030204"/>
+                <a:ea typeface="ＭＳ Ｐゴシック" panose="020B0600070205080204" pitchFamily="50" charset="-128"/>
+                <a:cs typeface="+mn-cs"/>
+              </a:rPr>
+              <a:pPr marL="0" marR="0" lvl="0" indent="0" algn="l" defTabSz="914400" rtl="0" eaLnBrk="1" fontAlgn="auto" latinLnBrk="0" hangingPunct="1">
+                <a:lnSpc>
+                  <a:spcPct val="100000"/>
+                </a:lnSpc>
+                <a:spcBef>
+                  <a:spcPts val="0"/>
+                </a:spcBef>
+                <a:spcAft>
+                  <a:spcPts val="0"/>
+                </a:spcAft>
+                <a:buClrTx/>
+                <a:buSzTx/>
+                <a:buFontTx/>
+                <a:buNone/>
+                <a:tabLst/>
+                <a:defRPr/>
+              </a:pPr>
+              <a:t>2019/12/13</a:t>
             </a:fld>
-            <a:endParaRPr kumimoji="1" lang="ja-JP" altLang="en-US"/>
+            <a:endParaRPr kumimoji="1" lang="ja-JP" altLang="en-US" sz="900" b="0" i="0" u="none" strike="noStrike" kern="1200" cap="none" spc="0" normalizeH="0" baseline="0" noProof="0">
+              <a:ln>
+                <a:noFill/>
+              </a:ln>
+              <a:solidFill>
+                <a:srgbClr val="FFFFFF"/>
+              </a:solidFill>
+              <a:effectLst/>
+              <a:uLnTx/>
+              <a:uFillTx/>
+              <a:latin typeface="Calibri" panose="020F0502020204030204"/>
+              <a:ea typeface="ＭＳ Ｐゴシック" panose="020B0600070205080204" pitchFamily="50" charset="-128"/>
+              <a:cs typeface="+mn-cs"/>
+            </a:endParaRPr>
           </a:p>
         </p:txBody>
       </p:sp>
@@ -2205,7 +3521,37 @@
           <a:bodyPr/>
           <a:lstStyle/>
           <a:p>
-            <a:endParaRPr kumimoji="1" lang="ja-JP" altLang="en-US"/>
+            <a:pPr marL="0" marR="0" lvl="0" indent="0" algn="ctr" defTabSz="914400" rtl="0" eaLnBrk="1" fontAlgn="auto" latinLnBrk="0" hangingPunct="1">
+              <a:lnSpc>
+                <a:spcPct val="100000"/>
+              </a:lnSpc>
+              <a:spcBef>
+                <a:spcPts val="0"/>
+              </a:spcBef>
+              <a:spcAft>
+                <a:spcPts val="0"/>
+              </a:spcAft>
+              <a:buClrTx/>
+              <a:buSzTx/>
+              <a:buFontTx/>
+              <a:buNone/>
+              <a:tabLst/>
+              <a:defRPr/>
+            </a:pPr>
+            <a:endParaRPr kumimoji="1" lang="ja-JP" altLang="en-US" sz="900" b="0" i="0" u="none" strike="noStrike" kern="1200" cap="all" spc="0" normalizeH="0" baseline="0" noProof="0">
+              <a:ln>
+                <a:noFill/>
+              </a:ln>
+              <a:solidFill>
+                <a:srgbClr val="FFFFFF"/>
+              </a:solidFill>
+              <a:effectLst/>
+              <a:uLnTx/>
+              <a:uFillTx/>
+              <a:latin typeface="Calibri" panose="020F0502020204030204"/>
+              <a:ea typeface="ＭＳ Ｐゴシック" panose="020B0600070205080204" pitchFamily="50" charset="-128"/>
+              <a:cs typeface="+mn-cs"/>
+            </a:endParaRPr>
           </a:p>
         </p:txBody>
       </p:sp>
@@ -2222,20 +3568,84 @@
         <p:spPr/>
         <p:txBody>
           <a:bodyPr/>
-          <a:lstStyle/>
-          <a:p>
+          <a:lstStyle>
+            <a:lvl1pPr>
+              <a:defRPr sz="3200"/>
+            </a:lvl1pPr>
+          </a:lstStyle>
+          <a:p>
+            <a:pPr marL="0" marR="0" lvl="0" indent="0" algn="r" defTabSz="914400" rtl="0" eaLnBrk="1" fontAlgn="auto" latinLnBrk="0" hangingPunct="1">
+              <a:lnSpc>
+                <a:spcPct val="100000"/>
+              </a:lnSpc>
+              <a:spcBef>
+                <a:spcPts val="0"/>
+              </a:spcBef>
+              <a:spcAft>
+                <a:spcPts val="0"/>
+              </a:spcAft>
+              <a:buClrTx/>
+              <a:buSzTx/>
+              <a:buFontTx/>
+              <a:buNone/>
+              <a:tabLst/>
+              <a:defRPr/>
+            </a:pPr>
             <a:fld id="{3C3988C9-8C6C-49D7-8D82-24DA391FB063}" type="slidenum">
-              <a:rPr kumimoji="1" lang="ja-JP" altLang="en-US" smtClean="0"/>
+              <a:rPr kumimoji="1" lang="ja-JP" altLang="en-US" sz="3200" b="0" i="0" u="none" strike="noStrike" kern="1200" cap="none" spc="0" normalizeH="0" baseline="0" noProof="0" smtClean="0">
+                <a:ln>
+                  <a:noFill/>
+                </a:ln>
+                <a:solidFill>
+                  <a:srgbClr val="FFFFFF"/>
+                </a:solidFill>
+                <a:effectLst/>
+                <a:uLnTx/>
+                <a:uFillTx/>
+                <a:latin typeface="Calibri" panose="020F0502020204030204"/>
+                <a:ea typeface="ＭＳ Ｐゴシック" panose="020B0600070205080204" pitchFamily="50" charset="-128"/>
+                <a:cs typeface="+mn-cs"/>
+              </a:rPr>
+              <a:pPr marL="0" marR="0" lvl="0" indent="0" algn="r" defTabSz="914400" rtl="0" eaLnBrk="1" fontAlgn="auto" latinLnBrk="0" hangingPunct="1">
+                <a:lnSpc>
+                  <a:spcPct val="100000"/>
+                </a:lnSpc>
+                <a:spcBef>
+                  <a:spcPts val="0"/>
+                </a:spcBef>
+                <a:spcAft>
+                  <a:spcPts val="0"/>
+                </a:spcAft>
+                <a:buClrTx/>
+                <a:buSzTx/>
+                <a:buFontTx/>
+                <a:buNone/>
+                <a:tabLst/>
+                <a:defRPr/>
+              </a:pPr>
               <a:t>‹#›</a:t>
             </a:fld>
-            <a:endParaRPr kumimoji="1" lang="ja-JP" altLang="en-US" dirty="0"/>
+            <a:endParaRPr kumimoji="1" lang="ja-JP" altLang="en-US" sz="3200" b="0" i="0" u="none" strike="noStrike" kern="1200" cap="none" spc="0" normalizeH="0" baseline="0" noProof="0">
+              <a:ln>
+                <a:noFill/>
+              </a:ln>
+              <a:solidFill>
+                <a:srgbClr val="FFFFFF"/>
+              </a:solidFill>
+              <a:effectLst/>
+              <a:uLnTx/>
+              <a:uFillTx/>
+              <a:latin typeface="Calibri" panose="020F0502020204030204"/>
+              <a:ea typeface="ＭＳ Ｐゴシック" panose="020B0600070205080204" pitchFamily="50" charset="-128"/>
+              <a:cs typeface="+mn-cs"/>
+            </a:endParaRPr>
           </a:p>
         </p:txBody>
       </p:sp>
     </p:spTree>
     <p:extLst>
       <p:ext uri="{BB962C8B-B14F-4D97-AF65-F5344CB8AC3E}">
-        <p14:creationId xmlns:p14="http://schemas.microsoft.com/office/powerpoint/2010/main" val="436862532"/>
+        <p14:creationId xmlns:p14="http://schemas.microsoft.com/office/powerpoint/2010/main" val="1867831312"/>
       </p:ext>
     </p:extLst>
   </p:cSld>
@@ -2252,7 +3662,7 @@
 </p:sldLayout>
 </file>
 
-<file path=ppt/slideLayouts/slideLayout3.xml><?xml version="1.0" encoding="utf-8"?>
+<file path=ppt/slideLayouts/slideLayout14.xml><?xml version="1.0" encoding="utf-8"?>
 <p:sldLayout xmlns:a="http://schemas.openxmlformats.org/drawingml/2006/main" xmlns:r="http://schemas.openxmlformats.org/officeDocument/2006/relationships" xmlns:p="http://schemas.openxmlformats.org/presentationml/2006/main" showMasterSp="0" type="secHead" preserve="1">
   <p:cSld name="セクション見出し">
     <p:bg>
@@ -2532,9 +3942,4384 @@
           <a:bodyPr/>
           <a:lstStyle/>
           <a:p>
+            <a:pPr marL="0" marR="0" lvl="0" indent="0" algn="l" defTabSz="914400" rtl="0" eaLnBrk="1" fontAlgn="auto" latinLnBrk="0" hangingPunct="1">
+              <a:lnSpc>
+                <a:spcPct val="100000"/>
+              </a:lnSpc>
+              <a:spcBef>
+                <a:spcPts val="0"/>
+              </a:spcBef>
+              <a:spcAft>
+                <a:spcPts val="0"/>
+              </a:spcAft>
+              <a:buClrTx/>
+              <a:buSzTx/>
+              <a:buFontTx/>
+              <a:buNone/>
+              <a:tabLst/>
+              <a:defRPr/>
+            </a:pPr>
+            <a:fld id="{B6DE9BDE-30E7-491D-AD22-7D2FB58F7AD6}" type="datetime1">
+              <a:rPr kumimoji="1" lang="ja-JP" altLang="en-US" sz="900" b="0" i="0" u="none" strike="noStrike" kern="1200" cap="none" spc="0" normalizeH="0" baseline="0" noProof="0" smtClean="0">
+                <a:ln>
+                  <a:noFill/>
+                </a:ln>
+                <a:solidFill>
+                  <a:srgbClr val="FFFFFF"/>
+                </a:solidFill>
+                <a:effectLst/>
+                <a:uLnTx/>
+                <a:uFillTx/>
+                <a:latin typeface="Calibri" panose="020F0502020204030204"/>
+                <a:ea typeface="ＭＳ Ｐゴシック" panose="020B0600070205080204" pitchFamily="50" charset="-128"/>
+                <a:cs typeface="+mn-cs"/>
+              </a:rPr>
+              <a:pPr marL="0" marR="0" lvl="0" indent="0" algn="l" defTabSz="914400" rtl="0" eaLnBrk="1" fontAlgn="auto" latinLnBrk="0" hangingPunct="1">
+                <a:lnSpc>
+                  <a:spcPct val="100000"/>
+                </a:lnSpc>
+                <a:spcBef>
+                  <a:spcPts val="0"/>
+                </a:spcBef>
+                <a:spcAft>
+                  <a:spcPts val="0"/>
+                </a:spcAft>
+                <a:buClrTx/>
+                <a:buSzTx/>
+                <a:buFontTx/>
+                <a:buNone/>
+                <a:tabLst/>
+                <a:defRPr/>
+              </a:pPr>
+              <a:t>2019/12/13</a:t>
+            </a:fld>
+            <a:endParaRPr kumimoji="1" lang="ja-JP" altLang="en-US" sz="900" b="0" i="0" u="none" strike="noStrike" kern="1200" cap="none" spc="0" normalizeH="0" baseline="0" noProof="0">
+              <a:ln>
+                <a:noFill/>
+              </a:ln>
+              <a:solidFill>
+                <a:srgbClr val="FFFFFF"/>
+              </a:solidFill>
+              <a:effectLst/>
+              <a:uLnTx/>
+              <a:uFillTx/>
+              <a:latin typeface="Calibri" panose="020F0502020204030204"/>
+              <a:ea typeface="ＭＳ Ｐゴシック" panose="020B0600070205080204" pitchFamily="50" charset="-128"/>
+              <a:cs typeface="+mn-cs"/>
+            </a:endParaRPr>
+          </a:p>
+        </p:txBody>
+      </p:sp>
+      <p:sp>
+        <p:nvSpPr>
+          <p:cNvPr id="5" name="Footer Placeholder 4"/>
+          <p:cNvSpPr>
+            <a:spLocks noGrp="1"/>
+          </p:cNvSpPr>
+          <p:nvPr>
+            <p:ph type="ftr" sz="quarter" idx="11"/>
+          </p:nvPr>
+        </p:nvSpPr>
+        <p:spPr/>
+        <p:txBody>
+          <a:bodyPr/>
+          <a:lstStyle/>
+          <a:p>
+            <a:pPr marL="0" marR="0" lvl="0" indent="0" algn="ctr" defTabSz="914400" rtl="0" eaLnBrk="1" fontAlgn="auto" latinLnBrk="0" hangingPunct="1">
+              <a:lnSpc>
+                <a:spcPct val="100000"/>
+              </a:lnSpc>
+              <a:spcBef>
+                <a:spcPts val="0"/>
+              </a:spcBef>
+              <a:spcAft>
+                <a:spcPts val="0"/>
+              </a:spcAft>
+              <a:buClrTx/>
+              <a:buSzTx/>
+              <a:buFontTx/>
+              <a:buNone/>
+              <a:tabLst/>
+              <a:defRPr/>
+            </a:pPr>
+            <a:endParaRPr kumimoji="1" lang="ja-JP" altLang="en-US" sz="900" b="0" i="0" u="none" strike="noStrike" kern="1200" cap="all" spc="0" normalizeH="0" baseline="0" noProof="0">
+              <a:ln>
+                <a:noFill/>
+              </a:ln>
+              <a:solidFill>
+                <a:srgbClr val="FFFFFF"/>
+              </a:solidFill>
+              <a:effectLst/>
+              <a:uLnTx/>
+              <a:uFillTx/>
+              <a:latin typeface="Calibri" panose="020F0502020204030204"/>
+              <a:ea typeface="ＭＳ Ｐゴシック" panose="020B0600070205080204" pitchFamily="50" charset="-128"/>
+              <a:cs typeface="+mn-cs"/>
+            </a:endParaRPr>
+          </a:p>
+        </p:txBody>
+      </p:sp>
+      <p:sp>
+        <p:nvSpPr>
+          <p:cNvPr id="6" name="Slide Number Placeholder 5"/>
+          <p:cNvSpPr>
+            <a:spLocks noGrp="1"/>
+          </p:cNvSpPr>
+          <p:nvPr>
+            <p:ph type="sldNum" sz="quarter" idx="12"/>
+          </p:nvPr>
+        </p:nvSpPr>
+        <p:spPr/>
+        <p:txBody>
+          <a:bodyPr/>
+          <a:lstStyle/>
+          <a:p>
+            <a:pPr marL="0" marR="0" lvl="0" indent="0" algn="r" defTabSz="914400" rtl="0" eaLnBrk="1" fontAlgn="auto" latinLnBrk="0" hangingPunct="1">
+              <a:lnSpc>
+                <a:spcPct val="100000"/>
+              </a:lnSpc>
+              <a:spcBef>
+                <a:spcPts val="0"/>
+              </a:spcBef>
+              <a:spcAft>
+                <a:spcPts val="0"/>
+              </a:spcAft>
+              <a:buClrTx/>
+              <a:buSzTx/>
+              <a:buFontTx/>
+              <a:buNone/>
+              <a:tabLst/>
+              <a:defRPr/>
+            </a:pPr>
+            <a:fld id="{3C3988C9-8C6C-49D7-8D82-24DA391FB063}" type="slidenum">
+              <a:rPr kumimoji="1" lang="ja-JP" altLang="en-US" sz="2000" b="0" i="0" u="none" strike="noStrike" kern="1200" cap="none" spc="0" normalizeH="0" baseline="0" noProof="0" smtClean="0">
+                <a:ln>
+                  <a:noFill/>
+                </a:ln>
+                <a:solidFill>
+                  <a:srgbClr val="FFFFFF"/>
+                </a:solidFill>
+                <a:effectLst/>
+                <a:uLnTx/>
+                <a:uFillTx/>
+                <a:latin typeface="Calibri" panose="020F0502020204030204"/>
+                <a:ea typeface="ＭＳ Ｐゴシック" panose="020B0600070205080204" pitchFamily="50" charset="-128"/>
+                <a:cs typeface="+mn-cs"/>
+              </a:rPr>
+              <a:pPr marL="0" marR="0" lvl="0" indent="0" algn="r" defTabSz="914400" rtl="0" eaLnBrk="1" fontAlgn="auto" latinLnBrk="0" hangingPunct="1">
+                <a:lnSpc>
+                  <a:spcPct val="100000"/>
+                </a:lnSpc>
+                <a:spcBef>
+                  <a:spcPts val="0"/>
+                </a:spcBef>
+                <a:spcAft>
+                  <a:spcPts val="0"/>
+                </a:spcAft>
+                <a:buClrTx/>
+                <a:buSzTx/>
+                <a:buFontTx/>
+                <a:buNone/>
+                <a:tabLst/>
+                <a:defRPr/>
+              </a:pPr>
+              <a:t>‹#›</a:t>
+            </a:fld>
+            <a:endParaRPr kumimoji="1" lang="ja-JP" altLang="en-US" sz="2000" b="0" i="0" u="none" strike="noStrike" kern="1200" cap="none" spc="0" normalizeH="0" baseline="0" noProof="0">
+              <a:ln>
+                <a:noFill/>
+              </a:ln>
+              <a:solidFill>
+                <a:srgbClr val="FFFFFF"/>
+              </a:solidFill>
+              <a:effectLst/>
+              <a:uLnTx/>
+              <a:uFillTx/>
+              <a:latin typeface="Calibri" panose="020F0502020204030204"/>
+              <a:ea typeface="ＭＳ Ｐゴシック" panose="020B0600070205080204" pitchFamily="50" charset="-128"/>
+              <a:cs typeface="+mn-cs"/>
+            </a:endParaRPr>
+          </a:p>
+        </p:txBody>
+      </p:sp>
+      <p:cxnSp>
+        <p:nvCxnSpPr>
+          <p:cNvPr id="9" name="Straight Connector 8"/>
+          <p:cNvCxnSpPr/>
+          <p:nvPr/>
+        </p:nvCxnSpPr>
+        <p:spPr>
+          <a:xfrm>
+            <a:off x="1207658" y="4343400"/>
+            <a:ext cx="9875520" cy="0"/>
+          </a:xfrm>
+          <a:prstGeom prst="line">
+            <a:avLst/>
+          </a:prstGeom>
+          <a:ln w="6350">
+            <a:solidFill>
+              <a:schemeClr val="tx1">
+                <a:lumMod val="50000"/>
+                <a:lumOff val="50000"/>
+              </a:schemeClr>
+            </a:solidFill>
+          </a:ln>
+        </p:spPr>
+        <p:style>
+          <a:lnRef idx="1">
+            <a:schemeClr val="accent1"/>
+          </a:lnRef>
+          <a:fillRef idx="0">
+            <a:schemeClr val="accent1"/>
+          </a:fillRef>
+          <a:effectRef idx="0">
+            <a:schemeClr val="accent1"/>
+          </a:effectRef>
+          <a:fontRef idx="minor">
+            <a:schemeClr val="tx1"/>
+          </a:fontRef>
+        </p:style>
+      </p:cxnSp>
+    </p:spTree>
+    <p:extLst>
+      <p:ext uri="{BB962C8B-B14F-4D97-AF65-F5344CB8AC3E}">
+        <p14:creationId xmlns:p14="http://schemas.microsoft.com/office/powerpoint/2010/main" val="864352237"/>
+      </p:ext>
+    </p:extLst>
+  </p:cSld>
+  <p:clrMapOvr>
+    <a:masterClrMapping/>
+  </p:clrMapOvr>
+  <p:timing>
+    <p:tnLst>
+      <p:par>
+        <p:cTn id="1" dur="indefinite" restart="never" nodeType="tmRoot"/>
+      </p:par>
+    </p:tnLst>
+  </p:timing>
+</p:sldLayout>
+</file>
+
+<file path=ppt/slideLayouts/slideLayout15.xml><?xml version="1.0" encoding="utf-8"?>
+<p:sldLayout xmlns:a="http://schemas.openxmlformats.org/drawingml/2006/main" xmlns:r="http://schemas.openxmlformats.org/officeDocument/2006/relationships" xmlns:p="http://schemas.openxmlformats.org/presentationml/2006/main" type="twoObj" preserve="1">
+  <p:cSld name="2 つのコンテンツ">
+    <p:spTree>
+      <p:nvGrpSpPr>
+        <p:cNvPr id="1" name=""/>
+        <p:cNvGrpSpPr/>
+        <p:nvPr/>
+      </p:nvGrpSpPr>
+      <p:grpSpPr>
+        <a:xfrm>
+          <a:off x="0" y="0"/>
+          <a:ext cx="0" cy="0"/>
+          <a:chOff x="0" y="0"/>
+          <a:chExt cx="0" cy="0"/>
+        </a:xfrm>
+      </p:grpSpPr>
+      <p:sp>
+        <p:nvSpPr>
+          <p:cNvPr id="8" name="Title 7"/>
+          <p:cNvSpPr>
+            <a:spLocks noGrp="1"/>
+          </p:cNvSpPr>
+          <p:nvPr>
+            <p:ph type="title"/>
+          </p:nvPr>
+        </p:nvSpPr>
+        <p:spPr>
+          <a:xfrm>
+            <a:off x="1097280" y="286603"/>
+            <a:ext cx="10058400" cy="1450757"/>
+          </a:xfrm>
+        </p:spPr>
+        <p:txBody>
+          <a:bodyPr/>
+          <a:lstStyle>
+            <a:lvl1pPr>
+              <a:defRPr spc="300"/>
+            </a:lvl1pPr>
+          </a:lstStyle>
+          <a:p>
+            <a:r>
+              <a:rPr lang="ja-JP" altLang="en-US" smtClean="0"/>
+              <a:t>マスター タイトルの書式設定</a:t>
+            </a:r>
+            <a:endParaRPr lang="en-US" dirty="0"/>
+          </a:p>
+        </p:txBody>
+      </p:sp>
+      <p:sp>
+        <p:nvSpPr>
+          <p:cNvPr id="3" name="Content Placeholder 2"/>
+          <p:cNvSpPr>
+            <a:spLocks noGrp="1"/>
+          </p:cNvSpPr>
+          <p:nvPr>
+            <p:ph sz="half" idx="1"/>
+          </p:nvPr>
+        </p:nvSpPr>
+        <p:spPr>
+          <a:xfrm>
+            <a:off x="1097280" y="1845734"/>
+            <a:ext cx="4937760" cy="4023359"/>
+          </a:xfrm>
+        </p:spPr>
+        <p:txBody>
+          <a:bodyPr/>
+          <a:lstStyle>
+            <a:lvl1pPr>
+              <a:defRPr spc="300"/>
+            </a:lvl1pPr>
+            <a:lvl2pPr>
+              <a:defRPr spc="300"/>
+            </a:lvl2pPr>
+            <a:lvl3pPr>
+              <a:defRPr spc="300"/>
+            </a:lvl3pPr>
+            <a:lvl4pPr>
+              <a:defRPr spc="300"/>
+            </a:lvl4pPr>
+            <a:lvl5pPr>
+              <a:defRPr spc="300"/>
+            </a:lvl5pPr>
+          </a:lstStyle>
+          <a:p>
+            <a:pPr lvl="0"/>
+            <a:r>
+              <a:rPr lang="ja-JP" altLang="en-US" smtClean="0"/>
+              <a:t>マスター テキストの書式設定</a:t>
+            </a:r>
+          </a:p>
+          <a:p>
+            <a:pPr lvl="1"/>
+            <a:r>
+              <a:rPr lang="ja-JP" altLang="en-US" smtClean="0"/>
+              <a:t>第 </a:t>
+            </a:r>
+            <a:r>
+              <a:rPr lang="en-US" altLang="ja-JP" smtClean="0"/>
+              <a:t>2 </a:t>
+            </a:r>
+            <a:r>
+              <a:rPr lang="ja-JP" altLang="en-US" smtClean="0"/>
+              <a:t>レベル</a:t>
+            </a:r>
+          </a:p>
+          <a:p>
+            <a:pPr lvl="2"/>
+            <a:r>
+              <a:rPr lang="ja-JP" altLang="en-US" smtClean="0"/>
+              <a:t>第 </a:t>
+            </a:r>
+            <a:r>
+              <a:rPr lang="en-US" altLang="ja-JP" smtClean="0"/>
+              <a:t>3 </a:t>
+            </a:r>
+            <a:r>
+              <a:rPr lang="ja-JP" altLang="en-US" smtClean="0"/>
+              <a:t>レベル</a:t>
+            </a:r>
+          </a:p>
+          <a:p>
+            <a:pPr lvl="3"/>
+            <a:r>
+              <a:rPr lang="ja-JP" altLang="en-US" smtClean="0"/>
+              <a:t>第 </a:t>
+            </a:r>
+            <a:r>
+              <a:rPr lang="en-US" altLang="ja-JP" smtClean="0"/>
+              <a:t>4 </a:t>
+            </a:r>
+            <a:r>
+              <a:rPr lang="ja-JP" altLang="en-US" smtClean="0"/>
+              <a:t>レベル</a:t>
+            </a:r>
+          </a:p>
+          <a:p>
+            <a:pPr lvl="4"/>
+            <a:r>
+              <a:rPr lang="ja-JP" altLang="en-US" smtClean="0"/>
+              <a:t>第 </a:t>
+            </a:r>
+            <a:r>
+              <a:rPr lang="en-US" altLang="ja-JP" smtClean="0"/>
+              <a:t>5 </a:t>
+            </a:r>
+            <a:r>
+              <a:rPr lang="ja-JP" altLang="en-US" smtClean="0"/>
+              <a:t>レベル</a:t>
+            </a:r>
+            <a:endParaRPr lang="en-US" dirty="0"/>
+          </a:p>
+        </p:txBody>
+      </p:sp>
+      <p:sp>
+        <p:nvSpPr>
+          <p:cNvPr id="4" name="Content Placeholder 3"/>
+          <p:cNvSpPr>
+            <a:spLocks noGrp="1"/>
+          </p:cNvSpPr>
+          <p:nvPr>
+            <p:ph sz="half" idx="2"/>
+          </p:nvPr>
+        </p:nvSpPr>
+        <p:spPr>
+          <a:xfrm>
+            <a:off x="6217920" y="1845735"/>
+            <a:ext cx="4937760" cy="4023360"/>
+          </a:xfrm>
+        </p:spPr>
+        <p:txBody>
+          <a:bodyPr/>
+          <a:lstStyle>
+            <a:lvl1pPr>
+              <a:defRPr spc="300"/>
+            </a:lvl1pPr>
+            <a:lvl2pPr>
+              <a:defRPr spc="300"/>
+            </a:lvl2pPr>
+            <a:lvl3pPr>
+              <a:defRPr spc="300"/>
+            </a:lvl3pPr>
+            <a:lvl4pPr>
+              <a:defRPr spc="300"/>
+            </a:lvl4pPr>
+            <a:lvl5pPr>
+              <a:defRPr spc="300"/>
+            </a:lvl5pPr>
+          </a:lstStyle>
+          <a:p>
+            <a:pPr lvl="0"/>
+            <a:r>
+              <a:rPr lang="ja-JP" altLang="en-US" smtClean="0"/>
+              <a:t>マスター テキストの書式設定</a:t>
+            </a:r>
+          </a:p>
+          <a:p>
+            <a:pPr lvl="1"/>
+            <a:r>
+              <a:rPr lang="ja-JP" altLang="en-US" smtClean="0"/>
+              <a:t>第 </a:t>
+            </a:r>
+            <a:r>
+              <a:rPr lang="en-US" altLang="ja-JP" smtClean="0"/>
+              <a:t>2 </a:t>
+            </a:r>
+            <a:r>
+              <a:rPr lang="ja-JP" altLang="en-US" smtClean="0"/>
+              <a:t>レベル</a:t>
+            </a:r>
+          </a:p>
+          <a:p>
+            <a:pPr lvl="2"/>
+            <a:r>
+              <a:rPr lang="ja-JP" altLang="en-US" smtClean="0"/>
+              <a:t>第 </a:t>
+            </a:r>
+            <a:r>
+              <a:rPr lang="en-US" altLang="ja-JP" smtClean="0"/>
+              <a:t>3 </a:t>
+            </a:r>
+            <a:r>
+              <a:rPr lang="ja-JP" altLang="en-US" smtClean="0"/>
+              <a:t>レベル</a:t>
+            </a:r>
+          </a:p>
+          <a:p>
+            <a:pPr lvl="3"/>
+            <a:r>
+              <a:rPr lang="ja-JP" altLang="en-US" smtClean="0"/>
+              <a:t>第 </a:t>
+            </a:r>
+            <a:r>
+              <a:rPr lang="en-US" altLang="ja-JP" smtClean="0"/>
+              <a:t>4 </a:t>
+            </a:r>
+            <a:r>
+              <a:rPr lang="ja-JP" altLang="en-US" smtClean="0"/>
+              <a:t>レベル</a:t>
+            </a:r>
+          </a:p>
+          <a:p>
+            <a:pPr lvl="4"/>
+            <a:r>
+              <a:rPr lang="ja-JP" altLang="en-US" smtClean="0"/>
+              <a:t>第 </a:t>
+            </a:r>
+            <a:r>
+              <a:rPr lang="en-US" altLang="ja-JP" smtClean="0"/>
+              <a:t>5 </a:t>
+            </a:r>
+            <a:r>
+              <a:rPr lang="ja-JP" altLang="en-US" smtClean="0"/>
+              <a:t>レベル</a:t>
+            </a:r>
+            <a:endParaRPr lang="en-US" dirty="0"/>
+          </a:p>
+        </p:txBody>
+      </p:sp>
+      <p:sp>
+        <p:nvSpPr>
+          <p:cNvPr id="5" name="Date Placeholder 4"/>
+          <p:cNvSpPr>
+            <a:spLocks noGrp="1"/>
+          </p:cNvSpPr>
+          <p:nvPr>
+            <p:ph type="dt" sz="half" idx="10"/>
+          </p:nvPr>
+        </p:nvSpPr>
+        <p:spPr/>
+        <p:txBody>
+          <a:bodyPr/>
+          <a:lstStyle>
+            <a:lvl1pPr>
+              <a:defRPr spc="300"/>
+            </a:lvl1pPr>
+          </a:lstStyle>
+          <a:p>
+            <a:pPr marL="0" marR="0" lvl="0" indent="0" algn="l" defTabSz="914400" rtl="0" eaLnBrk="1" fontAlgn="auto" latinLnBrk="0" hangingPunct="1">
+              <a:lnSpc>
+                <a:spcPct val="100000"/>
+              </a:lnSpc>
+              <a:spcBef>
+                <a:spcPts val="0"/>
+              </a:spcBef>
+              <a:spcAft>
+                <a:spcPts val="0"/>
+              </a:spcAft>
+              <a:buClrTx/>
+              <a:buSzTx/>
+              <a:buFontTx/>
+              <a:buNone/>
+              <a:tabLst/>
+              <a:defRPr/>
+            </a:pPr>
+            <a:fld id="{01C14695-FF6C-4395-B911-F0729EE23D79}" type="datetime1">
+              <a:rPr kumimoji="1" lang="ja-JP" altLang="en-US" sz="900" b="0" i="0" u="none" strike="noStrike" kern="1200" cap="none" spc="300" normalizeH="0" baseline="0" noProof="0" smtClean="0">
+                <a:ln>
+                  <a:noFill/>
+                </a:ln>
+                <a:solidFill>
+                  <a:srgbClr val="FFFFFF"/>
+                </a:solidFill>
+                <a:effectLst/>
+                <a:uLnTx/>
+                <a:uFillTx/>
+                <a:latin typeface="Calibri" panose="020F0502020204030204"/>
+                <a:ea typeface="ＭＳ Ｐゴシック" panose="020B0600070205080204" pitchFamily="50" charset="-128"/>
+                <a:cs typeface="+mn-cs"/>
+              </a:rPr>
+              <a:pPr marL="0" marR="0" lvl="0" indent="0" algn="l" defTabSz="914400" rtl="0" eaLnBrk="1" fontAlgn="auto" latinLnBrk="0" hangingPunct="1">
+                <a:lnSpc>
+                  <a:spcPct val="100000"/>
+                </a:lnSpc>
+                <a:spcBef>
+                  <a:spcPts val="0"/>
+                </a:spcBef>
+                <a:spcAft>
+                  <a:spcPts val="0"/>
+                </a:spcAft>
+                <a:buClrTx/>
+                <a:buSzTx/>
+                <a:buFontTx/>
+                <a:buNone/>
+                <a:tabLst/>
+                <a:defRPr/>
+              </a:pPr>
+              <a:t>2019/12/13</a:t>
+            </a:fld>
+            <a:endParaRPr kumimoji="1" lang="ja-JP" altLang="en-US" sz="900" b="0" i="0" u="none" strike="noStrike" kern="1200" cap="none" spc="300" normalizeH="0" baseline="0" noProof="0">
+              <a:ln>
+                <a:noFill/>
+              </a:ln>
+              <a:solidFill>
+                <a:srgbClr val="FFFFFF"/>
+              </a:solidFill>
+              <a:effectLst/>
+              <a:uLnTx/>
+              <a:uFillTx/>
+              <a:latin typeface="Calibri" panose="020F0502020204030204"/>
+              <a:ea typeface="ＭＳ Ｐゴシック" panose="020B0600070205080204" pitchFamily="50" charset="-128"/>
+              <a:cs typeface="+mn-cs"/>
+            </a:endParaRPr>
+          </a:p>
+        </p:txBody>
+      </p:sp>
+      <p:sp>
+        <p:nvSpPr>
+          <p:cNvPr id="6" name="Footer Placeholder 5"/>
+          <p:cNvSpPr>
+            <a:spLocks noGrp="1"/>
+          </p:cNvSpPr>
+          <p:nvPr>
+            <p:ph type="ftr" sz="quarter" idx="11"/>
+          </p:nvPr>
+        </p:nvSpPr>
+        <p:spPr/>
+        <p:txBody>
+          <a:bodyPr/>
+          <a:lstStyle>
+            <a:lvl1pPr>
+              <a:defRPr spc="300"/>
+            </a:lvl1pPr>
+          </a:lstStyle>
+          <a:p>
+            <a:pPr marL="0" marR="0" lvl="0" indent="0" algn="ctr" defTabSz="914400" rtl="0" eaLnBrk="1" fontAlgn="auto" latinLnBrk="0" hangingPunct="1">
+              <a:lnSpc>
+                <a:spcPct val="100000"/>
+              </a:lnSpc>
+              <a:spcBef>
+                <a:spcPts val="0"/>
+              </a:spcBef>
+              <a:spcAft>
+                <a:spcPts val="0"/>
+              </a:spcAft>
+              <a:buClrTx/>
+              <a:buSzTx/>
+              <a:buFontTx/>
+              <a:buNone/>
+              <a:tabLst/>
+              <a:defRPr/>
+            </a:pPr>
+            <a:endParaRPr kumimoji="1" lang="ja-JP" altLang="en-US" sz="900" b="0" i="0" u="none" strike="noStrike" kern="1200" cap="all" spc="300" normalizeH="0" baseline="0" noProof="0">
+              <a:ln>
+                <a:noFill/>
+              </a:ln>
+              <a:solidFill>
+                <a:srgbClr val="FFFFFF"/>
+              </a:solidFill>
+              <a:effectLst/>
+              <a:uLnTx/>
+              <a:uFillTx/>
+              <a:latin typeface="Calibri" panose="020F0502020204030204"/>
+              <a:ea typeface="ＭＳ Ｐゴシック" panose="020B0600070205080204" pitchFamily="50" charset="-128"/>
+              <a:cs typeface="+mn-cs"/>
+            </a:endParaRPr>
+          </a:p>
+        </p:txBody>
+      </p:sp>
+      <p:sp>
+        <p:nvSpPr>
+          <p:cNvPr id="7" name="Slide Number Placeholder 6"/>
+          <p:cNvSpPr>
+            <a:spLocks noGrp="1"/>
+          </p:cNvSpPr>
+          <p:nvPr>
+            <p:ph type="sldNum" sz="quarter" idx="12"/>
+          </p:nvPr>
+        </p:nvSpPr>
+        <p:spPr/>
+        <p:txBody>
+          <a:bodyPr/>
+          <a:lstStyle>
+            <a:lvl1pPr>
+              <a:defRPr spc="300"/>
+            </a:lvl1pPr>
+          </a:lstStyle>
+          <a:p>
+            <a:pPr marL="0" marR="0" lvl="0" indent="0" algn="r" defTabSz="914400" rtl="0" eaLnBrk="1" fontAlgn="auto" latinLnBrk="0" hangingPunct="1">
+              <a:lnSpc>
+                <a:spcPct val="100000"/>
+              </a:lnSpc>
+              <a:spcBef>
+                <a:spcPts val="0"/>
+              </a:spcBef>
+              <a:spcAft>
+                <a:spcPts val="0"/>
+              </a:spcAft>
+              <a:buClrTx/>
+              <a:buSzTx/>
+              <a:buFontTx/>
+              <a:buNone/>
+              <a:tabLst/>
+              <a:defRPr/>
+            </a:pPr>
+            <a:fld id="{3C3988C9-8C6C-49D7-8D82-24DA391FB063}" type="slidenum">
+              <a:rPr kumimoji="1" lang="ja-JP" altLang="en-US" sz="2000" b="0" i="0" u="none" strike="noStrike" kern="1200" cap="none" spc="300" normalizeH="0" baseline="0" noProof="0" smtClean="0">
+                <a:ln>
+                  <a:noFill/>
+                </a:ln>
+                <a:solidFill>
+                  <a:srgbClr val="FFFFFF"/>
+                </a:solidFill>
+                <a:effectLst/>
+                <a:uLnTx/>
+                <a:uFillTx/>
+                <a:latin typeface="Calibri" panose="020F0502020204030204"/>
+                <a:ea typeface="ＭＳ Ｐゴシック" panose="020B0600070205080204" pitchFamily="50" charset="-128"/>
+                <a:cs typeface="+mn-cs"/>
+              </a:rPr>
+              <a:pPr marL="0" marR="0" lvl="0" indent="0" algn="r" defTabSz="914400" rtl="0" eaLnBrk="1" fontAlgn="auto" latinLnBrk="0" hangingPunct="1">
+                <a:lnSpc>
+                  <a:spcPct val="100000"/>
+                </a:lnSpc>
+                <a:spcBef>
+                  <a:spcPts val="0"/>
+                </a:spcBef>
+                <a:spcAft>
+                  <a:spcPts val="0"/>
+                </a:spcAft>
+                <a:buClrTx/>
+                <a:buSzTx/>
+                <a:buFontTx/>
+                <a:buNone/>
+                <a:tabLst/>
+                <a:defRPr/>
+              </a:pPr>
+              <a:t>‹#›</a:t>
+            </a:fld>
+            <a:endParaRPr kumimoji="1" lang="ja-JP" altLang="en-US" sz="2000" b="0" i="0" u="none" strike="noStrike" kern="1200" cap="none" spc="300" normalizeH="0" baseline="0" noProof="0">
+              <a:ln>
+                <a:noFill/>
+              </a:ln>
+              <a:solidFill>
+                <a:srgbClr val="FFFFFF"/>
+              </a:solidFill>
+              <a:effectLst/>
+              <a:uLnTx/>
+              <a:uFillTx/>
+              <a:latin typeface="Calibri" panose="020F0502020204030204"/>
+              <a:ea typeface="ＭＳ Ｐゴシック" panose="020B0600070205080204" pitchFamily="50" charset="-128"/>
+              <a:cs typeface="+mn-cs"/>
+            </a:endParaRPr>
+          </a:p>
+        </p:txBody>
+      </p:sp>
+    </p:spTree>
+    <p:extLst>
+      <p:ext uri="{BB962C8B-B14F-4D97-AF65-F5344CB8AC3E}">
+        <p14:creationId xmlns:p14="http://schemas.microsoft.com/office/powerpoint/2010/main" val="1148207931"/>
+      </p:ext>
+    </p:extLst>
+  </p:cSld>
+  <p:clrMapOvr>
+    <a:masterClrMapping/>
+  </p:clrMapOvr>
+  <p:timing>
+    <p:tnLst>
+      <p:par>
+        <p:cTn id="1" dur="indefinite" restart="never" nodeType="tmRoot"/>
+      </p:par>
+    </p:tnLst>
+  </p:timing>
+</p:sldLayout>
+</file>
+
+<file path=ppt/slideLayouts/slideLayout16.xml><?xml version="1.0" encoding="utf-8"?>
+<p:sldLayout xmlns:a="http://schemas.openxmlformats.org/drawingml/2006/main" xmlns:r="http://schemas.openxmlformats.org/officeDocument/2006/relationships" xmlns:p="http://schemas.openxmlformats.org/presentationml/2006/main" type="twoTxTwoObj" preserve="1">
+  <p:cSld name="比較">
+    <p:spTree>
+      <p:nvGrpSpPr>
+        <p:cNvPr id="1" name=""/>
+        <p:cNvGrpSpPr/>
+        <p:nvPr/>
+      </p:nvGrpSpPr>
+      <p:grpSpPr>
+        <a:xfrm>
+          <a:off x="0" y="0"/>
+          <a:ext cx="0" cy="0"/>
+          <a:chOff x="0" y="0"/>
+          <a:chExt cx="0" cy="0"/>
+        </a:xfrm>
+      </p:grpSpPr>
+      <p:sp>
+        <p:nvSpPr>
+          <p:cNvPr id="10" name="Title 9"/>
+          <p:cNvSpPr>
+            <a:spLocks noGrp="1"/>
+          </p:cNvSpPr>
+          <p:nvPr>
+            <p:ph type="title"/>
+          </p:nvPr>
+        </p:nvSpPr>
+        <p:spPr>
+          <a:xfrm>
+            <a:off x="1097280" y="286603"/>
+            <a:ext cx="10058400" cy="1450757"/>
+          </a:xfrm>
+        </p:spPr>
+        <p:txBody>
+          <a:bodyPr/>
+          <a:lstStyle/>
+          <a:p>
+            <a:r>
+              <a:rPr lang="ja-JP" altLang="en-US" smtClean="0"/>
+              <a:t>マスター タイトルの書式設定</a:t>
+            </a:r>
+            <a:endParaRPr lang="en-US" dirty="0"/>
+          </a:p>
+        </p:txBody>
+      </p:sp>
+      <p:sp>
+        <p:nvSpPr>
+          <p:cNvPr id="3" name="Text Placeholder 2"/>
+          <p:cNvSpPr>
+            <a:spLocks noGrp="1"/>
+          </p:cNvSpPr>
+          <p:nvPr>
+            <p:ph type="body" idx="1"/>
+          </p:nvPr>
+        </p:nvSpPr>
+        <p:spPr>
+          <a:xfrm>
+            <a:off x="1097280" y="1846052"/>
+            <a:ext cx="4937760" cy="736282"/>
+          </a:xfrm>
+        </p:spPr>
+        <p:txBody>
+          <a:bodyPr lIns="91440" rIns="91440" anchor="ctr">
+            <a:normAutofit/>
+          </a:bodyPr>
+          <a:lstStyle>
+            <a:lvl1pPr marL="0" indent="0">
+              <a:buNone/>
+              <a:defRPr sz="2000" b="0" cap="all" spc="300" baseline="0">
+                <a:solidFill>
+                  <a:schemeClr val="tx2"/>
+                </a:solidFill>
+              </a:defRPr>
+            </a:lvl1pPr>
+            <a:lvl2pPr marL="457200" indent="0">
+              <a:buNone/>
+              <a:defRPr sz="2000" b="1"/>
+            </a:lvl2pPr>
+            <a:lvl3pPr marL="914400" indent="0">
+              <a:buNone/>
+              <a:defRPr sz="1800" b="1"/>
+            </a:lvl3pPr>
+            <a:lvl4pPr marL="1371600" indent="0">
+              <a:buNone/>
+              <a:defRPr sz="1600" b="1"/>
+            </a:lvl4pPr>
+            <a:lvl5pPr marL="1828800" indent="0">
+              <a:buNone/>
+              <a:defRPr sz="1600" b="1"/>
+            </a:lvl5pPr>
+            <a:lvl6pPr marL="2286000" indent="0">
+              <a:buNone/>
+              <a:defRPr sz="1600" b="1"/>
+            </a:lvl6pPr>
+            <a:lvl7pPr marL="2743200" indent="0">
+              <a:buNone/>
+              <a:defRPr sz="1600" b="1"/>
+            </a:lvl7pPr>
+            <a:lvl8pPr marL="3200400" indent="0">
+              <a:buNone/>
+              <a:defRPr sz="1600" b="1"/>
+            </a:lvl8pPr>
+            <a:lvl9pPr marL="3657600" indent="0">
+              <a:buNone/>
+              <a:defRPr sz="1600" b="1"/>
+            </a:lvl9pPr>
+          </a:lstStyle>
+          <a:p>
+            <a:pPr lvl="0"/>
+            <a:r>
+              <a:rPr lang="ja-JP" altLang="en-US" smtClean="0"/>
+              <a:t>マスター テキストの書式設定</a:t>
+            </a:r>
+          </a:p>
+        </p:txBody>
+      </p:sp>
+      <p:sp>
+        <p:nvSpPr>
+          <p:cNvPr id="4" name="Content Placeholder 3"/>
+          <p:cNvSpPr>
+            <a:spLocks noGrp="1"/>
+          </p:cNvSpPr>
+          <p:nvPr>
+            <p:ph sz="half" idx="2"/>
+          </p:nvPr>
+        </p:nvSpPr>
+        <p:spPr>
+          <a:xfrm>
+            <a:off x="1097280" y="2582335"/>
+            <a:ext cx="4937760" cy="3286760"/>
+          </a:xfrm>
+        </p:spPr>
+        <p:txBody>
+          <a:bodyPr/>
+          <a:lstStyle>
+            <a:lvl1pPr>
+              <a:defRPr spc="300"/>
+            </a:lvl1pPr>
+            <a:lvl2pPr>
+              <a:defRPr spc="300"/>
+            </a:lvl2pPr>
+            <a:lvl3pPr>
+              <a:defRPr spc="300"/>
+            </a:lvl3pPr>
+            <a:lvl4pPr>
+              <a:defRPr spc="300"/>
+            </a:lvl4pPr>
+            <a:lvl5pPr>
+              <a:defRPr spc="300"/>
+            </a:lvl5pPr>
+          </a:lstStyle>
+          <a:p>
+            <a:pPr lvl="0"/>
+            <a:r>
+              <a:rPr lang="ja-JP" altLang="en-US" smtClean="0"/>
+              <a:t>マスター テキストの書式設定</a:t>
+            </a:r>
+          </a:p>
+          <a:p>
+            <a:pPr lvl="1"/>
+            <a:r>
+              <a:rPr lang="ja-JP" altLang="en-US" smtClean="0"/>
+              <a:t>第 </a:t>
+            </a:r>
+            <a:r>
+              <a:rPr lang="en-US" altLang="ja-JP" smtClean="0"/>
+              <a:t>2 </a:t>
+            </a:r>
+            <a:r>
+              <a:rPr lang="ja-JP" altLang="en-US" smtClean="0"/>
+              <a:t>レベル</a:t>
+            </a:r>
+          </a:p>
+          <a:p>
+            <a:pPr lvl="2"/>
+            <a:r>
+              <a:rPr lang="ja-JP" altLang="en-US" smtClean="0"/>
+              <a:t>第 </a:t>
+            </a:r>
+            <a:r>
+              <a:rPr lang="en-US" altLang="ja-JP" smtClean="0"/>
+              <a:t>3 </a:t>
+            </a:r>
+            <a:r>
+              <a:rPr lang="ja-JP" altLang="en-US" smtClean="0"/>
+              <a:t>レベル</a:t>
+            </a:r>
+          </a:p>
+          <a:p>
+            <a:pPr lvl="3"/>
+            <a:r>
+              <a:rPr lang="ja-JP" altLang="en-US" smtClean="0"/>
+              <a:t>第 </a:t>
+            </a:r>
+            <a:r>
+              <a:rPr lang="en-US" altLang="ja-JP" smtClean="0"/>
+              <a:t>4 </a:t>
+            </a:r>
+            <a:r>
+              <a:rPr lang="ja-JP" altLang="en-US" smtClean="0"/>
+              <a:t>レベル</a:t>
+            </a:r>
+          </a:p>
+          <a:p>
+            <a:pPr lvl="4"/>
+            <a:r>
+              <a:rPr lang="ja-JP" altLang="en-US" smtClean="0"/>
+              <a:t>第 </a:t>
+            </a:r>
+            <a:r>
+              <a:rPr lang="en-US" altLang="ja-JP" smtClean="0"/>
+              <a:t>5 </a:t>
+            </a:r>
+            <a:r>
+              <a:rPr lang="ja-JP" altLang="en-US" smtClean="0"/>
+              <a:t>レベル</a:t>
+            </a:r>
+            <a:endParaRPr lang="en-US" dirty="0"/>
+          </a:p>
+        </p:txBody>
+      </p:sp>
+      <p:sp>
+        <p:nvSpPr>
+          <p:cNvPr id="5" name="Text Placeholder 4"/>
+          <p:cNvSpPr>
+            <a:spLocks noGrp="1"/>
+          </p:cNvSpPr>
+          <p:nvPr>
+            <p:ph type="body" sz="quarter" idx="3"/>
+          </p:nvPr>
+        </p:nvSpPr>
+        <p:spPr>
+          <a:xfrm>
+            <a:off x="6217920" y="1846052"/>
+            <a:ext cx="4937760" cy="736282"/>
+          </a:xfrm>
+        </p:spPr>
+        <p:txBody>
+          <a:bodyPr lIns="91440" rIns="91440" anchor="ctr">
+            <a:normAutofit/>
+          </a:bodyPr>
+          <a:lstStyle>
+            <a:lvl1pPr marL="0" indent="0">
+              <a:buNone/>
+              <a:defRPr sz="2000" b="0" cap="all" spc="300" baseline="0">
+                <a:solidFill>
+                  <a:schemeClr val="tx2"/>
+                </a:solidFill>
+              </a:defRPr>
+            </a:lvl1pPr>
+            <a:lvl2pPr marL="457200" indent="0">
+              <a:buNone/>
+              <a:defRPr sz="2000" b="1"/>
+            </a:lvl2pPr>
+            <a:lvl3pPr marL="914400" indent="0">
+              <a:buNone/>
+              <a:defRPr sz="1800" b="1"/>
+            </a:lvl3pPr>
+            <a:lvl4pPr marL="1371600" indent="0">
+              <a:buNone/>
+              <a:defRPr sz="1600" b="1"/>
+            </a:lvl4pPr>
+            <a:lvl5pPr marL="1828800" indent="0">
+              <a:buNone/>
+              <a:defRPr sz="1600" b="1"/>
+            </a:lvl5pPr>
+            <a:lvl6pPr marL="2286000" indent="0">
+              <a:buNone/>
+              <a:defRPr sz="1600" b="1"/>
+            </a:lvl6pPr>
+            <a:lvl7pPr marL="2743200" indent="0">
+              <a:buNone/>
+              <a:defRPr sz="1600" b="1"/>
+            </a:lvl7pPr>
+            <a:lvl8pPr marL="3200400" indent="0">
+              <a:buNone/>
+              <a:defRPr sz="1600" b="1"/>
+            </a:lvl8pPr>
+            <a:lvl9pPr marL="3657600" indent="0">
+              <a:buNone/>
+              <a:defRPr sz="1600" b="1"/>
+            </a:lvl9pPr>
+          </a:lstStyle>
+          <a:p>
+            <a:pPr lvl="0"/>
+            <a:r>
+              <a:rPr lang="ja-JP" altLang="en-US" smtClean="0"/>
+              <a:t>マスター テキストの書式設定</a:t>
+            </a:r>
+          </a:p>
+        </p:txBody>
+      </p:sp>
+      <p:sp>
+        <p:nvSpPr>
+          <p:cNvPr id="6" name="Content Placeholder 5"/>
+          <p:cNvSpPr>
+            <a:spLocks noGrp="1"/>
+          </p:cNvSpPr>
+          <p:nvPr>
+            <p:ph sz="quarter" idx="4"/>
+          </p:nvPr>
+        </p:nvSpPr>
+        <p:spPr>
+          <a:xfrm>
+            <a:off x="6217920" y="2582334"/>
+            <a:ext cx="4937760" cy="3286760"/>
+          </a:xfrm>
+        </p:spPr>
+        <p:txBody>
+          <a:bodyPr/>
+          <a:lstStyle>
+            <a:lvl1pPr>
+              <a:defRPr spc="300"/>
+            </a:lvl1pPr>
+            <a:lvl2pPr>
+              <a:defRPr spc="300"/>
+            </a:lvl2pPr>
+            <a:lvl3pPr>
+              <a:defRPr spc="300"/>
+            </a:lvl3pPr>
+            <a:lvl4pPr>
+              <a:defRPr spc="300"/>
+            </a:lvl4pPr>
+            <a:lvl5pPr>
+              <a:defRPr spc="300"/>
+            </a:lvl5pPr>
+          </a:lstStyle>
+          <a:p>
+            <a:pPr lvl="0"/>
+            <a:r>
+              <a:rPr lang="ja-JP" altLang="en-US" smtClean="0"/>
+              <a:t>マスター テキストの書式設定</a:t>
+            </a:r>
+          </a:p>
+          <a:p>
+            <a:pPr lvl="1"/>
+            <a:r>
+              <a:rPr lang="ja-JP" altLang="en-US" smtClean="0"/>
+              <a:t>第 </a:t>
+            </a:r>
+            <a:r>
+              <a:rPr lang="en-US" altLang="ja-JP" smtClean="0"/>
+              <a:t>2 </a:t>
+            </a:r>
+            <a:r>
+              <a:rPr lang="ja-JP" altLang="en-US" smtClean="0"/>
+              <a:t>レベル</a:t>
+            </a:r>
+          </a:p>
+          <a:p>
+            <a:pPr lvl="2"/>
+            <a:r>
+              <a:rPr lang="ja-JP" altLang="en-US" smtClean="0"/>
+              <a:t>第 </a:t>
+            </a:r>
+            <a:r>
+              <a:rPr lang="en-US" altLang="ja-JP" smtClean="0"/>
+              <a:t>3 </a:t>
+            </a:r>
+            <a:r>
+              <a:rPr lang="ja-JP" altLang="en-US" smtClean="0"/>
+              <a:t>レベル</a:t>
+            </a:r>
+          </a:p>
+          <a:p>
+            <a:pPr lvl="3"/>
+            <a:r>
+              <a:rPr lang="ja-JP" altLang="en-US" smtClean="0"/>
+              <a:t>第 </a:t>
+            </a:r>
+            <a:r>
+              <a:rPr lang="en-US" altLang="ja-JP" smtClean="0"/>
+              <a:t>4 </a:t>
+            </a:r>
+            <a:r>
+              <a:rPr lang="ja-JP" altLang="en-US" smtClean="0"/>
+              <a:t>レベル</a:t>
+            </a:r>
+          </a:p>
+          <a:p>
+            <a:pPr lvl="4"/>
+            <a:r>
+              <a:rPr lang="ja-JP" altLang="en-US" smtClean="0"/>
+              <a:t>第 </a:t>
+            </a:r>
+            <a:r>
+              <a:rPr lang="en-US" altLang="ja-JP" smtClean="0"/>
+              <a:t>5 </a:t>
+            </a:r>
+            <a:r>
+              <a:rPr lang="ja-JP" altLang="en-US" smtClean="0"/>
+              <a:t>レベル</a:t>
+            </a:r>
+            <a:endParaRPr lang="en-US" dirty="0"/>
+          </a:p>
+        </p:txBody>
+      </p:sp>
+      <p:sp>
+        <p:nvSpPr>
+          <p:cNvPr id="7" name="Date Placeholder 6"/>
+          <p:cNvSpPr>
+            <a:spLocks noGrp="1"/>
+          </p:cNvSpPr>
+          <p:nvPr>
+            <p:ph type="dt" sz="half" idx="10"/>
+          </p:nvPr>
+        </p:nvSpPr>
+        <p:spPr/>
+        <p:txBody>
+          <a:bodyPr/>
+          <a:lstStyle/>
+          <a:p>
+            <a:pPr marL="0" marR="0" lvl="0" indent="0" algn="l" defTabSz="914400" rtl="0" eaLnBrk="1" fontAlgn="auto" latinLnBrk="0" hangingPunct="1">
+              <a:lnSpc>
+                <a:spcPct val="100000"/>
+              </a:lnSpc>
+              <a:spcBef>
+                <a:spcPts val="0"/>
+              </a:spcBef>
+              <a:spcAft>
+                <a:spcPts val="0"/>
+              </a:spcAft>
+              <a:buClrTx/>
+              <a:buSzTx/>
+              <a:buFontTx/>
+              <a:buNone/>
+              <a:tabLst/>
+              <a:defRPr/>
+            </a:pPr>
+            <a:fld id="{6D69C187-8977-41F7-95DA-2528A3317C68}" type="datetime1">
+              <a:rPr kumimoji="1" lang="ja-JP" altLang="en-US" sz="900" b="0" i="0" u="none" strike="noStrike" kern="1200" cap="none" spc="0" normalizeH="0" baseline="0" noProof="0" smtClean="0">
+                <a:ln>
+                  <a:noFill/>
+                </a:ln>
+                <a:solidFill>
+                  <a:srgbClr val="FFFFFF"/>
+                </a:solidFill>
+                <a:effectLst/>
+                <a:uLnTx/>
+                <a:uFillTx/>
+                <a:latin typeface="Calibri" panose="020F0502020204030204"/>
+                <a:ea typeface="ＭＳ Ｐゴシック" panose="020B0600070205080204" pitchFamily="50" charset="-128"/>
+                <a:cs typeface="+mn-cs"/>
+              </a:rPr>
+              <a:pPr marL="0" marR="0" lvl="0" indent="0" algn="l" defTabSz="914400" rtl="0" eaLnBrk="1" fontAlgn="auto" latinLnBrk="0" hangingPunct="1">
+                <a:lnSpc>
+                  <a:spcPct val="100000"/>
+                </a:lnSpc>
+                <a:spcBef>
+                  <a:spcPts val="0"/>
+                </a:spcBef>
+                <a:spcAft>
+                  <a:spcPts val="0"/>
+                </a:spcAft>
+                <a:buClrTx/>
+                <a:buSzTx/>
+                <a:buFontTx/>
+                <a:buNone/>
+                <a:tabLst/>
+                <a:defRPr/>
+              </a:pPr>
+              <a:t>2019/12/13</a:t>
+            </a:fld>
+            <a:endParaRPr kumimoji="1" lang="ja-JP" altLang="en-US" sz="900" b="0" i="0" u="none" strike="noStrike" kern="1200" cap="none" spc="0" normalizeH="0" baseline="0" noProof="0">
+              <a:ln>
+                <a:noFill/>
+              </a:ln>
+              <a:solidFill>
+                <a:srgbClr val="FFFFFF"/>
+              </a:solidFill>
+              <a:effectLst/>
+              <a:uLnTx/>
+              <a:uFillTx/>
+              <a:latin typeface="Calibri" panose="020F0502020204030204"/>
+              <a:ea typeface="ＭＳ Ｐゴシック" panose="020B0600070205080204" pitchFamily="50" charset="-128"/>
+              <a:cs typeface="+mn-cs"/>
+            </a:endParaRPr>
+          </a:p>
+        </p:txBody>
+      </p:sp>
+      <p:sp>
+        <p:nvSpPr>
+          <p:cNvPr id="8" name="Footer Placeholder 7"/>
+          <p:cNvSpPr>
+            <a:spLocks noGrp="1"/>
+          </p:cNvSpPr>
+          <p:nvPr>
+            <p:ph type="ftr" sz="quarter" idx="11"/>
+          </p:nvPr>
+        </p:nvSpPr>
+        <p:spPr/>
+        <p:txBody>
+          <a:bodyPr/>
+          <a:lstStyle/>
+          <a:p>
+            <a:pPr marL="0" marR="0" lvl="0" indent="0" algn="ctr" defTabSz="914400" rtl="0" eaLnBrk="1" fontAlgn="auto" latinLnBrk="0" hangingPunct="1">
+              <a:lnSpc>
+                <a:spcPct val="100000"/>
+              </a:lnSpc>
+              <a:spcBef>
+                <a:spcPts val="0"/>
+              </a:spcBef>
+              <a:spcAft>
+                <a:spcPts val="0"/>
+              </a:spcAft>
+              <a:buClrTx/>
+              <a:buSzTx/>
+              <a:buFontTx/>
+              <a:buNone/>
+              <a:tabLst/>
+              <a:defRPr/>
+            </a:pPr>
+            <a:endParaRPr kumimoji="1" lang="ja-JP" altLang="en-US" sz="900" b="0" i="0" u="none" strike="noStrike" kern="1200" cap="all" spc="0" normalizeH="0" baseline="0" noProof="0">
+              <a:ln>
+                <a:noFill/>
+              </a:ln>
+              <a:solidFill>
+                <a:srgbClr val="FFFFFF"/>
+              </a:solidFill>
+              <a:effectLst/>
+              <a:uLnTx/>
+              <a:uFillTx/>
+              <a:latin typeface="Calibri" panose="020F0502020204030204"/>
+              <a:ea typeface="ＭＳ Ｐゴシック" panose="020B0600070205080204" pitchFamily="50" charset="-128"/>
+              <a:cs typeface="+mn-cs"/>
+            </a:endParaRPr>
+          </a:p>
+        </p:txBody>
+      </p:sp>
+      <p:sp>
+        <p:nvSpPr>
+          <p:cNvPr id="9" name="Slide Number Placeholder 8"/>
+          <p:cNvSpPr>
+            <a:spLocks noGrp="1"/>
+          </p:cNvSpPr>
+          <p:nvPr>
+            <p:ph type="sldNum" sz="quarter" idx="12"/>
+          </p:nvPr>
+        </p:nvSpPr>
+        <p:spPr/>
+        <p:txBody>
+          <a:bodyPr/>
+          <a:lstStyle/>
+          <a:p>
+            <a:pPr marL="0" marR="0" lvl="0" indent="0" algn="r" defTabSz="914400" rtl="0" eaLnBrk="1" fontAlgn="auto" latinLnBrk="0" hangingPunct="1">
+              <a:lnSpc>
+                <a:spcPct val="100000"/>
+              </a:lnSpc>
+              <a:spcBef>
+                <a:spcPts val="0"/>
+              </a:spcBef>
+              <a:spcAft>
+                <a:spcPts val="0"/>
+              </a:spcAft>
+              <a:buClrTx/>
+              <a:buSzTx/>
+              <a:buFontTx/>
+              <a:buNone/>
+              <a:tabLst/>
+              <a:defRPr/>
+            </a:pPr>
+            <a:fld id="{3C3988C9-8C6C-49D7-8D82-24DA391FB063}" type="slidenum">
+              <a:rPr kumimoji="1" lang="ja-JP" altLang="en-US" sz="2000" b="0" i="0" u="none" strike="noStrike" kern="1200" cap="none" spc="0" normalizeH="0" baseline="0" noProof="0" smtClean="0">
+                <a:ln>
+                  <a:noFill/>
+                </a:ln>
+                <a:solidFill>
+                  <a:srgbClr val="FFFFFF"/>
+                </a:solidFill>
+                <a:effectLst/>
+                <a:uLnTx/>
+                <a:uFillTx/>
+                <a:latin typeface="Calibri" panose="020F0502020204030204"/>
+                <a:ea typeface="ＭＳ Ｐゴシック" panose="020B0600070205080204" pitchFamily="50" charset="-128"/>
+                <a:cs typeface="+mn-cs"/>
+              </a:rPr>
+              <a:pPr marL="0" marR="0" lvl="0" indent="0" algn="r" defTabSz="914400" rtl="0" eaLnBrk="1" fontAlgn="auto" latinLnBrk="0" hangingPunct="1">
+                <a:lnSpc>
+                  <a:spcPct val="100000"/>
+                </a:lnSpc>
+                <a:spcBef>
+                  <a:spcPts val="0"/>
+                </a:spcBef>
+                <a:spcAft>
+                  <a:spcPts val="0"/>
+                </a:spcAft>
+                <a:buClrTx/>
+                <a:buSzTx/>
+                <a:buFontTx/>
+                <a:buNone/>
+                <a:tabLst/>
+                <a:defRPr/>
+              </a:pPr>
+              <a:t>‹#›</a:t>
+            </a:fld>
+            <a:endParaRPr kumimoji="1" lang="ja-JP" altLang="en-US" sz="2000" b="0" i="0" u="none" strike="noStrike" kern="1200" cap="none" spc="0" normalizeH="0" baseline="0" noProof="0">
+              <a:ln>
+                <a:noFill/>
+              </a:ln>
+              <a:solidFill>
+                <a:srgbClr val="FFFFFF"/>
+              </a:solidFill>
+              <a:effectLst/>
+              <a:uLnTx/>
+              <a:uFillTx/>
+              <a:latin typeface="Calibri" panose="020F0502020204030204"/>
+              <a:ea typeface="ＭＳ Ｐゴシック" panose="020B0600070205080204" pitchFamily="50" charset="-128"/>
+              <a:cs typeface="+mn-cs"/>
+            </a:endParaRPr>
+          </a:p>
+        </p:txBody>
+      </p:sp>
+    </p:spTree>
+    <p:extLst>
+      <p:ext uri="{BB962C8B-B14F-4D97-AF65-F5344CB8AC3E}">
+        <p14:creationId xmlns:p14="http://schemas.microsoft.com/office/powerpoint/2010/main" val="2441532643"/>
+      </p:ext>
+    </p:extLst>
+  </p:cSld>
+  <p:clrMapOvr>
+    <a:masterClrMapping/>
+  </p:clrMapOvr>
+  <p:timing>
+    <p:tnLst>
+      <p:par>
+        <p:cTn id="1" dur="indefinite" restart="never" nodeType="tmRoot"/>
+      </p:par>
+    </p:tnLst>
+  </p:timing>
+</p:sldLayout>
+</file>
+
+<file path=ppt/slideLayouts/slideLayout17.xml><?xml version="1.0" encoding="utf-8"?>
+<p:sldLayout xmlns:a="http://schemas.openxmlformats.org/drawingml/2006/main" xmlns:r="http://schemas.openxmlformats.org/officeDocument/2006/relationships" xmlns:p="http://schemas.openxmlformats.org/presentationml/2006/main" type="titleOnly" preserve="1">
+  <p:cSld name="タイトルのみ">
+    <p:spTree>
+      <p:nvGrpSpPr>
+        <p:cNvPr id="1" name=""/>
+        <p:cNvGrpSpPr/>
+        <p:nvPr/>
+      </p:nvGrpSpPr>
+      <p:grpSpPr>
+        <a:xfrm>
+          <a:off x="0" y="0"/>
+          <a:ext cx="0" cy="0"/>
+          <a:chOff x="0" y="0"/>
+          <a:chExt cx="0" cy="0"/>
+        </a:xfrm>
+      </p:grpSpPr>
+      <p:sp>
+        <p:nvSpPr>
+          <p:cNvPr id="2" name="Title 1"/>
+          <p:cNvSpPr>
+            <a:spLocks noGrp="1"/>
+          </p:cNvSpPr>
+          <p:nvPr>
+            <p:ph type="title"/>
+          </p:nvPr>
+        </p:nvSpPr>
+        <p:spPr/>
+        <p:txBody>
+          <a:bodyPr/>
+          <a:lstStyle/>
+          <a:p>
+            <a:r>
+              <a:rPr lang="ja-JP" altLang="en-US" smtClean="0"/>
+              <a:t>マスター タイトルの書式設定</a:t>
+            </a:r>
+            <a:endParaRPr lang="en-US" dirty="0"/>
+          </a:p>
+        </p:txBody>
+      </p:sp>
+      <p:sp>
+        <p:nvSpPr>
+          <p:cNvPr id="3" name="Date Placeholder 2"/>
+          <p:cNvSpPr>
+            <a:spLocks noGrp="1"/>
+          </p:cNvSpPr>
+          <p:nvPr>
+            <p:ph type="dt" sz="half" idx="10"/>
+          </p:nvPr>
+        </p:nvSpPr>
+        <p:spPr/>
+        <p:txBody>
+          <a:bodyPr/>
+          <a:lstStyle/>
+          <a:p>
+            <a:pPr marL="0" marR="0" lvl="0" indent="0" algn="l" defTabSz="914400" rtl="0" eaLnBrk="1" fontAlgn="auto" latinLnBrk="0" hangingPunct="1">
+              <a:lnSpc>
+                <a:spcPct val="100000"/>
+              </a:lnSpc>
+              <a:spcBef>
+                <a:spcPts val="0"/>
+              </a:spcBef>
+              <a:spcAft>
+                <a:spcPts val="0"/>
+              </a:spcAft>
+              <a:buClrTx/>
+              <a:buSzTx/>
+              <a:buFontTx/>
+              <a:buNone/>
+              <a:tabLst/>
+              <a:defRPr/>
+            </a:pPr>
+            <a:fld id="{2300910F-F157-4918-8BCF-E20DCDAE6C36}" type="datetime1">
+              <a:rPr kumimoji="1" lang="ja-JP" altLang="en-US" sz="900" b="0" i="0" u="none" strike="noStrike" kern="1200" cap="none" spc="0" normalizeH="0" baseline="0" noProof="0" smtClean="0">
+                <a:ln>
+                  <a:noFill/>
+                </a:ln>
+                <a:solidFill>
+                  <a:srgbClr val="FFFFFF"/>
+                </a:solidFill>
+                <a:effectLst/>
+                <a:uLnTx/>
+                <a:uFillTx/>
+                <a:latin typeface="Calibri" panose="020F0502020204030204"/>
+                <a:ea typeface="ＭＳ Ｐゴシック" panose="020B0600070205080204" pitchFamily="50" charset="-128"/>
+                <a:cs typeface="+mn-cs"/>
+              </a:rPr>
+              <a:pPr marL="0" marR="0" lvl="0" indent="0" algn="l" defTabSz="914400" rtl="0" eaLnBrk="1" fontAlgn="auto" latinLnBrk="0" hangingPunct="1">
+                <a:lnSpc>
+                  <a:spcPct val="100000"/>
+                </a:lnSpc>
+                <a:spcBef>
+                  <a:spcPts val="0"/>
+                </a:spcBef>
+                <a:spcAft>
+                  <a:spcPts val="0"/>
+                </a:spcAft>
+                <a:buClrTx/>
+                <a:buSzTx/>
+                <a:buFontTx/>
+                <a:buNone/>
+                <a:tabLst/>
+                <a:defRPr/>
+              </a:pPr>
+              <a:t>2019/12/13</a:t>
+            </a:fld>
+            <a:endParaRPr kumimoji="1" lang="ja-JP" altLang="en-US" sz="900" b="0" i="0" u="none" strike="noStrike" kern="1200" cap="none" spc="0" normalizeH="0" baseline="0" noProof="0">
+              <a:ln>
+                <a:noFill/>
+              </a:ln>
+              <a:solidFill>
+                <a:srgbClr val="FFFFFF"/>
+              </a:solidFill>
+              <a:effectLst/>
+              <a:uLnTx/>
+              <a:uFillTx/>
+              <a:latin typeface="Calibri" panose="020F0502020204030204"/>
+              <a:ea typeface="ＭＳ Ｐゴシック" panose="020B0600070205080204" pitchFamily="50" charset="-128"/>
+              <a:cs typeface="+mn-cs"/>
+            </a:endParaRPr>
+          </a:p>
+        </p:txBody>
+      </p:sp>
+      <p:sp>
+        <p:nvSpPr>
+          <p:cNvPr id="4" name="Footer Placeholder 3"/>
+          <p:cNvSpPr>
+            <a:spLocks noGrp="1"/>
+          </p:cNvSpPr>
+          <p:nvPr>
+            <p:ph type="ftr" sz="quarter" idx="11"/>
+          </p:nvPr>
+        </p:nvSpPr>
+        <p:spPr/>
+        <p:txBody>
+          <a:bodyPr/>
+          <a:lstStyle/>
+          <a:p>
+            <a:pPr marL="0" marR="0" lvl="0" indent="0" algn="ctr" defTabSz="914400" rtl="0" eaLnBrk="1" fontAlgn="auto" latinLnBrk="0" hangingPunct="1">
+              <a:lnSpc>
+                <a:spcPct val="100000"/>
+              </a:lnSpc>
+              <a:spcBef>
+                <a:spcPts val="0"/>
+              </a:spcBef>
+              <a:spcAft>
+                <a:spcPts val="0"/>
+              </a:spcAft>
+              <a:buClrTx/>
+              <a:buSzTx/>
+              <a:buFontTx/>
+              <a:buNone/>
+              <a:tabLst/>
+              <a:defRPr/>
+            </a:pPr>
+            <a:endParaRPr kumimoji="1" lang="ja-JP" altLang="en-US" sz="900" b="0" i="0" u="none" strike="noStrike" kern="1200" cap="all" spc="0" normalizeH="0" baseline="0" noProof="0">
+              <a:ln>
+                <a:noFill/>
+              </a:ln>
+              <a:solidFill>
+                <a:srgbClr val="FFFFFF"/>
+              </a:solidFill>
+              <a:effectLst/>
+              <a:uLnTx/>
+              <a:uFillTx/>
+              <a:latin typeface="Calibri" panose="020F0502020204030204"/>
+              <a:ea typeface="ＭＳ Ｐゴシック" panose="020B0600070205080204" pitchFamily="50" charset="-128"/>
+              <a:cs typeface="+mn-cs"/>
+            </a:endParaRPr>
+          </a:p>
+        </p:txBody>
+      </p:sp>
+      <p:sp>
+        <p:nvSpPr>
+          <p:cNvPr id="5" name="Slide Number Placeholder 4"/>
+          <p:cNvSpPr>
+            <a:spLocks noGrp="1"/>
+          </p:cNvSpPr>
+          <p:nvPr>
+            <p:ph type="sldNum" sz="quarter" idx="12"/>
+          </p:nvPr>
+        </p:nvSpPr>
+        <p:spPr/>
+        <p:txBody>
+          <a:bodyPr/>
+          <a:lstStyle/>
+          <a:p>
+            <a:pPr marL="0" marR="0" lvl="0" indent="0" algn="r" defTabSz="914400" rtl="0" eaLnBrk="1" fontAlgn="auto" latinLnBrk="0" hangingPunct="1">
+              <a:lnSpc>
+                <a:spcPct val="100000"/>
+              </a:lnSpc>
+              <a:spcBef>
+                <a:spcPts val="0"/>
+              </a:spcBef>
+              <a:spcAft>
+                <a:spcPts val="0"/>
+              </a:spcAft>
+              <a:buClrTx/>
+              <a:buSzTx/>
+              <a:buFontTx/>
+              <a:buNone/>
+              <a:tabLst/>
+              <a:defRPr/>
+            </a:pPr>
+            <a:fld id="{3C3988C9-8C6C-49D7-8D82-24DA391FB063}" type="slidenum">
+              <a:rPr kumimoji="1" lang="ja-JP" altLang="en-US" sz="2000" b="0" i="0" u="none" strike="noStrike" kern="1200" cap="none" spc="0" normalizeH="0" baseline="0" noProof="0" smtClean="0">
+                <a:ln>
+                  <a:noFill/>
+                </a:ln>
+                <a:solidFill>
+                  <a:srgbClr val="FFFFFF"/>
+                </a:solidFill>
+                <a:effectLst/>
+                <a:uLnTx/>
+                <a:uFillTx/>
+                <a:latin typeface="Calibri" panose="020F0502020204030204"/>
+                <a:ea typeface="ＭＳ Ｐゴシック" panose="020B0600070205080204" pitchFamily="50" charset="-128"/>
+                <a:cs typeface="+mn-cs"/>
+              </a:rPr>
+              <a:pPr marL="0" marR="0" lvl="0" indent="0" algn="r" defTabSz="914400" rtl="0" eaLnBrk="1" fontAlgn="auto" latinLnBrk="0" hangingPunct="1">
+                <a:lnSpc>
+                  <a:spcPct val="100000"/>
+                </a:lnSpc>
+                <a:spcBef>
+                  <a:spcPts val="0"/>
+                </a:spcBef>
+                <a:spcAft>
+                  <a:spcPts val="0"/>
+                </a:spcAft>
+                <a:buClrTx/>
+                <a:buSzTx/>
+                <a:buFontTx/>
+                <a:buNone/>
+                <a:tabLst/>
+                <a:defRPr/>
+              </a:pPr>
+              <a:t>‹#›</a:t>
+            </a:fld>
+            <a:endParaRPr kumimoji="1" lang="ja-JP" altLang="en-US" sz="2000" b="0" i="0" u="none" strike="noStrike" kern="1200" cap="none" spc="0" normalizeH="0" baseline="0" noProof="0">
+              <a:ln>
+                <a:noFill/>
+              </a:ln>
+              <a:solidFill>
+                <a:srgbClr val="FFFFFF"/>
+              </a:solidFill>
+              <a:effectLst/>
+              <a:uLnTx/>
+              <a:uFillTx/>
+              <a:latin typeface="Calibri" panose="020F0502020204030204"/>
+              <a:ea typeface="ＭＳ Ｐゴシック" panose="020B0600070205080204" pitchFamily="50" charset="-128"/>
+              <a:cs typeface="+mn-cs"/>
+            </a:endParaRPr>
+          </a:p>
+        </p:txBody>
+      </p:sp>
+    </p:spTree>
+    <p:extLst>
+      <p:ext uri="{BB962C8B-B14F-4D97-AF65-F5344CB8AC3E}">
+        <p14:creationId xmlns:p14="http://schemas.microsoft.com/office/powerpoint/2010/main" val="2724970703"/>
+      </p:ext>
+    </p:extLst>
+  </p:cSld>
+  <p:clrMapOvr>
+    <a:masterClrMapping/>
+  </p:clrMapOvr>
+  <p:timing>
+    <p:tnLst>
+      <p:par>
+        <p:cTn id="1" dur="indefinite" restart="never" nodeType="tmRoot"/>
+      </p:par>
+    </p:tnLst>
+  </p:timing>
+</p:sldLayout>
+</file>
+
+<file path=ppt/slideLayouts/slideLayout18.xml><?xml version="1.0" encoding="utf-8"?>
+<p:sldLayout xmlns:a="http://schemas.openxmlformats.org/drawingml/2006/main" xmlns:r="http://schemas.openxmlformats.org/officeDocument/2006/relationships" xmlns:p="http://schemas.openxmlformats.org/presentationml/2006/main" showMasterSp="0" type="blank" preserve="1">
+  <p:cSld name="白紙">
+    <p:spTree>
+      <p:nvGrpSpPr>
+        <p:cNvPr id="1" name=""/>
+        <p:cNvGrpSpPr/>
+        <p:nvPr/>
+      </p:nvGrpSpPr>
+      <p:grpSpPr>
+        <a:xfrm>
+          <a:off x="0" y="0"/>
+          <a:ext cx="0" cy="0"/>
+          <a:chOff x="0" y="0"/>
+          <a:chExt cx="0" cy="0"/>
+        </a:xfrm>
+      </p:grpSpPr>
+      <p:sp>
+        <p:nvSpPr>
+          <p:cNvPr id="5" name="Rectangle 4"/>
+          <p:cNvSpPr/>
+          <p:nvPr/>
+        </p:nvSpPr>
+        <p:spPr>
+          <a:xfrm>
+            <a:off x="3175" y="6400800"/>
+            <a:ext cx="12188825" cy="457200"/>
+          </a:xfrm>
+          <a:prstGeom prst="rect">
+            <a:avLst/>
+          </a:prstGeom>
+          <a:solidFill>
+            <a:schemeClr val="accent2"/>
+          </a:solidFill>
+          <a:ln>
+            <a:noFill/>
+          </a:ln>
+        </p:spPr>
+        <p:style>
+          <a:lnRef idx="2">
+            <a:schemeClr val="accent1">
+              <a:shade val="50000"/>
+            </a:schemeClr>
+          </a:lnRef>
+          <a:fillRef idx="1">
+            <a:schemeClr val="accent1"/>
+          </a:fillRef>
+          <a:effectRef idx="0">
+            <a:schemeClr val="accent1"/>
+          </a:effectRef>
+          <a:fontRef idx="minor">
+            <a:schemeClr val="lt1"/>
+          </a:fontRef>
+        </p:style>
+      </p:sp>
+      <p:sp>
+        <p:nvSpPr>
+          <p:cNvPr id="6" name="Rectangle 5"/>
+          <p:cNvSpPr/>
+          <p:nvPr/>
+        </p:nvSpPr>
+        <p:spPr>
+          <a:xfrm>
+            <a:off x="15" y="6334316"/>
+            <a:ext cx="12188825" cy="64008"/>
+          </a:xfrm>
+          <a:prstGeom prst="rect">
+            <a:avLst/>
+          </a:prstGeom>
+          <a:solidFill>
+            <a:schemeClr val="accent1"/>
+          </a:solidFill>
+          <a:ln>
+            <a:noFill/>
+          </a:ln>
+        </p:spPr>
+        <p:style>
+          <a:lnRef idx="2">
+            <a:schemeClr val="accent1">
+              <a:shade val="50000"/>
+            </a:schemeClr>
+          </a:lnRef>
+          <a:fillRef idx="1">
+            <a:schemeClr val="accent1"/>
+          </a:fillRef>
+          <a:effectRef idx="0">
+            <a:schemeClr val="accent1"/>
+          </a:effectRef>
+          <a:fontRef idx="minor">
+            <a:schemeClr val="lt1"/>
+          </a:fontRef>
+        </p:style>
+      </p:sp>
+      <p:sp>
+        <p:nvSpPr>
+          <p:cNvPr id="7" name="Date Placeholder 6"/>
+          <p:cNvSpPr>
+            <a:spLocks noGrp="1"/>
+          </p:cNvSpPr>
+          <p:nvPr>
+            <p:ph type="dt" sz="half" idx="10"/>
+          </p:nvPr>
+        </p:nvSpPr>
+        <p:spPr/>
+        <p:txBody>
+          <a:bodyPr/>
+          <a:lstStyle/>
+          <a:p>
+            <a:pPr marL="0" marR="0" lvl="0" indent="0" algn="l" defTabSz="914400" rtl="0" eaLnBrk="1" fontAlgn="auto" latinLnBrk="0" hangingPunct="1">
+              <a:lnSpc>
+                <a:spcPct val="100000"/>
+              </a:lnSpc>
+              <a:spcBef>
+                <a:spcPts val="0"/>
+              </a:spcBef>
+              <a:spcAft>
+                <a:spcPts val="0"/>
+              </a:spcAft>
+              <a:buClrTx/>
+              <a:buSzTx/>
+              <a:buFontTx/>
+              <a:buNone/>
+              <a:tabLst/>
+              <a:defRPr/>
+            </a:pPr>
+            <a:fld id="{D87FC5CB-9D3B-49FC-80CB-278BB2E2E7E8}" type="datetime1">
+              <a:rPr kumimoji="1" lang="ja-JP" altLang="en-US" sz="900" b="0" i="0" u="none" strike="noStrike" kern="1200" cap="none" spc="0" normalizeH="0" baseline="0" noProof="0" smtClean="0">
+                <a:ln>
+                  <a:noFill/>
+                </a:ln>
+                <a:solidFill>
+                  <a:srgbClr val="FFFFFF"/>
+                </a:solidFill>
+                <a:effectLst/>
+                <a:uLnTx/>
+                <a:uFillTx/>
+                <a:latin typeface="Calibri" panose="020F0502020204030204"/>
+                <a:ea typeface="ＭＳ Ｐゴシック" panose="020B0600070205080204" pitchFamily="50" charset="-128"/>
+                <a:cs typeface="+mn-cs"/>
+              </a:rPr>
+              <a:pPr marL="0" marR="0" lvl="0" indent="0" algn="l" defTabSz="914400" rtl="0" eaLnBrk="1" fontAlgn="auto" latinLnBrk="0" hangingPunct="1">
+                <a:lnSpc>
+                  <a:spcPct val="100000"/>
+                </a:lnSpc>
+                <a:spcBef>
+                  <a:spcPts val="0"/>
+                </a:spcBef>
+                <a:spcAft>
+                  <a:spcPts val="0"/>
+                </a:spcAft>
+                <a:buClrTx/>
+                <a:buSzTx/>
+                <a:buFontTx/>
+                <a:buNone/>
+                <a:tabLst/>
+                <a:defRPr/>
+              </a:pPr>
+              <a:t>2019/12/13</a:t>
+            </a:fld>
+            <a:endParaRPr kumimoji="1" lang="ja-JP" altLang="en-US" sz="900" b="0" i="0" u="none" strike="noStrike" kern="1200" cap="none" spc="0" normalizeH="0" baseline="0" noProof="0">
+              <a:ln>
+                <a:noFill/>
+              </a:ln>
+              <a:solidFill>
+                <a:srgbClr val="FFFFFF"/>
+              </a:solidFill>
+              <a:effectLst/>
+              <a:uLnTx/>
+              <a:uFillTx/>
+              <a:latin typeface="Calibri" panose="020F0502020204030204"/>
+              <a:ea typeface="ＭＳ Ｐゴシック" panose="020B0600070205080204" pitchFamily="50" charset="-128"/>
+              <a:cs typeface="+mn-cs"/>
+            </a:endParaRPr>
+          </a:p>
+        </p:txBody>
+      </p:sp>
+      <p:sp>
+        <p:nvSpPr>
+          <p:cNvPr id="8" name="Footer Placeholder 7"/>
+          <p:cNvSpPr>
+            <a:spLocks noGrp="1"/>
+          </p:cNvSpPr>
+          <p:nvPr>
+            <p:ph type="ftr" sz="quarter" idx="11"/>
+          </p:nvPr>
+        </p:nvSpPr>
+        <p:spPr/>
+        <p:txBody>
+          <a:bodyPr/>
+          <a:lstStyle>
+            <a:lvl1pPr>
+              <a:defRPr>
+                <a:solidFill>
+                  <a:srgbClr val="FFFFFF"/>
+                </a:solidFill>
+              </a:defRPr>
+            </a:lvl1pPr>
+          </a:lstStyle>
+          <a:p>
+            <a:pPr marL="0" marR="0" lvl="0" indent="0" algn="ctr" defTabSz="914400" rtl="0" eaLnBrk="1" fontAlgn="auto" latinLnBrk="0" hangingPunct="1">
+              <a:lnSpc>
+                <a:spcPct val="100000"/>
+              </a:lnSpc>
+              <a:spcBef>
+                <a:spcPts val="0"/>
+              </a:spcBef>
+              <a:spcAft>
+                <a:spcPts val="0"/>
+              </a:spcAft>
+              <a:buClrTx/>
+              <a:buSzTx/>
+              <a:buFontTx/>
+              <a:buNone/>
+              <a:tabLst/>
+              <a:defRPr/>
+            </a:pPr>
+            <a:endParaRPr kumimoji="1" lang="ja-JP" altLang="en-US" sz="900" b="0" i="0" u="none" strike="noStrike" kern="1200" cap="all" spc="0" normalizeH="0" baseline="0" noProof="0">
+              <a:ln>
+                <a:noFill/>
+              </a:ln>
+              <a:solidFill>
+                <a:srgbClr val="FFFFFF"/>
+              </a:solidFill>
+              <a:effectLst/>
+              <a:uLnTx/>
+              <a:uFillTx/>
+              <a:latin typeface="Calibri" panose="020F0502020204030204"/>
+              <a:ea typeface="ＭＳ Ｐゴシック" panose="020B0600070205080204" pitchFamily="50" charset="-128"/>
+              <a:cs typeface="+mn-cs"/>
+            </a:endParaRPr>
+          </a:p>
+        </p:txBody>
+      </p:sp>
+      <p:sp>
+        <p:nvSpPr>
+          <p:cNvPr id="9" name="Slide Number Placeholder 8"/>
+          <p:cNvSpPr>
+            <a:spLocks noGrp="1"/>
+          </p:cNvSpPr>
+          <p:nvPr>
+            <p:ph type="sldNum" sz="quarter" idx="12"/>
+          </p:nvPr>
+        </p:nvSpPr>
+        <p:spPr/>
+        <p:txBody>
+          <a:bodyPr/>
+          <a:lstStyle/>
+          <a:p>
+            <a:pPr marL="0" marR="0" lvl="0" indent="0" algn="r" defTabSz="914400" rtl="0" eaLnBrk="1" fontAlgn="auto" latinLnBrk="0" hangingPunct="1">
+              <a:lnSpc>
+                <a:spcPct val="100000"/>
+              </a:lnSpc>
+              <a:spcBef>
+                <a:spcPts val="0"/>
+              </a:spcBef>
+              <a:spcAft>
+                <a:spcPts val="0"/>
+              </a:spcAft>
+              <a:buClrTx/>
+              <a:buSzTx/>
+              <a:buFontTx/>
+              <a:buNone/>
+              <a:tabLst/>
+              <a:defRPr/>
+            </a:pPr>
+            <a:fld id="{3C3988C9-8C6C-49D7-8D82-24DA391FB063}" type="slidenum">
+              <a:rPr kumimoji="1" lang="ja-JP" altLang="en-US" sz="2000" b="0" i="0" u="none" strike="noStrike" kern="1200" cap="none" spc="0" normalizeH="0" baseline="0" noProof="0" smtClean="0">
+                <a:ln>
+                  <a:noFill/>
+                </a:ln>
+                <a:solidFill>
+                  <a:srgbClr val="FFFFFF"/>
+                </a:solidFill>
+                <a:effectLst/>
+                <a:uLnTx/>
+                <a:uFillTx/>
+                <a:latin typeface="Calibri" panose="020F0502020204030204"/>
+                <a:ea typeface="ＭＳ Ｐゴシック" panose="020B0600070205080204" pitchFamily="50" charset="-128"/>
+                <a:cs typeface="+mn-cs"/>
+              </a:rPr>
+              <a:pPr marL="0" marR="0" lvl="0" indent="0" algn="r" defTabSz="914400" rtl="0" eaLnBrk="1" fontAlgn="auto" latinLnBrk="0" hangingPunct="1">
+                <a:lnSpc>
+                  <a:spcPct val="100000"/>
+                </a:lnSpc>
+                <a:spcBef>
+                  <a:spcPts val="0"/>
+                </a:spcBef>
+                <a:spcAft>
+                  <a:spcPts val="0"/>
+                </a:spcAft>
+                <a:buClrTx/>
+                <a:buSzTx/>
+                <a:buFontTx/>
+                <a:buNone/>
+                <a:tabLst/>
+                <a:defRPr/>
+              </a:pPr>
+              <a:t>‹#›</a:t>
+            </a:fld>
+            <a:endParaRPr kumimoji="1" lang="ja-JP" altLang="en-US" sz="2000" b="0" i="0" u="none" strike="noStrike" kern="1200" cap="none" spc="0" normalizeH="0" baseline="0" noProof="0">
+              <a:ln>
+                <a:noFill/>
+              </a:ln>
+              <a:solidFill>
+                <a:srgbClr val="FFFFFF"/>
+              </a:solidFill>
+              <a:effectLst/>
+              <a:uLnTx/>
+              <a:uFillTx/>
+              <a:latin typeface="Calibri" panose="020F0502020204030204"/>
+              <a:ea typeface="ＭＳ Ｐゴシック" panose="020B0600070205080204" pitchFamily="50" charset="-128"/>
+              <a:cs typeface="+mn-cs"/>
+            </a:endParaRPr>
+          </a:p>
+        </p:txBody>
+      </p:sp>
+    </p:spTree>
+    <p:extLst>
+      <p:ext uri="{BB962C8B-B14F-4D97-AF65-F5344CB8AC3E}">
+        <p14:creationId xmlns:p14="http://schemas.microsoft.com/office/powerpoint/2010/main" val="552554923"/>
+      </p:ext>
+    </p:extLst>
+  </p:cSld>
+  <p:clrMapOvr>
+    <a:masterClrMapping/>
+  </p:clrMapOvr>
+  <p:timing>
+    <p:tnLst>
+      <p:par>
+        <p:cTn id="1" dur="indefinite" restart="never" nodeType="tmRoot"/>
+      </p:par>
+    </p:tnLst>
+  </p:timing>
+</p:sldLayout>
+</file>
+
+<file path=ppt/slideLayouts/slideLayout19.xml><?xml version="1.0" encoding="utf-8"?>
+<p:sldLayout xmlns:a="http://schemas.openxmlformats.org/drawingml/2006/main" xmlns:r="http://schemas.openxmlformats.org/officeDocument/2006/relationships" xmlns:p="http://schemas.openxmlformats.org/presentationml/2006/main" showMasterSp="0" type="objTx" preserve="1">
+  <p:cSld name="タイトル付きの&#10;コンテンツ">
+    <p:spTree>
+      <p:nvGrpSpPr>
+        <p:cNvPr id="1" name=""/>
+        <p:cNvGrpSpPr/>
+        <p:nvPr/>
+      </p:nvGrpSpPr>
+      <p:grpSpPr>
+        <a:xfrm>
+          <a:off x="0" y="0"/>
+          <a:ext cx="0" cy="0"/>
+          <a:chOff x="0" y="0"/>
+          <a:chExt cx="0" cy="0"/>
+        </a:xfrm>
+      </p:grpSpPr>
+      <p:sp>
+        <p:nvSpPr>
+          <p:cNvPr id="8" name="Rectangle 7"/>
+          <p:cNvSpPr/>
+          <p:nvPr/>
+        </p:nvSpPr>
+        <p:spPr>
+          <a:xfrm>
+            <a:off x="16" y="0"/>
+            <a:ext cx="4050791" cy="6858000"/>
+          </a:xfrm>
+          <a:prstGeom prst="rect">
+            <a:avLst/>
+          </a:prstGeom>
+          <a:solidFill>
+            <a:schemeClr val="accent2"/>
+          </a:solidFill>
+          <a:ln>
+            <a:noFill/>
+          </a:ln>
+        </p:spPr>
+        <p:style>
+          <a:lnRef idx="2">
+            <a:schemeClr val="accent1">
+              <a:shade val="50000"/>
+            </a:schemeClr>
+          </a:lnRef>
+          <a:fillRef idx="1">
+            <a:schemeClr val="accent1"/>
+          </a:fillRef>
+          <a:effectRef idx="0">
+            <a:schemeClr val="accent1"/>
+          </a:effectRef>
+          <a:fontRef idx="minor">
+            <a:schemeClr val="lt1"/>
+          </a:fontRef>
+        </p:style>
+      </p:sp>
+      <p:sp>
+        <p:nvSpPr>
+          <p:cNvPr id="9" name="Rectangle 8"/>
+          <p:cNvSpPr/>
+          <p:nvPr/>
+        </p:nvSpPr>
+        <p:spPr>
+          <a:xfrm>
+            <a:off x="4040071" y="0"/>
+            <a:ext cx="64008" cy="6858000"/>
+          </a:xfrm>
+          <a:prstGeom prst="rect">
+            <a:avLst/>
+          </a:prstGeom>
+          <a:solidFill>
+            <a:schemeClr val="accent1"/>
+          </a:solidFill>
+          <a:ln>
+            <a:noFill/>
+          </a:ln>
+        </p:spPr>
+        <p:style>
+          <a:lnRef idx="2">
+            <a:schemeClr val="accent1">
+              <a:shade val="50000"/>
+            </a:schemeClr>
+          </a:lnRef>
+          <a:fillRef idx="1">
+            <a:schemeClr val="accent1"/>
+          </a:fillRef>
+          <a:effectRef idx="0">
+            <a:schemeClr val="accent1"/>
+          </a:effectRef>
+          <a:fontRef idx="minor">
+            <a:schemeClr val="lt1"/>
+          </a:fontRef>
+        </p:style>
+      </p:sp>
+      <p:sp>
+        <p:nvSpPr>
+          <p:cNvPr id="2" name="Title 1"/>
+          <p:cNvSpPr>
+            <a:spLocks noGrp="1"/>
+          </p:cNvSpPr>
+          <p:nvPr>
+            <p:ph type="title"/>
+          </p:nvPr>
+        </p:nvSpPr>
+        <p:spPr>
+          <a:xfrm>
+            <a:off x="457200" y="594359"/>
+            <a:ext cx="3200400" cy="2286000"/>
+          </a:xfrm>
+        </p:spPr>
+        <p:txBody>
+          <a:bodyPr anchor="b">
+            <a:normAutofit/>
+          </a:bodyPr>
+          <a:lstStyle>
+            <a:lvl1pPr>
+              <a:defRPr sz="3600" b="0">
+                <a:solidFill>
+                  <a:srgbClr val="FFFFFF"/>
+                </a:solidFill>
+              </a:defRPr>
+            </a:lvl1pPr>
+          </a:lstStyle>
+          <a:p>
+            <a:r>
+              <a:rPr lang="ja-JP" altLang="en-US" smtClean="0"/>
+              <a:t>マスター タイトルの書式設定</a:t>
+            </a:r>
+            <a:endParaRPr lang="en-US" dirty="0"/>
+          </a:p>
+        </p:txBody>
+      </p:sp>
+      <p:sp>
+        <p:nvSpPr>
+          <p:cNvPr id="3" name="Content Placeholder 2"/>
+          <p:cNvSpPr>
+            <a:spLocks noGrp="1"/>
+          </p:cNvSpPr>
+          <p:nvPr>
+            <p:ph idx="1"/>
+          </p:nvPr>
+        </p:nvSpPr>
+        <p:spPr>
+          <a:xfrm>
+            <a:off x="4800600" y="731520"/>
+            <a:ext cx="6492240" cy="5257800"/>
+          </a:xfrm>
+        </p:spPr>
+        <p:txBody>
+          <a:bodyPr/>
+          <a:lstStyle/>
+          <a:p>
+            <a:pPr lvl="0"/>
+            <a:r>
+              <a:rPr lang="ja-JP" altLang="en-US" smtClean="0"/>
+              <a:t>マスター テキストの書式設定</a:t>
+            </a:r>
+          </a:p>
+          <a:p>
+            <a:pPr lvl="1"/>
+            <a:r>
+              <a:rPr lang="ja-JP" altLang="en-US" smtClean="0"/>
+              <a:t>第 </a:t>
+            </a:r>
+            <a:r>
+              <a:rPr lang="en-US" altLang="ja-JP" smtClean="0"/>
+              <a:t>2 </a:t>
+            </a:r>
+            <a:r>
+              <a:rPr lang="ja-JP" altLang="en-US" smtClean="0"/>
+              <a:t>レベル</a:t>
+            </a:r>
+          </a:p>
+          <a:p>
+            <a:pPr lvl="2"/>
+            <a:r>
+              <a:rPr lang="ja-JP" altLang="en-US" smtClean="0"/>
+              <a:t>第 </a:t>
+            </a:r>
+            <a:r>
+              <a:rPr lang="en-US" altLang="ja-JP" smtClean="0"/>
+              <a:t>3 </a:t>
+            </a:r>
+            <a:r>
+              <a:rPr lang="ja-JP" altLang="en-US" smtClean="0"/>
+              <a:t>レベル</a:t>
+            </a:r>
+          </a:p>
+          <a:p>
+            <a:pPr lvl="3"/>
+            <a:r>
+              <a:rPr lang="ja-JP" altLang="en-US" smtClean="0"/>
+              <a:t>第 </a:t>
+            </a:r>
+            <a:r>
+              <a:rPr lang="en-US" altLang="ja-JP" smtClean="0"/>
+              <a:t>4 </a:t>
+            </a:r>
+            <a:r>
+              <a:rPr lang="ja-JP" altLang="en-US" smtClean="0"/>
+              <a:t>レベル</a:t>
+            </a:r>
+          </a:p>
+          <a:p>
+            <a:pPr lvl="4"/>
+            <a:r>
+              <a:rPr lang="ja-JP" altLang="en-US" smtClean="0"/>
+              <a:t>第 </a:t>
+            </a:r>
+            <a:r>
+              <a:rPr lang="en-US" altLang="ja-JP" smtClean="0"/>
+              <a:t>5 </a:t>
+            </a:r>
+            <a:r>
+              <a:rPr lang="ja-JP" altLang="en-US" smtClean="0"/>
+              <a:t>レベル</a:t>
+            </a:r>
+            <a:endParaRPr lang="en-US" dirty="0"/>
+          </a:p>
+        </p:txBody>
+      </p:sp>
+      <p:sp>
+        <p:nvSpPr>
+          <p:cNvPr id="4" name="Text Placeholder 3"/>
+          <p:cNvSpPr>
+            <a:spLocks noGrp="1"/>
+          </p:cNvSpPr>
+          <p:nvPr>
+            <p:ph type="body" sz="half" idx="2"/>
+          </p:nvPr>
+        </p:nvSpPr>
+        <p:spPr>
+          <a:xfrm>
+            <a:off x="457200" y="2926080"/>
+            <a:ext cx="3200400" cy="3379124"/>
+          </a:xfrm>
+        </p:spPr>
+        <p:txBody>
+          <a:bodyPr lIns="91440" rIns="91440">
+            <a:normAutofit/>
+          </a:bodyPr>
+          <a:lstStyle>
+            <a:lvl1pPr marL="0" indent="0">
+              <a:buNone/>
+              <a:defRPr sz="1500">
+                <a:solidFill>
+                  <a:srgbClr val="FFFFFF"/>
+                </a:solidFill>
+              </a:defRPr>
+            </a:lvl1pPr>
+            <a:lvl2pPr marL="457200" indent="0">
+              <a:buNone/>
+              <a:defRPr sz="1200"/>
+            </a:lvl2pPr>
+            <a:lvl3pPr marL="914400" indent="0">
+              <a:buNone/>
+              <a:defRPr sz="1000"/>
+            </a:lvl3pPr>
+            <a:lvl4pPr marL="1371600" indent="0">
+              <a:buNone/>
+              <a:defRPr sz="900"/>
+            </a:lvl4pPr>
+            <a:lvl5pPr marL="1828800" indent="0">
+              <a:buNone/>
+              <a:defRPr sz="900"/>
+            </a:lvl5pPr>
+            <a:lvl6pPr marL="2286000" indent="0">
+              <a:buNone/>
+              <a:defRPr sz="900"/>
+            </a:lvl6pPr>
+            <a:lvl7pPr marL="2743200" indent="0">
+              <a:buNone/>
+              <a:defRPr sz="900"/>
+            </a:lvl7pPr>
+            <a:lvl8pPr marL="3200400" indent="0">
+              <a:buNone/>
+              <a:defRPr sz="900"/>
+            </a:lvl8pPr>
+            <a:lvl9pPr marL="3657600" indent="0">
+              <a:buNone/>
+              <a:defRPr sz="900"/>
+            </a:lvl9pPr>
+          </a:lstStyle>
+          <a:p>
+            <a:pPr lvl="0"/>
+            <a:r>
+              <a:rPr lang="ja-JP" altLang="en-US" smtClean="0"/>
+              <a:t>マスター テキストの書式設定</a:t>
+            </a:r>
+          </a:p>
+        </p:txBody>
+      </p:sp>
+      <p:sp>
+        <p:nvSpPr>
+          <p:cNvPr id="5" name="Date Placeholder 4"/>
+          <p:cNvSpPr>
+            <a:spLocks noGrp="1"/>
+          </p:cNvSpPr>
+          <p:nvPr>
+            <p:ph type="dt" sz="half" idx="10"/>
+          </p:nvPr>
+        </p:nvSpPr>
+        <p:spPr>
+          <a:xfrm>
+            <a:off x="465512" y="6459785"/>
+            <a:ext cx="2618510" cy="365125"/>
+          </a:xfrm>
+        </p:spPr>
+        <p:txBody>
+          <a:bodyPr/>
+          <a:lstStyle>
+            <a:lvl1pPr algn="l">
+              <a:defRPr/>
+            </a:lvl1pPr>
+          </a:lstStyle>
+          <a:p>
+            <a:pPr marL="0" marR="0" lvl="0" indent="0" algn="l" defTabSz="914400" rtl="0" eaLnBrk="1" fontAlgn="auto" latinLnBrk="0" hangingPunct="1">
+              <a:lnSpc>
+                <a:spcPct val="100000"/>
+              </a:lnSpc>
+              <a:spcBef>
+                <a:spcPts val="0"/>
+              </a:spcBef>
+              <a:spcAft>
+                <a:spcPts val="0"/>
+              </a:spcAft>
+              <a:buClrTx/>
+              <a:buSzTx/>
+              <a:buFontTx/>
+              <a:buNone/>
+              <a:tabLst/>
+              <a:defRPr/>
+            </a:pPr>
+            <a:fld id="{F700B2C0-68FC-49CF-B0BB-3155B45D6910}" type="datetime1">
+              <a:rPr kumimoji="1" lang="ja-JP" altLang="en-US" sz="900" b="0" i="0" u="none" strike="noStrike" kern="1200" cap="none" spc="0" normalizeH="0" baseline="0" noProof="0" smtClean="0">
+                <a:ln>
+                  <a:noFill/>
+                </a:ln>
+                <a:solidFill>
+                  <a:srgbClr val="FFFFFF"/>
+                </a:solidFill>
+                <a:effectLst/>
+                <a:uLnTx/>
+                <a:uFillTx/>
+                <a:latin typeface="Calibri" panose="020F0502020204030204"/>
+                <a:ea typeface="ＭＳ Ｐゴシック" panose="020B0600070205080204" pitchFamily="50" charset="-128"/>
+                <a:cs typeface="+mn-cs"/>
+              </a:rPr>
+              <a:pPr marL="0" marR="0" lvl="0" indent="0" algn="l" defTabSz="914400" rtl="0" eaLnBrk="1" fontAlgn="auto" latinLnBrk="0" hangingPunct="1">
+                <a:lnSpc>
+                  <a:spcPct val="100000"/>
+                </a:lnSpc>
+                <a:spcBef>
+                  <a:spcPts val="0"/>
+                </a:spcBef>
+                <a:spcAft>
+                  <a:spcPts val="0"/>
+                </a:spcAft>
+                <a:buClrTx/>
+                <a:buSzTx/>
+                <a:buFontTx/>
+                <a:buNone/>
+                <a:tabLst/>
+                <a:defRPr/>
+              </a:pPr>
+              <a:t>2019/12/13</a:t>
+            </a:fld>
+            <a:endParaRPr kumimoji="1" lang="ja-JP" altLang="en-US" sz="900" b="0" i="0" u="none" strike="noStrike" kern="1200" cap="none" spc="0" normalizeH="0" baseline="0" noProof="0">
+              <a:ln>
+                <a:noFill/>
+              </a:ln>
+              <a:solidFill>
+                <a:srgbClr val="FFFFFF"/>
+              </a:solidFill>
+              <a:effectLst/>
+              <a:uLnTx/>
+              <a:uFillTx/>
+              <a:latin typeface="Calibri" panose="020F0502020204030204"/>
+              <a:ea typeface="ＭＳ Ｐゴシック" panose="020B0600070205080204" pitchFamily="50" charset="-128"/>
+              <a:cs typeface="+mn-cs"/>
+            </a:endParaRPr>
+          </a:p>
+        </p:txBody>
+      </p:sp>
+      <p:sp>
+        <p:nvSpPr>
+          <p:cNvPr id="6" name="Footer Placeholder 5"/>
+          <p:cNvSpPr>
+            <a:spLocks noGrp="1"/>
+          </p:cNvSpPr>
+          <p:nvPr>
+            <p:ph type="ftr" sz="quarter" idx="11"/>
+          </p:nvPr>
+        </p:nvSpPr>
+        <p:spPr>
+          <a:xfrm>
+            <a:off x="4800600" y="6459785"/>
+            <a:ext cx="4648200" cy="365125"/>
+          </a:xfrm>
+        </p:spPr>
+        <p:txBody>
+          <a:bodyPr/>
+          <a:lstStyle>
+            <a:lvl1pPr algn="l">
+              <a:defRPr>
+                <a:solidFill>
+                  <a:schemeClr val="tx2"/>
+                </a:solidFill>
+              </a:defRPr>
+            </a:lvl1pPr>
+          </a:lstStyle>
+          <a:p>
+            <a:pPr marL="0" marR="0" lvl="0" indent="0" algn="l" defTabSz="914400" rtl="0" eaLnBrk="1" fontAlgn="auto" latinLnBrk="0" hangingPunct="1">
+              <a:lnSpc>
+                <a:spcPct val="100000"/>
+              </a:lnSpc>
+              <a:spcBef>
+                <a:spcPts val="0"/>
+              </a:spcBef>
+              <a:spcAft>
+                <a:spcPts val="0"/>
+              </a:spcAft>
+              <a:buClrTx/>
+              <a:buSzTx/>
+              <a:buFontTx/>
+              <a:buNone/>
+              <a:tabLst/>
+              <a:defRPr/>
+            </a:pPr>
+            <a:endParaRPr kumimoji="1" lang="ja-JP" altLang="en-US" sz="900" b="0" i="0" u="none" strike="noStrike" kern="1200" cap="all" spc="0" normalizeH="0" baseline="0" noProof="0">
+              <a:ln>
+                <a:noFill/>
+              </a:ln>
+              <a:solidFill>
+                <a:srgbClr val="344068"/>
+              </a:solidFill>
+              <a:effectLst/>
+              <a:uLnTx/>
+              <a:uFillTx/>
+              <a:latin typeface="Calibri" panose="020F0502020204030204"/>
+              <a:ea typeface="ＭＳ Ｐゴシック" panose="020B0600070205080204" pitchFamily="50" charset="-128"/>
+              <a:cs typeface="+mn-cs"/>
+            </a:endParaRPr>
+          </a:p>
+        </p:txBody>
+      </p:sp>
+      <p:sp>
+        <p:nvSpPr>
+          <p:cNvPr id="7" name="Slide Number Placeholder 6"/>
+          <p:cNvSpPr>
+            <a:spLocks noGrp="1"/>
+          </p:cNvSpPr>
+          <p:nvPr>
+            <p:ph type="sldNum" sz="quarter" idx="12"/>
+          </p:nvPr>
+        </p:nvSpPr>
+        <p:spPr/>
+        <p:txBody>
+          <a:bodyPr/>
+          <a:lstStyle>
+            <a:lvl1pPr>
+              <a:defRPr>
+                <a:solidFill>
+                  <a:schemeClr val="tx2"/>
+                </a:solidFill>
+              </a:defRPr>
+            </a:lvl1pPr>
+          </a:lstStyle>
+          <a:p>
+            <a:pPr marL="0" marR="0" lvl="0" indent="0" algn="r" defTabSz="914400" rtl="0" eaLnBrk="1" fontAlgn="auto" latinLnBrk="0" hangingPunct="1">
+              <a:lnSpc>
+                <a:spcPct val="100000"/>
+              </a:lnSpc>
+              <a:spcBef>
+                <a:spcPts val="0"/>
+              </a:spcBef>
+              <a:spcAft>
+                <a:spcPts val="0"/>
+              </a:spcAft>
+              <a:buClrTx/>
+              <a:buSzTx/>
+              <a:buFontTx/>
+              <a:buNone/>
+              <a:tabLst/>
+              <a:defRPr/>
+            </a:pPr>
+            <a:fld id="{3C3988C9-8C6C-49D7-8D82-24DA391FB063}" type="slidenum">
+              <a:rPr kumimoji="1" lang="ja-JP" altLang="en-US" sz="2000" b="0" i="0" u="none" strike="noStrike" kern="1200" cap="none" spc="0" normalizeH="0" baseline="0" noProof="0" smtClean="0">
+                <a:ln>
+                  <a:noFill/>
+                </a:ln>
+                <a:solidFill>
+                  <a:srgbClr val="344068"/>
+                </a:solidFill>
+                <a:effectLst/>
+                <a:uLnTx/>
+                <a:uFillTx/>
+                <a:latin typeface="Calibri" panose="020F0502020204030204"/>
+                <a:ea typeface="ＭＳ Ｐゴシック" panose="020B0600070205080204" pitchFamily="50" charset="-128"/>
+                <a:cs typeface="+mn-cs"/>
+              </a:rPr>
+              <a:pPr marL="0" marR="0" lvl="0" indent="0" algn="r" defTabSz="914400" rtl="0" eaLnBrk="1" fontAlgn="auto" latinLnBrk="0" hangingPunct="1">
+                <a:lnSpc>
+                  <a:spcPct val="100000"/>
+                </a:lnSpc>
+                <a:spcBef>
+                  <a:spcPts val="0"/>
+                </a:spcBef>
+                <a:spcAft>
+                  <a:spcPts val="0"/>
+                </a:spcAft>
+                <a:buClrTx/>
+                <a:buSzTx/>
+                <a:buFontTx/>
+                <a:buNone/>
+                <a:tabLst/>
+                <a:defRPr/>
+              </a:pPr>
+              <a:t>‹#›</a:t>
+            </a:fld>
+            <a:endParaRPr kumimoji="1" lang="ja-JP" altLang="en-US" sz="2000" b="0" i="0" u="none" strike="noStrike" kern="1200" cap="none" spc="0" normalizeH="0" baseline="0" noProof="0">
+              <a:ln>
+                <a:noFill/>
+              </a:ln>
+              <a:solidFill>
+                <a:srgbClr val="344068"/>
+              </a:solidFill>
+              <a:effectLst/>
+              <a:uLnTx/>
+              <a:uFillTx/>
+              <a:latin typeface="Calibri" panose="020F0502020204030204"/>
+              <a:ea typeface="ＭＳ Ｐゴシック" panose="020B0600070205080204" pitchFamily="50" charset="-128"/>
+              <a:cs typeface="+mn-cs"/>
+            </a:endParaRPr>
+          </a:p>
+        </p:txBody>
+      </p:sp>
+    </p:spTree>
+    <p:extLst>
+      <p:ext uri="{BB962C8B-B14F-4D97-AF65-F5344CB8AC3E}">
+        <p14:creationId xmlns:p14="http://schemas.microsoft.com/office/powerpoint/2010/main" val="4070054462"/>
+      </p:ext>
+    </p:extLst>
+  </p:cSld>
+  <p:clrMapOvr>
+    <a:masterClrMapping/>
+  </p:clrMapOvr>
+</p:sldLayout>
+</file>
+
+<file path=ppt/slideLayouts/slideLayout2.xml><?xml version="1.0" encoding="utf-8"?>
+<p:sldLayout xmlns:a="http://schemas.openxmlformats.org/drawingml/2006/main" xmlns:r="http://schemas.openxmlformats.org/officeDocument/2006/relationships" xmlns:p="http://schemas.openxmlformats.org/presentationml/2006/main" type="obj" preserve="1">
+  <p:cSld name="タイトルとコンテンツ">
+    <p:spTree>
+      <p:nvGrpSpPr>
+        <p:cNvPr id="1" name=""/>
+        <p:cNvGrpSpPr/>
+        <p:nvPr/>
+      </p:nvGrpSpPr>
+      <p:grpSpPr>
+        <a:xfrm>
+          <a:off x="0" y="0"/>
+          <a:ext cx="0" cy="0"/>
+          <a:chOff x="0" y="0"/>
+          <a:chExt cx="0" cy="0"/>
+        </a:xfrm>
+      </p:grpSpPr>
+      <p:sp>
+        <p:nvSpPr>
+          <p:cNvPr id="2" name="Title 1"/>
+          <p:cNvSpPr>
+            <a:spLocks noGrp="1"/>
+          </p:cNvSpPr>
+          <p:nvPr>
+            <p:ph type="title"/>
+          </p:nvPr>
+        </p:nvSpPr>
+        <p:spPr/>
+        <p:txBody>
+          <a:bodyPr/>
+          <a:lstStyle>
+            <a:lvl1pPr>
+              <a:defRPr spc="300"/>
+            </a:lvl1pPr>
+          </a:lstStyle>
+          <a:p>
+            <a:r>
+              <a:rPr lang="ja-JP" altLang="en-US" smtClean="0"/>
+              <a:t>マスター タイトルの書式設定</a:t>
+            </a:r>
+            <a:endParaRPr lang="en-US" dirty="0"/>
+          </a:p>
+        </p:txBody>
+      </p:sp>
+      <p:sp>
+        <p:nvSpPr>
+          <p:cNvPr id="3" name="Content Placeholder 2"/>
+          <p:cNvSpPr>
+            <a:spLocks noGrp="1"/>
+          </p:cNvSpPr>
+          <p:nvPr>
+            <p:ph idx="1"/>
+          </p:nvPr>
+        </p:nvSpPr>
+        <p:spPr/>
+        <p:txBody>
+          <a:bodyPr/>
+          <a:lstStyle>
+            <a:lvl1pPr>
+              <a:defRPr spc="300"/>
+            </a:lvl1pPr>
+            <a:lvl2pPr>
+              <a:defRPr spc="300"/>
+            </a:lvl2pPr>
+            <a:lvl3pPr>
+              <a:defRPr spc="300"/>
+            </a:lvl3pPr>
+            <a:lvl4pPr>
+              <a:defRPr spc="300"/>
+            </a:lvl4pPr>
+            <a:lvl5pPr>
+              <a:defRPr spc="300"/>
+            </a:lvl5pPr>
+          </a:lstStyle>
+          <a:p>
+            <a:pPr lvl="0"/>
+            <a:r>
+              <a:rPr lang="ja-JP" altLang="en-US" smtClean="0"/>
+              <a:t>マスター テキストの書式設定</a:t>
+            </a:r>
+          </a:p>
+          <a:p>
+            <a:pPr lvl="1"/>
+            <a:r>
+              <a:rPr lang="ja-JP" altLang="en-US" smtClean="0"/>
+              <a:t>第 </a:t>
+            </a:r>
+            <a:r>
+              <a:rPr lang="en-US" altLang="ja-JP" smtClean="0"/>
+              <a:t>2 </a:t>
+            </a:r>
+            <a:r>
+              <a:rPr lang="ja-JP" altLang="en-US" smtClean="0"/>
+              <a:t>レベル</a:t>
+            </a:r>
+          </a:p>
+          <a:p>
+            <a:pPr lvl="2"/>
+            <a:r>
+              <a:rPr lang="ja-JP" altLang="en-US" smtClean="0"/>
+              <a:t>第 </a:t>
+            </a:r>
+            <a:r>
+              <a:rPr lang="en-US" altLang="ja-JP" smtClean="0"/>
+              <a:t>3 </a:t>
+            </a:r>
+            <a:r>
+              <a:rPr lang="ja-JP" altLang="en-US" smtClean="0"/>
+              <a:t>レベル</a:t>
+            </a:r>
+          </a:p>
+          <a:p>
+            <a:pPr lvl="3"/>
+            <a:r>
+              <a:rPr lang="ja-JP" altLang="en-US" smtClean="0"/>
+              <a:t>第 </a:t>
+            </a:r>
+            <a:r>
+              <a:rPr lang="en-US" altLang="ja-JP" smtClean="0"/>
+              <a:t>4 </a:t>
+            </a:r>
+            <a:r>
+              <a:rPr lang="ja-JP" altLang="en-US" smtClean="0"/>
+              <a:t>レベル</a:t>
+            </a:r>
+          </a:p>
+          <a:p>
+            <a:pPr lvl="4"/>
+            <a:r>
+              <a:rPr lang="ja-JP" altLang="en-US" smtClean="0"/>
+              <a:t>第 </a:t>
+            </a:r>
+            <a:r>
+              <a:rPr lang="en-US" altLang="ja-JP" smtClean="0"/>
+              <a:t>5 </a:t>
+            </a:r>
+            <a:r>
+              <a:rPr lang="ja-JP" altLang="en-US" smtClean="0"/>
+              <a:t>レベル</a:t>
+            </a:r>
+            <a:endParaRPr lang="en-US" dirty="0"/>
+          </a:p>
+        </p:txBody>
+      </p:sp>
+      <p:sp>
+        <p:nvSpPr>
+          <p:cNvPr id="4" name="Date Placeholder 3"/>
+          <p:cNvSpPr>
+            <a:spLocks noGrp="1"/>
+          </p:cNvSpPr>
+          <p:nvPr>
+            <p:ph type="dt" sz="half" idx="10"/>
+          </p:nvPr>
+        </p:nvSpPr>
+        <p:spPr/>
+        <p:txBody>
+          <a:bodyPr/>
+          <a:lstStyle/>
+          <a:p>
+            <a:fld id="{FF0B594E-E4D2-48B8-9775-B717AFE7D1E8}" type="datetime1">
+              <a:rPr kumimoji="1" lang="ja-JP" altLang="en-US" smtClean="0"/>
+              <a:t>2019/12/13</a:t>
+            </a:fld>
+            <a:endParaRPr kumimoji="1" lang="ja-JP" altLang="en-US"/>
+          </a:p>
+        </p:txBody>
+      </p:sp>
+      <p:sp>
+        <p:nvSpPr>
+          <p:cNvPr id="5" name="Footer Placeholder 4"/>
+          <p:cNvSpPr>
+            <a:spLocks noGrp="1"/>
+          </p:cNvSpPr>
+          <p:nvPr>
+            <p:ph type="ftr" sz="quarter" idx="11"/>
+          </p:nvPr>
+        </p:nvSpPr>
+        <p:spPr/>
+        <p:txBody>
+          <a:bodyPr/>
+          <a:lstStyle/>
+          <a:p>
+            <a:endParaRPr kumimoji="1" lang="ja-JP" altLang="en-US"/>
+          </a:p>
+        </p:txBody>
+      </p:sp>
+      <p:sp>
+        <p:nvSpPr>
+          <p:cNvPr id="6" name="Slide Number Placeholder 5"/>
+          <p:cNvSpPr>
+            <a:spLocks noGrp="1"/>
+          </p:cNvSpPr>
+          <p:nvPr>
+            <p:ph type="sldNum" sz="quarter" idx="12"/>
+          </p:nvPr>
+        </p:nvSpPr>
+        <p:spPr/>
+        <p:txBody>
+          <a:bodyPr/>
+          <a:lstStyle/>
+          <a:p>
+            <a:fld id="{3C3988C9-8C6C-49D7-8D82-24DA391FB063}" type="slidenum">
+              <a:rPr kumimoji="1" lang="ja-JP" altLang="en-US" smtClean="0"/>
+              <a:t>‹#›</a:t>
+            </a:fld>
+            <a:endParaRPr kumimoji="1" lang="ja-JP" altLang="en-US" dirty="0"/>
+          </a:p>
+        </p:txBody>
+      </p:sp>
+    </p:spTree>
+    <p:extLst>
+      <p:ext uri="{BB962C8B-B14F-4D97-AF65-F5344CB8AC3E}">
+        <p14:creationId xmlns:p14="http://schemas.microsoft.com/office/powerpoint/2010/main" val="436862532"/>
+      </p:ext>
+    </p:extLst>
+  </p:cSld>
+  <p:clrMapOvr>
+    <a:masterClrMapping/>
+  </p:clrMapOvr>
+  <p:timing>
+    <p:tnLst>
+      <p:par>
+        <p:cTn id="1" dur="indefinite" restart="never" nodeType="tmRoot"/>
+      </p:par>
+    </p:tnLst>
+  </p:timing>
+</p:sldLayout>
+</file>
+
+<file path=ppt/slideLayouts/slideLayout20.xml><?xml version="1.0" encoding="utf-8"?>
+<p:sldLayout xmlns:a="http://schemas.openxmlformats.org/drawingml/2006/main" xmlns:r="http://schemas.openxmlformats.org/officeDocument/2006/relationships" xmlns:p="http://schemas.openxmlformats.org/presentationml/2006/main" showMasterSp="0" type="picTx" preserve="1">
+  <p:cSld name="タイトル付きの図">
+    <p:spTree>
+      <p:nvGrpSpPr>
+        <p:cNvPr id="1" name=""/>
+        <p:cNvGrpSpPr/>
+        <p:nvPr/>
+      </p:nvGrpSpPr>
+      <p:grpSpPr>
+        <a:xfrm>
+          <a:off x="0" y="0"/>
+          <a:ext cx="0" cy="0"/>
+          <a:chOff x="0" y="0"/>
+          <a:chExt cx="0" cy="0"/>
+        </a:xfrm>
+      </p:grpSpPr>
+      <p:sp>
+        <p:nvSpPr>
+          <p:cNvPr id="8" name="Rectangle 7"/>
+          <p:cNvSpPr/>
+          <p:nvPr/>
+        </p:nvSpPr>
+        <p:spPr>
+          <a:xfrm>
+            <a:off x="0" y="4953000"/>
+            <a:ext cx="12188825" cy="1905000"/>
+          </a:xfrm>
+          <a:prstGeom prst="rect">
+            <a:avLst/>
+          </a:prstGeom>
+          <a:solidFill>
+            <a:schemeClr val="accent2"/>
+          </a:solidFill>
+          <a:ln>
+            <a:noFill/>
+          </a:ln>
+        </p:spPr>
+        <p:style>
+          <a:lnRef idx="2">
+            <a:schemeClr val="accent1">
+              <a:shade val="50000"/>
+            </a:schemeClr>
+          </a:lnRef>
+          <a:fillRef idx="1">
+            <a:schemeClr val="accent1"/>
+          </a:fillRef>
+          <a:effectRef idx="0">
+            <a:schemeClr val="accent1"/>
+          </a:effectRef>
+          <a:fontRef idx="minor">
+            <a:schemeClr val="lt1"/>
+          </a:fontRef>
+        </p:style>
+      </p:sp>
+      <p:sp>
+        <p:nvSpPr>
+          <p:cNvPr id="9" name="Rectangle 8"/>
+          <p:cNvSpPr/>
+          <p:nvPr/>
+        </p:nvSpPr>
+        <p:spPr>
+          <a:xfrm>
+            <a:off x="15" y="4915076"/>
+            <a:ext cx="12188825" cy="64008"/>
+          </a:xfrm>
+          <a:prstGeom prst="rect">
+            <a:avLst/>
+          </a:prstGeom>
+          <a:solidFill>
+            <a:schemeClr val="accent1"/>
+          </a:solidFill>
+          <a:ln>
+            <a:noFill/>
+          </a:ln>
+        </p:spPr>
+        <p:style>
+          <a:lnRef idx="2">
+            <a:schemeClr val="accent1">
+              <a:shade val="50000"/>
+            </a:schemeClr>
+          </a:lnRef>
+          <a:fillRef idx="1">
+            <a:schemeClr val="accent1"/>
+          </a:fillRef>
+          <a:effectRef idx="0">
+            <a:schemeClr val="accent1"/>
+          </a:effectRef>
+          <a:fontRef idx="minor">
+            <a:schemeClr val="lt1"/>
+          </a:fontRef>
+        </p:style>
+      </p:sp>
+      <p:sp>
+        <p:nvSpPr>
+          <p:cNvPr id="2" name="Title 1"/>
+          <p:cNvSpPr>
+            <a:spLocks noGrp="1"/>
+          </p:cNvSpPr>
+          <p:nvPr>
+            <p:ph type="title"/>
+          </p:nvPr>
+        </p:nvSpPr>
+        <p:spPr>
+          <a:xfrm>
+            <a:off x="1097280" y="5074920"/>
+            <a:ext cx="10113645" cy="822960"/>
+          </a:xfrm>
+        </p:spPr>
+        <p:txBody>
+          <a:bodyPr tIns="0" bIns="0" anchor="b">
+            <a:noAutofit/>
+          </a:bodyPr>
+          <a:lstStyle>
+            <a:lvl1pPr>
+              <a:defRPr sz="3600" b="0">
+                <a:solidFill>
+                  <a:srgbClr val="FFFFFF"/>
+                </a:solidFill>
+              </a:defRPr>
+            </a:lvl1pPr>
+          </a:lstStyle>
+          <a:p>
+            <a:r>
+              <a:rPr lang="ja-JP" altLang="en-US" smtClean="0"/>
+              <a:t>マスター タイトルの書式設定</a:t>
+            </a:r>
+            <a:endParaRPr lang="en-US" dirty="0"/>
+          </a:p>
+        </p:txBody>
+      </p:sp>
+      <p:sp>
+        <p:nvSpPr>
+          <p:cNvPr id="3" name="Picture Placeholder 2"/>
+          <p:cNvSpPr>
+            <a:spLocks noGrp="1" noChangeAspect="1"/>
+          </p:cNvSpPr>
+          <p:nvPr>
+            <p:ph type="pic" idx="1"/>
+          </p:nvPr>
+        </p:nvSpPr>
+        <p:spPr>
+          <a:xfrm>
+            <a:off x="15" y="0"/>
+            <a:ext cx="12191985" cy="4915076"/>
+          </a:xfrm>
+          <a:solidFill>
+            <a:schemeClr val="bg2">
+              <a:lumMod val="90000"/>
+            </a:schemeClr>
+          </a:solidFill>
+        </p:spPr>
+        <p:txBody>
+          <a:bodyPr lIns="457200" tIns="457200" anchor="t"/>
+          <a:lstStyle>
+            <a:lvl1pPr marL="0" indent="0">
+              <a:buNone/>
+              <a:defRPr sz="3200"/>
+            </a:lvl1pPr>
+            <a:lvl2pPr marL="457200" indent="0">
+              <a:buNone/>
+              <a:defRPr sz="2800"/>
+            </a:lvl2pPr>
+            <a:lvl3pPr marL="914400" indent="0">
+              <a:buNone/>
+              <a:defRPr sz="2400"/>
+            </a:lvl3pPr>
+            <a:lvl4pPr marL="1371600" indent="0">
+              <a:buNone/>
+              <a:defRPr sz="2000"/>
+            </a:lvl4pPr>
+            <a:lvl5pPr marL="1828800" indent="0">
+              <a:buNone/>
+              <a:defRPr sz="2000"/>
+            </a:lvl5pPr>
+            <a:lvl6pPr marL="2286000" indent="0">
+              <a:buNone/>
+              <a:defRPr sz="2000"/>
+            </a:lvl6pPr>
+            <a:lvl7pPr marL="2743200" indent="0">
+              <a:buNone/>
+              <a:defRPr sz="2000"/>
+            </a:lvl7pPr>
+            <a:lvl8pPr marL="3200400" indent="0">
+              <a:buNone/>
+              <a:defRPr sz="2000"/>
+            </a:lvl8pPr>
+            <a:lvl9pPr marL="3657600" indent="0">
+              <a:buNone/>
+              <a:defRPr sz="2000"/>
+            </a:lvl9pPr>
+          </a:lstStyle>
+          <a:p>
+            <a:r>
+              <a:rPr lang="ja-JP" altLang="en-US" smtClean="0"/>
+              <a:t>図を追加</a:t>
+            </a:r>
+            <a:endParaRPr lang="en-US" dirty="0"/>
+          </a:p>
+        </p:txBody>
+      </p:sp>
+      <p:sp>
+        <p:nvSpPr>
+          <p:cNvPr id="4" name="Text Placeholder 3"/>
+          <p:cNvSpPr>
+            <a:spLocks noGrp="1"/>
+          </p:cNvSpPr>
+          <p:nvPr>
+            <p:ph type="body" sz="half" idx="2"/>
+          </p:nvPr>
+        </p:nvSpPr>
+        <p:spPr>
+          <a:xfrm>
+            <a:off x="1097280" y="5907024"/>
+            <a:ext cx="10113264" cy="594360"/>
+          </a:xfrm>
+        </p:spPr>
+        <p:txBody>
+          <a:bodyPr lIns="91440" tIns="0" rIns="91440" bIns="0">
+            <a:normAutofit/>
+          </a:bodyPr>
+          <a:lstStyle>
+            <a:lvl1pPr marL="0" indent="0">
+              <a:spcBef>
+                <a:spcPts val="0"/>
+              </a:spcBef>
+              <a:spcAft>
+                <a:spcPts val="600"/>
+              </a:spcAft>
+              <a:buNone/>
+              <a:defRPr sz="1500">
+                <a:solidFill>
+                  <a:srgbClr val="FFFFFF"/>
+                </a:solidFill>
+              </a:defRPr>
+            </a:lvl1pPr>
+            <a:lvl2pPr marL="457200" indent="0">
+              <a:buNone/>
+              <a:defRPr sz="1200"/>
+            </a:lvl2pPr>
+            <a:lvl3pPr marL="914400" indent="0">
+              <a:buNone/>
+              <a:defRPr sz="1000"/>
+            </a:lvl3pPr>
+            <a:lvl4pPr marL="1371600" indent="0">
+              <a:buNone/>
+              <a:defRPr sz="900"/>
+            </a:lvl4pPr>
+            <a:lvl5pPr marL="1828800" indent="0">
+              <a:buNone/>
+              <a:defRPr sz="900"/>
+            </a:lvl5pPr>
+            <a:lvl6pPr marL="2286000" indent="0">
+              <a:buNone/>
+              <a:defRPr sz="900"/>
+            </a:lvl6pPr>
+            <a:lvl7pPr marL="2743200" indent="0">
+              <a:buNone/>
+              <a:defRPr sz="900"/>
+            </a:lvl7pPr>
+            <a:lvl8pPr marL="3200400" indent="0">
+              <a:buNone/>
+              <a:defRPr sz="900"/>
+            </a:lvl8pPr>
+            <a:lvl9pPr marL="3657600" indent="0">
+              <a:buNone/>
+              <a:defRPr sz="900"/>
+            </a:lvl9pPr>
+          </a:lstStyle>
+          <a:p>
+            <a:pPr lvl="0"/>
+            <a:r>
+              <a:rPr lang="ja-JP" altLang="en-US" smtClean="0"/>
+              <a:t>マスター テキストの書式設定</a:t>
+            </a:r>
+          </a:p>
+        </p:txBody>
+      </p:sp>
+      <p:sp>
+        <p:nvSpPr>
+          <p:cNvPr id="5" name="Date Placeholder 4"/>
+          <p:cNvSpPr>
+            <a:spLocks noGrp="1"/>
+          </p:cNvSpPr>
+          <p:nvPr>
+            <p:ph type="dt" sz="half" idx="10"/>
+          </p:nvPr>
+        </p:nvSpPr>
+        <p:spPr/>
+        <p:txBody>
+          <a:bodyPr/>
+          <a:lstStyle/>
+          <a:p>
+            <a:pPr marL="0" marR="0" lvl="0" indent="0" algn="l" defTabSz="914400" rtl="0" eaLnBrk="1" fontAlgn="auto" latinLnBrk="0" hangingPunct="1">
+              <a:lnSpc>
+                <a:spcPct val="100000"/>
+              </a:lnSpc>
+              <a:spcBef>
+                <a:spcPts val="0"/>
+              </a:spcBef>
+              <a:spcAft>
+                <a:spcPts val="0"/>
+              </a:spcAft>
+              <a:buClrTx/>
+              <a:buSzTx/>
+              <a:buFontTx/>
+              <a:buNone/>
+              <a:tabLst/>
+              <a:defRPr/>
+            </a:pPr>
+            <a:fld id="{7A1233B6-6B32-4459-9D83-2853E0269600}" type="datetime1">
+              <a:rPr kumimoji="1" lang="ja-JP" altLang="en-US" sz="900" b="0" i="0" u="none" strike="noStrike" kern="1200" cap="none" spc="0" normalizeH="0" baseline="0" noProof="0" smtClean="0">
+                <a:ln>
+                  <a:noFill/>
+                </a:ln>
+                <a:solidFill>
+                  <a:srgbClr val="FFFFFF"/>
+                </a:solidFill>
+                <a:effectLst/>
+                <a:uLnTx/>
+                <a:uFillTx/>
+                <a:latin typeface="Calibri" panose="020F0502020204030204"/>
+                <a:ea typeface="ＭＳ Ｐゴシック" panose="020B0600070205080204" pitchFamily="50" charset="-128"/>
+                <a:cs typeface="+mn-cs"/>
+              </a:rPr>
+              <a:pPr marL="0" marR="0" lvl="0" indent="0" algn="l" defTabSz="914400" rtl="0" eaLnBrk="1" fontAlgn="auto" latinLnBrk="0" hangingPunct="1">
+                <a:lnSpc>
+                  <a:spcPct val="100000"/>
+                </a:lnSpc>
+                <a:spcBef>
+                  <a:spcPts val="0"/>
+                </a:spcBef>
+                <a:spcAft>
+                  <a:spcPts val="0"/>
+                </a:spcAft>
+                <a:buClrTx/>
+                <a:buSzTx/>
+                <a:buFontTx/>
+                <a:buNone/>
+                <a:tabLst/>
+                <a:defRPr/>
+              </a:pPr>
+              <a:t>2019/12/13</a:t>
+            </a:fld>
+            <a:endParaRPr kumimoji="1" lang="ja-JP" altLang="en-US" sz="900" b="0" i="0" u="none" strike="noStrike" kern="1200" cap="none" spc="0" normalizeH="0" baseline="0" noProof="0">
+              <a:ln>
+                <a:noFill/>
+              </a:ln>
+              <a:solidFill>
+                <a:srgbClr val="FFFFFF"/>
+              </a:solidFill>
+              <a:effectLst/>
+              <a:uLnTx/>
+              <a:uFillTx/>
+              <a:latin typeface="Calibri" panose="020F0502020204030204"/>
+              <a:ea typeface="ＭＳ Ｐゴシック" panose="020B0600070205080204" pitchFamily="50" charset="-128"/>
+              <a:cs typeface="+mn-cs"/>
+            </a:endParaRPr>
+          </a:p>
+        </p:txBody>
+      </p:sp>
+      <p:sp>
+        <p:nvSpPr>
+          <p:cNvPr id="6" name="Footer Placeholder 5"/>
+          <p:cNvSpPr>
+            <a:spLocks noGrp="1"/>
+          </p:cNvSpPr>
+          <p:nvPr>
+            <p:ph type="ftr" sz="quarter" idx="11"/>
+          </p:nvPr>
+        </p:nvSpPr>
+        <p:spPr/>
+        <p:txBody>
+          <a:bodyPr/>
+          <a:lstStyle/>
+          <a:p>
+            <a:pPr marL="0" marR="0" lvl="0" indent="0" algn="ctr" defTabSz="914400" rtl="0" eaLnBrk="1" fontAlgn="auto" latinLnBrk="0" hangingPunct="1">
+              <a:lnSpc>
+                <a:spcPct val="100000"/>
+              </a:lnSpc>
+              <a:spcBef>
+                <a:spcPts val="0"/>
+              </a:spcBef>
+              <a:spcAft>
+                <a:spcPts val="0"/>
+              </a:spcAft>
+              <a:buClrTx/>
+              <a:buSzTx/>
+              <a:buFontTx/>
+              <a:buNone/>
+              <a:tabLst/>
+              <a:defRPr/>
+            </a:pPr>
+            <a:endParaRPr kumimoji="1" lang="ja-JP" altLang="en-US" sz="900" b="0" i="0" u="none" strike="noStrike" kern="1200" cap="all" spc="0" normalizeH="0" baseline="0" noProof="0">
+              <a:ln>
+                <a:noFill/>
+              </a:ln>
+              <a:solidFill>
+                <a:srgbClr val="FFFFFF"/>
+              </a:solidFill>
+              <a:effectLst/>
+              <a:uLnTx/>
+              <a:uFillTx/>
+              <a:latin typeface="Calibri" panose="020F0502020204030204"/>
+              <a:ea typeface="ＭＳ Ｐゴシック" panose="020B0600070205080204" pitchFamily="50" charset="-128"/>
+              <a:cs typeface="+mn-cs"/>
+            </a:endParaRPr>
+          </a:p>
+        </p:txBody>
+      </p:sp>
+      <p:sp>
+        <p:nvSpPr>
+          <p:cNvPr id="7" name="Slide Number Placeholder 6"/>
+          <p:cNvSpPr>
+            <a:spLocks noGrp="1"/>
+          </p:cNvSpPr>
+          <p:nvPr>
+            <p:ph type="sldNum" sz="quarter" idx="12"/>
+          </p:nvPr>
+        </p:nvSpPr>
+        <p:spPr/>
+        <p:txBody>
+          <a:bodyPr/>
+          <a:lstStyle/>
+          <a:p>
+            <a:pPr marL="0" marR="0" lvl="0" indent="0" algn="r" defTabSz="914400" rtl="0" eaLnBrk="1" fontAlgn="auto" latinLnBrk="0" hangingPunct="1">
+              <a:lnSpc>
+                <a:spcPct val="100000"/>
+              </a:lnSpc>
+              <a:spcBef>
+                <a:spcPts val="0"/>
+              </a:spcBef>
+              <a:spcAft>
+                <a:spcPts val="0"/>
+              </a:spcAft>
+              <a:buClrTx/>
+              <a:buSzTx/>
+              <a:buFontTx/>
+              <a:buNone/>
+              <a:tabLst/>
+              <a:defRPr/>
+            </a:pPr>
+            <a:fld id="{3C3988C9-8C6C-49D7-8D82-24DA391FB063}" type="slidenum">
+              <a:rPr kumimoji="1" lang="ja-JP" altLang="en-US" sz="2000" b="0" i="0" u="none" strike="noStrike" kern="1200" cap="none" spc="0" normalizeH="0" baseline="0" noProof="0" smtClean="0">
+                <a:ln>
+                  <a:noFill/>
+                </a:ln>
+                <a:solidFill>
+                  <a:srgbClr val="FFFFFF"/>
+                </a:solidFill>
+                <a:effectLst/>
+                <a:uLnTx/>
+                <a:uFillTx/>
+                <a:latin typeface="Calibri" panose="020F0502020204030204"/>
+                <a:ea typeface="ＭＳ Ｐゴシック" panose="020B0600070205080204" pitchFamily="50" charset="-128"/>
+                <a:cs typeface="+mn-cs"/>
+              </a:rPr>
+              <a:pPr marL="0" marR="0" lvl="0" indent="0" algn="r" defTabSz="914400" rtl="0" eaLnBrk="1" fontAlgn="auto" latinLnBrk="0" hangingPunct="1">
+                <a:lnSpc>
+                  <a:spcPct val="100000"/>
+                </a:lnSpc>
+                <a:spcBef>
+                  <a:spcPts val="0"/>
+                </a:spcBef>
+                <a:spcAft>
+                  <a:spcPts val="0"/>
+                </a:spcAft>
+                <a:buClrTx/>
+                <a:buSzTx/>
+                <a:buFontTx/>
+                <a:buNone/>
+                <a:tabLst/>
+                <a:defRPr/>
+              </a:pPr>
+              <a:t>‹#›</a:t>
+            </a:fld>
+            <a:endParaRPr kumimoji="1" lang="ja-JP" altLang="en-US" sz="2000" b="0" i="0" u="none" strike="noStrike" kern="1200" cap="none" spc="0" normalizeH="0" baseline="0" noProof="0">
+              <a:ln>
+                <a:noFill/>
+              </a:ln>
+              <a:solidFill>
+                <a:srgbClr val="FFFFFF"/>
+              </a:solidFill>
+              <a:effectLst/>
+              <a:uLnTx/>
+              <a:uFillTx/>
+              <a:latin typeface="Calibri" panose="020F0502020204030204"/>
+              <a:ea typeface="ＭＳ Ｐゴシック" panose="020B0600070205080204" pitchFamily="50" charset="-128"/>
+              <a:cs typeface="+mn-cs"/>
+            </a:endParaRPr>
+          </a:p>
+        </p:txBody>
+      </p:sp>
+    </p:spTree>
+    <p:extLst>
+      <p:ext uri="{BB962C8B-B14F-4D97-AF65-F5344CB8AC3E}">
+        <p14:creationId xmlns:p14="http://schemas.microsoft.com/office/powerpoint/2010/main" val="385177906"/>
+      </p:ext>
+    </p:extLst>
+  </p:cSld>
+  <p:clrMapOvr>
+    <a:masterClrMapping/>
+  </p:clrMapOvr>
+</p:sldLayout>
+</file>
+
+<file path=ppt/slideLayouts/slideLayout21.xml><?xml version="1.0" encoding="utf-8"?>
+<p:sldLayout xmlns:a="http://schemas.openxmlformats.org/drawingml/2006/main" xmlns:r="http://schemas.openxmlformats.org/officeDocument/2006/relationships" xmlns:p="http://schemas.openxmlformats.org/presentationml/2006/main" type="vertTx" preserve="1">
+  <p:cSld name="タイトルと&#10;縦書きテキスト">
+    <p:spTree>
+      <p:nvGrpSpPr>
+        <p:cNvPr id="1" name=""/>
+        <p:cNvGrpSpPr/>
+        <p:nvPr/>
+      </p:nvGrpSpPr>
+      <p:grpSpPr>
+        <a:xfrm>
+          <a:off x="0" y="0"/>
+          <a:ext cx="0" cy="0"/>
+          <a:chOff x="0" y="0"/>
+          <a:chExt cx="0" cy="0"/>
+        </a:xfrm>
+      </p:grpSpPr>
+      <p:sp>
+        <p:nvSpPr>
+          <p:cNvPr id="2" name="Title 1"/>
+          <p:cNvSpPr>
+            <a:spLocks noGrp="1"/>
+          </p:cNvSpPr>
+          <p:nvPr>
+            <p:ph type="title"/>
+          </p:nvPr>
+        </p:nvSpPr>
+        <p:spPr/>
+        <p:txBody>
+          <a:bodyPr/>
+          <a:lstStyle/>
+          <a:p>
+            <a:r>
+              <a:rPr lang="ja-JP" altLang="en-US" smtClean="0"/>
+              <a:t>マスター タイトルの書式設定</a:t>
+            </a:r>
+            <a:endParaRPr lang="en-US" dirty="0"/>
+          </a:p>
+        </p:txBody>
+      </p:sp>
+      <p:sp>
+        <p:nvSpPr>
+          <p:cNvPr id="3" name="Vertical Text Placeholder 2"/>
+          <p:cNvSpPr>
+            <a:spLocks noGrp="1"/>
+          </p:cNvSpPr>
+          <p:nvPr>
+            <p:ph type="body" orient="vert" idx="1"/>
+          </p:nvPr>
+        </p:nvSpPr>
+        <p:spPr/>
+        <p:txBody>
+          <a:bodyPr vert="eaVert" lIns="45720" tIns="0" rIns="45720" bIns="0"/>
+          <a:lstStyle/>
+          <a:p>
+            <a:pPr lvl="0"/>
+            <a:r>
+              <a:rPr lang="ja-JP" altLang="en-US" smtClean="0"/>
+              <a:t>マスター テキストの書式設定</a:t>
+            </a:r>
+          </a:p>
+          <a:p>
+            <a:pPr lvl="1"/>
+            <a:r>
+              <a:rPr lang="ja-JP" altLang="en-US" smtClean="0"/>
+              <a:t>第 </a:t>
+            </a:r>
+            <a:r>
+              <a:rPr lang="en-US" altLang="ja-JP" smtClean="0"/>
+              <a:t>2 </a:t>
+            </a:r>
+            <a:r>
+              <a:rPr lang="ja-JP" altLang="en-US" smtClean="0"/>
+              <a:t>レベル</a:t>
+            </a:r>
+          </a:p>
+          <a:p>
+            <a:pPr lvl="2"/>
+            <a:r>
+              <a:rPr lang="ja-JP" altLang="en-US" smtClean="0"/>
+              <a:t>第 </a:t>
+            </a:r>
+            <a:r>
+              <a:rPr lang="en-US" altLang="ja-JP" smtClean="0"/>
+              <a:t>3 </a:t>
+            </a:r>
+            <a:r>
+              <a:rPr lang="ja-JP" altLang="en-US" smtClean="0"/>
+              <a:t>レベル</a:t>
+            </a:r>
+          </a:p>
+          <a:p>
+            <a:pPr lvl="3"/>
+            <a:r>
+              <a:rPr lang="ja-JP" altLang="en-US" smtClean="0"/>
+              <a:t>第 </a:t>
+            </a:r>
+            <a:r>
+              <a:rPr lang="en-US" altLang="ja-JP" smtClean="0"/>
+              <a:t>4 </a:t>
+            </a:r>
+            <a:r>
+              <a:rPr lang="ja-JP" altLang="en-US" smtClean="0"/>
+              <a:t>レベル</a:t>
+            </a:r>
+          </a:p>
+          <a:p>
+            <a:pPr lvl="4"/>
+            <a:r>
+              <a:rPr lang="ja-JP" altLang="en-US" smtClean="0"/>
+              <a:t>第 </a:t>
+            </a:r>
+            <a:r>
+              <a:rPr lang="en-US" altLang="ja-JP" smtClean="0"/>
+              <a:t>5 </a:t>
+            </a:r>
+            <a:r>
+              <a:rPr lang="ja-JP" altLang="en-US" smtClean="0"/>
+              <a:t>レベル</a:t>
+            </a:r>
+            <a:endParaRPr lang="en-US" dirty="0"/>
+          </a:p>
+        </p:txBody>
+      </p:sp>
+      <p:sp>
+        <p:nvSpPr>
+          <p:cNvPr id="4" name="Date Placeholder 3"/>
+          <p:cNvSpPr>
+            <a:spLocks noGrp="1"/>
+          </p:cNvSpPr>
+          <p:nvPr>
+            <p:ph type="dt" sz="half" idx="10"/>
+          </p:nvPr>
+        </p:nvSpPr>
+        <p:spPr/>
+        <p:txBody>
+          <a:bodyPr/>
+          <a:lstStyle/>
+          <a:p>
+            <a:pPr marL="0" marR="0" lvl="0" indent="0" algn="l" defTabSz="914400" rtl="0" eaLnBrk="1" fontAlgn="auto" latinLnBrk="0" hangingPunct="1">
+              <a:lnSpc>
+                <a:spcPct val="100000"/>
+              </a:lnSpc>
+              <a:spcBef>
+                <a:spcPts val="0"/>
+              </a:spcBef>
+              <a:spcAft>
+                <a:spcPts val="0"/>
+              </a:spcAft>
+              <a:buClrTx/>
+              <a:buSzTx/>
+              <a:buFontTx/>
+              <a:buNone/>
+              <a:tabLst/>
+              <a:defRPr/>
+            </a:pPr>
+            <a:fld id="{B2B1C8DF-EAB5-43F7-8462-42F0F4F3EEAD}" type="datetime1">
+              <a:rPr kumimoji="1" lang="ja-JP" altLang="en-US" sz="900" b="0" i="0" u="none" strike="noStrike" kern="1200" cap="none" spc="0" normalizeH="0" baseline="0" noProof="0" smtClean="0">
+                <a:ln>
+                  <a:noFill/>
+                </a:ln>
+                <a:solidFill>
+                  <a:srgbClr val="FFFFFF"/>
+                </a:solidFill>
+                <a:effectLst/>
+                <a:uLnTx/>
+                <a:uFillTx/>
+                <a:latin typeface="Calibri" panose="020F0502020204030204"/>
+                <a:ea typeface="ＭＳ Ｐゴシック" panose="020B0600070205080204" pitchFamily="50" charset="-128"/>
+                <a:cs typeface="+mn-cs"/>
+              </a:rPr>
+              <a:pPr marL="0" marR="0" lvl="0" indent="0" algn="l" defTabSz="914400" rtl="0" eaLnBrk="1" fontAlgn="auto" latinLnBrk="0" hangingPunct="1">
+                <a:lnSpc>
+                  <a:spcPct val="100000"/>
+                </a:lnSpc>
+                <a:spcBef>
+                  <a:spcPts val="0"/>
+                </a:spcBef>
+                <a:spcAft>
+                  <a:spcPts val="0"/>
+                </a:spcAft>
+                <a:buClrTx/>
+                <a:buSzTx/>
+                <a:buFontTx/>
+                <a:buNone/>
+                <a:tabLst/>
+                <a:defRPr/>
+              </a:pPr>
+              <a:t>2019/12/13</a:t>
+            </a:fld>
+            <a:endParaRPr kumimoji="1" lang="ja-JP" altLang="en-US" sz="900" b="0" i="0" u="none" strike="noStrike" kern="1200" cap="none" spc="0" normalizeH="0" baseline="0" noProof="0">
+              <a:ln>
+                <a:noFill/>
+              </a:ln>
+              <a:solidFill>
+                <a:srgbClr val="FFFFFF"/>
+              </a:solidFill>
+              <a:effectLst/>
+              <a:uLnTx/>
+              <a:uFillTx/>
+              <a:latin typeface="Calibri" panose="020F0502020204030204"/>
+              <a:ea typeface="ＭＳ Ｐゴシック" panose="020B0600070205080204" pitchFamily="50" charset="-128"/>
+              <a:cs typeface="+mn-cs"/>
+            </a:endParaRPr>
+          </a:p>
+        </p:txBody>
+      </p:sp>
+      <p:sp>
+        <p:nvSpPr>
+          <p:cNvPr id="5" name="Footer Placeholder 4"/>
+          <p:cNvSpPr>
+            <a:spLocks noGrp="1"/>
+          </p:cNvSpPr>
+          <p:nvPr>
+            <p:ph type="ftr" sz="quarter" idx="11"/>
+          </p:nvPr>
+        </p:nvSpPr>
+        <p:spPr/>
+        <p:txBody>
+          <a:bodyPr/>
+          <a:lstStyle/>
+          <a:p>
+            <a:pPr marL="0" marR="0" lvl="0" indent="0" algn="ctr" defTabSz="914400" rtl="0" eaLnBrk="1" fontAlgn="auto" latinLnBrk="0" hangingPunct="1">
+              <a:lnSpc>
+                <a:spcPct val="100000"/>
+              </a:lnSpc>
+              <a:spcBef>
+                <a:spcPts val="0"/>
+              </a:spcBef>
+              <a:spcAft>
+                <a:spcPts val="0"/>
+              </a:spcAft>
+              <a:buClrTx/>
+              <a:buSzTx/>
+              <a:buFontTx/>
+              <a:buNone/>
+              <a:tabLst/>
+              <a:defRPr/>
+            </a:pPr>
+            <a:endParaRPr kumimoji="1" lang="ja-JP" altLang="en-US" sz="900" b="0" i="0" u="none" strike="noStrike" kern="1200" cap="all" spc="0" normalizeH="0" baseline="0" noProof="0">
+              <a:ln>
+                <a:noFill/>
+              </a:ln>
+              <a:solidFill>
+                <a:srgbClr val="FFFFFF"/>
+              </a:solidFill>
+              <a:effectLst/>
+              <a:uLnTx/>
+              <a:uFillTx/>
+              <a:latin typeface="Calibri" panose="020F0502020204030204"/>
+              <a:ea typeface="ＭＳ Ｐゴシック" panose="020B0600070205080204" pitchFamily="50" charset="-128"/>
+              <a:cs typeface="+mn-cs"/>
+            </a:endParaRPr>
+          </a:p>
+        </p:txBody>
+      </p:sp>
+      <p:sp>
+        <p:nvSpPr>
+          <p:cNvPr id="6" name="Slide Number Placeholder 5"/>
+          <p:cNvSpPr>
+            <a:spLocks noGrp="1"/>
+          </p:cNvSpPr>
+          <p:nvPr>
+            <p:ph type="sldNum" sz="quarter" idx="12"/>
+          </p:nvPr>
+        </p:nvSpPr>
+        <p:spPr/>
+        <p:txBody>
+          <a:bodyPr/>
+          <a:lstStyle/>
+          <a:p>
+            <a:pPr marL="0" marR="0" lvl="0" indent="0" algn="r" defTabSz="914400" rtl="0" eaLnBrk="1" fontAlgn="auto" latinLnBrk="0" hangingPunct="1">
+              <a:lnSpc>
+                <a:spcPct val="100000"/>
+              </a:lnSpc>
+              <a:spcBef>
+                <a:spcPts val="0"/>
+              </a:spcBef>
+              <a:spcAft>
+                <a:spcPts val="0"/>
+              </a:spcAft>
+              <a:buClrTx/>
+              <a:buSzTx/>
+              <a:buFontTx/>
+              <a:buNone/>
+              <a:tabLst/>
+              <a:defRPr/>
+            </a:pPr>
+            <a:fld id="{3C3988C9-8C6C-49D7-8D82-24DA391FB063}" type="slidenum">
+              <a:rPr kumimoji="1" lang="ja-JP" altLang="en-US" sz="2000" b="0" i="0" u="none" strike="noStrike" kern="1200" cap="none" spc="0" normalizeH="0" baseline="0" noProof="0" smtClean="0">
+                <a:ln>
+                  <a:noFill/>
+                </a:ln>
+                <a:solidFill>
+                  <a:srgbClr val="FFFFFF"/>
+                </a:solidFill>
+                <a:effectLst/>
+                <a:uLnTx/>
+                <a:uFillTx/>
+                <a:latin typeface="Calibri" panose="020F0502020204030204"/>
+                <a:ea typeface="ＭＳ Ｐゴシック" panose="020B0600070205080204" pitchFamily="50" charset="-128"/>
+                <a:cs typeface="+mn-cs"/>
+              </a:rPr>
+              <a:pPr marL="0" marR="0" lvl="0" indent="0" algn="r" defTabSz="914400" rtl="0" eaLnBrk="1" fontAlgn="auto" latinLnBrk="0" hangingPunct="1">
+                <a:lnSpc>
+                  <a:spcPct val="100000"/>
+                </a:lnSpc>
+                <a:spcBef>
+                  <a:spcPts val="0"/>
+                </a:spcBef>
+                <a:spcAft>
+                  <a:spcPts val="0"/>
+                </a:spcAft>
+                <a:buClrTx/>
+                <a:buSzTx/>
+                <a:buFontTx/>
+                <a:buNone/>
+                <a:tabLst/>
+                <a:defRPr/>
+              </a:pPr>
+              <a:t>‹#›</a:t>
+            </a:fld>
+            <a:endParaRPr kumimoji="1" lang="ja-JP" altLang="en-US" sz="2000" b="0" i="0" u="none" strike="noStrike" kern="1200" cap="none" spc="0" normalizeH="0" baseline="0" noProof="0">
+              <a:ln>
+                <a:noFill/>
+              </a:ln>
+              <a:solidFill>
+                <a:srgbClr val="FFFFFF"/>
+              </a:solidFill>
+              <a:effectLst/>
+              <a:uLnTx/>
+              <a:uFillTx/>
+              <a:latin typeface="Calibri" panose="020F0502020204030204"/>
+              <a:ea typeface="ＭＳ Ｐゴシック" panose="020B0600070205080204" pitchFamily="50" charset="-128"/>
+              <a:cs typeface="+mn-cs"/>
+            </a:endParaRPr>
+          </a:p>
+        </p:txBody>
+      </p:sp>
+    </p:spTree>
+    <p:extLst>
+      <p:ext uri="{BB962C8B-B14F-4D97-AF65-F5344CB8AC3E}">
+        <p14:creationId xmlns:p14="http://schemas.microsoft.com/office/powerpoint/2010/main" val="2230634849"/>
+      </p:ext>
+    </p:extLst>
+  </p:cSld>
+  <p:clrMapOvr>
+    <a:masterClrMapping/>
+  </p:clrMapOvr>
+  <p:timing>
+    <p:tnLst>
+      <p:par>
+        <p:cTn id="1" dur="indefinite" restart="never" nodeType="tmRoot"/>
+      </p:par>
+    </p:tnLst>
+  </p:timing>
+</p:sldLayout>
+</file>
+
+<file path=ppt/slideLayouts/slideLayout22.xml><?xml version="1.0" encoding="utf-8"?>
+<p:sldLayout xmlns:a="http://schemas.openxmlformats.org/drawingml/2006/main" xmlns:r="http://schemas.openxmlformats.org/officeDocument/2006/relationships" xmlns:p="http://schemas.openxmlformats.org/presentationml/2006/main" showMasterSp="0" type="vertTitleAndTx" preserve="1">
+  <p:cSld name="縦書きタイトルと&#10;縦書きテキスト">
+    <p:spTree>
+      <p:nvGrpSpPr>
+        <p:cNvPr id="1" name=""/>
+        <p:cNvGrpSpPr/>
+        <p:nvPr/>
+      </p:nvGrpSpPr>
+      <p:grpSpPr>
+        <a:xfrm>
+          <a:off x="0" y="0"/>
+          <a:ext cx="0" cy="0"/>
+          <a:chOff x="0" y="0"/>
+          <a:chExt cx="0" cy="0"/>
+        </a:xfrm>
+      </p:grpSpPr>
+      <p:sp>
+        <p:nvSpPr>
+          <p:cNvPr id="7" name="Rectangle 6"/>
+          <p:cNvSpPr/>
+          <p:nvPr/>
+        </p:nvSpPr>
+        <p:spPr>
+          <a:xfrm>
+            <a:off x="3175" y="6400800"/>
+            <a:ext cx="12188825" cy="457200"/>
+          </a:xfrm>
+          <a:prstGeom prst="rect">
+            <a:avLst/>
+          </a:prstGeom>
+          <a:solidFill>
+            <a:schemeClr val="accent2"/>
+          </a:solidFill>
+          <a:ln>
+            <a:noFill/>
+          </a:ln>
+        </p:spPr>
+        <p:style>
+          <a:lnRef idx="2">
+            <a:schemeClr val="accent1">
+              <a:shade val="50000"/>
+            </a:schemeClr>
+          </a:lnRef>
+          <a:fillRef idx="1">
+            <a:schemeClr val="accent1"/>
+          </a:fillRef>
+          <a:effectRef idx="0">
+            <a:schemeClr val="accent1"/>
+          </a:effectRef>
+          <a:fontRef idx="minor">
+            <a:schemeClr val="lt1"/>
+          </a:fontRef>
+        </p:style>
+      </p:sp>
+      <p:sp>
+        <p:nvSpPr>
+          <p:cNvPr id="8" name="Rectangle 7"/>
+          <p:cNvSpPr/>
+          <p:nvPr/>
+        </p:nvSpPr>
+        <p:spPr>
+          <a:xfrm>
+            <a:off x="15" y="6334316"/>
+            <a:ext cx="12188825" cy="64008"/>
+          </a:xfrm>
+          <a:prstGeom prst="rect">
+            <a:avLst/>
+          </a:prstGeom>
+          <a:solidFill>
+            <a:schemeClr val="accent1"/>
+          </a:solidFill>
+          <a:ln>
+            <a:noFill/>
+          </a:ln>
+        </p:spPr>
+        <p:style>
+          <a:lnRef idx="2">
+            <a:schemeClr val="accent1">
+              <a:shade val="50000"/>
+            </a:schemeClr>
+          </a:lnRef>
+          <a:fillRef idx="1">
+            <a:schemeClr val="accent1"/>
+          </a:fillRef>
+          <a:effectRef idx="0">
+            <a:schemeClr val="accent1"/>
+          </a:effectRef>
+          <a:fontRef idx="minor">
+            <a:schemeClr val="lt1"/>
+          </a:fontRef>
+        </p:style>
+      </p:sp>
+      <p:sp>
+        <p:nvSpPr>
+          <p:cNvPr id="2" name="Vertical Title 1"/>
+          <p:cNvSpPr>
+            <a:spLocks noGrp="1"/>
+          </p:cNvSpPr>
+          <p:nvPr>
+            <p:ph type="title" orient="vert"/>
+          </p:nvPr>
+        </p:nvSpPr>
+        <p:spPr>
+          <a:xfrm>
+            <a:off x="8724900" y="412302"/>
+            <a:ext cx="2628900" cy="5759898"/>
+          </a:xfrm>
+        </p:spPr>
+        <p:txBody>
+          <a:bodyPr vert="eaVert"/>
+          <a:lstStyle/>
+          <a:p>
+            <a:r>
+              <a:rPr lang="ja-JP" altLang="en-US" smtClean="0"/>
+              <a:t>マスター タイトルの書式設定</a:t>
+            </a:r>
+            <a:endParaRPr lang="en-US" dirty="0"/>
+          </a:p>
+        </p:txBody>
+      </p:sp>
+      <p:sp>
+        <p:nvSpPr>
+          <p:cNvPr id="3" name="Vertical Text Placeholder 2"/>
+          <p:cNvSpPr>
+            <a:spLocks noGrp="1"/>
+          </p:cNvSpPr>
+          <p:nvPr>
+            <p:ph type="body" orient="vert" idx="1"/>
+          </p:nvPr>
+        </p:nvSpPr>
+        <p:spPr>
+          <a:xfrm>
+            <a:off x="838200" y="412302"/>
+            <a:ext cx="7734300" cy="5759898"/>
+          </a:xfrm>
+        </p:spPr>
+        <p:txBody>
+          <a:bodyPr vert="eaVert" lIns="45720" tIns="0" rIns="45720" bIns="0"/>
+          <a:lstStyle/>
+          <a:p>
+            <a:pPr lvl="0"/>
+            <a:r>
+              <a:rPr lang="ja-JP" altLang="en-US" smtClean="0"/>
+              <a:t>マスター テキストの書式設定</a:t>
+            </a:r>
+          </a:p>
+          <a:p>
+            <a:pPr lvl="1"/>
+            <a:r>
+              <a:rPr lang="ja-JP" altLang="en-US" smtClean="0"/>
+              <a:t>第 </a:t>
+            </a:r>
+            <a:r>
+              <a:rPr lang="en-US" altLang="ja-JP" smtClean="0"/>
+              <a:t>2 </a:t>
+            </a:r>
+            <a:r>
+              <a:rPr lang="ja-JP" altLang="en-US" smtClean="0"/>
+              <a:t>レベル</a:t>
+            </a:r>
+          </a:p>
+          <a:p>
+            <a:pPr lvl="2"/>
+            <a:r>
+              <a:rPr lang="ja-JP" altLang="en-US" smtClean="0"/>
+              <a:t>第 </a:t>
+            </a:r>
+            <a:r>
+              <a:rPr lang="en-US" altLang="ja-JP" smtClean="0"/>
+              <a:t>3 </a:t>
+            </a:r>
+            <a:r>
+              <a:rPr lang="ja-JP" altLang="en-US" smtClean="0"/>
+              <a:t>レベル</a:t>
+            </a:r>
+          </a:p>
+          <a:p>
+            <a:pPr lvl="3"/>
+            <a:r>
+              <a:rPr lang="ja-JP" altLang="en-US" smtClean="0"/>
+              <a:t>第 </a:t>
+            </a:r>
+            <a:r>
+              <a:rPr lang="en-US" altLang="ja-JP" smtClean="0"/>
+              <a:t>4 </a:t>
+            </a:r>
+            <a:r>
+              <a:rPr lang="ja-JP" altLang="en-US" smtClean="0"/>
+              <a:t>レベル</a:t>
+            </a:r>
+          </a:p>
+          <a:p>
+            <a:pPr lvl="4"/>
+            <a:r>
+              <a:rPr lang="ja-JP" altLang="en-US" smtClean="0"/>
+              <a:t>第 </a:t>
+            </a:r>
+            <a:r>
+              <a:rPr lang="en-US" altLang="ja-JP" smtClean="0"/>
+              <a:t>5 </a:t>
+            </a:r>
+            <a:r>
+              <a:rPr lang="ja-JP" altLang="en-US" smtClean="0"/>
+              <a:t>レベル</a:t>
+            </a:r>
+            <a:endParaRPr lang="en-US" dirty="0"/>
+          </a:p>
+        </p:txBody>
+      </p:sp>
+      <p:sp>
+        <p:nvSpPr>
+          <p:cNvPr id="4" name="Date Placeholder 3"/>
+          <p:cNvSpPr>
+            <a:spLocks noGrp="1"/>
+          </p:cNvSpPr>
+          <p:nvPr>
+            <p:ph type="dt" sz="half" idx="10"/>
+          </p:nvPr>
+        </p:nvSpPr>
+        <p:spPr/>
+        <p:txBody>
+          <a:bodyPr/>
+          <a:lstStyle/>
+          <a:p>
+            <a:pPr marL="0" marR="0" lvl="0" indent="0" algn="l" defTabSz="914400" rtl="0" eaLnBrk="1" fontAlgn="auto" latinLnBrk="0" hangingPunct="1">
+              <a:lnSpc>
+                <a:spcPct val="100000"/>
+              </a:lnSpc>
+              <a:spcBef>
+                <a:spcPts val="0"/>
+              </a:spcBef>
+              <a:spcAft>
+                <a:spcPts val="0"/>
+              </a:spcAft>
+              <a:buClrTx/>
+              <a:buSzTx/>
+              <a:buFontTx/>
+              <a:buNone/>
+              <a:tabLst/>
+              <a:defRPr/>
+            </a:pPr>
+            <a:fld id="{E4AF5F8E-C413-4E10-B014-B9E3DDF4AA8A}" type="datetime1">
+              <a:rPr kumimoji="1" lang="ja-JP" altLang="en-US" sz="900" b="0" i="0" u="none" strike="noStrike" kern="1200" cap="none" spc="0" normalizeH="0" baseline="0" noProof="0" smtClean="0">
+                <a:ln>
+                  <a:noFill/>
+                </a:ln>
+                <a:solidFill>
+                  <a:srgbClr val="FFFFFF"/>
+                </a:solidFill>
+                <a:effectLst/>
+                <a:uLnTx/>
+                <a:uFillTx/>
+                <a:latin typeface="Calibri" panose="020F0502020204030204"/>
+                <a:ea typeface="ＭＳ Ｐゴシック" panose="020B0600070205080204" pitchFamily="50" charset="-128"/>
+                <a:cs typeface="+mn-cs"/>
+              </a:rPr>
+              <a:pPr marL="0" marR="0" lvl="0" indent="0" algn="l" defTabSz="914400" rtl="0" eaLnBrk="1" fontAlgn="auto" latinLnBrk="0" hangingPunct="1">
+                <a:lnSpc>
+                  <a:spcPct val="100000"/>
+                </a:lnSpc>
+                <a:spcBef>
+                  <a:spcPts val="0"/>
+                </a:spcBef>
+                <a:spcAft>
+                  <a:spcPts val="0"/>
+                </a:spcAft>
+                <a:buClrTx/>
+                <a:buSzTx/>
+                <a:buFontTx/>
+                <a:buNone/>
+                <a:tabLst/>
+                <a:defRPr/>
+              </a:pPr>
+              <a:t>2019/12/13</a:t>
+            </a:fld>
+            <a:endParaRPr kumimoji="1" lang="ja-JP" altLang="en-US" sz="900" b="0" i="0" u="none" strike="noStrike" kern="1200" cap="none" spc="0" normalizeH="0" baseline="0" noProof="0">
+              <a:ln>
+                <a:noFill/>
+              </a:ln>
+              <a:solidFill>
+                <a:srgbClr val="FFFFFF"/>
+              </a:solidFill>
+              <a:effectLst/>
+              <a:uLnTx/>
+              <a:uFillTx/>
+              <a:latin typeface="Calibri" panose="020F0502020204030204"/>
+              <a:ea typeface="ＭＳ Ｐゴシック" panose="020B0600070205080204" pitchFamily="50" charset="-128"/>
+              <a:cs typeface="+mn-cs"/>
+            </a:endParaRPr>
+          </a:p>
+        </p:txBody>
+      </p:sp>
+      <p:sp>
+        <p:nvSpPr>
+          <p:cNvPr id="5" name="Footer Placeholder 4"/>
+          <p:cNvSpPr>
+            <a:spLocks noGrp="1"/>
+          </p:cNvSpPr>
+          <p:nvPr>
+            <p:ph type="ftr" sz="quarter" idx="11"/>
+          </p:nvPr>
+        </p:nvSpPr>
+        <p:spPr/>
+        <p:txBody>
+          <a:bodyPr/>
+          <a:lstStyle/>
+          <a:p>
+            <a:pPr marL="0" marR="0" lvl="0" indent="0" algn="ctr" defTabSz="914400" rtl="0" eaLnBrk="1" fontAlgn="auto" latinLnBrk="0" hangingPunct="1">
+              <a:lnSpc>
+                <a:spcPct val="100000"/>
+              </a:lnSpc>
+              <a:spcBef>
+                <a:spcPts val="0"/>
+              </a:spcBef>
+              <a:spcAft>
+                <a:spcPts val="0"/>
+              </a:spcAft>
+              <a:buClrTx/>
+              <a:buSzTx/>
+              <a:buFontTx/>
+              <a:buNone/>
+              <a:tabLst/>
+              <a:defRPr/>
+            </a:pPr>
+            <a:endParaRPr kumimoji="1" lang="ja-JP" altLang="en-US" sz="900" b="0" i="0" u="none" strike="noStrike" kern="1200" cap="all" spc="0" normalizeH="0" baseline="0" noProof="0">
+              <a:ln>
+                <a:noFill/>
+              </a:ln>
+              <a:solidFill>
+                <a:srgbClr val="FFFFFF"/>
+              </a:solidFill>
+              <a:effectLst/>
+              <a:uLnTx/>
+              <a:uFillTx/>
+              <a:latin typeface="Calibri" panose="020F0502020204030204"/>
+              <a:ea typeface="ＭＳ Ｐゴシック" panose="020B0600070205080204" pitchFamily="50" charset="-128"/>
+              <a:cs typeface="+mn-cs"/>
+            </a:endParaRPr>
+          </a:p>
+        </p:txBody>
+      </p:sp>
+      <p:sp>
+        <p:nvSpPr>
+          <p:cNvPr id="6" name="Slide Number Placeholder 5"/>
+          <p:cNvSpPr>
+            <a:spLocks noGrp="1"/>
+          </p:cNvSpPr>
+          <p:nvPr>
+            <p:ph type="sldNum" sz="quarter" idx="12"/>
+          </p:nvPr>
+        </p:nvSpPr>
+        <p:spPr/>
+        <p:txBody>
+          <a:bodyPr/>
+          <a:lstStyle/>
+          <a:p>
+            <a:pPr marL="0" marR="0" lvl="0" indent="0" algn="r" defTabSz="914400" rtl="0" eaLnBrk="1" fontAlgn="auto" latinLnBrk="0" hangingPunct="1">
+              <a:lnSpc>
+                <a:spcPct val="100000"/>
+              </a:lnSpc>
+              <a:spcBef>
+                <a:spcPts val="0"/>
+              </a:spcBef>
+              <a:spcAft>
+                <a:spcPts val="0"/>
+              </a:spcAft>
+              <a:buClrTx/>
+              <a:buSzTx/>
+              <a:buFontTx/>
+              <a:buNone/>
+              <a:tabLst/>
+              <a:defRPr/>
+            </a:pPr>
+            <a:fld id="{3C3988C9-8C6C-49D7-8D82-24DA391FB063}" type="slidenum">
+              <a:rPr kumimoji="1" lang="ja-JP" altLang="en-US" sz="2000" b="0" i="0" u="none" strike="noStrike" kern="1200" cap="none" spc="0" normalizeH="0" baseline="0" noProof="0" smtClean="0">
+                <a:ln>
+                  <a:noFill/>
+                </a:ln>
+                <a:solidFill>
+                  <a:srgbClr val="FFFFFF"/>
+                </a:solidFill>
+                <a:effectLst/>
+                <a:uLnTx/>
+                <a:uFillTx/>
+                <a:latin typeface="Calibri" panose="020F0502020204030204"/>
+                <a:ea typeface="ＭＳ Ｐゴシック" panose="020B0600070205080204" pitchFamily="50" charset="-128"/>
+                <a:cs typeface="+mn-cs"/>
+              </a:rPr>
+              <a:pPr marL="0" marR="0" lvl="0" indent="0" algn="r" defTabSz="914400" rtl="0" eaLnBrk="1" fontAlgn="auto" latinLnBrk="0" hangingPunct="1">
+                <a:lnSpc>
+                  <a:spcPct val="100000"/>
+                </a:lnSpc>
+                <a:spcBef>
+                  <a:spcPts val="0"/>
+                </a:spcBef>
+                <a:spcAft>
+                  <a:spcPts val="0"/>
+                </a:spcAft>
+                <a:buClrTx/>
+                <a:buSzTx/>
+                <a:buFontTx/>
+                <a:buNone/>
+                <a:tabLst/>
+                <a:defRPr/>
+              </a:pPr>
+              <a:t>‹#›</a:t>
+            </a:fld>
+            <a:endParaRPr kumimoji="1" lang="ja-JP" altLang="en-US" sz="2000" b="0" i="0" u="none" strike="noStrike" kern="1200" cap="none" spc="0" normalizeH="0" baseline="0" noProof="0">
+              <a:ln>
+                <a:noFill/>
+              </a:ln>
+              <a:solidFill>
+                <a:srgbClr val="FFFFFF"/>
+              </a:solidFill>
+              <a:effectLst/>
+              <a:uLnTx/>
+              <a:uFillTx/>
+              <a:latin typeface="Calibri" panose="020F0502020204030204"/>
+              <a:ea typeface="ＭＳ Ｐゴシック" panose="020B0600070205080204" pitchFamily="50" charset="-128"/>
+              <a:cs typeface="+mn-cs"/>
+            </a:endParaRPr>
+          </a:p>
+        </p:txBody>
+      </p:sp>
+    </p:spTree>
+    <p:extLst>
+      <p:ext uri="{BB962C8B-B14F-4D97-AF65-F5344CB8AC3E}">
+        <p14:creationId xmlns:p14="http://schemas.microsoft.com/office/powerpoint/2010/main" val="129618602"/>
+      </p:ext>
+    </p:extLst>
+  </p:cSld>
+  <p:clrMapOvr>
+    <a:masterClrMapping/>
+  </p:clrMapOvr>
+  <p:timing>
+    <p:tnLst>
+      <p:par>
+        <p:cTn id="1" dur="indefinite" restart="never" nodeType="tmRoot"/>
+      </p:par>
+    </p:tnLst>
+  </p:timing>
+</p:sldLayout>
+</file>
+
+<file path=ppt/slideLayouts/slideLayout3.xml><?xml version="1.0" encoding="utf-8"?>
+<p:sldLayout xmlns:a="http://schemas.openxmlformats.org/drawingml/2006/main" xmlns:r="http://schemas.openxmlformats.org/officeDocument/2006/relationships" xmlns:p="http://schemas.openxmlformats.org/presentationml/2006/main" showMasterSp="0" type="secHead" preserve="1">
+  <p:cSld name="セクション見出し">
+    <p:bg>
+      <p:bgPr>
+        <a:solidFill>
+          <a:schemeClr val="bg1"/>
+        </a:solidFill>
+        <a:effectLst/>
+      </p:bgPr>
+    </p:bg>
+    <p:spTree>
+      <p:nvGrpSpPr>
+        <p:cNvPr id="1" name=""/>
+        <p:cNvGrpSpPr/>
+        <p:nvPr/>
+      </p:nvGrpSpPr>
+      <p:grpSpPr>
+        <a:xfrm>
+          <a:off x="0" y="0"/>
+          <a:ext cx="0" cy="0"/>
+          <a:chOff x="0" y="0"/>
+          <a:chExt cx="0" cy="0"/>
+        </a:xfrm>
+      </p:grpSpPr>
+      <p:sp>
+        <p:nvSpPr>
+          <p:cNvPr id="7" name="Rectangle 6"/>
+          <p:cNvSpPr/>
+          <p:nvPr/>
+        </p:nvSpPr>
+        <p:spPr>
+          <a:xfrm>
+            <a:off x="3175" y="6400800"/>
+            <a:ext cx="12188825" cy="457200"/>
+          </a:xfrm>
+          <a:prstGeom prst="rect">
+            <a:avLst/>
+          </a:prstGeom>
+          <a:solidFill>
+            <a:schemeClr val="accent2"/>
+          </a:solidFill>
+          <a:ln>
+            <a:noFill/>
+          </a:ln>
+        </p:spPr>
+        <p:style>
+          <a:lnRef idx="2">
+            <a:schemeClr val="accent1">
+              <a:shade val="50000"/>
+            </a:schemeClr>
+          </a:lnRef>
+          <a:fillRef idx="1">
+            <a:schemeClr val="accent1"/>
+          </a:fillRef>
+          <a:effectRef idx="0">
+            <a:schemeClr val="accent1"/>
+          </a:effectRef>
+          <a:fontRef idx="minor">
+            <a:schemeClr val="lt1"/>
+          </a:fontRef>
+        </p:style>
+      </p:sp>
+      <p:sp>
+        <p:nvSpPr>
+          <p:cNvPr id="8" name="Rectangle 7"/>
+          <p:cNvSpPr/>
+          <p:nvPr/>
+        </p:nvSpPr>
+        <p:spPr>
+          <a:xfrm>
+            <a:off x="15" y="6334316"/>
+            <a:ext cx="12188825" cy="64008"/>
+          </a:xfrm>
+          <a:prstGeom prst="rect">
+            <a:avLst/>
+          </a:prstGeom>
+          <a:solidFill>
+            <a:schemeClr val="accent1"/>
+          </a:solidFill>
+          <a:ln>
+            <a:noFill/>
+          </a:ln>
+        </p:spPr>
+        <p:style>
+          <a:lnRef idx="2">
+            <a:schemeClr val="accent1">
+              <a:shade val="50000"/>
+            </a:schemeClr>
+          </a:lnRef>
+          <a:fillRef idx="1">
+            <a:schemeClr val="accent1"/>
+          </a:fillRef>
+          <a:effectRef idx="0">
+            <a:schemeClr val="accent1"/>
+          </a:effectRef>
+          <a:fontRef idx="minor">
+            <a:schemeClr val="lt1"/>
+          </a:fontRef>
+        </p:style>
+      </p:sp>
+      <p:sp>
+        <p:nvSpPr>
+          <p:cNvPr id="2" name="Title 1"/>
+          <p:cNvSpPr>
+            <a:spLocks noGrp="1"/>
+          </p:cNvSpPr>
+          <p:nvPr>
+            <p:ph type="title"/>
+          </p:nvPr>
+        </p:nvSpPr>
+        <p:spPr>
+          <a:xfrm>
+            <a:off x="1097280" y="758952"/>
+            <a:ext cx="10058400" cy="3566160"/>
+          </a:xfrm>
+        </p:spPr>
+        <p:txBody>
+          <a:bodyPr anchor="b" anchorCtr="0">
+            <a:normAutofit/>
+          </a:bodyPr>
+          <a:lstStyle>
+            <a:lvl1pPr>
+              <a:lnSpc>
+                <a:spcPct val="85000"/>
+              </a:lnSpc>
+              <a:defRPr sz="8000" b="0">
+                <a:solidFill>
+                  <a:schemeClr val="tx1">
+                    <a:lumMod val="85000"/>
+                    <a:lumOff val="15000"/>
+                  </a:schemeClr>
+                </a:solidFill>
+              </a:defRPr>
+            </a:lvl1pPr>
+          </a:lstStyle>
+          <a:p>
+            <a:r>
+              <a:rPr lang="ja-JP" altLang="en-US" smtClean="0"/>
+              <a:t>マスター タイトルの書式設定</a:t>
+            </a:r>
+            <a:endParaRPr lang="en-US" dirty="0"/>
+          </a:p>
+        </p:txBody>
+      </p:sp>
+      <p:sp>
+        <p:nvSpPr>
+          <p:cNvPr id="3" name="Text Placeholder 2"/>
+          <p:cNvSpPr>
+            <a:spLocks noGrp="1"/>
+          </p:cNvSpPr>
+          <p:nvPr>
+            <p:ph type="body" idx="1"/>
+          </p:nvPr>
+        </p:nvSpPr>
+        <p:spPr>
+          <a:xfrm>
+            <a:off x="1097280" y="4453128"/>
+            <a:ext cx="10058400" cy="1143000"/>
+          </a:xfrm>
+        </p:spPr>
+        <p:txBody>
+          <a:bodyPr lIns="91440" rIns="91440" anchor="t" anchorCtr="0">
+            <a:normAutofit/>
+          </a:bodyPr>
+          <a:lstStyle>
+            <a:lvl1pPr marL="0" indent="0">
+              <a:buNone/>
+              <a:defRPr sz="2400" cap="all" spc="200" baseline="0">
+                <a:solidFill>
+                  <a:schemeClr val="tx2"/>
+                </a:solidFill>
+                <a:latin typeface="+mj-lt"/>
+              </a:defRPr>
+            </a:lvl1pPr>
+            <a:lvl2pPr marL="457200" indent="0">
+              <a:buNone/>
+              <a:defRPr sz="1800">
+                <a:solidFill>
+                  <a:schemeClr val="tx1">
+                    <a:tint val="75000"/>
+                  </a:schemeClr>
+                </a:solidFill>
+              </a:defRPr>
+            </a:lvl2pPr>
+            <a:lvl3pPr marL="914400" indent="0">
+              <a:buNone/>
+              <a:defRPr sz="1600">
+                <a:solidFill>
+                  <a:schemeClr val="tx1">
+                    <a:tint val="75000"/>
+                  </a:schemeClr>
+                </a:solidFill>
+              </a:defRPr>
+            </a:lvl3pPr>
+            <a:lvl4pPr marL="1371600" indent="0">
+              <a:buNone/>
+              <a:defRPr sz="1400">
+                <a:solidFill>
+                  <a:schemeClr val="tx1">
+                    <a:tint val="75000"/>
+                  </a:schemeClr>
+                </a:solidFill>
+              </a:defRPr>
+            </a:lvl4pPr>
+            <a:lvl5pPr marL="1828800" indent="0">
+              <a:buNone/>
+              <a:defRPr sz="1400">
+                <a:solidFill>
+                  <a:schemeClr val="tx1">
+                    <a:tint val="75000"/>
+                  </a:schemeClr>
+                </a:solidFill>
+              </a:defRPr>
+            </a:lvl5pPr>
+            <a:lvl6pPr marL="2286000" indent="0">
+              <a:buNone/>
+              <a:defRPr sz="1400">
+                <a:solidFill>
+                  <a:schemeClr val="tx1">
+                    <a:tint val="75000"/>
+                  </a:schemeClr>
+                </a:solidFill>
+              </a:defRPr>
+            </a:lvl6pPr>
+            <a:lvl7pPr marL="2743200" indent="0">
+              <a:buNone/>
+              <a:defRPr sz="1400">
+                <a:solidFill>
+                  <a:schemeClr val="tx1">
+                    <a:tint val="75000"/>
+                  </a:schemeClr>
+                </a:solidFill>
+              </a:defRPr>
+            </a:lvl7pPr>
+            <a:lvl8pPr marL="3200400" indent="0">
+              <a:buNone/>
+              <a:defRPr sz="1400">
+                <a:solidFill>
+                  <a:schemeClr val="tx1">
+                    <a:tint val="75000"/>
+                  </a:schemeClr>
+                </a:solidFill>
+              </a:defRPr>
+            </a:lvl8pPr>
+            <a:lvl9pPr marL="3657600" indent="0">
+              <a:buNone/>
+              <a:defRPr sz="1400">
+                <a:solidFill>
+                  <a:schemeClr val="tx1">
+                    <a:tint val="75000"/>
+                  </a:schemeClr>
+                </a:solidFill>
+              </a:defRPr>
+            </a:lvl9pPr>
+          </a:lstStyle>
+          <a:p>
+            <a:pPr lvl="0"/>
+            <a:r>
+              <a:rPr lang="ja-JP" altLang="en-US" smtClean="0"/>
+              <a:t>マスター テキストの書式設定</a:t>
+            </a:r>
+          </a:p>
+        </p:txBody>
+      </p:sp>
+      <p:sp>
+        <p:nvSpPr>
+          <p:cNvPr id="4" name="Date Placeholder 3"/>
+          <p:cNvSpPr>
+            <a:spLocks noGrp="1"/>
+          </p:cNvSpPr>
+          <p:nvPr>
+            <p:ph type="dt" sz="half" idx="10"/>
+          </p:nvPr>
+        </p:nvSpPr>
+        <p:spPr/>
+        <p:txBody>
+          <a:bodyPr/>
+          <a:lstStyle/>
+          <a:p>
             <a:fld id="{6DC04BBE-2F4C-41C7-82DA-A250BA78D004}" type="datetime1">
               <a:rPr kumimoji="1" lang="ja-JP" altLang="en-US" smtClean="0"/>
-              <a:t>2019/12/12</a:t>
+              <a:t>2019/12/13</a:t>
             </a:fld>
             <a:endParaRPr kumimoji="1" lang="ja-JP" altLang="en-US"/>
           </a:p>
@@ -2920,7 +8705,7 @@
           <a:p>
             <a:fld id="{3624D211-8779-4C68-9097-38DC4F40D109}" type="datetime1">
               <a:rPr lang="ja-JP" altLang="en-US" smtClean="0"/>
-              <a:t>2019/12/12</a:t>
+              <a:t>2019/12/13</a:t>
             </a:fld>
             <a:endParaRPr lang="ja-JP" altLang="en-US"/>
           </a:p>
@@ -3411,7 +9196,7 @@
           <a:p>
             <a:fld id="{A2D1DA24-10F6-4EFB-871C-9A026060DEE1}" type="datetime1">
               <a:rPr kumimoji="1" lang="ja-JP" altLang="en-US" smtClean="0"/>
-              <a:t>2019/12/12</a:t>
+              <a:t>2019/12/13</a:t>
             </a:fld>
             <a:endParaRPr kumimoji="1" lang="ja-JP" altLang="en-US"/>
           </a:p>
@@ -3536,7 +9321,7 @@
           <a:p>
             <a:fld id="{52524D80-1D11-43F3-A5C4-717FAF173E05}" type="datetime1">
               <a:rPr kumimoji="1" lang="ja-JP" altLang="en-US" smtClean="0"/>
-              <a:t>2019/12/12</a:t>
+              <a:t>2019/12/13</a:t>
             </a:fld>
             <a:endParaRPr kumimoji="1" lang="ja-JP" altLang="en-US"/>
           </a:p>
@@ -3714,7 +9499,7 @@
           <a:p>
             <a:fld id="{DC9F12F1-D979-49E9-BC70-12049E6962F2}" type="datetime1">
               <a:rPr kumimoji="1" lang="ja-JP" altLang="en-US" smtClean="0"/>
-              <a:t>2019/12/12</a:t>
+              <a:t>2019/12/13</a:t>
             </a:fld>
             <a:endParaRPr kumimoji="1" lang="ja-JP" altLang="en-US"/>
           </a:p>
@@ -4107,7 +9892,7 @@
           <a:p>
             <a:fld id="{1FE55555-605E-47C9-B14E-4BE03F1CCFA1}" type="datetime1">
               <a:rPr kumimoji="1" lang="ja-JP" altLang="en-US" smtClean="0"/>
-              <a:t>2019/12/12</a:t>
+              <a:t>2019/12/13</a:t>
             </a:fld>
             <a:endParaRPr kumimoji="1" lang="ja-JP" altLang="en-US"/>
           </a:p>
@@ -4484,7 +10269,7 @@
           <a:p>
             <a:fld id="{8D0D64FD-DAC1-423E-B984-2BBD201A0D9A}" type="datetime1">
               <a:rPr kumimoji="1" lang="ja-JP" altLang="en-US" smtClean="0"/>
-              <a:t>2019/12/12</a:t>
+              <a:t>2019/12/13</a:t>
             </a:fld>
             <a:endParaRPr kumimoji="1" lang="ja-JP" altLang="en-US"/>
           </a:p>
@@ -4803,7 +10588,7 @@
           <a:p>
             <a:fld id="{E88F6EB9-CD45-4D67-82BE-E6C521250E55}" type="datetime1">
               <a:rPr kumimoji="1" lang="ja-JP" altLang="en-US" smtClean="0"/>
-              <a:t>2019/12/12</a:t>
+              <a:t>2019/12/13</a:t>
             </a:fld>
             <a:endParaRPr kumimoji="1" lang="ja-JP" altLang="en-US"/>
           </a:p>
@@ -5311,6 +11096,929 @@
 </p:sldMaster>
 </file>
 
+<file path=ppt/slideMasters/slideMaster2.xml><?xml version="1.0" encoding="utf-8"?>
+<p:sldMaster xmlns:a="http://schemas.openxmlformats.org/drawingml/2006/main" xmlns:r="http://schemas.openxmlformats.org/officeDocument/2006/relationships" xmlns:p="http://schemas.openxmlformats.org/presentationml/2006/main">
+  <p:cSld>
+    <p:bg>
+      <p:bgRef idx="1001">
+        <a:schemeClr val="bg1"/>
+      </p:bgRef>
+    </p:bg>
+    <p:spTree>
+      <p:nvGrpSpPr>
+        <p:cNvPr id="1" name=""/>
+        <p:cNvGrpSpPr/>
+        <p:nvPr/>
+      </p:nvGrpSpPr>
+      <p:grpSpPr>
+        <a:xfrm>
+          <a:off x="0" y="0"/>
+          <a:ext cx="0" cy="0"/>
+          <a:chOff x="0" y="0"/>
+          <a:chExt cx="0" cy="0"/>
+        </a:xfrm>
+      </p:grpSpPr>
+      <p:sp>
+        <p:nvSpPr>
+          <p:cNvPr id="7" name="Rectangle 6"/>
+          <p:cNvSpPr/>
+          <p:nvPr/>
+        </p:nvSpPr>
+        <p:spPr>
+          <a:xfrm>
+            <a:off x="3175" y="6400800"/>
+            <a:ext cx="12188825" cy="457200"/>
+          </a:xfrm>
+          <a:prstGeom prst="rect">
+            <a:avLst/>
+          </a:prstGeom>
+          <a:solidFill>
+            <a:schemeClr val="accent2"/>
+          </a:solidFill>
+          <a:ln>
+            <a:noFill/>
+          </a:ln>
+        </p:spPr>
+        <p:style>
+          <a:lnRef idx="2">
+            <a:schemeClr val="accent1">
+              <a:shade val="50000"/>
+            </a:schemeClr>
+          </a:lnRef>
+          <a:fillRef idx="1">
+            <a:schemeClr val="accent1"/>
+          </a:fillRef>
+          <a:effectRef idx="0">
+            <a:schemeClr val="accent1"/>
+          </a:effectRef>
+          <a:fontRef idx="minor">
+            <a:schemeClr val="lt1"/>
+          </a:fontRef>
+        </p:style>
+      </p:sp>
+      <p:sp>
+        <p:nvSpPr>
+          <p:cNvPr id="9" name="Rectangle 8"/>
+          <p:cNvSpPr/>
+          <p:nvPr/>
+        </p:nvSpPr>
+        <p:spPr>
+          <a:xfrm>
+            <a:off x="15" y="6334316"/>
+            <a:ext cx="12188825" cy="64008"/>
+          </a:xfrm>
+          <a:prstGeom prst="rect">
+            <a:avLst/>
+          </a:prstGeom>
+          <a:solidFill>
+            <a:schemeClr val="accent1"/>
+          </a:solidFill>
+          <a:ln>
+            <a:noFill/>
+          </a:ln>
+        </p:spPr>
+        <p:style>
+          <a:lnRef idx="2">
+            <a:schemeClr val="accent1">
+              <a:shade val="50000"/>
+            </a:schemeClr>
+          </a:lnRef>
+          <a:fillRef idx="1">
+            <a:schemeClr val="accent1"/>
+          </a:fillRef>
+          <a:effectRef idx="0">
+            <a:schemeClr val="accent1"/>
+          </a:effectRef>
+          <a:fontRef idx="minor">
+            <a:schemeClr val="lt1"/>
+          </a:fontRef>
+        </p:style>
+      </p:sp>
+      <p:sp>
+        <p:nvSpPr>
+          <p:cNvPr id="2" name="Title Placeholder 1"/>
+          <p:cNvSpPr>
+            <a:spLocks noGrp="1"/>
+          </p:cNvSpPr>
+          <p:nvPr>
+            <p:ph type="title"/>
+          </p:nvPr>
+        </p:nvSpPr>
+        <p:spPr>
+          <a:xfrm>
+            <a:off x="1097280" y="286603"/>
+            <a:ext cx="10058400" cy="1450757"/>
+          </a:xfrm>
+          <a:prstGeom prst="rect">
+            <a:avLst/>
+          </a:prstGeom>
+        </p:spPr>
+        <p:txBody>
+          <a:bodyPr vert="horz" lIns="91440" tIns="45720" rIns="91440" bIns="45720" rtlCol="0" anchor="b">
+            <a:normAutofit/>
+          </a:bodyPr>
+          <a:lstStyle/>
+          <a:p>
+            <a:r>
+              <a:rPr lang="ja-JP" altLang="en-US" smtClean="0"/>
+              <a:t>マスター タイトルの書式設定</a:t>
+            </a:r>
+            <a:endParaRPr lang="en-US" dirty="0"/>
+          </a:p>
+        </p:txBody>
+      </p:sp>
+      <p:sp>
+        <p:nvSpPr>
+          <p:cNvPr id="3" name="Text Placeholder 2"/>
+          <p:cNvSpPr>
+            <a:spLocks noGrp="1"/>
+          </p:cNvSpPr>
+          <p:nvPr>
+            <p:ph type="body" idx="1"/>
+          </p:nvPr>
+        </p:nvSpPr>
+        <p:spPr>
+          <a:xfrm>
+            <a:off x="1097280" y="1845734"/>
+            <a:ext cx="10058400" cy="4023360"/>
+          </a:xfrm>
+          <a:prstGeom prst="rect">
+            <a:avLst/>
+          </a:prstGeom>
+        </p:spPr>
+        <p:txBody>
+          <a:bodyPr vert="horz" lIns="0" tIns="45720" rIns="0" bIns="45720" rtlCol="0">
+            <a:normAutofit/>
+          </a:bodyPr>
+          <a:lstStyle/>
+          <a:p>
+            <a:pPr lvl="0"/>
+            <a:r>
+              <a:rPr lang="ja-JP" altLang="en-US" smtClean="0"/>
+              <a:t>マスター テキストの書式設定</a:t>
+            </a:r>
+          </a:p>
+          <a:p>
+            <a:pPr lvl="1"/>
+            <a:r>
+              <a:rPr lang="ja-JP" altLang="en-US" smtClean="0"/>
+              <a:t>第 </a:t>
+            </a:r>
+            <a:r>
+              <a:rPr lang="en-US" altLang="ja-JP" smtClean="0"/>
+              <a:t>2 </a:t>
+            </a:r>
+            <a:r>
+              <a:rPr lang="ja-JP" altLang="en-US" smtClean="0"/>
+              <a:t>レベル</a:t>
+            </a:r>
+          </a:p>
+          <a:p>
+            <a:pPr lvl="2"/>
+            <a:r>
+              <a:rPr lang="ja-JP" altLang="en-US" smtClean="0"/>
+              <a:t>第 </a:t>
+            </a:r>
+            <a:r>
+              <a:rPr lang="en-US" altLang="ja-JP" smtClean="0"/>
+              <a:t>3 </a:t>
+            </a:r>
+            <a:r>
+              <a:rPr lang="ja-JP" altLang="en-US" smtClean="0"/>
+              <a:t>レベル</a:t>
+            </a:r>
+          </a:p>
+          <a:p>
+            <a:pPr lvl="3"/>
+            <a:r>
+              <a:rPr lang="ja-JP" altLang="en-US" smtClean="0"/>
+              <a:t>第 </a:t>
+            </a:r>
+            <a:r>
+              <a:rPr lang="en-US" altLang="ja-JP" smtClean="0"/>
+              <a:t>4 </a:t>
+            </a:r>
+            <a:r>
+              <a:rPr lang="ja-JP" altLang="en-US" smtClean="0"/>
+              <a:t>レベル</a:t>
+            </a:r>
+          </a:p>
+          <a:p>
+            <a:pPr lvl="4"/>
+            <a:r>
+              <a:rPr lang="ja-JP" altLang="en-US" smtClean="0"/>
+              <a:t>第 </a:t>
+            </a:r>
+            <a:r>
+              <a:rPr lang="en-US" altLang="ja-JP" smtClean="0"/>
+              <a:t>5 </a:t>
+            </a:r>
+            <a:r>
+              <a:rPr lang="ja-JP" altLang="en-US" smtClean="0"/>
+              <a:t>レベル</a:t>
+            </a:r>
+            <a:endParaRPr lang="en-US" dirty="0"/>
+          </a:p>
+        </p:txBody>
+      </p:sp>
+      <p:sp>
+        <p:nvSpPr>
+          <p:cNvPr id="4" name="Date Placeholder 3"/>
+          <p:cNvSpPr>
+            <a:spLocks noGrp="1"/>
+          </p:cNvSpPr>
+          <p:nvPr>
+            <p:ph type="dt" sz="half" idx="2"/>
+          </p:nvPr>
+        </p:nvSpPr>
+        <p:spPr>
+          <a:xfrm>
+            <a:off x="1097280" y="6459785"/>
+            <a:ext cx="2472271" cy="365125"/>
+          </a:xfrm>
+          <a:prstGeom prst="rect">
+            <a:avLst/>
+          </a:prstGeom>
+        </p:spPr>
+        <p:txBody>
+          <a:bodyPr vert="horz" lIns="91440" tIns="45720" rIns="91440" bIns="45720" rtlCol="0" anchor="ctr"/>
+          <a:lstStyle>
+            <a:lvl1pPr algn="l">
+              <a:defRPr sz="900">
+                <a:solidFill>
+                  <a:srgbClr val="FFFFFF"/>
+                </a:solidFill>
+              </a:defRPr>
+            </a:lvl1pPr>
+          </a:lstStyle>
+          <a:p>
+            <a:pPr marL="0" marR="0" lvl="0" indent="0" algn="l" defTabSz="914400" rtl="0" eaLnBrk="1" fontAlgn="auto" latinLnBrk="0" hangingPunct="1">
+              <a:lnSpc>
+                <a:spcPct val="100000"/>
+              </a:lnSpc>
+              <a:spcBef>
+                <a:spcPts val="0"/>
+              </a:spcBef>
+              <a:spcAft>
+                <a:spcPts val="0"/>
+              </a:spcAft>
+              <a:buClrTx/>
+              <a:buSzTx/>
+              <a:buFontTx/>
+              <a:buNone/>
+              <a:tabLst/>
+              <a:defRPr/>
+            </a:pPr>
+            <a:fld id="{5033D987-17AA-4DBB-A451-16E4C533DF6A}" type="datetime1">
+              <a:rPr kumimoji="1" lang="ja-JP" altLang="en-US" sz="900" b="0" i="0" u="none" strike="noStrike" kern="1200" cap="none" spc="0" normalizeH="0" baseline="0" noProof="0" smtClean="0">
+                <a:ln>
+                  <a:noFill/>
+                </a:ln>
+                <a:solidFill>
+                  <a:srgbClr val="FFFFFF"/>
+                </a:solidFill>
+                <a:effectLst/>
+                <a:uLnTx/>
+                <a:uFillTx/>
+                <a:latin typeface="Calibri" panose="020F0502020204030204"/>
+                <a:ea typeface="ＭＳ Ｐゴシック" panose="020B0600070205080204" pitchFamily="50" charset="-128"/>
+                <a:cs typeface="+mn-cs"/>
+              </a:rPr>
+              <a:pPr marL="0" marR="0" lvl="0" indent="0" algn="l" defTabSz="914400" rtl="0" eaLnBrk="1" fontAlgn="auto" latinLnBrk="0" hangingPunct="1">
+                <a:lnSpc>
+                  <a:spcPct val="100000"/>
+                </a:lnSpc>
+                <a:spcBef>
+                  <a:spcPts val="0"/>
+                </a:spcBef>
+                <a:spcAft>
+                  <a:spcPts val="0"/>
+                </a:spcAft>
+                <a:buClrTx/>
+                <a:buSzTx/>
+                <a:buFontTx/>
+                <a:buNone/>
+                <a:tabLst/>
+                <a:defRPr/>
+              </a:pPr>
+              <a:t>2019/12/13</a:t>
+            </a:fld>
+            <a:endParaRPr kumimoji="1" lang="ja-JP" altLang="en-US" sz="900" b="0" i="0" u="none" strike="noStrike" kern="1200" cap="none" spc="0" normalizeH="0" baseline="0" noProof="0">
+              <a:ln>
+                <a:noFill/>
+              </a:ln>
+              <a:solidFill>
+                <a:srgbClr val="FFFFFF"/>
+              </a:solidFill>
+              <a:effectLst/>
+              <a:uLnTx/>
+              <a:uFillTx/>
+              <a:latin typeface="Calibri" panose="020F0502020204030204"/>
+              <a:ea typeface="ＭＳ Ｐゴシック" panose="020B0600070205080204" pitchFamily="50" charset="-128"/>
+              <a:cs typeface="+mn-cs"/>
+            </a:endParaRPr>
+          </a:p>
+        </p:txBody>
+      </p:sp>
+      <p:sp>
+        <p:nvSpPr>
+          <p:cNvPr id="5" name="Footer Placeholder 4"/>
+          <p:cNvSpPr>
+            <a:spLocks noGrp="1"/>
+          </p:cNvSpPr>
+          <p:nvPr>
+            <p:ph type="ftr" sz="quarter" idx="3"/>
+          </p:nvPr>
+        </p:nvSpPr>
+        <p:spPr>
+          <a:xfrm>
+            <a:off x="3686185" y="6459785"/>
+            <a:ext cx="4822804" cy="365125"/>
+          </a:xfrm>
+          <a:prstGeom prst="rect">
+            <a:avLst/>
+          </a:prstGeom>
+        </p:spPr>
+        <p:txBody>
+          <a:bodyPr vert="horz" lIns="91440" tIns="45720" rIns="91440" bIns="45720" rtlCol="0" anchor="ctr"/>
+          <a:lstStyle>
+            <a:lvl1pPr algn="ctr">
+              <a:defRPr sz="900" cap="all" baseline="0">
+                <a:solidFill>
+                  <a:srgbClr val="FFFFFF"/>
+                </a:solidFill>
+              </a:defRPr>
+            </a:lvl1pPr>
+          </a:lstStyle>
+          <a:p>
+            <a:pPr marL="0" marR="0" lvl="0" indent="0" algn="ctr" defTabSz="914400" rtl="0" eaLnBrk="1" fontAlgn="auto" latinLnBrk="0" hangingPunct="1">
+              <a:lnSpc>
+                <a:spcPct val="100000"/>
+              </a:lnSpc>
+              <a:spcBef>
+                <a:spcPts val="0"/>
+              </a:spcBef>
+              <a:spcAft>
+                <a:spcPts val="0"/>
+              </a:spcAft>
+              <a:buClrTx/>
+              <a:buSzTx/>
+              <a:buFontTx/>
+              <a:buNone/>
+              <a:tabLst/>
+              <a:defRPr/>
+            </a:pPr>
+            <a:endParaRPr kumimoji="1" lang="ja-JP" altLang="en-US" sz="900" b="0" i="0" u="none" strike="noStrike" kern="1200" cap="all" spc="0" normalizeH="0" baseline="0" noProof="0">
+              <a:ln>
+                <a:noFill/>
+              </a:ln>
+              <a:solidFill>
+                <a:srgbClr val="FFFFFF"/>
+              </a:solidFill>
+              <a:effectLst/>
+              <a:uLnTx/>
+              <a:uFillTx/>
+              <a:latin typeface="Calibri" panose="020F0502020204030204"/>
+              <a:ea typeface="ＭＳ Ｐゴシック" panose="020B0600070205080204" pitchFamily="50" charset="-128"/>
+              <a:cs typeface="+mn-cs"/>
+            </a:endParaRPr>
+          </a:p>
+        </p:txBody>
+      </p:sp>
+      <p:sp>
+        <p:nvSpPr>
+          <p:cNvPr id="6" name="Slide Number Placeholder 5"/>
+          <p:cNvSpPr>
+            <a:spLocks noGrp="1"/>
+          </p:cNvSpPr>
+          <p:nvPr>
+            <p:ph type="sldNum" sz="quarter" idx="4"/>
+          </p:nvPr>
+        </p:nvSpPr>
+        <p:spPr>
+          <a:xfrm>
+            <a:off x="9900458" y="6459785"/>
+            <a:ext cx="1312025" cy="365125"/>
+          </a:xfrm>
+          <a:prstGeom prst="rect">
+            <a:avLst/>
+          </a:prstGeom>
+        </p:spPr>
+        <p:txBody>
+          <a:bodyPr vert="horz" lIns="91440" tIns="45720" rIns="91440" bIns="45720" rtlCol="0" anchor="ctr"/>
+          <a:lstStyle>
+            <a:lvl1pPr algn="r">
+              <a:defRPr sz="2000">
+                <a:solidFill>
+                  <a:srgbClr val="FFFFFF"/>
+                </a:solidFill>
+              </a:defRPr>
+            </a:lvl1pPr>
+          </a:lstStyle>
+          <a:p>
+            <a:pPr marL="0" marR="0" lvl="0" indent="0" algn="r" defTabSz="914400" rtl="0" eaLnBrk="1" fontAlgn="auto" latinLnBrk="0" hangingPunct="1">
+              <a:lnSpc>
+                <a:spcPct val="100000"/>
+              </a:lnSpc>
+              <a:spcBef>
+                <a:spcPts val="0"/>
+              </a:spcBef>
+              <a:spcAft>
+                <a:spcPts val="0"/>
+              </a:spcAft>
+              <a:buClrTx/>
+              <a:buSzTx/>
+              <a:buFontTx/>
+              <a:buNone/>
+              <a:tabLst/>
+              <a:defRPr/>
+            </a:pPr>
+            <a:fld id="{3C3988C9-8C6C-49D7-8D82-24DA391FB063}" type="slidenum">
+              <a:rPr kumimoji="1" lang="ja-JP" altLang="en-US" sz="2000" b="0" i="0" u="none" strike="noStrike" kern="1200" cap="none" spc="0" normalizeH="0" baseline="0" noProof="0" smtClean="0">
+                <a:ln>
+                  <a:noFill/>
+                </a:ln>
+                <a:solidFill>
+                  <a:srgbClr val="FFFFFF"/>
+                </a:solidFill>
+                <a:effectLst/>
+                <a:uLnTx/>
+                <a:uFillTx/>
+                <a:latin typeface="Calibri" panose="020F0502020204030204"/>
+                <a:ea typeface="ＭＳ Ｐゴシック" panose="020B0600070205080204" pitchFamily="50" charset="-128"/>
+                <a:cs typeface="+mn-cs"/>
+              </a:rPr>
+              <a:pPr marL="0" marR="0" lvl="0" indent="0" algn="r" defTabSz="914400" rtl="0" eaLnBrk="1" fontAlgn="auto" latinLnBrk="0" hangingPunct="1">
+                <a:lnSpc>
+                  <a:spcPct val="100000"/>
+                </a:lnSpc>
+                <a:spcBef>
+                  <a:spcPts val="0"/>
+                </a:spcBef>
+                <a:spcAft>
+                  <a:spcPts val="0"/>
+                </a:spcAft>
+                <a:buClrTx/>
+                <a:buSzTx/>
+                <a:buFontTx/>
+                <a:buNone/>
+                <a:tabLst/>
+                <a:defRPr/>
+              </a:pPr>
+              <a:t>‹#›</a:t>
+            </a:fld>
+            <a:endParaRPr kumimoji="1" lang="ja-JP" altLang="en-US" sz="2000" b="0" i="0" u="none" strike="noStrike" kern="1200" cap="none" spc="0" normalizeH="0" baseline="0" noProof="0">
+              <a:ln>
+                <a:noFill/>
+              </a:ln>
+              <a:solidFill>
+                <a:srgbClr val="FFFFFF"/>
+              </a:solidFill>
+              <a:effectLst/>
+              <a:uLnTx/>
+              <a:uFillTx/>
+              <a:latin typeface="Calibri" panose="020F0502020204030204"/>
+              <a:ea typeface="ＭＳ Ｐゴシック" panose="020B0600070205080204" pitchFamily="50" charset="-128"/>
+              <a:cs typeface="+mn-cs"/>
+            </a:endParaRPr>
+          </a:p>
+        </p:txBody>
+      </p:sp>
+      <p:cxnSp>
+        <p:nvCxnSpPr>
+          <p:cNvPr id="10" name="Straight Connector 9"/>
+          <p:cNvCxnSpPr/>
+          <p:nvPr/>
+        </p:nvCxnSpPr>
+        <p:spPr>
+          <a:xfrm>
+            <a:off x="1193532" y="1737845"/>
+            <a:ext cx="9966960" cy="0"/>
+          </a:xfrm>
+          <a:prstGeom prst="line">
+            <a:avLst/>
+          </a:prstGeom>
+          <a:ln w="6350">
+            <a:solidFill>
+              <a:schemeClr val="tx1">
+                <a:lumMod val="50000"/>
+                <a:lumOff val="50000"/>
+              </a:schemeClr>
+            </a:solidFill>
+          </a:ln>
+        </p:spPr>
+        <p:style>
+          <a:lnRef idx="1">
+            <a:schemeClr val="accent1"/>
+          </a:lnRef>
+          <a:fillRef idx="0">
+            <a:schemeClr val="accent1"/>
+          </a:fillRef>
+          <a:effectRef idx="0">
+            <a:schemeClr val="accent1"/>
+          </a:effectRef>
+          <a:fontRef idx="minor">
+            <a:schemeClr val="tx1"/>
+          </a:fontRef>
+        </p:style>
+      </p:cxnSp>
+    </p:spTree>
+    <p:extLst>
+      <p:ext uri="{BB962C8B-B14F-4D97-AF65-F5344CB8AC3E}">
+        <p14:creationId xmlns:p14="http://schemas.microsoft.com/office/powerpoint/2010/main" val="2041153772"/>
+      </p:ext>
+    </p:extLst>
+  </p:cSld>
+  <p:clrMap bg1="lt1" tx1="dk1" bg2="lt2" tx2="dk2" accent1="accent1" accent2="accent2" accent3="accent3" accent4="accent4" accent5="accent5" accent6="accent6" hlink="hlink" folHlink="folHlink"/>
+  <p:sldLayoutIdLst>
+    <p:sldLayoutId id="2147483793" r:id="rId1"/>
+    <p:sldLayoutId id="2147483794" r:id="rId2"/>
+    <p:sldLayoutId id="2147483795" r:id="rId3"/>
+    <p:sldLayoutId id="2147483796" r:id="rId4"/>
+    <p:sldLayoutId id="2147483797" r:id="rId5"/>
+    <p:sldLayoutId id="2147483798" r:id="rId6"/>
+    <p:sldLayoutId id="2147483799" r:id="rId7"/>
+    <p:sldLayoutId id="2147483800" r:id="rId8"/>
+    <p:sldLayoutId id="2147483801" r:id="rId9"/>
+    <p:sldLayoutId id="2147483802" r:id="rId10"/>
+    <p:sldLayoutId id="2147483803" r:id="rId11"/>
+  </p:sldLayoutIdLst>
+  <p:timing>
+    <p:tnLst>
+      <p:par>
+        <p:cTn id="1" dur="indefinite" restart="never" nodeType="tmRoot"/>
+      </p:par>
+    </p:tnLst>
+  </p:timing>
+  <p:hf hdr="0" ftr="0" dt="0"/>
+  <p:txStyles>
+    <p:titleStyle>
+      <a:lvl1pPr algn="l" defTabSz="914400" rtl="0" eaLnBrk="1" latinLnBrk="0" hangingPunct="1">
+        <a:lnSpc>
+          <a:spcPct val="85000"/>
+        </a:lnSpc>
+        <a:spcBef>
+          <a:spcPct val="0"/>
+        </a:spcBef>
+        <a:buNone/>
+        <a:defRPr kumimoji="1" sz="4800" kern="1200" spc="-50" baseline="0">
+          <a:solidFill>
+            <a:schemeClr val="tx1">
+              <a:lumMod val="75000"/>
+              <a:lumOff val="25000"/>
+            </a:schemeClr>
+          </a:solidFill>
+          <a:latin typeface="+mj-lt"/>
+          <a:ea typeface="+mj-ea"/>
+          <a:cs typeface="+mj-cs"/>
+        </a:defRPr>
+      </a:lvl1pPr>
+    </p:titleStyle>
+    <p:bodyStyle>
+      <a:lvl1pPr marL="91440" indent="-91440" algn="l" defTabSz="914400" rtl="0" eaLnBrk="1" latinLnBrk="0" hangingPunct="1">
+        <a:lnSpc>
+          <a:spcPct val="90000"/>
+        </a:lnSpc>
+        <a:spcBef>
+          <a:spcPts val="1200"/>
+        </a:spcBef>
+        <a:spcAft>
+          <a:spcPts val="200"/>
+        </a:spcAft>
+        <a:buClr>
+          <a:schemeClr val="accent1"/>
+        </a:buClr>
+        <a:buSzPct val="100000"/>
+        <a:buFont typeface="Calibri" panose="020F0502020204030204" pitchFamily="34" charset="0"/>
+        <a:buChar char=" "/>
+        <a:defRPr kumimoji="1" sz="2000" kern="1200">
+          <a:solidFill>
+            <a:schemeClr val="tx1">
+              <a:lumMod val="75000"/>
+              <a:lumOff val="25000"/>
+            </a:schemeClr>
+          </a:solidFill>
+          <a:latin typeface="+mn-lt"/>
+          <a:ea typeface="+mn-ea"/>
+          <a:cs typeface="+mn-cs"/>
+        </a:defRPr>
+      </a:lvl1pPr>
+      <a:lvl2pPr marL="384048" indent="-182880" algn="l" defTabSz="914400" rtl="0" eaLnBrk="1" latinLnBrk="0" hangingPunct="1">
+        <a:lnSpc>
+          <a:spcPct val="90000"/>
+        </a:lnSpc>
+        <a:spcBef>
+          <a:spcPts val="200"/>
+        </a:spcBef>
+        <a:spcAft>
+          <a:spcPts val="400"/>
+        </a:spcAft>
+        <a:buClr>
+          <a:schemeClr val="accent1"/>
+        </a:buClr>
+        <a:buFont typeface="Calibri" pitchFamily="34" charset="0"/>
+        <a:buChar char="◦"/>
+        <a:defRPr kumimoji="1" sz="1800" kern="1200">
+          <a:solidFill>
+            <a:schemeClr val="tx1">
+              <a:lumMod val="75000"/>
+              <a:lumOff val="25000"/>
+            </a:schemeClr>
+          </a:solidFill>
+          <a:latin typeface="+mn-lt"/>
+          <a:ea typeface="+mn-ea"/>
+          <a:cs typeface="+mn-cs"/>
+        </a:defRPr>
+      </a:lvl2pPr>
+      <a:lvl3pPr marL="566928" indent="-182880" algn="l" defTabSz="914400" rtl="0" eaLnBrk="1" latinLnBrk="0" hangingPunct="1">
+        <a:lnSpc>
+          <a:spcPct val="90000"/>
+        </a:lnSpc>
+        <a:spcBef>
+          <a:spcPts val="200"/>
+        </a:spcBef>
+        <a:spcAft>
+          <a:spcPts val="400"/>
+        </a:spcAft>
+        <a:buClr>
+          <a:schemeClr val="accent1"/>
+        </a:buClr>
+        <a:buFont typeface="Calibri" pitchFamily="34" charset="0"/>
+        <a:buChar char="◦"/>
+        <a:defRPr kumimoji="1" sz="1400" kern="1200">
+          <a:solidFill>
+            <a:schemeClr val="tx1">
+              <a:lumMod val="75000"/>
+              <a:lumOff val="25000"/>
+            </a:schemeClr>
+          </a:solidFill>
+          <a:latin typeface="+mn-lt"/>
+          <a:ea typeface="+mn-ea"/>
+          <a:cs typeface="+mn-cs"/>
+        </a:defRPr>
+      </a:lvl3pPr>
+      <a:lvl4pPr marL="749808" indent="-182880" algn="l" defTabSz="914400" rtl="0" eaLnBrk="1" latinLnBrk="0" hangingPunct="1">
+        <a:lnSpc>
+          <a:spcPct val="90000"/>
+        </a:lnSpc>
+        <a:spcBef>
+          <a:spcPts val="200"/>
+        </a:spcBef>
+        <a:spcAft>
+          <a:spcPts val="400"/>
+        </a:spcAft>
+        <a:buClr>
+          <a:schemeClr val="accent1"/>
+        </a:buClr>
+        <a:buFont typeface="Calibri" pitchFamily="34" charset="0"/>
+        <a:buChar char="◦"/>
+        <a:defRPr kumimoji="1" sz="1400" kern="1200">
+          <a:solidFill>
+            <a:schemeClr val="tx1">
+              <a:lumMod val="75000"/>
+              <a:lumOff val="25000"/>
+            </a:schemeClr>
+          </a:solidFill>
+          <a:latin typeface="+mn-lt"/>
+          <a:ea typeface="+mn-ea"/>
+          <a:cs typeface="+mn-cs"/>
+        </a:defRPr>
+      </a:lvl4pPr>
+      <a:lvl5pPr marL="932688" indent="-182880" algn="l" defTabSz="914400" rtl="0" eaLnBrk="1" latinLnBrk="0" hangingPunct="1">
+        <a:lnSpc>
+          <a:spcPct val="90000"/>
+        </a:lnSpc>
+        <a:spcBef>
+          <a:spcPts val="200"/>
+        </a:spcBef>
+        <a:spcAft>
+          <a:spcPts val="400"/>
+        </a:spcAft>
+        <a:buClr>
+          <a:schemeClr val="accent1"/>
+        </a:buClr>
+        <a:buFont typeface="Calibri" pitchFamily="34" charset="0"/>
+        <a:buChar char="◦"/>
+        <a:defRPr kumimoji="1" sz="1400" kern="1200">
+          <a:solidFill>
+            <a:schemeClr val="tx1">
+              <a:lumMod val="75000"/>
+              <a:lumOff val="25000"/>
+            </a:schemeClr>
+          </a:solidFill>
+          <a:latin typeface="+mn-lt"/>
+          <a:ea typeface="+mn-ea"/>
+          <a:cs typeface="+mn-cs"/>
+        </a:defRPr>
+      </a:lvl5pPr>
+      <a:lvl6pPr marL="1100000" indent="-228600" algn="l" defTabSz="914400" rtl="0" eaLnBrk="1" latinLnBrk="0" hangingPunct="1">
+        <a:lnSpc>
+          <a:spcPct val="90000"/>
+        </a:lnSpc>
+        <a:spcBef>
+          <a:spcPts val="200"/>
+        </a:spcBef>
+        <a:spcAft>
+          <a:spcPts val="400"/>
+        </a:spcAft>
+        <a:buClr>
+          <a:schemeClr val="accent1"/>
+        </a:buClr>
+        <a:buFont typeface="Calibri" pitchFamily="34" charset="0"/>
+        <a:buChar char="◦"/>
+        <a:defRPr kumimoji="1" sz="1400" kern="1200">
+          <a:solidFill>
+            <a:schemeClr val="tx1">
+              <a:lumMod val="75000"/>
+              <a:lumOff val="25000"/>
+            </a:schemeClr>
+          </a:solidFill>
+          <a:latin typeface="+mn-lt"/>
+          <a:ea typeface="+mn-ea"/>
+          <a:cs typeface="+mn-cs"/>
+        </a:defRPr>
+      </a:lvl6pPr>
+      <a:lvl7pPr marL="1300000" indent="-228600" algn="l" defTabSz="914400" rtl="0" eaLnBrk="1" latinLnBrk="0" hangingPunct="1">
+        <a:lnSpc>
+          <a:spcPct val="90000"/>
+        </a:lnSpc>
+        <a:spcBef>
+          <a:spcPts val="200"/>
+        </a:spcBef>
+        <a:spcAft>
+          <a:spcPts val="400"/>
+        </a:spcAft>
+        <a:buClr>
+          <a:schemeClr val="accent1"/>
+        </a:buClr>
+        <a:buFont typeface="Calibri" pitchFamily="34" charset="0"/>
+        <a:buChar char="◦"/>
+        <a:defRPr kumimoji="1" sz="1400" kern="1200">
+          <a:solidFill>
+            <a:schemeClr val="tx1">
+              <a:lumMod val="75000"/>
+              <a:lumOff val="25000"/>
+            </a:schemeClr>
+          </a:solidFill>
+          <a:latin typeface="+mn-lt"/>
+          <a:ea typeface="+mn-ea"/>
+          <a:cs typeface="+mn-cs"/>
+        </a:defRPr>
+      </a:lvl7pPr>
+      <a:lvl8pPr marL="1500000" indent="-228600" algn="l" defTabSz="914400" rtl="0" eaLnBrk="1" latinLnBrk="0" hangingPunct="1">
+        <a:lnSpc>
+          <a:spcPct val="90000"/>
+        </a:lnSpc>
+        <a:spcBef>
+          <a:spcPts val="200"/>
+        </a:spcBef>
+        <a:spcAft>
+          <a:spcPts val="400"/>
+        </a:spcAft>
+        <a:buClr>
+          <a:schemeClr val="accent1"/>
+        </a:buClr>
+        <a:buFont typeface="Calibri" pitchFamily="34" charset="0"/>
+        <a:buChar char="◦"/>
+        <a:defRPr kumimoji="1" sz="1400" kern="1200">
+          <a:solidFill>
+            <a:schemeClr val="tx1">
+              <a:lumMod val="75000"/>
+              <a:lumOff val="25000"/>
+            </a:schemeClr>
+          </a:solidFill>
+          <a:latin typeface="+mn-lt"/>
+          <a:ea typeface="+mn-ea"/>
+          <a:cs typeface="+mn-cs"/>
+        </a:defRPr>
+      </a:lvl8pPr>
+      <a:lvl9pPr marL="1700000" indent="-228600" algn="l" defTabSz="914400" rtl="0" eaLnBrk="1" latinLnBrk="0" hangingPunct="1">
+        <a:lnSpc>
+          <a:spcPct val="90000"/>
+        </a:lnSpc>
+        <a:spcBef>
+          <a:spcPts val="200"/>
+        </a:spcBef>
+        <a:spcAft>
+          <a:spcPts val="400"/>
+        </a:spcAft>
+        <a:buClr>
+          <a:schemeClr val="accent1"/>
+        </a:buClr>
+        <a:buFont typeface="Calibri" pitchFamily="34" charset="0"/>
+        <a:buChar char="◦"/>
+        <a:defRPr kumimoji="1" sz="1400" kern="1200">
+          <a:solidFill>
+            <a:schemeClr val="tx1">
+              <a:lumMod val="75000"/>
+              <a:lumOff val="25000"/>
+            </a:schemeClr>
+          </a:solidFill>
+          <a:latin typeface="+mn-lt"/>
+          <a:ea typeface="+mn-ea"/>
+          <a:cs typeface="+mn-cs"/>
+        </a:defRPr>
+      </a:lvl9pPr>
+    </p:bodyStyle>
+    <p:otherStyle>
+      <a:defPPr>
+        <a:defRPr lang="en-US"/>
+      </a:defPPr>
+      <a:lvl1pPr marL="0" algn="l" defTabSz="914400" rtl="0" eaLnBrk="1" latinLnBrk="0" hangingPunct="1">
+        <a:defRPr kumimoji="1" sz="1800" kern="1200">
+          <a:solidFill>
+            <a:schemeClr val="tx1"/>
+          </a:solidFill>
+          <a:latin typeface="+mn-lt"/>
+          <a:ea typeface="+mn-ea"/>
+          <a:cs typeface="+mn-cs"/>
+        </a:defRPr>
+      </a:lvl1pPr>
+      <a:lvl2pPr marL="457200" algn="l" defTabSz="914400" rtl="0" eaLnBrk="1" latinLnBrk="0" hangingPunct="1">
+        <a:defRPr kumimoji="1" sz="1800" kern="1200">
+          <a:solidFill>
+            <a:schemeClr val="tx1"/>
+          </a:solidFill>
+          <a:latin typeface="+mn-lt"/>
+          <a:ea typeface="+mn-ea"/>
+          <a:cs typeface="+mn-cs"/>
+        </a:defRPr>
+      </a:lvl2pPr>
+      <a:lvl3pPr marL="914400" algn="l" defTabSz="914400" rtl="0" eaLnBrk="1" latinLnBrk="0" hangingPunct="1">
+        <a:defRPr kumimoji="1" sz="1800" kern="1200">
+          <a:solidFill>
+            <a:schemeClr val="tx1"/>
+          </a:solidFill>
+          <a:latin typeface="+mn-lt"/>
+          <a:ea typeface="+mn-ea"/>
+          <a:cs typeface="+mn-cs"/>
+        </a:defRPr>
+      </a:lvl3pPr>
+      <a:lvl4pPr marL="1371600" algn="l" defTabSz="914400" rtl="0" eaLnBrk="1" latinLnBrk="0" hangingPunct="1">
+        <a:defRPr kumimoji="1" sz="1800" kern="1200">
+          <a:solidFill>
+            <a:schemeClr val="tx1"/>
+          </a:solidFill>
+          <a:latin typeface="+mn-lt"/>
+          <a:ea typeface="+mn-ea"/>
+          <a:cs typeface="+mn-cs"/>
+        </a:defRPr>
+      </a:lvl4pPr>
+      <a:lvl5pPr marL="1828800" algn="l" defTabSz="914400" rtl="0" eaLnBrk="1" latinLnBrk="0" hangingPunct="1">
+        <a:defRPr kumimoji="1" sz="1800" kern="1200">
+          <a:solidFill>
+            <a:schemeClr val="tx1"/>
+          </a:solidFill>
+          <a:latin typeface="+mn-lt"/>
+          <a:ea typeface="+mn-ea"/>
+          <a:cs typeface="+mn-cs"/>
+        </a:defRPr>
+      </a:lvl5pPr>
+      <a:lvl6pPr marL="2286000" algn="l" defTabSz="914400" rtl="0" eaLnBrk="1" latinLnBrk="0" hangingPunct="1">
+        <a:defRPr kumimoji="1" sz="1800" kern="1200">
+          <a:solidFill>
+            <a:schemeClr val="tx1"/>
+          </a:solidFill>
+          <a:latin typeface="+mn-lt"/>
+          <a:ea typeface="+mn-ea"/>
+          <a:cs typeface="+mn-cs"/>
+        </a:defRPr>
+      </a:lvl6pPr>
+      <a:lvl7pPr marL="2743200" algn="l" defTabSz="914400" rtl="0" eaLnBrk="1" latinLnBrk="0" hangingPunct="1">
+        <a:defRPr kumimoji="1" sz="1800" kern="1200">
+          <a:solidFill>
+            <a:schemeClr val="tx1"/>
+          </a:solidFill>
+          <a:latin typeface="+mn-lt"/>
+          <a:ea typeface="+mn-ea"/>
+          <a:cs typeface="+mn-cs"/>
+        </a:defRPr>
+      </a:lvl7pPr>
+      <a:lvl8pPr marL="3200400" algn="l" defTabSz="914400" rtl="0" eaLnBrk="1" latinLnBrk="0" hangingPunct="1">
+        <a:defRPr kumimoji="1" sz="1800" kern="1200">
+          <a:solidFill>
+            <a:schemeClr val="tx1"/>
+          </a:solidFill>
+          <a:latin typeface="+mn-lt"/>
+          <a:ea typeface="+mn-ea"/>
+          <a:cs typeface="+mn-cs"/>
+        </a:defRPr>
+      </a:lvl8pPr>
+      <a:lvl9pPr marL="3657600" algn="l" defTabSz="914400" rtl="0" eaLnBrk="1" latinLnBrk="0" hangingPunct="1">
+        <a:defRPr kumimoji="1" sz="1800" kern="1200">
+          <a:solidFill>
+            <a:schemeClr val="tx1"/>
+          </a:solidFill>
+          <a:latin typeface="+mn-lt"/>
+          <a:ea typeface="+mn-ea"/>
+          <a:cs typeface="+mn-cs"/>
+        </a:defRPr>
+      </a:lvl9pPr>
+    </p:otherStyle>
+  </p:txStyles>
+</p:sldMaster>
+</file>
+
 <file path=ppt/slides/slide1.xml><?xml version="1.0" encoding="utf-8"?>
 <p:sld xmlns:a="http://schemas.openxmlformats.org/drawingml/2006/main" xmlns:r="http://schemas.openxmlformats.org/officeDocument/2006/relationships" xmlns:p="http://schemas.openxmlformats.org/presentationml/2006/main">
   <p:cSld>
@@ -5569,7 +12277,7 @@
           <p:nvPr>
             <p:extLst>
               <p:ext uri="{D42A27DB-BD31-4B8C-83A1-F6EECF244321}">
-                <p14:modId xmlns:p14="http://schemas.microsoft.com/office/powerpoint/2010/main" val="3545266164"/>
+                <p14:modId xmlns:p14="http://schemas.microsoft.com/office/powerpoint/2010/main" val="221593830"/>
               </p:ext>
             </p:extLst>
           </p:nvPr>
@@ -5761,7 +12469,7 @@
                       <a:pPr algn="ctr"/>
                       <a:r>
                         <a:rPr kumimoji="1" lang="en-US" altLang="ja-JP" dirty="0" err="1" smtClean="0"/>
-                        <a:t>Pyzbar</a:t>
+                        <a:t>pyzbar</a:t>
                       </a:r>
                       <a:r>
                         <a:rPr kumimoji="1" lang="ja-JP" altLang="en-US" dirty="0" smtClean="0"/>
@@ -5817,120 +12525,6 @@
 </p:sld>
 </file>
 
-<file path=ppt/slides/slide11.xml><?xml version="1.0" encoding="utf-8"?>
-<p:sld xmlns:a="http://schemas.openxmlformats.org/drawingml/2006/main" xmlns:r="http://schemas.openxmlformats.org/officeDocument/2006/relationships" xmlns:p="http://schemas.openxmlformats.org/presentationml/2006/main">
-  <p:cSld>
-    <p:spTree>
-      <p:nvGrpSpPr>
-        <p:cNvPr id="1" name=""/>
-        <p:cNvGrpSpPr/>
-        <p:nvPr/>
-      </p:nvGrpSpPr>
-      <p:grpSpPr>
-        <a:xfrm>
-          <a:off x="0" y="0"/>
-          <a:ext cx="0" cy="0"/>
-          <a:chOff x="0" y="0"/>
-          <a:chExt cx="0" cy="0"/>
-        </a:xfrm>
-      </p:grpSpPr>
-      <p:pic>
-        <p:nvPicPr>
-          <p:cNvPr id="6" name="図 5"/>
-          <p:cNvPicPr>
-            <a:picLocks noChangeAspect="1"/>
-          </p:cNvPicPr>
-          <p:nvPr/>
-        </p:nvPicPr>
-        <p:blipFill>
-          <a:blip r:embed="rId2"/>
-          <a:stretch>
-            <a:fillRect/>
-          </a:stretch>
-        </p:blipFill>
-        <p:spPr>
-          <a:xfrm>
-            <a:off x="63733" y="2032909"/>
-            <a:ext cx="12041897" cy="2725018"/>
-          </a:xfrm>
-          <a:prstGeom prst="rect">
-            <a:avLst/>
-          </a:prstGeom>
-        </p:spPr>
-      </p:pic>
-      <p:sp>
-        <p:nvSpPr>
-          <p:cNvPr id="2" name="スライド番号プレースホルダー 1"/>
-          <p:cNvSpPr>
-            <a:spLocks noGrp="1"/>
-          </p:cNvSpPr>
-          <p:nvPr>
-            <p:ph type="sldNum" sz="quarter" idx="12"/>
-          </p:nvPr>
-        </p:nvSpPr>
-        <p:spPr/>
-        <p:txBody>
-          <a:bodyPr/>
-          <a:lstStyle/>
-          <a:p>
-            <a:fld id="{3C3988C9-8C6C-49D7-8D82-24DA391FB063}" type="slidenum">
-              <a:rPr kumimoji="1" lang="ja-JP" altLang="en-US" smtClean="0"/>
-              <a:t>11</a:t>
-            </a:fld>
-            <a:endParaRPr kumimoji="1" lang="ja-JP" altLang="en-US"/>
-          </a:p>
-        </p:txBody>
-      </p:sp>
-      <p:sp>
-        <p:nvSpPr>
-          <p:cNvPr id="4" name="テキスト ボックス 3"/>
-          <p:cNvSpPr txBox="1"/>
-          <p:nvPr/>
-        </p:nvSpPr>
-        <p:spPr>
-          <a:xfrm>
-            <a:off x="212271" y="979715"/>
-            <a:ext cx="5445578" cy="461665"/>
-          </a:xfrm>
-          <a:prstGeom prst="rect">
-            <a:avLst/>
-          </a:prstGeom>
-          <a:noFill/>
-        </p:spPr>
-        <p:txBody>
-          <a:bodyPr wrap="square" rtlCol="0">
-            <a:spAutoFit/>
-          </a:bodyPr>
-          <a:lstStyle/>
-          <a:p>
-            <a:r>
-              <a:rPr lang="ja-JP" altLang="en-US" sz="2400" dirty="0" smtClean="0"/>
-              <a:t>ガントチャート用いてスケジュール管理</a:t>
-            </a:r>
-            <a:endParaRPr kumimoji="1" lang="ja-JP" altLang="en-US" sz="2400" dirty="0"/>
-          </a:p>
-        </p:txBody>
-      </p:sp>
-    </p:spTree>
-    <p:extLst>
-      <p:ext uri="{BB962C8B-B14F-4D97-AF65-F5344CB8AC3E}">
-        <p14:creationId xmlns:p14="http://schemas.microsoft.com/office/powerpoint/2010/main" val="2251481468"/>
-      </p:ext>
-    </p:extLst>
-  </p:cSld>
-  <p:clrMapOvr>
-    <a:masterClrMapping/>
-  </p:clrMapOvr>
-  <p:timing>
-    <p:tnLst>
-      <p:par>
-        <p:cTn id="1" dur="indefinite" restart="never" nodeType="tmRoot"/>
-      </p:par>
-    </p:tnLst>
-  </p:timing>
-</p:sld>
-</file>
-
 <file path=ppt/slides/slide2.xml><?xml version="1.0" encoding="utf-8"?>
 <p:sld xmlns:a="http://schemas.openxmlformats.org/drawingml/2006/main" xmlns:r="http://schemas.openxmlformats.org/officeDocument/2006/relationships" xmlns:p="http://schemas.openxmlformats.org/presentationml/2006/main">
   <p:cSld>
@@ -6017,15 +12611,7 @@
             </a:pPr>
             <a:r>
               <a:rPr kumimoji="1" lang="ja-JP" altLang="en-US" sz="3600" dirty="0" smtClean="0"/>
-              <a:t>　</a:t>
-            </a:r>
-            <a:r>
-              <a:rPr lang="ja-JP" altLang="en-US" sz="3600" dirty="0"/>
-              <a:t>既存</a:t>
-            </a:r>
-            <a:r>
-              <a:rPr lang="ja-JP" altLang="en-US" sz="3600" dirty="0" smtClean="0"/>
-              <a:t>の手法</a:t>
+              <a:t>　研究目的・目標</a:t>
             </a:r>
             <a:endParaRPr kumimoji="1" lang="en-US" altLang="ja-JP" sz="3400" dirty="0" smtClean="0"/>
           </a:p>
@@ -6178,26 +12764,14 @@
           <a:p>
             <a:r>
               <a:rPr lang="ja-JP" altLang="en-US" sz="2400" dirty="0" smtClean="0"/>
-              <a:t>少子高齢化によって働き手が減少しつつある今日のスーパーで</a:t>
-            </a:r>
+              <a:t>少子高齢化によって働き手が減少しつつある今日のスーパーでは、</a:t>
+            </a:r>
+            <a:endParaRPr lang="en-US" altLang="ja-JP" sz="2400" dirty="0" smtClean="0"/>
+          </a:p>
+          <a:p>
             <a:r>
               <a:rPr lang="ja-JP" altLang="en-US" sz="2400" dirty="0" smtClean="0"/>
-              <a:t>は、</a:t>
-            </a:r>
-            <a:endParaRPr lang="en-US" altLang="ja-JP" sz="2400" dirty="0" smtClean="0"/>
-          </a:p>
-          <a:p>
-            <a:r>
-              <a:rPr lang="ja-JP" altLang="en-US" sz="2400" dirty="0" smtClean="0"/>
-              <a:t>従業員</a:t>
-            </a:r>
-            <a:r>
-              <a:rPr lang="ja-JP" altLang="en-US" sz="2400" dirty="0" smtClean="0"/>
-              <a:t>の数が少なくても経営できるようにセルフレジの導入を進めて</a:t>
-            </a:r>
-            <a:r>
-              <a:rPr lang="ja-JP" altLang="en-US" sz="2400" dirty="0" smtClean="0"/>
-              <a:t>いる。</a:t>
+              <a:t>従業員の数が少なくても経営できるようにセルフレジの導入を進めている。</a:t>
             </a:r>
             <a:endParaRPr lang="en-US" altLang="ja-JP" sz="2400" dirty="0" smtClean="0"/>
           </a:p>
@@ -6543,11 +13117,11 @@
           <p:nvPr/>
         </p:nvPicPr>
         <p:blipFill>
-          <a:blip r:embed="rId2">
+          <a:blip r:embed="rId3">
             <a:extLst>
               <a:ext uri="{BEBA8EAE-BF5A-486C-A8C5-ECC9F3942E4B}">
                 <a14:imgProps xmlns:a14="http://schemas.microsoft.com/office/drawing/2010/main">
-                  <a14:imgLayer r:embed="rId3">
+                  <a14:imgLayer r:embed="rId4">
                     <a14:imgEffect>
                       <a14:colorTemperature colorTemp="11200"/>
                     </a14:imgEffect>
@@ -6569,7 +13143,7 @@
         </p:blipFill>
         <p:spPr bwMode="auto">
           <a:xfrm>
-            <a:off x="10017323" y="3130825"/>
+            <a:off x="10017323" y="2845075"/>
             <a:ext cx="1162050" cy="1905000"/>
           </a:xfrm>
           <a:prstGeom prst="rect">
@@ -6581,95 +13155,6 @@
       <p:pic>
         <p:nvPicPr>
           <p:cNvPr id="1040" name="Picture 16" descr="ショッピングカートを押している女性のイラスト"/>
-          <p:cNvPicPr>
-            <a:picLocks noChangeAspect="1" noChangeArrowheads="1"/>
-          </p:cNvPicPr>
-          <p:nvPr/>
-        </p:nvPicPr>
-        <p:blipFill>
-          <a:blip r:embed="rId4">
-            <a:extLst>
-              <a:ext uri="{28A0092B-C50C-407E-A947-70E740481C1C}">
-                <a14:useLocalDpi xmlns:a14="http://schemas.microsoft.com/office/drawing/2010/main" val="0"/>
-              </a:ext>
-            </a:extLst>
-          </a:blip>
-          <a:srcRect/>
-          <a:stretch>
-            <a:fillRect/>
-          </a:stretch>
-        </p:blipFill>
-        <p:spPr bwMode="auto">
-          <a:xfrm flipH="1">
-            <a:off x="5152116" y="2409694"/>
-            <a:ext cx="2676103" cy="2816951"/>
-          </a:xfrm>
-          <a:prstGeom prst="rect">
-            <a:avLst/>
-          </a:prstGeom>
-          <a:noFill/>
-          <a:extLst>
-            <a:ext uri="{909E8E84-426E-40DD-AFC4-6F175D3DCCD1}">
-              <a14:hiddenFill xmlns:a14="http://schemas.microsoft.com/office/drawing/2010/main">
-                <a:solidFill>
-                  <a:srgbClr val="FFFFFF"/>
-                </a:solidFill>
-              </a14:hiddenFill>
-            </a:ext>
-          </a:extLst>
-        </p:spPr>
-      </p:pic>
-      <p:sp>
-        <p:nvSpPr>
-          <p:cNvPr id="2" name="タイトル 1"/>
-          <p:cNvSpPr>
-            <a:spLocks noGrp="1"/>
-          </p:cNvSpPr>
-          <p:nvPr>
-            <p:ph type="title"/>
-          </p:nvPr>
-        </p:nvSpPr>
-        <p:spPr/>
-        <p:txBody>
-          <a:bodyPr/>
-          <a:lstStyle/>
-          <a:p>
-            <a:r>
-              <a:rPr lang="ja-JP" altLang="en-US" dirty="0" smtClean="0">
-                <a:solidFill>
-                  <a:schemeClr val="bg1">
-                    <a:lumMod val="75000"/>
-                  </a:schemeClr>
-                </a:solidFill>
-                <a:latin typeface="Bauhaus 93" panose="04030905020B02020C02" pitchFamily="82" charset="0"/>
-              </a:rPr>
-              <a:t>　　　　　　　　　　　</a:t>
-            </a:r>
-            <a:r>
-              <a:rPr lang="en-US" altLang="ja-JP" dirty="0" smtClean="0">
-                <a:solidFill>
-                  <a:schemeClr val="bg1">
-                    <a:lumMod val="75000"/>
-                  </a:schemeClr>
-                </a:solidFill>
-                <a:latin typeface="Bauhaus 93" panose="04030905020B02020C02" pitchFamily="82" charset="0"/>
-              </a:rPr>
-              <a:t>Summary</a:t>
-            </a:r>
-            <a:endParaRPr kumimoji="1" lang="ja-JP" altLang="en-US" dirty="0">
-              <a:solidFill>
-                <a:schemeClr val="bg1">
-                  <a:lumMod val="75000"/>
-                </a:schemeClr>
-              </a:solidFill>
-              <a:latin typeface="Bauhaus 93" panose="04030905020B02020C02" pitchFamily="82" charset="0"/>
-            </a:endParaRPr>
-          </a:p>
-        </p:txBody>
-      </p:sp>
-      <p:pic>
-        <p:nvPicPr>
-          <p:cNvPr id="1032" name="Picture 8" descr="ショッピングカートのイラスト（買い物）"/>
           <p:cNvPicPr>
             <a:picLocks noChangeAspect="1" noChangeArrowheads="1"/>
           </p:cNvPicPr>
@@ -6690,7 +13175,96 @@
         </p:blipFill>
         <p:spPr bwMode="auto">
           <a:xfrm flipH="1">
-            <a:off x="1690460" y="2951508"/>
+            <a:off x="5152116" y="2123944"/>
+            <a:ext cx="2676103" cy="2816951"/>
+          </a:xfrm>
+          <a:prstGeom prst="rect">
+            <a:avLst/>
+          </a:prstGeom>
+          <a:noFill/>
+          <a:extLst>
+            <a:ext uri="{909E8E84-426E-40DD-AFC4-6F175D3DCCD1}">
+              <a14:hiddenFill xmlns:a14="http://schemas.microsoft.com/office/drawing/2010/main">
+                <a:solidFill>
+                  <a:srgbClr val="FFFFFF"/>
+                </a:solidFill>
+              </a14:hiddenFill>
+            </a:ext>
+          </a:extLst>
+        </p:spPr>
+      </p:pic>
+      <p:sp>
+        <p:nvSpPr>
+          <p:cNvPr id="2" name="タイトル 1"/>
+          <p:cNvSpPr>
+            <a:spLocks noGrp="1"/>
+          </p:cNvSpPr>
+          <p:nvPr>
+            <p:ph type="title"/>
+          </p:nvPr>
+        </p:nvSpPr>
+        <p:spPr/>
+        <p:txBody>
+          <a:bodyPr/>
+          <a:lstStyle/>
+          <a:p>
+            <a:r>
+              <a:rPr lang="ja-JP" altLang="en-US" dirty="0" smtClean="0">
+                <a:solidFill>
+                  <a:schemeClr val="bg1">
+                    <a:lumMod val="75000"/>
+                  </a:schemeClr>
+                </a:solidFill>
+                <a:latin typeface="Bauhaus 93" panose="04030905020B02020C02" pitchFamily="82" charset="0"/>
+              </a:rPr>
+              <a:t>　　　　　　　　　　　</a:t>
+            </a:r>
+            <a:r>
+              <a:rPr lang="en-US" altLang="ja-JP" dirty="0" smtClean="0">
+                <a:solidFill>
+                  <a:schemeClr val="bg1">
+                    <a:lumMod val="75000"/>
+                  </a:schemeClr>
+                </a:solidFill>
+                <a:latin typeface="Bauhaus 93" panose="04030905020B02020C02" pitchFamily="82" charset="0"/>
+              </a:rPr>
+              <a:t>Summary</a:t>
+            </a:r>
+            <a:endParaRPr kumimoji="1" lang="ja-JP" altLang="en-US" dirty="0">
+              <a:solidFill>
+                <a:schemeClr val="bg1">
+                  <a:lumMod val="75000"/>
+                </a:schemeClr>
+              </a:solidFill>
+              <a:latin typeface="Bauhaus 93" panose="04030905020B02020C02" pitchFamily="82" charset="0"/>
+            </a:endParaRPr>
+          </a:p>
+        </p:txBody>
+      </p:sp>
+      <p:pic>
+        <p:nvPicPr>
+          <p:cNvPr id="1032" name="Picture 8" descr="ショッピングカートのイラスト（買い物）"/>
+          <p:cNvPicPr>
+            <a:picLocks noChangeAspect="1" noChangeArrowheads="1"/>
+          </p:cNvPicPr>
+          <p:nvPr/>
+        </p:nvPicPr>
+        <p:blipFill>
+          <a:blip r:embed="rId6">
+            <a:extLst>
+              <a:ext uri="{28A0092B-C50C-407E-A947-70E740481C1C}">
+                <a14:useLocalDpi xmlns:a14="http://schemas.microsoft.com/office/drawing/2010/main" val="0"/>
+              </a:ext>
+            </a:extLst>
+          </a:blip>
+          <a:srcRect/>
+          <a:stretch>
+            <a:fillRect/>
+          </a:stretch>
+        </p:blipFill>
+        <p:spPr bwMode="auto">
+          <a:xfrm flipH="1">
+            <a:off x="1983741" y="2666953"/>
             <a:ext cx="2261053" cy="2176264"/>
           </a:xfrm>
           <a:prstGeom prst="rect">
@@ -6717,7 +13291,7 @@
           <p:nvPr/>
         </p:nvPicPr>
         <p:blipFill>
-          <a:blip r:embed="rId6" cstate="print">
+          <a:blip r:embed="rId7" cstate="print">
             <a:extLst>
               <a:ext uri="{28A0092B-C50C-407E-A947-70E740481C1C}">
                 <a14:useLocalDpi xmlns:a14="http://schemas.microsoft.com/office/drawing/2010/main" val="0"/>
@@ -6731,7 +13305,7 @@
         </p:blipFill>
         <p:spPr bwMode="auto">
           <a:xfrm flipH="1">
-            <a:off x="6327545" y="3742181"/>
+            <a:off x="6410067" y="3414771"/>
             <a:ext cx="409091" cy="409091"/>
           </a:xfrm>
           <a:prstGeom prst="rect">
@@ -6758,7 +13332,7 @@
           <p:nvPr/>
         </p:nvPicPr>
         <p:blipFill>
-          <a:blip r:embed="rId5">
+          <a:blip r:embed="rId6">
             <a:extLst>
               <a:ext uri="{28A0092B-C50C-407E-A947-70E740481C1C}">
                 <a14:useLocalDpi xmlns:a14="http://schemas.microsoft.com/office/drawing/2010/main" val="0"/>
@@ -6772,7 +13346,7 @@
         </p:blipFill>
         <p:spPr bwMode="auto">
           <a:xfrm flipH="1">
-            <a:off x="8665337" y="3171032"/>
+            <a:off x="8665337" y="2885282"/>
             <a:ext cx="2261053" cy="2176264"/>
           </a:xfrm>
           <a:prstGeom prst="rect">
@@ -6799,7 +13373,7 @@
           <p:nvPr/>
         </p:nvPicPr>
         <p:blipFill>
-          <a:blip r:embed="rId7" cstate="print">
+          <a:blip r:embed="rId8" cstate="print">
             <a:extLst>
               <a:ext uri="{28A0092B-C50C-407E-A947-70E740481C1C}">
                 <a14:useLocalDpi xmlns:a14="http://schemas.microsoft.com/office/drawing/2010/main" val="0"/>
@@ -6828,7 +13402,7 @@
         </p:nvSpPr>
         <p:spPr>
           <a:xfrm>
-            <a:off x="4513130" y="3818169"/>
+            <a:off x="4513130" y="3532419"/>
             <a:ext cx="638986" cy="333103"/>
           </a:xfrm>
           <a:prstGeom prst="rightArrow">
@@ -6905,7 +13479,7 @@
         </p:nvSpPr>
         <p:spPr>
           <a:xfrm>
-            <a:off x="8098300" y="3818169"/>
+            <a:off x="8098300" y="3532419"/>
             <a:ext cx="638986" cy="333103"/>
           </a:xfrm>
           <a:prstGeom prst="rightArrow">
@@ -6983,7 +13557,7 @@
           <p:nvPr/>
         </p:nvPicPr>
         <p:blipFill>
-          <a:blip r:embed="rId6" cstate="print">
+          <a:blip r:embed="rId7" cstate="print">
             <a:extLst>
               <a:ext uri="{28A0092B-C50C-407E-A947-70E740481C1C}">
                 <a14:useLocalDpi xmlns:a14="http://schemas.microsoft.com/office/drawing/2010/main" val="0"/>
@@ -6997,7 +13571,7 @@
         </p:blipFill>
         <p:spPr bwMode="auto">
           <a:xfrm flipH="1">
-            <a:off x="9172759" y="3521333"/>
+            <a:off x="9172759" y="3235583"/>
             <a:ext cx="409091" cy="409091"/>
           </a:xfrm>
           <a:prstGeom prst="rect">
@@ -7024,7 +13598,7 @@
           <p:nvPr/>
         </p:nvPicPr>
         <p:blipFill>
-          <a:blip r:embed="rId8">
+          <a:blip r:embed="rId9">
             <a:extLst>
               <a:ext uri="{28A0092B-C50C-407E-A947-70E740481C1C}">
                 <a14:useLocalDpi xmlns:a14="http://schemas.microsoft.com/office/drawing/2010/main" val="0"/>
@@ -7038,7 +13612,7 @@
         </p:blipFill>
         <p:spPr bwMode="auto">
           <a:xfrm>
-            <a:off x="1156084" y="2682375"/>
+            <a:off x="1156084" y="2396625"/>
             <a:ext cx="1587685" cy="1716416"/>
           </a:xfrm>
           <a:prstGeom prst="rect">
@@ -7064,7 +13638,7 @@
         </p:nvSpPr>
         <p:spPr>
           <a:xfrm>
-            <a:off x="1769931" y="4362203"/>
+            <a:off x="1769931" y="4076453"/>
             <a:ext cx="922162" cy="1166422"/>
           </a:xfrm>
           <a:prstGeom prst="flowChartProcess">
@@ -7140,7 +13714,7 @@
           <p:nvPr/>
         </p:nvPicPr>
         <p:blipFill>
-          <a:blip r:embed="rId9" cstate="print">
+          <a:blip r:embed="rId10" cstate="print">
             <a:extLst>
               <a:ext uri="{28A0092B-C50C-407E-A947-70E740481C1C}">
                 <a14:useLocalDpi xmlns:a14="http://schemas.microsoft.com/office/drawing/2010/main" val="0"/>
@@ -7154,7 +13728,7 @@
         </p:blipFill>
         <p:spPr bwMode="auto">
           <a:xfrm>
-            <a:off x="2678105" y="3907486"/>
+            <a:off x="2663011" y="3485137"/>
             <a:ext cx="401410" cy="351678"/>
           </a:xfrm>
           <a:prstGeom prst="rect">
@@ -7181,7 +13755,7 @@
           <p:nvPr/>
         </p:nvPicPr>
         <p:blipFill>
-          <a:blip r:embed="rId9" cstate="print">
+          <a:blip r:embed="rId10" cstate="print">
             <a:extLst>
               <a:ext uri="{28A0092B-C50C-407E-A947-70E740481C1C}">
                 <a14:useLocalDpi xmlns:a14="http://schemas.microsoft.com/office/drawing/2010/main" val="0"/>
@@ -7195,13 +13769,54 @@
         </p:blipFill>
         <p:spPr bwMode="auto">
           <a:xfrm>
-            <a:off x="18947876" y="7262540"/>
+            <a:off x="18947876" y="6976790"/>
             <a:ext cx="401410" cy="351678"/>
           </a:xfrm>
           <a:prstGeom prst="rect">
             <a:avLst/>
           </a:prstGeom>
           <a:noFill/>
+        </p:spPr>
+      </p:pic>
+      <p:pic>
+        <p:nvPicPr>
+          <p:cNvPr id="25" name="Picture 10" descr="アクションカメラのイラスト"/>
+          <p:cNvPicPr>
+            <a:picLocks noChangeAspect="1" noChangeArrowheads="1"/>
+          </p:cNvPicPr>
+          <p:nvPr/>
+        </p:nvPicPr>
+        <p:blipFill>
+          <a:blip r:embed="rId7" cstate="print">
+            <a:extLst>
+              <a:ext uri="{28A0092B-C50C-407E-A947-70E740481C1C}">
+                <a14:useLocalDpi xmlns:a14="http://schemas.microsoft.com/office/drawing/2010/main" val="0"/>
+              </a:ext>
+            </a:extLst>
+          </a:blip>
+          <a:srcRect/>
+          <a:stretch>
+            <a:fillRect/>
+          </a:stretch>
+        </p:blipFill>
+        <p:spPr bwMode="auto">
+          <a:xfrm flipH="1">
+            <a:off x="2552414" y="3041878"/>
+            <a:ext cx="409091" cy="409091"/>
+          </a:xfrm>
+          <a:prstGeom prst="rect">
+            <a:avLst/>
+          </a:prstGeom>
+          <a:noFill/>
+          <a:extLst>
+            <a:ext uri="{909E8E84-426E-40DD-AFC4-6F175D3DCCD1}">
+              <a14:hiddenFill xmlns:a14="http://schemas.microsoft.com/office/drawing/2010/main">
+                <a:solidFill>
+                  <a:srgbClr val="FFFFFF"/>
+                </a:solidFill>
+              </a14:hiddenFill>
+            </a:ext>
+          </a:extLst>
         </p:spPr>
       </p:pic>
       <p:pic>
@@ -7213,7 +13828,7 @@
           <p:nvPr/>
         </p:nvPicPr>
         <p:blipFill>
-          <a:blip r:embed="rId9" cstate="print">
+          <a:blip r:embed="rId10" cstate="print">
             <a:extLst>
               <a:ext uri="{28A0092B-C50C-407E-A947-70E740481C1C}">
                 <a14:useLocalDpi xmlns:a14="http://schemas.microsoft.com/office/drawing/2010/main" val="0"/>
@@ -7227,7 +13842,7 @@
         </p:blipFill>
         <p:spPr bwMode="auto">
           <a:xfrm>
-            <a:off x="9398177" y="3975433"/>
+            <a:off x="9306932" y="3615217"/>
             <a:ext cx="401410" cy="351678"/>
           </a:xfrm>
           <a:prstGeom prst="rect">
@@ -7253,7 +13868,7 @@
         </p:nvSpPr>
         <p:spPr>
           <a:xfrm>
-            <a:off x="6066062" y="3404513"/>
+            <a:off x="6066062" y="3118763"/>
             <a:ext cx="1665515" cy="1822132"/>
           </a:xfrm>
           <a:prstGeom prst="rect">
@@ -7286,8 +13901,37 @@
           <a:bodyPr rtlCol="0" anchor="ctr"/>
           <a:lstStyle/>
           <a:p>
-            <a:pPr algn="ctr"/>
-            <a:endParaRPr kumimoji="1" lang="ja-JP" altLang="en-US" dirty="0"/>
+            <a:pPr marL="0" marR="0" lvl="0" indent="0" algn="ctr" defTabSz="914400" rtl="0" eaLnBrk="1" fontAlgn="auto" latinLnBrk="0" hangingPunct="1">
+              <a:lnSpc>
+                <a:spcPct val="100000"/>
+              </a:lnSpc>
+              <a:spcBef>
+                <a:spcPts val="0"/>
+              </a:spcBef>
+              <a:spcAft>
+                <a:spcPts val="0"/>
+              </a:spcAft>
+              <a:buClrTx/>
+              <a:buSzTx/>
+              <a:buFontTx/>
+              <a:buNone/>
+              <a:tabLst/>
+              <a:defRPr/>
+            </a:pPr>
+            <a:endParaRPr kumimoji="1" lang="ja-JP" altLang="en-US" sz="1800" b="0" i="0" u="none" strike="noStrike" kern="1200" cap="none" spc="0" normalizeH="0" baseline="0" noProof="0" dirty="0">
+              <a:ln>
+                <a:noFill/>
+              </a:ln>
+              <a:solidFill>
+                <a:prstClr val="white"/>
+              </a:solidFill>
+              <a:effectLst/>
+              <a:uLnTx/>
+              <a:uFillTx/>
+              <a:latin typeface="Calibri" panose="020F0502020204030204"/>
+              <a:ea typeface="ＭＳ Ｐゴシック" panose="020B0600070205080204" pitchFamily="50" charset="-128"/>
+              <a:cs typeface="+mn-cs"/>
+            </a:endParaRPr>
           </a:p>
         </p:txBody>
       </p:sp>
@@ -7306,18 +13950,350 @@
           <a:bodyPr/>
           <a:lstStyle/>
           <a:p>
+            <a:pPr marL="0" marR="0" lvl="0" indent="0" algn="r" defTabSz="914400" rtl="0" eaLnBrk="1" fontAlgn="auto" latinLnBrk="0" hangingPunct="1">
+              <a:lnSpc>
+                <a:spcPct val="100000"/>
+              </a:lnSpc>
+              <a:spcBef>
+                <a:spcPts val="0"/>
+              </a:spcBef>
+              <a:spcAft>
+                <a:spcPts val="0"/>
+              </a:spcAft>
+              <a:buClrTx/>
+              <a:buSzTx/>
+              <a:buFontTx/>
+              <a:buNone/>
+              <a:tabLst/>
+              <a:defRPr/>
+            </a:pPr>
             <a:fld id="{3C3988C9-8C6C-49D7-8D82-24DA391FB063}" type="slidenum">
-              <a:rPr kumimoji="1" lang="ja-JP" altLang="en-US" smtClean="0"/>
+              <a:rPr kumimoji="1" lang="ja-JP" altLang="en-US" sz="1050" b="0" i="0" u="none" strike="noStrike" kern="1200" cap="none" spc="0" normalizeH="0" baseline="0" noProof="0" smtClean="0">
+                <a:ln>
+                  <a:noFill/>
+                </a:ln>
+                <a:solidFill>
+                  <a:srgbClr val="FFFFFF"/>
+                </a:solidFill>
+                <a:effectLst/>
+                <a:uLnTx/>
+                <a:uFillTx/>
+                <a:latin typeface="Calibri" panose="020F0502020204030204"/>
+                <a:ea typeface="ＭＳ Ｐゴシック" panose="020B0600070205080204" pitchFamily="50" charset="-128"/>
+                <a:cs typeface="+mn-cs"/>
+              </a:rPr>
+              <a:pPr marL="0" marR="0" lvl="0" indent="0" algn="r" defTabSz="914400" rtl="0" eaLnBrk="1" fontAlgn="auto" latinLnBrk="0" hangingPunct="1">
+                <a:lnSpc>
+                  <a:spcPct val="100000"/>
+                </a:lnSpc>
+                <a:spcBef>
+                  <a:spcPts val="0"/>
+                </a:spcBef>
+                <a:spcAft>
+                  <a:spcPts val="0"/>
+                </a:spcAft>
+                <a:buClrTx/>
+                <a:buSzTx/>
+                <a:buFontTx/>
+                <a:buNone/>
+                <a:tabLst/>
+                <a:defRPr/>
+              </a:pPr>
               <a:t>5</a:t>
             </a:fld>
-            <a:endParaRPr kumimoji="1" lang="ja-JP" altLang="en-US" dirty="0"/>
+            <a:endParaRPr kumimoji="1" lang="ja-JP" altLang="en-US" sz="1050" b="0" i="0" u="none" strike="noStrike" kern="1200" cap="none" spc="0" normalizeH="0" baseline="0" noProof="0" dirty="0">
+              <a:ln>
+                <a:noFill/>
+              </a:ln>
+              <a:solidFill>
+                <a:srgbClr val="FFFFFF"/>
+              </a:solidFill>
+              <a:effectLst/>
+              <a:uLnTx/>
+              <a:uFillTx/>
+              <a:latin typeface="Calibri" panose="020F0502020204030204"/>
+              <a:ea typeface="ＭＳ Ｐゴシック" panose="020B0600070205080204" pitchFamily="50" charset="-128"/>
+              <a:cs typeface="+mn-cs"/>
+            </a:endParaRPr>
+          </a:p>
+        </p:txBody>
+      </p:sp>
+      <p:pic>
+        <p:nvPicPr>
+          <p:cNvPr id="23" name="Picture 6" descr="クレジットカードのICチップのイラスト"/>
+          <p:cNvPicPr>
+            <a:picLocks noChangeAspect="1" noChangeArrowheads="1"/>
+          </p:cNvPicPr>
+          <p:nvPr/>
+        </p:nvPicPr>
+        <p:blipFill>
+          <a:blip r:embed="rId10" cstate="print">
+            <a:extLst>
+              <a:ext uri="{28A0092B-C50C-407E-A947-70E740481C1C}">
+                <a14:useLocalDpi xmlns:a14="http://schemas.microsoft.com/office/drawing/2010/main" val="0"/>
+              </a:ext>
+            </a:extLst>
+          </a:blip>
+          <a:srcRect/>
+          <a:stretch>
+            <a:fillRect/>
+          </a:stretch>
+        </p:blipFill>
+        <p:spPr bwMode="auto">
+          <a:xfrm>
+            <a:off x="6504112" y="3789180"/>
+            <a:ext cx="401410" cy="351678"/>
+          </a:xfrm>
+          <a:prstGeom prst="rect">
+            <a:avLst/>
+          </a:prstGeom>
+          <a:noFill/>
+          <a:extLst>
+            <a:ext uri="{909E8E84-426E-40DD-AFC4-6F175D3DCCD1}">
+              <a14:hiddenFill xmlns:a14="http://schemas.microsoft.com/office/drawing/2010/main">
+                <a:solidFill>
+                  <a:srgbClr val="FFFFFF"/>
+                </a:solidFill>
+              </a14:hiddenFill>
+            </a:ext>
+          </a:extLst>
+        </p:spPr>
+      </p:pic>
+      <p:sp>
+        <p:nvSpPr>
+          <p:cNvPr id="8" name="テキスト ボックス 7"/>
+          <p:cNvSpPr txBox="1"/>
+          <p:nvPr/>
+        </p:nvSpPr>
+        <p:spPr>
+          <a:xfrm>
+            <a:off x="985694" y="5406141"/>
+            <a:ext cx="3259100" cy="830997"/>
+          </a:xfrm>
+          <a:prstGeom prst="rect">
+            <a:avLst/>
+          </a:prstGeom>
+          <a:solidFill>
+            <a:schemeClr val="bg1">
+              <a:lumMod val="95000"/>
+            </a:schemeClr>
+          </a:solidFill>
+        </p:spPr>
+        <p:txBody>
+          <a:bodyPr wrap="square" rtlCol="0">
+            <a:spAutoFit/>
+          </a:bodyPr>
+          <a:lstStyle/>
+          <a:p>
+            <a:pPr marL="0" marR="0" lvl="0" indent="0" algn="l" defTabSz="914400" rtl="0" eaLnBrk="1" fontAlgn="auto" latinLnBrk="0" hangingPunct="1">
+              <a:lnSpc>
+                <a:spcPct val="100000"/>
+              </a:lnSpc>
+              <a:spcBef>
+                <a:spcPts val="0"/>
+              </a:spcBef>
+              <a:spcAft>
+                <a:spcPts val="0"/>
+              </a:spcAft>
+              <a:buClrTx/>
+              <a:buSzTx/>
+              <a:buFontTx/>
+              <a:buNone/>
+              <a:tabLst/>
+              <a:defRPr/>
+            </a:pPr>
+            <a:r>
+              <a:rPr kumimoji="1" lang="ja-JP" altLang="en-US" sz="2400" b="0" i="0" u="none" strike="noStrike" kern="1200" cap="none" spc="0" normalizeH="0" baseline="0" noProof="0" dirty="0" smtClean="0">
+                <a:ln>
+                  <a:noFill/>
+                </a:ln>
+                <a:solidFill>
+                  <a:prstClr val="black"/>
+                </a:solidFill>
+                <a:effectLst/>
+                <a:uLnTx/>
+                <a:uFillTx/>
+                <a:latin typeface="Calibri" panose="020F0502020204030204"/>
+                <a:ea typeface="ＭＳ Ｐゴシック" panose="020B0600070205080204" pitchFamily="50" charset="-128"/>
+                <a:cs typeface="+mn-cs"/>
+              </a:rPr>
+              <a:t>顧客情報とカート情報を結びつける</a:t>
+            </a:r>
+            <a:endParaRPr kumimoji="1" lang="ja-JP" altLang="en-US" sz="2400" b="0" i="0" u="none" strike="noStrike" kern="1200" cap="none" spc="0" normalizeH="0" baseline="0" noProof="0" dirty="0">
+              <a:ln>
+                <a:noFill/>
+              </a:ln>
+              <a:solidFill>
+                <a:prstClr val="black"/>
+              </a:solidFill>
+              <a:effectLst/>
+              <a:uLnTx/>
+              <a:uFillTx/>
+              <a:latin typeface="Calibri" panose="020F0502020204030204"/>
+              <a:ea typeface="ＭＳ Ｐゴシック" panose="020B0600070205080204" pitchFamily="50" charset="-128"/>
+              <a:cs typeface="+mn-cs"/>
+            </a:endParaRPr>
+          </a:p>
+        </p:txBody>
+      </p:sp>
+      <p:sp>
+        <p:nvSpPr>
+          <p:cNvPr id="26" name="テキスト ボックス 25"/>
+          <p:cNvSpPr txBox="1"/>
+          <p:nvPr/>
+        </p:nvSpPr>
+        <p:spPr>
+          <a:xfrm>
+            <a:off x="9795864" y="5459237"/>
+            <a:ext cx="817708" cy="461665"/>
+          </a:xfrm>
+          <a:prstGeom prst="rect">
+            <a:avLst/>
+          </a:prstGeom>
+          <a:solidFill>
+            <a:schemeClr val="bg1">
+              <a:lumMod val="95000"/>
+            </a:schemeClr>
+          </a:solidFill>
+        </p:spPr>
+        <p:txBody>
+          <a:bodyPr wrap="square" rtlCol="0">
+            <a:spAutoFit/>
+          </a:bodyPr>
+          <a:lstStyle/>
+          <a:p>
+            <a:pPr marL="0" marR="0" lvl="0" indent="0" algn="l" defTabSz="914400" rtl="0" eaLnBrk="1" fontAlgn="auto" latinLnBrk="0" hangingPunct="1">
+              <a:lnSpc>
+                <a:spcPct val="100000"/>
+              </a:lnSpc>
+              <a:spcBef>
+                <a:spcPts val="0"/>
+              </a:spcBef>
+              <a:spcAft>
+                <a:spcPts val="0"/>
+              </a:spcAft>
+              <a:buClrTx/>
+              <a:buSzTx/>
+              <a:buFontTx/>
+              <a:buNone/>
+              <a:tabLst/>
+              <a:defRPr/>
+            </a:pPr>
+            <a:r>
+              <a:rPr kumimoji="1" lang="ja-JP" altLang="en-US" sz="2400" b="0" i="0" u="none" strike="noStrike" kern="1200" cap="none" spc="0" normalizeH="0" baseline="0" noProof="0" smtClean="0">
+                <a:ln>
+                  <a:noFill/>
+                </a:ln>
+                <a:solidFill>
+                  <a:prstClr val="black"/>
+                </a:solidFill>
+                <a:effectLst/>
+                <a:uLnTx/>
+                <a:uFillTx/>
+                <a:latin typeface="Calibri" panose="020F0502020204030204"/>
+                <a:ea typeface="ＭＳ Ｐゴシック" panose="020B0600070205080204" pitchFamily="50" charset="-128"/>
+                <a:cs typeface="+mn-cs"/>
+              </a:rPr>
+              <a:t>決済</a:t>
+            </a:r>
+            <a:endParaRPr kumimoji="1" lang="ja-JP" altLang="en-US" sz="2400" b="0" i="0" u="none" strike="noStrike" kern="1200" cap="none" spc="0" normalizeH="0" baseline="0" noProof="0">
+              <a:ln>
+                <a:noFill/>
+              </a:ln>
+              <a:solidFill>
+                <a:prstClr val="black"/>
+              </a:solidFill>
+              <a:effectLst/>
+              <a:uLnTx/>
+              <a:uFillTx/>
+              <a:latin typeface="Calibri" panose="020F0502020204030204"/>
+              <a:ea typeface="ＭＳ Ｐゴシック" panose="020B0600070205080204" pitchFamily="50" charset="-128"/>
+              <a:cs typeface="+mn-cs"/>
+            </a:endParaRPr>
+          </a:p>
+        </p:txBody>
+      </p:sp>
+      <p:sp>
+        <p:nvSpPr>
+          <p:cNvPr id="27" name="テキスト ボックス 26"/>
+          <p:cNvSpPr txBox="1"/>
+          <p:nvPr/>
+        </p:nvSpPr>
+        <p:spPr>
+          <a:xfrm>
+            <a:off x="5219591" y="5459237"/>
+            <a:ext cx="3352910" cy="461665"/>
+          </a:xfrm>
+          <a:prstGeom prst="rect">
+            <a:avLst/>
+          </a:prstGeom>
+          <a:solidFill>
+            <a:schemeClr val="bg1">
+              <a:lumMod val="95000"/>
+            </a:schemeClr>
+          </a:solidFill>
+        </p:spPr>
+        <p:txBody>
+          <a:bodyPr wrap="square" rtlCol="0">
+            <a:spAutoFit/>
+          </a:bodyPr>
+          <a:lstStyle/>
+          <a:p>
+            <a:pPr marL="0" marR="0" lvl="0" indent="0" algn="l" defTabSz="914400" rtl="0" eaLnBrk="1" fontAlgn="auto" latinLnBrk="0" hangingPunct="1">
+              <a:lnSpc>
+                <a:spcPct val="100000"/>
+              </a:lnSpc>
+              <a:spcBef>
+                <a:spcPts val="0"/>
+              </a:spcBef>
+              <a:spcAft>
+                <a:spcPts val="0"/>
+              </a:spcAft>
+              <a:buClrTx/>
+              <a:buSzTx/>
+              <a:buFontTx/>
+              <a:buNone/>
+              <a:tabLst/>
+              <a:defRPr/>
+            </a:pPr>
+            <a:r>
+              <a:rPr kumimoji="1" lang="ja-JP" altLang="en-US" sz="2400" b="0" i="0" u="none" strike="noStrike" kern="1200" cap="none" spc="0" normalizeH="0" baseline="0" noProof="0" smtClean="0">
+                <a:ln>
+                  <a:noFill/>
+                </a:ln>
+                <a:solidFill>
+                  <a:prstClr val="black"/>
+                </a:solidFill>
+                <a:effectLst/>
+                <a:uLnTx/>
+                <a:uFillTx/>
+                <a:latin typeface="Calibri" panose="020F0502020204030204"/>
+                <a:ea typeface="ＭＳ Ｐゴシック" panose="020B0600070205080204" pitchFamily="50" charset="-128"/>
+                <a:cs typeface="+mn-cs"/>
+              </a:rPr>
+              <a:t>カート上で商品情報取得</a:t>
+            </a:r>
+            <a:endParaRPr kumimoji="1" lang="ja-JP" altLang="en-US" sz="2400" b="0" i="0" u="none" strike="noStrike" kern="1200" cap="none" spc="0" normalizeH="0" baseline="0" noProof="0">
+              <a:ln>
+                <a:noFill/>
+              </a:ln>
+              <a:solidFill>
+                <a:prstClr val="black"/>
+              </a:solidFill>
+              <a:effectLst/>
+              <a:uLnTx/>
+              <a:uFillTx/>
+              <a:latin typeface="Calibri" panose="020F0502020204030204"/>
+              <a:ea typeface="ＭＳ Ｐゴシック" panose="020B0600070205080204" pitchFamily="50" charset="-128"/>
+              <a:cs typeface="+mn-cs"/>
+            </a:endParaRPr>
           </a:p>
         </p:txBody>
       </p:sp>
     </p:spTree>
     <p:extLst>
       <p:ext uri="{BB962C8B-B14F-4D97-AF65-F5344CB8AC3E}">
-        <p14:creationId xmlns:p14="http://schemas.microsoft.com/office/powerpoint/2010/main" val="1955587808"/>
+        <p14:creationId xmlns:p14="http://schemas.microsoft.com/office/powerpoint/2010/main" val="794121251"/>
       </p:ext>
     </p:extLst>
   </p:cSld>
@@ -7390,8 +14366,8 @@
         </p:nvSpPr>
         <p:spPr>
           <a:xfrm>
-            <a:off x="1097280" y="1865807"/>
-            <a:ext cx="5216978" cy="461665"/>
+            <a:off x="1097280" y="1834131"/>
+            <a:ext cx="5216978" cy="523220"/>
           </a:xfrm>
           <a:prstGeom prst="rect">
             <a:avLst/>
@@ -7405,18 +14381,26 @@
           <a:lstStyle/>
           <a:p>
             <a:r>
-              <a:rPr lang="ja-JP" altLang="en-US" sz="2400" dirty="0" smtClean="0"/>
+              <a:rPr lang="ja-JP" altLang="en-US" sz="2800" dirty="0" smtClean="0"/>
               <a:t>店側</a:t>
             </a:r>
             <a:r>
-              <a:rPr lang="en-US" altLang="ja-JP" sz="2400" dirty="0" smtClean="0"/>
+              <a:rPr lang="en-US" altLang="ja-JP" sz="2800" dirty="0" smtClean="0"/>
               <a:t>:</a:t>
             </a:r>
             <a:r>
-              <a:rPr lang="ja-JP" altLang="en-US" sz="2400" dirty="0" smtClean="0"/>
+              <a:rPr lang="ja-JP" altLang="en-US" sz="2800" dirty="0" smtClean="0">
+                <a:solidFill>
+                  <a:srgbClr val="FF0000"/>
+                </a:solidFill>
+              </a:rPr>
               <a:t>コスト削減</a:t>
             </a:r>
-            <a:endParaRPr kumimoji="1" lang="ja-JP" altLang="en-US" sz="2400" dirty="0"/>
+            <a:endParaRPr kumimoji="1" lang="ja-JP" altLang="en-US" sz="2800" dirty="0">
+              <a:solidFill>
+                <a:srgbClr val="FF0000"/>
+              </a:solidFill>
+            </a:endParaRPr>
           </a:p>
         </p:txBody>
       </p:sp>
@@ -7429,7 +14413,7 @@
         <p:spPr>
           <a:xfrm>
             <a:off x="1355273" y="2388258"/>
-            <a:ext cx="8939892" cy="1815882"/>
+            <a:ext cx="8939892" cy="2492990"/>
           </a:xfrm>
           <a:prstGeom prst="rect">
             <a:avLst/>
@@ -7442,47 +14426,47 @@
           <a:lstStyle/>
           <a:p>
             <a:r>
-              <a:rPr lang="ja-JP" altLang="en-US" sz="2400" dirty="0"/>
+              <a:rPr lang="ja-JP" altLang="en-US" sz="2800" dirty="0"/>
               <a:t>セルフレジ</a:t>
             </a:r>
             <a:r>
-              <a:rPr lang="en-US" altLang="ja-JP" sz="2400" dirty="0"/>
+              <a:rPr lang="en-US" altLang="ja-JP" sz="2800" dirty="0"/>
               <a:t>1</a:t>
             </a:r>
             <a:r>
-              <a:rPr lang="ja-JP" altLang="en-US" sz="2400" dirty="0"/>
+              <a:rPr lang="ja-JP" altLang="en-US" sz="2800" dirty="0"/>
               <a:t>セットを購入するのにかかる値段</a:t>
             </a:r>
-            <a:endParaRPr lang="en-US" altLang="ja-JP" sz="2400" dirty="0"/>
+            <a:endParaRPr lang="en-US" altLang="ja-JP" sz="2800" dirty="0"/>
           </a:p>
           <a:p>
             <a:pPr lvl="1"/>
             <a:r>
-              <a:rPr lang="ja-JP" altLang="en-US" sz="2400" dirty="0"/>
+              <a:rPr lang="ja-JP" altLang="en-US" sz="2800" dirty="0"/>
               <a:t>約</a:t>
             </a:r>
             <a:r>
-              <a:rPr lang="en-US" altLang="ja-JP" sz="2400" dirty="0"/>
+              <a:rPr lang="en-US" altLang="ja-JP" sz="2800" dirty="0"/>
               <a:t>3,500,000</a:t>
             </a:r>
             <a:r>
-              <a:rPr lang="ja-JP" altLang="en-US" sz="2400" dirty="0" smtClean="0"/>
+              <a:rPr lang="ja-JP" altLang="en-US" sz="2800" dirty="0" smtClean="0"/>
               <a:t>円 </a:t>
             </a:r>
             <a:r>
-              <a:rPr lang="en-US" altLang="ja-JP" sz="2400" dirty="0" smtClean="0"/>
+              <a:rPr lang="en-US" altLang="ja-JP" sz="2800" dirty="0" smtClean="0"/>
               <a:t>* 6</a:t>
             </a:r>
             <a:r>
-              <a:rPr lang="ja-JP" altLang="en-US" sz="2400" dirty="0" smtClean="0"/>
+              <a:rPr lang="ja-JP" altLang="en-US" sz="2800" dirty="0" smtClean="0"/>
               <a:t>台 </a:t>
             </a:r>
             <a:r>
-              <a:rPr lang="en-US" altLang="ja-JP" sz="2400" dirty="0" smtClean="0"/>
+              <a:rPr lang="en-US" altLang="ja-JP" sz="2800" dirty="0" smtClean="0"/>
               <a:t>= </a:t>
             </a:r>
             <a:r>
-              <a:rPr lang="en-US" altLang="ja-JP" sz="3200" dirty="0" smtClean="0">
+              <a:rPr lang="en-US" altLang="ja-JP" sz="3600" dirty="0" smtClean="0">
                 <a:solidFill>
                   <a:srgbClr val="FF0000"/>
                 </a:solidFill>
@@ -7490,78 +14474,78 @@
               <a:t>21,000,000</a:t>
             </a:r>
             <a:r>
-              <a:rPr lang="ja-JP" altLang="en-US" sz="3200" dirty="0" smtClean="0">
+              <a:rPr lang="ja-JP" altLang="en-US" sz="3600" dirty="0" smtClean="0">
                 <a:solidFill>
                   <a:srgbClr val="FF0000"/>
                 </a:solidFill>
               </a:rPr>
               <a:t>円</a:t>
             </a:r>
-            <a:r>
-              <a:rPr lang="en-US" altLang="ja-JP" sz="3200" dirty="0" smtClean="0">
+            <a:endParaRPr lang="en-US" altLang="ja-JP" sz="2800" dirty="0">
+              <a:solidFill>
+                <a:srgbClr val="FF0000"/>
+              </a:solidFill>
+            </a:endParaRPr>
+          </a:p>
+          <a:p>
+            <a:r>
+              <a:rPr lang="en-US" altLang="ja-JP" sz="2800" dirty="0"/>
+              <a:t>Web</a:t>
+            </a:r>
+            <a:r>
+              <a:rPr lang="ja-JP" altLang="en-US" sz="2800" dirty="0"/>
+              <a:t>カメラを使用し、本システムを導入した場合にかかる機材の費用</a:t>
+            </a:r>
+            <a:endParaRPr lang="en-US" altLang="ja-JP" sz="2800" dirty="0"/>
+          </a:p>
+          <a:p>
+            <a:pPr lvl="1"/>
+            <a:r>
+              <a:rPr lang="ja-JP" altLang="en-US" sz="2800" dirty="0"/>
+              <a:t>約</a:t>
+            </a:r>
+            <a:r>
+              <a:rPr lang="en-US" altLang="ja-JP" sz="2800" dirty="0"/>
+              <a:t>12,500</a:t>
+            </a:r>
+            <a:r>
+              <a:rPr lang="ja-JP" altLang="en-US" sz="2800" dirty="0" smtClean="0"/>
+              <a:t>円 </a:t>
+            </a:r>
+            <a:r>
+              <a:rPr lang="en-US" altLang="ja-JP" sz="2800" dirty="0" smtClean="0"/>
+              <a:t>* 80</a:t>
+            </a:r>
+            <a:r>
+              <a:rPr lang="ja-JP" altLang="en-US" sz="2800" dirty="0" smtClean="0"/>
+              <a:t>個（カゴの個数） </a:t>
+            </a:r>
+            <a:r>
+              <a:rPr lang="en-US" altLang="ja-JP" sz="2800" dirty="0"/>
+              <a:t>= </a:t>
+            </a:r>
+            <a:r>
+              <a:rPr lang="en-US" altLang="ja-JP" sz="3600" dirty="0" smtClean="0">
                 <a:solidFill>
                   <a:srgbClr val="FF0000"/>
                 </a:solidFill>
               </a:rPr>
-              <a:t>!!!</a:t>
-            </a:r>
-            <a:endParaRPr lang="en-US" altLang="ja-JP" sz="2400" dirty="0">
+              <a:t>1,000,000</a:t>
+            </a:r>
+            <a:r>
+              <a:rPr lang="ja-JP" altLang="en-US" sz="3600" dirty="0" smtClean="0">
+                <a:solidFill>
+                  <a:srgbClr val="FF0000"/>
+                </a:solidFill>
+              </a:rPr>
+              <a:t>円</a:t>
+            </a:r>
+            <a:endParaRPr lang="en-US" altLang="ja-JP" sz="2800" dirty="0">
               <a:solidFill>
                 <a:srgbClr val="FF0000"/>
               </a:solidFill>
             </a:endParaRPr>
           </a:p>
-          <a:p>
-            <a:r>
-              <a:rPr lang="en-US" altLang="ja-JP" sz="2400" dirty="0"/>
-              <a:t>Web</a:t>
-            </a:r>
-            <a:r>
-              <a:rPr lang="ja-JP" altLang="en-US" sz="2400" dirty="0"/>
-              <a:t>カメラを使用し、本システムを導入した場合にかかる機材の費用</a:t>
-            </a:r>
-            <a:endParaRPr lang="en-US" altLang="ja-JP" sz="2400" dirty="0"/>
-          </a:p>
-          <a:p>
-            <a:pPr lvl="1"/>
-            <a:r>
-              <a:rPr lang="ja-JP" altLang="en-US" sz="2400" dirty="0"/>
-              <a:t>約</a:t>
-            </a:r>
-            <a:r>
-              <a:rPr lang="en-US" altLang="ja-JP" sz="2400" dirty="0"/>
-              <a:t>12,500</a:t>
-            </a:r>
-            <a:r>
-              <a:rPr lang="ja-JP" altLang="en-US" sz="2400" dirty="0" smtClean="0"/>
-              <a:t>円 </a:t>
-            </a:r>
-            <a:r>
-              <a:rPr lang="en-US" altLang="ja-JP" sz="2400" dirty="0" smtClean="0"/>
-              <a:t>* 80</a:t>
-            </a:r>
-            <a:r>
-              <a:rPr lang="ja-JP" altLang="en-US" sz="2400" dirty="0" smtClean="0"/>
-              <a:t>個（カゴの個数） </a:t>
-            </a:r>
-            <a:r>
-              <a:rPr lang="en-US" altLang="ja-JP" sz="2400" dirty="0"/>
-              <a:t>= </a:t>
-            </a:r>
-            <a:r>
-              <a:rPr lang="en-US" altLang="ja-JP" sz="3200" dirty="0" smtClean="0">
-                <a:solidFill>
-                  <a:srgbClr val="FF0000"/>
-                </a:solidFill>
-              </a:rPr>
-              <a:t>1,000,000!!</a:t>
-            </a:r>
-            <a:endParaRPr lang="en-US" altLang="ja-JP" sz="2400" dirty="0">
-              <a:solidFill>
-                <a:srgbClr val="FF0000"/>
-              </a:solidFill>
-            </a:endParaRPr>
-          </a:p>
         </p:txBody>
       </p:sp>
       <p:sp>
@@ -7572,8 +14556,8 @@
         </p:nvSpPr>
         <p:spPr>
           <a:xfrm>
-            <a:off x="1355273" y="4670574"/>
-            <a:ext cx="3355521" cy="461665"/>
+            <a:off x="954668" y="5208851"/>
+            <a:ext cx="3355521" cy="523220"/>
           </a:xfrm>
           <a:prstGeom prst="rect">
             <a:avLst/>
@@ -7587,18 +14571,26 @@
           <a:lstStyle/>
           <a:p>
             <a:r>
-              <a:rPr lang="ja-JP" altLang="en-US" sz="2400" dirty="0" smtClean="0"/>
+              <a:rPr lang="ja-JP" altLang="en-US" sz="2800" dirty="0" smtClean="0"/>
               <a:t>お客様</a:t>
             </a:r>
             <a:r>
-              <a:rPr lang="en-US" altLang="ja-JP" sz="2400" dirty="0" smtClean="0"/>
+              <a:rPr lang="en-US" altLang="ja-JP" sz="2800" dirty="0" smtClean="0"/>
               <a:t>:</a:t>
             </a:r>
             <a:r>
-              <a:rPr lang="ja-JP" altLang="en-US" sz="2400" dirty="0" smtClean="0"/>
+              <a:rPr lang="ja-JP" altLang="en-US" sz="2800" dirty="0" smtClean="0">
+                <a:solidFill>
+                  <a:srgbClr val="FF0000"/>
+                </a:solidFill>
+              </a:rPr>
               <a:t>時間の短縮</a:t>
             </a:r>
-            <a:endParaRPr kumimoji="1" lang="ja-JP" altLang="en-US" sz="2400" dirty="0"/>
+            <a:endParaRPr kumimoji="1" lang="ja-JP" altLang="en-US" sz="2800" dirty="0">
+              <a:solidFill>
+                <a:srgbClr val="FF0000"/>
+              </a:solidFill>
+            </a:endParaRPr>
           </a:p>
         </p:txBody>
       </p:sp>
@@ -7753,7 +14745,7 @@
           <p:nvPr/>
         </p:nvPicPr>
         <p:blipFill rotWithShape="1">
-          <a:blip r:embed="rId2" cstate="print">
+          <a:blip r:embed="rId3" cstate="print">
             <a:extLst>
               <a:ext uri="{28A0092B-C50C-407E-A947-70E740481C1C}">
                 <a14:useLocalDpi xmlns:a14="http://schemas.microsoft.com/office/drawing/2010/main" val="0"/>
@@ -7793,20 +14785,25 @@
             <p:ph type="title"/>
           </p:nvPr>
         </p:nvSpPr>
-        <p:spPr/>
+        <p:spPr>
+          <a:xfrm>
+            <a:off x="1097280" y="286604"/>
+            <a:ext cx="10058400" cy="811036"/>
+          </a:xfrm>
+        </p:spPr>
         <p:txBody>
           <a:bodyPr/>
           <a:lstStyle/>
           <a:p>
             <a:r>
-              <a:rPr lang="ja-JP" altLang="en-US" smtClean="0"/>
+              <a:rPr lang="ja-JP" altLang="en-US" dirty="0" smtClean="0"/>
               <a:t>イメージ</a:t>
             </a:r>
             <a:r>
-              <a:rPr lang="ja-JP" altLang="en-US"/>
+              <a:rPr lang="ja-JP" altLang="en-US" dirty="0"/>
               <a:t>図</a:t>
             </a:r>
-            <a:endParaRPr kumimoji="1" lang="ja-JP" altLang="en-US"/>
+            <a:endParaRPr kumimoji="1" lang="ja-JP" altLang="en-US" dirty="0"/>
           </a:p>
         </p:txBody>
       </p:sp>
@@ -7819,7 +14816,7 @@
           <p:nvPr/>
         </p:nvPicPr>
         <p:blipFill>
-          <a:blip r:embed="rId3" cstate="print">
+          <a:blip r:embed="rId4" cstate="print">
             <a:extLst>
               <a:ext uri="{28A0092B-C50C-407E-A947-70E740481C1C}">
                 <a14:useLocalDpi xmlns:a14="http://schemas.microsoft.com/office/drawing/2010/main" val="0"/>
@@ -7860,7 +14857,7 @@
           <p:nvPr/>
         </p:nvPicPr>
         <p:blipFill>
-          <a:blip r:embed="rId4" cstate="print">
+          <a:blip r:embed="rId5" cstate="print">
             <a:extLst>
               <a:ext uri="{28A0092B-C50C-407E-A947-70E740481C1C}">
                 <a14:useLocalDpi xmlns:a14="http://schemas.microsoft.com/office/drawing/2010/main" val="0"/>
@@ -7951,7 +14948,7 @@
           <p:nvPr/>
         </p:nvPicPr>
         <p:blipFill>
-          <a:blip r:embed="rId5">
+          <a:blip r:embed="rId6">
             <a:extLst>
               <a:ext uri="{28A0092B-C50C-407E-A947-70E740481C1C}">
                 <a14:useLocalDpi xmlns:a14="http://schemas.microsoft.com/office/drawing/2010/main" val="0"/>
@@ -8250,7 +15247,7 @@
           <p:nvPr/>
         </p:nvPicPr>
         <p:blipFill>
-          <a:blip r:embed="rId6">
+          <a:blip r:embed="rId7">
             <a:extLst>
               <a:ext uri="{28A0092B-C50C-407E-A947-70E740481C1C}">
                 <a14:useLocalDpi xmlns:a14="http://schemas.microsoft.com/office/drawing/2010/main" val="0"/>
@@ -8264,8 +15261,8 @@
         </p:blipFill>
         <p:spPr bwMode="auto">
           <a:xfrm>
-            <a:off x="9209419" y="2952086"/>
-            <a:ext cx="1648776" cy="1951214"/>
+            <a:off x="8802687" y="2952086"/>
+            <a:ext cx="2055508" cy="2432554"/>
           </a:xfrm>
           <a:prstGeom prst="rect">
             <a:avLst/>
@@ -8646,6 +15643,36 @@
               <a:t>7</a:t>
             </a:fld>
             <a:endParaRPr kumimoji="1" lang="ja-JP" altLang="en-US" dirty="0"/>
+          </a:p>
+        </p:txBody>
+      </p:sp>
+      <p:sp>
+        <p:nvSpPr>
+          <p:cNvPr id="4" name="テキスト ボックス 3"/>
+          <p:cNvSpPr txBox="1"/>
+          <p:nvPr/>
+        </p:nvSpPr>
+        <p:spPr>
+          <a:xfrm>
+            <a:off x="1097280" y="1240782"/>
+            <a:ext cx="2921527" cy="461665"/>
+          </a:xfrm>
+          <a:prstGeom prst="rect">
+            <a:avLst/>
+          </a:prstGeom>
+          <a:noFill/>
+        </p:spPr>
+        <p:txBody>
+          <a:bodyPr wrap="square" rtlCol="0">
+            <a:spAutoFit/>
+          </a:bodyPr>
+          <a:lstStyle/>
+          <a:p>
+            <a:r>
+              <a:rPr lang="ja-JP" altLang="en-US" sz="2400" dirty="0" smtClean="0"/>
+              <a:t>カゴ</a:t>
+            </a:r>
+            <a:endParaRPr lang="en-US" altLang="ja-JP" sz="2400" dirty="0" smtClean="0"/>
           </a:p>
         </p:txBody>
       </p:sp>
@@ -8695,7 +15722,7 @@
           <p:nvPr/>
         </p:nvPicPr>
         <p:blipFill>
-          <a:blip r:embed="rId2">
+          <a:blip r:embed="rId3">
             <a:extLst>
               <a:ext uri="{28A0092B-C50C-407E-A947-70E740481C1C}">
                 <a14:useLocalDpi xmlns:a14="http://schemas.microsoft.com/office/drawing/2010/main" val="0"/>
@@ -8778,7 +15805,7 @@
         <p:spPr>
           <a:xfrm>
             <a:off x="5725206" y="1063588"/>
-            <a:ext cx="5580288" cy="3416320"/>
+            <a:ext cx="5580288" cy="4154984"/>
           </a:xfrm>
           <a:prstGeom prst="rect">
             <a:avLst/>
@@ -8863,7 +15890,29 @@
             </a:r>
             <a:r>
               <a:rPr kumimoji="1" lang="ja-JP" altLang="en-US" sz="2400" dirty="0" smtClean="0"/>
-              <a:t>を使用</a:t>
+              <a:t>を</a:t>
+            </a:r>
+            <a:r>
+              <a:rPr kumimoji="1" lang="ja-JP" altLang="en-US" sz="2400" dirty="0" smtClean="0"/>
+              <a:t>使用</a:t>
+            </a:r>
+            <a:endParaRPr kumimoji="1" lang="en-US" altLang="ja-JP" sz="2400" dirty="0" smtClean="0"/>
+          </a:p>
+          <a:p>
+            <a:endParaRPr lang="en-US" altLang="ja-JP" sz="2400" dirty="0"/>
+          </a:p>
+          <a:p>
+            <a:r>
+              <a:rPr kumimoji="1" lang="ja-JP" altLang="en-US" sz="2400" dirty="0" smtClean="0"/>
+              <a:t>・</a:t>
+            </a:r>
+            <a:r>
+              <a:rPr lang="ja-JP" altLang="en-US" sz="2400" dirty="0"/>
+              <a:t>ガントチャート用いてスケジュール</a:t>
+            </a:r>
+            <a:r>
+              <a:rPr lang="ja-JP" altLang="en-US" sz="2400" dirty="0" smtClean="0"/>
+              <a:t>管理</a:t>
             </a:r>
             <a:endParaRPr kumimoji="1" lang="en-US" altLang="ja-JP" sz="2400" dirty="0" smtClean="0"/>
           </a:p>
@@ -9009,17 +16058,17 @@
           </a:prstGeom>
         </p:spPr>
         <p:style>
-          <a:lnRef idx="2">
-            <a:schemeClr val="dk1"/>
+          <a:lnRef idx="1">
+            <a:schemeClr val="accent3"/>
           </a:lnRef>
-          <a:fillRef idx="1">
-            <a:schemeClr val="lt1"/>
+          <a:fillRef idx="3">
+            <a:schemeClr val="accent3"/>
           </a:fillRef>
-          <a:effectRef idx="0">
-            <a:schemeClr val="dk1"/>
+          <a:effectRef idx="2">
+            <a:schemeClr val="accent3"/>
           </a:effectRef>
           <a:fontRef idx="minor">
-            <a:schemeClr val="dk1"/>
+            <a:schemeClr val="lt1"/>
           </a:fontRef>
         </p:style>
         <p:txBody>
@@ -9053,16 +16102,18 @@
         </p:spPr>
         <p:style>
           <a:lnRef idx="2">
-            <a:schemeClr val="dk1"/>
+            <a:schemeClr val="accent2">
+              <a:shade val="50000"/>
+            </a:schemeClr>
           </a:lnRef>
           <a:fillRef idx="1">
-            <a:schemeClr val="lt1"/>
+            <a:schemeClr val="accent2"/>
           </a:fillRef>
           <a:effectRef idx="0">
-            <a:schemeClr val="dk1"/>
+            <a:schemeClr val="accent2"/>
           </a:effectRef>
           <a:fontRef idx="minor">
-            <a:schemeClr val="dk1"/>
+            <a:schemeClr val="lt1"/>
           </a:fontRef>
         </p:style>
         <p:txBody>
@@ -9096,16 +16147,18 @@
         </p:spPr>
         <p:style>
           <a:lnRef idx="2">
-            <a:schemeClr val="dk1"/>
+            <a:schemeClr val="accent1">
+              <a:shade val="50000"/>
+            </a:schemeClr>
           </a:lnRef>
           <a:fillRef idx="1">
-            <a:schemeClr val="lt1"/>
+            <a:schemeClr val="accent1"/>
           </a:fillRef>
           <a:effectRef idx="0">
-            <a:schemeClr val="dk1"/>
+            <a:schemeClr val="accent1"/>
           </a:effectRef>
           <a:fontRef idx="minor">
-            <a:schemeClr val="dk1"/>
+            <a:schemeClr val="lt1"/>
           </a:fontRef>
         </p:style>
         <p:txBody>
@@ -9293,8 +16346,12 @@
               <a:t>・</a:t>
             </a:r>
             <a:r>
+              <a:rPr lang="en-US" altLang="ja-JP" sz="2400" dirty="0" err="1"/>
+              <a:t>p</a:t>
+            </a:r>
+            <a:r>
               <a:rPr kumimoji="1" lang="en-US" altLang="ja-JP" sz="2400" dirty="0" err="1" smtClean="0"/>
-              <a:t>Pyzbar</a:t>
+              <a:t>yzbar</a:t>
             </a:r>
             <a:r>
               <a:rPr kumimoji="1" lang="ja-JP" altLang="en-US" sz="2400" dirty="0" smtClean="0"/>
@@ -9658,9 +16715,9 @@
 </file>
 
 <file path=ppt/theme/theme2.xml><?xml version="1.0" encoding="utf-8"?>
-<a:theme xmlns:a="http://schemas.openxmlformats.org/drawingml/2006/main" name="Office テーマ">
+<a:theme xmlns:a="http://schemas.openxmlformats.org/drawingml/2006/main" name="1_レトロスペクト">
   <a:themeElements>
-    <a:clrScheme name="Office">
+    <a:clrScheme name="レトロスペクト">
       <a:dk1>
         <a:sysClr val="windowText" lastClr="000000"/>
       </a:dk1>
@@ -9668,44 +16725,44 @@
         <a:sysClr val="window" lastClr="FFFFFF"/>
       </a:lt1>
       <a:dk2>
-        <a:srgbClr val="44546A"/>
+        <a:srgbClr val="344068"/>
       </a:dk2>
       <a:lt2>
-        <a:srgbClr val="E7E6E6"/>
+        <a:srgbClr val="D9E0E6"/>
       </a:lt2>
       <a:accent1>
-        <a:srgbClr val="5B9BD5"/>
+        <a:srgbClr val="1CADE4"/>
       </a:accent1>
       <a:accent2>
-        <a:srgbClr val="ED7D31"/>
+        <a:srgbClr val="2683C6"/>
       </a:accent2>
       <a:accent3>
-        <a:srgbClr val="A5A5A5"/>
+        <a:srgbClr val="28C4CC"/>
       </a:accent3>
       <a:accent4>
-        <a:srgbClr val="FFC000"/>
+        <a:srgbClr val="42BA97"/>
       </a:accent4>
       <a:accent5>
-        <a:srgbClr val="4472C4"/>
+        <a:srgbClr val="3E8853"/>
       </a:accent5>
       <a:accent6>
-        <a:srgbClr val="70AD47"/>
+        <a:srgbClr val="62A39F"/>
       </a:accent6>
       <a:hlink>
-        <a:srgbClr val="0563C1"/>
+        <a:srgbClr val="6EAC1C"/>
       </a:hlink>
       <a:folHlink>
-        <a:srgbClr val="954F72"/>
+        <a:srgbClr val="B26B02"/>
       </a:folHlink>
     </a:clrScheme>
-    <a:fontScheme name="Office">
+    <a:fontScheme name="レトロスペクト">
       <a:majorFont>
-        <a:latin typeface="游ゴシック Light" panose="020F0302020204030204"/>
+        <a:latin typeface="Calibri Light" panose="020F0302020204030204"/>
         <a:ea typeface=""/>
         <a:cs typeface=""/>
-        <a:font script="Jpan" typeface="游ゴシック Light"/>
+        <a:font script="Jpan" typeface="ＭＳ Ｐゴシック"/>
         <a:font script="Hang" typeface="맑은 고딕"/>
-        <a:font script="Hans" typeface="等线 Light"/>
+        <a:font script="Hans" typeface="宋体"/>
         <a:font script="Hant" typeface="新細明體"/>
         <a:font script="Arab" typeface="Times New Roman"/>
         <a:font script="Hebr" typeface="Times New Roman"/>
@@ -9735,12 +16792,12 @@
         <a:font script="Geor" typeface="Sylfaen"/>
       </a:majorFont>
       <a:minorFont>
-        <a:latin typeface="游ゴシック" panose="020F0502020204030204"/>
+        <a:latin typeface="Calibri" panose="020F0502020204030204"/>
         <a:ea typeface=""/>
         <a:cs typeface=""/>
-        <a:font script="Jpan" typeface="游ゴシック"/>
+        <a:font script="Jpan" typeface="ＭＳ Ｐゴシック"/>
         <a:font script="Hang" typeface="맑은 고딕"/>
-        <a:font script="Hans" typeface="等线"/>
+        <a:font script="Hans" typeface="宋体"/>
         <a:font script="Hant" typeface="新細明體"/>
         <a:font script="Arab" typeface="Arial"/>
         <a:font script="Hebr" typeface="Arial"/>
@@ -9770,7 +16827,7 @@
         <a:font script="Geor" typeface="Sylfaen"/>
       </a:minorFont>
     </a:fontScheme>
-    <a:fmtScheme name="Office">
+    <a:fmtScheme name="レトロスペクト">
       <a:fillStyleLst>
         <a:solidFill>
           <a:schemeClr val="phClr"/>
@@ -9779,76 +16836,81 @@
           <a:gsLst>
             <a:gs pos="0">
               <a:schemeClr val="phClr">
-                <a:lumMod val="110000"/>
-                <a:satMod val="105000"/>
-                <a:tint val="67000"/>
+                <a:tint val="65000"/>
+                <a:shade val="92000"/>
+                <a:satMod val="130000"/>
               </a:schemeClr>
             </a:gs>
-            <a:gs pos="50000">
+            <a:gs pos="45000">
               <a:schemeClr val="phClr">
-                <a:lumMod val="105000"/>
-                <a:satMod val="103000"/>
-                <a:tint val="73000"/>
+                <a:tint val="60000"/>
+                <a:shade val="99000"/>
+                <a:satMod val="120000"/>
               </a:schemeClr>
             </a:gs>
             <a:gs pos="100000">
               <a:schemeClr val="phClr">
-                <a:lumMod val="105000"/>
-                <a:satMod val="109000"/>
-                <a:tint val="81000"/>
+                <a:tint val="55000"/>
+                <a:satMod val="140000"/>
               </a:schemeClr>
             </a:gs>
           </a:gsLst>
-          <a:lin ang="5400000" scaled="0"/>
+          <a:path path="circle">
+            <a:fillToRect l="100000" t="100000" r="100000" b="100000"/>
+          </a:path>
         </a:gradFill>
         <a:gradFill rotWithShape="1">
           <a:gsLst>
             <a:gs pos="0">
               <a:schemeClr val="phClr">
-                <a:satMod val="103000"/>
-                <a:lumMod val="102000"/>
-                <a:tint val="94000"/>
+                <a:shade val="85000"/>
+                <a:satMod val="130000"/>
               </a:schemeClr>
             </a:gs>
-            <a:gs pos="50000">
+            <a:gs pos="34000">
               <a:schemeClr val="phClr">
-                <a:satMod val="110000"/>
-                <a:lumMod val="100000"/>
-                <a:shade val="100000"/>
+                <a:shade val="87000"/>
+                <a:satMod val="125000"/>
+              </a:schemeClr>
+            </a:gs>
+            <a:gs pos="70000">
+              <a:schemeClr val="phClr">
+                <a:tint val="100000"/>
+                <a:shade val="90000"/>
+                <a:satMod val="130000"/>
               </a:schemeClr>
             </a:gs>
             <a:gs pos="100000">
               <a:schemeClr val="phClr">
-                <a:lumMod val="99000"/>
-                <a:satMod val="120000"/>
-                <a:shade val="78000"/>
+                <a:tint val="100000"/>
+                <a:shade val="100000"/>
+                <a:satMod val="110000"/>
               </a:schemeClr>
             </a:gs>
           </a:gsLst>
-          <a:lin ang="5400000" scaled="0"/>
+          <a:path path="circle">
+            <a:fillToRect l="100000" t="100000" r="100000" b="100000"/>
+          </a:path>
         </a:gradFill>
       </a:fillStyleLst>
       <a:lnStyleLst>
-        <a:ln w="6350" cap="flat" cmpd="sng" algn="ctr">
-          <a:solidFill>
-            <a:schemeClr val="phClr"/>
-          </a:solidFill>
-          <a:prstDash val="solid"/>
-          <a:miter lim="800000"/>
-        </a:ln>
         <a:ln w="12700" cap="flat" cmpd="sng" algn="ctr">
           <a:solidFill>
             <a:schemeClr val="phClr"/>
           </a:solidFill>
           <a:prstDash val="solid"/>
-          <a:miter lim="800000"/>
         </a:ln>
-        <a:ln w="19050" cap="flat" cmpd="sng" algn="ctr">
+        <a:ln w="15875" cap="flat" cmpd="sng" algn="ctr">
           <a:solidFill>
             <a:schemeClr val="phClr"/>
           </a:solidFill>
           <a:prstDash val="solid"/>
-          <a:miter lim="800000"/>
+        </a:ln>
+        <a:ln w="25400" cap="flat" cmpd="sng" algn="ctr">
+          <a:solidFill>
+            <a:schemeClr val="phClr"/>
+          </a:solidFill>
+          <a:prstDash val="solid"/>
         </a:ln>
       </a:lnStyleLst>
       <a:effectStyleLst>
@@ -9856,16 +16918,33 @@
           <a:effectLst/>
         </a:effectStyle>
         <a:effectStyle>
-          <a:effectLst/>
+          <a:effectLst>
+            <a:outerShdw blurRad="38100" dist="25400" dir="2700000" algn="br" rotWithShape="0">
+              <a:srgbClr val="000000">
+                <a:alpha val="60000"/>
+              </a:srgbClr>
+            </a:outerShdw>
+          </a:effectLst>
         </a:effectStyle>
         <a:effectStyle>
           <a:effectLst>
-            <a:outerShdw blurRad="57150" dist="19050" dir="5400000" algn="ctr" rotWithShape="0">
+            <a:outerShdw blurRad="44450" dist="25400" dir="2700000" algn="br" rotWithShape="0">
               <a:srgbClr val="000000">
-                <a:alpha val="63000"/>
+                <a:alpha val="60000"/>
               </a:srgbClr>
             </a:outerShdw>
           </a:effectLst>
+          <a:scene3d>
+            <a:camera prst="orthographicFront">
+              <a:rot lat="0" lon="0" rev="0"/>
+            </a:camera>
+            <a:lightRig rig="threePt" dir="t">
+              <a:rot lat="0" lon="0" rev="19800000"/>
+            </a:lightRig>
+          </a:scene3d>
+          <a:sp3d prstMaterial="flat">
+            <a:bevelT w="25400" h="31750"/>
+          </a:sp3d>
         </a:effectStyle>
       </a:effectStyleLst>
       <a:bgFillStyleLst>
@@ -9874,36 +16953,36 @@
         </a:solidFill>
         <a:solidFill>
           <a:schemeClr val="phClr">
-            <a:tint val="95000"/>
-            <a:satMod val="170000"/>
+            <a:tint val="90000"/>
+            <a:shade val="97000"/>
+            <a:satMod val="130000"/>
           </a:schemeClr>
         </a:solidFill>
         <a:gradFill rotWithShape="1">
           <a:gsLst>
             <a:gs pos="0">
               <a:schemeClr val="phClr">
-                <a:tint val="93000"/>
-                <a:satMod val="150000"/>
-                <a:shade val="98000"/>
-                <a:lumMod val="102000"/>
+                <a:tint val="96000"/>
+                <a:shade val="99000"/>
+                <a:satMod val="140000"/>
               </a:schemeClr>
             </a:gs>
-            <a:gs pos="50000">
+            <a:gs pos="65000">
               <a:schemeClr val="phClr">
-                <a:tint val="98000"/>
+                <a:tint val="100000"/>
+                <a:shade val="80000"/>
                 <a:satMod val="130000"/>
-                <a:shade val="90000"/>
-                <a:lumMod val="103000"/>
               </a:schemeClr>
             </a:gs>
             <a:gs pos="100000">
               <a:schemeClr val="phClr">
-                <a:shade val="63000"/>
+                <a:tint val="100000"/>
+                <a:shade val="48000"/>
                 <a:satMod val="120000"/>
               </a:schemeClr>
             </a:gs>
           </a:gsLst>
-          <a:lin ang="5400000" scaled="0"/>
+          <a:lin ang="16200000" scaled="0"/>
         </a:gradFill>
       </a:bgFillStyleLst>
     </a:fmtScheme>
@@ -9912,7 +16991,7 @@
   <a:extraClrSchemeLst/>
   <a:extLst>
     <a:ext uri="{05A4C25C-085E-4340-85A3-A5531E510DB2}">
-      <thm15:themeFamily xmlns:thm15="http://schemas.microsoft.com/office/thememl/2012/main" name="Office Theme" id="{62F939B6-93AF-4DB8-9C6B-D6C7DFDC589F}" vid="{4A3C46E8-61CC-4603-A589-7422A47A8E4A}"/>
+      <thm15:themeFamily xmlns:thm15="http://schemas.microsoft.com/office/thememl/2012/main" name="Retrospect" id="{5F128B03-DCCA-4EEB-AB3B-CF2899314A46}" vid="{9CC26709-368C-4D72-9060-94E5B3FF3CD6}"/>
     </a:ext>
   </a:extLst>
 </a:theme>
@@ -10177,4 +17256,265 @@
     </a:ext>
   </a:extLst>
 </a:theme>
+</file>
+
+<file path=ppt/theme/theme4.xml><?xml version="1.0" encoding="utf-8"?>
+<a:theme xmlns:a="http://schemas.openxmlformats.org/drawingml/2006/main" name="Office テーマ">
+  <a:themeElements>
+    <a:clrScheme name="Office">
+      <a:dk1>
+        <a:sysClr val="windowText" lastClr="000000"/>
+      </a:dk1>
+      <a:lt1>
+        <a:sysClr val="window" lastClr="FFFFFF"/>
+      </a:lt1>
+      <a:dk2>
+        <a:srgbClr val="44546A"/>
+      </a:dk2>
+      <a:lt2>
+        <a:srgbClr val="E7E6E6"/>
+      </a:lt2>
+      <a:accent1>
+        <a:srgbClr val="5B9BD5"/>
+      </a:accent1>
+      <a:accent2>
+        <a:srgbClr val="ED7D31"/>
+      </a:accent2>
+      <a:accent3>
+        <a:srgbClr val="A5A5A5"/>
+      </a:accent3>
+      <a:accent4>
+        <a:srgbClr val="FFC000"/>
+      </a:accent4>
+      <a:accent5>
+        <a:srgbClr val="4472C4"/>
+      </a:accent5>
+      <a:accent6>
+        <a:srgbClr val="70AD47"/>
+      </a:accent6>
+      <a:hlink>
+        <a:srgbClr val="0563C1"/>
+      </a:hlink>
+      <a:folHlink>
+        <a:srgbClr val="954F72"/>
+      </a:folHlink>
+    </a:clrScheme>
+    <a:fontScheme name="Office">
+      <a:majorFont>
+        <a:latin typeface="游ゴシック Light" panose="020F0302020204030204"/>
+        <a:ea typeface=""/>
+        <a:cs typeface=""/>
+        <a:font script="Jpan" typeface="游ゴシック Light"/>
+        <a:font script="Hang" typeface="맑은 고딕"/>
+        <a:font script="Hans" typeface="等线 Light"/>
+        <a:font script="Hant" typeface="新細明體"/>
+        <a:font script="Arab" typeface="Times New Roman"/>
+        <a:font script="Hebr" typeface="Times New Roman"/>
+        <a:font script="Thai" typeface="Angsana New"/>
+        <a:font script="Ethi" typeface="Nyala"/>
+        <a:font script="Beng" typeface="Vrinda"/>
+        <a:font script="Gujr" typeface="Shruti"/>
+        <a:font script="Khmr" typeface="MoolBoran"/>
+        <a:font script="Knda" typeface="Tunga"/>
+        <a:font script="Guru" typeface="Raavi"/>
+        <a:font script="Cans" typeface="Euphemia"/>
+        <a:font script="Cher" typeface="Plantagenet Cherokee"/>
+        <a:font script="Yiii" typeface="Microsoft Yi Baiti"/>
+        <a:font script="Tibt" typeface="Microsoft Himalaya"/>
+        <a:font script="Thaa" typeface="MV Boli"/>
+        <a:font script="Deva" typeface="Mangal"/>
+        <a:font script="Telu" typeface="Gautami"/>
+        <a:font script="Taml" typeface="Latha"/>
+        <a:font script="Syrc" typeface="Estrangelo Edessa"/>
+        <a:font script="Orya" typeface="Kalinga"/>
+        <a:font script="Mlym" typeface="Kartika"/>
+        <a:font script="Laoo" typeface="DokChampa"/>
+        <a:font script="Sinh" typeface="Iskoola Pota"/>
+        <a:font script="Mong" typeface="Mongolian Baiti"/>
+        <a:font script="Viet" typeface="Times New Roman"/>
+        <a:font script="Uigh" typeface="Microsoft Uighur"/>
+        <a:font script="Geor" typeface="Sylfaen"/>
+      </a:majorFont>
+      <a:minorFont>
+        <a:latin typeface="游ゴシック" panose="020F0502020204030204"/>
+        <a:ea typeface=""/>
+        <a:cs typeface=""/>
+        <a:font script="Jpan" typeface="游ゴシック"/>
+        <a:font script="Hang" typeface="맑은 고딕"/>
+        <a:font script="Hans" typeface="等线"/>
+        <a:font script="Hant" typeface="新細明體"/>
+        <a:font script="Arab" typeface="Arial"/>
+        <a:font script="Hebr" typeface="Arial"/>
+        <a:font script="Thai" typeface="Cordia New"/>
+        <a:font script="Ethi" typeface="Nyala"/>
+        <a:font script="Beng" typeface="Vrinda"/>
+        <a:font script="Gujr" typeface="Shruti"/>
+        <a:font script="Khmr" typeface="DaunPenh"/>
+        <a:font script="Knda" typeface="Tunga"/>
+        <a:font script="Guru" typeface="Raavi"/>
+        <a:font script="Cans" typeface="Euphemia"/>
+        <a:font script="Cher" typeface="Plantagenet Cherokee"/>
+        <a:font script="Yiii" typeface="Microsoft Yi Baiti"/>
+        <a:font script="Tibt" typeface="Microsoft Himalaya"/>
+        <a:font script="Thaa" typeface="MV Boli"/>
+        <a:font script="Deva" typeface="Mangal"/>
+        <a:font script="Telu" typeface="Gautami"/>
+        <a:font script="Taml" typeface="Latha"/>
+        <a:font script="Syrc" typeface="Estrangelo Edessa"/>
+        <a:font script="Orya" typeface="Kalinga"/>
+        <a:font script="Mlym" typeface="Kartika"/>
+        <a:font script="Laoo" typeface="DokChampa"/>
+        <a:font script="Sinh" typeface="Iskoola Pota"/>
+        <a:font script="Mong" typeface="Mongolian Baiti"/>
+        <a:font script="Viet" typeface="Arial"/>
+        <a:font script="Uigh" typeface="Microsoft Uighur"/>
+        <a:font script="Geor" typeface="Sylfaen"/>
+      </a:minorFont>
+    </a:fontScheme>
+    <a:fmtScheme name="Office">
+      <a:fillStyleLst>
+        <a:solidFill>
+          <a:schemeClr val="phClr"/>
+        </a:solidFill>
+        <a:gradFill rotWithShape="1">
+          <a:gsLst>
+            <a:gs pos="0">
+              <a:schemeClr val="phClr">
+                <a:lumMod val="110000"/>
+                <a:satMod val="105000"/>
+                <a:tint val="67000"/>
+              </a:schemeClr>
+            </a:gs>
+            <a:gs pos="50000">
+              <a:schemeClr val="phClr">
+                <a:lumMod val="105000"/>
+                <a:satMod val="103000"/>
+                <a:tint val="73000"/>
+              </a:schemeClr>
+            </a:gs>
+            <a:gs pos="100000">
+              <a:schemeClr val="phClr">
+                <a:lumMod val="105000"/>
+                <a:satMod val="109000"/>
+                <a:tint val="81000"/>
+              </a:schemeClr>
+            </a:gs>
+          </a:gsLst>
+          <a:lin ang="5400000" scaled="0"/>
+        </a:gradFill>
+        <a:gradFill rotWithShape="1">
+          <a:gsLst>
+            <a:gs pos="0">
+              <a:schemeClr val="phClr">
+                <a:satMod val="103000"/>
+                <a:lumMod val="102000"/>
+                <a:tint val="94000"/>
+              </a:schemeClr>
+            </a:gs>
+            <a:gs pos="50000">
+              <a:schemeClr val="phClr">
+                <a:satMod val="110000"/>
+                <a:lumMod val="100000"/>
+                <a:shade val="100000"/>
+              </a:schemeClr>
+            </a:gs>
+            <a:gs pos="100000">
+              <a:schemeClr val="phClr">
+                <a:lumMod val="99000"/>
+                <a:satMod val="120000"/>
+                <a:shade val="78000"/>
+              </a:schemeClr>
+            </a:gs>
+          </a:gsLst>
+          <a:lin ang="5400000" scaled="0"/>
+        </a:gradFill>
+      </a:fillStyleLst>
+      <a:lnStyleLst>
+        <a:ln w="6350" cap="flat" cmpd="sng" algn="ctr">
+          <a:solidFill>
+            <a:schemeClr val="phClr"/>
+          </a:solidFill>
+          <a:prstDash val="solid"/>
+          <a:miter lim="800000"/>
+        </a:ln>
+        <a:ln w="12700" cap="flat" cmpd="sng" algn="ctr">
+          <a:solidFill>
+            <a:schemeClr val="phClr"/>
+          </a:solidFill>
+          <a:prstDash val="solid"/>
+          <a:miter lim="800000"/>
+        </a:ln>
+        <a:ln w="19050" cap="flat" cmpd="sng" algn="ctr">
+          <a:solidFill>
+            <a:schemeClr val="phClr"/>
+          </a:solidFill>
+          <a:prstDash val="solid"/>
+          <a:miter lim="800000"/>
+        </a:ln>
+      </a:lnStyleLst>
+      <a:effectStyleLst>
+        <a:effectStyle>
+          <a:effectLst/>
+        </a:effectStyle>
+        <a:effectStyle>
+          <a:effectLst/>
+        </a:effectStyle>
+        <a:effectStyle>
+          <a:effectLst>
+            <a:outerShdw blurRad="57150" dist="19050" dir="5400000" algn="ctr" rotWithShape="0">
+              <a:srgbClr val="000000">
+                <a:alpha val="63000"/>
+              </a:srgbClr>
+            </a:outerShdw>
+          </a:effectLst>
+        </a:effectStyle>
+      </a:effectStyleLst>
+      <a:bgFillStyleLst>
+        <a:solidFill>
+          <a:schemeClr val="phClr"/>
+        </a:solidFill>
+        <a:solidFill>
+          <a:schemeClr val="phClr">
+            <a:tint val="95000"/>
+            <a:satMod val="170000"/>
+          </a:schemeClr>
+        </a:solidFill>
+        <a:gradFill rotWithShape="1">
+          <a:gsLst>
+            <a:gs pos="0">
+              <a:schemeClr val="phClr">
+                <a:tint val="93000"/>
+                <a:satMod val="150000"/>
+                <a:shade val="98000"/>
+                <a:lumMod val="102000"/>
+              </a:schemeClr>
+            </a:gs>
+            <a:gs pos="50000">
+              <a:schemeClr val="phClr">
+                <a:tint val="98000"/>
+                <a:satMod val="130000"/>
+                <a:shade val="90000"/>
+                <a:lumMod val="103000"/>
+              </a:schemeClr>
+            </a:gs>
+            <a:gs pos="100000">
+              <a:schemeClr val="phClr">
+                <a:shade val="63000"/>
+                <a:satMod val="120000"/>
+              </a:schemeClr>
+            </a:gs>
+          </a:gsLst>
+          <a:lin ang="5400000" scaled="0"/>
+        </a:gradFill>
+      </a:bgFillStyleLst>
+    </a:fmtScheme>
+  </a:themeElements>
+  <a:objectDefaults/>
+  <a:extraClrSchemeLst/>
+  <a:extLst>
+    <a:ext uri="{05A4C25C-085E-4340-85A3-A5531E510DB2}">
+      <thm15:themeFamily xmlns:thm15="http://schemas.microsoft.com/office/thememl/2012/main" name="Office Theme" id="{62F939B6-93AF-4DB8-9C6B-D6C7DFDC589F}" vid="{4A3C46E8-61CC-4603-A589-7422A47A8E4A}"/>
+    </a:ext>
+  </a:extLst>
+</a:theme>
 </file>
--- a/プレゼン/中間報告_danbara.pptx
+++ b/プレゼン/中間報告_danbara.pptx
@@ -1083,23 +1083,7 @@
           <a:p>
             <a:r>
               <a:rPr kumimoji="1" lang="ja-JP" altLang="en-US" dirty="0" smtClean="0"/>
-              <a:t>スーパーマーケットだけでなく小規模</a:t>
-            </a:r>
-            <a:r>
-              <a:rPr kumimoji="1" lang="ja-JP" altLang="en-US" dirty="0" smtClean="0"/>
-              <a:t>な小売店</a:t>
-            </a:r>
-            <a:r>
-              <a:rPr kumimoji="1" lang="ja-JP" altLang="en-US" dirty="0" smtClean="0"/>
-              <a:t>でも精算の一部を顧客に分担させるセルフレジ</a:t>
-            </a:r>
-            <a:r>
-              <a:rPr kumimoji="1" lang="ja-JP" altLang="en-US" dirty="0" smtClean="0"/>
-              <a:t>の導入が進んでいます</a:t>
-            </a:r>
-            <a:r>
-              <a:rPr kumimoji="1" lang="ja-JP" altLang="en-US" dirty="0" smtClean="0"/>
-              <a:t>。</a:t>
+              <a:t>スーパーマーケットだけでなく小規模な小売店でも精算の一部を顧客に分担させるセルフレジの導入が進んでいます。</a:t>
             </a:r>
             <a:endParaRPr kumimoji="1" lang="en-US" altLang="ja-JP" dirty="0" smtClean="0"/>
           </a:p>
@@ -1390,15 +1374,7 @@
           <a:p>
             <a:r>
               <a:rPr kumimoji="1" lang="ja-JP" altLang="en-US" dirty="0" smtClean="0"/>
-              <a:t>次に</a:t>
-            </a:r>
-            <a:r>
-              <a:rPr kumimoji="1" lang="ja-JP" altLang="en-US" dirty="0" smtClean="0"/>
-              <a:t>ラズパイなどを用いて</a:t>
-            </a:r>
-            <a:r>
-              <a:rPr kumimoji="1" lang="ja-JP" altLang="en-US" dirty="0" smtClean="0"/>
-              <a:t>カート内のみで購入商品の追加、削除などの管理します。お客さんとしては普段通り買い物をしてもらいます。</a:t>
+              <a:t>次にラズパイなどを用いてカート内のみで購入商品の追加、削除などの管理します。お客さんとしては普段通り買い物をしてもらいます。</a:t>
             </a:r>
             <a:endParaRPr kumimoji="1" lang="en-US" altLang="ja-JP" dirty="0" smtClean="0"/>
           </a:p>
@@ -14848,127 +14824,6 @@
           </a:extLst>
         </p:spPr>
       </p:pic>
-      <p:pic>
-        <p:nvPicPr>
-          <p:cNvPr id="9" name="図 8"/>
-          <p:cNvPicPr>
-            <a:picLocks noChangeAspect="1"/>
-          </p:cNvPicPr>
-          <p:nvPr/>
-        </p:nvPicPr>
-        <p:blipFill>
-          <a:blip r:embed="rId5" cstate="print">
-            <a:extLst>
-              <a:ext uri="{28A0092B-C50C-407E-A947-70E740481C1C}">
-                <a14:useLocalDpi xmlns:a14="http://schemas.microsoft.com/office/drawing/2010/main" val="0"/>
-              </a:ext>
-            </a:extLst>
-          </a:blip>
-          <a:stretch>
-            <a:fillRect/>
-          </a:stretch>
-        </p:blipFill>
-        <p:spPr>
-          <a:xfrm>
-            <a:off x="1190921" y="4375976"/>
-            <a:ext cx="1088120" cy="643410"/>
-          </a:xfrm>
-          <a:prstGeom prst="rect">
-            <a:avLst/>
-          </a:prstGeom>
-        </p:spPr>
-      </p:pic>
-      <p:sp>
-        <p:nvSpPr>
-          <p:cNvPr id="11" name="正方形/長方形 10"/>
-          <p:cNvSpPr/>
-          <p:nvPr/>
-        </p:nvSpPr>
-        <p:spPr>
-          <a:xfrm>
-            <a:off x="2875807" y="4833095"/>
-            <a:ext cx="3869871" cy="373080"/>
-          </a:xfrm>
-          <a:prstGeom prst="rect">
-            <a:avLst/>
-          </a:prstGeom>
-          <a:ln>
-            <a:noFill/>
-          </a:ln>
-        </p:spPr>
-        <p:style>
-          <a:lnRef idx="2">
-            <a:schemeClr val="accent1">
-              <a:shade val="50000"/>
-            </a:schemeClr>
-          </a:lnRef>
-          <a:fillRef idx="1">
-            <a:schemeClr val="accent1"/>
-          </a:fillRef>
-          <a:effectRef idx="0">
-            <a:schemeClr val="accent1"/>
-          </a:effectRef>
-          <a:fontRef idx="minor">
-            <a:schemeClr val="lt1"/>
-          </a:fontRef>
-        </p:style>
-        <p:txBody>
-          <a:bodyPr rtlCol="0" anchor="ctr"/>
-          <a:lstStyle/>
-          <a:p>
-            <a:pPr algn="ctr"/>
-            <a:r>
-              <a:rPr kumimoji="1" lang="ja-JP" altLang="en-US" smtClean="0">
-                <a:solidFill>
-                  <a:schemeClr val="tx1">
-                    <a:lumMod val="85000"/>
-                    <a:lumOff val="15000"/>
-                  </a:schemeClr>
-                </a:solidFill>
-              </a:rPr>
-              <a:t>ひずみゲージ</a:t>
-            </a:r>
-            <a:endParaRPr kumimoji="1" lang="ja-JP" altLang="en-US">
-              <a:solidFill>
-                <a:schemeClr val="tx1">
-                  <a:lumMod val="85000"/>
-                  <a:lumOff val="15000"/>
-                </a:schemeClr>
-              </a:solidFill>
-            </a:endParaRPr>
-          </a:p>
-        </p:txBody>
-      </p:sp>
-      <p:pic>
-        <p:nvPicPr>
-          <p:cNvPr id="8" name="図 7"/>
-          <p:cNvPicPr>
-            <a:picLocks noChangeAspect="1"/>
-          </p:cNvPicPr>
-          <p:nvPr/>
-        </p:nvPicPr>
-        <p:blipFill>
-          <a:blip r:embed="rId6">
-            <a:extLst>
-              <a:ext uri="{28A0092B-C50C-407E-A947-70E740481C1C}">
-                <a14:useLocalDpi xmlns:a14="http://schemas.microsoft.com/office/drawing/2010/main" val="0"/>
-              </a:ext>
-            </a:extLst>
-          </a:blip>
-          <a:stretch>
-            <a:fillRect/>
-          </a:stretch>
-        </p:blipFill>
-        <p:spPr>
-          <a:xfrm>
-            <a:off x="3761329" y="4564739"/>
-            <a:ext cx="2163022" cy="2163022"/>
-          </a:xfrm>
-          <a:prstGeom prst="rect">
-            <a:avLst/>
-          </a:prstGeom>
-        </p:spPr>
-      </p:pic>
       <p:sp>
         <p:nvSpPr>
           <p:cNvPr id="13" name="正方形/長方形 12"/>
@@ -15208,25 +15063,21 @@
           </a:prstGeom>
           <a:noFill/>
           <a:ln>
-            <a:solidFill>
-              <a:srgbClr val="1CADE4"/>
-            </a:solidFill>
+            <a:noFill/>
           </a:ln>
         </p:spPr>
         <p:style>
-          <a:lnRef idx="2">
-            <a:schemeClr val="accent1">
-              <a:shade val="50000"/>
-            </a:schemeClr>
+          <a:lnRef idx="0">
+            <a:scrgbClr r="0" g="0" b="0"/>
           </a:lnRef>
-          <a:fillRef idx="1">
-            <a:schemeClr val="accent1"/>
+          <a:fillRef idx="0">
+            <a:scrgbClr r="0" g="0" b="0"/>
           </a:fillRef>
           <a:effectRef idx="0">
-            <a:schemeClr val="accent1"/>
+            <a:scrgbClr r="0" g="0" b="0"/>
           </a:effectRef>
           <a:fontRef idx="minor">
-            <a:schemeClr val="lt1"/>
+            <a:schemeClr val="dk1"/>
           </a:fontRef>
         </p:style>
         <p:txBody>
@@ -15247,7 +15098,7 @@
           <p:nvPr/>
         </p:nvPicPr>
         <p:blipFill>
-          <a:blip r:embed="rId7">
+          <a:blip r:embed="rId5">
             <a:extLst>
               <a:ext uri="{28A0092B-C50C-407E-A947-70E740481C1C}">
                 <a14:useLocalDpi xmlns:a14="http://schemas.microsoft.com/office/drawing/2010/main" val="0"/>
@@ -15654,8 +15505,8 @@
         </p:nvSpPr>
         <p:spPr>
           <a:xfrm>
-            <a:off x="1097280" y="1240782"/>
-            <a:ext cx="2921527" cy="461665"/>
+            <a:off x="1190921" y="1190490"/>
+            <a:ext cx="2921527" cy="523220"/>
           </a:xfrm>
           <a:prstGeom prst="rect">
             <a:avLst/>
@@ -15669,10 +15520,52 @@
           <a:lstStyle/>
           <a:p>
             <a:r>
-              <a:rPr lang="ja-JP" altLang="en-US" sz="2400" dirty="0" smtClean="0"/>
+              <a:rPr lang="ja-JP" altLang="en-US" sz="2800" dirty="0" smtClean="0"/>
               <a:t>カゴ</a:t>
             </a:r>
-            <a:endParaRPr lang="en-US" altLang="ja-JP" sz="2400" dirty="0" smtClean="0"/>
+            <a:endParaRPr lang="en-US" altLang="ja-JP" sz="2800" dirty="0" smtClean="0"/>
+          </a:p>
+        </p:txBody>
+      </p:sp>
+      <p:sp>
+        <p:nvSpPr>
+          <p:cNvPr id="5" name="楕円 4"/>
+          <p:cNvSpPr/>
+          <p:nvPr/>
+        </p:nvSpPr>
+        <p:spPr>
+          <a:xfrm>
+            <a:off x="911320" y="4328719"/>
+            <a:ext cx="2410179" cy="1579141"/>
+          </a:xfrm>
+          <a:prstGeom prst="ellipse">
+            <a:avLst/>
+          </a:prstGeom>
+        </p:spPr>
+        <p:style>
+          <a:lnRef idx="2">
+            <a:schemeClr val="accent1"/>
+          </a:lnRef>
+          <a:fillRef idx="1">
+            <a:schemeClr val="lt1"/>
+          </a:fillRef>
+          <a:effectRef idx="0">
+            <a:schemeClr val="accent1"/>
+          </a:effectRef>
+          <a:fontRef idx="minor">
+            <a:schemeClr val="dk1"/>
+          </a:fontRef>
+        </p:style>
+        <p:txBody>
+          <a:bodyPr rtlCol="0" anchor="ctr"/>
+          <a:lstStyle/>
+          <a:p>
+            <a:pPr algn="ctr"/>
+            <a:r>
+              <a:rPr kumimoji="1" lang="ja-JP" altLang="en-US" dirty="0" smtClean="0"/>
+              <a:t>各種センサー</a:t>
+            </a:r>
+            <a:endParaRPr kumimoji="1" lang="ja-JP" altLang="en-US" dirty="0"/>
           </a:p>
         </p:txBody>
       </p:sp>
@@ -15751,8 +15644,8 @@
         </p:nvSpPr>
         <p:spPr>
           <a:xfrm>
-            <a:off x="7241721" y="495787"/>
-            <a:ext cx="2547258" cy="461665"/>
+            <a:off x="6763062" y="370384"/>
+            <a:ext cx="3504576" cy="523220"/>
           </a:xfrm>
           <a:prstGeom prst="rect">
             <a:avLst/>
@@ -15766,10 +15659,10 @@
           <a:lstStyle/>
           <a:p>
             <a:r>
-              <a:rPr kumimoji="1" lang="ja-JP" altLang="en-US" sz="2400" dirty="0" smtClean="0"/>
+              <a:rPr kumimoji="1" lang="ja-JP" altLang="en-US" sz="2800" dirty="0" smtClean="0"/>
               <a:t>開発の方針、構成</a:t>
             </a:r>
-            <a:endParaRPr kumimoji="1" lang="ja-JP" altLang="en-US" sz="2400" dirty="0"/>
+            <a:endParaRPr kumimoji="1" lang="ja-JP" altLang="en-US" sz="2800" dirty="0"/>
           </a:p>
         </p:txBody>
       </p:sp>
@@ -15890,11 +15783,7 @@
             </a:r>
             <a:r>
               <a:rPr kumimoji="1" lang="ja-JP" altLang="en-US" sz="2400" dirty="0" smtClean="0"/>
-              <a:t>を</a:t>
-            </a:r>
-            <a:r>
-              <a:rPr kumimoji="1" lang="ja-JP" altLang="en-US" sz="2400" dirty="0" smtClean="0"/>
-              <a:t>使用</a:t>
+              <a:t>を使用</a:t>
             </a:r>
             <a:endParaRPr kumimoji="1" lang="en-US" altLang="ja-JP" sz="2400" dirty="0" smtClean="0"/>
           </a:p>

--- a/プレゼン/中間報告_danbara.pptx
+++ b/プレゼン/中間報告_danbara.pptx
@@ -228,7 +228,7 @@
           <a:p>
             <a:fld id="{34B5C594-2D29-4E0B-97C8-26DB6F73E547}" type="datetimeFigureOut">
               <a:rPr kumimoji="1" lang="ja-JP" altLang="en-US" smtClean="0"/>
-              <a:t>2019/12/13</a:t>
+              <a:t>2019/12/16</a:t>
             </a:fld>
             <a:endParaRPr kumimoji="1" lang="ja-JP" altLang="en-US"/>
           </a:p>
@@ -394,7 +394,7 @@
           <a:p>
             <a:fld id="{0649F128-D4FC-489C-860B-9DD0AB1578C1}" type="datetimeFigureOut">
               <a:rPr kumimoji="1" lang="ja-JP" altLang="en-US" smtClean="0"/>
-              <a:t>2019/12/13</a:t>
+              <a:t>2019/12/16</a:t>
             </a:fld>
             <a:endParaRPr kumimoji="1" lang="ja-JP" altLang="en-US"/>
           </a:p>
@@ -458,70 +458,69 @@
           <a:p>
             <a:pPr lvl="0"/>
             <a:r>
-              <a:rPr kumimoji="1" lang="ja-JP" altLang="en-US" smtClean="0"/>
+              <a:rPr kumimoji="1" lang="ja-JP" altLang="en-US"/>
               <a:t>マスター テキストの書式設定</a:t>
             </a:r>
           </a:p>
           <a:p>
             <a:pPr lvl="1"/>
             <a:r>
-              <a:rPr kumimoji="1" lang="ja-JP" altLang="en-US" smtClean="0"/>
+              <a:rPr kumimoji="1" lang="ja-JP" altLang="en-US"/>
               <a:t>第 </a:t>
             </a:r>
             <a:r>
-              <a:rPr kumimoji="1" lang="en-US" altLang="ja-JP" smtClean="0"/>
+              <a:rPr kumimoji="1" lang="en-US" altLang="ja-JP"/>
               <a:t>2 </a:t>
             </a:r>
             <a:r>
-              <a:rPr kumimoji="1" lang="ja-JP" altLang="en-US" smtClean="0"/>
+              <a:rPr kumimoji="1" lang="ja-JP" altLang="en-US"/>
               <a:t>レベル</a:t>
             </a:r>
           </a:p>
           <a:p>
             <a:pPr lvl="2"/>
             <a:r>
-              <a:rPr kumimoji="1" lang="ja-JP" altLang="en-US" smtClean="0"/>
+              <a:rPr kumimoji="1" lang="ja-JP" altLang="en-US"/>
               <a:t>第 </a:t>
             </a:r>
             <a:r>
-              <a:rPr kumimoji="1" lang="en-US" altLang="ja-JP" smtClean="0"/>
+              <a:rPr kumimoji="1" lang="en-US" altLang="ja-JP"/>
               <a:t>3 </a:t>
             </a:r>
             <a:r>
-              <a:rPr kumimoji="1" lang="ja-JP" altLang="en-US" smtClean="0"/>
+              <a:rPr kumimoji="1" lang="ja-JP" altLang="en-US"/>
               <a:t>レベル</a:t>
             </a:r>
           </a:p>
           <a:p>
             <a:pPr lvl="3"/>
             <a:r>
-              <a:rPr kumimoji="1" lang="ja-JP" altLang="en-US" smtClean="0"/>
+              <a:rPr kumimoji="1" lang="ja-JP" altLang="en-US"/>
               <a:t>第 </a:t>
             </a:r>
             <a:r>
-              <a:rPr kumimoji="1" lang="en-US" altLang="ja-JP" smtClean="0"/>
+              <a:rPr kumimoji="1" lang="en-US" altLang="ja-JP"/>
               <a:t>4 </a:t>
             </a:r>
             <a:r>
-              <a:rPr kumimoji="1" lang="ja-JP" altLang="en-US" smtClean="0"/>
+              <a:rPr kumimoji="1" lang="ja-JP" altLang="en-US"/>
               <a:t>レベル</a:t>
             </a:r>
           </a:p>
           <a:p>
             <a:pPr lvl="4"/>
             <a:r>
-              <a:rPr kumimoji="1" lang="ja-JP" altLang="en-US" smtClean="0"/>
+              <a:rPr kumimoji="1" lang="ja-JP" altLang="en-US"/>
               <a:t>第 </a:t>
             </a:r>
             <a:r>
-              <a:rPr kumimoji="1" lang="en-US" altLang="ja-JP" smtClean="0"/>
+              <a:rPr kumimoji="1" lang="en-US" altLang="ja-JP"/>
               <a:t>5 </a:t>
             </a:r>
             <a:r>
-              <a:rPr kumimoji="1" lang="ja-JP" altLang="en-US" smtClean="0"/>
+              <a:rPr kumimoji="1" lang="ja-JP" altLang="en-US"/>
               <a:t>レベル</a:t>
             </a:r>
-            <a:endParaRPr kumimoji="1" lang="ja-JP" altLang="en-US"/>
           </a:p>
         </p:txBody>
       </p:sp>
@@ -740,18 +739,17 @@
           <a:lstStyle/>
           <a:p>
             <a:r>
-              <a:rPr kumimoji="1" lang="ja-JP" altLang="en-US" dirty="0" smtClean="0"/>
+              <a:rPr kumimoji="1" lang="ja-JP" altLang="en-US" dirty="0"/>
               <a:t>これから</a:t>
             </a:r>
             <a:r>
-              <a:rPr kumimoji="1" lang="en-US" altLang="ja-JP" dirty="0" smtClean="0"/>
+              <a:rPr kumimoji="1" lang="en-US" altLang="ja-JP" dirty="0"/>
               <a:t>Web</a:t>
             </a:r>
             <a:r>
-              <a:rPr kumimoji="1" lang="ja-JP" altLang="en-US" dirty="0" smtClean="0"/>
+              <a:rPr kumimoji="1" lang="ja-JP" altLang="en-US" dirty="0"/>
               <a:t>カメラとセンシング技術を組み合わせたバーコード識別システムの開発について発表します。</a:t>
             </a:r>
-            <a:endParaRPr kumimoji="1" lang="ja-JP" altLang="en-US" dirty="0"/>
           </a:p>
         </p:txBody>
       </p:sp>
@@ -854,6 +852,33 @@
           <a:bodyPr/>
           <a:lstStyle/>
           <a:p>
+            <a:r>
+              <a:rPr kumimoji="1" lang="ja-JP" altLang="en-US" dirty="0"/>
+              <a:t>現在の開発状況ですが、画像の受信からグレイスケール化までは完了しています。</a:t>
+            </a:r>
+            <a:endParaRPr kumimoji="1" lang="en-US" altLang="ja-JP" dirty="0"/>
+          </a:p>
+          <a:p>
+            <a:r>
+              <a:rPr kumimoji="1" lang="ja-JP" altLang="en-US" dirty="0"/>
+              <a:t>最後のバーコード番号の取得ですがここは思ったように番号が取得できていないため前処理を工夫して精度を上げていく予定です。</a:t>
+            </a:r>
+            <a:endParaRPr kumimoji="1" lang="en-US" altLang="ja-JP" dirty="0"/>
+          </a:p>
+          <a:p>
+            <a:r>
+              <a:rPr kumimoji="1" lang="ja-JP" altLang="en-US" dirty="0"/>
+              <a:t>以上で中間発表を終わります。</a:t>
+            </a:r>
+            <a:endParaRPr kumimoji="1" lang="en-US" altLang="ja-JP" dirty="0"/>
+          </a:p>
+          <a:p>
+            <a:endParaRPr kumimoji="1" lang="en-US" altLang="ja-JP" dirty="0"/>
+          </a:p>
+          <a:p>
+            <a:endParaRPr kumimoji="1" lang="en-US" altLang="ja-JP"/>
+          </a:p>
+          <a:p>
             <a:endParaRPr kumimoji="1" lang="ja-JP" altLang="en-US" dirty="0"/>
           </a:p>
         </p:txBody>
@@ -958,10 +983,9 @@
           <a:lstStyle/>
           <a:p>
             <a:r>
-              <a:rPr kumimoji="1" lang="ja-JP" altLang="en-US" dirty="0" smtClean="0"/>
+              <a:rPr kumimoji="1" lang="ja-JP" altLang="en-US" dirty="0"/>
               <a:t>発表内容はこのようになっています。</a:t>
             </a:r>
-            <a:endParaRPr kumimoji="1" lang="ja-JP" altLang="en-US" dirty="0"/>
           </a:p>
         </p:txBody>
       </p:sp>
@@ -1065,68 +1089,68 @@
           <a:lstStyle/>
           <a:p>
             <a:r>
-              <a:rPr kumimoji="1" lang="ja-JP" altLang="en-US" dirty="0" smtClean="0"/>
+              <a:rPr kumimoji="1" lang="ja-JP" altLang="en-US" dirty="0"/>
               <a:t>研究背景としましては</a:t>
             </a:r>
             <a:r>
-              <a:rPr kumimoji="1" lang="en-US" altLang="ja-JP" dirty="0" smtClean="0"/>
+              <a:rPr kumimoji="1" lang="en-US" altLang="ja-JP" dirty="0"/>
               <a:t>…</a:t>
             </a:r>
           </a:p>
           <a:p>
             <a:r>
-              <a:rPr kumimoji="1" lang="ja-JP" altLang="en-US" dirty="0" smtClean="0"/>
+              <a:rPr kumimoji="1" lang="ja-JP" altLang="en-US" dirty="0"/>
               <a:t>現在日本では少子高齢化によって働き手が減少しており深刻化しています。この影響は私たちの身の回りにあるところでも表れており、</a:t>
             </a:r>
-            <a:endParaRPr kumimoji="1" lang="en-US" altLang="ja-JP" dirty="0" smtClean="0"/>
-          </a:p>
-          <a:p>
-            <a:r>
-              <a:rPr kumimoji="1" lang="ja-JP" altLang="en-US" dirty="0" smtClean="0"/>
+            <a:endParaRPr kumimoji="1" lang="en-US" altLang="ja-JP" dirty="0"/>
+          </a:p>
+          <a:p>
+            <a:r>
+              <a:rPr kumimoji="1" lang="ja-JP" altLang="en-US" dirty="0"/>
               <a:t>スーパーマーケットだけでなく小規模な小売店でも精算の一部を顧客に分担させるセルフレジの導入が進んでいます。</a:t>
             </a:r>
-            <a:endParaRPr kumimoji="1" lang="en-US" altLang="ja-JP" dirty="0" smtClean="0"/>
-          </a:p>
-          <a:p>
-            <a:r>
-              <a:rPr kumimoji="1" lang="ja-JP" altLang="en-US" dirty="0" smtClean="0"/>
+            <a:endParaRPr kumimoji="1" lang="en-US" altLang="ja-JP" dirty="0"/>
+          </a:p>
+          <a:p>
+            <a:r>
+              <a:rPr kumimoji="1" lang="ja-JP" altLang="en-US" dirty="0"/>
               <a:t>厚生労働省の統計では生産年齢人口</a:t>
             </a:r>
             <a:r>
-              <a:rPr kumimoji="1" lang="en-US" altLang="ja-JP" dirty="0" smtClean="0"/>
+              <a:rPr kumimoji="1" lang="en-US" altLang="ja-JP" dirty="0"/>
               <a:t>(</a:t>
             </a:r>
             <a:r>
-              <a:rPr kumimoji="1" lang="ja-JP" altLang="en-US" dirty="0" smtClean="0"/>
+              <a:rPr kumimoji="1" lang="ja-JP" altLang="en-US" dirty="0"/>
               <a:t>各国の国内で行われている生産活動に就いている中核の労働力となるような年齢の人口のことをいう</a:t>
             </a:r>
             <a:r>
-              <a:rPr kumimoji="1" lang="en-US" altLang="ja-JP" dirty="0" smtClean="0"/>
+              <a:rPr kumimoji="1" lang="en-US" altLang="ja-JP" dirty="0"/>
               <a:t>)</a:t>
             </a:r>
           </a:p>
           <a:p>
             <a:r>
-              <a:rPr kumimoji="1" lang="ja-JP" altLang="en-US" dirty="0" smtClean="0"/>
+              <a:rPr kumimoji="1" lang="ja-JP" altLang="en-US" dirty="0"/>
               <a:t>が</a:t>
             </a:r>
             <a:r>
-              <a:rPr kumimoji="1" lang="en-US" altLang="ja-JP" dirty="0" smtClean="0"/>
+              <a:rPr kumimoji="1" lang="en-US" altLang="ja-JP" dirty="0"/>
               <a:t>2040</a:t>
             </a:r>
             <a:r>
-              <a:rPr kumimoji="1" lang="ja-JP" altLang="en-US" dirty="0" smtClean="0"/>
+              <a:rPr kumimoji="1" lang="ja-JP" altLang="en-US" dirty="0"/>
               <a:t>年には</a:t>
             </a:r>
             <a:r>
-              <a:rPr kumimoji="1" lang="en-US" altLang="ja-JP" dirty="0" smtClean="0"/>
+              <a:rPr kumimoji="1" lang="en-US" altLang="ja-JP" dirty="0"/>
               <a:t>5000</a:t>
             </a:r>
             <a:r>
-              <a:rPr kumimoji="1" lang="ja-JP" altLang="en-US" dirty="0" smtClean="0"/>
+              <a:rPr kumimoji="1" lang="ja-JP" altLang="en-US" dirty="0"/>
               <a:t>万人単位まで減少する見込みといわれています。</a:t>
             </a:r>
-            <a:endParaRPr kumimoji="1" lang="en-US" altLang="ja-JP" dirty="0" smtClean="0"/>
+            <a:endParaRPr kumimoji="1" lang="en-US" altLang="ja-JP" dirty="0"/>
           </a:p>
         </p:txBody>
       </p:sp>
@@ -1230,32 +1254,32 @@
           <a:lstStyle/>
           <a:p>
             <a:r>
-              <a:rPr kumimoji="1" lang="ja-JP" altLang="en-US" dirty="0" smtClean="0"/>
+              <a:rPr kumimoji="1" lang="ja-JP" altLang="en-US" dirty="0"/>
               <a:t>先ほども述べたようにセルフレジの導入が進んでいますが、すべての店で進んでいるわけではありません。</a:t>
             </a:r>
-            <a:endParaRPr kumimoji="1" lang="en-US" altLang="ja-JP" dirty="0" smtClean="0"/>
-          </a:p>
-          <a:p>
-            <a:r>
-              <a:rPr kumimoji="1" lang="ja-JP" altLang="en-US" dirty="0" smtClean="0"/>
+            <a:endParaRPr kumimoji="1" lang="en-US" altLang="ja-JP" dirty="0"/>
+          </a:p>
+          <a:p>
+            <a:r>
+              <a:rPr kumimoji="1" lang="ja-JP" altLang="en-US" dirty="0"/>
               <a:t>そこで既存の無人レジ店舗のような複雑で高価なシステムではなく、中小店でも導入できる安価なシステムの開発を目的としました。</a:t>
             </a:r>
-            <a:endParaRPr kumimoji="1" lang="en-US" altLang="ja-JP" dirty="0" smtClean="0"/>
-          </a:p>
-          <a:p>
-            <a:r>
-              <a:rPr kumimoji="1" lang="ja-JP" altLang="en-US" dirty="0" smtClean="0"/>
+            <a:endParaRPr kumimoji="1" lang="en-US" altLang="ja-JP" dirty="0"/>
+          </a:p>
+          <a:p>
+            <a:r>
+              <a:rPr kumimoji="1" lang="ja-JP" altLang="en-US" dirty="0"/>
               <a:t>目的を達成するためラズパイと</a:t>
             </a:r>
             <a:r>
-              <a:rPr kumimoji="1" lang="en-US" altLang="ja-JP" dirty="0" smtClean="0"/>
+              <a:rPr kumimoji="1" lang="en-US" altLang="ja-JP" dirty="0"/>
               <a:t>web</a:t>
             </a:r>
             <a:r>
-              <a:rPr kumimoji="1" lang="ja-JP" altLang="en-US" dirty="0" smtClean="0"/>
+              <a:rPr kumimoji="1" lang="ja-JP" altLang="en-US" dirty="0"/>
               <a:t>カメラなどを使用して安価に抑えることを目標としています。</a:t>
             </a:r>
-            <a:endParaRPr kumimoji="1" lang="en-US" altLang="ja-JP" dirty="0" smtClean="0"/>
+            <a:endParaRPr kumimoji="1" lang="en-US" altLang="ja-JP" dirty="0"/>
           </a:p>
         </p:txBody>
       </p:sp>
@@ -1359,38 +1383,37 @@
           <a:lstStyle/>
           <a:p>
             <a:r>
-              <a:rPr kumimoji="1" lang="ja-JP" altLang="en-US" dirty="0" smtClean="0"/>
+              <a:rPr kumimoji="1" lang="ja-JP" altLang="en-US" dirty="0"/>
               <a:t>現在開発しているシステムの大まかな動きを説明します。</a:t>
             </a:r>
-            <a:endParaRPr kumimoji="1" lang="en-US" altLang="ja-JP" dirty="0" smtClean="0"/>
-          </a:p>
-          <a:p>
-            <a:r>
-              <a:rPr kumimoji="1" lang="ja-JP" altLang="en-US" dirty="0" smtClean="0"/>
+            <a:endParaRPr kumimoji="1" lang="en-US" altLang="ja-JP" dirty="0"/>
+          </a:p>
+          <a:p>
+            <a:r>
+              <a:rPr kumimoji="1" lang="ja-JP" altLang="en-US" dirty="0"/>
               <a:t>初めに入店時にカートと顧客情報を結びつけます。</a:t>
             </a:r>
-            <a:endParaRPr kumimoji="1" lang="en-US" altLang="ja-JP" dirty="0" smtClean="0"/>
-          </a:p>
-          <a:p>
-            <a:r>
-              <a:rPr kumimoji="1" lang="ja-JP" altLang="en-US" dirty="0" smtClean="0"/>
+            <a:endParaRPr kumimoji="1" lang="en-US" altLang="ja-JP" dirty="0"/>
+          </a:p>
+          <a:p>
+            <a:r>
+              <a:rPr kumimoji="1" lang="ja-JP" altLang="en-US" dirty="0"/>
               <a:t>次にラズパイなどを用いてカート内のみで購入商品の追加、削除などの管理します。お客さんとしては普段通り買い物をしてもらいます。</a:t>
             </a:r>
-            <a:endParaRPr kumimoji="1" lang="en-US" altLang="ja-JP" dirty="0" smtClean="0"/>
-          </a:p>
-          <a:p>
-            <a:r>
-              <a:rPr kumimoji="1" lang="ja-JP" altLang="en-US" dirty="0" smtClean="0"/>
+            <a:endParaRPr kumimoji="1" lang="en-US" altLang="ja-JP" dirty="0"/>
+          </a:p>
+          <a:p>
+            <a:r>
+              <a:rPr kumimoji="1" lang="ja-JP" altLang="en-US" dirty="0"/>
               <a:t>最後にカートを返却する際に決算がレジを通らず完了します。</a:t>
             </a:r>
-            <a:endParaRPr kumimoji="1" lang="en-US" altLang="ja-JP" dirty="0" smtClean="0"/>
-          </a:p>
-          <a:p>
-            <a:r>
-              <a:rPr kumimoji="1" lang="ja-JP" altLang="en-US" dirty="0" smtClean="0"/>
+            <a:endParaRPr kumimoji="1" lang="en-US" altLang="ja-JP" dirty="0"/>
+          </a:p>
+          <a:p>
+            <a:r>
+              <a:rPr kumimoji="1" lang="ja-JP" altLang="en-US" dirty="0"/>
               <a:t>時間の関係からすべてを実装するのは難しいと判断したので赤枠で囲んである部分を実装しています。</a:t>
             </a:r>
-            <a:endParaRPr kumimoji="1" lang="ja-JP" altLang="en-US" dirty="0"/>
           </a:p>
         </p:txBody>
       </p:sp>
@@ -1494,57 +1517,63 @@
           <a:lstStyle/>
           <a:p>
             <a:r>
-              <a:rPr kumimoji="1" lang="ja-JP" altLang="en-US" dirty="0" smtClean="0"/>
-              <a:t>セルフレジ</a:t>
-            </a:r>
-            <a:r>
-              <a:rPr kumimoji="1" lang="en-US" altLang="ja-JP" dirty="0" smtClean="0"/>
+              <a:rPr kumimoji="1" lang="ja-JP" altLang="en-US" dirty="0"/>
+              <a:t>次にこのシステムを導入したときのメリットです。</a:t>
+            </a:r>
+            <a:endParaRPr kumimoji="1" lang="en-US" altLang="ja-JP" dirty="0"/>
+          </a:p>
+          <a:p>
+            <a:r>
+              <a:rPr kumimoji="1" lang="ja-JP" altLang="en-US" dirty="0"/>
+              <a:t>仮に店舗がセルフレジを</a:t>
+            </a:r>
+            <a:r>
+              <a:rPr kumimoji="1" lang="en-US" altLang="ja-JP" dirty="0"/>
               <a:t>6</a:t>
             </a:r>
             <a:r>
-              <a:rPr kumimoji="1" lang="ja-JP" altLang="en-US" dirty="0" smtClean="0"/>
-              <a:t>セット：</a:t>
-            </a:r>
-            <a:r>
-              <a:rPr kumimoji="1" lang="en-US" altLang="ja-JP" dirty="0" smtClean="0"/>
+              <a:rPr kumimoji="1" lang="ja-JP" altLang="en-US" dirty="0"/>
+              <a:t>セット購入した場合の金額は</a:t>
+            </a:r>
+            <a:r>
+              <a:rPr kumimoji="1" lang="en-US" altLang="ja-JP" dirty="0"/>
               <a:t>2</a:t>
             </a:r>
             <a:r>
-              <a:rPr kumimoji="1" lang="ja-JP" altLang="en-US" dirty="0" smtClean="0"/>
+              <a:rPr kumimoji="1" lang="ja-JP" altLang="en-US" dirty="0"/>
               <a:t>千</a:t>
             </a:r>
             <a:r>
-              <a:rPr kumimoji="1" lang="en-US" altLang="ja-JP" dirty="0" smtClean="0"/>
+              <a:rPr kumimoji="1" lang="en-US" altLang="ja-JP" dirty="0"/>
               <a:t>100</a:t>
             </a:r>
             <a:r>
-              <a:rPr kumimoji="1" lang="ja-JP" altLang="en-US" dirty="0" smtClean="0"/>
-              <a:t>万円</a:t>
-            </a:r>
-            <a:endParaRPr kumimoji="1" lang="en-US" altLang="ja-JP" dirty="0" smtClean="0"/>
-          </a:p>
-          <a:p>
-            <a:r>
-              <a:rPr kumimoji="1" lang="ja-JP" altLang="en-US" dirty="0" smtClean="0"/>
-              <a:t>私たちの開発しているもの</a:t>
-            </a:r>
-            <a:r>
-              <a:rPr kumimoji="1" lang="en-US" altLang="ja-JP" dirty="0" smtClean="0"/>
+              <a:rPr kumimoji="1" lang="ja-JP" altLang="en-US" dirty="0"/>
+              <a:t>万円ほどになりますが、</a:t>
+            </a:r>
+            <a:endParaRPr kumimoji="1" lang="en-US" altLang="ja-JP" dirty="0"/>
+          </a:p>
+          <a:p>
+            <a:r>
+              <a:rPr kumimoji="1" lang="ja-JP" altLang="en-US" dirty="0"/>
+              <a:t>私たちの開発しているものの場合カゴの個数</a:t>
+            </a:r>
+            <a:r>
+              <a:rPr kumimoji="1" lang="en-US" altLang="ja-JP" dirty="0"/>
               <a:t>80</a:t>
             </a:r>
             <a:r>
-              <a:rPr kumimoji="1" lang="ja-JP" altLang="en-US" dirty="0" smtClean="0"/>
-              <a:t>個</a:t>
-            </a:r>
-            <a:r>
-              <a:rPr kumimoji="1" lang="en-US" altLang="ja-JP" dirty="0" smtClean="0"/>
-              <a:t>:100</a:t>
-            </a:r>
-            <a:r>
-              <a:rPr kumimoji="1" lang="ja-JP" altLang="en-US" dirty="0" smtClean="0"/>
-              <a:t>万</a:t>
-            </a:r>
-            <a:endParaRPr kumimoji="1" lang="ja-JP" altLang="en-US" dirty="0"/>
+              <a:rPr kumimoji="1" lang="ja-JP" altLang="en-US" dirty="0"/>
+              <a:t>個とした場合でも</a:t>
+            </a:r>
+            <a:r>
+              <a:rPr kumimoji="1" lang="en-US" altLang="ja-JP" dirty="0"/>
+              <a:t>100</a:t>
+            </a:r>
+            <a:r>
+              <a:rPr kumimoji="1" lang="ja-JP" altLang="en-US" dirty="0"/>
+              <a:t>万円ほどに抑えることができます。</a:t>
+            </a:r>
           </a:p>
         </p:txBody>
       </p:sp>
@@ -1648,31 +1677,30 @@
           <a:lstStyle/>
           <a:p>
             <a:r>
-              <a:rPr kumimoji="1" lang="ja-JP" altLang="en-US" dirty="0" smtClean="0"/>
+              <a:rPr kumimoji="1" lang="ja-JP" altLang="en-US" dirty="0"/>
               <a:t>システムの大まかな動きはこのようになっています。</a:t>
             </a:r>
-            <a:endParaRPr kumimoji="1" lang="en-US" altLang="ja-JP" dirty="0" smtClean="0"/>
-          </a:p>
-          <a:p>
-            <a:r>
-              <a:rPr kumimoji="1" lang="ja-JP" altLang="en-US" dirty="0" smtClean="0"/>
+            <a:endParaRPr kumimoji="1" lang="en-US" altLang="ja-JP" dirty="0"/>
+          </a:p>
+          <a:p>
+            <a:r>
+              <a:rPr kumimoji="1" lang="ja-JP" altLang="en-US" dirty="0"/>
               <a:t>カゴのなかに設置してあるラズパイと各種センサーを用いて適切なタイミングで大まかにバーコードが写っている写真を取得し、サーバに送信します</a:t>
             </a:r>
-            <a:endParaRPr kumimoji="1" lang="en-US" altLang="ja-JP" dirty="0" smtClean="0"/>
-          </a:p>
-          <a:p>
-            <a:r>
-              <a:rPr kumimoji="1" lang="ja-JP" altLang="en-US" dirty="0" smtClean="0"/>
+            <a:endParaRPr kumimoji="1" lang="en-US" altLang="ja-JP" dirty="0"/>
+          </a:p>
+          <a:p>
+            <a:r>
+              <a:rPr kumimoji="1" lang="ja-JP" altLang="en-US" dirty="0"/>
               <a:t>サーバ側ではのちに詳しく述べますが各種処理を行って画像からバーコード番号を割り出します</a:t>
             </a:r>
-            <a:endParaRPr kumimoji="1" lang="en-US" altLang="ja-JP" dirty="0" smtClean="0"/>
-          </a:p>
-          <a:p>
-            <a:r>
-              <a:rPr kumimoji="1" lang="ja-JP" altLang="en-US" dirty="0" smtClean="0"/>
+            <a:endParaRPr kumimoji="1" lang="en-US" altLang="ja-JP" dirty="0"/>
+          </a:p>
+          <a:p>
+            <a:r>
+              <a:rPr kumimoji="1" lang="ja-JP" altLang="en-US" dirty="0"/>
               <a:t>エッジ側であるカゴは真鍋さんが担当になっており。私はサーバ側を担当しています</a:t>
             </a:r>
-            <a:endParaRPr kumimoji="1" lang="ja-JP" altLang="en-US" dirty="0"/>
           </a:p>
         </p:txBody>
       </p:sp>
@@ -1775,7 +1803,41 @@
           <a:bodyPr/>
           <a:lstStyle/>
           <a:p>
-            <a:endParaRPr kumimoji="1" lang="ja-JP" altLang="en-US" dirty="0"/>
+            <a:r>
+              <a:rPr kumimoji="1" lang="ja-JP" altLang="en-US" dirty="0"/>
+              <a:t>開発の方針、構成については</a:t>
+            </a:r>
+            <a:r>
+              <a:rPr kumimoji="1" lang="en-US" altLang="ja-JP" dirty="0"/>
+              <a:t>V</a:t>
+            </a:r>
+            <a:r>
+              <a:rPr kumimoji="1" lang="ja-JP" altLang="en-US" dirty="0"/>
+              <a:t>字モデルに従って開発し、</a:t>
+            </a:r>
+            <a:r>
+              <a:rPr kumimoji="1" lang="en-US" altLang="ja-JP" dirty="0"/>
+              <a:t>UML</a:t>
+            </a:r>
+            <a:r>
+              <a:rPr kumimoji="1" lang="ja-JP" altLang="en-US" dirty="0"/>
+              <a:t>言語を用いてシステム設計を行ってます。</a:t>
+            </a:r>
+            <a:endParaRPr kumimoji="1" lang="en-US" altLang="ja-JP" dirty="0"/>
+          </a:p>
+          <a:p>
+            <a:r>
+              <a:rPr kumimoji="1" lang="ja-JP" altLang="en-US" dirty="0"/>
+              <a:t>開発言語は</a:t>
+            </a:r>
+            <a:r>
+              <a:rPr kumimoji="1" lang="en-US" altLang="ja-JP" dirty="0"/>
+              <a:t>Python</a:t>
+            </a:r>
+            <a:r>
+              <a:rPr kumimoji="1" lang="ja-JP" altLang="en-US" dirty="0"/>
+              <a:t>を使用しています。</a:t>
+            </a:r>
           </a:p>
         </p:txBody>
       </p:sp>
@@ -1878,7 +1940,48 @@
           <a:bodyPr/>
           <a:lstStyle/>
           <a:p>
-            <a:endParaRPr kumimoji="1" lang="ja-JP" altLang="en-US" dirty="0"/>
+            <a:r>
+              <a:rPr kumimoji="1" lang="ja-JP" altLang="en-US" dirty="0"/>
+              <a:t>サーバ側の実装方法を説明します。</a:t>
+            </a:r>
+            <a:endParaRPr kumimoji="1" lang="en-US" altLang="ja-JP" dirty="0"/>
+          </a:p>
+          <a:p>
+            <a:r>
+              <a:rPr kumimoji="1" lang="ja-JP" altLang="en-US" dirty="0"/>
+              <a:t>入力はラズパイから送られてきた画像データです。</a:t>
+            </a:r>
+            <a:endParaRPr kumimoji="1" lang="en-US" altLang="ja-JP" dirty="0"/>
+          </a:p>
+          <a:p>
+            <a:r>
+              <a:rPr kumimoji="1" lang="ja-JP" altLang="en-US" dirty="0"/>
+              <a:t>次にその画像を</a:t>
+            </a:r>
+            <a:r>
+              <a:rPr kumimoji="1" lang="en-US" altLang="ja-JP" dirty="0"/>
+              <a:t>Yolo</a:t>
+            </a:r>
+            <a:r>
+              <a:rPr kumimoji="1" lang="ja-JP" altLang="en-US" dirty="0"/>
+              <a:t>で解析し、画像の中からバーコードが移っている座標を取得します。</a:t>
+            </a:r>
+            <a:endParaRPr kumimoji="1" lang="en-US" altLang="ja-JP" dirty="0"/>
+          </a:p>
+          <a:p>
+            <a:r>
+              <a:rPr kumimoji="1" lang="ja-JP" altLang="en-US" dirty="0"/>
+              <a:t>画像を切り取りグレイスケール化したのち</a:t>
+            </a:r>
+            <a:r>
+              <a:rPr kumimoji="1" lang="en-US" altLang="ja-JP" dirty="0" err="1"/>
+              <a:t>pyzbar</a:t>
+            </a:r>
+            <a:r>
+              <a:rPr kumimoji="1" lang="ja-JP" altLang="en-US" dirty="0"/>
+              <a:t>に画像を投げ番号を取得します。</a:t>
+            </a:r>
+            <a:endParaRPr kumimoji="1" lang="en-US" altLang="ja-JP" dirty="0"/>
           </a:p>
         </p:txBody>
       </p:sp>
@@ -2067,7 +2170,7 @@
           </a:lstStyle>
           <a:p>
             <a:r>
-              <a:rPr lang="ja-JP" altLang="en-US" smtClean="0"/>
+              <a:rPr lang="ja-JP" altLang="en-US"/>
               <a:t>マスター タイトルの書式設定</a:t>
             </a:r>
             <a:endParaRPr lang="en-US" dirty="0"/>
@@ -2139,7 +2242,7 @@
           </a:lstStyle>
           <a:p>
             <a:r>
-              <a:rPr lang="ja-JP" altLang="en-US" smtClean="0"/>
+              <a:rPr lang="ja-JP" altLang="en-US"/>
               <a:t>マスター サブタイトルの書式設定</a:t>
             </a:r>
             <a:endParaRPr lang="en-US" dirty="0"/>
@@ -2163,7 +2266,7 @@
           <a:p>
             <a:fld id="{3EC1410A-F8EF-4E0C-B87B-0DB9A19D73BC}" type="datetime1">
               <a:rPr kumimoji="1" lang="ja-JP" altLang="en-US" smtClean="0"/>
-              <a:t>2019/12/13</a:t>
+              <a:t>2019/12/16</a:t>
             </a:fld>
             <a:endParaRPr kumimoji="1" lang="ja-JP" altLang="en-US"/>
           </a:p>
@@ -2259,13 +2362,6 @@
   <p:clrMapOvr>
     <a:masterClrMapping/>
   </p:clrMapOvr>
-  <p:timing>
-    <p:tnLst>
-      <p:par>
-        <p:cTn id="1" dur="indefinite" restart="never" nodeType="tmRoot"/>
-      </p:par>
-    </p:tnLst>
-  </p:timing>
 </p:sldLayout>
 </file>
 
@@ -2302,7 +2398,7 @@
           <a:lstStyle/>
           <a:p>
             <a:r>
-              <a:rPr lang="ja-JP" altLang="en-US" smtClean="0"/>
+              <a:rPr lang="ja-JP" altLang="en-US"/>
               <a:t>マスター タイトルの書式設定</a:t>
             </a:r>
             <a:endParaRPr lang="en-US" dirty="0"/>
@@ -2326,67 +2422,67 @@
           <a:p>
             <a:pPr lvl="0"/>
             <a:r>
-              <a:rPr lang="ja-JP" altLang="en-US" smtClean="0"/>
+              <a:rPr lang="ja-JP" altLang="en-US"/>
               <a:t>マスター テキストの書式設定</a:t>
             </a:r>
           </a:p>
           <a:p>
             <a:pPr lvl="1"/>
             <a:r>
-              <a:rPr lang="ja-JP" altLang="en-US" smtClean="0"/>
+              <a:rPr lang="ja-JP" altLang="en-US"/>
               <a:t>第 </a:t>
             </a:r>
             <a:r>
-              <a:rPr lang="en-US" altLang="ja-JP" smtClean="0"/>
+              <a:rPr lang="en-US" altLang="ja-JP"/>
               <a:t>2 </a:t>
             </a:r>
             <a:r>
-              <a:rPr lang="ja-JP" altLang="en-US" smtClean="0"/>
+              <a:rPr lang="ja-JP" altLang="en-US"/>
               <a:t>レベル</a:t>
             </a:r>
           </a:p>
           <a:p>
             <a:pPr lvl="2"/>
             <a:r>
-              <a:rPr lang="ja-JP" altLang="en-US" smtClean="0"/>
+              <a:rPr lang="ja-JP" altLang="en-US"/>
               <a:t>第 </a:t>
             </a:r>
             <a:r>
-              <a:rPr lang="en-US" altLang="ja-JP" smtClean="0"/>
+              <a:rPr lang="en-US" altLang="ja-JP"/>
               <a:t>3 </a:t>
             </a:r>
             <a:r>
-              <a:rPr lang="ja-JP" altLang="en-US" smtClean="0"/>
+              <a:rPr lang="ja-JP" altLang="en-US"/>
               <a:t>レベル</a:t>
             </a:r>
           </a:p>
           <a:p>
             <a:pPr lvl="3"/>
             <a:r>
-              <a:rPr lang="ja-JP" altLang="en-US" smtClean="0"/>
+              <a:rPr lang="ja-JP" altLang="en-US"/>
               <a:t>第 </a:t>
             </a:r>
             <a:r>
-              <a:rPr lang="en-US" altLang="ja-JP" smtClean="0"/>
+              <a:rPr lang="en-US" altLang="ja-JP"/>
               <a:t>4 </a:t>
             </a:r>
             <a:r>
-              <a:rPr lang="ja-JP" altLang="en-US" smtClean="0"/>
+              <a:rPr lang="ja-JP" altLang="en-US"/>
               <a:t>レベル</a:t>
             </a:r>
           </a:p>
           <a:p>
             <a:pPr lvl="4"/>
             <a:r>
-              <a:rPr lang="ja-JP" altLang="en-US" smtClean="0"/>
+              <a:rPr lang="ja-JP" altLang="en-US"/>
               <a:t>第 </a:t>
             </a:r>
             <a:r>
-              <a:rPr lang="en-US" altLang="ja-JP" smtClean="0"/>
+              <a:rPr lang="en-US" altLang="ja-JP"/>
               <a:t>5 </a:t>
             </a:r>
             <a:r>
-              <a:rPr lang="ja-JP" altLang="en-US" smtClean="0"/>
+              <a:rPr lang="ja-JP" altLang="en-US"/>
               <a:t>レベル</a:t>
             </a:r>
             <a:endParaRPr lang="en-US" dirty="0"/>
@@ -2410,7 +2506,7 @@
           <a:p>
             <a:fld id="{FB24D0FE-3AF2-4B9C-A593-44EDA01DAF7D}" type="datetime1">
               <a:rPr kumimoji="1" lang="ja-JP" altLang="en-US" smtClean="0"/>
-              <a:t>2019/12/13</a:t>
+              <a:t>2019/12/16</a:t>
             </a:fld>
             <a:endParaRPr kumimoji="1" lang="ja-JP" altLang="en-US"/>
           </a:p>
@@ -2468,13 +2564,6 @@
   <p:clrMapOvr>
     <a:masterClrMapping/>
   </p:clrMapOvr>
-  <p:timing>
-    <p:tnLst>
-      <p:par>
-        <p:cTn id="1" dur="indefinite" restart="never" nodeType="tmRoot"/>
-      </p:par>
-    </p:tnLst>
-  </p:timing>
 </p:sldLayout>
 </file>
 
@@ -2592,7 +2681,7 @@
           <a:lstStyle/>
           <a:p>
             <a:r>
-              <a:rPr lang="ja-JP" altLang="en-US" smtClean="0"/>
+              <a:rPr lang="ja-JP" altLang="en-US"/>
               <a:t>マスター タイトルの書式設定</a:t>
             </a:r>
             <a:endParaRPr lang="en-US" dirty="0"/>
@@ -2621,67 +2710,67 @@
           <a:p>
             <a:pPr lvl="0"/>
             <a:r>
-              <a:rPr lang="ja-JP" altLang="en-US" smtClean="0"/>
+              <a:rPr lang="ja-JP" altLang="en-US"/>
               <a:t>マスター テキストの書式設定</a:t>
             </a:r>
           </a:p>
           <a:p>
             <a:pPr lvl="1"/>
             <a:r>
-              <a:rPr lang="ja-JP" altLang="en-US" smtClean="0"/>
+              <a:rPr lang="ja-JP" altLang="en-US"/>
               <a:t>第 </a:t>
             </a:r>
             <a:r>
-              <a:rPr lang="en-US" altLang="ja-JP" smtClean="0"/>
+              <a:rPr lang="en-US" altLang="ja-JP"/>
               <a:t>2 </a:t>
             </a:r>
             <a:r>
-              <a:rPr lang="ja-JP" altLang="en-US" smtClean="0"/>
+              <a:rPr lang="ja-JP" altLang="en-US"/>
               <a:t>レベル</a:t>
             </a:r>
           </a:p>
           <a:p>
             <a:pPr lvl="2"/>
             <a:r>
-              <a:rPr lang="ja-JP" altLang="en-US" smtClean="0"/>
+              <a:rPr lang="ja-JP" altLang="en-US"/>
               <a:t>第 </a:t>
             </a:r>
             <a:r>
-              <a:rPr lang="en-US" altLang="ja-JP" smtClean="0"/>
+              <a:rPr lang="en-US" altLang="ja-JP"/>
               <a:t>3 </a:t>
             </a:r>
             <a:r>
-              <a:rPr lang="ja-JP" altLang="en-US" smtClean="0"/>
+              <a:rPr lang="ja-JP" altLang="en-US"/>
               <a:t>レベル</a:t>
             </a:r>
           </a:p>
           <a:p>
             <a:pPr lvl="3"/>
             <a:r>
-              <a:rPr lang="ja-JP" altLang="en-US" smtClean="0"/>
+              <a:rPr lang="ja-JP" altLang="en-US"/>
               <a:t>第 </a:t>
             </a:r>
             <a:r>
-              <a:rPr lang="en-US" altLang="ja-JP" smtClean="0"/>
+              <a:rPr lang="en-US" altLang="ja-JP"/>
               <a:t>4 </a:t>
             </a:r>
             <a:r>
-              <a:rPr lang="ja-JP" altLang="en-US" smtClean="0"/>
+              <a:rPr lang="ja-JP" altLang="en-US"/>
               <a:t>レベル</a:t>
             </a:r>
           </a:p>
           <a:p>
             <a:pPr lvl="4"/>
             <a:r>
-              <a:rPr lang="ja-JP" altLang="en-US" smtClean="0"/>
+              <a:rPr lang="ja-JP" altLang="en-US"/>
               <a:t>第 </a:t>
             </a:r>
             <a:r>
-              <a:rPr lang="en-US" altLang="ja-JP" smtClean="0"/>
+              <a:rPr lang="en-US" altLang="ja-JP"/>
               <a:t>5 </a:t>
             </a:r>
             <a:r>
-              <a:rPr lang="ja-JP" altLang="en-US" smtClean="0"/>
+              <a:rPr lang="ja-JP" altLang="en-US"/>
               <a:t>レベル</a:t>
             </a:r>
             <a:endParaRPr lang="en-US" dirty="0"/>
@@ -2705,7 +2794,7 @@
           <a:p>
             <a:fld id="{B7B57C34-282D-413C-9FD6-95C2C05FF127}" type="datetime1">
               <a:rPr kumimoji="1" lang="ja-JP" altLang="en-US" smtClean="0"/>
-              <a:t>2019/12/13</a:t>
+              <a:t>2019/12/16</a:t>
             </a:fld>
             <a:endParaRPr kumimoji="1" lang="ja-JP" altLang="en-US"/>
           </a:p>
@@ -2763,13 +2852,6 @@
   <p:clrMapOvr>
     <a:masterClrMapping/>
   </p:clrMapOvr>
-  <p:timing>
-    <p:tnLst>
-      <p:par>
-        <p:cTn id="1" dur="indefinite" restart="never" nodeType="tmRoot"/>
-      </p:par>
-    </p:tnLst>
-  </p:timing>
 </p:sldLayout>
 </file>
 
@@ -2903,7 +2985,7 @@
           </a:lstStyle>
           <a:p>
             <a:r>
-              <a:rPr lang="ja-JP" altLang="en-US" smtClean="0"/>
+              <a:rPr lang="ja-JP" altLang="en-US"/>
               <a:t>マスター タイトルの書式設定</a:t>
             </a:r>
             <a:endParaRPr lang="en-US" dirty="0"/>
@@ -2975,7 +3057,7 @@
           </a:lstStyle>
           <a:p>
             <a:r>
-              <a:rPr lang="ja-JP" altLang="en-US" smtClean="0"/>
+              <a:rPr lang="ja-JP" altLang="en-US"/>
               <a:t>マスター サブタイトルの書式設定</a:t>
             </a:r>
             <a:endParaRPr lang="en-US" dirty="0"/>
@@ -3046,7 +3128,7 @@
                 <a:tabLst/>
                 <a:defRPr/>
               </a:pPr>
-              <a:t>2019/12/13</a:t>
+              <a:t>2019/12/16</a:t>
             </a:fld>
             <a:endParaRPr kumimoji="1" lang="ja-JP" altLang="en-US" sz="900" b="0" i="0" u="none" strike="noStrike" kern="1200" cap="none" spc="0" normalizeH="0" baseline="0" noProof="0">
               <a:ln>
@@ -3245,13 +3327,6 @@
   <p:clrMapOvr>
     <a:masterClrMapping/>
   </p:clrMapOvr>
-  <p:timing>
-    <p:tnLst>
-      <p:par>
-        <p:cTn id="1" dur="indefinite" restart="never" nodeType="tmRoot"/>
-      </p:par>
-    </p:tnLst>
-  </p:timing>
 </p:sldLayout>
 </file>
 
@@ -3292,7 +3367,7 @@
           </a:lstStyle>
           <a:p>
             <a:r>
-              <a:rPr lang="ja-JP" altLang="en-US" smtClean="0"/>
+              <a:rPr lang="ja-JP" altLang="en-US"/>
               <a:t>マスター タイトルの書式設定</a:t>
             </a:r>
             <a:endParaRPr lang="en-US" dirty="0"/>
@@ -3332,67 +3407,67 @@
           <a:p>
             <a:pPr lvl="0"/>
             <a:r>
-              <a:rPr lang="ja-JP" altLang="en-US" smtClean="0"/>
+              <a:rPr lang="ja-JP" altLang="en-US"/>
               <a:t>マスター テキストの書式設定</a:t>
             </a:r>
           </a:p>
           <a:p>
             <a:pPr lvl="1"/>
             <a:r>
-              <a:rPr lang="ja-JP" altLang="en-US" smtClean="0"/>
+              <a:rPr lang="ja-JP" altLang="en-US"/>
               <a:t>第 </a:t>
             </a:r>
             <a:r>
-              <a:rPr lang="en-US" altLang="ja-JP" smtClean="0"/>
+              <a:rPr lang="en-US" altLang="ja-JP"/>
               <a:t>2 </a:t>
             </a:r>
             <a:r>
-              <a:rPr lang="ja-JP" altLang="en-US" smtClean="0"/>
+              <a:rPr lang="ja-JP" altLang="en-US"/>
               <a:t>レベル</a:t>
             </a:r>
           </a:p>
           <a:p>
             <a:pPr lvl="2"/>
             <a:r>
-              <a:rPr lang="ja-JP" altLang="en-US" smtClean="0"/>
+              <a:rPr lang="ja-JP" altLang="en-US"/>
               <a:t>第 </a:t>
             </a:r>
             <a:r>
-              <a:rPr lang="en-US" altLang="ja-JP" smtClean="0"/>
+              <a:rPr lang="en-US" altLang="ja-JP"/>
               <a:t>3 </a:t>
             </a:r>
             <a:r>
-              <a:rPr lang="ja-JP" altLang="en-US" smtClean="0"/>
+              <a:rPr lang="ja-JP" altLang="en-US"/>
               <a:t>レベル</a:t>
             </a:r>
           </a:p>
           <a:p>
             <a:pPr lvl="3"/>
             <a:r>
-              <a:rPr lang="ja-JP" altLang="en-US" smtClean="0"/>
+              <a:rPr lang="ja-JP" altLang="en-US"/>
               <a:t>第 </a:t>
             </a:r>
             <a:r>
-              <a:rPr lang="en-US" altLang="ja-JP" smtClean="0"/>
+              <a:rPr lang="en-US" altLang="ja-JP"/>
               <a:t>4 </a:t>
             </a:r>
             <a:r>
-              <a:rPr lang="ja-JP" altLang="en-US" smtClean="0"/>
+              <a:rPr lang="ja-JP" altLang="en-US"/>
               <a:t>レベル</a:t>
             </a:r>
           </a:p>
           <a:p>
             <a:pPr lvl="4"/>
             <a:r>
-              <a:rPr lang="ja-JP" altLang="en-US" smtClean="0"/>
+              <a:rPr lang="ja-JP" altLang="en-US"/>
               <a:t>第 </a:t>
             </a:r>
             <a:r>
-              <a:rPr lang="en-US" altLang="ja-JP" smtClean="0"/>
+              <a:rPr lang="en-US" altLang="ja-JP"/>
               <a:t>5 </a:t>
             </a:r>
             <a:r>
-              <a:rPr lang="ja-JP" altLang="en-US" smtClean="0"/>
+              <a:rPr lang="ja-JP" altLang="en-US"/>
               <a:t>レベル</a:t>
             </a:r>
             <a:endParaRPr lang="en-US" dirty="0"/>
@@ -3463,7 +3538,7 @@
                 <a:tabLst/>
                 <a:defRPr/>
               </a:pPr>
-              <a:t>2019/12/13</a:t>
+              <a:t>2019/12/16</a:t>
             </a:fld>
             <a:endParaRPr kumimoji="1" lang="ja-JP" altLang="en-US" sz="900" b="0" i="0" u="none" strike="noStrike" kern="1200" cap="none" spc="0" normalizeH="0" baseline="0" noProof="0">
               <a:ln>
@@ -3628,13 +3703,6 @@
   <p:clrMapOvr>
     <a:masterClrMapping/>
   </p:clrMapOvr>
-  <p:timing>
-    <p:tnLst>
-      <p:par>
-        <p:cTn id="1" dur="indefinite" restart="never" nodeType="tmRoot"/>
-      </p:par>
-    </p:tnLst>
-  </p:timing>
 </p:sldLayout>
 </file>
 
@@ -3776,7 +3844,7 @@
           </a:lstStyle>
           <a:p>
             <a:r>
-              <a:rPr lang="ja-JP" altLang="en-US" smtClean="0"/>
+              <a:rPr lang="ja-JP" altLang="en-US"/>
               <a:t>マスター タイトルの書式設定</a:t>
             </a:r>
             <a:endParaRPr lang="en-US" dirty="0"/>
@@ -3897,7 +3965,7 @@
           <a:p>
             <a:pPr lvl="0"/>
             <a:r>
-              <a:rPr lang="ja-JP" altLang="en-US" smtClean="0"/>
+              <a:rPr lang="ja-JP" altLang="en-US"/>
               <a:t>マスター テキストの書式設定</a:t>
             </a:r>
           </a:p>
@@ -3967,7 +4035,7 @@
                 <a:tabLst/>
                 <a:defRPr/>
               </a:pPr>
-              <a:t>2019/12/13</a:t>
+              <a:t>2019/12/16</a:t>
             </a:fld>
             <a:endParaRPr kumimoji="1" lang="ja-JP" altLang="en-US" sz="900" b="0" i="0" u="none" strike="noStrike" kern="1200" cap="none" spc="0" normalizeH="0" baseline="0" noProof="0">
               <a:ln>
@@ -4166,13 +4234,6 @@
   <p:clrMapOvr>
     <a:masterClrMapping/>
   </p:clrMapOvr>
-  <p:timing>
-    <p:tnLst>
-      <p:par>
-        <p:cTn id="1" dur="indefinite" restart="never" nodeType="tmRoot"/>
-      </p:par>
-    </p:tnLst>
-  </p:timing>
 </p:sldLayout>
 </file>
 
@@ -4218,7 +4279,7 @@
           </a:lstStyle>
           <a:p>
             <a:r>
-              <a:rPr lang="ja-JP" altLang="en-US" smtClean="0"/>
+              <a:rPr lang="ja-JP" altLang="en-US"/>
               <a:t>マスター タイトルの書式設定</a:t>
             </a:r>
             <a:endParaRPr lang="en-US" dirty="0"/>
@@ -4263,67 +4324,67 @@
           <a:p>
             <a:pPr lvl="0"/>
             <a:r>
-              <a:rPr lang="ja-JP" altLang="en-US" smtClean="0"/>
+              <a:rPr lang="ja-JP" altLang="en-US"/>
               <a:t>マスター テキストの書式設定</a:t>
             </a:r>
           </a:p>
           <a:p>
             <a:pPr lvl="1"/>
             <a:r>
-              <a:rPr lang="ja-JP" altLang="en-US" smtClean="0"/>
+              <a:rPr lang="ja-JP" altLang="en-US"/>
               <a:t>第 </a:t>
             </a:r>
             <a:r>
-              <a:rPr lang="en-US" altLang="ja-JP" smtClean="0"/>
+              <a:rPr lang="en-US" altLang="ja-JP"/>
               <a:t>2 </a:t>
             </a:r>
             <a:r>
-              <a:rPr lang="ja-JP" altLang="en-US" smtClean="0"/>
+              <a:rPr lang="ja-JP" altLang="en-US"/>
               <a:t>レベル</a:t>
             </a:r>
           </a:p>
           <a:p>
             <a:pPr lvl="2"/>
             <a:r>
-              <a:rPr lang="ja-JP" altLang="en-US" smtClean="0"/>
+              <a:rPr lang="ja-JP" altLang="en-US"/>
               <a:t>第 </a:t>
             </a:r>
             <a:r>
-              <a:rPr lang="en-US" altLang="ja-JP" smtClean="0"/>
+              <a:rPr lang="en-US" altLang="ja-JP"/>
               <a:t>3 </a:t>
             </a:r>
             <a:r>
-              <a:rPr lang="ja-JP" altLang="en-US" smtClean="0"/>
+              <a:rPr lang="ja-JP" altLang="en-US"/>
               <a:t>レベル</a:t>
             </a:r>
           </a:p>
           <a:p>
             <a:pPr lvl="3"/>
             <a:r>
-              <a:rPr lang="ja-JP" altLang="en-US" smtClean="0"/>
+              <a:rPr lang="ja-JP" altLang="en-US"/>
               <a:t>第 </a:t>
             </a:r>
             <a:r>
-              <a:rPr lang="en-US" altLang="ja-JP" smtClean="0"/>
+              <a:rPr lang="en-US" altLang="ja-JP"/>
               <a:t>4 </a:t>
             </a:r>
             <a:r>
-              <a:rPr lang="ja-JP" altLang="en-US" smtClean="0"/>
+              <a:rPr lang="ja-JP" altLang="en-US"/>
               <a:t>レベル</a:t>
             </a:r>
           </a:p>
           <a:p>
             <a:pPr lvl="4"/>
             <a:r>
-              <a:rPr lang="ja-JP" altLang="en-US" smtClean="0"/>
+              <a:rPr lang="ja-JP" altLang="en-US"/>
               <a:t>第 </a:t>
             </a:r>
             <a:r>
-              <a:rPr lang="en-US" altLang="ja-JP" smtClean="0"/>
+              <a:rPr lang="en-US" altLang="ja-JP"/>
               <a:t>5 </a:t>
             </a:r>
             <a:r>
-              <a:rPr lang="ja-JP" altLang="en-US" smtClean="0"/>
+              <a:rPr lang="ja-JP" altLang="en-US"/>
               <a:t>レベル</a:t>
             </a:r>
             <a:endParaRPr lang="en-US" dirty="0"/>
@@ -4368,67 +4429,67 @@
           <a:p>
             <a:pPr lvl="0"/>
             <a:r>
-              <a:rPr lang="ja-JP" altLang="en-US" smtClean="0"/>
+              <a:rPr lang="ja-JP" altLang="en-US"/>
               <a:t>マスター テキストの書式設定</a:t>
             </a:r>
           </a:p>
           <a:p>
             <a:pPr lvl="1"/>
             <a:r>
-              <a:rPr lang="ja-JP" altLang="en-US" smtClean="0"/>
+              <a:rPr lang="ja-JP" altLang="en-US"/>
               <a:t>第 </a:t>
             </a:r>
             <a:r>
-              <a:rPr lang="en-US" altLang="ja-JP" smtClean="0"/>
+              <a:rPr lang="en-US" altLang="ja-JP"/>
               <a:t>2 </a:t>
             </a:r>
             <a:r>
-              <a:rPr lang="ja-JP" altLang="en-US" smtClean="0"/>
+              <a:rPr lang="ja-JP" altLang="en-US"/>
               <a:t>レベル</a:t>
             </a:r>
           </a:p>
           <a:p>
             <a:pPr lvl="2"/>
             <a:r>
-              <a:rPr lang="ja-JP" altLang="en-US" smtClean="0"/>
+              <a:rPr lang="ja-JP" altLang="en-US"/>
               <a:t>第 </a:t>
             </a:r>
             <a:r>
-              <a:rPr lang="en-US" altLang="ja-JP" smtClean="0"/>
+              <a:rPr lang="en-US" altLang="ja-JP"/>
               <a:t>3 </a:t>
             </a:r>
             <a:r>
-              <a:rPr lang="ja-JP" altLang="en-US" smtClean="0"/>
+              <a:rPr lang="ja-JP" altLang="en-US"/>
               <a:t>レベル</a:t>
             </a:r>
           </a:p>
           <a:p>
             <a:pPr lvl="3"/>
             <a:r>
-              <a:rPr lang="ja-JP" altLang="en-US" smtClean="0"/>
+              <a:rPr lang="ja-JP" altLang="en-US"/>
               <a:t>第 </a:t>
             </a:r>
             <a:r>
-              <a:rPr lang="en-US" altLang="ja-JP" smtClean="0"/>
+              <a:rPr lang="en-US" altLang="ja-JP"/>
               <a:t>4 </a:t>
             </a:r>
             <a:r>
-              <a:rPr lang="ja-JP" altLang="en-US" smtClean="0"/>
+              <a:rPr lang="ja-JP" altLang="en-US"/>
               <a:t>レベル</a:t>
             </a:r>
           </a:p>
           <a:p>
             <a:pPr lvl="4"/>
             <a:r>
-              <a:rPr lang="ja-JP" altLang="en-US" smtClean="0"/>
+              <a:rPr lang="ja-JP" altLang="en-US"/>
               <a:t>第 </a:t>
             </a:r>
             <a:r>
-              <a:rPr lang="en-US" altLang="ja-JP" smtClean="0"/>
+              <a:rPr lang="en-US" altLang="ja-JP"/>
               <a:t>5 </a:t>
             </a:r>
             <a:r>
-              <a:rPr lang="ja-JP" altLang="en-US" smtClean="0"/>
+              <a:rPr lang="ja-JP" altLang="en-US"/>
               <a:t>レベル</a:t>
             </a:r>
             <a:endParaRPr lang="en-US" dirty="0"/>
@@ -4503,7 +4564,7 @@
                 <a:tabLst/>
                 <a:defRPr/>
               </a:pPr>
-              <a:t>2019/12/13</a:t>
+              <a:t>2019/12/16</a:t>
             </a:fld>
             <a:endParaRPr kumimoji="1" lang="ja-JP" altLang="en-US" sz="900" b="0" i="0" u="none" strike="noStrike" kern="1200" cap="none" spc="300" normalizeH="0" baseline="0" noProof="0">
               <a:ln>
@@ -4672,13 +4733,6 @@
   <p:clrMapOvr>
     <a:masterClrMapping/>
   </p:clrMapOvr>
-  <p:timing>
-    <p:tnLst>
-      <p:par>
-        <p:cTn id="1" dur="indefinite" restart="never" nodeType="tmRoot"/>
-      </p:par>
-    </p:tnLst>
-  </p:timing>
 </p:sldLayout>
 </file>
 
@@ -4720,7 +4774,7 @@
           <a:lstStyle/>
           <a:p>
             <a:r>
-              <a:rPr lang="ja-JP" altLang="en-US" smtClean="0"/>
+              <a:rPr lang="ja-JP" altLang="en-US"/>
               <a:t>マスター タイトルの書式設定</a:t>
             </a:r>
             <a:endParaRPr lang="en-US" dirty="0"/>
@@ -4792,7 +4846,7 @@
           <a:p>
             <a:pPr lvl="0"/>
             <a:r>
-              <a:rPr lang="ja-JP" altLang="en-US" smtClean="0"/>
+              <a:rPr lang="ja-JP" altLang="en-US"/>
               <a:t>マスター テキストの書式設定</a:t>
             </a:r>
           </a:p>
@@ -4836,67 +4890,67 @@
           <a:p>
             <a:pPr lvl="0"/>
             <a:r>
-              <a:rPr lang="ja-JP" altLang="en-US" smtClean="0"/>
+              <a:rPr lang="ja-JP" altLang="en-US"/>
               <a:t>マスター テキストの書式設定</a:t>
             </a:r>
           </a:p>
           <a:p>
             <a:pPr lvl="1"/>
             <a:r>
-              <a:rPr lang="ja-JP" altLang="en-US" smtClean="0"/>
+              <a:rPr lang="ja-JP" altLang="en-US"/>
               <a:t>第 </a:t>
             </a:r>
             <a:r>
-              <a:rPr lang="en-US" altLang="ja-JP" smtClean="0"/>
+              <a:rPr lang="en-US" altLang="ja-JP"/>
               <a:t>2 </a:t>
             </a:r>
             <a:r>
-              <a:rPr lang="ja-JP" altLang="en-US" smtClean="0"/>
+              <a:rPr lang="ja-JP" altLang="en-US"/>
               <a:t>レベル</a:t>
             </a:r>
           </a:p>
           <a:p>
             <a:pPr lvl="2"/>
             <a:r>
-              <a:rPr lang="ja-JP" altLang="en-US" smtClean="0"/>
+              <a:rPr lang="ja-JP" altLang="en-US"/>
               <a:t>第 </a:t>
             </a:r>
             <a:r>
-              <a:rPr lang="en-US" altLang="ja-JP" smtClean="0"/>
+              <a:rPr lang="en-US" altLang="ja-JP"/>
               <a:t>3 </a:t>
             </a:r>
             <a:r>
-              <a:rPr lang="ja-JP" altLang="en-US" smtClean="0"/>
+              <a:rPr lang="ja-JP" altLang="en-US"/>
               <a:t>レベル</a:t>
             </a:r>
           </a:p>
           <a:p>
             <a:pPr lvl="3"/>
             <a:r>
-              <a:rPr lang="ja-JP" altLang="en-US" smtClean="0"/>
+              <a:rPr lang="ja-JP" altLang="en-US"/>
               <a:t>第 </a:t>
             </a:r>
             <a:r>
-              <a:rPr lang="en-US" altLang="ja-JP" smtClean="0"/>
+              <a:rPr lang="en-US" altLang="ja-JP"/>
               <a:t>4 </a:t>
             </a:r>
             <a:r>
-              <a:rPr lang="ja-JP" altLang="en-US" smtClean="0"/>
+              <a:rPr lang="ja-JP" altLang="en-US"/>
               <a:t>レベル</a:t>
             </a:r>
           </a:p>
           <a:p>
             <a:pPr lvl="4"/>
             <a:r>
-              <a:rPr lang="ja-JP" altLang="en-US" smtClean="0"/>
+              <a:rPr lang="ja-JP" altLang="en-US"/>
               <a:t>第 </a:t>
             </a:r>
             <a:r>
-              <a:rPr lang="en-US" altLang="ja-JP" smtClean="0"/>
+              <a:rPr lang="en-US" altLang="ja-JP"/>
               <a:t>5 </a:t>
             </a:r>
             <a:r>
-              <a:rPr lang="ja-JP" altLang="en-US" smtClean="0"/>
+              <a:rPr lang="ja-JP" altLang="en-US"/>
               <a:t>レベル</a:t>
             </a:r>
             <a:endParaRPr lang="en-US" dirty="0"/>
@@ -4968,7 +5022,7 @@
           <a:p>
             <a:pPr lvl="0"/>
             <a:r>
-              <a:rPr lang="ja-JP" altLang="en-US" smtClean="0"/>
+              <a:rPr lang="ja-JP" altLang="en-US"/>
               <a:t>マスター テキストの書式設定</a:t>
             </a:r>
           </a:p>
@@ -5012,67 +5066,67 @@
           <a:p>
             <a:pPr lvl="0"/>
             <a:r>
-              <a:rPr lang="ja-JP" altLang="en-US" smtClean="0"/>
+              <a:rPr lang="ja-JP" altLang="en-US"/>
               <a:t>マスター テキストの書式設定</a:t>
             </a:r>
           </a:p>
           <a:p>
             <a:pPr lvl="1"/>
             <a:r>
-              <a:rPr lang="ja-JP" altLang="en-US" smtClean="0"/>
+              <a:rPr lang="ja-JP" altLang="en-US"/>
               <a:t>第 </a:t>
             </a:r>
             <a:r>
-              <a:rPr lang="en-US" altLang="ja-JP" smtClean="0"/>
+              <a:rPr lang="en-US" altLang="ja-JP"/>
               <a:t>2 </a:t>
             </a:r>
             <a:r>
-              <a:rPr lang="ja-JP" altLang="en-US" smtClean="0"/>
+              <a:rPr lang="ja-JP" altLang="en-US"/>
               <a:t>レベル</a:t>
             </a:r>
           </a:p>
           <a:p>
             <a:pPr lvl="2"/>
             <a:r>
-              <a:rPr lang="ja-JP" altLang="en-US" smtClean="0"/>
+              <a:rPr lang="ja-JP" altLang="en-US"/>
               <a:t>第 </a:t>
             </a:r>
             <a:r>
-              <a:rPr lang="en-US" altLang="ja-JP" smtClean="0"/>
+              <a:rPr lang="en-US" altLang="ja-JP"/>
               <a:t>3 </a:t>
             </a:r>
             <a:r>
-              <a:rPr lang="ja-JP" altLang="en-US" smtClean="0"/>
+              <a:rPr lang="ja-JP" altLang="en-US"/>
               <a:t>レベル</a:t>
             </a:r>
           </a:p>
           <a:p>
             <a:pPr lvl="3"/>
             <a:r>
-              <a:rPr lang="ja-JP" altLang="en-US" smtClean="0"/>
+              <a:rPr lang="ja-JP" altLang="en-US"/>
               <a:t>第 </a:t>
             </a:r>
             <a:r>
-              <a:rPr lang="en-US" altLang="ja-JP" smtClean="0"/>
+              <a:rPr lang="en-US" altLang="ja-JP"/>
               <a:t>4 </a:t>
             </a:r>
             <a:r>
-              <a:rPr lang="ja-JP" altLang="en-US" smtClean="0"/>
+              <a:rPr lang="ja-JP" altLang="en-US"/>
               <a:t>レベル</a:t>
             </a:r>
           </a:p>
           <a:p>
             <a:pPr lvl="4"/>
             <a:r>
-              <a:rPr lang="ja-JP" altLang="en-US" smtClean="0"/>
+              <a:rPr lang="ja-JP" altLang="en-US"/>
               <a:t>第 </a:t>
             </a:r>
             <a:r>
-              <a:rPr lang="en-US" altLang="ja-JP" smtClean="0"/>
+              <a:rPr lang="en-US" altLang="ja-JP"/>
               <a:t>5 </a:t>
             </a:r>
             <a:r>
-              <a:rPr lang="ja-JP" altLang="en-US" smtClean="0"/>
+              <a:rPr lang="ja-JP" altLang="en-US"/>
               <a:t>レベル</a:t>
             </a:r>
             <a:endParaRPr lang="en-US" dirty="0"/>
@@ -5143,7 +5197,7 @@
                 <a:tabLst/>
                 <a:defRPr/>
               </a:pPr>
-              <a:t>2019/12/13</a:t>
+              <a:t>2019/12/16</a:t>
             </a:fld>
             <a:endParaRPr kumimoji="1" lang="ja-JP" altLang="en-US" sz="900" b="0" i="0" u="none" strike="noStrike" kern="1200" cap="none" spc="0" normalizeH="0" baseline="0" noProof="0">
               <a:ln>
@@ -5304,13 +5358,6 @@
   <p:clrMapOvr>
     <a:masterClrMapping/>
   </p:clrMapOvr>
-  <p:timing>
-    <p:tnLst>
-      <p:par>
-        <p:cTn id="1" dur="indefinite" restart="never" nodeType="tmRoot"/>
-      </p:par>
-    </p:tnLst>
-  </p:timing>
 </p:sldLayout>
 </file>
 
@@ -5347,7 +5394,7 @@
           <a:lstStyle/>
           <a:p>
             <a:r>
-              <a:rPr lang="ja-JP" altLang="en-US" smtClean="0"/>
+              <a:rPr lang="ja-JP" altLang="en-US"/>
               <a:t>マスター タイトルの書式設定</a:t>
             </a:r>
             <a:endParaRPr lang="en-US" dirty="0"/>
@@ -5418,7 +5465,7 @@
                 <a:tabLst/>
                 <a:defRPr/>
               </a:pPr>
-              <a:t>2019/12/13</a:t>
+              <a:t>2019/12/16</a:t>
             </a:fld>
             <a:endParaRPr kumimoji="1" lang="ja-JP" altLang="en-US" sz="900" b="0" i="0" u="none" strike="noStrike" kern="1200" cap="none" spc="0" normalizeH="0" baseline="0" noProof="0">
               <a:ln>
@@ -5579,13 +5626,6 @@
   <p:clrMapOvr>
     <a:masterClrMapping/>
   </p:clrMapOvr>
-  <p:timing>
-    <p:tnLst>
-      <p:par>
-        <p:cTn id="1" dur="indefinite" restart="never" nodeType="tmRoot"/>
-      </p:par>
-    </p:tnLst>
-  </p:timing>
 </p:sldLayout>
 </file>
 
@@ -5746,7 +5786,7 @@
                 <a:tabLst/>
                 <a:defRPr/>
               </a:pPr>
-              <a:t>2019/12/13</a:t>
+              <a:t>2019/12/16</a:t>
             </a:fld>
             <a:endParaRPr kumimoji="1" lang="ja-JP" altLang="en-US" sz="900" b="0" i="0" u="none" strike="noStrike" kern="1200" cap="none" spc="0" normalizeH="0" baseline="0" noProof="0">
               <a:ln>
@@ -5915,13 +5955,6 @@
   <p:clrMapOvr>
     <a:masterClrMapping/>
   </p:clrMapOvr>
-  <p:timing>
-    <p:tnLst>
-      <p:par>
-        <p:cTn id="1" dur="indefinite" restart="never" nodeType="tmRoot"/>
-      </p:par>
-    </p:tnLst>
-  </p:timing>
 </p:sldLayout>
 </file>
 
@@ -6049,7 +6082,7 @@
           </a:lstStyle>
           <a:p>
             <a:r>
-              <a:rPr lang="ja-JP" altLang="en-US" smtClean="0"/>
+              <a:rPr lang="ja-JP" altLang="en-US"/>
               <a:t>マスター タイトルの書式設定</a:t>
             </a:r>
             <a:endParaRPr lang="en-US" dirty="0"/>
@@ -6078,67 +6111,67 @@
           <a:p>
             <a:pPr lvl="0"/>
             <a:r>
-              <a:rPr lang="ja-JP" altLang="en-US" smtClean="0"/>
+              <a:rPr lang="ja-JP" altLang="en-US"/>
               <a:t>マスター テキストの書式設定</a:t>
             </a:r>
           </a:p>
           <a:p>
             <a:pPr lvl="1"/>
             <a:r>
-              <a:rPr lang="ja-JP" altLang="en-US" smtClean="0"/>
+              <a:rPr lang="ja-JP" altLang="en-US"/>
               <a:t>第 </a:t>
             </a:r>
             <a:r>
-              <a:rPr lang="en-US" altLang="ja-JP" smtClean="0"/>
+              <a:rPr lang="en-US" altLang="ja-JP"/>
               <a:t>2 </a:t>
             </a:r>
             <a:r>
-              <a:rPr lang="ja-JP" altLang="en-US" smtClean="0"/>
+              <a:rPr lang="ja-JP" altLang="en-US"/>
               <a:t>レベル</a:t>
             </a:r>
           </a:p>
           <a:p>
             <a:pPr lvl="2"/>
             <a:r>
-              <a:rPr lang="ja-JP" altLang="en-US" smtClean="0"/>
+              <a:rPr lang="ja-JP" altLang="en-US"/>
               <a:t>第 </a:t>
             </a:r>
             <a:r>
-              <a:rPr lang="en-US" altLang="ja-JP" smtClean="0"/>
+              <a:rPr lang="en-US" altLang="ja-JP"/>
               <a:t>3 </a:t>
             </a:r>
             <a:r>
-              <a:rPr lang="ja-JP" altLang="en-US" smtClean="0"/>
+              <a:rPr lang="ja-JP" altLang="en-US"/>
               <a:t>レベル</a:t>
             </a:r>
           </a:p>
           <a:p>
             <a:pPr lvl="3"/>
             <a:r>
-              <a:rPr lang="ja-JP" altLang="en-US" smtClean="0"/>
+              <a:rPr lang="ja-JP" altLang="en-US"/>
               <a:t>第 </a:t>
             </a:r>
             <a:r>
-              <a:rPr lang="en-US" altLang="ja-JP" smtClean="0"/>
+              <a:rPr lang="en-US" altLang="ja-JP"/>
               <a:t>4 </a:t>
             </a:r>
             <a:r>
-              <a:rPr lang="ja-JP" altLang="en-US" smtClean="0"/>
+              <a:rPr lang="ja-JP" altLang="en-US"/>
               <a:t>レベル</a:t>
             </a:r>
           </a:p>
           <a:p>
             <a:pPr lvl="4"/>
             <a:r>
-              <a:rPr lang="ja-JP" altLang="en-US" smtClean="0"/>
+              <a:rPr lang="ja-JP" altLang="en-US"/>
               <a:t>第 </a:t>
             </a:r>
             <a:r>
-              <a:rPr lang="en-US" altLang="ja-JP" smtClean="0"/>
+              <a:rPr lang="en-US" altLang="ja-JP"/>
               <a:t>5 </a:t>
             </a:r>
             <a:r>
-              <a:rPr lang="ja-JP" altLang="en-US" smtClean="0"/>
+              <a:rPr lang="ja-JP" altLang="en-US"/>
               <a:t>レベル</a:t>
             </a:r>
             <a:endParaRPr lang="en-US" dirty="0"/>
@@ -6210,7 +6243,7 @@
           <a:p>
             <a:pPr lvl="0"/>
             <a:r>
-              <a:rPr lang="ja-JP" altLang="en-US" smtClean="0"/>
+              <a:rPr lang="ja-JP" altLang="en-US"/>
               <a:t>マスター テキストの書式設定</a:t>
             </a:r>
           </a:p>
@@ -6289,7 +6322,7 @@
                 <a:tabLst/>
                 <a:defRPr/>
               </a:pPr>
-              <a:t>2019/12/13</a:t>
+              <a:t>2019/12/16</a:t>
             </a:fld>
             <a:endParaRPr kumimoji="1" lang="ja-JP" altLang="en-US" sz="900" b="0" i="0" u="none" strike="noStrike" kern="1200" cap="none" spc="0" normalizeH="0" baseline="0" noProof="0">
               <a:ln>
@@ -6511,7 +6544,7 @@
           </a:lstStyle>
           <a:p>
             <a:r>
-              <a:rPr lang="ja-JP" altLang="en-US" smtClean="0"/>
+              <a:rPr lang="ja-JP" altLang="en-US"/>
               <a:t>マスター タイトルの書式設定</a:t>
             </a:r>
             <a:endParaRPr lang="en-US" dirty="0"/>
@@ -6551,67 +6584,67 @@
           <a:p>
             <a:pPr lvl="0"/>
             <a:r>
-              <a:rPr lang="ja-JP" altLang="en-US" smtClean="0"/>
+              <a:rPr lang="ja-JP" altLang="en-US"/>
               <a:t>マスター テキストの書式設定</a:t>
             </a:r>
           </a:p>
           <a:p>
             <a:pPr lvl="1"/>
             <a:r>
-              <a:rPr lang="ja-JP" altLang="en-US" smtClean="0"/>
+              <a:rPr lang="ja-JP" altLang="en-US"/>
               <a:t>第 </a:t>
             </a:r>
             <a:r>
-              <a:rPr lang="en-US" altLang="ja-JP" smtClean="0"/>
+              <a:rPr lang="en-US" altLang="ja-JP"/>
               <a:t>2 </a:t>
             </a:r>
             <a:r>
-              <a:rPr lang="ja-JP" altLang="en-US" smtClean="0"/>
+              <a:rPr lang="ja-JP" altLang="en-US"/>
               <a:t>レベル</a:t>
             </a:r>
           </a:p>
           <a:p>
             <a:pPr lvl="2"/>
             <a:r>
-              <a:rPr lang="ja-JP" altLang="en-US" smtClean="0"/>
+              <a:rPr lang="ja-JP" altLang="en-US"/>
               <a:t>第 </a:t>
             </a:r>
             <a:r>
-              <a:rPr lang="en-US" altLang="ja-JP" smtClean="0"/>
+              <a:rPr lang="en-US" altLang="ja-JP"/>
               <a:t>3 </a:t>
             </a:r>
             <a:r>
-              <a:rPr lang="ja-JP" altLang="en-US" smtClean="0"/>
+              <a:rPr lang="ja-JP" altLang="en-US"/>
               <a:t>レベル</a:t>
             </a:r>
           </a:p>
           <a:p>
             <a:pPr lvl="3"/>
             <a:r>
-              <a:rPr lang="ja-JP" altLang="en-US" smtClean="0"/>
+              <a:rPr lang="ja-JP" altLang="en-US"/>
               <a:t>第 </a:t>
             </a:r>
             <a:r>
-              <a:rPr lang="en-US" altLang="ja-JP" smtClean="0"/>
+              <a:rPr lang="en-US" altLang="ja-JP"/>
               <a:t>4 </a:t>
             </a:r>
             <a:r>
-              <a:rPr lang="ja-JP" altLang="en-US" smtClean="0"/>
+              <a:rPr lang="ja-JP" altLang="en-US"/>
               <a:t>レベル</a:t>
             </a:r>
           </a:p>
           <a:p>
             <a:pPr lvl="4"/>
             <a:r>
-              <a:rPr lang="ja-JP" altLang="en-US" smtClean="0"/>
+              <a:rPr lang="ja-JP" altLang="en-US"/>
               <a:t>第 </a:t>
             </a:r>
             <a:r>
-              <a:rPr lang="en-US" altLang="ja-JP" smtClean="0"/>
+              <a:rPr lang="en-US" altLang="ja-JP"/>
               <a:t>5 </a:t>
             </a:r>
             <a:r>
-              <a:rPr lang="ja-JP" altLang="en-US" smtClean="0"/>
+              <a:rPr lang="ja-JP" altLang="en-US"/>
               <a:t>レベル</a:t>
             </a:r>
             <a:endParaRPr lang="en-US" dirty="0"/>
@@ -6635,7 +6668,7 @@
           <a:p>
             <a:fld id="{FF0B594E-E4D2-48B8-9775-B717AFE7D1E8}" type="datetime1">
               <a:rPr kumimoji="1" lang="ja-JP" altLang="en-US" smtClean="0"/>
-              <a:t>2019/12/13</a:t>
+              <a:t>2019/12/16</a:t>
             </a:fld>
             <a:endParaRPr kumimoji="1" lang="ja-JP" altLang="en-US"/>
           </a:p>
@@ -6693,13 +6726,6 @@
   <p:clrMapOvr>
     <a:masterClrMapping/>
   </p:clrMapOvr>
-  <p:timing>
-    <p:tnLst>
-      <p:par>
-        <p:cTn id="1" dur="indefinite" restart="never" nodeType="tmRoot"/>
-      </p:par>
-    </p:tnLst>
-  </p:timing>
 </p:sldLayout>
 </file>
 
@@ -6827,7 +6853,7 @@
           </a:lstStyle>
           <a:p>
             <a:r>
-              <a:rPr lang="ja-JP" altLang="en-US" smtClean="0"/>
+              <a:rPr lang="ja-JP" altLang="en-US"/>
               <a:t>マスター タイトルの書式設定</a:t>
             </a:r>
             <a:endParaRPr lang="en-US" dirty="0"/>
@@ -6897,7 +6923,7 @@
           </a:lstStyle>
           <a:p>
             <a:r>
-              <a:rPr lang="ja-JP" altLang="en-US" smtClean="0"/>
+              <a:rPr lang="ja-JP" altLang="en-US"/>
               <a:t>図を追加</a:t>
             </a:r>
             <a:endParaRPr lang="en-US" dirty="0"/>
@@ -6975,7 +7001,7 @@
           <a:p>
             <a:pPr lvl="0"/>
             <a:r>
-              <a:rPr lang="ja-JP" altLang="en-US" smtClean="0"/>
+              <a:rPr lang="ja-JP" altLang="en-US"/>
               <a:t>マスター テキストの書式設定</a:t>
             </a:r>
           </a:p>
@@ -7045,7 +7071,7 @@
                 <a:tabLst/>
                 <a:defRPr/>
               </a:pPr>
-              <a:t>2019/12/13</a:t>
+              <a:t>2019/12/16</a:t>
             </a:fld>
             <a:endParaRPr kumimoji="1" lang="ja-JP" altLang="en-US" sz="900" b="0" i="0" u="none" strike="noStrike" kern="1200" cap="none" spc="0" normalizeH="0" baseline="0" noProof="0">
               <a:ln>
@@ -7242,7 +7268,7 @@
           <a:lstStyle/>
           <a:p>
             <a:r>
-              <a:rPr lang="ja-JP" altLang="en-US" smtClean="0"/>
+              <a:rPr lang="ja-JP" altLang="en-US"/>
               <a:t>マスター タイトルの書式設定</a:t>
             </a:r>
             <a:endParaRPr lang="en-US" dirty="0"/>
@@ -7266,67 +7292,67 @@
           <a:p>
             <a:pPr lvl="0"/>
             <a:r>
-              <a:rPr lang="ja-JP" altLang="en-US" smtClean="0"/>
+              <a:rPr lang="ja-JP" altLang="en-US"/>
               <a:t>マスター テキストの書式設定</a:t>
             </a:r>
           </a:p>
           <a:p>
             <a:pPr lvl="1"/>
             <a:r>
-              <a:rPr lang="ja-JP" altLang="en-US" smtClean="0"/>
+              <a:rPr lang="ja-JP" altLang="en-US"/>
               <a:t>第 </a:t>
             </a:r>
             <a:r>
-              <a:rPr lang="en-US" altLang="ja-JP" smtClean="0"/>
+              <a:rPr lang="en-US" altLang="ja-JP"/>
               <a:t>2 </a:t>
             </a:r>
             <a:r>
-              <a:rPr lang="ja-JP" altLang="en-US" smtClean="0"/>
+              <a:rPr lang="ja-JP" altLang="en-US"/>
               <a:t>レベル</a:t>
             </a:r>
           </a:p>
           <a:p>
             <a:pPr lvl="2"/>
             <a:r>
-              <a:rPr lang="ja-JP" altLang="en-US" smtClean="0"/>
+              <a:rPr lang="ja-JP" altLang="en-US"/>
               <a:t>第 </a:t>
             </a:r>
             <a:r>
-              <a:rPr lang="en-US" altLang="ja-JP" smtClean="0"/>
+              <a:rPr lang="en-US" altLang="ja-JP"/>
               <a:t>3 </a:t>
             </a:r>
             <a:r>
-              <a:rPr lang="ja-JP" altLang="en-US" smtClean="0"/>
+              <a:rPr lang="ja-JP" altLang="en-US"/>
               <a:t>レベル</a:t>
             </a:r>
           </a:p>
           <a:p>
             <a:pPr lvl="3"/>
             <a:r>
-              <a:rPr lang="ja-JP" altLang="en-US" smtClean="0"/>
+              <a:rPr lang="ja-JP" altLang="en-US"/>
               <a:t>第 </a:t>
             </a:r>
             <a:r>
-              <a:rPr lang="en-US" altLang="ja-JP" smtClean="0"/>
+              <a:rPr lang="en-US" altLang="ja-JP"/>
               <a:t>4 </a:t>
             </a:r>
             <a:r>
-              <a:rPr lang="ja-JP" altLang="en-US" smtClean="0"/>
+              <a:rPr lang="ja-JP" altLang="en-US"/>
               <a:t>レベル</a:t>
             </a:r>
           </a:p>
           <a:p>
             <a:pPr lvl="4"/>
             <a:r>
-              <a:rPr lang="ja-JP" altLang="en-US" smtClean="0"/>
+              <a:rPr lang="ja-JP" altLang="en-US"/>
               <a:t>第 </a:t>
             </a:r>
             <a:r>
-              <a:rPr lang="en-US" altLang="ja-JP" smtClean="0"/>
+              <a:rPr lang="en-US" altLang="ja-JP"/>
               <a:t>5 </a:t>
             </a:r>
             <a:r>
-              <a:rPr lang="ja-JP" altLang="en-US" smtClean="0"/>
+              <a:rPr lang="ja-JP" altLang="en-US"/>
               <a:t>レベル</a:t>
             </a:r>
             <a:endParaRPr lang="en-US" dirty="0"/>
@@ -7397,7 +7423,7 @@
                 <a:tabLst/>
                 <a:defRPr/>
               </a:pPr>
-              <a:t>2019/12/13</a:t>
+              <a:t>2019/12/16</a:t>
             </a:fld>
             <a:endParaRPr kumimoji="1" lang="ja-JP" altLang="en-US" sz="900" b="0" i="0" u="none" strike="noStrike" kern="1200" cap="none" spc="0" normalizeH="0" baseline="0" noProof="0">
               <a:ln>
@@ -7558,13 +7584,6 @@
   <p:clrMapOvr>
     <a:masterClrMapping/>
   </p:clrMapOvr>
-  <p:timing>
-    <p:tnLst>
-      <p:par>
-        <p:cTn id="1" dur="indefinite" restart="never" nodeType="tmRoot"/>
-      </p:par>
-    </p:tnLst>
-  </p:timing>
 </p:sldLayout>
 </file>
 
@@ -7682,7 +7701,7 @@
           <a:lstStyle/>
           <a:p>
             <a:r>
-              <a:rPr lang="ja-JP" altLang="en-US" smtClean="0"/>
+              <a:rPr lang="ja-JP" altLang="en-US"/>
               <a:t>マスター タイトルの書式設定</a:t>
             </a:r>
             <a:endParaRPr lang="en-US" dirty="0"/>
@@ -7711,67 +7730,67 @@
           <a:p>
             <a:pPr lvl="0"/>
             <a:r>
-              <a:rPr lang="ja-JP" altLang="en-US" smtClean="0"/>
+              <a:rPr lang="ja-JP" altLang="en-US"/>
               <a:t>マスター テキストの書式設定</a:t>
             </a:r>
           </a:p>
           <a:p>
             <a:pPr lvl="1"/>
             <a:r>
-              <a:rPr lang="ja-JP" altLang="en-US" smtClean="0"/>
+              <a:rPr lang="ja-JP" altLang="en-US"/>
               <a:t>第 </a:t>
             </a:r>
             <a:r>
-              <a:rPr lang="en-US" altLang="ja-JP" smtClean="0"/>
+              <a:rPr lang="en-US" altLang="ja-JP"/>
               <a:t>2 </a:t>
             </a:r>
             <a:r>
-              <a:rPr lang="ja-JP" altLang="en-US" smtClean="0"/>
+              <a:rPr lang="ja-JP" altLang="en-US"/>
               <a:t>レベル</a:t>
             </a:r>
           </a:p>
           <a:p>
             <a:pPr lvl="2"/>
             <a:r>
-              <a:rPr lang="ja-JP" altLang="en-US" smtClean="0"/>
+              <a:rPr lang="ja-JP" altLang="en-US"/>
               <a:t>第 </a:t>
             </a:r>
             <a:r>
-              <a:rPr lang="en-US" altLang="ja-JP" smtClean="0"/>
+              <a:rPr lang="en-US" altLang="ja-JP"/>
               <a:t>3 </a:t>
             </a:r>
             <a:r>
-              <a:rPr lang="ja-JP" altLang="en-US" smtClean="0"/>
+              <a:rPr lang="ja-JP" altLang="en-US"/>
               <a:t>レベル</a:t>
             </a:r>
           </a:p>
           <a:p>
             <a:pPr lvl="3"/>
             <a:r>
-              <a:rPr lang="ja-JP" altLang="en-US" smtClean="0"/>
+              <a:rPr lang="ja-JP" altLang="en-US"/>
               <a:t>第 </a:t>
             </a:r>
             <a:r>
-              <a:rPr lang="en-US" altLang="ja-JP" smtClean="0"/>
+              <a:rPr lang="en-US" altLang="ja-JP"/>
               <a:t>4 </a:t>
             </a:r>
             <a:r>
-              <a:rPr lang="ja-JP" altLang="en-US" smtClean="0"/>
+              <a:rPr lang="ja-JP" altLang="en-US"/>
               <a:t>レベル</a:t>
             </a:r>
           </a:p>
           <a:p>
             <a:pPr lvl="4"/>
             <a:r>
-              <a:rPr lang="ja-JP" altLang="en-US" smtClean="0"/>
+              <a:rPr lang="ja-JP" altLang="en-US"/>
               <a:t>第 </a:t>
             </a:r>
             <a:r>
-              <a:rPr lang="en-US" altLang="ja-JP" smtClean="0"/>
+              <a:rPr lang="en-US" altLang="ja-JP"/>
               <a:t>5 </a:t>
             </a:r>
             <a:r>
-              <a:rPr lang="ja-JP" altLang="en-US" smtClean="0"/>
+              <a:rPr lang="ja-JP" altLang="en-US"/>
               <a:t>レベル</a:t>
             </a:r>
             <a:endParaRPr lang="en-US" dirty="0"/>
@@ -7842,7 +7861,7 @@
                 <a:tabLst/>
                 <a:defRPr/>
               </a:pPr>
-              <a:t>2019/12/13</a:t>
+              <a:t>2019/12/16</a:t>
             </a:fld>
             <a:endParaRPr kumimoji="1" lang="ja-JP" altLang="en-US" sz="900" b="0" i="0" u="none" strike="noStrike" kern="1200" cap="none" spc="0" normalizeH="0" baseline="0" noProof="0">
               <a:ln>
@@ -8003,13 +8022,6 @@
   <p:clrMapOvr>
     <a:masterClrMapping/>
   </p:clrMapOvr>
-  <p:timing>
-    <p:tnLst>
-      <p:par>
-        <p:cTn id="1" dur="indefinite" restart="never" nodeType="tmRoot"/>
-      </p:par>
-    </p:tnLst>
-  </p:timing>
 </p:sldLayout>
 </file>
 
@@ -8151,7 +8163,7 @@
           </a:lstStyle>
           <a:p>
             <a:r>
-              <a:rPr lang="ja-JP" altLang="en-US" smtClean="0"/>
+              <a:rPr lang="ja-JP" altLang="en-US"/>
               <a:t>マスター タイトルの書式設定</a:t>
             </a:r>
             <a:endParaRPr lang="en-US" dirty="0"/>
@@ -8272,7 +8284,7 @@
           <a:p>
             <a:pPr lvl="0"/>
             <a:r>
-              <a:rPr lang="ja-JP" altLang="en-US" smtClean="0"/>
+              <a:rPr lang="ja-JP" altLang="en-US"/>
               <a:t>マスター テキストの書式設定</a:t>
             </a:r>
           </a:p>
@@ -8295,7 +8307,7 @@
           <a:p>
             <a:fld id="{6DC04BBE-2F4C-41C7-82DA-A250BA78D004}" type="datetime1">
               <a:rPr kumimoji="1" lang="ja-JP" altLang="en-US" smtClean="0"/>
-              <a:t>2019/12/13</a:t>
+              <a:t>2019/12/16</a:t>
             </a:fld>
             <a:endParaRPr kumimoji="1" lang="ja-JP" altLang="en-US"/>
           </a:p>
@@ -8391,13 +8403,6 @@
   <p:clrMapOvr>
     <a:masterClrMapping/>
   </p:clrMapOvr>
-  <p:timing>
-    <p:tnLst>
-      <p:par>
-        <p:cTn id="1" dur="indefinite" restart="never" nodeType="tmRoot"/>
-      </p:par>
-    </p:tnLst>
-  </p:timing>
 </p:sldLayout>
 </file>
 
@@ -8443,7 +8448,7 @@
           </a:lstStyle>
           <a:p>
             <a:r>
-              <a:rPr lang="ja-JP" altLang="en-US" smtClean="0"/>
+              <a:rPr lang="ja-JP" altLang="en-US"/>
               <a:t>マスター タイトルの書式設定</a:t>
             </a:r>
             <a:endParaRPr lang="en-US" dirty="0"/>
@@ -8488,67 +8493,67 @@
           <a:p>
             <a:pPr lvl="0"/>
             <a:r>
-              <a:rPr lang="ja-JP" altLang="en-US" smtClean="0"/>
+              <a:rPr lang="ja-JP" altLang="en-US"/>
               <a:t>マスター テキストの書式設定</a:t>
             </a:r>
           </a:p>
           <a:p>
             <a:pPr lvl="1"/>
             <a:r>
-              <a:rPr lang="ja-JP" altLang="en-US" smtClean="0"/>
+              <a:rPr lang="ja-JP" altLang="en-US"/>
               <a:t>第 </a:t>
             </a:r>
             <a:r>
-              <a:rPr lang="en-US" altLang="ja-JP" smtClean="0"/>
+              <a:rPr lang="en-US" altLang="ja-JP"/>
               <a:t>2 </a:t>
             </a:r>
             <a:r>
-              <a:rPr lang="ja-JP" altLang="en-US" smtClean="0"/>
+              <a:rPr lang="ja-JP" altLang="en-US"/>
               <a:t>レベル</a:t>
             </a:r>
           </a:p>
           <a:p>
             <a:pPr lvl="2"/>
             <a:r>
-              <a:rPr lang="ja-JP" altLang="en-US" smtClean="0"/>
+              <a:rPr lang="ja-JP" altLang="en-US"/>
               <a:t>第 </a:t>
             </a:r>
             <a:r>
-              <a:rPr lang="en-US" altLang="ja-JP" smtClean="0"/>
+              <a:rPr lang="en-US" altLang="ja-JP"/>
               <a:t>3 </a:t>
             </a:r>
             <a:r>
-              <a:rPr lang="ja-JP" altLang="en-US" smtClean="0"/>
+              <a:rPr lang="ja-JP" altLang="en-US"/>
               <a:t>レベル</a:t>
             </a:r>
           </a:p>
           <a:p>
             <a:pPr lvl="3"/>
             <a:r>
-              <a:rPr lang="ja-JP" altLang="en-US" smtClean="0"/>
+              <a:rPr lang="ja-JP" altLang="en-US"/>
               <a:t>第 </a:t>
             </a:r>
             <a:r>
-              <a:rPr lang="en-US" altLang="ja-JP" smtClean="0"/>
+              <a:rPr lang="en-US" altLang="ja-JP"/>
               <a:t>4 </a:t>
             </a:r>
             <a:r>
-              <a:rPr lang="ja-JP" altLang="en-US" smtClean="0"/>
+              <a:rPr lang="ja-JP" altLang="en-US"/>
               <a:t>レベル</a:t>
             </a:r>
           </a:p>
           <a:p>
             <a:pPr lvl="4"/>
             <a:r>
-              <a:rPr lang="ja-JP" altLang="en-US" smtClean="0"/>
+              <a:rPr lang="ja-JP" altLang="en-US"/>
               <a:t>第 </a:t>
             </a:r>
             <a:r>
-              <a:rPr lang="en-US" altLang="ja-JP" smtClean="0"/>
+              <a:rPr lang="en-US" altLang="ja-JP"/>
               <a:t>5 </a:t>
             </a:r>
             <a:r>
-              <a:rPr lang="ja-JP" altLang="en-US" smtClean="0"/>
+              <a:rPr lang="ja-JP" altLang="en-US"/>
               <a:t>レベル</a:t>
             </a:r>
             <a:endParaRPr lang="en-US" dirty="0"/>
@@ -8593,67 +8598,67 @@
           <a:p>
             <a:pPr lvl="0"/>
             <a:r>
-              <a:rPr lang="ja-JP" altLang="en-US" smtClean="0"/>
+              <a:rPr lang="ja-JP" altLang="en-US"/>
               <a:t>マスター テキストの書式設定</a:t>
             </a:r>
           </a:p>
           <a:p>
             <a:pPr lvl="1"/>
             <a:r>
-              <a:rPr lang="ja-JP" altLang="en-US" smtClean="0"/>
+              <a:rPr lang="ja-JP" altLang="en-US"/>
               <a:t>第 </a:t>
             </a:r>
             <a:r>
-              <a:rPr lang="en-US" altLang="ja-JP" smtClean="0"/>
+              <a:rPr lang="en-US" altLang="ja-JP"/>
               <a:t>2 </a:t>
             </a:r>
             <a:r>
-              <a:rPr lang="ja-JP" altLang="en-US" smtClean="0"/>
+              <a:rPr lang="ja-JP" altLang="en-US"/>
               <a:t>レベル</a:t>
             </a:r>
           </a:p>
           <a:p>
             <a:pPr lvl="2"/>
             <a:r>
-              <a:rPr lang="ja-JP" altLang="en-US" smtClean="0"/>
+              <a:rPr lang="ja-JP" altLang="en-US"/>
               <a:t>第 </a:t>
             </a:r>
             <a:r>
-              <a:rPr lang="en-US" altLang="ja-JP" smtClean="0"/>
+              <a:rPr lang="en-US" altLang="ja-JP"/>
               <a:t>3 </a:t>
             </a:r>
             <a:r>
-              <a:rPr lang="ja-JP" altLang="en-US" smtClean="0"/>
+              <a:rPr lang="ja-JP" altLang="en-US"/>
               <a:t>レベル</a:t>
             </a:r>
           </a:p>
           <a:p>
             <a:pPr lvl="3"/>
             <a:r>
-              <a:rPr lang="ja-JP" altLang="en-US" smtClean="0"/>
+              <a:rPr lang="ja-JP" altLang="en-US"/>
               <a:t>第 </a:t>
             </a:r>
             <a:r>
-              <a:rPr lang="en-US" altLang="ja-JP" smtClean="0"/>
+              <a:rPr lang="en-US" altLang="ja-JP"/>
               <a:t>4 </a:t>
             </a:r>
             <a:r>
-              <a:rPr lang="ja-JP" altLang="en-US" smtClean="0"/>
+              <a:rPr lang="ja-JP" altLang="en-US"/>
               <a:t>レベル</a:t>
             </a:r>
           </a:p>
           <a:p>
             <a:pPr lvl="4"/>
             <a:r>
-              <a:rPr lang="ja-JP" altLang="en-US" smtClean="0"/>
+              <a:rPr lang="ja-JP" altLang="en-US"/>
               <a:t>第 </a:t>
             </a:r>
             <a:r>
-              <a:rPr lang="en-US" altLang="ja-JP" smtClean="0"/>
+              <a:rPr lang="en-US" altLang="ja-JP"/>
               <a:t>5 </a:t>
             </a:r>
             <a:r>
-              <a:rPr lang="ja-JP" altLang="en-US" smtClean="0"/>
+              <a:rPr lang="ja-JP" altLang="en-US"/>
               <a:t>レベル</a:t>
             </a:r>
             <a:endParaRPr lang="en-US" dirty="0"/>
@@ -8681,7 +8686,7 @@
           <a:p>
             <a:fld id="{3624D211-8779-4C68-9097-38DC4F40D109}" type="datetime1">
               <a:rPr lang="ja-JP" altLang="en-US" smtClean="0"/>
-              <a:t>2019/12/13</a:t>
+              <a:t>2019/12/16</a:t>
             </a:fld>
             <a:endParaRPr lang="ja-JP" altLang="en-US"/>
           </a:p>
@@ -8748,13 +8753,6 @@
   <p:clrMapOvr>
     <a:masterClrMapping/>
   </p:clrMapOvr>
-  <p:timing>
-    <p:tnLst>
-      <p:par>
-        <p:cTn id="1" dur="indefinite" restart="never" nodeType="tmRoot"/>
-      </p:par>
-    </p:tnLst>
-  </p:timing>
 </p:sldLayout>
 </file>
 
@@ -8796,7 +8794,7 @@
           <a:lstStyle/>
           <a:p>
             <a:r>
-              <a:rPr lang="ja-JP" altLang="en-US" smtClean="0"/>
+              <a:rPr lang="ja-JP" altLang="en-US"/>
               <a:t>マスター タイトルの書式設定</a:t>
             </a:r>
             <a:endParaRPr lang="en-US" dirty="0"/>
@@ -8868,7 +8866,7 @@
           <a:p>
             <a:pPr lvl="0"/>
             <a:r>
-              <a:rPr lang="ja-JP" altLang="en-US" smtClean="0"/>
+              <a:rPr lang="ja-JP" altLang="en-US"/>
               <a:t>マスター テキストの書式設定</a:t>
             </a:r>
           </a:p>
@@ -8912,67 +8910,67 @@
           <a:p>
             <a:pPr lvl="0"/>
             <a:r>
-              <a:rPr lang="ja-JP" altLang="en-US" smtClean="0"/>
+              <a:rPr lang="ja-JP" altLang="en-US"/>
               <a:t>マスター テキストの書式設定</a:t>
             </a:r>
           </a:p>
           <a:p>
             <a:pPr lvl="1"/>
             <a:r>
-              <a:rPr lang="ja-JP" altLang="en-US" smtClean="0"/>
+              <a:rPr lang="ja-JP" altLang="en-US"/>
               <a:t>第 </a:t>
             </a:r>
             <a:r>
-              <a:rPr lang="en-US" altLang="ja-JP" smtClean="0"/>
+              <a:rPr lang="en-US" altLang="ja-JP"/>
               <a:t>2 </a:t>
             </a:r>
             <a:r>
-              <a:rPr lang="ja-JP" altLang="en-US" smtClean="0"/>
+              <a:rPr lang="ja-JP" altLang="en-US"/>
               <a:t>レベル</a:t>
             </a:r>
           </a:p>
           <a:p>
             <a:pPr lvl="2"/>
             <a:r>
-              <a:rPr lang="ja-JP" altLang="en-US" smtClean="0"/>
+              <a:rPr lang="ja-JP" altLang="en-US"/>
               <a:t>第 </a:t>
             </a:r>
             <a:r>
-              <a:rPr lang="en-US" altLang="ja-JP" smtClean="0"/>
+              <a:rPr lang="en-US" altLang="ja-JP"/>
               <a:t>3 </a:t>
             </a:r>
             <a:r>
-              <a:rPr lang="ja-JP" altLang="en-US" smtClean="0"/>
+              <a:rPr lang="ja-JP" altLang="en-US"/>
               <a:t>レベル</a:t>
             </a:r>
           </a:p>
           <a:p>
             <a:pPr lvl="3"/>
             <a:r>
-              <a:rPr lang="ja-JP" altLang="en-US" smtClean="0"/>
+              <a:rPr lang="ja-JP" altLang="en-US"/>
               <a:t>第 </a:t>
             </a:r>
             <a:r>
-              <a:rPr lang="en-US" altLang="ja-JP" smtClean="0"/>
+              <a:rPr lang="en-US" altLang="ja-JP"/>
               <a:t>4 </a:t>
             </a:r>
             <a:r>
-              <a:rPr lang="ja-JP" altLang="en-US" smtClean="0"/>
+              <a:rPr lang="ja-JP" altLang="en-US"/>
               <a:t>レベル</a:t>
             </a:r>
           </a:p>
           <a:p>
             <a:pPr lvl="4"/>
             <a:r>
-              <a:rPr lang="ja-JP" altLang="en-US" smtClean="0"/>
+              <a:rPr lang="ja-JP" altLang="en-US"/>
               <a:t>第 </a:t>
             </a:r>
             <a:r>
-              <a:rPr lang="en-US" altLang="ja-JP" smtClean="0"/>
+              <a:rPr lang="en-US" altLang="ja-JP"/>
               <a:t>5 </a:t>
             </a:r>
             <a:r>
-              <a:rPr lang="ja-JP" altLang="en-US" smtClean="0"/>
+              <a:rPr lang="ja-JP" altLang="en-US"/>
               <a:t>レベル</a:t>
             </a:r>
             <a:endParaRPr lang="en-US" dirty="0"/>
@@ -9044,7 +9042,7 @@
           <a:p>
             <a:pPr lvl="0"/>
             <a:r>
-              <a:rPr lang="ja-JP" altLang="en-US" smtClean="0"/>
+              <a:rPr lang="ja-JP" altLang="en-US"/>
               <a:t>マスター テキストの書式設定</a:t>
             </a:r>
           </a:p>
@@ -9088,67 +9086,67 @@
           <a:p>
             <a:pPr lvl="0"/>
             <a:r>
-              <a:rPr lang="ja-JP" altLang="en-US" smtClean="0"/>
+              <a:rPr lang="ja-JP" altLang="en-US"/>
               <a:t>マスター テキストの書式設定</a:t>
             </a:r>
           </a:p>
           <a:p>
             <a:pPr lvl="1"/>
             <a:r>
-              <a:rPr lang="ja-JP" altLang="en-US" smtClean="0"/>
+              <a:rPr lang="ja-JP" altLang="en-US"/>
               <a:t>第 </a:t>
             </a:r>
             <a:r>
-              <a:rPr lang="en-US" altLang="ja-JP" smtClean="0"/>
+              <a:rPr lang="en-US" altLang="ja-JP"/>
               <a:t>2 </a:t>
             </a:r>
             <a:r>
-              <a:rPr lang="ja-JP" altLang="en-US" smtClean="0"/>
+              <a:rPr lang="ja-JP" altLang="en-US"/>
               <a:t>レベル</a:t>
             </a:r>
           </a:p>
           <a:p>
             <a:pPr lvl="2"/>
             <a:r>
-              <a:rPr lang="ja-JP" altLang="en-US" smtClean="0"/>
+              <a:rPr lang="ja-JP" altLang="en-US"/>
               <a:t>第 </a:t>
             </a:r>
             <a:r>
-              <a:rPr lang="en-US" altLang="ja-JP" smtClean="0"/>
+              <a:rPr lang="en-US" altLang="ja-JP"/>
               <a:t>3 </a:t>
             </a:r>
             <a:r>
-              <a:rPr lang="ja-JP" altLang="en-US" smtClean="0"/>
+              <a:rPr lang="ja-JP" altLang="en-US"/>
               <a:t>レベル</a:t>
             </a:r>
           </a:p>
           <a:p>
             <a:pPr lvl="3"/>
             <a:r>
-              <a:rPr lang="ja-JP" altLang="en-US" smtClean="0"/>
+              <a:rPr lang="ja-JP" altLang="en-US"/>
               <a:t>第 </a:t>
             </a:r>
             <a:r>
-              <a:rPr lang="en-US" altLang="ja-JP" smtClean="0"/>
+              <a:rPr lang="en-US" altLang="ja-JP"/>
               <a:t>4 </a:t>
             </a:r>
             <a:r>
-              <a:rPr lang="ja-JP" altLang="en-US" smtClean="0"/>
+              <a:rPr lang="ja-JP" altLang="en-US"/>
               <a:t>レベル</a:t>
             </a:r>
           </a:p>
           <a:p>
             <a:pPr lvl="4"/>
             <a:r>
-              <a:rPr lang="ja-JP" altLang="en-US" smtClean="0"/>
+              <a:rPr lang="ja-JP" altLang="en-US"/>
               <a:t>第 </a:t>
             </a:r>
             <a:r>
-              <a:rPr lang="en-US" altLang="ja-JP" smtClean="0"/>
+              <a:rPr lang="en-US" altLang="ja-JP"/>
               <a:t>5 </a:t>
             </a:r>
             <a:r>
-              <a:rPr lang="ja-JP" altLang="en-US" smtClean="0"/>
+              <a:rPr lang="ja-JP" altLang="en-US"/>
               <a:t>レベル</a:t>
             </a:r>
             <a:endParaRPr lang="en-US" dirty="0"/>
@@ -9172,7 +9170,7 @@
           <a:p>
             <a:fld id="{A2D1DA24-10F6-4EFB-871C-9A026060DEE1}" type="datetime1">
               <a:rPr kumimoji="1" lang="ja-JP" altLang="en-US" smtClean="0"/>
-              <a:t>2019/12/13</a:t>
+              <a:t>2019/12/16</a:t>
             </a:fld>
             <a:endParaRPr kumimoji="1" lang="ja-JP" altLang="en-US"/>
           </a:p>
@@ -9230,13 +9228,6 @@
   <p:clrMapOvr>
     <a:masterClrMapping/>
   </p:clrMapOvr>
-  <p:timing>
-    <p:tnLst>
-      <p:par>
-        <p:cTn id="1" dur="indefinite" restart="never" nodeType="tmRoot"/>
-      </p:par>
-    </p:tnLst>
-  </p:timing>
 </p:sldLayout>
 </file>
 
@@ -9273,7 +9264,7 @@
           <a:lstStyle/>
           <a:p>
             <a:r>
-              <a:rPr lang="ja-JP" altLang="en-US" smtClean="0"/>
+              <a:rPr lang="ja-JP" altLang="en-US"/>
               <a:t>マスター タイトルの書式設定</a:t>
             </a:r>
             <a:endParaRPr lang="en-US" dirty="0"/>
@@ -9297,7 +9288,7 @@
           <a:p>
             <a:fld id="{52524D80-1D11-43F3-A5C4-717FAF173E05}" type="datetime1">
               <a:rPr kumimoji="1" lang="ja-JP" altLang="en-US" smtClean="0"/>
-              <a:t>2019/12/13</a:t>
+              <a:t>2019/12/16</a:t>
             </a:fld>
             <a:endParaRPr kumimoji="1" lang="ja-JP" altLang="en-US"/>
           </a:p>
@@ -9355,13 +9346,6 @@
   <p:clrMapOvr>
     <a:masterClrMapping/>
   </p:clrMapOvr>
-  <p:timing>
-    <p:tnLst>
-      <p:par>
-        <p:cTn id="1" dur="indefinite" restart="never" nodeType="tmRoot"/>
-      </p:par>
-    </p:tnLst>
-  </p:timing>
 </p:sldLayout>
 </file>
 
@@ -9475,7 +9459,7 @@
           <a:p>
             <a:fld id="{DC9F12F1-D979-49E9-BC70-12049E6962F2}" type="datetime1">
               <a:rPr kumimoji="1" lang="ja-JP" altLang="en-US" smtClean="0"/>
-              <a:t>2019/12/13</a:t>
+              <a:t>2019/12/16</a:t>
             </a:fld>
             <a:endParaRPr kumimoji="1" lang="ja-JP" altLang="en-US"/>
           </a:p>
@@ -9541,13 +9525,6 @@
   <p:clrMapOvr>
     <a:masterClrMapping/>
   </p:clrMapOvr>
-  <p:timing>
-    <p:tnLst>
-      <p:par>
-        <p:cTn id="1" dur="indefinite" restart="never" nodeType="tmRoot"/>
-      </p:par>
-    </p:tnLst>
-  </p:timing>
 </p:sldLayout>
 </file>
 
@@ -9675,7 +9652,7 @@
           </a:lstStyle>
           <a:p>
             <a:r>
-              <a:rPr lang="ja-JP" altLang="en-US" smtClean="0"/>
+              <a:rPr lang="ja-JP" altLang="en-US"/>
               <a:t>マスター タイトルの書式設定</a:t>
             </a:r>
             <a:endParaRPr lang="en-US" dirty="0"/>
@@ -9704,67 +9681,67 @@
           <a:p>
             <a:pPr lvl="0"/>
             <a:r>
-              <a:rPr lang="ja-JP" altLang="en-US" smtClean="0"/>
+              <a:rPr lang="ja-JP" altLang="en-US"/>
               <a:t>マスター テキストの書式設定</a:t>
             </a:r>
           </a:p>
           <a:p>
             <a:pPr lvl="1"/>
             <a:r>
-              <a:rPr lang="ja-JP" altLang="en-US" smtClean="0"/>
+              <a:rPr lang="ja-JP" altLang="en-US"/>
               <a:t>第 </a:t>
             </a:r>
             <a:r>
-              <a:rPr lang="en-US" altLang="ja-JP" smtClean="0"/>
+              <a:rPr lang="en-US" altLang="ja-JP"/>
               <a:t>2 </a:t>
             </a:r>
             <a:r>
-              <a:rPr lang="ja-JP" altLang="en-US" smtClean="0"/>
+              <a:rPr lang="ja-JP" altLang="en-US"/>
               <a:t>レベル</a:t>
             </a:r>
           </a:p>
           <a:p>
             <a:pPr lvl="2"/>
             <a:r>
-              <a:rPr lang="ja-JP" altLang="en-US" smtClean="0"/>
+              <a:rPr lang="ja-JP" altLang="en-US"/>
               <a:t>第 </a:t>
             </a:r>
             <a:r>
-              <a:rPr lang="en-US" altLang="ja-JP" smtClean="0"/>
+              <a:rPr lang="en-US" altLang="ja-JP"/>
               <a:t>3 </a:t>
             </a:r>
             <a:r>
-              <a:rPr lang="ja-JP" altLang="en-US" smtClean="0"/>
+              <a:rPr lang="ja-JP" altLang="en-US"/>
               <a:t>レベル</a:t>
             </a:r>
           </a:p>
           <a:p>
             <a:pPr lvl="3"/>
             <a:r>
-              <a:rPr lang="ja-JP" altLang="en-US" smtClean="0"/>
+              <a:rPr lang="ja-JP" altLang="en-US"/>
               <a:t>第 </a:t>
             </a:r>
             <a:r>
-              <a:rPr lang="en-US" altLang="ja-JP" smtClean="0"/>
+              <a:rPr lang="en-US" altLang="ja-JP"/>
               <a:t>4 </a:t>
             </a:r>
             <a:r>
-              <a:rPr lang="ja-JP" altLang="en-US" smtClean="0"/>
+              <a:rPr lang="ja-JP" altLang="en-US"/>
               <a:t>レベル</a:t>
             </a:r>
           </a:p>
           <a:p>
             <a:pPr lvl="4"/>
             <a:r>
-              <a:rPr lang="ja-JP" altLang="en-US" smtClean="0"/>
+              <a:rPr lang="ja-JP" altLang="en-US"/>
               <a:t>第 </a:t>
             </a:r>
             <a:r>
-              <a:rPr lang="en-US" altLang="ja-JP" smtClean="0"/>
+              <a:rPr lang="en-US" altLang="ja-JP"/>
               <a:t>5 </a:t>
             </a:r>
             <a:r>
-              <a:rPr lang="ja-JP" altLang="en-US" smtClean="0"/>
+              <a:rPr lang="ja-JP" altLang="en-US"/>
               <a:t>レベル</a:t>
             </a:r>
             <a:endParaRPr lang="en-US" dirty="0"/>
@@ -9836,7 +9813,7 @@
           <a:p>
             <a:pPr lvl="0"/>
             <a:r>
-              <a:rPr lang="ja-JP" altLang="en-US" smtClean="0"/>
+              <a:rPr lang="ja-JP" altLang="en-US"/>
               <a:t>マスター テキストの書式設定</a:t>
             </a:r>
           </a:p>
@@ -9868,7 +9845,7 @@
           <a:p>
             <a:fld id="{1FE55555-605E-47C9-B14E-4BE03F1CCFA1}" type="datetime1">
               <a:rPr kumimoji="1" lang="ja-JP" altLang="en-US" smtClean="0"/>
-              <a:t>2019/12/13</a:t>
+              <a:t>2019/12/16</a:t>
             </a:fld>
             <a:endParaRPr kumimoji="1" lang="ja-JP" altLang="en-US"/>
           </a:p>
@@ -10074,7 +10051,7 @@
           </a:lstStyle>
           <a:p>
             <a:r>
-              <a:rPr lang="ja-JP" altLang="en-US" smtClean="0"/>
+              <a:rPr lang="ja-JP" altLang="en-US"/>
               <a:t>マスター タイトルの書式設定</a:t>
             </a:r>
             <a:endParaRPr lang="en-US" dirty="0"/>
@@ -10144,7 +10121,7 @@
           </a:lstStyle>
           <a:p>
             <a:r>
-              <a:rPr lang="ja-JP" altLang="en-US" smtClean="0"/>
+              <a:rPr lang="ja-JP" altLang="en-US"/>
               <a:t>図を追加</a:t>
             </a:r>
             <a:endParaRPr lang="en-US" dirty="0"/>
@@ -10222,7 +10199,7 @@
           <a:p>
             <a:pPr lvl="0"/>
             <a:r>
-              <a:rPr lang="ja-JP" altLang="en-US" smtClean="0"/>
+              <a:rPr lang="ja-JP" altLang="en-US"/>
               <a:t>マスター テキストの書式設定</a:t>
             </a:r>
           </a:p>
@@ -10245,7 +10222,7 @@
           <a:p>
             <a:fld id="{8D0D64FD-DAC1-423E-B984-2BBD201A0D9A}" type="datetime1">
               <a:rPr kumimoji="1" lang="ja-JP" altLang="en-US" smtClean="0"/>
-              <a:t>2019/12/13</a:t>
+              <a:t>2019/12/16</a:t>
             </a:fld>
             <a:endParaRPr kumimoji="1" lang="ja-JP" altLang="en-US"/>
           </a:p>
@@ -10430,7 +10407,7 @@
           <a:lstStyle/>
           <a:p>
             <a:r>
-              <a:rPr lang="ja-JP" altLang="en-US" smtClean="0"/>
+              <a:rPr lang="ja-JP" altLang="en-US"/>
               <a:t>マスター タイトルの書式設定</a:t>
             </a:r>
             <a:endParaRPr lang="en-US" dirty="0"/>
@@ -10464,67 +10441,67 @@
           <a:p>
             <a:pPr lvl="0"/>
             <a:r>
-              <a:rPr lang="ja-JP" altLang="en-US" smtClean="0"/>
+              <a:rPr lang="ja-JP" altLang="en-US"/>
               <a:t>マスター テキストの書式設定</a:t>
             </a:r>
           </a:p>
           <a:p>
             <a:pPr lvl="1"/>
             <a:r>
-              <a:rPr lang="ja-JP" altLang="en-US" smtClean="0"/>
+              <a:rPr lang="ja-JP" altLang="en-US"/>
               <a:t>第 </a:t>
             </a:r>
             <a:r>
-              <a:rPr lang="en-US" altLang="ja-JP" smtClean="0"/>
+              <a:rPr lang="en-US" altLang="ja-JP"/>
               <a:t>2 </a:t>
             </a:r>
             <a:r>
-              <a:rPr lang="ja-JP" altLang="en-US" smtClean="0"/>
+              <a:rPr lang="ja-JP" altLang="en-US"/>
               <a:t>レベル</a:t>
             </a:r>
           </a:p>
           <a:p>
             <a:pPr lvl="2"/>
             <a:r>
-              <a:rPr lang="ja-JP" altLang="en-US" smtClean="0"/>
+              <a:rPr lang="ja-JP" altLang="en-US"/>
               <a:t>第 </a:t>
             </a:r>
             <a:r>
-              <a:rPr lang="en-US" altLang="ja-JP" smtClean="0"/>
+              <a:rPr lang="en-US" altLang="ja-JP"/>
               <a:t>3 </a:t>
             </a:r>
             <a:r>
-              <a:rPr lang="ja-JP" altLang="en-US" smtClean="0"/>
+              <a:rPr lang="ja-JP" altLang="en-US"/>
               <a:t>レベル</a:t>
             </a:r>
           </a:p>
           <a:p>
             <a:pPr lvl="3"/>
             <a:r>
-              <a:rPr lang="ja-JP" altLang="en-US" smtClean="0"/>
+              <a:rPr lang="ja-JP" altLang="en-US"/>
               <a:t>第 </a:t>
             </a:r>
             <a:r>
-              <a:rPr lang="en-US" altLang="ja-JP" smtClean="0"/>
+              <a:rPr lang="en-US" altLang="ja-JP"/>
               <a:t>4 </a:t>
             </a:r>
             <a:r>
-              <a:rPr lang="ja-JP" altLang="en-US" smtClean="0"/>
+              <a:rPr lang="ja-JP" altLang="en-US"/>
               <a:t>レベル</a:t>
             </a:r>
           </a:p>
           <a:p>
             <a:pPr lvl="4"/>
             <a:r>
-              <a:rPr lang="ja-JP" altLang="en-US" smtClean="0"/>
+              <a:rPr lang="ja-JP" altLang="en-US"/>
               <a:t>第 </a:t>
             </a:r>
             <a:r>
-              <a:rPr lang="en-US" altLang="ja-JP" smtClean="0"/>
+              <a:rPr lang="en-US" altLang="ja-JP"/>
               <a:t>5 </a:t>
             </a:r>
             <a:r>
-              <a:rPr lang="ja-JP" altLang="en-US" smtClean="0"/>
+              <a:rPr lang="ja-JP" altLang="en-US"/>
               <a:t>レベル</a:t>
             </a:r>
             <a:endParaRPr lang="en-US" dirty="0"/>
@@ -10564,7 +10541,7 @@
           <a:p>
             <a:fld id="{E88F6EB9-CD45-4D67-82BE-E6C521250E55}" type="datetime1">
               <a:rPr kumimoji="1" lang="ja-JP" altLang="en-US" smtClean="0"/>
-              <a:t>2019/12/13</a:t>
+              <a:t>2019/12/16</a:t>
             </a:fld>
             <a:endParaRPr kumimoji="1" lang="ja-JP" altLang="en-US"/>
           </a:p>
@@ -11196,7 +11173,7 @@
           <a:lstStyle/>
           <a:p>
             <a:r>
-              <a:rPr lang="ja-JP" altLang="en-US" smtClean="0"/>
+              <a:rPr lang="ja-JP" altLang="en-US"/>
               <a:t>マスター タイトルの書式設定</a:t>
             </a:r>
             <a:endParaRPr lang="en-US" dirty="0"/>
@@ -11230,67 +11207,67 @@
           <a:p>
             <a:pPr lvl="0"/>
             <a:r>
-              <a:rPr lang="ja-JP" altLang="en-US" smtClean="0"/>
+              <a:rPr lang="ja-JP" altLang="en-US"/>
               <a:t>マスター テキストの書式設定</a:t>
             </a:r>
           </a:p>
           <a:p>
             <a:pPr lvl="1"/>
             <a:r>
-              <a:rPr lang="ja-JP" altLang="en-US" smtClean="0"/>
+              <a:rPr lang="ja-JP" altLang="en-US"/>
               <a:t>第 </a:t>
             </a:r>
             <a:r>
-              <a:rPr lang="en-US" altLang="ja-JP" smtClean="0"/>
+              <a:rPr lang="en-US" altLang="ja-JP"/>
               <a:t>2 </a:t>
             </a:r>
             <a:r>
-              <a:rPr lang="ja-JP" altLang="en-US" smtClean="0"/>
+              <a:rPr lang="ja-JP" altLang="en-US"/>
               <a:t>レベル</a:t>
             </a:r>
           </a:p>
           <a:p>
             <a:pPr lvl="2"/>
             <a:r>
-              <a:rPr lang="ja-JP" altLang="en-US" smtClean="0"/>
+              <a:rPr lang="ja-JP" altLang="en-US"/>
               <a:t>第 </a:t>
             </a:r>
             <a:r>
-              <a:rPr lang="en-US" altLang="ja-JP" smtClean="0"/>
+              <a:rPr lang="en-US" altLang="ja-JP"/>
               <a:t>3 </a:t>
             </a:r>
             <a:r>
-              <a:rPr lang="ja-JP" altLang="en-US" smtClean="0"/>
+              <a:rPr lang="ja-JP" altLang="en-US"/>
               <a:t>レベル</a:t>
             </a:r>
           </a:p>
           <a:p>
             <a:pPr lvl="3"/>
             <a:r>
-              <a:rPr lang="ja-JP" altLang="en-US" smtClean="0"/>
+              <a:rPr lang="ja-JP" altLang="en-US"/>
               <a:t>第 </a:t>
             </a:r>
             <a:r>
-              <a:rPr lang="en-US" altLang="ja-JP" smtClean="0"/>
+              <a:rPr lang="en-US" altLang="ja-JP"/>
               <a:t>4 </a:t>
             </a:r>
             <a:r>
-              <a:rPr lang="ja-JP" altLang="en-US" smtClean="0"/>
+              <a:rPr lang="ja-JP" altLang="en-US"/>
               <a:t>レベル</a:t>
             </a:r>
           </a:p>
           <a:p>
             <a:pPr lvl="4"/>
             <a:r>
-              <a:rPr lang="ja-JP" altLang="en-US" smtClean="0"/>
+              <a:rPr lang="ja-JP" altLang="en-US"/>
               <a:t>第 </a:t>
             </a:r>
             <a:r>
-              <a:rPr lang="en-US" altLang="ja-JP" smtClean="0"/>
+              <a:rPr lang="en-US" altLang="ja-JP"/>
               <a:t>5 </a:t>
             </a:r>
             <a:r>
-              <a:rPr lang="ja-JP" altLang="en-US" smtClean="0"/>
+              <a:rPr lang="ja-JP" altLang="en-US"/>
               <a:t>レベル</a:t>
             </a:r>
             <a:endParaRPr lang="en-US" dirty="0"/>
@@ -11377,7 +11354,7 @@
                 <a:tabLst/>
                 <a:defRPr/>
               </a:pPr>
-              <a:t>2019/12/13</a:t>
+              <a:t>2019/12/16</a:t>
             </a:fld>
             <a:endParaRPr kumimoji="1" lang="ja-JP" altLang="en-US" sz="900" b="0" i="0" u="none" strike="noStrike" kern="1200" cap="none" spc="0" normalizeH="0" baseline="0" noProof="0">
               <a:ln>
@@ -11619,13 +11596,6 @@
     <p:sldLayoutId id="2147483802" r:id="rId10"/>
     <p:sldLayoutId id="2147483803" r:id="rId11"/>
   </p:sldLayoutIdLst>
-  <p:timing>
-    <p:tnLst>
-      <p:par>
-        <p:cTn id="1" dur="indefinite" restart="never" nodeType="tmRoot"/>
-      </p:par>
-    </p:tnLst>
-  </p:timing>
   <p:hf hdr="0" ftr="0" dt="0"/>
   <p:txStyles>
     <p:titleStyle>
@@ -12033,22 +12003,18 @@
           <a:lstStyle/>
           <a:p>
             <a:r>
-              <a:rPr kumimoji="1" lang="en-US" altLang="ja-JP" sz="3600" dirty="0" smtClean="0"/>
+              <a:rPr kumimoji="1" lang="en-US" altLang="ja-JP" sz="3600" dirty="0"/>
               <a:t>Web</a:t>
             </a:r>
             <a:r>
-              <a:rPr kumimoji="1" lang="ja-JP" altLang="en-US" sz="3600" dirty="0" smtClean="0"/>
+              <a:rPr kumimoji="1" lang="ja-JP" altLang="en-US" sz="3600" dirty="0"/>
               <a:t>カメラとセンシング技術を組み合わせた</a:t>
             </a:r>
-            <a:r>
-              <a:rPr kumimoji="1" lang="en-US" altLang="ja-JP" sz="3600" dirty="0" smtClean="0"/>
-              <a:t/>
-            </a:r>
             <a:br>
-              <a:rPr kumimoji="1" lang="en-US" altLang="ja-JP" sz="3600" dirty="0" smtClean="0"/>
+              <a:rPr kumimoji="1" lang="en-US" altLang="ja-JP" sz="3600" dirty="0"/>
             </a:br>
             <a:r>
-              <a:rPr kumimoji="1" lang="ja-JP" altLang="en-US" sz="3600" dirty="0" smtClean="0"/>
+              <a:rPr kumimoji="1" lang="ja-JP" altLang="en-US" sz="3600" dirty="0"/>
               <a:t>バーコード識別システムの開発</a:t>
             </a:r>
             <a:endParaRPr kumimoji="1" lang="ja-JP" altLang="en-US" dirty="0"/>
@@ -12078,29 +12044,29 @@
           <a:lstStyle/>
           <a:p>
             <a:r>
-              <a:rPr lang="ja-JP" altLang="en-US" sz="2800" dirty="0" smtClean="0"/>
+              <a:rPr lang="ja-JP" altLang="en-US" sz="2800" dirty="0"/>
               <a:t>高橋研究室 組込みシステム</a:t>
             </a:r>
-            <a:endParaRPr kumimoji="1" lang="en-US" altLang="ja-JP" sz="2800" dirty="0" smtClean="0"/>
-          </a:p>
-          <a:p>
-            <a:r>
-              <a:rPr kumimoji="1" lang="en-US" altLang="ja-JP" sz="2800" dirty="0" smtClean="0"/>
+            <a:endParaRPr kumimoji="1" lang="en-US" altLang="ja-JP" sz="2800" dirty="0"/>
+          </a:p>
+          <a:p>
+            <a:r>
+              <a:rPr kumimoji="1" lang="en-US" altLang="ja-JP" sz="2800" dirty="0"/>
               <a:t>B4</a:t>
             </a:r>
             <a:r>
-              <a:rPr kumimoji="1" lang="ja-JP" altLang="en-US" sz="2800" dirty="0" smtClean="0"/>
+              <a:rPr kumimoji="1" lang="ja-JP" altLang="en-US" sz="2800" dirty="0"/>
               <a:t>　</a:t>
             </a:r>
             <a:r>
-              <a:rPr kumimoji="1" lang="en-US" altLang="ja-JP" sz="2800" dirty="0" smtClean="0"/>
+              <a:rPr kumimoji="1" lang="en-US" altLang="ja-JP" sz="2800" dirty="0"/>
               <a:t>6535046B </a:t>
             </a:r>
             <a:r>
-              <a:rPr kumimoji="1" lang="ja-JP" altLang="en-US" sz="2800" dirty="0" smtClean="0"/>
+              <a:rPr kumimoji="1" lang="ja-JP" altLang="en-US" sz="2800" dirty="0"/>
               <a:t>段原丞治</a:t>
             </a:r>
-            <a:endParaRPr kumimoji="1" lang="en-US" altLang="ja-JP" sz="2800" dirty="0" smtClean="0"/>
+            <a:endParaRPr kumimoji="1" lang="en-US" altLang="ja-JP" sz="2800" dirty="0"/>
           </a:p>
         </p:txBody>
       </p:sp>
@@ -12167,13 +12133,6 @@
   <p:clrMapOvr>
     <a:masterClrMapping/>
   </p:clrMapOvr>
-  <p:timing>
-    <p:tnLst>
-      <p:par>
-        <p:cTn id="1" dur="indefinite" restart="never" nodeType="tmRoot"/>
-      </p:par>
-    </p:tnLst>
-  </p:timing>
 </p:sld>
 </file>
 
@@ -12211,11 +12170,7 @@
           <a:p>
             <a:r>
               <a:rPr lang="ja-JP" altLang="en-US" dirty="0"/>
-              <a:t>現在</a:t>
-            </a:r>
-            <a:r>
-              <a:rPr lang="ja-JP" altLang="en-US" dirty="0" smtClean="0"/>
-              <a:t>の段階・状況</a:t>
+              <a:t>現在の段階・開発状況</a:t>
             </a:r>
             <a:endParaRPr kumimoji="1" lang="ja-JP" altLang="en-US" dirty="0"/>
           </a:p>
@@ -12292,10 +12247,9 @@
                     <a:p>
                       <a:pPr algn="ctr"/>
                       <a:r>
-                        <a:rPr kumimoji="1" lang="ja-JP" altLang="en-US" dirty="0" smtClean="0"/>
+                        <a:rPr kumimoji="1" lang="ja-JP" altLang="en-US" dirty="0"/>
                         <a:t>サーバの機能</a:t>
                       </a:r>
-                      <a:endParaRPr kumimoji="1" lang="ja-JP" altLang="en-US" dirty="0"/>
                     </a:p>
                   </a:txBody>
                   <a:tcPr/>
@@ -12307,10 +12261,9 @@
                     <a:p>
                       <a:pPr algn="ctr"/>
                       <a:r>
-                        <a:rPr kumimoji="1" lang="ja-JP" altLang="en-US" dirty="0" smtClean="0"/>
+                        <a:rPr kumimoji="1" lang="ja-JP" altLang="en-US" dirty="0"/>
                         <a:t>実装の段階</a:t>
                       </a:r>
-                      <a:endParaRPr kumimoji="1" lang="ja-JP" altLang="en-US" dirty="0"/>
                     </a:p>
                   </a:txBody>
                   <a:tcPr/>
@@ -12329,10 +12282,9 @@
                     <a:p>
                       <a:pPr algn="ctr"/>
                       <a:r>
-                        <a:rPr kumimoji="1" lang="ja-JP" altLang="en-US" dirty="0" smtClean="0"/>
+                        <a:rPr kumimoji="1" lang="ja-JP" altLang="en-US" dirty="0"/>
                         <a:t>画像の受信</a:t>
                       </a:r>
-                      <a:endParaRPr kumimoji="1" lang="ja-JP" altLang="en-US" dirty="0"/>
                     </a:p>
                   </a:txBody>
                   <a:tcPr/>
@@ -12344,10 +12296,9 @@
                     <a:p>
                       <a:pPr algn="ctr"/>
                       <a:r>
-                        <a:rPr kumimoji="1" lang="ja-JP" altLang="en-US" dirty="0" smtClean="0"/>
+                        <a:rPr kumimoji="1" lang="ja-JP" altLang="en-US" dirty="0"/>
                         <a:t>〇</a:t>
                       </a:r>
-                      <a:endParaRPr kumimoji="1" lang="ja-JP" altLang="en-US" dirty="0"/>
                     </a:p>
                   </a:txBody>
                   <a:tcPr/>
@@ -12366,14 +12317,13 @@
                     <a:p>
                       <a:pPr algn="ctr"/>
                       <a:r>
-                        <a:rPr kumimoji="1" lang="en-US" altLang="ja-JP" dirty="0" smtClean="0"/>
+                        <a:rPr kumimoji="1" lang="en-US" altLang="ja-JP" dirty="0"/>
                         <a:t>Yolo</a:t>
                       </a:r>
                       <a:r>
-                        <a:rPr kumimoji="1" lang="ja-JP" altLang="en-US" dirty="0" smtClean="0"/>
+                        <a:rPr kumimoji="1" lang="ja-JP" altLang="en-US" dirty="0"/>
                         <a:t>でバーコード座標の取得</a:t>
                       </a:r>
-                      <a:endParaRPr kumimoji="1" lang="ja-JP" altLang="en-US" dirty="0"/>
                     </a:p>
                   </a:txBody>
                   <a:tcPr/>
@@ -12385,10 +12335,9 @@
                     <a:p>
                       <a:pPr algn="ctr"/>
                       <a:r>
-                        <a:rPr kumimoji="1" lang="ja-JP" altLang="en-US" dirty="0" smtClean="0"/>
+                        <a:rPr kumimoji="1" lang="ja-JP" altLang="en-US" dirty="0"/>
                         <a:t>〇</a:t>
                       </a:r>
-                      <a:endParaRPr kumimoji="1" lang="ja-JP" altLang="en-US" dirty="0"/>
                     </a:p>
                   </a:txBody>
                   <a:tcPr/>
@@ -12407,10 +12356,9 @@
                     <a:p>
                       <a:pPr algn="ctr"/>
                       <a:r>
-                        <a:rPr kumimoji="1" lang="ja-JP" altLang="en-US" dirty="0" smtClean="0"/>
+                        <a:rPr kumimoji="1" lang="ja-JP" altLang="en-US" dirty="0"/>
                         <a:t>バーコードの切り取りとグレイスケール化</a:t>
                       </a:r>
-                      <a:endParaRPr kumimoji="1" lang="ja-JP" altLang="en-US" dirty="0"/>
                     </a:p>
                   </a:txBody>
                   <a:tcPr/>
@@ -12422,10 +12370,9 @@
                     <a:p>
                       <a:pPr algn="ctr"/>
                       <a:r>
-                        <a:rPr kumimoji="1" lang="ja-JP" altLang="en-US" dirty="0" smtClean="0"/>
+                        <a:rPr kumimoji="1" lang="ja-JP" altLang="en-US" dirty="0"/>
                         <a:t>〇</a:t>
                       </a:r>
-                      <a:endParaRPr kumimoji="1" lang="ja-JP" altLang="en-US" dirty="0"/>
                     </a:p>
                   </a:txBody>
                   <a:tcPr/>
@@ -12444,14 +12391,13 @@
                     <a:p>
                       <a:pPr algn="ctr"/>
                       <a:r>
-                        <a:rPr kumimoji="1" lang="en-US" altLang="ja-JP" dirty="0" err="1" smtClean="0"/>
+                        <a:rPr kumimoji="1" lang="en-US" altLang="ja-JP" dirty="0" err="1"/>
                         <a:t>pyzbar</a:t>
                       </a:r>
                       <a:r>
-                        <a:rPr kumimoji="1" lang="ja-JP" altLang="en-US" dirty="0" smtClean="0"/>
+                        <a:rPr kumimoji="1" lang="ja-JP" altLang="en-US" dirty="0"/>
                         <a:t>に画像を投げて番号取得</a:t>
                       </a:r>
-                      <a:endParaRPr kumimoji="1" lang="ja-JP" altLang="en-US" dirty="0"/>
                     </a:p>
                   </a:txBody>
                   <a:tcPr/>
@@ -12463,10 +12409,9 @@
                     <a:p>
                       <a:pPr algn="ctr"/>
                       <a:r>
-                        <a:rPr kumimoji="1" lang="ja-JP" altLang="en-US" dirty="0" smtClean="0"/>
+                        <a:rPr kumimoji="1" lang="ja-JP" altLang="en-US" dirty="0"/>
                         <a:t>△（精度が悪い）</a:t>
                       </a:r>
-                      <a:endParaRPr kumimoji="1" lang="ja-JP" altLang="en-US" dirty="0"/>
                     </a:p>
                   </a:txBody>
                   <a:tcPr/>
@@ -12491,13 +12436,6 @@
   <p:clrMapOvr>
     <a:masterClrMapping/>
   </p:clrMapOvr>
-  <p:timing>
-    <p:tnLst>
-      <p:par>
-        <p:cTn id="1" dur="indefinite" restart="never" nodeType="tmRoot"/>
-      </p:par>
-    </p:tnLst>
-  </p:timing>
 </p:sld>
 </file>
 
@@ -12534,10 +12472,9 @@
           <a:lstStyle/>
           <a:p>
             <a:r>
-              <a:rPr kumimoji="1" lang="ja-JP" altLang="en-US" dirty="0" smtClean="0"/>
+              <a:rPr kumimoji="1" lang="ja-JP" altLang="en-US" dirty="0"/>
               <a:t>目次</a:t>
             </a:r>
-            <a:endParaRPr kumimoji="1" lang="ja-JP" altLang="en-US" dirty="0"/>
           </a:p>
         </p:txBody>
       </p:sp>
@@ -12563,22 +12500,18 @@
               <a:buChar char="l"/>
             </a:pPr>
             <a:r>
-              <a:rPr kumimoji="1" lang="ja-JP" altLang="en-US" sz="3600" dirty="0" smtClean="0"/>
+              <a:rPr kumimoji="1" lang="ja-JP" altLang="en-US" sz="3600" dirty="0"/>
               <a:t>　</a:t>
             </a:r>
             <a:r>
-              <a:rPr lang="ja-JP" altLang="en-US" sz="3600" dirty="0" smtClean="0"/>
-              <a:t>研究</a:t>
-            </a:r>
-            <a:r>
               <a:rPr lang="ja-JP" altLang="en-US" sz="3600" dirty="0"/>
-              <a:t>背景</a:t>
-            </a:r>
-            <a:r>
-              <a:rPr kumimoji="1" lang="ja-JP" altLang="en-US" sz="3600" dirty="0" smtClean="0"/>
+              <a:t>研究背景</a:t>
+            </a:r>
+            <a:r>
+              <a:rPr kumimoji="1" lang="ja-JP" altLang="en-US" sz="3600" dirty="0"/>
               <a:t>　</a:t>
             </a:r>
-            <a:endParaRPr kumimoji="1" lang="en-US" altLang="ja-JP" sz="3600" dirty="0" smtClean="0"/>
+            <a:endParaRPr kumimoji="1" lang="en-US" altLang="ja-JP" sz="3600" dirty="0"/>
           </a:p>
           <a:p>
             <a:pPr>
@@ -12586,10 +12519,10 @@
               <a:buChar char="l"/>
             </a:pPr>
             <a:r>
-              <a:rPr kumimoji="1" lang="ja-JP" altLang="en-US" sz="3600" dirty="0" smtClean="0"/>
+              <a:rPr kumimoji="1" lang="ja-JP" altLang="en-US" sz="3600" dirty="0"/>
               <a:t>　研究目的・目標</a:t>
             </a:r>
-            <a:endParaRPr kumimoji="1" lang="en-US" altLang="ja-JP" sz="3400" dirty="0" smtClean="0"/>
+            <a:endParaRPr kumimoji="1" lang="en-US" altLang="ja-JP" sz="3400" dirty="0"/>
           </a:p>
           <a:p>
             <a:pPr>
@@ -12597,18 +12530,14 @@
               <a:buChar char="l"/>
             </a:pPr>
             <a:r>
-              <a:rPr kumimoji="1" lang="ja-JP" altLang="en-US" sz="3600" dirty="0" smtClean="0"/>
+              <a:rPr kumimoji="1" lang="ja-JP" altLang="en-US" sz="3600" dirty="0"/>
               <a:t>　</a:t>
             </a:r>
             <a:r>
-              <a:rPr lang="ja-JP" altLang="en-US" sz="3600" dirty="0" smtClean="0"/>
-              <a:t>提案</a:t>
-            </a:r>
-            <a:r>
               <a:rPr lang="ja-JP" altLang="en-US" sz="3600" dirty="0"/>
-              <a:t>手法</a:t>
-            </a:r>
-            <a:endParaRPr kumimoji="1" lang="en-US" altLang="ja-JP" sz="3600" dirty="0" smtClean="0"/>
+              <a:t>提案手法</a:t>
+            </a:r>
+            <a:endParaRPr kumimoji="1" lang="en-US" altLang="ja-JP" sz="3600" dirty="0"/>
           </a:p>
           <a:p>
             <a:pPr>
@@ -12621,15 +12550,7 @@
             </a:r>
             <a:r>
               <a:rPr lang="ja-JP" altLang="en-US" sz="3600" dirty="0"/>
-              <a:t>現在</a:t>
-            </a:r>
-            <a:r>
-              <a:rPr lang="ja-JP" altLang="en-US" sz="3600" dirty="0" smtClean="0"/>
-              <a:t>の</a:t>
-            </a:r>
-            <a:r>
-              <a:rPr lang="ja-JP" altLang="en-US" sz="3600" dirty="0"/>
-              <a:t>進捗</a:t>
+              <a:t>現在の進捗</a:t>
             </a:r>
             <a:endParaRPr kumimoji="1" lang="ja-JP" altLang="en-US" sz="3600" dirty="0"/>
           </a:p>
@@ -12668,13 +12589,6 @@
   <p:clrMapOvr>
     <a:masterClrMapping/>
   </p:clrMapOvr>
-  <p:timing>
-    <p:tnLst>
-      <p:par>
-        <p:cTn id="1" dur="indefinite" restart="never" nodeType="tmRoot"/>
-      </p:par>
-    </p:tnLst>
-  </p:timing>
 </p:sld>
 </file>
 
@@ -12711,10 +12625,9 @@
           <a:lstStyle/>
           <a:p>
             <a:r>
-              <a:rPr kumimoji="1" lang="ja-JP" altLang="en-US" dirty="0" smtClean="0"/>
+              <a:rPr kumimoji="1" lang="ja-JP" altLang="en-US" dirty="0"/>
               <a:t>研究背景</a:t>
             </a:r>
-            <a:endParaRPr kumimoji="1" lang="ja-JP" altLang="en-US" dirty="0"/>
           </a:p>
         </p:txBody>
       </p:sp>
@@ -12739,84 +12652,84 @@
           <a:lstStyle/>
           <a:p>
             <a:r>
-              <a:rPr lang="ja-JP" altLang="en-US" sz="2400" dirty="0" smtClean="0"/>
+              <a:rPr lang="ja-JP" altLang="en-US" sz="2400" dirty="0"/>
               <a:t>少子高齢化によって働き手が減少しつつある今日のスーパーでは、</a:t>
             </a:r>
-            <a:endParaRPr lang="en-US" altLang="ja-JP" sz="2400" dirty="0" smtClean="0"/>
-          </a:p>
-          <a:p>
-            <a:r>
-              <a:rPr lang="ja-JP" altLang="en-US" sz="2400" dirty="0" smtClean="0"/>
+            <a:endParaRPr lang="en-US" altLang="ja-JP" sz="2400" dirty="0"/>
+          </a:p>
+          <a:p>
+            <a:r>
+              <a:rPr lang="ja-JP" altLang="en-US" sz="2400" dirty="0"/>
               <a:t>従業員の数が少なくても経営できるようにセルフレジの導入を進めている。</a:t>
             </a:r>
-            <a:endParaRPr lang="en-US" altLang="ja-JP" sz="2400" dirty="0" smtClean="0"/>
-          </a:p>
-          <a:p>
-            <a:endParaRPr lang="en-US" altLang="ja-JP" sz="2400" dirty="0" smtClean="0"/>
-          </a:p>
-          <a:p>
-            <a:r>
-              <a:rPr lang="ja-JP" altLang="en-US" sz="2400" dirty="0" smtClean="0"/>
+            <a:endParaRPr lang="en-US" altLang="ja-JP" sz="2400" dirty="0"/>
+          </a:p>
+          <a:p>
+            <a:endParaRPr lang="en-US" altLang="ja-JP" sz="2400" dirty="0"/>
+          </a:p>
+          <a:p>
+            <a:r>
+              <a:rPr lang="ja-JP" altLang="en-US" sz="2400" dirty="0"/>
               <a:t>厚生労働省の統計では生産年齢人口</a:t>
             </a:r>
-            <a:endParaRPr lang="en-US" altLang="ja-JP" sz="2400" dirty="0" smtClean="0"/>
+            <a:endParaRPr lang="en-US" altLang="ja-JP" sz="2400" dirty="0"/>
           </a:p>
           <a:p>
             <a:pPr lvl="2"/>
             <a:r>
-              <a:rPr lang="en-US" altLang="ja-JP" sz="2400" dirty="0" smtClean="0"/>
+              <a:rPr lang="en-US" altLang="ja-JP" sz="2400" dirty="0"/>
               <a:t>2017</a:t>
             </a:r>
             <a:r>
-              <a:rPr lang="ja-JP" altLang="en-US" sz="2400" dirty="0" smtClean="0"/>
+              <a:rPr lang="ja-JP" altLang="en-US" sz="2400" dirty="0"/>
               <a:t>年</a:t>
             </a:r>
             <a:r>
-              <a:rPr lang="en-US" altLang="ja-JP" sz="2400" dirty="0" smtClean="0"/>
+              <a:rPr lang="en-US" altLang="ja-JP" sz="2400" dirty="0"/>
               <a:t>:6,530</a:t>
             </a:r>
             <a:r>
-              <a:rPr lang="ja-JP" altLang="en-US" sz="2400" dirty="0" smtClean="0"/>
+              <a:rPr lang="ja-JP" altLang="en-US" sz="2400" dirty="0"/>
               <a:t>万人</a:t>
             </a:r>
-            <a:endParaRPr lang="en-US" altLang="ja-JP" sz="2400" dirty="0" smtClean="0"/>
+            <a:endParaRPr lang="en-US" altLang="ja-JP" sz="2400" dirty="0"/>
           </a:p>
           <a:p>
             <a:pPr lvl="2"/>
             <a:r>
-              <a:rPr lang="en-US" altLang="ja-JP" sz="2400" dirty="0" smtClean="0"/>
+              <a:rPr lang="en-US" altLang="ja-JP" sz="2400" dirty="0"/>
               <a:t>2025</a:t>
             </a:r>
             <a:r>
-              <a:rPr lang="ja-JP" altLang="en-US" sz="2400" dirty="0" smtClean="0"/>
+              <a:rPr lang="ja-JP" altLang="en-US" sz="2400" dirty="0"/>
               <a:t>年</a:t>
             </a:r>
             <a:r>
-              <a:rPr lang="en-US" altLang="ja-JP" sz="2400" dirty="0" smtClean="0"/>
+              <a:rPr lang="en-US" altLang="ja-JP" sz="2400" dirty="0"/>
               <a:t>:6,082</a:t>
             </a:r>
             <a:r>
-              <a:rPr lang="ja-JP" altLang="en-US" sz="2400" dirty="0" smtClean="0"/>
+              <a:rPr lang="ja-JP" altLang="en-US" sz="2400" dirty="0"/>
               <a:t>万人</a:t>
             </a:r>
-            <a:endParaRPr lang="en-US" altLang="ja-JP" sz="2400" dirty="0" smtClean="0"/>
+            <a:endParaRPr lang="en-US" altLang="ja-JP" sz="2400" dirty="0"/>
           </a:p>
           <a:p>
             <a:pPr lvl="2"/>
             <a:r>
-              <a:rPr lang="en-US" altLang="ja-JP" sz="2400" dirty="0" smtClean="0"/>
+              <a:rPr lang="en-US" altLang="ja-JP" sz="2400" dirty="0"/>
               <a:t>2040</a:t>
             </a:r>
             <a:r>
-              <a:rPr lang="ja-JP" altLang="en-US" sz="2400" dirty="0" smtClean="0"/>
+              <a:rPr lang="ja-JP" altLang="en-US" sz="2400" dirty="0"/>
               <a:t>年</a:t>
             </a:r>
             <a:r>
-              <a:rPr lang="en-US" altLang="ja-JP" sz="2400" dirty="0" smtClean="0"/>
+              <a:rPr lang="en-US" altLang="ja-JP" sz="2400" dirty="0"/>
               <a:t>:5,245</a:t>
             </a:r>
             <a:r>
-              <a:rPr lang="ja-JP" altLang="en-US" sz="2400" dirty="0" smtClean="0"/>
+              <a:rPr lang="ja-JP" altLang="en-US" sz="2400" dirty="0"/>
               <a:t>万人 までに減少する見込み</a:t>
             </a:r>
             <a:endParaRPr lang="en-US" altLang="ja-JP" sz="2400" dirty="0"/>
@@ -12825,19 +12738,19 @@
             <a:endParaRPr lang="en-US" altLang="ja-JP" sz="2400" dirty="0"/>
           </a:p>
           <a:p>
-            <a:endParaRPr lang="en-US" altLang="ja-JP" dirty="0" smtClean="0"/>
+            <a:endParaRPr lang="en-US" altLang="ja-JP" dirty="0"/>
           </a:p>
           <a:p>
             <a:pPr marL="201168" lvl="1" indent="0">
               <a:buNone/>
             </a:pPr>
-            <a:endParaRPr lang="en-US" altLang="ja-JP" dirty="0" smtClean="0"/>
+            <a:endParaRPr lang="en-US" altLang="ja-JP" dirty="0"/>
           </a:p>
           <a:p>
             <a:pPr marL="0" indent="0">
               <a:buNone/>
             </a:pPr>
-            <a:endParaRPr lang="en-US" altLang="ja-JP" dirty="0" smtClean="0"/>
+            <a:endParaRPr lang="en-US" altLang="ja-JP" dirty="0"/>
           </a:p>
         </p:txBody>
       </p:sp>
@@ -12874,13 +12787,6 @@
   <p:clrMapOvr>
     <a:masterClrMapping/>
   </p:clrMapOvr>
-  <p:timing>
-    <p:tnLst>
-      <p:par>
-        <p:cTn id="1" dur="indefinite" restart="never" nodeType="tmRoot"/>
-      </p:par>
-    </p:tnLst>
-  </p:timing>
 </p:sld>
 </file>
 
@@ -12922,11 +12828,11 @@
           <a:lstStyle/>
           <a:p>
             <a:r>
-              <a:rPr kumimoji="1" lang="ja-JP" altLang="en-US" dirty="0" smtClean="0"/>
+              <a:rPr kumimoji="1" lang="ja-JP" altLang="en-US" dirty="0"/>
               <a:t>研究目的</a:t>
             </a:r>
             <a:r>
-              <a:rPr lang="ja-JP" altLang="en-US" dirty="0" smtClean="0"/>
+              <a:rPr lang="ja-JP" altLang="en-US" dirty="0"/>
               <a:t>・目標</a:t>
             </a:r>
             <a:endParaRPr kumimoji="1" lang="ja-JP" altLang="en-US" dirty="0"/>
@@ -12956,71 +12862,62 @@
           <a:lstStyle/>
           <a:p>
             <a:r>
-              <a:rPr lang="en-US" altLang="ja-JP" sz="2400" dirty="0" smtClean="0"/>
+              <a:rPr lang="en-US" altLang="ja-JP" sz="2400" dirty="0"/>
               <a:t>&lt;</a:t>
             </a:r>
             <a:r>
-              <a:rPr lang="ja-JP" altLang="en-US" sz="2400" dirty="0" smtClean="0"/>
+              <a:rPr lang="ja-JP" altLang="en-US" sz="2400" dirty="0"/>
               <a:t>目的</a:t>
             </a:r>
             <a:r>
-              <a:rPr lang="en-US" altLang="ja-JP" sz="2400" dirty="0" smtClean="0"/>
+              <a:rPr lang="en-US" altLang="ja-JP" sz="2400" dirty="0"/>
               <a:t>&gt;</a:t>
             </a:r>
           </a:p>
           <a:p>
             <a:r>
-              <a:rPr lang="ja-JP" altLang="en-US" sz="2400" dirty="0" smtClean="0"/>
+              <a:rPr lang="ja-JP" altLang="en-US" sz="2400" dirty="0"/>
               <a:t>既存の無人レジ店舗のような複雑で高価なシステムではなく、中小店でも導入できる安価なシステムの作成</a:t>
             </a:r>
-            <a:endParaRPr lang="en-US" altLang="ja-JP" sz="2400" dirty="0" smtClean="0"/>
-          </a:p>
-          <a:p>
-            <a:endParaRPr lang="en-US" altLang="ja-JP" dirty="0" smtClean="0"/>
-          </a:p>
-          <a:p>
-            <a:r>
-              <a:rPr lang="en-US" altLang="ja-JP" sz="2400" dirty="0" smtClean="0"/>
+            <a:endParaRPr lang="en-US" altLang="ja-JP" sz="2400" dirty="0"/>
+          </a:p>
+          <a:p>
+            <a:endParaRPr lang="en-US" altLang="ja-JP" dirty="0"/>
+          </a:p>
+          <a:p>
+            <a:r>
+              <a:rPr lang="en-US" altLang="ja-JP" sz="2400" dirty="0"/>
               <a:t>&lt;</a:t>
             </a:r>
             <a:r>
-              <a:rPr lang="ja-JP" altLang="en-US" sz="2400" dirty="0" smtClean="0"/>
+              <a:rPr lang="ja-JP" altLang="en-US" sz="2400" dirty="0"/>
               <a:t>目標</a:t>
             </a:r>
             <a:r>
-              <a:rPr lang="en-US" altLang="ja-JP" sz="2400" dirty="0" smtClean="0"/>
+              <a:rPr lang="en-US" altLang="ja-JP" sz="2400" dirty="0"/>
               <a:t>&gt;</a:t>
             </a:r>
           </a:p>
           <a:p>
             <a:r>
-              <a:rPr lang="ja-JP" altLang="en-US" sz="2400" dirty="0" smtClean="0"/>
-              <a:t>ラズベリー</a:t>
-            </a:r>
-            <a:r>
               <a:rPr lang="ja-JP" altLang="en-US" sz="2400" dirty="0"/>
-              <a:t>パイ</a:t>
-            </a:r>
-            <a:r>
-              <a:rPr lang="ja-JP" altLang="en-US" sz="2400" dirty="0" smtClean="0"/>
-              <a:t>と</a:t>
-            </a:r>
-            <a:r>
-              <a:rPr lang="en-US" altLang="ja-JP" sz="2400" dirty="0" smtClean="0"/>
+              <a:t>ラズベリーパイと</a:t>
+            </a:r>
+            <a:r>
+              <a:rPr lang="en-US" altLang="ja-JP" sz="2400" dirty="0"/>
               <a:t>Web</a:t>
             </a:r>
             <a:r>
-              <a:rPr lang="ja-JP" altLang="en-US" sz="2400" dirty="0" smtClean="0"/>
+              <a:rPr lang="ja-JP" altLang="en-US" sz="2400" dirty="0"/>
               <a:t>カメラを使用し、商品をバーコードの番号で判断する</a:t>
             </a:r>
             <a:endParaRPr lang="ja-JP" altLang="en-US" sz="3600" dirty="0"/>
           </a:p>
           <a:p>
             <a:r>
-              <a:rPr kumimoji="1" lang="ja-JP" altLang="en-US" sz="2400" dirty="0" smtClean="0"/>
+              <a:rPr kumimoji="1" lang="ja-JP" altLang="en-US" sz="2400" dirty="0"/>
               <a:t>商品の取捨選択から決済に至るまでの一連の流れを行えるシステムの開発</a:t>
             </a:r>
-            <a:endParaRPr kumimoji="1" lang="ja-JP" altLang="en-US" sz="2400" dirty="0"/>
           </a:p>
         </p:txBody>
       </p:sp>
@@ -13057,13 +12954,6 @@
   <p:clrMapOvr>
     <a:masterClrMapping/>
   </p:clrMapOvr>
-  <p:timing>
-    <p:tnLst>
-      <p:par>
-        <p:cTn id="1" dur="indefinite" restart="never" nodeType="tmRoot"/>
-      </p:par>
-    </p:tnLst>
-  </p:timing>
 </p:sld>
 </file>
 
@@ -13185,7 +13075,7 @@
           <a:lstStyle/>
           <a:p>
             <a:r>
-              <a:rPr lang="ja-JP" altLang="en-US" dirty="0" smtClean="0">
+              <a:rPr lang="ja-JP" altLang="en-US" dirty="0">
                 <a:solidFill>
                   <a:schemeClr val="bg1">
                     <a:lumMod val="75000"/>
@@ -13196,7 +13086,7 @@
               <a:t>　　　　　　　　　　　</a:t>
             </a:r>
             <a:r>
-              <a:rPr lang="en-US" altLang="ja-JP" dirty="0" smtClean="0">
+              <a:rPr lang="en-US" altLang="ja-JP" dirty="0">
                 <a:solidFill>
                   <a:schemeClr val="bg1">
                     <a:lumMod val="75000"/>
@@ -14079,7 +13969,7 @@
               <a:defRPr/>
             </a:pPr>
             <a:r>
-              <a:rPr kumimoji="1" lang="ja-JP" altLang="en-US" sz="2400" b="0" i="0" u="none" strike="noStrike" kern="1200" cap="none" spc="0" normalizeH="0" baseline="0" noProof="0" dirty="0" smtClean="0">
+              <a:rPr kumimoji="1" lang="ja-JP" altLang="en-US" sz="2400" b="0" i="0" u="none" strike="noStrike" kern="1200" cap="none" spc="0" normalizeH="0" baseline="0" noProof="0" dirty="0">
                 <a:ln>
                   <a:noFill/>
                 </a:ln>
@@ -14095,20 +13985,6 @@
               </a:rPr>
               <a:t>顧客情報とカート情報を結びつける</a:t>
             </a:r>
-            <a:endParaRPr kumimoji="1" lang="ja-JP" altLang="en-US" sz="2400" b="0" i="0" u="none" strike="noStrike" kern="1200" cap="none" spc="0" normalizeH="0" baseline="0" noProof="0" dirty="0">
-              <a:ln>
-                <a:noFill/>
-              </a:ln>
-              <a:solidFill>
-                <a:prstClr val="black"/>
-              </a:solidFill>
-              <a:effectLst/>
-              <a:uLnTx/>
-              <a:uFillTx/>
-              <a:latin typeface="Calibri" panose="020F0502020204030204"/>
-              <a:ea typeface="ＭＳ Ｐゴシック" panose="020B0600070205080204" pitchFamily="50" charset="-128"/>
-              <a:cs typeface="+mn-cs"/>
-            </a:endParaRPr>
           </a:p>
         </p:txBody>
       </p:sp>
@@ -14156,7 +14032,7 @@
               <a:defRPr/>
             </a:pPr>
             <a:r>
-              <a:rPr kumimoji="1" lang="ja-JP" altLang="en-US" sz="2400" b="0" i="0" u="none" strike="noStrike" kern="1200" cap="none" spc="0" normalizeH="0" baseline="0" noProof="0" smtClean="0">
+              <a:rPr kumimoji="1" lang="ja-JP" altLang="en-US" sz="2400" b="0" i="0" u="none" strike="noStrike" kern="1200" cap="none" spc="0" normalizeH="0" baseline="0" noProof="0">
                 <a:ln>
                   <a:noFill/>
                 </a:ln>
@@ -14172,20 +14048,6 @@
               </a:rPr>
               <a:t>決済</a:t>
             </a:r>
-            <a:endParaRPr kumimoji="1" lang="ja-JP" altLang="en-US" sz="2400" b="0" i="0" u="none" strike="noStrike" kern="1200" cap="none" spc="0" normalizeH="0" baseline="0" noProof="0">
-              <a:ln>
-                <a:noFill/>
-              </a:ln>
-              <a:solidFill>
-                <a:prstClr val="black"/>
-              </a:solidFill>
-              <a:effectLst/>
-              <a:uLnTx/>
-              <a:uFillTx/>
-              <a:latin typeface="Calibri" panose="020F0502020204030204"/>
-              <a:ea typeface="ＭＳ Ｐゴシック" panose="020B0600070205080204" pitchFamily="50" charset="-128"/>
-              <a:cs typeface="+mn-cs"/>
-            </a:endParaRPr>
           </a:p>
         </p:txBody>
       </p:sp>
@@ -14233,7 +14095,7 @@
               <a:defRPr/>
             </a:pPr>
             <a:r>
-              <a:rPr kumimoji="1" lang="ja-JP" altLang="en-US" sz="2400" b="0" i="0" u="none" strike="noStrike" kern="1200" cap="none" spc="0" normalizeH="0" baseline="0" noProof="0" smtClean="0">
+              <a:rPr kumimoji="1" lang="ja-JP" altLang="en-US" sz="2400" b="0" i="0" u="none" strike="noStrike" kern="1200" cap="none" spc="0" normalizeH="0" baseline="0" noProof="0">
                 <a:ln>
                   <a:noFill/>
                 </a:ln>
@@ -14249,20 +14111,6 @@
               </a:rPr>
               <a:t>カート上で商品情報取得</a:t>
             </a:r>
-            <a:endParaRPr kumimoji="1" lang="ja-JP" altLang="en-US" sz="2400" b="0" i="0" u="none" strike="noStrike" kern="1200" cap="none" spc="0" normalizeH="0" baseline="0" noProof="0">
-              <a:ln>
-                <a:noFill/>
-              </a:ln>
-              <a:solidFill>
-                <a:prstClr val="black"/>
-              </a:solidFill>
-              <a:effectLst/>
-              <a:uLnTx/>
-              <a:uFillTx/>
-              <a:latin typeface="Calibri" panose="020F0502020204030204"/>
-              <a:ea typeface="ＭＳ Ｐゴシック" panose="020B0600070205080204" pitchFamily="50" charset="-128"/>
-              <a:cs typeface="+mn-cs"/>
-            </a:endParaRPr>
           </a:p>
         </p:txBody>
       </p:sp>
@@ -14276,13 +14124,6 @@
   <p:clrMapOvr>
     <a:masterClrMapping/>
   </p:clrMapOvr>
-  <p:timing>
-    <p:tnLst>
-      <p:par>
-        <p:cTn id="1" dur="indefinite" restart="never" nodeType="tmRoot"/>
-      </p:par>
-    </p:tnLst>
-  </p:timing>
 </p:sld>
 </file>
 
@@ -14319,16 +14160,8 @@
           <a:lstStyle/>
           <a:p>
             <a:r>
-              <a:rPr lang="ja-JP" altLang="en-US" dirty="0" smtClean="0"/>
-              <a:t>メリット</a:t>
-            </a:r>
-            <a:r>
               <a:rPr lang="ja-JP" altLang="en-US" dirty="0"/>
-              <a:t>・</a:t>
-            </a:r>
-            <a:r>
-              <a:rPr lang="ja-JP" altLang="en-US" dirty="0" smtClean="0"/>
-              <a:t>効果</a:t>
+              <a:t>メリット・効果</a:t>
             </a:r>
             <a:endParaRPr kumimoji="1" lang="ja-JP" altLang="en-US" dirty="0"/>
           </a:p>
@@ -14357,15 +14190,15 @@
           <a:lstStyle/>
           <a:p>
             <a:r>
-              <a:rPr lang="ja-JP" altLang="en-US" sz="2800" dirty="0" smtClean="0"/>
+              <a:rPr lang="ja-JP" altLang="en-US" sz="2800" dirty="0"/>
               <a:t>店側</a:t>
             </a:r>
             <a:r>
-              <a:rPr lang="en-US" altLang="ja-JP" sz="2800" dirty="0" smtClean="0"/>
+              <a:rPr lang="en-US" altLang="ja-JP" sz="2800" dirty="0"/>
               <a:t>:</a:t>
             </a:r>
             <a:r>
-              <a:rPr lang="ja-JP" altLang="en-US" sz="2800" dirty="0" smtClean="0">
+              <a:rPr lang="ja-JP" altLang="en-US" sz="2800" dirty="0">
                 <a:solidFill>
                   <a:srgbClr val="FF0000"/>
                 </a:solidFill>
@@ -14426,23 +14259,23 @@
               <a:t>3,500,000</a:t>
             </a:r>
             <a:r>
-              <a:rPr lang="ja-JP" altLang="en-US" sz="2800" dirty="0" smtClean="0"/>
+              <a:rPr lang="ja-JP" altLang="en-US" sz="2800" dirty="0"/>
               <a:t>円 </a:t>
             </a:r>
             <a:r>
-              <a:rPr lang="en-US" altLang="ja-JP" sz="2800" dirty="0" smtClean="0"/>
+              <a:rPr lang="en-US" altLang="ja-JP" sz="2800" dirty="0"/>
               <a:t>* 6</a:t>
             </a:r>
             <a:r>
-              <a:rPr lang="ja-JP" altLang="en-US" sz="2800" dirty="0" smtClean="0"/>
+              <a:rPr lang="ja-JP" altLang="en-US" sz="2800" dirty="0"/>
               <a:t>台 </a:t>
             </a:r>
             <a:r>
-              <a:rPr lang="en-US" altLang="ja-JP" sz="2800" dirty="0" smtClean="0"/>
+              <a:rPr lang="en-US" altLang="ja-JP" sz="2800" dirty="0"/>
               <a:t>= </a:t>
             </a:r>
             <a:r>
-              <a:rPr lang="en-US" altLang="ja-JP" sz="3600" dirty="0" smtClean="0">
+              <a:rPr lang="en-US" altLang="ja-JP" sz="3600" dirty="0">
                 <a:solidFill>
                   <a:srgbClr val="FF0000"/>
                 </a:solidFill>
@@ -14450,7 +14283,7 @@
               <a:t>21,000,000</a:t>
             </a:r>
             <a:r>
-              <a:rPr lang="ja-JP" altLang="en-US" sz="3600" dirty="0" smtClean="0">
+              <a:rPr lang="ja-JP" altLang="en-US" sz="3600" dirty="0">
                 <a:solidFill>
                   <a:srgbClr val="FF0000"/>
                 </a:solidFill>
@@ -14485,15 +14318,15 @@
               <a:t>12,500</a:t>
             </a:r>
             <a:r>
-              <a:rPr lang="ja-JP" altLang="en-US" sz="2800" dirty="0" smtClean="0"/>
+              <a:rPr lang="ja-JP" altLang="en-US" sz="2800" dirty="0"/>
               <a:t>円 </a:t>
             </a:r>
             <a:r>
-              <a:rPr lang="en-US" altLang="ja-JP" sz="2800" dirty="0" smtClean="0"/>
+              <a:rPr lang="en-US" altLang="ja-JP" sz="2800" dirty="0"/>
               <a:t>* 80</a:t>
             </a:r>
             <a:r>
-              <a:rPr lang="ja-JP" altLang="en-US" sz="2800" dirty="0" smtClean="0"/>
+              <a:rPr lang="ja-JP" altLang="en-US" sz="2800" dirty="0"/>
               <a:t>個（カゴの個数） </a:t>
             </a:r>
             <a:r>
@@ -14501,7 +14334,7 @@
               <a:t>= </a:t>
             </a:r>
             <a:r>
-              <a:rPr lang="en-US" altLang="ja-JP" sz="3600" dirty="0" smtClean="0">
+              <a:rPr lang="en-US" altLang="ja-JP" sz="3600" dirty="0">
                 <a:solidFill>
                   <a:srgbClr val="FF0000"/>
                 </a:solidFill>
@@ -14509,7 +14342,7 @@
               <a:t>1,000,000</a:t>
             </a:r>
             <a:r>
-              <a:rPr lang="ja-JP" altLang="en-US" sz="3600" dirty="0" smtClean="0">
+              <a:rPr lang="ja-JP" altLang="en-US" sz="3600" dirty="0">
                 <a:solidFill>
                   <a:srgbClr val="FF0000"/>
                 </a:solidFill>
@@ -14547,15 +14380,15 @@
           <a:lstStyle/>
           <a:p>
             <a:r>
-              <a:rPr lang="ja-JP" altLang="en-US" sz="2800" dirty="0" smtClean="0"/>
+              <a:rPr lang="ja-JP" altLang="en-US" sz="2800" dirty="0"/>
               <a:t>お客様</a:t>
             </a:r>
             <a:r>
-              <a:rPr lang="en-US" altLang="ja-JP" sz="2800" dirty="0" smtClean="0"/>
+              <a:rPr lang="en-US" altLang="ja-JP" sz="2800" dirty="0"/>
               <a:t>:</a:t>
             </a:r>
             <a:r>
-              <a:rPr lang="ja-JP" altLang="en-US" sz="2800" dirty="0" smtClean="0">
+              <a:rPr lang="ja-JP" altLang="en-US" sz="2800" dirty="0">
                 <a:solidFill>
                   <a:srgbClr val="FF0000"/>
                 </a:solidFill>
@@ -14603,13 +14436,6 @@
   <p:clrMapOvr>
     <a:masterClrMapping/>
   </p:clrMapOvr>
-  <p:timing>
-    <p:tnLst>
-      <p:par>
-        <p:cTn id="1" dur="indefinite" restart="never" nodeType="tmRoot"/>
-      </p:par>
-    </p:tnLst>
-  </p:timing>
 </p:sld>
 </file>
 
@@ -14772,12 +14598,8 @@
           <a:lstStyle/>
           <a:p>
             <a:r>
-              <a:rPr lang="ja-JP" altLang="en-US" dirty="0" smtClean="0"/>
-              <a:t>イメージ</a:t>
-            </a:r>
-            <a:r>
               <a:rPr lang="ja-JP" altLang="en-US" dirty="0"/>
-              <a:t>図</a:t>
+              <a:t>イメージ図</a:t>
             </a:r>
             <a:endParaRPr kumimoji="1" lang="ja-JP" altLang="en-US" dirty="0"/>
           </a:p>
@@ -14867,7 +14689,7 @@
           <a:p>
             <a:pPr algn="ctr"/>
             <a:r>
-              <a:rPr kumimoji="1" lang="ja-JP" altLang="en-US" smtClean="0">
+              <a:rPr kumimoji="1" lang="ja-JP" altLang="en-US">
                 <a:solidFill>
                   <a:schemeClr val="tx1">
                     <a:lumMod val="85000"/>
@@ -14877,14 +14699,6 @@
               </a:rPr>
               <a:t>商品</a:t>
             </a:r>
-            <a:endParaRPr kumimoji="1" lang="ja-JP" altLang="en-US">
-              <a:solidFill>
-                <a:schemeClr val="tx1">
-                  <a:lumMod val="85000"/>
-                  <a:lumOff val="15000"/>
-                </a:schemeClr>
-              </a:solidFill>
-            </a:endParaRPr>
           </a:p>
         </p:txBody>
       </p:sp>
@@ -14911,10 +14725,9 @@
           <a:lstStyle/>
           <a:p>
             <a:r>
-              <a:rPr kumimoji="1" lang="ja-JP" altLang="en-US" dirty="0" smtClean="0"/>
+              <a:rPr kumimoji="1" lang="ja-JP" altLang="en-US" dirty="0"/>
               <a:t>バーコード</a:t>
             </a:r>
-            <a:endParaRPr kumimoji="1" lang="ja-JP" altLang="en-US" dirty="0"/>
           </a:p>
         </p:txBody>
       </p:sp>
@@ -14994,7 +14807,7 @@
           <a:lstStyle/>
           <a:p>
             <a:r>
-              <a:rPr kumimoji="1" lang="en-US" altLang="ja-JP" sz="2800" smtClean="0">
+              <a:rPr kumimoji="1" lang="en-US" altLang="ja-JP" sz="2800">
                 <a:solidFill>
                   <a:schemeClr val="bg1"/>
                 </a:solidFill>
@@ -15329,7 +15142,7 @@
           <a:lstStyle/>
           <a:p>
             <a:r>
-              <a:rPr lang="ja-JP" altLang="en-US" sz="2800" dirty="0" smtClean="0">
+              <a:rPr lang="ja-JP" altLang="en-US" sz="2800" dirty="0">
                 <a:solidFill>
                   <a:schemeClr val="tx1">
                     <a:lumMod val="85000"/>
@@ -15339,7 +15152,7 @@
               </a:rPr>
               <a:t>画像データ</a:t>
             </a:r>
-            <a:endParaRPr lang="en-US" altLang="ja-JP" sz="2800" dirty="0" smtClean="0">
+            <a:endParaRPr lang="en-US" altLang="ja-JP" sz="2800" dirty="0">
               <a:solidFill>
                 <a:schemeClr val="tx1">
                   <a:lumMod val="85000"/>
@@ -15350,7 +15163,7 @@
           </a:p>
           <a:p>
             <a:r>
-              <a:rPr kumimoji="1" lang="ja-JP" altLang="en-US" sz="2800" dirty="0" smtClean="0">
+              <a:rPr kumimoji="1" lang="ja-JP" altLang="en-US" sz="2800" dirty="0">
                 <a:solidFill>
                   <a:schemeClr val="tx1">
                     <a:lumMod val="85000"/>
@@ -15361,7 +15174,7 @@
               <a:t>フラグ</a:t>
             </a:r>
             <a:r>
-              <a:rPr kumimoji="1" lang="en-US" altLang="ja-JP" sz="2800" dirty="0" smtClean="0">
+              <a:rPr kumimoji="1" lang="en-US" altLang="ja-JP" sz="2800" dirty="0">
                 <a:solidFill>
                   <a:schemeClr val="tx1">
                     <a:lumMod val="85000"/>
@@ -15372,7 +15185,7 @@
               <a:t>(</a:t>
             </a:r>
             <a:r>
-              <a:rPr kumimoji="1" lang="ja-JP" altLang="en-US" sz="2800" dirty="0" smtClean="0">
+              <a:rPr kumimoji="1" lang="ja-JP" altLang="en-US" sz="2800" dirty="0">
                 <a:solidFill>
                   <a:schemeClr val="tx1">
                     <a:lumMod val="85000"/>
@@ -15383,7 +15196,7 @@
               <a:t>追加</a:t>
             </a:r>
             <a:r>
-              <a:rPr kumimoji="1" lang="en-US" altLang="ja-JP" sz="2800" dirty="0" smtClean="0">
+              <a:rPr kumimoji="1" lang="en-US" altLang="ja-JP" sz="2800" dirty="0">
                 <a:solidFill>
                   <a:schemeClr val="tx1">
                     <a:lumMod val="85000"/>
@@ -15394,7 +15207,7 @@
               <a:t>or</a:t>
             </a:r>
             <a:r>
-              <a:rPr kumimoji="1" lang="ja-JP" altLang="en-US" sz="2800" dirty="0" smtClean="0">
+              <a:rPr kumimoji="1" lang="ja-JP" altLang="en-US" sz="2800" dirty="0">
                 <a:solidFill>
                   <a:schemeClr val="tx1">
                     <a:lumMod val="85000"/>
@@ -15405,7 +15218,7 @@
               <a:t>削除</a:t>
             </a:r>
             <a:r>
-              <a:rPr kumimoji="1" lang="en-US" altLang="ja-JP" sz="2800" dirty="0" smtClean="0">
+              <a:rPr kumimoji="1" lang="en-US" altLang="ja-JP" sz="2800" dirty="0">
                 <a:solidFill>
                   <a:schemeClr val="tx1">
                     <a:lumMod val="85000"/>
@@ -15453,7 +15266,7 @@
           <a:lstStyle/>
           <a:p>
             <a:r>
-              <a:rPr kumimoji="1" lang="en-US" altLang="ja-JP" sz="2800" smtClean="0">
+              <a:rPr kumimoji="1" lang="en-US" altLang="ja-JP" sz="2800">
                 <a:solidFill>
                   <a:schemeClr val="tx1">
                     <a:lumMod val="85000"/>
@@ -15520,10 +15333,10 @@
           <a:lstStyle/>
           <a:p>
             <a:r>
-              <a:rPr lang="ja-JP" altLang="en-US" sz="2800" dirty="0" smtClean="0"/>
+              <a:rPr lang="ja-JP" altLang="en-US" sz="2800" dirty="0"/>
               <a:t>カゴ</a:t>
             </a:r>
-            <a:endParaRPr lang="en-US" altLang="ja-JP" sz="2800" dirty="0" smtClean="0"/>
+            <a:endParaRPr lang="en-US" altLang="ja-JP" sz="2800" dirty="0"/>
           </a:p>
         </p:txBody>
       </p:sp>
@@ -15562,10 +15375,9 @@
           <a:p>
             <a:pPr algn="ctr"/>
             <a:r>
-              <a:rPr kumimoji="1" lang="ja-JP" altLang="en-US" dirty="0" smtClean="0"/>
+              <a:rPr kumimoji="1" lang="ja-JP" altLang="en-US" dirty="0"/>
               <a:t>各種センサー</a:t>
             </a:r>
-            <a:endParaRPr kumimoji="1" lang="ja-JP" altLang="en-US" dirty="0"/>
           </a:p>
         </p:txBody>
       </p:sp>
@@ -15579,13 +15391,6 @@
   <p:clrMapOvr>
     <a:masterClrMapping/>
   </p:clrMapOvr>
-  <p:timing>
-    <p:tnLst>
-      <p:par>
-        <p:cTn id="1" dur="indefinite" restart="never" nodeType="tmRoot"/>
-      </p:par>
-    </p:tnLst>
-  </p:timing>
 </p:sld>
 </file>
 
@@ -15659,10 +15464,9 @@
           <a:lstStyle/>
           <a:p>
             <a:r>
-              <a:rPr kumimoji="1" lang="ja-JP" altLang="en-US" sz="2800" dirty="0" smtClean="0"/>
+              <a:rPr kumimoji="1" lang="ja-JP" altLang="en-US" sz="2800" dirty="0"/>
               <a:t>開発の方針、構成</a:t>
             </a:r>
-            <a:endParaRPr kumimoji="1" lang="ja-JP" altLang="en-US" sz="2800" dirty="0"/>
           </a:p>
         </p:txBody>
       </p:sp>
@@ -15712,98 +15516,90 @@
           <a:lstStyle/>
           <a:p>
             <a:r>
-              <a:rPr kumimoji="1" lang="ja-JP" altLang="en-US" sz="2400" dirty="0" smtClean="0"/>
+              <a:rPr kumimoji="1" lang="ja-JP" altLang="en-US" sz="2400" dirty="0"/>
               <a:t>・</a:t>
             </a:r>
             <a:r>
-              <a:rPr kumimoji="1" lang="en-US" altLang="ja-JP" sz="2400" dirty="0" smtClean="0"/>
+              <a:rPr kumimoji="1" lang="en-US" altLang="ja-JP" sz="2400" dirty="0"/>
               <a:t>V</a:t>
             </a:r>
             <a:r>
-              <a:rPr kumimoji="1" lang="ja-JP" altLang="en-US" sz="2400" dirty="0" smtClean="0"/>
-              <a:t>モデルに従って開発</a:t>
-            </a:r>
-            <a:endParaRPr kumimoji="1" lang="en-US" altLang="ja-JP" sz="2400" dirty="0" smtClean="0"/>
-          </a:p>
-          <a:p>
-            <a:endParaRPr kumimoji="1" lang="en-US" altLang="ja-JP" sz="2400" dirty="0" smtClean="0"/>
-          </a:p>
-          <a:p>
-            <a:r>
-              <a:rPr kumimoji="1" lang="ja-JP" altLang="en-US" sz="2400" dirty="0" smtClean="0"/>
+              <a:rPr kumimoji="1" lang="ja-JP" altLang="en-US" sz="2400" dirty="0"/>
+              <a:t>字モデルに従って開発</a:t>
+            </a:r>
+            <a:endParaRPr kumimoji="1" lang="en-US" altLang="ja-JP" sz="2400" dirty="0"/>
+          </a:p>
+          <a:p>
+            <a:endParaRPr kumimoji="1" lang="en-US" altLang="ja-JP" sz="2400" dirty="0"/>
+          </a:p>
+          <a:p>
+            <a:r>
+              <a:rPr kumimoji="1" lang="ja-JP" altLang="en-US" sz="2400" dirty="0"/>
               <a:t>・</a:t>
             </a:r>
             <a:r>
-              <a:rPr kumimoji="1" lang="en-US" altLang="ja-JP" sz="2400" dirty="0" smtClean="0"/>
+              <a:rPr kumimoji="1" lang="en-US" altLang="ja-JP" sz="2400" dirty="0"/>
               <a:t>UML</a:t>
             </a:r>
             <a:r>
               <a:rPr lang="ja-JP" altLang="en-US" sz="2400" dirty="0"/>
-              <a:t>言語</a:t>
-            </a:r>
-            <a:r>
-              <a:rPr lang="ja-JP" altLang="en-US" sz="2400" dirty="0" smtClean="0"/>
-              <a:t>を用いてシステム設計を行う</a:t>
-            </a:r>
-            <a:endParaRPr lang="en-US" altLang="ja-JP" sz="2400" dirty="0" smtClean="0"/>
-          </a:p>
-          <a:p>
-            <a:endParaRPr lang="en-US" altLang="ja-JP" sz="2400" dirty="0" smtClean="0"/>
-          </a:p>
-          <a:p>
-            <a:r>
-              <a:rPr kumimoji="1" lang="ja-JP" altLang="en-US" sz="2400" dirty="0" smtClean="0"/>
+              <a:t>言語を用いてシステム設計を行う</a:t>
+            </a:r>
+            <a:endParaRPr lang="en-US" altLang="ja-JP" sz="2400" dirty="0"/>
+          </a:p>
+          <a:p>
+            <a:endParaRPr lang="en-US" altLang="ja-JP" sz="2400" dirty="0"/>
+          </a:p>
+          <a:p>
+            <a:r>
+              <a:rPr kumimoji="1" lang="ja-JP" altLang="en-US" sz="2400" dirty="0"/>
               <a:t>・</a:t>
             </a:r>
             <a:r>
-              <a:rPr lang="ja-JP" altLang="en-US" sz="2400" dirty="0" smtClean="0"/>
+              <a:rPr lang="ja-JP" altLang="en-US" sz="2400" dirty="0"/>
               <a:t>ラズパイの各種処理は</a:t>
             </a:r>
             <a:r>
-              <a:rPr lang="en-US" altLang="ja-JP" sz="2400" dirty="0" smtClean="0"/>
+              <a:rPr lang="en-US" altLang="ja-JP" sz="2400" dirty="0"/>
               <a:t>Python</a:t>
             </a:r>
             <a:r>
-              <a:rPr lang="ja-JP" altLang="en-US" sz="2400" dirty="0" smtClean="0"/>
+              <a:rPr lang="ja-JP" altLang="en-US" sz="2400" dirty="0"/>
               <a:t>を使用</a:t>
             </a:r>
-            <a:endParaRPr lang="en-US" altLang="ja-JP" sz="2400" dirty="0" smtClean="0"/>
-          </a:p>
-          <a:p>
-            <a:endParaRPr lang="en-US" altLang="ja-JP" sz="2400" dirty="0" smtClean="0"/>
-          </a:p>
-          <a:p>
-            <a:r>
-              <a:rPr kumimoji="1" lang="ja-JP" altLang="en-US" sz="2400" dirty="0" smtClean="0"/>
+            <a:endParaRPr lang="en-US" altLang="ja-JP" sz="2400" dirty="0"/>
+          </a:p>
+          <a:p>
+            <a:endParaRPr lang="en-US" altLang="ja-JP" sz="2400" dirty="0"/>
+          </a:p>
+          <a:p>
+            <a:r>
+              <a:rPr kumimoji="1" lang="ja-JP" altLang="en-US" sz="2400" dirty="0"/>
               <a:t>・サーバの各種処理も</a:t>
             </a:r>
             <a:r>
-              <a:rPr kumimoji="1" lang="en-US" altLang="ja-JP" sz="2400" dirty="0" smtClean="0"/>
+              <a:rPr kumimoji="1" lang="en-US" altLang="ja-JP" sz="2400" dirty="0"/>
               <a:t>Python</a:t>
             </a:r>
             <a:r>
-              <a:rPr kumimoji="1" lang="ja-JP" altLang="en-US" sz="2400" dirty="0" smtClean="0"/>
+              <a:rPr kumimoji="1" lang="ja-JP" altLang="en-US" sz="2400" dirty="0"/>
               <a:t>を使用</a:t>
             </a:r>
-            <a:endParaRPr kumimoji="1" lang="en-US" altLang="ja-JP" sz="2400" dirty="0" smtClean="0"/>
+            <a:endParaRPr kumimoji="1" lang="en-US" altLang="ja-JP" sz="2400" dirty="0"/>
           </a:p>
           <a:p>
             <a:endParaRPr lang="en-US" altLang="ja-JP" sz="2400" dirty="0"/>
           </a:p>
           <a:p>
             <a:r>
-              <a:rPr kumimoji="1" lang="ja-JP" altLang="en-US" sz="2400" dirty="0" smtClean="0"/>
+              <a:rPr kumimoji="1" lang="ja-JP" altLang="en-US" sz="2400" dirty="0"/>
               <a:t>・</a:t>
             </a:r>
             <a:r>
               <a:rPr lang="ja-JP" altLang="en-US" sz="2400" dirty="0"/>
-              <a:t>ガントチャート用いてスケジュール</a:t>
-            </a:r>
-            <a:r>
-              <a:rPr lang="ja-JP" altLang="en-US" sz="2400" dirty="0" smtClean="0"/>
-              <a:t>管理</a:t>
-            </a:r>
-            <a:endParaRPr kumimoji="1" lang="en-US" altLang="ja-JP" sz="2400" dirty="0" smtClean="0"/>
+              <a:t>ガントチャート用いてスケジュール管理</a:t>
+            </a:r>
+            <a:endParaRPr kumimoji="1" lang="en-US" altLang="ja-JP" sz="2400" dirty="0"/>
           </a:p>
           <a:p>
             <a:endParaRPr lang="en-US" altLang="ja-JP" sz="2400" dirty="0"/>
@@ -15836,10 +15632,9 @@
           <a:lstStyle/>
           <a:p>
             <a:r>
-              <a:rPr kumimoji="1" lang="ja-JP" altLang="en-US" sz="2400" dirty="0" smtClean="0"/>
+              <a:rPr kumimoji="1" lang="ja-JP" altLang="en-US" sz="2400" dirty="0"/>
               <a:t>ユースケース図</a:t>
             </a:r>
-            <a:endParaRPr kumimoji="1" lang="ja-JP" altLang="en-US" sz="2400" dirty="0"/>
           </a:p>
         </p:txBody>
       </p:sp>
@@ -15853,13 +15648,6 @@
   <p:clrMapOvr>
     <a:masterClrMapping/>
   </p:clrMapOvr>
-  <p:timing>
-    <p:tnLst>
-      <p:par>
-        <p:cTn id="1" dur="indefinite" restart="never" nodeType="tmRoot"/>
-      </p:par>
-    </p:tnLst>
-  </p:timing>
 </p:sld>
 </file>
 
@@ -15924,10 +15712,9 @@
           <a:lstStyle/>
           <a:p>
             <a:r>
-              <a:rPr kumimoji="1" lang="ja-JP" altLang="en-US" dirty="0" smtClean="0"/>
+              <a:rPr kumimoji="1" lang="ja-JP" altLang="en-US" dirty="0"/>
               <a:t>解析システムの実装方法</a:t>
             </a:r>
-            <a:endParaRPr kumimoji="1" lang="ja-JP" altLang="en-US" dirty="0"/>
           </a:p>
         </p:txBody>
       </p:sp>
@@ -15967,10 +15754,9 @@
           <a:lstStyle/>
           <a:p>
             <a:r>
-              <a:rPr kumimoji="1" lang="ja-JP" altLang="en-US" sz="2400" dirty="0" smtClean="0"/>
+              <a:rPr kumimoji="1" lang="ja-JP" altLang="en-US" sz="2400" dirty="0"/>
               <a:t>入力</a:t>
             </a:r>
-            <a:endParaRPr kumimoji="1" lang="ja-JP" altLang="en-US" sz="2400" dirty="0"/>
           </a:p>
         </p:txBody>
       </p:sp>
@@ -16057,12 +15843,8 @@
           <a:lstStyle/>
           <a:p>
             <a:r>
-              <a:rPr lang="ja-JP" altLang="en-US" sz="2400" dirty="0" smtClean="0"/>
-              <a:t>サーバ</a:t>
-            </a:r>
-            <a:r>
               <a:rPr lang="ja-JP" altLang="en-US" sz="2400" dirty="0"/>
-              <a:t>処理</a:t>
+              <a:t>サーバ処理</a:t>
             </a:r>
             <a:endParaRPr kumimoji="1" lang="ja-JP" altLang="en-US" sz="2400" dirty="0"/>
           </a:p>
@@ -16108,34 +15890,34 @@
           <a:lstStyle/>
           <a:p>
             <a:r>
-              <a:rPr kumimoji="1" lang="ja-JP" altLang="en-US" sz="2400" dirty="0" smtClean="0"/>
+              <a:rPr kumimoji="1" lang="ja-JP" altLang="en-US" sz="2400" dirty="0"/>
               <a:t>ラズベリーパイから送信された画像データと</a:t>
             </a:r>
-            <a:endParaRPr kumimoji="1" lang="en-US" altLang="ja-JP" sz="2400" dirty="0" smtClean="0"/>
-          </a:p>
-          <a:p>
-            <a:r>
-              <a:rPr kumimoji="1" lang="ja-JP" altLang="en-US" sz="2400" dirty="0" smtClean="0"/>
+            <a:endParaRPr kumimoji="1" lang="en-US" altLang="ja-JP" sz="2400" dirty="0"/>
+          </a:p>
+          <a:p>
+            <a:r>
+              <a:rPr kumimoji="1" lang="ja-JP" altLang="en-US" sz="2400" dirty="0"/>
               <a:t>フラグ</a:t>
             </a:r>
             <a:r>
-              <a:rPr kumimoji="1" lang="en-US" altLang="ja-JP" sz="2400" dirty="0" smtClean="0"/>
+              <a:rPr kumimoji="1" lang="en-US" altLang="ja-JP" sz="2400" dirty="0"/>
               <a:t>(</a:t>
             </a:r>
             <a:r>
-              <a:rPr kumimoji="1" lang="ja-JP" altLang="en-US" sz="2400" dirty="0" smtClean="0"/>
+              <a:rPr kumimoji="1" lang="ja-JP" altLang="en-US" sz="2400" dirty="0"/>
               <a:t>追加</a:t>
             </a:r>
             <a:r>
-              <a:rPr kumimoji="1" lang="en-US" altLang="ja-JP" sz="2400" dirty="0" smtClean="0"/>
+              <a:rPr kumimoji="1" lang="en-US" altLang="ja-JP" sz="2400" dirty="0"/>
               <a:t>or</a:t>
             </a:r>
             <a:r>
-              <a:rPr kumimoji="1" lang="ja-JP" altLang="en-US" sz="2400" dirty="0" smtClean="0"/>
+              <a:rPr kumimoji="1" lang="ja-JP" altLang="en-US" sz="2400" dirty="0"/>
               <a:t>削除</a:t>
             </a:r>
             <a:r>
-              <a:rPr kumimoji="1" lang="en-US" altLang="ja-JP" sz="2400" dirty="0" smtClean="0"/>
+              <a:rPr kumimoji="1" lang="en-US" altLang="ja-JP" sz="2400" dirty="0"/>
               <a:t>)</a:t>
             </a:r>
             <a:endParaRPr kumimoji="1" lang="ja-JP" altLang="en-US" sz="2400" dirty="0"/>
@@ -16182,30 +15964,30 @@
           <a:lstStyle/>
           <a:p>
             <a:r>
-              <a:rPr kumimoji="1" lang="ja-JP" altLang="en-US" sz="2400" dirty="0" smtClean="0"/>
+              <a:rPr kumimoji="1" lang="ja-JP" altLang="en-US" sz="2400" dirty="0"/>
               <a:t>・</a:t>
             </a:r>
             <a:r>
-              <a:rPr kumimoji="1" lang="en-US" altLang="ja-JP" sz="2400" dirty="0" smtClean="0"/>
+              <a:rPr kumimoji="1" lang="en-US" altLang="ja-JP" sz="2400" dirty="0"/>
               <a:t>Yolo</a:t>
             </a:r>
             <a:endParaRPr lang="en-US" altLang="ja-JP" sz="2400" dirty="0"/>
           </a:p>
           <a:p>
             <a:r>
-              <a:rPr kumimoji="1" lang="ja-JP" altLang="en-US" sz="2400" dirty="0" smtClean="0"/>
+              <a:rPr kumimoji="1" lang="ja-JP" altLang="en-US" sz="2400" dirty="0"/>
               <a:t>画像からバーコードが写っている座標の取得</a:t>
             </a:r>
             <a:r>
-              <a:rPr kumimoji="1" lang="en-US" altLang="ja-JP" sz="2400" dirty="0" smtClean="0"/>
+              <a:rPr kumimoji="1" lang="en-US" altLang="ja-JP" sz="2400" dirty="0"/>
               <a:t>(</a:t>
             </a:r>
             <a:r>
-              <a:rPr kumimoji="1" lang="en-US" altLang="ja-JP" sz="2400" dirty="0" err="1" smtClean="0"/>
+              <a:rPr kumimoji="1" lang="en-US" altLang="ja-JP" sz="2400" dirty="0" err="1"/>
               <a:t>x,y,h,w</a:t>
             </a:r>
             <a:r>
-              <a:rPr kumimoji="1" lang="en-US" altLang="ja-JP" sz="2400" dirty="0" smtClean="0"/>
+              <a:rPr kumimoji="1" lang="en-US" altLang="ja-JP" sz="2400" dirty="0"/>
               <a:t>)</a:t>
             </a:r>
           </a:p>
@@ -16214,24 +15996,24 @@
           </a:p>
           <a:p>
             <a:r>
-              <a:rPr kumimoji="1" lang="ja-JP" altLang="en-US" sz="2400" dirty="0" smtClean="0"/>
+              <a:rPr kumimoji="1" lang="ja-JP" altLang="en-US" sz="2400" dirty="0"/>
               <a:t>・画像処理</a:t>
             </a:r>
             <a:endParaRPr lang="en-US" altLang="ja-JP" sz="2400" dirty="0"/>
           </a:p>
           <a:p>
             <a:r>
-              <a:rPr kumimoji="1" lang="ja-JP" altLang="en-US" sz="2400" dirty="0" smtClean="0"/>
+              <a:rPr kumimoji="1" lang="ja-JP" altLang="en-US" sz="2400" dirty="0"/>
               <a:t>画像の切り取り、グレイスケール化</a:t>
             </a:r>
-            <a:endParaRPr kumimoji="1" lang="en-US" altLang="ja-JP" sz="2400" dirty="0" smtClean="0"/>
+            <a:endParaRPr kumimoji="1" lang="en-US" altLang="ja-JP" sz="2400" dirty="0"/>
           </a:p>
           <a:p>
             <a:endParaRPr lang="en-US" altLang="ja-JP" sz="2400" dirty="0"/>
           </a:p>
           <a:p>
             <a:r>
-              <a:rPr kumimoji="1" lang="ja-JP" altLang="en-US" sz="2400" dirty="0" smtClean="0"/>
+              <a:rPr kumimoji="1" lang="ja-JP" altLang="en-US" sz="2400" dirty="0"/>
               <a:t>・</a:t>
             </a:r>
             <a:r>
@@ -16239,14 +16021,14 @@
               <a:t>p</a:t>
             </a:r>
             <a:r>
-              <a:rPr kumimoji="1" lang="en-US" altLang="ja-JP" sz="2400" dirty="0" err="1" smtClean="0"/>
+              <a:rPr kumimoji="1" lang="en-US" altLang="ja-JP" sz="2400" dirty="0" err="1"/>
               <a:t>yzbar</a:t>
             </a:r>
             <a:r>
-              <a:rPr kumimoji="1" lang="ja-JP" altLang="en-US" sz="2400" dirty="0" smtClean="0"/>
+              <a:rPr kumimoji="1" lang="ja-JP" altLang="en-US" sz="2400" dirty="0"/>
               <a:t>グレイスケール化したバーコード画像を投げ、番号を取得</a:t>
             </a:r>
-            <a:endParaRPr kumimoji="1" lang="en-US" altLang="ja-JP" sz="2400" dirty="0" smtClean="0"/>
+            <a:endParaRPr kumimoji="1" lang="en-US" altLang="ja-JP" sz="2400" dirty="0"/>
           </a:p>
           <a:p>
             <a:endParaRPr kumimoji="1" lang="ja-JP" altLang="en-US" dirty="0"/>
@@ -16293,10 +16075,9 @@
           <a:lstStyle/>
           <a:p>
             <a:r>
-              <a:rPr kumimoji="1" lang="ja-JP" altLang="en-US" sz="2400" dirty="0" smtClean="0"/>
+              <a:rPr kumimoji="1" lang="ja-JP" altLang="en-US" sz="2400" dirty="0"/>
               <a:t>バーコード番号</a:t>
             </a:r>
-            <a:endParaRPr kumimoji="1" lang="ja-JP" altLang="en-US" sz="2400" dirty="0"/>
           </a:p>
         </p:txBody>
       </p:sp>
@@ -16310,13 +16091,6 @@
   <p:clrMapOvr>
     <a:masterClrMapping/>
   </p:clrMapOvr>
-  <p:timing>
-    <p:tnLst>
-      <p:par>
-        <p:cTn id="1" dur="indefinite" restart="never" nodeType="tmRoot"/>
-      </p:par>
-    </p:tnLst>
-  </p:timing>
 </p:sld>
 </file>
 
